--- a/Proj_presentation.pptx
+++ b/Proj_presentation.pptx
@@ -4,6 +4,9 @@
   <p:sldMasterIdLst>
     <p:sldMasterId id="2147483648" r:id="rId1"/>
   </p:sldMasterIdLst>
+  <p:notesMasterIdLst>
+    <p:notesMasterId r:id="rId10"/>
+  </p:notesMasterIdLst>
   <p:sldIdLst>
     <p:sldId id="256" r:id="rId2"/>
     <p:sldId id="257" r:id="rId3"/>
@@ -1439,6 +1442,8231 @@
 </cs:chartStyle>
 </file>
 
+<file path=ppt/diagrams/colors1.xml><?xml version="1.0" encoding="utf-8"?>
+<dgm:colorsDef xmlns:dgm="http://schemas.openxmlformats.org/drawingml/2006/diagram" xmlns:a="http://schemas.openxmlformats.org/drawingml/2006/main" uniqueId="urn:microsoft.com/office/officeart/2005/8/colors/accent1_2">
+  <dgm:title val=""/>
+  <dgm:desc val=""/>
+  <dgm:catLst>
+    <dgm:cat type="accent1" pri="11200"/>
+  </dgm:catLst>
+  <dgm:styleLbl name="node0">
+    <dgm:fillClrLst meth="repeat">
+      <a:schemeClr val="accent1"/>
+    </dgm:fillClrLst>
+    <dgm:linClrLst meth="repeat">
+      <a:schemeClr val="lt1"/>
+    </dgm:linClrLst>
+    <dgm:effectClrLst/>
+    <dgm:txLinClrLst/>
+    <dgm:txFillClrLst/>
+    <dgm:txEffectClrLst/>
+  </dgm:styleLbl>
+  <dgm:styleLbl name="alignNode1">
+    <dgm:fillClrLst meth="repeat">
+      <a:schemeClr val="accent1"/>
+    </dgm:fillClrLst>
+    <dgm:linClrLst meth="repeat">
+      <a:schemeClr val="accent1"/>
+    </dgm:linClrLst>
+    <dgm:effectClrLst/>
+    <dgm:txLinClrLst/>
+    <dgm:txFillClrLst/>
+    <dgm:txEffectClrLst/>
+  </dgm:styleLbl>
+  <dgm:styleLbl name="node1">
+    <dgm:fillClrLst meth="repeat">
+      <a:schemeClr val="accent1"/>
+    </dgm:fillClrLst>
+    <dgm:linClrLst meth="repeat">
+      <a:schemeClr val="lt1"/>
+    </dgm:linClrLst>
+    <dgm:effectClrLst/>
+    <dgm:txLinClrLst/>
+    <dgm:txFillClrLst/>
+    <dgm:txEffectClrLst/>
+  </dgm:styleLbl>
+  <dgm:styleLbl name="lnNode1">
+    <dgm:fillClrLst meth="repeat">
+      <a:schemeClr val="accent1"/>
+    </dgm:fillClrLst>
+    <dgm:linClrLst meth="repeat">
+      <a:schemeClr val="lt1"/>
+    </dgm:linClrLst>
+    <dgm:effectClrLst/>
+    <dgm:txLinClrLst/>
+    <dgm:txFillClrLst/>
+    <dgm:txEffectClrLst/>
+  </dgm:styleLbl>
+  <dgm:styleLbl name="vennNode1">
+    <dgm:fillClrLst meth="repeat">
+      <a:schemeClr val="accent1">
+        <a:alpha val="50000"/>
+      </a:schemeClr>
+    </dgm:fillClrLst>
+    <dgm:linClrLst meth="repeat">
+      <a:schemeClr val="lt1"/>
+    </dgm:linClrLst>
+    <dgm:effectClrLst/>
+    <dgm:txLinClrLst/>
+    <dgm:txFillClrLst/>
+    <dgm:txEffectClrLst/>
+  </dgm:styleLbl>
+  <dgm:styleLbl name="node2">
+    <dgm:fillClrLst meth="repeat">
+      <a:schemeClr val="accent1"/>
+    </dgm:fillClrLst>
+    <dgm:linClrLst meth="repeat">
+      <a:schemeClr val="lt1"/>
+    </dgm:linClrLst>
+    <dgm:effectClrLst/>
+    <dgm:txLinClrLst/>
+    <dgm:txFillClrLst/>
+    <dgm:txEffectClrLst/>
+  </dgm:styleLbl>
+  <dgm:styleLbl name="node3">
+    <dgm:fillClrLst meth="repeat">
+      <a:schemeClr val="accent1"/>
+    </dgm:fillClrLst>
+    <dgm:linClrLst meth="repeat">
+      <a:schemeClr val="lt1"/>
+    </dgm:linClrLst>
+    <dgm:effectClrLst/>
+    <dgm:txLinClrLst/>
+    <dgm:txFillClrLst/>
+    <dgm:txEffectClrLst/>
+  </dgm:styleLbl>
+  <dgm:styleLbl name="node4">
+    <dgm:fillClrLst meth="repeat">
+      <a:schemeClr val="accent1"/>
+    </dgm:fillClrLst>
+    <dgm:linClrLst meth="repeat">
+      <a:schemeClr val="lt1"/>
+    </dgm:linClrLst>
+    <dgm:effectClrLst/>
+    <dgm:txLinClrLst/>
+    <dgm:txFillClrLst/>
+    <dgm:txEffectClrLst/>
+  </dgm:styleLbl>
+  <dgm:styleLbl name="fgImgPlace1">
+    <dgm:fillClrLst meth="repeat">
+      <a:schemeClr val="accent1">
+        <a:tint val="50000"/>
+      </a:schemeClr>
+    </dgm:fillClrLst>
+    <dgm:linClrLst meth="repeat">
+      <a:schemeClr val="lt1"/>
+    </dgm:linClrLst>
+    <dgm:effectClrLst/>
+    <dgm:txLinClrLst/>
+    <dgm:txFillClrLst meth="repeat">
+      <a:schemeClr val="lt1"/>
+    </dgm:txFillClrLst>
+    <dgm:txEffectClrLst/>
+  </dgm:styleLbl>
+  <dgm:styleLbl name="alignImgPlace1">
+    <dgm:fillClrLst meth="repeat">
+      <a:schemeClr val="accent1">
+        <a:tint val="50000"/>
+      </a:schemeClr>
+    </dgm:fillClrLst>
+    <dgm:linClrLst meth="repeat">
+      <a:schemeClr val="lt1"/>
+    </dgm:linClrLst>
+    <dgm:effectClrLst/>
+    <dgm:txLinClrLst/>
+    <dgm:txFillClrLst meth="repeat">
+      <a:schemeClr val="lt1"/>
+    </dgm:txFillClrLst>
+    <dgm:txEffectClrLst/>
+  </dgm:styleLbl>
+  <dgm:styleLbl name="bgImgPlace1">
+    <dgm:fillClrLst meth="repeat">
+      <a:schemeClr val="accent1">
+        <a:tint val="50000"/>
+      </a:schemeClr>
+    </dgm:fillClrLst>
+    <dgm:linClrLst meth="repeat">
+      <a:schemeClr val="lt1"/>
+    </dgm:linClrLst>
+    <dgm:effectClrLst/>
+    <dgm:txLinClrLst/>
+    <dgm:txFillClrLst meth="repeat">
+      <a:schemeClr val="lt1"/>
+    </dgm:txFillClrLst>
+    <dgm:txEffectClrLst/>
+  </dgm:styleLbl>
+  <dgm:styleLbl name="sibTrans2D1">
+    <dgm:fillClrLst meth="repeat">
+      <a:schemeClr val="accent1">
+        <a:tint val="60000"/>
+      </a:schemeClr>
+    </dgm:fillClrLst>
+    <dgm:linClrLst meth="repeat">
+      <a:schemeClr val="accent1">
+        <a:tint val="60000"/>
+      </a:schemeClr>
+    </dgm:linClrLst>
+    <dgm:effectClrLst/>
+    <dgm:txLinClrLst/>
+    <dgm:txFillClrLst/>
+    <dgm:txEffectClrLst/>
+  </dgm:styleLbl>
+  <dgm:styleLbl name="fgSibTrans2D1">
+    <dgm:fillClrLst meth="repeat">
+      <a:schemeClr val="accent1">
+        <a:tint val="60000"/>
+      </a:schemeClr>
+    </dgm:fillClrLst>
+    <dgm:linClrLst meth="repeat">
+      <a:schemeClr val="accent1">
+        <a:tint val="60000"/>
+      </a:schemeClr>
+    </dgm:linClrLst>
+    <dgm:effectClrLst/>
+    <dgm:txLinClrLst/>
+    <dgm:txFillClrLst/>
+    <dgm:txEffectClrLst/>
+  </dgm:styleLbl>
+  <dgm:styleLbl name="bgSibTrans2D1">
+    <dgm:fillClrLst meth="repeat">
+      <a:schemeClr val="accent1">
+        <a:tint val="60000"/>
+      </a:schemeClr>
+    </dgm:fillClrLst>
+    <dgm:linClrLst meth="repeat">
+      <a:schemeClr val="accent1">
+        <a:tint val="60000"/>
+      </a:schemeClr>
+    </dgm:linClrLst>
+    <dgm:effectClrLst/>
+    <dgm:txLinClrLst/>
+    <dgm:txFillClrLst/>
+    <dgm:txEffectClrLst/>
+  </dgm:styleLbl>
+  <dgm:styleLbl name="sibTrans1D1">
+    <dgm:fillClrLst meth="repeat">
+      <a:schemeClr val="accent1"/>
+    </dgm:fillClrLst>
+    <dgm:linClrLst meth="repeat">
+      <a:schemeClr val="accent1"/>
+    </dgm:linClrLst>
+    <dgm:effectClrLst/>
+    <dgm:txLinClrLst/>
+    <dgm:txFillClrLst meth="repeat">
+      <a:schemeClr val="tx1"/>
+    </dgm:txFillClrLst>
+    <dgm:txEffectClrLst/>
+  </dgm:styleLbl>
+  <dgm:styleLbl name="callout">
+    <dgm:fillClrLst meth="repeat">
+      <a:schemeClr val="accent1"/>
+    </dgm:fillClrLst>
+    <dgm:linClrLst meth="repeat">
+      <a:schemeClr val="accent1">
+        <a:tint val="50000"/>
+      </a:schemeClr>
+    </dgm:linClrLst>
+    <dgm:effectClrLst/>
+    <dgm:txLinClrLst/>
+    <dgm:txFillClrLst meth="repeat">
+      <a:schemeClr val="tx1"/>
+    </dgm:txFillClrLst>
+    <dgm:txEffectClrLst/>
+  </dgm:styleLbl>
+  <dgm:styleLbl name="asst0">
+    <dgm:fillClrLst meth="repeat">
+      <a:schemeClr val="accent1"/>
+    </dgm:fillClrLst>
+    <dgm:linClrLst meth="repeat">
+      <a:schemeClr val="lt1"/>
+    </dgm:linClrLst>
+    <dgm:effectClrLst/>
+    <dgm:txLinClrLst/>
+    <dgm:txFillClrLst/>
+    <dgm:txEffectClrLst/>
+  </dgm:styleLbl>
+  <dgm:styleLbl name="asst1">
+    <dgm:fillClrLst meth="repeat">
+      <a:schemeClr val="accent1"/>
+    </dgm:fillClrLst>
+    <dgm:linClrLst meth="repeat">
+      <a:schemeClr val="lt1"/>
+    </dgm:linClrLst>
+    <dgm:effectClrLst/>
+    <dgm:txLinClrLst/>
+    <dgm:txFillClrLst/>
+    <dgm:txEffectClrLst/>
+  </dgm:styleLbl>
+  <dgm:styleLbl name="asst2">
+    <dgm:fillClrLst meth="repeat">
+      <a:schemeClr val="accent1"/>
+    </dgm:fillClrLst>
+    <dgm:linClrLst meth="repeat">
+      <a:schemeClr val="lt1"/>
+    </dgm:linClrLst>
+    <dgm:effectClrLst/>
+    <dgm:txLinClrLst/>
+    <dgm:txFillClrLst/>
+    <dgm:txEffectClrLst/>
+  </dgm:styleLbl>
+  <dgm:styleLbl name="asst3">
+    <dgm:fillClrLst meth="repeat">
+      <a:schemeClr val="accent1"/>
+    </dgm:fillClrLst>
+    <dgm:linClrLst meth="repeat">
+      <a:schemeClr val="lt1"/>
+    </dgm:linClrLst>
+    <dgm:effectClrLst/>
+    <dgm:txLinClrLst/>
+    <dgm:txFillClrLst/>
+    <dgm:txEffectClrLst/>
+  </dgm:styleLbl>
+  <dgm:styleLbl name="asst4">
+    <dgm:fillClrLst meth="repeat">
+      <a:schemeClr val="accent1"/>
+    </dgm:fillClrLst>
+    <dgm:linClrLst meth="repeat">
+      <a:schemeClr val="lt1"/>
+    </dgm:linClrLst>
+    <dgm:effectClrLst/>
+    <dgm:txLinClrLst/>
+    <dgm:txFillClrLst/>
+    <dgm:txEffectClrLst/>
+  </dgm:styleLbl>
+  <dgm:styleLbl name="parChTrans2D1">
+    <dgm:fillClrLst meth="repeat">
+      <a:schemeClr val="accent1">
+        <a:tint val="60000"/>
+      </a:schemeClr>
+    </dgm:fillClrLst>
+    <dgm:linClrLst meth="repeat">
+      <a:schemeClr val="accent1">
+        <a:tint val="60000"/>
+      </a:schemeClr>
+    </dgm:linClrLst>
+    <dgm:effectClrLst/>
+    <dgm:txLinClrLst/>
+    <dgm:txFillClrLst meth="repeat">
+      <a:schemeClr val="lt1"/>
+    </dgm:txFillClrLst>
+    <dgm:txEffectClrLst/>
+  </dgm:styleLbl>
+  <dgm:styleLbl name="parChTrans2D2">
+    <dgm:fillClrLst meth="repeat">
+      <a:schemeClr val="accent1"/>
+    </dgm:fillClrLst>
+    <dgm:linClrLst meth="repeat">
+      <a:schemeClr val="accent1"/>
+    </dgm:linClrLst>
+    <dgm:effectClrLst/>
+    <dgm:txLinClrLst/>
+    <dgm:txFillClrLst meth="repeat">
+      <a:schemeClr val="lt1"/>
+    </dgm:txFillClrLst>
+    <dgm:txEffectClrLst/>
+  </dgm:styleLbl>
+  <dgm:styleLbl name="parChTrans2D3">
+    <dgm:fillClrLst meth="repeat">
+      <a:schemeClr val="accent1"/>
+    </dgm:fillClrLst>
+    <dgm:linClrLst meth="repeat">
+      <a:schemeClr val="accent1"/>
+    </dgm:linClrLst>
+    <dgm:effectClrLst/>
+    <dgm:txLinClrLst/>
+    <dgm:txFillClrLst meth="repeat">
+      <a:schemeClr val="lt1"/>
+    </dgm:txFillClrLst>
+    <dgm:txEffectClrLst/>
+  </dgm:styleLbl>
+  <dgm:styleLbl name="parChTrans2D4">
+    <dgm:fillClrLst meth="repeat">
+      <a:schemeClr val="accent1"/>
+    </dgm:fillClrLst>
+    <dgm:linClrLst meth="repeat">
+      <a:schemeClr val="accent1"/>
+    </dgm:linClrLst>
+    <dgm:effectClrLst/>
+    <dgm:txLinClrLst/>
+    <dgm:txFillClrLst meth="repeat">
+      <a:schemeClr val="lt1"/>
+    </dgm:txFillClrLst>
+    <dgm:txEffectClrLst/>
+  </dgm:styleLbl>
+  <dgm:styleLbl name="parChTrans1D1">
+    <dgm:fillClrLst meth="repeat">
+      <a:schemeClr val="accent1"/>
+    </dgm:fillClrLst>
+    <dgm:linClrLst meth="repeat">
+      <a:schemeClr val="accent1">
+        <a:shade val="60000"/>
+      </a:schemeClr>
+    </dgm:linClrLst>
+    <dgm:effectClrLst/>
+    <dgm:txLinClrLst/>
+    <dgm:txFillClrLst meth="repeat">
+      <a:schemeClr val="tx1"/>
+    </dgm:txFillClrLst>
+    <dgm:txEffectClrLst/>
+  </dgm:styleLbl>
+  <dgm:styleLbl name="parChTrans1D2">
+    <dgm:fillClrLst meth="repeat">
+      <a:schemeClr val="accent1"/>
+    </dgm:fillClrLst>
+    <dgm:linClrLst meth="repeat">
+      <a:schemeClr val="accent1">
+        <a:shade val="60000"/>
+      </a:schemeClr>
+    </dgm:linClrLst>
+    <dgm:effectClrLst/>
+    <dgm:txLinClrLst/>
+    <dgm:txFillClrLst meth="repeat">
+      <a:schemeClr val="tx1"/>
+    </dgm:txFillClrLst>
+    <dgm:txEffectClrLst/>
+  </dgm:styleLbl>
+  <dgm:styleLbl name="parChTrans1D3">
+    <dgm:fillClrLst meth="repeat">
+      <a:schemeClr val="accent1"/>
+    </dgm:fillClrLst>
+    <dgm:linClrLst meth="repeat">
+      <a:schemeClr val="accent1">
+        <a:shade val="80000"/>
+      </a:schemeClr>
+    </dgm:linClrLst>
+    <dgm:effectClrLst/>
+    <dgm:txLinClrLst/>
+    <dgm:txFillClrLst meth="repeat">
+      <a:schemeClr val="tx1"/>
+    </dgm:txFillClrLst>
+    <dgm:txEffectClrLst/>
+  </dgm:styleLbl>
+  <dgm:styleLbl name="parChTrans1D4">
+    <dgm:fillClrLst meth="repeat">
+      <a:schemeClr val="accent1"/>
+    </dgm:fillClrLst>
+    <dgm:linClrLst meth="repeat">
+      <a:schemeClr val="accent1">
+        <a:shade val="80000"/>
+      </a:schemeClr>
+    </dgm:linClrLst>
+    <dgm:effectClrLst/>
+    <dgm:txLinClrLst/>
+    <dgm:txFillClrLst meth="repeat">
+      <a:schemeClr val="tx1"/>
+    </dgm:txFillClrLst>
+    <dgm:txEffectClrLst/>
+  </dgm:styleLbl>
+  <dgm:styleLbl name="fgAcc1">
+    <dgm:fillClrLst meth="repeat">
+      <a:schemeClr val="lt1">
+        <a:alpha val="90000"/>
+      </a:schemeClr>
+    </dgm:fillClrLst>
+    <dgm:linClrLst meth="repeat">
+      <a:schemeClr val="accent1"/>
+    </dgm:linClrLst>
+    <dgm:effectClrLst/>
+    <dgm:txLinClrLst/>
+    <dgm:txFillClrLst meth="repeat">
+      <a:schemeClr val="dk1"/>
+    </dgm:txFillClrLst>
+    <dgm:txEffectClrLst/>
+  </dgm:styleLbl>
+  <dgm:styleLbl name="conFgAcc1">
+    <dgm:fillClrLst meth="repeat">
+      <a:schemeClr val="lt1">
+        <a:alpha val="90000"/>
+      </a:schemeClr>
+    </dgm:fillClrLst>
+    <dgm:linClrLst meth="repeat">
+      <a:schemeClr val="accent1"/>
+    </dgm:linClrLst>
+    <dgm:effectClrLst/>
+    <dgm:txLinClrLst/>
+    <dgm:txFillClrLst meth="repeat">
+      <a:schemeClr val="dk1"/>
+    </dgm:txFillClrLst>
+    <dgm:txEffectClrLst/>
+  </dgm:styleLbl>
+  <dgm:styleLbl name="alignAcc1">
+    <dgm:fillClrLst meth="repeat">
+      <a:schemeClr val="lt1">
+        <a:alpha val="90000"/>
+      </a:schemeClr>
+    </dgm:fillClrLst>
+    <dgm:linClrLst meth="repeat">
+      <a:schemeClr val="accent1"/>
+    </dgm:linClrLst>
+    <dgm:effectClrLst/>
+    <dgm:txLinClrLst/>
+    <dgm:txFillClrLst meth="repeat">
+      <a:schemeClr val="dk1"/>
+    </dgm:txFillClrLst>
+    <dgm:txEffectClrLst/>
+  </dgm:styleLbl>
+  <dgm:styleLbl name="trAlignAcc1">
+    <dgm:fillClrLst meth="repeat">
+      <a:schemeClr val="lt1">
+        <a:alpha val="40000"/>
+      </a:schemeClr>
+    </dgm:fillClrLst>
+    <dgm:linClrLst meth="repeat">
+      <a:schemeClr val="accent1"/>
+    </dgm:linClrLst>
+    <dgm:effectClrLst/>
+    <dgm:txLinClrLst/>
+    <dgm:txFillClrLst meth="repeat">
+      <a:schemeClr val="dk1"/>
+    </dgm:txFillClrLst>
+    <dgm:txEffectClrLst/>
+  </dgm:styleLbl>
+  <dgm:styleLbl name="bgAcc1">
+    <dgm:fillClrLst meth="repeat">
+      <a:schemeClr val="lt1">
+        <a:alpha val="90000"/>
+      </a:schemeClr>
+    </dgm:fillClrLst>
+    <dgm:linClrLst meth="repeat">
+      <a:schemeClr val="accent1"/>
+    </dgm:linClrLst>
+    <dgm:effectClrLst/>
+    <dgm:txLinClrLst/>
+    <dgm:txFillClrLst meth="repeat">
+      <a:schemeClr val="dk1"/>
+    </dgm:txFillClrLst>
+    <dgm:txEffectClrLst/>
+  </dgm:styleLbl>
+  <dgm:styleLbl name="solidFgAcc1">
+    <dgm:fillClrLst meth="repeat">
+      <a:schemeClr val="lt1"/>
+    </dgm:fillClrLst>
+    <dgm:linClrLst meth="repeat">
+      <a:schemeClr val="accent1"/>
+    </dgm:linClrLst>
+    <dgm:effectClrLst/>
+    <dgm:txLinClrLst/>
+    <dgm:txFillClrLst meth="repeat">
+      <a:schemeClr val="dk1"/>
+    </dgm:txFillClrLst>
+    <dgm:txEffectClrLst/>
+  </dgm:styleLbl>
+  <dgm:styleLbl name="solidAlignAcc1">
+    <dgm:fillClrLst meth="repeat">
+      <a:schemeClr val="lt1"/>
+    </dgm:fillClrLst>
+    <dgm:linClrLst meth="repeat">
+      <a:schemeClr val="accent1"/>
+    </dgm:linClrLst>
+    <dgm:effectClrLst/>
+    <dgm:txLinClrLst/>
+    <dgm:txFillClrLst meth="repeat">
+      <a:schemeClr val="dk1"/>
+    </dgm:txFillClrLst>
+    <dgm:txEffectClrLst/>
+  </dgm:styleLbl>
+  <dgm:styleLbl name="solidBgAcc1">
+    <dgm:fillClrLst meth="repeat">
+      <a:schemeClr val="lt1"/>
+    </dgm:fillClrLst>
+    <dgm:linClrLst meth="repeat">
+      <a:schemeClr val="accent1"/>
+    </dgm:linClrLst>
+    <dgm:effectClrLst/>
+    <dgm:txLinClrLst/>
+    <dgm:txFillClrLst meth="repeat">
+      <a:schemeClr val="dk1"/>
+    </dgm:txFillClrLst>
+    <dgm:txEffectClrLst/>
+  </dgm:styleLbl>
+  <dgm:styleLbl name="fgAccFollowNode1">
+    <dgm:fillClrLst meth="repeat">
+      <a:schemeClr val="accent1">
+        <a:alpha val="90000"/>
+        <a:tint val="40000"/>
+      </a:schemeClr>
+    </dgm:fillClrLst>
+    <dgm:linClrLst meth="repeat">
+      <a:schemeClr val="accent1">
+        <a:alpha val="90000"/>
+        <a:tint val="40000"/>
+      </a:schemeClr>
+    </dgm:linClrLst>
+    <dgm:effectClrLst/>
+    <dgm:txLinClrLst/>
+    <dgm:txFillClrLst meth="repeat">
+      <a:schemeClr val="dk1"/>
+    </dgm:txFillClrLst>
+    <dgm:txEffectClrLst/>
+  </dgm:styleLbl>
+  <dgm:styleLbl name="alignAccFollowNode1">
+    <dgm:fillClrLst meth="repeat">
+      <a:schemeClr val="accent1">
+        <a:alpha val="90000"/>
+        <a:tint val="40000"/>
+      </a:schemeClr>
+    </dgm:fillClrLst>
+    <dgm:linClrLst meth="repeat">
+      <a:schemeClr val="accent1">
+        <a:alpha val="90000"/>
+        <a:tint val="40000"/>
+      </a:schemeClr>
+    </dgm:linClrLst>
+    <dgm:effectClrLst/>
+    <dgm:txLinClrLst/>
+    <dgm:txFillClrLst meth="repeat">
+      <a:schemeClr val="dk1"/>
+    </dgm:txFillClrLst>
+    <dgm:txEffectClrLst/>
+  </dgm:styleLbl>
+  <dgm:styleLbl name="bgAccFollowNode1">
+    <dgm:fillClrLst meth="repeat">
+      <a:schemeClr val="accent1">
+        <a:alpha val="90000"/>
+        <a:tint val="40000"/>
+      </a:schemeClr>
+    </dgm:fillClrLst>
+    <dgm:linClrLst meth="repeat">
+      <a:schemeClr val="accent1">
+        <a:alpha val="90000"/>
+        <a:tint val="40000"/>
+      </a:schemeClr>
+    </dgm:linClrLst>
+    <dgm:effectClrLst/>
+    <dgm:txLinClrLst/>
+    <dgm:txFillClrLst meth="repeat">
+      <a:schemeClr val="dk1"/>
+    </dgm:txFillClrLst>
+    <dgm:txEffectClrLst/>
+  </dgm:styleLbl>
+  <dgm:styleLbl name="fgAcc0">
+    <dgm:fillClrLst meth="repeat">
+      <a:schemeClr val="lt1">
+        <a:alpha val="90000"/>
+      </a:schemeClr>
+    </dgm:fillClrLst>
+    <dgm:linClrLst meth="repeat">
+      <a:schemeClr val="accent1"/>
+    </dgm:linClrLst>
+    <dgm:effectClrLst/>
+    <dgm:txLinClrLst/>
+    <dgm:txFillClrLst meth="repeat">
+      <a:schemeClr val="dk1"/>
+    </dgm:txFillClrLst>
+    <dgm:txEffectClrLst/>
+  </dgm:styleLbl>
+  <dgm:styleLbl name="fgAcc2">
+    <dgm:fillClrLst meth="repeat">
+      <a:schemeClr val="lt1">
+        <a:alpha val="90000"/>
+      </a:schemeClr>
+    </dgm:fillClrLst>
+    <dgm:linClrLst meth="repeat">
+      <a:schemeClr val="accent1"/>
+    </dgm:linClrLst>
+    <dgm:effectClrLst/>
+    <dgm:txLinClrLst/>
+    <dgm:txFillClrLst meth="repeat">
+      <a:schemeClr val="dk1"/>
+    </dgm:txFillClrLst>
+    <dgm:txEffectClrLst/>
+  </dgm:styleLbl>
+  <dgm:styleLbl name="fgAcc3">
+    <dgm:fillClrLst meth="repeat">
+      <a:schemeClr val="lt1">
+        <a:alpha val="90000"/>
+      </a:schemeClr>
+    </dgm:fillClrLst>
+    <dgm:linClrLst meth="repeat">
+      <a:schemeClr val="accent1"/>
+    </dgm:linClrLst>
+    <dgm:effectClrLst/>
+    <dgm:txLinClrLst/>
+    <dgm:txFillClrLst meth="repeat">
+      <a:schemeClr val="dk1"/>
+    </dgm:txFillClrLst>
+    <dgm:txEffectClrLst/>
+  </dgm:styleLbl>
+  <dgm:styleLbl name="fgAcc4">
+    <dgm:fillClrLst meth="repeat">
+      <a:schemeClr val="lt1">
+        <a:alpha val="90000"/>
+      </a:schemeClr>
+    </dgm:fillClrLst>
+    <dgm:linClrLst meth="repeat">
+      <a:schemeClr val="accent1"/>
+    </dgm:linClrLst>
+    <dgm:effectClrLst/>
+    <dgm:txLinClrLst/>
+    <dgm:txFillClrLst meth="repeat">
+      <a:schemeClr val="dk1"/>
+    </dgm:txFillClrLst>
+    <dgm:txEffectClrLst/>
+  </dgm:styleLbl>
+  <dgm:styleLbl name="bgShp">
+    <dgm:fillClrLst meth="repeat">
+      <a:schemeClr val="accent1">
+        <a:tint val="40000"/>
+      </a:schemeClr>
+    </dgm:fillClrLst>
+    <dgm:linClrLst meth="repeat">
+      <a:schemeClr val="accent1"/>
+    </dgm:linClrLst>
+    <dgm:effectClrLst/>
+    <dgm:txLinClrLst/>
+    <dgm:txFillClrLst meth="repeat">
+      <a:schemeClr val="dk1"/>
+    </dgm:txFillClrLst>
+    <dgm:txEffectClrLst/>
+  </dgm:styleLbl>
+  <dgm:styleLbl name="dkBgShp">
+    <dgm:fillClrLst meth="repeat">
+      <a:schemeClr val="accent1">
+        <a:shade val="80000"/>
+      </a:schemeClr>
+    </dgm:fillClrLst>
+    <dgm:linClrLst meth="repeat">
+      <a:schemeClr val="accent1"/>
+    </dgm:linClrLst>
+    <dgm:effectClrLst/>
+    <dgm:txLinClrLst/>
+    <dgm:txFillClrLst meth="repeat">
+      <a:schemeClr val="lt1"/>
+    </dgm:txFillClrLst>
+    <dgm:txEffectClrLst/>
+  </dgm:styleLbl>
+  <dgm:styleLbl name="trBgShp">
+    <dgm:fillClrLst meth="repeat">
+      <a:schemeClr val="accent1">
+        <a:tint val="50000"/>
+        <a:alpha val="40000"/>
+      </a:schemeClr>
+    </dgm:fillClrLst>
+    <dgm:linClrLst meth="repeat">
+      <a:schemeClr val="accent1"/>
+    </dgm:linClrLst>
+    <dgm:effectClrLst/>
+    <dgm:txLinClrLst/>
+    <dgm:txFillClrLst meth="repeat">
+      <a:schemeClr val="lt1"/>
+    </dgm:txFillClrLst>
+    <dgm:txEffectClrLst/>
+  </dgm:styleLbl>
+  <dgm:styleLbl name="fgShp">
+    <dgm:fillClrLst meth="repeat">
+      <a:schemeClr val="accent1">
+        <a:tint val="60000"/>
+      </a:schemeClr>
+    </dgm:fillClrLst>
+    <dgm:linClrLst meth="repeat">
+      <a:schemeClr val="lt1"/>
+    </dgm:linClrLst>
+    <dgm:effectClrLst/>
+    <dgm:txLinClrLst/>
+    <dgm:txFillClrLst meth="repeat">
+      <a:schemeClr val="dk1"/>
+    </dgm:txFillClrLst>
+    <dgm:txEffectClrLst/>
+  </dgm:styleLbl>
+  <dgm:styleLbl name="revTx">
+    <dgm:fillClrLst meth="repeat">
+      <a:schemeClr val="lt1">
+        <a:alpha val="0"/>
+      </a:schemeClr>
+    </dgm:fillClrLst>
+    <dgm:linClrLst meth="repeat">
+      <a:schemeClr val="dk1">
+        <a:alpha val="0"/>
+      </a:schemeClr>
+    </dgm:linClrLst>
+    <dgm:effectClrLst/>
+    <dgm:txLinClrLst/>
+    <dgm:txFillClrLst meth="repeat">
+      <a:schemeClr val="tx1"/>
+    </dgm:txFillClrLst>
+    <dgm:txEffectClrLst/>
+  </dgm:styleLbl>
+</dgm:colorsDef>
+</file>
+
+<file path=ppt/diagrams/colors2.xml><?xml version="1.0" encoding="utf-8"?>
+<dgm:colorsDef xmlns:dgm="http://schemas.openxmlformats.org/drawingml/2006/diagram" xmlns:a="http://schemas.openxmlformats.org/drawingml/2006/main" uniqueId="urn:microsoft.com/office/officeart/2005/8/colors/accent1_2">
+  <dgm:title val=""/>
+  <dgm:desc val=""/>
+  <dgm:catLst>
+    <dgm:cat type="accent1" pri="11200"/>
+  </dgm:catLst>
+  <dgm:styleLbl name="node0">
+    <dgm:fillClrLst meth="repeat">
+      <a:schemeClr val="accent1"/>
+    </dgm:fillClrLst>
+    <dgm:linClrLst meth="repeat">
+      <a:schemeClr val="lt1"/>
+    </dgm:linClrLst>
+    <dgm:effectClrLst/>
+    <dgm:txLinClrLst/>
+    <dgm:txFillClrLst/>
+    <dgm:txEffectClrLst/>
+  </dgm:styleLbl>
+  <dgm:styleLbl name="alignNode1">
+    <dgm:fillClrLst meth="repeat">
+      <a:schemeClr val="accent1"/>
+    </dgm:fillClrLst>
+    <dgm:linClrLst meth="repeat">
+      <a:schemeClr val="accent1"/>
+    </dgm:linClrLst>
+    <dgm:effectClrLst/>
+    <dgm:txLinClrLst/>
+    <dgm:txFillClrLst/>
+    <dgm:txEffectClrLst/>
+  </dgm:styleLbl>
+  <dgm:styleLbl name="node1">
+    <dgm:fillClrLst meth="repeat">
+      <a:schemeClr val="accent1"/>
+    </dgm:fillClrLst>
+    <dgm:linClrLst meth="repeat">
+      <a:schemeClr val="lt1"/>
+    </dgm:linClrLst>
+    <dgm:effectClrLst/>
+    <dgm:txLinClrLst/>
+    <dgm:txFillClrLst/>
+    <dgm:txEffectClrLst/>
+  </dgm:styleLbl>
+  <dgm:styleLbl name="lnNode1">
+    <dgm:fillClrLst meth="repeat">
+      <a:schemeClr val="accent1"/>
+    </dgm:fillClrLst>
+    <dgm:linClrLst meth="repeat">
+      <a:schemeClr val="lt1"/>
+    </dgm:linClrLst>
+    <dgm:effectClrLst/>
+    <dgm:txLinClrLst/>
+    <dgm:txFillClrLst/>
+    <dgm:txEffectClrLst/>
+  </dgm:styleLbl>
+  <dgm:styleLbl name="vennNode1">
+    <dgm:fillClrLst meth="repeat">
+      <a:schemeClr val="accent1">
+        <a:alpha val="50000"/>
+      </a:schemeClr>
+    </dgm:fillClrLst>
+    <dgm:linClrLst meth="repeat">
+      <a:schemeClr val="lt1"/>
+    </dgm:linClrLst>
+    <dgm:effectClrLst/>
+    <dgm:txLinClrLst/>
+    <dgm:txFillClrLst/>
+    <dgm:txEffectClrLst/>
+  </dgm:styleLbl>
+  <dgm:styleLbl name="node2">
+    <dgm:fillClrLst meth="repeat">
+      <a:schemeClr val="accent1"/>
+    </dgm:fillClrLst>
+    <dgm:linClrLst meth="repeat">
+      <a:schemeClr val="lt1"/>
+    </dgm:linClrLst>
+    <dgm:effectClrLst/>
+    <dgm:txLinClrLst/>
+    <dgm:txFillClrLst/>
+    <dgm:txEffectClrLst/>
+  </dgm:styleLbl>
+  <dgm:styleLbl name="node3">
+    <dgm:fillClrLst meth="repeat">
+      <a:schemeClr val="accent1"/>
+    </dgm:fillClrLst>
+    <dgm:linClrLst meth="repeat">
+      <a:schemeClr val="lt1"/>
+    </dgm:linClrLst>
+    <dgm:effectClrLst/>
+    <dgm:txLinClrLst/>
+    <dgm:txFillClrLst/>
+    <dgm:txEffectClrLst/>
+  </dgm:styleLbl>
+  <dgm:styleLbl name="node4">
+    <dgm:fillClrLst meth="repeat">
+      <a:schemeClr val="accent1"/>
+    </dgm:fillClrLst>
+    <dgm:linClrLst meth="repeat">
+      <a:schemeClr val="lt1"/>
+    </dgm:linClrLst>
+    <dgm:effectClrLst/>
+    <dgm:txLinClrLst/>
+    <dgm:txFillClrLst/>
+    <dgm:txEffectClrLst/>
+  </dgm:styleLbl>
+  <dgm:styleLbl name="fgImgPlace1">
+    <dgm:fillClrLst meth="repeat">
+      <a:schemeClr val="accent1">
+        <a:tint val="50000"/>
+      </a:schemeClr>
+    </dgm:fillClrLst>
+    <dgm:linClrLst meth="repeat">
+      <a:schemeClr val="lt1"/>
+    </dgm:linClrLst>
+    <dgm:effectClrLst/>
+    <dgm:txLinClrLst/>
+    <dgm:txFillClrLst meth="repeat">
+      <a:schemeClr val="lt1"/>
+    </dgm:txFillClrLst>
+    <dgm:txEffectClrLst/>
+  </dgm:styleLbl>
+  <dgm:styleLbl name="alignImgPlace1">
+    <dgm:fillClrLst meth="repeat">
+      <a:schemeClr val="accent1">
+        <a:tint val="50000"/>
+      </a:schemeClr>
+    </dgm:fillClrLst>
+    <dgm:linClrLst meth="repeat">
+      <a:schemeClr val="lt1"/>
+    </dgm:linClrLst>
+    <dgm:effectClrLst/>
+    <dgm:txLinClrLst/>
+    <dgm:txFillClrLst meth="repeat">
+      <a:schemeClr val="lt1"/>
+    </dgm:txFillClrLst>
+    <dgm:txEffectClrLst/>
+  </dgm:styleLbl>
+  <dgm:styleLbl name="bgImgPlace1">
+    <dgm:fillClrLst meth="repeat">
+      <a:schemeClr val="accent1">
+        <a:tint val="50000"/>
+      </a:schemeClr>
+    </dgm:fillClrLst>
+    <dgm:linClrLst meth="repeat">
+      <a:schemeClr val="lt1"/>
+    </dgm:linClrLst>
+    <dgm:effectClrLst/>
+    <dgm:txLinClrLst/>
+    <dgm:txFillClrLst meth="repeat">
+      <a:schemeClr val="lt1"/>
+    </dgm:txFillClrLst>
+    <dgm:txEffectClrLst/>
+  </dgm:styleLbl>
+  <dgm:styleLbl name="sibTrans2D1">
+    <dgm:fillClrLst meth="repeat">
+      <a:schemeClr val="accent1">
+        <a:tint val="60000"/>
+      </a:schemeClr>
+    </dgm:fillClrLst>
+    <dgm:linClrLst meth="repeat">
+      <a:schemeClr val="accent1">
+        <a:tint val="60000"/>
+      </a:schemeClr>
+    </dgm:linClrLst>
+    <dgm:effectClrLst/>
+    <dgm:txLinClrLst/>
+    <dgm:txFillClrLst/>
+    <dgm:txEffectClrLst/>
+  </dgm:styleLbl>
+  <dgm:styleLbl name="fgSibTrans2D1">
+    <dgm:fillClrLst meth="repeat">
+      <a:schemeClr val="accent1">
+        <a:tint val="60000"/>
+      </a:schemeClr>
+    </dgm:fillClrLst>
+    <dgm:linClrLst meth="repeat">
+      <a:schemeClr val="accent1">
+        <a:tint val="60000"/>
+      </a:schemeClr>
+    </dgm:linClrLst>
+    <dgm:effectClrLst/>
+    <dgm:txLinClrLst/>
+    <dgm:txFillClrLst/>
+    <dgm:txEffectClrLst/>
+  </dgm:styleLbl>
+  <dgm:styleLbl name="bgSibTrans2D1">
+    <dgm:fillClrLst meth="repeat">
+      <a:schemeClr val="accent1">
+        <a:tint val="60000"/>
+      </a:schemeClr>
+    </dgm:fillClrLst>
+    <dgm:linClrLst meth="repeat">
+      <a:schemeClr val="accent1">
+        <a:tint val="60000"/>
+      </a:schemeClr>
+    </dgm:linClrLst>
+    <dgm:effectClrLst/>
+    <dgm:txLinClrLst/>
+    <dgm:txFillClrLst/>
+    <dgm:txEffectClrLst/>
+  </dgm:styleLbl>
+  <dgm:styleLbl name="sibTrans1D1">
+    <dgm:fillClrLst meth="repeat">
+      <a:schemeClr val="accent1"/>
+    </dgm:fillClrLst>
+    <dgm:linClrLst meth="repeat">
+      <a:schemeClr val="accent1"/>
+    </dgm:linClrLst>
+    <dgm:effectClrLst/>
+    <dgm:txLinClrLst/>
+    <dgm:txFillClrLst meth="repeat">
+      <a:schemeClr val="tx1"/>
+    </dgm:txFillClrLst>
+    <dgm:txEffectClrLst/>
+  </dgm:styleLbl>
+  <dgm:styleLbl name="callout">
+    <dgm:fillClrLst meth="repeat">
+      <a:schemeClr val="accent1"/>
+    </dgm:fillClrLst>
+    <dgm:linClrLst meth="repeat">
+      <a:schemeClr val="accent1">
+        <a:tint val="50000"/>
+      </a:schemeClr>
+    </dgm:linClrLst>
+    <dgm:effectClrLst/>
+    <dgm:txLinClrLst/>
+    <dgm:txFillClrLst meth="repeat">
+      <a:schemeClr val="tx1"/>
+    </dgm:txFillClrLst>
+    <dgm:txEffectClrLst/>
+  </dgm:styleLbl>
+  <dgm:styleLbl name="asst0">
+    <dgm:fillClrLst meth="repeat">
+      <a:schemeClr val="accent1"/>
+    </dgm:fillClrLst>
+    <dgm:linClrLst meth="repeat">
+      <a:schemeClr val="lt1"/>
+    </dgm:linClrLst>
+    <dgm:effectClrLst/>
+    <dgm:txLinClrLst/>
+    <dgm:txFillClrLst/>
+    <dgm:txEffectClrLst/>
+  </dgm:styleLbl>
+  <dgm:styleLbl name="asst1">
+    <dgm:fillClrLst meth="repeat">
+      <a:schemeClr val="accent1"/>
+    </dgm:fillClrLst>
+    <dgm:linClrLst meth="repeat">
+      <a:schemeClr val="lt1"/>
+    </dgm:linClrLst>
+    <dgm:effectClrLst/>
+    <dgm:txLinClrLst/>
+    <dgm:txFillClrLst/>
+    <dgm:txEffectClrLst/>
+  </dgm:styleLbl>
+  <dgm:styleLbl name="asst2">
+    <dgm:fillClrLst meth="repeat">
+      <a:schemeClr val="accent1"/>
+    </dgm:fillClrLst>
+    <dgm:linClrLst meth="repeat">
+      <a:schemeClr val="lt1"/>
+    </dgm:linClrLst>
+    <dgm:effectClrLst/>
+    <dgm:txLinClrLst/>
+    <dgm:txFillClrLst/>
+    <dgm:txEffectClrLst/>
+  </dgm:styleLbl>
+  <dgm:styleLbl name="asst3">
+    <dgm:fillClrLst meth="repeat">
+      <a:schemeClr val="accent1"/>
+    </dgm:fillClrLst>
+    <dgm:linClrLst meth="repeat">
+      <a:schemeClr val="lt1"/>
+    </dgm:linClrLst>
+    <dgm:effectClrLst/>
+    <dgm:txLinClrLst/>
+    <dgm:txFillClrLst/>
+    <dgm:txEffectClrLst/>
+  </dgm:styleLbl>
+  <dgm:styleLbl name="asst4">
+    <dgm:fillClrLst meth="repeat">
+      <a:schemeClr val="accent1"/>
+    </dgm:fillClrLst>
+    <dgm:linClrLst meth="repeat">
+      <a:schemeClr val="lt1"/>
+    </dgm:linClrLst>
+    <dgm:effectClrLst/>
+    <dgm:txLinClrLst/>
+    <dgm:txFillClrLst/>
+    <dgm:txEffectClrLst/>
+  </dgm:styleLbl>
+  <dgm:styleLbl name="parChTrans2D1">
+    <dgm:fillClrLst meth="repeat">
+      <a:schemeClr val="accent1">
+        <a:tint val="60000"/>
+      </a:schemeClr>
+    </dgm:fillClrLst>
+    <dgm:linClrLst meth="repeat">
+      <a:schemeClr val="accent1">
+        <a:tint val="60000"/>
+      </a:schemeClr>
+    </dgm:linClrLst>
+    <dgm:effectClrLst/>
+    <dgm:txLinClrLst/>
+    <dgm:txFillClrLst meth="repeat">
+      <a:schemeClr val="lt1"/>
+    </dgm:txFillClrLst>
+    <dgm:txEffectClrLst/>
+  </dgm:styleLbl>
+  <dgm:styleLbl name="parChTrans2D2">
+    <dgm:fillClrLst meth="repeat">
+      <a:schemeClr val="accent1"/>
+    </dgm:fillClrLst>
+    <dgm:linClrLst meth="repeat">
+      <a:schemeClr val="accent1"/>
+    </dgm:linClrLst>
+    <dgm:effectClrLst/>
+    <dgm:txLinClrLst/>
+    <dgm:txFillClrLst meth="repeat">
+      <a:schemeClr val="lt1"/>
+    </dgm:txFillClrLst>
+    <dgm:txEffectClrLst/>
+  </dgm:styleLbl>
+  <dgm:styleLbl name="parChTrans2D3">
+    <dgm:fillClrLst meth="repeat">
+      <a:schemeClr val="accent1"/>
+    </dgm:fillClrLst>
+    <dgm:linClrLst meth="repeat">
+      <a:schemeClr val="accent1"/>
+    </dgm:linClrLst>
+    <dgm:effectClrLst/>
+    <dgm:txLinClrLst/>
+    <dgm:txFillClrLst meth="repeat">
+      <a:schemeClr val="lt1"/>
+    </dgm:txFillClrLst>
+    <dgm:txEffectClrLst/>
+  </dgm:styleLbl>
+  <dgm:styleLbl name="parChTrans2D4">
+    <dgm:fillClrLst meth="repeat">
+      <a:schemeClr val="accent1"/>
+    </dgm:fillClrLst>
+    <dgm:linClrLst meth="repeat">
+      <a:schemeClr val="accent1"/>
+    </dgm:linClrLst>
+    <dgm:effectClrLst/>
+    <dgm:txLinClrLst/>
+    <dgm:txFillClrLst meth="repeat">
+      <a:schemeClr val="lt1"/>
+    </dgm:txFillClrLst>
+    <dgm:txEffectClrLst/>
+  </dgm:styleLbl>
+  <dgm:styleLbl name="parChTrans1D1">
+    <dgm:fillClrLst meth="repeat">
+      <a:schemeClr val="accent1"/>
+    </dgm:fillClrLst>
+    <dgm:linClrLst meth="repeat">
+      <a:schemeClr val="accent1">
+        <a:shade val="60000"/>
+      </a:schemeClr>
+    </dgm:linClrLst>
+    <dgm:effectClrLst/>
+    <dgm:txLinClrLst/>
+    <dgm:txFillClrLst meth="repeat">
+      <a:schemeClr val="tx1"/>
+    </dgm:txFillClrLst>
+    <dgm:txEffectClrLst/>
+  </dgm:styleLbl>
+  <dgm:styleLbl name="parChTrans1D2">
+    <dgm:fillClrLst meth="repeat">
+      <a:schemeClr val="accent1"/>
+    </dgm:fillClrLst>
+    <dgm:linClrLst meth="repeat">
+      <a:schemeClr val="accent1">
+        <a:shade val="60000"/>
+      </a:schemeClr>
+    </dgm:linClrLst>
+    <dgm:effectClrLst/>
+    <dgm:txLinClrLst/>
+    <dgm:txFillClrLst meth="repeat">
+      <a:schemeClr val="tx1"/>
+    </dgm:txFillClrLst>
+    <dgm:txEffectClrLst/>
+  </dgm:styleLbl>
+  <dgm:styleLbl name="parChTrans1D3">
+    <dgm:fillClrLst meth="repeat">
+      <a:schemeClr val="accent1"/>
+    </dgm:fillClrLst>
+    <dgm:linClrLst meth="repeat">
+      <a:schemeClr val="accent1">
+        <a:shade val="80000"/>
+      </a:schemeClr>
+    </dgm:linClrLst>
+    <dgm:effectClrLst/>
+    <dgm:txLinClrLst/>
+    <dgm:txFillClrLst meth="repeat">
+      <a:schemeClr val="tx1"/>
+    </dgm:txFillClrLst>
+    <dgm:txEffectClrLst/>
+  </dgm:styleLbl>
+  <dgm:styleLbl name="parChTrans1D4">
+    <dgm:fillClrLst meth="repeat">
+      <a:schemeClr val="accent1"/>
+    </dgm:fillClrLst>
+    <dgm:linClrLst meth="repeat">
+      <a:schemeClr val="accent1">
+        <a:shade val="80000"/>
+      </a:schemeClr>
+    </dgm:linClrLst>
+    <dgm:effectClrLst/>
+    <dgm:txLinClrLst/>
+    <dgm:txFillClrLst meth="repeat">
+      <a:schemeClr val="tx1"/>
+    </dgm:txFillClrLst>
+    <dgm:txEffectClrLst/>
+  </dgm:styleLbl>
+  <dgm:styleLbl name="fgAcc1">
+    <dgm:fillClrLst meth="repeat">
+      <a:schemeClr val="lt1">
+        <a:alpha val="90000"/>
+      </a:schemeClr>
+    </dgm:fillClrLst>
+    <dgm:linClrLst meth="repeat">
+      <a:schemeClr val="accent1"/>
+    </dgm:linClrLst>
+    <dgm:effectClrLst/>
+    <dgm:txLinClrLst/>
+    <dgm:txFillClrLst meth="repeat">
+      <a:schemeClr val="dk1"/>
+    </dgm:txFillClrLst>
+    <dgm:txEffectClrLst/>
+  </dgm:styleLbl>
+  <dgm:styleLbl name="conFgAcc1">
+    <dgm:fillClrLst meth="repeat">
+      <a:schemeClr val="lt1">
+        <a:alpha val="90000"/>
+      </a:schemeClr>
+    </dgm:fillClrLst>
+    <dgm:linClrLst meth="repeat">
+      <a:schemeClr val="accent1"/>
+    </dgm:linClrLst>
+    <dgm:effectClrLst/>
+    <dgm:txLinClrLst/>
+    <dgm:txFillClrLst meth="repeat">
+      <a:schemeClr val="dk1"/>
+    </dgm:txFillClrLst>
+    <dgm:txEffectClrLst/>
+  </dgm:styleLbl>
+  <dgm:styleLbl name="alignAcc1">
+    <dgm:fillClrLst meth="repeat">
+      <a:schemeClr val="lt1">
+        <a:alpha val="90000"/>
+      </a:schemeClr>
+    </dgm:fillClrLst>
+    <dgm:linClrLst meth="repeat">
+      <a:schemeClr val="accent1"/>
+    </dgm:linClrLst>
+    <dgm:effectClrLst/>
+    <dgm:txLinClrLst/>
+    <dgm:txFillClrLst meth="repeat">
+      <a:schemeClr val="dk1"/>
+    </dgm:txFillClrLst>
+    <dgm:txEffectClrLst/>
+  </dgm:styleLbl>
+  <dgm:styleLbl name="trAlignAcc1">
+    <dgm:fillClrLst meth="repeat">
+      <a:schemeClr val="lt1">
+        <a:alpha val="40000"/>
+      </a:schemeClr>
+    </dgm:fillClrLst>
+    <dgm:linClrLst meth="repeat">
+      <a:schemeClr val="accent1"/>
+    </dgm:linClrLst>
+    <dgm:effectClrLst/>
+    <dgm:txLinClrLst/>
+    <dgm:txFillClrLst meth="repeat">
+      <a:schemeClr val="dk1"/>
+    </dgm:txFillClrLst>
+    <dgm:txEffectClrLst/>
+  </dgm:styleLbl>
+  <dgm:styleLbl name="bgAcc1">
+    <dgm:fillClrLst meth="repeat">
+      <a:schemeClr val="lt1">
+        <a:alpha val="90000"/>
+      </a:schemeClr>
+    </dgm:fillClrLst>
+    <dgm:linClrLst meth="repeat">
+      <a:schemeClr val="accent1"/>
+    </dgm:linClrLst>
+    <dgm:effectClrLst/>
+    <dgm:txLinClrLst/>
+    <dgm:txFillClrLst meth="repeat">
+      <a:schemeClr val="dk1"/>
+    </dgm:txFillClrLst>
+    <dgm:txEffectClrLst/>
+  </dgm:styleLbl>
+  <dgm:styleLbl name="solidFgAcc1">
+    <dgm:fillClrLst meth="repeat">
+      <a:schemeClr val="lt1"/>
+    </dgm:fillClrLst>
+    <dgm:linClrLst meth="repeat">
+      <a:schemeClr val="accent1"/>
+    </dgm:linClrLst>
+    <dgm:effectClrLst/>
+    <dgm:txLinClrLst/>
+    <dgm:txFillClrLst meth="repeat">
+      <a:schemeClr val="dk1"/>
+    </dgm:txFillClrLst>
+    <dgm:txEffectClrLst/>
+  </dgm:styleLbl>
+  <dgm:styleLbl name="solidAlignAcc1">
+    <dgm:fillClrLst meth="repeat">
+      <a:schemeClr val="lt1"/>
+    </dgm:fillClrLst>
+    <dgm:linClrLst meth="repeat">
+      <a:schemeClr val="accent1"/>
+    </dgm:linClrLst>
+    <dgm:effectClrLst/>
+    <dgm:txLinClrLst/>
+    <dgm:txFillClrLst meth="repeat">
+      <a:schemeClr val="dk1"/>
+    </dgm:txFillClrLst>
+    <dgm:txEffectClrLst/>
+  </dgm:styleLbl>
+  <dgm:styleLbl name="solidBgAcc1">
+    <dgm:fillClrLst meth="repeat">
+      <a:schemeClr val="lt1"/>
+    </dgm:fillClrLst>
+    <dgm:linClrLst meth="repeat">
+      <a:schemeClr val="accent1"/>
+    </dgm:linClrLst>
+    <dgm:effectClrLst/>
+    <dgm:txLinClrLst/>
+    <dgm:txFillClrLst meth="repeat">
+      <a:schemeClr val="dk1"/>
+    </dgm:txFillClrLst>
+    <dgm:txEffectClrLst/>
+  </dgm:styleLbl>
+  <dgm:styleLbl name="fgAccFollowNode1">
+    <dgm:fillClrLst meth="repeat">
+      <a:schemeClr val="accent1">
+        <a:alpha val="90000"/>
+        <a:tint val="40000"/>
+      </a:schemeClr>
+    </dgm:fillClrLst>
+    <dgm:linClrLst meth="repeat">
+      <a:schemeClr val="accent1">
+        <a:alpha val="90000"/>
+        <a:tint val="40000"/>
+      </a:schemeClr>
+    </dgm:linClrLst>
+    <dgm:effectClrLst/>
+    <dgm:txLinClrLst/>
+    <dgm:txFillClrLst meth="repeat">
+      <a:schemeClr val="dk1"/>
+    </dgm:txFillClrLst>
+    <dgm:txEffectClrLst/>
+  </dgm:styleLbl>
+  <dgm:styleLbl name="alignAccFollowNode1">
+    <dgm:fillClrLst meth="repeat">
+      <a:schemeClr val="accent1">
+        <a:alpha val="90000"/>
+        <a:tint val="40000"/>
+      </a:schemeClr>
+    </dgm:fillClrLst>
+    <dgm:linClrLst meth="repeat">
+      <a:schemeClr val="accent1">
+        <a:alpha val="90000"/>
+        <a:tint val="40000"/>
+      </a:schemeClr>
+    </dgm:linClrLst>
+    <dgm:effectClrLst/>
+    <dgm:txLinClrLst/>
+    <dgm:txFillClrLst meth="repeat">
+      <a:schemeClr val="dk1"/>
+    </dgm:txFillClrLst>
+    <dgm:txEffectClrLst/>
+  </dgm:styleLbl>
+  <dgm:styleLbl name="bgAccFollowNode1">
+    <dgm:fillClrLst meth="repeat">
+      <a:schemeClr val="accent1">
+        <a:alpha val="90000"/>
+        <a:tint val="40000"/>
+      </a:schemeClr>
+    </dgm:fillClrLst>
+    <dgm:linClrLst meth="repeat">
+      <a:schemeClr val="accent1">
+        <a:alpha val="90000"/>
+        <a:tint val="40000"/>
+      </a:schemeClr>
+    </dgm:linClrLst>
+    <dgm:effectClrLst/>
+    <dgm:txLinClrLst/>
+    <dgm:txFillClrLst meth="repeat">
+      <a:schemeClr val="dk1"/>
+    </dgm:txFillClrLst>
+    <dgm:txEffectClrLst/>
+  </dgm:styleLbl>
+  <dgm:styleLbl name="fgAcc0">
+    <dgm:fillClrLst meth="repeat">
+      <a:schemeClr val="lt1">
+        <a:alpha val="90000"/>
+      </a:schemeClr>
+    </dgm:fillClrLst>
+    <dgm:linClrLst meth="repeat">
+      <a:schemeClr val="accent1"/>
+    </dgm:linClrLst>
+    <dgm:effectClrLst/>
+    <dgm:txLinClrLst/>
+    <dgm:txFillClrLst meth="repeat">
+      <a:schemeClr val="dk1"/>
+    </dgm:txFillClrLst>
+    <dgm:txEffectClrLst/>
+  </dgm:styleLbl>
+  <dgm:styleLbl name="fgAcc2">
+    <dgm:fillClrLst meth="repeat">
+      <a:schemeClr val="lt1">
+        <a:alpha val="90000"/>
+      </a:schemeClr>
+    </dgm:fillClrLst>
+    <dgm:linClrLst meth="repeat">
+      <a:schemeClr val="accent1"/>
+    </dgm:linClrLst>
+    <dgm:effectClrLst/>
+    <dgm:txLinClrLst/>
+    <dgm:txFillClrLst meth="repeat">
+      <a:schemeClr val="dk1"/>
+    </dgm:txFillClrLst>
+    <dgm:txEffectClrLst/>
+  </dgm:styleLbl>
+  <dgm:styleLbl name="fgAcc3">
+    <dgm:fillClrLst meth="repeat">
+      <a:schemeClr val="lt1">
+        <a:alpha val="90000"/>
+      </a:schemeClr>
+    </dgm:fillClrLst>
+    <dgm:linClrLst meth="repeat">
+      <a:schemeClr val="accent1"/>
+    </dgm:linClrLst>
+    <dgm:effectClrLst/>
+    <dgm:txLinClrLst/>
+    <dgm:txFillClrLst meth="repeat">
+      <a:schemeClr val="dk1"/>
+    </dgm:txFillClrLst>
+    <dgm:txEffectClrLst/>
+  </dgm:styleLbl>
+  <dgm:styleLbl name="fgAcc4">
+    <dgm:fillClrLst meth="repeat">
+      <a:schemeClr val="lt1">
+        <a:alpha val="90000"/>
+      </a:schemeClr>
+    </dgm:fillClrLst>
+    <dgm:linClrLst meth="repeat">
+      <a:schemeClr val="accent1"/>
+    </dgm:linClrLst>
+    <dgm:effectClrLst/>
+    <dgm:txLinClrLst/>
+    <dgm:txFillClrLst meth="repeat">
+      <a:schemeClr val="dk1"/>
+    </dgm:txFillClrLst>
+    <dgm:txEffectClrLst/>
+  </dgm:styleLbl>
+  <dgm:styleLbl name="bgShp">
+    <dgm:fillClrLst meth="repeat">
+      <a:schemeClr val="accent1">
+        <a:tint val="40000"/>
+      </a:schemeClr>
+    </dgm:fillClrLst>
+    <dgm:linClrLst meth="repeat">
+      <a:schemeClr val="accent1"/>
+    </dgm:linClrLst>
+    <dgm:effectClrLst/>
+    <dgm:txLinClrLst/>
+    <dgm:txFillClrLst meth="repeat">
+      <a:schemeClr val="dk1"/>
+    </dgm:txFillClrLst>
+    <dgm:txEffectClrLst/>
+  </dgm:styleLbl>
+  <dgm:styleLbl name="dkBgShp">
+    <dgm:fillClrLst meth="repeat">
+      <a:schemeClr val="accent1">
+        <a:shade val="80000"/>
+      </a:schemeClr>
+    </dgm:fillClrLst>
+    <dgm:linClrLst meth="repeat">
+      <a:schemeClr val="accent1"/>
+    </dgm:linClrLst>
+    <dgm:effectClrLst/>
+    <dgm:txLinClrLst/>
+    <dgm:txFillClrLst meth="repeat">
+      <a:schemeClr val="lt1"/>
+    </dgm:txFillClrLst>
+    <dgm:txEffectClrLst/>
+  </dgm:styleLbl>
+  <dgm:styleLbl name="trBgShp">
+    <dgm:fillClrLst meth="repeat">
+      <a:schemeClr val="accent1">
+        <a:tint val="50000"/>
+        <a:alpha val="40000"/>
+      </a:schemeClr>
+    </dgm:fillClrLst>
+    <dgm:linClrLst meth="repeat">
+      <a:schemeClr val="accent1"/>
+    </dgm:linClrLst>
+    <dgm:effectClrLst/>
+    <dgm:txLinClrLst/>
+    <dgm:txFillClrLst meth="repeat">
+      <a:schemeClr val="lt1"/>
+    </dgm:txFillClrLst>
+    <dgm:txEffectClrLst/>
+  </dgm:styleLbl>
+  <dgm:styleLbl name="fgShp">
+    <dgm:fillClrLst meth="repeat">
+      <a:schemeClr val="accent1">
+        <a:tint val="60000"/>
+      </a:schemeClr>
+    </dgm:fillClrLst>
+    <dgm:linClrLst meth="repeat">
+      <a:schemeClr val="lt1"/>
+    </dgm:linClrLst>
+    <dgm:effectClrLst/>
+    <dgm:txLinClrLst/>
+    <dgm:txFillClrLst meth="repeat">
+      <a:schemeClr val="dk1"/>
+    </dgm:txFillClrLst>
+    <dgm:txEffectClrLst/>
+  </dgm:styleLbl>
+  <dgm:styleLbl name="revTx">
+    <dgm:fillClrLst meth="repeat">
+      <a:schemeClr val="lt1">
+        <a:alpha val="0"/>
+      </a:schemeClr>
+    </dgm:fillClrLst>
+    <dgm:linClrLst meth="repeat">
+      <a:schemeClr val="dk1">
+        <a:alpha val="0"/>
+      </a:schemeClr>
+    </dgm:linClrLst>
+    <dgm:effectClrLst/>
+    <dgm:txLinClrLst/>
+    <dgm:txFillClrLst meth="repeat">
+      <a:schemeClr val="tx1"/>
+    </dgm:txFillClrLst>
+    <dgm:txEffectClrLst/>
+  </dgm:styleLbl>
+</dgm:colorsDef>
+</file>
+
+<file path=ppt/diagrams/data1.xml><?xml version="1.0" encoding="utf-8"?>
+<dgm:dataModel xmlns:dgm="http://schemas.openxmlformats.org/drawingml/2006/diagram" xmlns:a="http://schemas.openxmlformats.org/drawingml/2006/main">
+  <dgm:ptLst>
+    <dgm:pt modelId="{9A5D2337-DAAE-402D-8801-502B87D54EDB}" type="doc">
+      <dgm:prSet loTypeId="urn:microsoft.com/office/officeart/2009/layout/CirclePictureHierarchy" loCatId="hierarchy" qsTypeId="urn:microsoft.com/office/officeart/2005/8/quickstyle/simple1" qsCatId="simple" csTypeId="urn:microsoft.com/office/officeart/2005/8/colors/accent1_2" csCatId="accent1" phldr="1"/>
+      <dgm:spPr/>
+      <dgm:t>
+        <a:bodyPr/>
+        <a:lstStyle/>
+        <a:p>
+          <a:endParaRPr lang="en-US"/>
+        </a:p>
+      </dgm:t>
+    </dgm:pt>
+    <dgm:pt modelId="{A52458CD-744E-4088-8F71-C840E8F10CFD}">
+      <dgm:prSet custT="1"/>
+      <dgm:spPr/>
+      <dgm:t>
+        <a:bodyPr/>
+        <a:lstStyle/>
+        <a:p>
+          <a:pPr algn="ctr">
+            <a:lnSpc>
+              <a:spcPct val="100000"/>
+            </a:lnSpc>
+          </a:pPr>
+          <a:r>
+            <a:rPr lang="en-US" sz="2400" dirty="0"/>
+            <a:t>No experience</a:t>
+          </a:r>
+        </a:p>
+      </dgm:t>
+    </dgm:pt>
+    <dgm:pt modelId="{4526F2F7-08E9-41C9-B832-77789A4F2E87}" type="parTrans" cxnId="{0C41F847-8A51-46F1-87A5-982E534E5935}">
+      <dgm:prSet/>
+      <dgm:spPr/>
+      <dgm:t>
+        <a:bodyPr/>
+        <a:lstStyle/>
+        <a:p>
+          <a:endParaRPr lang="en-US"/>
+        </a:p>
+      </dgm:t>
+    </dgm:pt>
+    <dgm:pt modelId="{B002191C-6B2D-4957-B4AC-61D2E008955B}" type="sibTrans" cxnId="{0C41F847-8A51-46F1-87A5-982E534E5935}">
+      <dgm:prSet/>
+      <dgm:spPr/>
+      <dgm:t>
+        <a:bodyPr/>
+        <a:lstStyle/>
+        <a:p>
+          <a:endParaRPr lang="en-US"/>
+        </a:p>
+      </dgm:t>
+    </dgm:pt>
+    <dgm:pt modelId="{0D005502-AC25-42F9-87F4-A361E24EA34F}">
+      <dgm:prSet custT="1"/>
+      <dgm:spPr/>
+      <dgm:t>
+        <a:bodyPr/>
+        <a:lstStyle/>
+        <a:p>
+          <a:pPr algn="ctr">
+            <a:lnSpc>
+              <a:spcPct val="100000"/>
+            </a:lnSpc>
+            <a:spcAft>
+              <a:spcPts val="100"/>
+            </a:spcAft>
+          </a:pPr>
+          <a:r>
+            <a:rPr lang="en-US" sz="2400" dirty="0"/>
+            <a:t>Block Storage</a:t>
+          </a:r>
+        </a:p>
+        <a:p>
+          <a:pPr algn="ctr">
+            <a:lnSpc>
+              <a:spcPct val="100000"/>
+            </a:lnSpc>
+            <a:spcAft>
+              <a:spcPts val="100"/>
+            </a:spcAft>
+          </a:pPr>
+          <a:r>
+            <a:rPr lang="en-US" sz="2400" dirty="0"/>
+            <a:t>vs</a:t>
+          </a:r>
+        </a:p>
+        <a:p>
+          <a:pPr algn="ctr">
+            <a:lnSpc>
+              <a:spcPct val="100000"/>
+            </a:lnSpc>
+            <a:spcAft>
+              <a:spcPts val="100"/>
+            </a:spcAft>
+          </a:pPr>
+          <a:r>
+            <a:rPr lang="en-US" sz="2400" dirty="0"/>
+            <a:t>Object Storage</a:t>
+          </a:r>
+        </a:p>
+      </dgm:t>
+    </dgm:pt>
+    <dgm:pt modelId="{8889E0E8-B1DB-4A18-8328-150849E51FA2}" type="parTrans" cxnId="{308C1D6F-E25A-4607-A17B-7D6DAB7CFF55}">
+      <dgm:prSet/>
+      <dgm:spPr/>
+      <dgm:t>
+        <a:bodyPr/>
+        <a:lstStyle/>
+        <a:p>
+          <a:endParaRPr lang="en-US"/>
+        </a:p>
+      </dgm:t>
+    </dgm:pt>
+    <dgm:pt modelId="{B2EE293D-CBBB-4FA9-B439-EE07EB7AA364}" type="sibTrans" cxnId="{308C1D6F-E25A-4607-A17B-7D6DAB7CFF55}">
+      <dgm:prSet/>
+      <dgm:spPr/>
+      <dgm:t>
+        <a:bodyPr/>
+        <a:lstStyle/>
+        <a:p>
+          <a:endParaRPr lang="en-US"/>
+        </a:p>
+      </dgm:t>
+    </dgm:pt>
+    <dgm:pt modelId="{8D599FAC-C130-4072-9F46-BCB8C3C5D805}">
+      <dgm:prSet custT="1"/>
+      <dgm:spPr/>
+      <dgm:t>
+        <a:bodyPr/>
+        <a:lstStyle/>
+        <a:p>
+          <a:pPr algn="ctr">
+            <a:lnSpc>
+              <a:spcPct val="100000"/>
+            </a:lnSpc>
+          </a:pPr>
+          <a:r>
+            <a:rPr lang="en-US" sz="2200" b="1" dirty="0"/>
+            <a:t>Elastic Block Store</a:t>
+          </a:r>
+        </a:p>
+      </dgm:t>
+    </dgm:pt>
+    <dgm:pt modelId="{3F71DDC6-0FAA-4868-86D3-DB59F4B206FD}" type="parTrans" cxnId="{4417F68F-DD4B-4FC3-B652-B728BAE406B4}">
+      <dgm:prSet/>
+      <dgm:spPr/>
+      <dgm:t>
+        <a:bodyPr/>
+        <a:lstStyle/>
+        <a:p>
+          <a:endParaRPr lang="en-US"/>
+        </a:p>
+      </dgm:t>
+    </dgm:pt>
+    <dgm:pt modelId="{A7BA65F4-B18E-4678-AB53-347331CBCF3A}" type="sibTrans" cxnId="{4417F68F-DD4B-4FC3-B652-B728BAE406B4}">
+      <dgm:prSet/>
+      <dgm:spPr/>
+      <dgm:t>
+        <a:bodyPr/>
+        <a:lstStyle/>
+        <a:p>
+          <a:endParaRPr lang="en-US"/>
+        </a:p>
+      </dgm:t>
+    </dgm:pt>
+    <dgm:pt modelId="{B0EE8D10-45FF-48CB-A2C0-46882BFCFD24}">
+      <dgm:prSet custT="1"/>
+      <dgm:spPr/>
+      <dgm:t>
+        <a:bodyPr/>
+        <a:lstStyle/>
+        <a:p>
+          <a:pPr algn="ctr">
+            <a:lnSpc>
+              <a:spcPct val="100000"/>
+            </a:lnSpc>
+          </a:pPr>
+          <a:r>
+            <a:rPr lang="en-US" sz="2200" b="1" dirty="0"/>
+            <a:t>Simple Storage Service</a:t>
+          </a:r>
+        </a:p>
+      </dgm:t>
+    </dgm:pt>
+    <dgm:pt modelId="{64199506-5F8B-4639-B76F-6C4632C54866}" type="parTrans" cxnId="{F9B71B2D-871B-47C6-9AD7-1AFAE4E53A03}">
+      <dgm:prSet/>
+      <dgm:spPr/>
+      <dgm:t>
+        <a:bodyPr/>
+        <a:lstStyle/>
+        <a:p>
+          <a:endParaRPr lang="en-US"/>
+        </a:p>
+      </dgm:t>
+    </dgm:pt>
+    <dgm:pt modelId="{C953B49C-A5B6-4C70-87F1-EF12A85FC9D4}" type="sibTrans" cxnId="{F9B71B2D-871B-47C6-9AD7-1AFAE4E53A03}">
+      <dgm:prSet/>
+      <dgm:spPr/>
+      <dgm:t>
+        <a:bodyPr/>
+        <a:lstStyle/>
+        <a:p>
+          <a:endParaRPr lang="en-US"/>
+        </a:p>
+      </dgm:t>
+    </dgm:pt>
+    <dgm:pt modelId="{C815DC23-EC2A-4BAC-B80E-59FAB8BA7C67}">
+      <dgm:prSet custT="1"/>
+      <dgm:spPr/>
+      <dgm:t>
+        <a:bodyPr/>
+        <a:lstStyle/>
+        <a:p>
+          <a:pPr algn="ctr">
+            <a:lnSpc>
+              <a:spcPct val="100000"/>
+            </a:lnSpc>
+            <a:spcAft>
+              <a:spcPts val="100"/>
+            </a:spcAft>
+          </a:pPr>
+          <a:r>
+            <a:rPr lang="en-US" sz="2400" dirty="0"/>
+            <a:t>Data Storage</a:t>
+          </a:r>
+        </a:p>
+        <a:p>
+          <a:pPr algn="ctr">
+            <a:lnSpc>
+              <a:spcPct val="100000"/>
+            </a:lnSpc>
+            <a:spcAft>
+              <a:spcPts val="100"/>
+            </a:spcAft>
+          </a:pPr>
+          <a:r>
+            <a:rPr lang="en-US" sz="2400" dirty="0"/>
+            <a:t>is critical</a:t>
+          </a:r>
+        </a:p>
+      </dgm:t>
+    </dgm:pt>
+    <dgm:pt modelId="{EB5854A5-624D-4FF5-8087-36707DE07BD8}" type="parTrans" cxnId="{F235C389-BE5F-4B29-981A-F788D0F0BFCF}">
+      <dgm:prSet/>
+      <dgm:spPr/>
+      <dgm:t>
+        <a:bodyPr/>
+        <a:lstStyle/>
+        <a:p>
+          <a:endParaRPr lang="en-US"/>
+        </a:p>
+      </dgm:t>
+    </dgm:pt>
+    <dgm:pt modelId="{58FADADC-AE25-4FBB-B092-5A2073B2CADD}" type="sibTrans" cxnId="{F235C389-BE5F-4B29-981A-F788D0F0BFCF}">
+      <dgm:prSet/>
+      <dgm:spPr/>
+      <dgm:t>
+        <a:bodyPr/>
+        <a:lstStyle/>
+        <a:p>
+          <a:endParaRPr lang="en-US"/>
+        </a:p>
+      </dgm:t>
+    </dgm:pt>
+    <dgm:pt modelId="{2AC6EAD3-BD46-442D-B498-5DB76A0710BD}" type="pres">
+      <dgm:prSet presAssocID="{9A5D2337-DAAE-402D-8801-502B87D54EDB}" presName="hierChild1" presStyleCnt="0">
+        <dgm:presLayoutVars>
+          <dgm:chPref val="1"/>
+          <dgm:dir/>
+          <dgm:animOne val="branch"/>
+          <dgm:animLvl val="lvl"/>
+          <dgm:resizeHandles/>
+        </dgm:presLayoutVars>
+      </dgm:prSet>
+      <dgm:spPr/>
+    </dgm:pt>
+    <dgm:pt modelId="{09A81B57-AEB2-4A77-AA89-D1EF6BFA8C3D}" type="pres">
+      <dgm:prSet presAssocID="{A52458CD-744E-4088-8F71-C840E8F10CFD}" presName="hierRoot1" presStyleCnt="0"/>
+      <dgm:spPr/>
+    </dgm:pt>
+    <dgm:pt modelId="{D68F72C2-FF3E-4AFD-9FC0-3DF93E2AFD84}" type="pres">
+      <dgm:prSet presAssocID="{A52458CD-744E-4088-8F71-C840E8F10CFD}" presName="composite" presStyleCnt="0"/>
+      <dgm:spPr/>
+    </dgm:pt>
+    <dgm:pt modelId="{29808F8A-E092-49A1-878B-C4FAA3915892}" type="pres">
+      <dgm:prSet presAssocID="{A52458CD-744E-4088-8F71-C840E8F10CFD}" presName="image" presStyleLbl="node0" presStyleIdx="0" presStyleCnt="3"/>
+      <dgm:spPr>
+        <a:blipFill>
+          <a:blip xmlns:r="http://schemas.openxmlformats.org/officeDocument/2006/relationships" r:embed="rId1">
+            <a:extLst>
+              <a:ext uri="{28A0092B-C50C-407E-A947-70E740481C1C}">
+                <a14:useLocalDpi xmlns:a14="http://schemas.microsoft.com/office/drawing/2010/main" val="0"/>
+              </a:ext>
+              <a:ext uri="{96DAC541-7B7A-43D3-8B79-37D633B846F1}">
+                <asvg:svgBlip xmlns:asvg="http://schemas.microsoft.com/office/drawing/2016/SVG/main" r:embed="rId2"/>
+              </a:ext>
+            </a:extLst>
+          </a:blip>
+          <a:stretch>
+            <a:fillRect/>
+          </a:stretch>
+        </a:blipFill>
+      </dgm:spPr>
+      <dgm:extLst>
+        <a:ext uri="{E40237B7-FDA0-4F09-8148-C483321AD2D9}">
+          <dgm14:cNvPr xmlns:dgm14="http://schemas.microsoft.com/office/drawing/2010/diagram" id="0" name="" descr="Head with Gears"/>
+        </a:ext>
+      </dgm:extLst>
+    </dgm:pt>
+    <dgm:pt modelId="{9B7EC9D7-5F2A-40A8-93FC-2C52E20985C6}" type="pres">
+      <dgm:prSet presAssocID="{A52458CD-744E-4088-8F71-C840E8F10CFD}" presName="text" presStyleLbl="revTx" presStyleIdx="0" presStyleCnt="5">
+        <dgm:presLayoutVars>
+          <dgm:chPref val="3"/>
+        </dgm:presLayoutVars>
+      </dgm:prSet>
+      <dgm:spPr/>
+    </dgm:pt>
+    <dgm:pt modelId="{63BF59CE-8211-4D5B-956E-A04FC636D449}" type="pres">
+      <dgm:prSet presAssocID="{A52458CD-744E-4088-8F71-C840E8F10CFD}" presName="hierChild2" presStyleCnt="0"/>
+      <dgm:spPr/>
+    </dgm:pt>
+    <dgm:pt modelId="{7D90CF91-EF82-4A45-B61E-110FE3D8C73E}" type="pres">
+      <dgm:prSet presAssocID="{0D005502-AC25-42F9-87F4-A361E24EA34F}" presName="hierRoot1" presStyleCnt="0"/>
+      <dgm:spPr/>
+    </dgm:pt>
+    <dgm:pt modelId="{9E007F4A-30A0-4001-BB7A-B2895E12C38C}" type="pres">
+      <dgm:prSet presAssocID="{0D005502-AC25-42F9-87F4-A361E24EA34F}" presName="composite" presStyleCnt="0"/>
+      <dgm:spPr/>
+    </dgm:pt>
+    <dgm:pt modelId="{CC2C53E7-AB2B-4EC1-B136-2E330C1753DA}" type="pres">
+      <dgm:prSet presAssocID="{0D005502-AC25-42F9-87F4-A361E24EA34F}" presName="image" presStyleLbl="node0" presStyleIdx="1" presStyleCnt="3"/>
+      <dgm:spPr>
+        <a:blipFill>
+          <a:blip xmlns:r="http://schemas.openxmlformats.org/officeDocument/2006/relationships" r:embed="rId3">
+            <a:extLst>
+              <a:ext uri="{28A0092B-C50C-407E-A947-70E740481C1C}">
+                <a14:useLocalDpi xmlns:a14="http://schemas.microsoft.com/office/drawing/2010/main" val="0"/>
+              </a:ext>
+              <a:ext uri="{96DAC541-7B7A-43D3-8B79-37D633B846F1}">
+                <asvg:svgBlip xmlns:asvg="http://schemas.microsoft.com/office/drawing/2016/SVG/main" r:embed="rId4"/>
+              </a:ext>
+            </a:extLst>
+          </a:blip>
+          <a:stretch>
+            <a:fillRect/>
+          </a:stretch>
+        </a:blipFill>
+      </dgm:spPr>
+      <dgm:extLst>
+        <a:ext uri="{E40237B7-FDA0-4F09-8148-C483321AD2D9}">
+          <dgm14:cNvPr xmlns:dgm14="http://schemas.microsoft.com/office/drawing/2010/diagram" id="0" name="" descr="Cloud Computing"/>
+        </a:ext>
+      </dgm:extLst>
+    </dgm:pt>
+    <dgm:pt modelId="{0438761B-AA43-4736-BB5F-9335A49BDC60}" type="pres">
+      <dgm:prSet presAssocID="{0D005502-AC25-42F9-87F4-A361E24EA34F}" presName="text" presStyleLbl="revTx" presStyleIdx="1" presStyleCnt="5" custScaleX="103530">
+        <dgm:presLayoutVars>
+          <dgm:chPref val="3"/>
+        </dgm:presLayoutVars>
+      </dgm:prSet>
+      <dgm:spPr/>
+    </dgm:pt>
+    <dgm:pt modelId="{5E9D6B9F-DF1E-4459-BBDF-0E0395B4AD6D}" type="pres">
+      <dgm:prSet presAssocID="{0D005502-AC25-42F9-87F4-A361E24EA34F}" presName="hierChild2" presStyleCnt="0"/>
+      <dgm:spPr/>
+    </dgm:pt>
+    <dgm:pt modelId="{82F63802-F428-4CB0-989E-34F75E768CB6}" type="pres">
+      <dgm:prSet presAssocID="{3F71DDC6-0FAA-4868-86D3-DB59F4B206FD}" presName="Name10" presStyleLbl="parChTrans1D2" presStyleIdx="0" presStyleCnt="2"/>
+      <dgm:spPr/>
+    </dgm:pt>
+    <dgm:pt modelId="{75BA9975-9411-48A9-B80A-A0D7382093B8}" type="pres">
+      <dgm:prSet presAssocID="{8D599FAC-C130-4072-9F46-BCB8C3C5D805}" presName="hierRoot2" presStyleCnt="0"/>
+      <dgm:spPr/>
+    </dgm:pt>
+    <dgm:pt modelId="{AC346195-4002-44F1-A31E-661AC5A5B983}" type="pres">
+      <dgm:prSet presAssocID="{8D599FAC-C130-4072-9F46-BCB8C3C5D805}" presName="composite2" presStyleCnt="0"/>
+      <dgm:spPr/>
+    </dgm:pt>
+    <dgm:pt modelId="{80602A78-71BA-40E5-A53C-3EBDDD4755C5}" type="pres">
+      <dgm:prSet presAssocID="{8D599FAC-C130-4072-9F46-BCB8C3C5D805}" presName="image2" presStyleLbl="node2" presStyleIdx="0" presStyleCnt="2" custLinFactNeighborX="16864"/>
+      <dgm:spPr>
+        <a:blipFill>
+          <a:blip xmlns:r="http://schemas.openxmlformats.org/officeDocument/2006/relationships" r:embed="rId5">
+            <a:extLst>
+              <a:ext uri="{28A0092B-C50C-407E-A947-70E740481C1C}">
+                <a14:useLocalDpi xmlns:a14="http://schemas.microsoft.com/office/drawing/2010/main" val="0"/>
+              </a:ext>
+            </a:extLst>
+          </a:blip>
+          <a:srcRect/>
+          <a:stretch>
+            <a:fillRect/>
+          </a:stretch>
+        </a:blipFill>
+      </dgm:spPr>
+    </dgm:pt>
+    <dgm:pt modelId="{D37FDEDF-2294-4A36-ACC9-E94390B2668E}" type="pres">
+      <dgm:prSet presAssocID="{8D599FAC-C130-4072-9F46-BCB8C3C5D805}" presName="text2" presStyleLbl="revTx" presStyleIdx="2" presStyleCnt="5" custScaleX="88043" custLinFactNeighborX="-7030">
+        <dgm:presLayoutVars>
+          <dgm:chPref val="3"/>
+        </dgm:presLayoutVars>
+      </dgm:prSet>
+      <dgm:spPr/>
+    </dgm:pt>
+    <dgm:pt modelId="{A033905D-4A67-4FD2-A048-DBCC7375760A}" type="pres">
+      <dgm:prSet presAssocID="{8D599FAC-C130-4072-9F46-BCB8C3C5D805}" presName="hierChild3" presStyleCnt="0"/>
+      <dgm:spPr/>
+    </dgm:pt>
+    <dgm:pt modelId="{48BA62EB-BFE7-4172-AF7D-15055A843FAE}" type="pres">
+      <dgm:prSet presAssocID="{64199506-5F8B-4639-B76F-6C4632C54866}" presName="Name10" presStyleLbl="parChTrans1D2" presStyleIdx="1" presStyleCnt="2"/>
+      <dgm:spPr/>
+    </dgm:pt>
+    <dgm:pt modelId="{61F460D3-09DE-4F3A-A2CA-72612F1646B1}" type="pres">
+      <dgm:prSet presAssocID="{B0EE8D10-45FF-48CB-A2C0-46882BFCFD24}" presName="hierRoot2" presStyleCnt="0"/>
+      <dgm:spPr/>
+    </dgm:pt>
+    <dgm:pt modelId="{31988BAB-3ED9-4C5F-B7F4-ADEC43AFC8B3}" type="pres">
+      <dgm:prSet presAssocID="{B0EE8D10-45FF-48CB-A2C0-46882BFCFD24}" presName="composite2" presStyleCnt="0"/>
+      <dgm:spPr/>
+    </dgm:pt>
+    <dgm:pt modelId="{57BEF0FE-2DC2-4899-A1B5-934ABFBDA80F}" type="pres">
+      <dgm:prSet presAssocID="{B0EE8D10-45FF-48CB-A2C0-46882BFCFD24}" presName="image2" presStyleLbl="node2" presStyleIdx="1" presStyleCnt="2" custLinFactNeighborX="1054"/>
+      <dgm:spPr>
+        <a:blipFill>
+          <a:blip xmlns:r="http://schemas.openxmlformats.org/officeDocument/2006/relationships" r:embed="rId6">
+            <a:extLst>
+              <a:ext uri="{28A0092B-C50C-407E-A947-70E740481C1C}">
+                <a14:useLocalDpi xmlns:a14="http://schemas.microsoft.com/office/drawing/2010/main" val="0"/>
+              </a:ext>
+            </a:extLst>
+          </a:blip>
+          <a:srcRect/>
+          <a:stretch>
+            <a:fillRect/>
+          </a:stretch>
+        </a:blipFill>
+      </dgm:spPr>
+    </dgm:pt>
+    <dgm:pt modelId="{5B53A883-E570-4E1D-A740-6C0DE2E78156}" type="pres">
+      <dgm:prSet presAssocID="{B0EE8D10-45FF-48CB-A2C0-46882BFCFD24}" presName="text2" presStyleLbl="revTx" presStyleIdx="3" presStyleCnt="5" custScaleX="115952">
+        <dgm:presLayoutVars>
+          <dgm:chPref val="3"/>
+        </dgm:presLayoutVars>
+      </dgm:prSet>
+      <dgm:spPr/>
+    </dgm:pt>
+    <dgm:pt modelId="{FABB9B6C-DAAA-477F-93A3-EED2AE69A236}" type="pres">
+      <dgm:prSet presAssocID="{B0EE8D10-45FF-48CB-A2C0-46882BFCFD24}" presName="hierChild3" presStyleCnt="0"/>
+      <dgm:spPr/>
+    </dgm:pt>
+    <dgm:pt modelId="{CF875D5B-2EF1-4034-8F70-92E7FE83CAF5}" type="pres">
+      <dgm:prSet presAssocID="{C815DC23-EC2A-4BAC-B80E-59FAB8BA7C67}" presName="hierRoot1" presStyleCnt="0"/>
+      <dgm:spPr/>
+    </dgm:pt>
+    <dgm:pt modelId="{D0119DF2-5491-4F4A-8EA2-C8126404406C}" type="pres">
+      <dgm:prSet presAssocID="{C815DC23-EC2A-4BAC-B80E-59FAB8BA7C67}" presName="composite" presStyleCnt="0"/>
+      <dgm:spPr/>
+    </dgm:pt>
+    <dgm:pt modelId="{39DBFFC4-2642-482B-93CA-AE0402E00E35}" type="pres">
+      <dgm:prSet presAssocID="{C815DC23-EC2A-4BAC-B80E-59FAB8BA7C67}" presName="image" presStyleLbl="node0" presStyleIdx="2" presStyleCnt="3"/>
+      <dgm:spPr>
+        <a:blipFill>
+          <a:blip xmlns:r="http://schemas.openxmlformats.org/officeDocument/2006/relationships" r:embed="rId7">
+            <a:extLst>
+              <a:ext uri="{28A0092B-C50C-407E-A947-70E740481C1C}">
+                <a14:useLocalDpi xmlns:a14="http://schemas.microsoft.com/office/drawing/2010/main" val="0"/>
+              </a:ext>
+              <a:ext uri="{96DAC541-7B7A-43D3-8B79-37D633B846F1}">
+                <asvg:svgBlip xmlns:asvg="http://schemas.microsoft.com/office/drawing/2016/SVG/main" r:embed="rId8"/>
+              </a:ext>
+            </a:extLst>
+          </a:blip>
+          <a:stretch>
+            <a:fillRect/>
+          </a:stretch>
+        </a:blipFill>
+      </dgm:spPr>
+      <dgm:extLst>
+        <a:ext uri="{E40237B7-FDA0-4F09-8148-C483321AD2D9}">
+          <dgm14:cNvPr xmlns:dgm14="http://schemas.microsoft.com/office/drawing/2010/diagram" id="0" name="" descr="Database"/>
+        </a:ext>
+      </dgm:extLst>
+    </dgm:pt>
+    <dgm:pt modelId="{2EC4BCE3-C421-497C-9E37-B5AB54AF541E}" type="pres">
+      <dgm:prSet presAssocID="{C815DC23-EC2A-4BAC-B80E-59FAB8BA7C67}" presName="text" presStyleLbl="revTx" presStyleIdx="4" presStyleCnt="5" custScaleX="95357">
+        <dgm:presLayoutVars>
+          <dgm:chPref val="3"/>
+        </dgm:presLayoutVars>
+      </dgm:prSet>
+      <dgm:spPr/>
+    </dgm:pt>
+    <dgm:pt modelId="{FBF0F208-9567-4945-BE19-D516BA46D2E1}" type="pres">
+      <dgm:prSet presAssocID="{C815DC23-EC2A-4BAC-B80E-59FAB8BA7C67}" presName="hierChild2" presStyleCnt="0"/>
+      <dgm:spPr/>
+    </dgm:pt>
+  </dgm:ptLst>
+  <dgm:cxnLst>
+    <dgm:cxn modelId="{9752CE20-0235-4B1D-8D47-2CA108ACF1B5}" type="presOf" srcId="{9A5D2337-DAAE-402D-8801-502B87D54EDB}" destId="{2AC6EAD3-BD46-442D-B498-5DB76A0710BD}" srcOrd="0" destOrd="0" presId="urn:microsoft.com/office/officeart/2009/layout/CirclePictureHierarchy"/>
+    <dgm:cxn modelId="{F9B71B2D-871B-47C6-9AD7-1AFAE4E53A03}" srcId="{0D005502-AC25-42F9-87F4-A361E24EA34F}" destId="{B0EE8D10-45FF-48CB-A2C0-46882BFCFD24}" srcOrd="1" destOrd="0" parTransId="{64199506-5F8B-4639-B76F-6C4632C54866}" sibTransId="{C953B49C-A5B6-4C70-87F1-EF12A85FC9D4}"/>
+    <dgm:cxn modelId="{0C41F847-8A51-46F1-87A5-982E534E5935}" srcId="{9A5D2337-DAAE-402D-8801-502B87D54EDB}" destId="{A52458CD-744E-4088-8F71-C840E8F10CFD}" srcOrd="0" destOrd="0" parTransId="{4526F2F7-08E9-41C9-B832-77789A4F2E87}" sibTransId="{B002191C-6B2D-4957-B4AC-61D2E008955B}"/>
+    <dgm:cxn modelId="{308C1D6F-E25A-4607-A17B-7D6DAB7CFF55}" srcId="{9A5D2337-DAAE-402D-8801-502B87D54EDB}" destId="{0D005502-AC25-42F9-87F4-A361E24EA34F}" srcOrd="1" destOrd="0" parTransId="{8889E0E8-B1DB-4A18-8328-150849E51FA2}" sibTransId="{B2EE293D-CBBB-4FA9-B439-EE07EB7AA364}"/>
+    <dgm:cxn modelId="{1140C14F-103F-488B-9E72-485660C00C82}" type="presOf" srcId="{A52458CD-744E-4088-8F71-C840E8F10CFD}" destId="{9B7EC9D7-5F2A-40A8-93FC-2C52E20985C6}" srcOrd="0" destOrd="0" presId="urn:microsoft.com/office/officeart/2009/layout/CirclePictureHierarchy"/>
+    <dgm:cxn modelId="{1533AB50-D411-4260-AC30-DB0871520885}" type="presOf" srcId="{3F71DDC6-0FAA-4868-86D3-DB59F4B206FD}" destId="{82F63802-F428-4CB0-989E-34F75E768CB6}" srcOrd="0" destOrd="0" presId="urn:microsoft.com/office/officeart/2009/layout/CirclePictureHierarchy"/>
+    <dgm:cxn modelId="{F95CA184-FE23-4AC8-B480-4368916F4CFD}" type="presOf" srcId="{64199506-5F8B-4639-B76F-6C4632C54866}" destId="{48BA62EB-BFE7-4172-AF7D-15055A843FAE}" srcOrd="0" destOrd="0" presId="urn:microsoft.com/office/officeart/2009/layout/CirclePictureHierarchy"/>
+    <dgm:cxn modelId="{F235C389-BE5F-4B29-981A-F788D0F0BFCF}" srcId="{9A5D2337-DAAE-402D-8801-502B87D54EDB}" destId="{C815DC23-EC2A-4BAC-B80E-59FAB8BA7C67}" srcOrd="2" destOrd="0" parTransId="{EB5854A5-624D-4FF5-8087-36707DE07BD8}" sibTransId="{58FADADC-AE25-4FBB-B092-5A2073B2CADD}"/>
+    <dgm:cxn modelId="{4417F68F-DD4B-4FC3-B652-B728BAE406B4}" srcId="{0D005502-AC25-42F9-87F4-A361E24EA34F}" destId="{8D599FAC-C130-4072-9F46-BCB8C3C5D805}" srcOrd="0" destOrd="0" parTransId="{3F71DDC6-0FAA-4868-86D3-DB59F4B206FD}" sibTransId="{A7BA65F4-B18E-4678-AB53-347331CBCF3A}"/>
+    <dgm:cxn modelId="{154CC796-6E3A-46DA-B818-67AB8EA02D86}" type="presOf" srcId="{0D005502-AC25-42F9-87F4-A361E24EA34F}" destId="{0438761B-AA43-4736-BB5F-9335A49BDC60}" srcOrd="0" destOrd="0" presId="urn:microsoft.com/office/officeart/2009/layout/CirclePictureHierarchy"/>
+    <dgm:cxn modelId="{15857597-5145-4AD0-A0A4-AFF4D262A5A8}" type="presOf" srcId="{B0EE8D10-45FF-48CB-A2C0-46882BFCFD24}" destId="{5B53A883-E570-4E1D-A740-6C0DE2E78156}" srcOrd="0" destOrd="0" presId="urn:microsoft.com/office/officeart/2009/layout/CirclePictureHierarchy"/>
+    <dgm:cxn modelId="{90B67FC9-87A7-4204-82C6-060B178BB94F}" type="presOf" srcId="{C815DC23-EC2A-4BAC-B80E-59FAB8BA7C67}" destId="{2EC4BCE3-C421-497C-9E37-B5AB54AF541E}" srcOrd="0" destOrd="0" presId="urn:microsoft.com/office/officeart/2009/layout/CirclePictureHierarchy"/>
+    <dgm:cxn modelId="{F49F4ED3-1845-4F5B-9156-D9617E7D6AE4}" type="presOf" srcId="{8D599FAC-C130-4072-9F46-BCB8C3C5D805}" destId="{D37FDEDF-2294-4A36-ACC9-E94390B2668E}" srcOrd="0" destOrd="0" presId="urn:microsoft.com/office/officeart/2009/layout/CirclePictureHierarchy"/>
+    <dgm:cxn modelId="{DECB8E5F-2DA3-4FC7-8C9D-B0CC4884DBFF}" type="presParOf" srcId="{2AC6EAD3-BD46-442D-B498-5DB76A0710BD}" destId="{09A81B57-AEB2-4A77-AA89-D1EF6BFA8C3D}" srcOrd="0" destOrd="0" presId="urn:microsoft.com/office/officeart/2009/layout/CirclePictureHierarchy"/>
+    <dgm:cxn modelId="{5B5D16B9-BDB0-41E9-8F82-00C8D6E7D74B}" type="presParOf" srcId="{09A81B57-AEB2-4A77-AA89-D1EF6BFA8C3D}" destId="{D68F72C2-FF3E-4AFD-9FC0-3DF93E2AFD84}" srcOrd="0" destOrd="0" presId="urn:microsoft.com/office/officeart/2009/layout/CirclePictureHierarchy"/>
+    <dgm:cxn modelId="{3F430199-216F-4035-859D-0719CA2FD10E}" type="presParOf" srcId="{D68F72C2-FF3E-4AFD-9FC0-3DF93E2AFD84}" destId="{29808F8A-E092-49A1-878B-C4FAA3915892}" srcOrd="0" destOrd="0" presId="urn:microsoft.com/office/officeart/2009/layout/CirclePictureHierarchy"/>
+    <dgm:cxn modelId="{08CC5F4A-4763-4424-B351-94B5C62DF464}" type="presParOf" srcId="{D68F72C2-FF3E-4AFD-9FC0-3DF93E2AFD84}" destId="{9B7EC9D7-5F2A-40A8-93FC-2C52E20985C6}" srcOrd="1" destOrd="0" presId="urn:microsoft.com/office/officeart/2009/layout/CirclePictureHierarchy"/>
+    <dgm:cxn modelId="{048494FF-8492-4E7C-8BBB-8F7789BCD6AE}" type="presParOf" srcId="{09A81B57-AEB2-4A77-AA89-D1EF6BFA8C3D}" destId="{63BF59CE-8211-4D5B-956E-A04FC636D449}" srcOrd="1" destOrd="0" presId="urn:microsoft.com/office/officeart/2009/layout/CirclePictureHierarchy"/>
+    <dgm:cxn modelId="{E94ACEFB-C060-45E0-8B8B-70BD3355AA29}" type="presParOf" srcId="{2AC6EAD3-BD46-442D-B498-5DB76A0710BD}" destId="{7D90CF91-EF82-4A45-B61E-110FE3D8C73E}" srcOrd="1" destOrd="0" presId="urn:microsoft.com/office/officeart/2009/layout/CirclePictureHierarchy"/>
+    <dgm:cxn modelId="{178B2A7A-0C66-4C7E-A5B0-261661A0E278}" type="presParOf" srcId="{7D90CF91-EF82-4A45-B61E-110FE3D8C73E}" destId="{9E007F4A-30A0-4001-BB7A-B2895E12C38C}" srcOrd="0" destOrd="0" presId="urn:microsoft.com/office/officeart/2009/layout/CirclePictureHierarchy"/>
+    <dgm:cxn modelId="{B277ABE0-876A-466B-9427-42CF1839B363}" type="presParOf" srcId="{9E007F4A-30A0-4001-BB7A-B2895E12C38C}" destId="{CC2C53E7-AB2B-4EC1-B136-2E330C1753DA}" srcOrd="0" destOrd="0" presId="urn:microsoft.com/office/officeart/2009/layout/CirclePictureHierarchy"/>
+    <dgm:cxn modelId="{183EDAC6-D54D-41BB-98DA-0842DA901172}" type="presParOf" srcId="{9E007F4A-30A0-4001-BB7A-B2895E12C38C}" destId="{0438761B-AA43-4736-BB5F-9335A49BDC60}" srcOrd="1" destOrd="0" presId="urn:microsoft.com/office/officeart/2009/layout/CirclePictureHierarchy"/>
+    <dgm:cxn modelId="{461AA86B-18FC-4CB6-B926-D4AC318A8E23}" type="presParOf" srcId="{7D90CF91-EF82-4A45-B61E-110FE3D8C73E}" destId="{5E9D6B9F-DF1E-4459-BBDF-0E0395B4AD6D}" srcOrd="1" destOrd="0" presId="urn:microsoft.com/office/officeart/2009/layout/CirclePictureHierarchy"/>
+    <dgm:cxn modelId="{1339A8C8-9EC8-4BF2-B08A-9156B8BCF67C}" type="presParOf" srcId="{5E9D6B9F-DF1E-4459-BBDF-0E0395B4AD6D}" destId="{82F63802-F428-4CB0-989E-34F75E768CB6}" srcOrd="0" destOrd="0" presId="urn:microsoft.com/office/officeart/2009/layout/CirclePictureHierarchy"/>
+    <dgm:cxn modelId="{B74AAECE-D6B8-4588-865E-B8912AF8BF18}" type="presParOf" srcId="{5E9D6B9F-DF1E-4459-BBDF-0E0395B4AD6D}" destId="{75BA9975-9411-48A9-B80A-A0D7382093B8}" srcOrd="1" destOrd="0" presId="urn:microsoft.com/office/officeart/2009/layout/CirclePictureHierarchy"/>
+    <dgm:cxn modelId="{398B91B5-C644-4B21-AD4D-35A945F219B7}" type="presParOf" srcId="{75BA9975-9411-48A9-B80A-A0D7382093B8}" destId="{AC346195-4002-44F1-A31E-661AC5A5B983}" srcOrd="0" destOrd="0" presId="urn:microsoft.com/office/officeart/2009/layout/CirclePictureHierarchy"/>
+    <dgm:cxn modelId="{777682B7-CDD9-4531-926B-9817EB07E5E9}" type="presParOf" srcId="{AC346195-4002-44F1-A31E-661AC5A5B983}" destId="{80602A78-71BA-40E5-A53C-3EBDDD4755C5}" srcOrd="0" destOrd="0" presId="urn:microsoft.com/office/officeart/2009/layout/CirclePictureHierarchy"/>
+    <dgm:cxn modelId="{1FE4F5FB-14D1-459C-B24B-B83E64D5FA66}" type="presParOf" srcId="{AC346195-4002-44F1-A31E-661AC5A5B983}" destId="{D37FDEDF-2294-4A36-ACC9-E94390B2668E}" srcOrd="1" destOrd="0" presId="urn:microsoft.com/office/officeart/2009/layout/CirclePictureHierarchy"/>
+    <dgm:cxn modelId="{46B338BE-E5CB-4E70-B38F-612562DA8634}" type="presParOf" srcId="{75BA9975-9411-48A9-B80A-A0D7382093B8}" destId="{A033905D-4A67-4FD2-A048-DBCC7375760A}" srcOrd="1" destOrd="0" presId="urn:microsoft.com/office/officeart/2009/layout/CirclePictureHierarchy"/>
+    <dgm:cxn modelId="{B7890CAE-5F5B-4C40-B6C5-BC71F3C7FDC3}" type="presParOf" srcId="{5E9D6B9F-DF1E-4459-BBDF-0E0395B4AD6D}" destId="{48BA62EB-BFE7-4172-AF7D-15055A843FAE}" srcOrd="2" destOrd="0" presId="urn:microsoft.com/office/officeart/2009/layout/CirclePictureHierarchy"/>
+    <dgm:cxn modelId="{DAD1F0AB-1621-41D1-BE9E-984095E0A24C}" type="presParOf" srcId="{5E9D6B9F-DF1E-4459-BBDF-0E0395B4AD6D}" destId="{61F460D3-09DE-4F3A-A2CA-72612F1646B1}" srcOrd="3" destOrd="0" presId="urn:microsoft.com/office/officeart/2009/layout/CirclePictureHierarchy"/>
+    <dgm:cxn modelId="{EB41069B-FFBF-4C6D-BF6B-CAA07DA8605B}" type="presParOf" srcId="{61F460D3-09DE-4F3A-A2CA-72612F1646B1}" destId="{31988BAB-3ED9-4C5F-B7F4-ADEC43AFC8B3}" srcOrd="0" destOrd="0" presId="urn:microsoft.com/office/officeart/2009/layout/CirclePictureHierarchy"/>
+    <dgm:cxn modelId="{EBB65085-0328-4568-95E9-697178CA9063}" type="presParOf" srcId="{31988BAB-3ED9-4C5F-B7F4-ADEC43AFC8B3}" destId="{57BEF0FE-2DC2-4899-A1B5-934ABFBDA80F}" srcOrd="0" destOrd="0" presId="urn:microsoft.com/office/officeart/2009/layout/CirclePictureHierarchy"/>
+    <dgm:cxn modelId="{34A56CBE-D846-41D4-B125-5AAB9B29C1DD}" type="presParOf" srcId="{31988BAB-3ED9-4C5F-B7F4-ADEC43AFC8B3}" destId="{5B53A883-E570-4E1D-A740-6C0DE2E78156}" srcOrd="1" destOrd="0" presId="urn:microsoft.com/office/officeart/2009/layout/CirclePictureHierarchy"/>
+    <dgm:cxn modelId="{DF1ACC8C-4627-4646-A43E-FC7EB54B7FE6}" type="presParOf" srcId="{61F460D3-09DE-4F3A-A2CA-72612F1646B1}" destId="{FABB9B6C-DAAA-477F-93A3-EED2AE69A236}" srcOrd="1" destOrd="0" presId="urn:microsoft.com/office/officeart/2009/layout/CirclePictureHierarchy"/>
+    <dgm:cxn modelId="{7981C54D-FC2F-4A0A-B0D2-00E47AB9E0C8}" type="presParOf" srcId="{2AC6EAD3-BD46-442D-B498-5DB76A0710BD}" destId="{CF875D5B-2EF1-4034-8F70-92E7FE83CAF5}" srcOrd="2" destOrd="0" presId="urn:microsoft.com/office/officeart/2009/layout/CirclePictureHierarchy"/>
+    <dgm:cxn modelId="{0E5C7842-3FDD-49CC-BF03-FB75948F1F24}" type="presParOf" srcId="{CF875D5B-2EF1-4034-8F70-92E7FE83CAF5}" destId="{D0119DF2-5491-4F4A-8EA2-C8126404406C}" srcOrd="0" destOrd="0" presId="urn:microsoft.com/office/officeart/2009/layout/CirclePictureHierarchy"/>
+    <dgm:cxn modelId="{CF9DE5FA-BD0E-4C96-8BCD-4332F6317D01}" type="presParOf" srcId="{D0119DF2-5491-4F4A-8EA2-C8126404406C}" destId="{39DBFFC4-2642-482B-93CA-AE0402E00E35}" srcOrd="0" destOrd="0" presId="urn:microsoft.com/office/officeart/2009/layout/CirclePictureHierarchy"/>
+    <dgm:cxn modelId="{68D0365C-CCA5-47C7-839D-809FF04D5800}" type="presParOf" srcId="{D0119DF2-5491-4F4A-8EA2-C8126404406C}" destId="{2EC4BCE3-C421-497C-9E37-B5AB54AF541E}" srcOrd="1" destOrd="0" presId="urn:microsoft.com/office/officeart/2009/layout/CirclePictureHierarchy"/>
+    <dgm:cxn modelId="{6EC454F1-3DE0-452C-8179-6F5010673D28}" type="presParOf" srcId="{CF875D5B-2EF1-4034-8F70-92E7FE83CAF5}" destId="{FBF0F208-9567-4945-BE19-D516BA46D2E1}" srcOrd="1" destOrd="0" presId="urn:microsoft.com/office/officeart/2009/layout/CirclePictureHierarchy"/>
+  </dgm:cxnLst>
+  <dgm:bg/>
+  <dgm:whole/>
+  <dgm:extLst>
+    <a:ext uri="http://schemas.microsoft.com/office/drawing/2008/diagram">
+      <dsp:dataModelExt xmlns:dsp="http://schemas.microsoft.com/office/drawing/2008/diagram" relId="rId7" minVer="http://schemas.openxmlformats.org/drawingml/2006/diagram"/>
+    </a:ext>
+  </dgm:extLst>
+</dgm:dataModel>
+</file>
+
+<file path=ppt/diagrams/data2.xml><?xml version="1.0" encoding="utf-8"?>
+<dgm:dataModel xmlns:dgm="http://schemas.openxmlformats.org/drawingml/2006/diagram" xmlns:a="http://schemas.openxmlformats.org/drawingml/2006/main">
+  <dgm:ptLst>
+    <dgm:pt modelId="{1A540FF8-C944-453C-9A42-5F2B0B97765C}" type="doc">
+      <dgm:prSet loTypeId="urn:microsoft.com/office/officeart/2018/2/layout/IconVerticalSolidList" loCatId="icon" qsTypeId="urn:microsoft.com/office/officeart/2005/8/quickstyle/simple4" qsCatId="simple" csTypeId="urn:microsoft.com/office/officeart/2005/8/colors/accent1_2" csCatId="accent1" phldr="1"/>
+      <dgm:spPr/>
+      <dgm:t>
+        <a:bodyPr/>
+        <a:lstStyle/>
+        <a:p>
+          <a:endParaRPr lang="en-US"/>
+        </a:p>
+      </dgm:t>
+    </dgm:pt>
+    <dgm:pt modelId="{AFEE965C-D096-4812-B8A7-BF0BA5717245}">
+      <dgm:prSet/>
+      <dgm:spPr/>
+      <dgm:t>
+        <a:bodyPr/>
+        <a:lstStyle/>
+        <a:p>
+          <a:pPr>
+            <a:lnSpc>
+              <a:spcPct val="100000"/>
+            </a:lnSpc>
+          </a:pPr>
+          <a:r>
+            <a:rPr lang="en-US" b="1" dirty="0"/>
+            <a:t>Registered voter list</a:t>
+          </a:r>
+          <a:r>
+            <a:rPr lang="en-US" dirty="0"/>
+            <a:t>: </a:t>
+          </a:r>
+          <a:r>
+            <a:rPr lang="en-US" i="1" dirty="0"/>
+            <a:t>csv</a:t>
+          </a:r>
+          <a:r>
+            <a:rPr lang="en-US" dirty="0"/>
+            <a:t> file (2.48 Million records).</a:t>
+          </a:r>
+        </a:p>
+      </dgm:t>
+    </dgm:pt>
+    <dgm:pt modelId="{42E584A9-C4F7-4036-B5AD-35F0D0A82AF5}" type="parTrans" cxnId="{2B2865E6-6DC2-4D03-B222-2DCA13AF3A54}">
+      <dgm:prSet/>
+      <dgm:spPr/>
+      <dgm:t>
+        <a:bodyPr/>
+        <a:lstStyle/>
+        <a:p>
+          <a:endParaRPr lang="en-US"/>
+        </a:p>
+      </dgm:t>
+    </dgm:pt>
+    <dgm:pt modelId="{799D4CFE-43BB-4257-A395-25078D509600}" type="sibTrans" cxnId="{2B2865E6-6DC2-4D03-B222-2DCA13AF3A54}">
+      <dgm:prSet/>
+      <dgm:spPr/>
+      <dgm:t>
+        <a:bodyPr/>
+        <a:lstStyle/>
+        <a:p>
+          <a:endParaRPr lang="en-US"/>
+        </a:p>
+      </dgm:t>
+    </dgm:pt>
+    <dgm:pt modelId="{80999AC7-7085-4DBA-AC9D-4E9D92CE5047}">
+      <dgm:prSet/>
+      <dgm:spPr/>
+      <dgm:t>
+        <a:bodyPr/>
+        <a:lstStyle/>
+        <a:p>
+          <a:pPr>
+            <a:lnSpc>
+              <a:spcPct val="100000"/>
+            </a:lnSpc>
+          </a:pPr>
+          <a:r>
+            <a:rPr lang="en-US" b="1"/>
+            <a:t>Python dictionary</a:t>
+          </a:r>
+          <a:r>
+            <a:rPr lang="en-US"/>
+            <a:t>: Built to keep track of where records are stored.</a:t>
+          </a:r>
+        </a:p>
+      </dgm:t>
+    </dgm:pt>
+    <dgm:pt modelId="{7D9EC0F1-FE5B-4870-A702-F0F60E21EF19}" type="parTrans" cxnId="{091A9CF8-BBD9-4BF1-B4F3-17A4FE24E28F}">
+      <dgm:prSet/>
+      <dgm:spPr/>
+      <dgm:t>
+        <a:bodyPr/>
+        <a:lstStyle/>
+        <a:p>
+          <a:endParaRPr lang="en-US"/>
+        </a:p>
+      </dgm:t>
+    </dgm:pt>
+    <dgm:pt modelId="{CDA9CDC9-D335-49FC-B87B-AB5ADF61C33B}" type="sibTrans" cxnId="{091A9CF8-BBD9-4BF1-B4F3-17A4FE24E28F}">
+      <dgm:prSet/>
+      <dgm:spPr/>
+      <dgm:t>
+        <a:bodyPr/>
+        <a:lstStyle/>
+        <a:p>
+          <a:endParaRPr lang="en-US"/>
+        </a:p>
+      </dgm:t>
+    </dgm:pt>
+    <dgm:pt modelId="{83366CB5-94DF-437E-B60E-49BE1FA19EDD}">
+      <dgm:prSet/>
+      <dgm:spPr/>
+      <dgm:t>
+        <a:bodyPr/>
+        <a:lstStyle/>
+        <a:p>
+          <a:pPr>
+            <a:lnSpc>
+              <a:spcPct val="100000"/>
+            </a:lnSpc>
+          </a:pPr>
+          <a:r>
+            <a:rPr lang="en-US" b="1" dirty="0"/>
+            <a:t>Key:</a:t>
+          </a:r>
+          <a:r>
+            <a:rPr lang="en-US" dirty="0"/>
+            <a:t> Voter ID</a:t>
+          </a:r>
+        </a:p>
+      </dgm:t>
+    </dgm:pt>
+    <dgm:pt modelId="{E576F1B6-81CD-43C0-A8C5-04EFA5EE3BF5}" type="parTrans" cxnId="{431077BD-D03B-4D54-B999-04FFDC059898}">
+      <dgm:prSet/>
+      <dgm:spPr/>
+      <dgm:t>
+        <a:bodyPr/>
+        <a:lstStyle/>
+        <a:p>
+          <a:endParaRPr lang="en-US"/>
+        </a:p>
+      </dgm:t>
+    </dgm:pt>
+    <dgm:pt modelId="{BB601298-BFFD-425A-8DA2-ADF9F64FA901}" type="sibTrans" cxnId="{431077BD-D03B-4D54-B999-04FFDC059898}">
+      <dgm:prSet/>
+      <dgm:spPr/>
+      <dgm:t>
+        <a:bodyPr/>
+        <a:lstStyle/>
+        <a:p>
+          <a:endParaRPr lang="en-US"/>
+        </a:p>
+      </dgm:t>
+    </dgm:pt>
+    <dgm:pt modelId="{F99FC5DA-302E-47C5-9E86-11B9849445D6}">
+      <dgm:prSet/>
+      <dgm:spPr/>
+      <dgm:t>
+        <a:bodyPr/>
+        <a:lstStyle/>
+        <a:p>
+          <a:pPr>
+            <a:lnSpc>
+              <a:spcPct val="100000"/>
+            </a:lnSpc>
+          </a:pPr>
+          <a:r>
+            <a:rPr lang="en-US" b="1"/>
+            <a:t>Value</a:t>
+          </a:r>
+          <a:r>
+            <a:rPr lang="en-US"/>
+            <a:t>: (Block number, Offset)</a:t>
+          </a:r>
+        </a:p>
+      </dgm:t>
+    </dgm:pt>
+    <dgm:pt modelId="{BDD58C8D-55D5-48D4-95D7-B15D95C6B6D0}" type="parTrans" cxnId="{2B008D0F-4E12-4462-885E-6E22154C21FF}">
+      <dgm:prSet/>
+      <dgm:spPr/>
+      <dgm:t>
+        <a:bodyPr/>
+        <a:lstStyle/>
+        <a:p>
+          <a:endParaRPr lang="en-US"/>
+        </a:p>
+      </dgm:t>
+    </dgm:pt>
+    <dgm:pt modelId="{C5E2CAC7-803A-405C-81E8-75F7CE568989}" type="sibTrans" cxnId="{2B008D0F-4E12-4462-885E-6E22154C21FF}">
+      <dgm:prSet/>
+      <dgm:spPr/>
+      <dgm:t>
+        <a:bodyPr/>
+        <a:lstStyle/>
+        <a:p>
+          <a:endParaRPr lang="en-US"/>
+        </a:p>
+      </dgm:t>
+    </dgm:pt>
+    <dgm:pt modelId="{13500851-62D3-424B-A50B-B107C12CD251}">
+      <dgm:prSet/>
+      <dgm:spPr/>
+      <dgm:t>
+        <a:bodyPr/>
+        <a:lstStyle/>
+        <a:p>
+          <a:pPr>
+            <a:lnSpc>
+              <a:spcPct val="100000"/>
+            </a:lnSpc>
+          </a:pPr>
+          <a:r>
+            <a:rPr lang="en-US" b="1"/>
+            <a:t>Block Storage:</a:t>
+          </a:r>
+          <a:endParaRPr lang="en-US"/>
+        </a:p>
+      </dgm:t>
+    </dgm:pt>
+    <dgm:pt modelId="{A8BF46ED-0BF6-4ADA-A62F-AD0D169F38F6}" type="parTrans" cxnId="{0D9111DD-E626-456E-BCF8-53DEDD5BB922}">
+      <dgm:prSet/>
+      <dgm:spPr/>
+      <dgm:t>
+        <a:bodyPr/>
+        <a:lstStyle/>
+        <a:p>
+          <a:endParaRPr lang="en-US"/>
+        </a:p>
+      </dgm:t>
+    </dgm:pt>
+    <dgm:pt modelId="{403E39EF-AF55-41D7-A3DC-F02803F9E2BC}" type="sibTrans" cxnId="{0D9111DD-E626-456E-BCF8-53DEDD5BB922}">
+      <dgm:prSet/>
+      <dgm:spPr/>
+      <dgm:t>
+        <a:bodyPr/>
+        <a:lstStyle/>
+        <a:p>
+          <a:endParaRPr lang="en-US"/>
+        </a:p>
+      </dgm:t>
+    </dgm:pt>
+    <dgm:pt modelId="{075A647C-0DEE-44FA-BA1E-6D9C1D131BA7}">
+      <dgm:prSet/>
+      <dgm:spPr/>
+      <dgm:t>
+        <a:bodyPr/>
+        <a:lstStyle/>
+        <a:p>
+          <a:pPr>
+            <a:lnSpc>
+              <a:spcPct val="100000"/>
+            </a:lnSpc>
+          </a:pPr>
+          <a:r>
+            <a:rPr lang="en-US" dirty="0"/>
+            <a:t>Records are padded</a:t>
+          </a:r>
+        </a:p>
+      </dgm:t>
+    </dgm:pt>
+    <dgm:pt modelId="{765557CD-CEA1-452F-8507-9F657300AF3B}" type="parTrans" cxnId="{B0EDA08D-1CED-4833-9F99-76BB4F6BB64B}">
+      <dgm:prSet/>
+      <dgm:spPr/>
+      <dgm:t>
+        <a:bodyPr/>
+        <a:lstStyle/>
+        <a:p>
+          <a:endParaRPr lang="en-US"/>
+        </a:p>
+      </dgm:t>
+    </dgm:pt>
+    <dgm:pt modelId="{31B51213-2E4C-4049-A4A9-B8DEA67C1B47}" type="sibTrans" cxnId="{B0EDA08D-1CED-4833-9F99-76BB4F6BB64B}">
+      <dgm:prSet/>
+      <dgm:spPr/>
+      <dgm:t>
+        <a:bodyPr/>
+        <a:lstStyle/>
+        <a:p>
+          <a:endParaRPr lang="en-US"/>
+        </a:p>
+      </dgm:t>
+    </dgm:pt>
+    <dgm:pt modelId="{8690ADEB-C2F4-4BDB-9D32-A158A6028896}">
+      <dgm:prSet/>
+      <dgm:spPr/>
+      <dgm:t>
+        <a:bodyPr/>
+        <a:lstStyle/>
+        <a:p>
+          <a:pPr>
+            <a:lnSpc>
+              <a:spcPct val="100000"/>
+            </a:lnSpc>
+          </a:pPr>
+          <a:r>
+            <a:rPr lang="en-US" dirty="0"/>
+            <a:t>Records embedded into larger physical records</a:t>
+          </a:r>
+        </a:p>
+      </dgm:t>
+    </dgm:pt>
+    <dgm:pt modelId="{FE383AB7-D332-4558-8D13-F6CC9C4543DF}" type="parTrans" cxnId="{A6EF1E6A-C40B-43ED-9CA8-4C51A6516426}">
+      <dgm:prSet/>
+      <dgm:spPr/>
+      <dgm:t>
+        <a:bodyPr/>
+        <a:lstStyle/>
+        <a:p>
+          <a:endParaRPr lang="en-US"/>
+        </a:p>
+      </dgm:t>
+    </dgm:pt>
+    <dgm:pt modelId="{B2665368-608E-4A8A-BFFD-4AFE6A6E8DCB}" type="sibTrans" cxnId="{A6EF1E6A-C40B-43ED-9CA8-4C51A6516426}">
+      <dgm:prSet/>
+      <dgm:spPr/>
+      <dgm:t>
+        <a:bodyPr/>
+        <a:lstStyle/>
+        <a:p>
+          <a:endParaRPr lang="en-US"/>
+        </a:p>
+      </dgm:t>
+    </dgm:pt>
+    <dgm:pt modelId="{3D2CD645-A750-4183-99D4-AE9D6E3C04EA}">
+      <dgm:prSet/>
+      <dgm:spPr/>
+      <dgm:t>
+        <a:bodyPr/>
+        <a:lstStyle/>
+        <a:p>
+          <a:pPr>
+            <a:lnSpc>
+              <a:spcPct val="100000"/>
+            </a:lnSpc>
+          </a:pPr>
+          <a:r>
+            <a:rPr lang="en-US" b="1"/>
+            <a:t>Object Storage:</a:t>
+          </a:r>
+          <a:endParaRPr lang="en-US"/>
+        </a:p>
+      </dgm:t>
+    </dgm:pt>
+    <dgm:pt modelId="{9E402A6B-86B0-4EEF-B1EE-C101B729EB0D}" type="parTrans" cxnId="{2A9878AD-1CF1-46F9-9C6F-71F0F615087F}">
+      <dgm:prSet/>
+      <dgm:spPr/>
+      <dgm:t>
+        <a:bodyPr/>
+        <a:lstStyle/>
+        <a:p>
+          <a:endParaRPr lang="en-US"/>
+        </a:p>
+      </dgm:t>
+    </dgm:pt>
+    <dgm:pt modelId="{BCBD8D65-48CE-471E-98B0-35676D239BD2}" type="sibTrans" cxnId="{2A9878AD-1CF1-46F9-9C6F-71F0F615087F}">
+      <dgm:prSet/>
+      <dgm:spPr/>
+      <dgm:t>
+        <a:bodyPr/>
+        <a:lstStyle/>
+        <a:p>
+          <a:endParaRPr lang="en-US"/>
+        </a:p>
+      </dgm:t>
+    </dgm:pt>
+    <dgm:pt modelId="{712AA28B-BCB0-40EE-91B5-34ADD99F7A62}">
+      <dgm:prSet/>
+      <dgm:spPr/>
+      <dgm:t>
+        <a:bodyPr/>
+        <a:lstStyle/>
+        <a:p>
+          <a:pPr>
+            <a:lnSpc>
+              <a:spcPct val="100000"/>
+            </a:lnSpc>
+          </a:pPr>
+          <a:r>
+            <a:rPr lang="en-US" dirty="0"/>
+            <a:t>Records are not padded</a:t>
+          </a:r>
+        </a:p>
+      </dgm:t>
+    </dgm:pt>
+    <dgm:pt modelId="{1BFF971C-73ED-465E-A38C-256425E2BB4E}" type="parTrans" cxnId="{E31107DF-0143-4D89-A21E-9FE7098E1876}">
+      <dgm:prSet/>
+      <dgm:spPr/>
+      <dgm:t>
+        <a:bodyPr/>
+        <a:lstStyle/>
+        <a:p>
+          <a:endParaRPr lang="en-US"/>
+        </a:p>
+      </dgm:t>
+    </dgm:pt>
+    <dgm:pt modelId="{CC85F38D-EE31-4C61-B3BA-A2D318AD6204}" type="sibTrans" cxnId="{E31107DF-0143-4D89-A21E-9FE7098E1876}">
+      <dgm:prSet/>
+      <dgm:spPr/>
+      <dgm:t>
+        <a:bodyPr/>
+        <a:lstStyle/>
+        <a:p>
+          <a:endParaRPr lang="en-US"/>
+        </a:p>
+      </dgm:t>
+    </dgm:pt>
+    <dgm:pt modelId="{8D6F679A-813D-430A-9917-24A37ADD03E0}">
+      <dgm:prSet/>
+      <dgm:spPr/>
+      <dgm:t>
+        <a:bodyPr/>
+        <a:lstStyle/>
+        <a:p>
+          <a:pPr>
+            <a:lnSpc>
+              <a:spcPct val="100000"/>
+            </a:lnSpc>
+          </a:pPr>
+          <a:r>
+            <a:rPr lang="en-US" dirty="0"/>
+            <a:t>1+ voter records embedded into objects</a:t>
+          </a:r>
+        </a:p>
+      </dgm:t>
+    </dgm:pt>
+    <dgm:pt modelId="{70EB3122-E9ED-44D6-8ED9-EA4D785AA49B}" type="parTrans" cxnId="{AC520C0E-2F84-4292-9848-28FEB5967476}">
+      <dgm:prSet/>
+      <dgm:spPr/>
+      <dgm:t>
+        <a:bodyPr/>
+        <a:lstStyle/>
+        <a:p>
+          <a:endParaRPr lang="en-US"/>
+        </a:p>
+      </dgm:t>
+    </dgm:pt>
+    <dgm:pt modelId="{75E84CED-A6AA-42DB-BDF6-839E9863EFC6}" type="sibTrans" cxnId="{AC520C0E-2F84-4292-9848-28FEB5967476}">
+      <dgm:prSet/>
+      <dgm:spPr/>
+      <dgm:t>
+        <a:bodyPr/>
+        <a:lstStyle/>
+        <a:p>
+          <a:endParaRPr lang="en-US"/>
+        </a:p>
+      </dgm:t>
+    </dgm:pt>
+    <dgm:pt modelId="{A6E995E6-F22E-4274-B47C-01A54632D4C6}" type="pres">
+      <dgm:prSet presAssocID="{1A540FF8-C944-453C-9A42-5F2B0B97765C}" presName="root" presStyleCnt="0">
+        <dgm:presLayoutVars>
+          <dgm:dir/>
+          <dgm:resizeHandles val="exact"/>
+        </dgm:presLayoutVars>
+      </dgm:prSet>
+      <dgm:spPr/>
+    </dgm:pt>
+    <dgm:pt modelId="{6A604CCD-87B4-4C2F-B672-EE5E43AACF28}" type="pres">
+      <dgm:prSet presAssocID="{AFEE965C-D096-4812-B8A7-BF0BA5717245}" presName="compNode" presStyleCnt="0"/>
+      <dgm:spPr/>
+    </dgm:pt>
+    <dgm:pt modelId="{CCD4A823-E626-446B-87C5-9F1C7BB53428}" type="pres">
+      <dgm:prSet presAssocID="{AFEE965C-D096-4812-B8A7-BF0BA5717245}" presName="bgRect" presStyleLbl="bgShp" presStyleIdx="0" presStyleCnt="4" custLinFactNeighborY="4541"/>
+      <dgm:spPr/>
+    </dgm:pt>
+    <dgm:pt modelId="{0541BEB6-F696-4C19-A7F0-A41B2A8886DB}" type="pres">
+      <dgm:prSet presAssocID="{AFEE965C-D096-4812-B8A7-BF0BA5717245}" presName="iconRect" presStyleLbl="node1" presStyleIdx="0" presStyleCnt="4"/>
+      <dgm:spPr>
+        <a:blipFill>
+          <a:blip xmlns:r="http://schemas.openxmlformats.org/officeDocument/2006/relationships" r:embed="rId1">
+            <a:extLst>
+              <a:ext uri="{28A0092B-C50C-407E-A947-70E740481C1C}">
+                <a14:useLocalDpi xmlns:a14="http://schemas.microsoft.com/office/drawing/2010/main" val="0"/>
+              </a:ext>
+              <a:ext uri="{96DAC541-7B7A-43D3-8B79-37D633B846F1}">
+                <asvg:svgBlip xmlns:asvg="http://schemas.microsoft.com/office/drawing/2016/SVG/main" r:embed="rId2"/>
+              </a:ext>
+            </a:extLst>
+          </a:blip>
+          <a:stretch>
+            <a:fillRect/>
+          </a:stretch>
+        </a:blipFill>
+      </dgm:spPr>
+      <dgm:extLst>
+        <a:ext uri="{E40237B7-FDA0-4F09-8148-C483321AD2D9}">
+          <dgm14:cNvPr xmlns:dgm14="http://schemas.microsoft.com/office/drawing/2010/diagram" id="0" name="" descr="Bank"/>
+        </a:ext>
+      </dgm:extLst>
+    </dgm:pt>
+    <dgm:pt modelId="{37CDC114-0060-4418-BF4C-F7A68F69F1CB}" type="pres">
+      <dgm:prSet presAssocID="{AFEE965C-D096-4812-B8A7-BF0BA5717245}" presName="spaceRect" presStyleCnt="0"/>
+      <dgm:spPr/>
+    </dgm:pt>
+    <dgm:pt modelId="{F1FCC5A3-D10C-4A98-B360-BBD9A87D0282}" type="pres">
+      <dgm:prSet presAssocID="{AFEE965C-D096-4812-B8A7-BF0BA5717245}" presName="parTx" presStyleLbl="revTx" presStyleIdx="0" presStyleCnt="7">
+        <dgm:presLayoutVars>
+          <dgm:chMax val="0"/>
+          <dgm:chPref val="0"/>
+        </dgm:presLayoutVars>
+      </dgm:prSet>
+      <dgm:spPr/>
+    </dgm:pt>
+    <dgm:pt modelId="{6BBCAE0D-A208-44DA-B988-7342CB7F9ACA}" type="pres">
+      <dgm:prSet presAssocID="{799D4CFE-43BB-4257-A395-25078D509600}" presName="sibTrans" presStyleCnt="0"/>
+      <dgm:spPr/>
+    </dgm:pt>
+    <dgm:pt modelId="{95E7E4D7-1C9A-4532-AAF7-2A739B140985}" type="pres">
+      <dgm:prSet presAssocID="{80999AC7-7085-4DBA-AC9D-4E9D92CE5047}" presName="compNode" presStyleCnt="0"/>
+      <dgm:spPr/>
+    </dgm:pt>
+    <dgm:pt modelId="{0E0BDEC6-8BFC-4B93-96A0-E98225D8E96A}" type="pres">
+      <dgm:prSet presAssocID="{80999AC7-7085-4DBA-AC9D-4E9D92CE5047}" presName="bgRect" presStyleLbl="bgShp" presStyleIdx="1" presStyleCnt="4"/>
+      <dgm:spPr/>
+    </dgm:pt>
+    <dgm:pt modelId="{EF1AB084-1614-4AB5-A2AA-1A8719CCC819}" type="pres">
+      <dgm:prSet presAssocID="{80999AC7-7085-4DBA-AC9D-4E9D92CE5047}" presName="iconRect" presStyleLbl="node1" presStyleIdx="1" presStyleCnt="4"/>
+      <dgm:spPr>
+        <a:blipFill>
+          <a:blip xmlns:r="http://schemas.openxmlformats.org/officeDocument/2006/relationships" r:embed="rId3">
+            <a:extLst>
+              <a:ext uri="{28A0092B-C50C-407E-A947-70E740481C1C}">
+                <a14:useLocalDpi xmlns:a14="http://schemas.microsoft.com/office/drawing/2010/main" val="0"/>
+              </a:ext>
+              <a:ext uri="{96DAC541-7B7A-43D3-8B79-37D633B846F1}">
+                <asvg:svgBlip xmlns:asvg="http://schemas.microsoft.com/office/drawing/2016/SVG/main" r:embed="rId4"/>
+              </a:ext>
+            </a:extLst>
+          </a:blip>
+          <a:stretch>
+            <a:fillRect/>
+          </a:stretch>
+        </a:blipFill>
+      </dgm:spPr>
+      <dgm:extLst>
+        <a:ext uri="{E40237B7-FDA0-4F09-8148-C483321AD2D9}">
+          <dgm14:cNvPr xmlns:dgm14="http://schemas.microsoft.com/office/drawing/2010/diagram" id="0" name="" descr="Programmer"/>
+        </a:ext>
+      </dgm:extLst>
+    </dgm:pt>
+    <dgm:pt modelId="{1B4E2A9D-A652-4091-907B-9DD0D4A76F43}" type="pres">
+      <dgm:prSet presAssocID="{80999AC7-7085-4DBA-AC9D-4E9D92CE5047}" presName="spaceRect" presStyleCnt="0"/>
+      <dgm:spPr/>
+    </dgm:pt>
+    <dgm:pt modelId="{39DCD310-261E-475C-AFAF-AA4F21D1917C}" type="pres">
+      <dgm:prSet presAssocID="{80999AC7-7085-4DBA-AC9D-4E9D92CE5047}" presName="parTx" presStyleLbl="revTx" presStyleIdx="1" presStyleCnt="7">
+        <dgm:presLayoutVars>
+          <dgm:chMax val="0"/>
+          <dgm:chPref val="0"/>
+        </dgm:presLayoutVars>
+      </dgm:prSet>
+      <dgm:spPr/>
+    </dgm:pt>
+    <dgm:pt modelId="{0D57C157-D425-4A06-BBE0-C05C8DF217D9}" type="pres">
+      <dgm:prSet presAssocID="{80999AC7-7085-4DBA-AC9D-4E9D92CE5047}" presName="desTx" presStyleLbl="revTx" presStyleIdx="2" presStyleCnt="7">
+        <dgm:presLayoutVars/>
+      </dgm:prSet>
+      <dgm:spPr/>
+    </dgm:pt>
+    <dgm:pt modelId="{0D98F662-868F-4A0C-A77E-EBFA64DC4337}" type="pres">
+      <dgm:prSet presAssocID="{CDA9CDC9-D335-49FC-B87B-AB5ADF61C33B}" presName="sibTrans" presStyleCnt="0"/>
+      <dgm:spPr/>
+    </dgm:pt>
+    <dgm:pt modelId="{444CF1B6-E55E-44F1-8B42-FC1BFC3A2751}" type="pres">
+      <dgm:prSet presAssocID="{13500851-62D3-424B-A50B-B107C12CD251}" presName="compNode" presStyleCnt="0"/>
+      <dgm:spPr/>
+    </dgm:pt>
+    <dgm:pt modelId="{ECBBF41A-57B8-401B-8091-2E4A53F27A54}" type="pres">
+      <dgm:prSet presAssocID="{13500851-62D3-424B-A50B-B107C12CD251}" presName="bgRect" presStyleLbl="bgShp" presStyleIdx="2" presStyleCnt="4"/>
+      <dgm:spPr/>
+    </dgm:pt>
+    <dgm:pt modelId="{EBED7152-6BDC-4FF3-8DFA-21B30E433831}" type="pres">
+      <dgm:prSet presAssocID="{13500851-62D3-424B-A50B-B107C12CD251}" presName="iconRect" presStyleLbl="node1" presStyleIdx="2" presStyleCnt="4"/>
+      <dgm:spPr>
+        <a:blipFill>
+          <a:blip xmlns:r="http://schemas.openxmlformats.org/officeDocument/2006/relationships" r:embed="rId5">
+            <a:extLst>
+              <a:ext uri="{28A0092B-C50C-407E-A947-70E740481C1C}">
+                <a14:useLocalDpi xmlns:a14="http://schemas.microsoft.com/office/drawing/2010/main" val="0"/>
+              </a:ext>
+              <a:ext uri="{96DAC541-7B7A-43D3-8B79-37D633B846F1}">
+                <asvg:svgBlip xmlns:asvg="http://schemas.microsoft.com/office/drawing/2016/SVG/main" r:embed="rId6"/>
+              </a:ext>
+            </a:extLst>
+          </a:blip>
+          <a:stretch>
+            <a:fillRect/>
+          </a:stretch>
+        </a:blipFill>
+      </dgm:spPr>
+      <dgm:extLst>
+        <a:ext uri="{E40237B7-FDA0-4F09-8148-C483321AD2D9}">
+          <dgm14:cNvPr xmlns:dgm14="http://schemas.microsoft.com/office/drawing/2010/diagram" id="0" name="" descr="Lock"/>
+        </a:ext>
+      </dgm:extLst>
+    </dgm:pt>
+    <dgm:pt modelId="{A96D7BF4-95D0-4D62-94CB-56A318A6E8E3}" type="pres">
+      <dgm:prSet presAssocID="{13500851-62D3-424B-A50B-B107C12CD251}" presName="spaceRect" presStyleCnt="0"/>
+      <dgm:spPr/>
+    </dgm:pt>
+    <dgm:pt modelId="{798E14CA-3AB6-4BB9-BCD8-AB086D055FA6}" type="pres">
+      <dgm:prSet presAssocID="{13500851-62D3-424B-A50B-B107C12CD251}" presName="parTx" presStyleLbl="revTx" presStyleIdx="3" presStyleCnt="7">
+        <dgm:presLayoutVars>
+          <dgm:chMax val="0"/>
+          <dgm:chPref val="0"/>
+        </dgm:presLayoutVars>
+      </dgm:prSet>
+      <dgm:spPr/>
+    </dgm:pt>
+    <dgm:pt modelId="{DA560071-D39D-4F8F-9142-5229EB5F411C}" type="pres">
+      <dgm:prSet presAssocID="{13500851-62D3-424B-A50B-B107C12CD251}" presName="desTx" presStyleLbl="revTx" presStyleIdx="4" presStyleCnt="7">
+        <dgm:presLayoutVars/>
+      </dgm:prSet>
+      <dgm:spPr/>
+    </dgm:pt>
+    <dgm:pt modelId="{19E53026-FABB-423D-950F-EA4F08EA0336}" type="pres">
+      <dgm:prSet presAssocID="{403E39EF-AF55-41D7-A3DC-F02803F9E2BC}" presName="sibTrans" presStyleCnt="0"/>
+      <dgm:spPr/>
+    </dgm:pt>
+    <dgm:pt modelId="{6AE79E30-EAEF-42F4-9DBF-19645F3BC215}" type="pres">
+      <dgm:prSet presAssocID="{3D2CD645-A750-4183-99D4-AE9D6E3C04EA}" presName="compNode" presStyleCnt="0"/>
+      <dgm:spPr/>
+    </dgm:pt>
+    <dgm:pt modelId="{FB93F15B-BA68-4D72-9559-7FFC1BBD061A}" type="pres">
+      <dgm:prSet presAssocID="{3D2CD645-A750-4183-99D4-AE9D6E3C04EA}" presName="bgRect" presStyleLbl="bgShp" presStyleIdx="3" presStyleCnt="4"/>
+      <dgm:spPr/>
+    </dgm:pt>
+    <dgm:pt modelId="{C0A97AB8-3400-4E07-AE63-4A81D99D654E}" type="pres">
+      <dgm:prSet presAssocID="{3D2CD645-A750-4183-99D4-AE9D6E3C04EA}" presName="iconRect" presStyleLbl="node1" presStyleIdx="3" presStyleCnt="4"/>
+      <dgm:spPr>
+        <a:blipFill>
+          <a:blip xmlns:r="http://schemas.openxmlformats.org/officeDocument/2006/relationships" r:embed="rId7">
+            <a:extLst>
+              <a:ext uri="{28A0092B-C50C-407E-A947-70E740481C1C}">
+                <a14:useLocalDpi xmlns:a14="http://schemas.microsoft.com/office/drawing/2010/main" val="0"/>
+              </a:ext>
+              <a:ext uri="{96DAC541-7B7A-43D3-8B79-37D633B846F1}">
+                <asvg:svgBlip xmlns:asvg="http://schemas.microsoft.com/office/drawing/2016/SVG/main" r:embed="rId8"/>
+              </a:ext>
+            </a:extLst>
+          </a:blip>
+          <a:stretch>
+            <a:fillRect/>
+          </a:stretch>
+        </a:blipFill>
+      </dgm:spPr>
+      <dgm:extLst>
+        <a:ext uri="{E40237B7-FDA0-4F09-8148-C483321AD2D9}">
+          <dgm14:cNvPr xmlns:dgm14="http://schemas.microsoft.com/office/drawing/2010/diagram" id="0" name="" descr="Open Folder"/>
+        </a:ext>
+      </dgm:extLst>
+    </dgm:pt>
+    <dgm:pt modelId="{F0A735AE-15FD-4552-9BA4-B32F4D6EEE5E}" type="pres">
+      <dgm:prSet presAssocID="{3D2CD645-A750-4183-99D4-AE9D6E3C04EA}" presName="spaceRect" presStyleCnt="0"/>
+      <dgm:spPr/>
+    </dgm:pt>
+    <dgm:pt modelId="{BE3A9DAB-B488-443B-9C36-23AE9D512B9B}" type="pres">
+      <dgm:prSet presAssocID="{3D2CD645-A750-4183-99D4-AE9D6E3C04EA}" presName="parTx" presStyleLbl="revTx" presStyleIdx="5" presStyleCnt="7">
+        <dgm:presLayoutVars>
+          <dgm:chMax val="0"/>
+          <dgm:chPref val="0"/>
+        </dgm:presLayoutVars>
+      </dgm:prSet>
+      <dgm:spPr/>
+    </dgm:pt>
+    <dgm:pt modelId="{75C51E58-63E8-4A1F-BCFB-9D45037D45EA}" type="pres">
+      <dgm:prSet presAssocID="{3D2CD645-A750-4183-99D4-AE9D6E3C04EA}" presName="desTx" presStyleLbl="revTx" presStyleIdx="6" presStyleCnt="7">
+        <dgm:presLayoutVars/>
+      </dgm:prSet>
+      <dgm:spPr/>
+    </dgm:pt>
+  </dgm:ptLst>
+  <dgm:cxnLst>
+    <dgm:cxn modelId="{71394303-91EF-44E3-8D72-B210E07FEA08}" type="presOf" srcId="{8D6F679A-813D-430A-9917-24A37ADD03E0}" destId="{75C51E58-63E8-4A1F-BCFB-9D45037D45EA}" srcOrd="0" destOrd="1" presId="urn:microsoft.com/office/officeart/2018/2/layout/IconVerticalSolidList"/>
+    <dgm:cxn modelId="{AC520C0E-2F84-4292-9848-28FEB5967476}" srcId="{3D2CD645-A750-4183-99D4-AE9D6E3C04EA}" destId="{8D6F679A-813D-430A-9917-24A37ADD03E0}" srcOrd="1" destOrd="0" parTransId="{70EB3122-E9ED-44D6-8ED9-EA4D785AA49B}" sibTransId="{75E84CED-A6AA-42DB-BDF6-839E9863EFC6}"/>
+    <dgm:cxn modelId="{2B008D0F-4E12-4462-885E-6E22154C21FF}" srcId="{80999AC7-7085-4DBA-AC9D-4E9D92CE5047}" destId="{F99FC5DA-302E-47C5-9E86-11B9849445D6}" srcOrd="1" destOrd="0" parTransId="{BDD58C8D-55D5-48D4-95D7-B15D95C6B6D0}" sibTransId="{C5E2CAC7-803A-405C-81E8-75F7CE568989}"/>
+    <dgm:cxn modelId="{D4734613-8E81-48F3-B6C0-2A67ADB7E7A1}" type="presOf" srcId="{83366CB5-94DF-437E-B60E-49BE1FA19EDD}" destId="{0D57C157-D425-4A06-BBE0-C05C8DF217D9}" srcOrd="0" destOrd="0" presId="urn:microsoft.com/office/officeart/2018/2/layout/IconVerticalSolidList"/>
+    <dgm:cxn modelId="{A71F0625-46DE-4F78-B1F1-E33455766AF9}" type="presOf" srcId="{712AA28B-BCB0-40EE-91B5-34ADD99F7A62}" destId="{75C51E58-63E8-4A1F-BCFB-9D45037D45EA}" srcOrd="0" destOrd="0" presId="urn:microsoft.com/office/officeart/2018/2/layout/IconVerticalSolidList"/>
+    <dgm:cxn modelId="{90483260-0C42-4977-9B68-3972CC176D16}" type="presOf" srcId="{1A540FF8-C944-453C-9A42-5F2B0B97765C}" destId="{A6E995E6-F22E-4274-B47C-01A54632D4C6}" srcOrd="0" destOrd="0" presId="urn:microsoft.com/office/officeart/2018/2/layout/IconVerticalSolidList"/>
+    <dgm:cxn modelId="{A6EF1E6A-C40B-43ED-9CA8-4C51A6516426}" srcId="{13500851-62D3-424B-A50B-B107C12CD251}" destId="{8690ADEB-C2F4-4BDB-9D32-A158A6028896}" srcOrd="1" destOrd="0" parTransId="{FE383AB7-D332-4558-8D13-F6CC9C4543DF}" sibTransId="{B2665368-608E-4A8A-BFFD-4AFE6A6E8DCB}"/>
+    <dgm:cxn modelId="{31006F4F-B6B6-43FB-93B4-6CB6261D9EB1}" type="presOf" srcId="{F99FC5DA-302E-47C5-9E86-11B9849445D6}" destId="{0D57C157-D425-4A06-BBE0-C05C8DF217D9}" srcOrd="0" destOrd="1" presId="urn:microsoft.com/office/officeart/2018/2/layout/IconVerticalSolidList"/>
+    <dgm:cxn modelId="{FEE18153-CA7E-4648-9E7A-A6B17272AF30}" type="presOf" srcId="{8690ADEB-C2F4-4BDB-9D32-A158A6028896}" destId="{DA560071-D39D-4F8F-9142-5229EB5F411C}" srcOrd="0" destOrd="1" presId="urn:microsoft.com/office/officeart/2018/2/layout/IconVerticalSolidList"/>
+    <dgm:cxn modelId="{5BA87F57-F9CE-470A-8283-838A38F1A651}" type="presOf" srcId="{80999AC7-7085-4DBA-AC9D-4E9D92CE5047}" destId="{39DCD310-261E-475C-AFAF-AA4F21D1917C}" srcOrd="0" destOrd="0" presId="urn:microsoft.com/office/officeart/2018/2/layout/IconVerticalSolidList"/>
+    <dgm:cxn modelId="{B0EDA08D-1CED-4833-9F99-76BB4F6BB64B}" srcId="{13500851-62D3-424B-A50B-B107C12CD251}" destId="{075A647C-0DEE-44FA-BA1E-6D9C1D131BA7}" srcOrd="0" destOrd="0" parTransId="{765557CD-CEA1-452F-8507-9F657300AF3B}" sibTransId="{31B51213-2E4C-4049-A4A9-B8DEA67C1B47}"/>
+    <dgm:cxn modelId="{08B2B390-F7A4-49BC-BC4F-5E14F43DFA9F}" type="presOf" srcId="{AFEE965C-D096-4812-B8A7-BF0BA5717245}" destId="{F1FCC5A3-D10C-4A98-B360-BBD9A87D0282}" srcOrd="0" destOrd="0" presId="urn:microsoft.com/office/officeart/2018/2/layout/IconVerticalSolidList"/>
+    <dgm:cxn modelId="{02B69A9B-8318-45EB-8AAA-ACCE0D7592BA}" type="presOf" srcId="{3D2CD645-A750-4183-99D4-AE9D6E3C04EA}" destId="{BE3A9DAB-B488-443B-9C36-23AE9D512B9B}" srcOrd="0" destOrd="0" presId="urn:microsoft.com/office/officeart/2018/2/layout/IconVerticalSolidList"/>
+    <dgm:cxn modelId="{2A9878AD-1CF1-46F9-9C6F-71F0F615087F}" srcId="{1A540FF8-C944-453C-9A42-5F2B0B97765C}" destId="{3D2CD645-A750-4183-99D4-AE9D6E3C04EA}" srcOrd="3" destOrd="0" parTransId="{9E402A6B-86B0-4EEF-B1EE-C101B729EB0D}" sibTransId="{BCBD8D65-48CE-471E-98B0-35676D239BD2}"/>
+    <dgm:cxn modelId="{B67A39BC-41A7-4180-A6CB-C75BFA13F28D}" type="presOf" srcId="{075A647C-0DEE-44FA-BA1E-6D9C1D131BA7}" destId="{DA560071-D39D-4F8F-9142-5229EB5F411C}" srcOrd="0" destOrd="0" presId="urn:microsoft.com/office/officeart/2018/2/layout/IconVerticalSolidList"/>
+    <dgm:cxn modelId="{431077BD-D03B-4D54-B999-04FFDC059898}" srcId="{80999AC7-7085-4DBA-AC9D-4E9D92CE5047}" destId="{83366CB5-94DF-437E-B60E-49BE1FA19EDD}" srcOrd="0" destOrd="0" parTransId="{E576F1B6-81CD-43C0-A8C5-04EFA5EE3BF5}" sibTransId="{BB601298-BFFD-425A-8DA2-ADF9F64FA901}"/>
+    <dgm:cxn modelId="{0D9111DD-E626-456E-BCF8-53DEDD5BB922}" srcId="{1A540FF8-C944-453C-9A42-5F2B0B97765C}" destId="{13500851-62D3-424B-A50B-B107C12CD251}" srcOrd="2" destOrd="0" parTransId="{A8BF46ED-0BF6-4ADA-A62F-AD0D169F38F6}" sibTransId="{403E39EF-AF55-41D7-A3DC-F02803F9E2BC}"/>
+    <dgm:cxn modelId="{E31107DF-0143-4D89-A21E-9FE7098E1876}" srcId="{3D2CD645-A750-4183-99D4-AE9D6E3C04EA}" destId="{712AA28B-BCB0-40EE-91B5-34ADD99F7A62}" srcOrd="0" destOrd="0" parTransId="{1BFF971C-73ED-465E-A38C-256425E2BB4E}" sibTransId="{CC85F38D-EE31-4C61-B3BA-A2D318AD6204}"/>
+    <dgm:cxn modelId="{2B2865E6-6DC2-4D03-B222-2DCA13AF3A54}" srcId="{1A540FF8-C944-453C-9A42-5F2B0B97765C}" destId="{AFEE965C-D096-4812-B8A7-BF0BA5717245}" srcOrd="0" destOrd="0" parTransId="{42E584A9-C4F7-4036-B5AD-35F0D0A82AF5}" sibTransId="{799D4CFE-43BB-4257-A395-25078D509600}"/>
+    <dgm:cxn modelId="{091A9CF8-BBD9-4BF1-B4F3-17A4FE24E28F}" srcId="{1A540FF8-C944-453C-9A42-5F2B0B97765C}" destId="{80999AC7-7085-4DBA-AC9D-4E9D92CE5047}" srcOrd="1" destOrd="0" parTransId="{7D9EC0F1-FE5B-4870-A702-F0F60E21EF19}" sibTransId="{CDA9CDC9-D335-49FC-B87B-AB5ADF61C33B}"/>
+    <dgm:cxn modelId="{CB6A0FFA-47E8-41FF-866A-18020A4D25A5}" type="presOf" srcId="{13500851-62D3-424B-A50B-B107C12CD251}" destId="{798E14CA-3AB6-4BB9-BCD8-AB086D055FA6}" srcOrd="0" destOrd="0" presId="urn:microsoft.com/office/officeart/2018/2/layout/IconVerticalSolidList"/>
+    <dgm:cxn modelId="{05D43FE6-7487-45DB-B58B-FCAA56E57456}" type="presParOf" srcId="{A6E995E6-F22E-4274-B47C-01A54632D4C6}" destId="{6A604CCD-87B4-4C2F-B672-EE5E43AACF28}" srcOrd="0" destOrd="0" presId="urn:microsoft.com/office/officeart/2018/2/layout/IconVerticalSolidList"/>
+    <dgm:cxn modelId="{6B1A6803-784B-4389-9232-A09676EBD6A4}" type="presParOf" srcId="{6A604CCD-87B4-4C2F-B672-EE5E43AACF28}" destId="{CCD4A823-E626-446B-87C5-9F1C7BB53428}" srcOrd="0" destOrd="0" presId="urn:microsoft.com/office/officeart/2018/2/layout/IconVerticalSolidList"/>
+    <dgm:cxn modelId="{222BDC8D-537B-4E09-ABD4-DBBF40B10B23}" type="presParOf" srcId="{6A604CCD-87B4-4C2F-B672-EE5E43AACF28}" destId="{0541BEB6-F696-4C19-A7F0-A41B2A8886DB}" srcOrd="1" destOrd="0" presId="urn:microsoft.com/office/officeart/2018/2/layout/IconVerticalSolidList"/>
+    <dgm:cxn modelId="{44E8F57A-64D3-4A11-9AC5-CE38091678F1}" type="presParOf" srcId="{6A604CCD-87B4-4C2F-B672-EE5E43AACF28}" destId="{37CDC114-0060-4418-BF4C-F7A68F69F1CB}" srcOrd="2" destOrd="0" presId="urn:microsoft.com/office/officeart/2018/2/layout/IconVerticalSolidList"/>
+    <dgm:cxn modelId="{73FD9B81-E0EA-416E-8853-9259CFE8D87D}" type="presParOf" srcId="{6A604CCD-87B4-4C2F-B672-EE5E43AACF28}" destId="{F1FCC5A3-D10C-4A98-B360-BBD9A87D0282}" srcOrd="3" destOrd="0" presId="urn:microsoft.com/office/officeart/2018/2/layout/IconVerticalSolidList"/>
+    <dgm:cxn modelId="{5780E386-5C7F-4D63-A7CF-8D99AF6D38A9}" type="presParOf" srcId="{A6E995E6-F22E-4274-B47C-01A54632D4C6}" destId="{6BBCAE0D-A208-44DA-B988-7342CB7F9ACA}" srcOrd="1" destOrd="0" presId="urn:microsoft.com/office/officeart/2018/2/layout/IconVerticalSolidList"/>
+    <dgm:cxn modelId="{1DCEB548-4B1D-4AC1-8EB8-2299366D5D00}" type="presParOf" srcId="{A6E995E6-F22E-4274-B47C-01A54632D4C6}" destId="{95E7E4D7-1C9A-4532-AAF7-2A739B140985}" srcOrd="2" destOrd="0" presId="urn:microsoft.com/office/officeart/2018/2/layout/IconVerticalSolidList"/>
+    <dgm:cxn modelId="{633C7BF2-53BB-410B-AE24-107A5ED984F9}" type="presParOf" srcId="{95E7E4D7-1C9A-4532-AAF7-2A739B140985}" destId="{0E0BDEC6-8BFC-4B93-96A0-E98225D8E96A}" srcOrd="0" destOrd="0" presId="urn:microsoft.com/office/officeart/2018/2/layout/IconVerticalSolidList"/>
+    <dgm:cxn modelId="{D0EEE11E-4271-461F-98F7-8410966B05A4}" type="presParOf" srcId="{95E7E4D7-1C9A-4532-AAF7-2A739B140985}" destId="{EF1AB084-1614-4AB5-A2AA-1A8719CCC819}" srcOrd="1" destOrd="0" presId="urn:microsoft.com/office/officeart/2018/2/layout/IconVerticalSolidList"/>
+    <dgm:cxn modelId="{0EE8BB69-8403-40F8-BD0C-C3110303FC28}" type="presParOf" srcId="{95E7E4D7-1C9A-4532-AAF7-2A739B140985}" destId="{1B4E2A9D-A652-4091-907B-9DD0D4A76F43}" srcOrd="2" destOrd="0" presId="urn:microsoft.com/office/officeart/2018/2/layout/IconVerticalSolidList"/>
+    <dgm:cxn modelId="{D4BD9E60-D989-410D-AD89-40C37A5DA514}" type="presParOf" srcId="{95E7E4D7-1C9A-4532-AAF7-2A739B140985}" destId="{39DCD310-261E-475C-AFAF-AA4F21D1917C}" srcOrd="3" destOrd="0" presId="urn:microsoft.com/office/officeart/2018/2/layout/IconVerticalSolidList"/>
+    <dgm:cxn modelId="{BCA4F719-E8BB-480A-BFC6-1DA80113D657}" type="presParOf" srcId="{95E7E4D7-1C9A-4532-AAF7-2A739B140985}" destId="{0D57C157-D425-4A06-BBE0-C05C8DF217D9}" srcOrd="4" destOrd="0" presId="urn:microsoft.com/office/officeart/2018/2/layout/IconVerticalSolidList"/>
+    <dgm:cxn modelId="{E80DE78C-9D32-4F6C-9962-89DE66AD6874}" type="presParOf" srcId="{A6E995E6-F22E-4274-B47C-01A54632D4C6}" destId="{0D98F662-868F-4A0C-A77E-EBFA64DC4337}" srcOrd="3" destOrd="0" presId="urn:microsoft.com/office/officeart/2018/2/layout/IconVerticalSolidList"/>
+    <dgm:cxn modelId="{B0D5CA61-D0D1-4233-AD39-B487F3406CE8}" type="presParOf" srcId="{A6E995E6-F22E-4274-B47C-01A54632D4C6}" destId="{444CF1B6-E55E-44F1-8B42-FC1BFC3A2751}" srcOrd="4" destOrd="0" presId="urn:microsoft.com/office/officeart/2018/2/layout/IconVerticalSolidList"/>
+    <dgm:cxn modelId="{64E79963-F0A5-4CA3-A9C8-F21A61DFCC96}" type="presParOf" srcId="{444CF1B6-E55E-44F1-8B42-FC1BFC3A2751}" destId="{ECBBF41A-57B8-401B-8091-2E4A53F27A54}" srcOrd="0" destOrd="0" presId="urn:microsoft.com/office/officeart/2018/2/layout/IconVerticalSolidList"/>
+    <dgm:cxn modelId="{3606680F-9226-4A44-BD21-F371236ECEED}" type="presParOf" srcId="{444CF1B6-E55E-44F1-8B42-FC1BFC3A2751}" destId="{EBED7152-6BDC-4FF3-8DFA-21B30E433831}" srcOrd="1" destOrd="0" presId="urn:microsoft.com/office/officeart/2018/2/layout/IconVerticalSolidList"/>
+    <dgm:cxn modelId="{D87C3EBC-D384-4034-BF01-312F305894D0}" type="presParOf" srcId="{444CF1B6-E55E-44F1-8B42-FC1BFC3A2751}" destId="{A96D7BF4-95D0-4D62-94CB-56A318A6E8E3}" srcOrd="2" destOrd="0" presId="urn:microsoft.com/office/officeart/2018/2/layout/IconVerticalSolidList"/>
+    <dgm:cxn modelId="{A7E8415F-1449-4B6B-9A8F-87A333E303C4}" type="presParOf" srcId="{444CF1B6-E55E-44F1-8B42-FC1BFC3A2751}" destId="{798E14CA-3AB6-4BB9-BCD8-AB086D055FA6}" srcOrd="3" destOrd="0" presId="urn:microsoft.com/office/officeart/2018/2/layout/IconVerticalSolidList"/>
+    <dgm:cxn modelId="{0C0E59D9-5769-4748-9B9F-274FA7E3DFC3}" type="presParOf" srcId="{444CF1B6-E55E-44F1-8B42-FC1BFC3A2751}" destId="{DA560071-D39D-4F8F-9142-5229EB5F411C}" srcOrd="4" destOrd="0" presId="urn:microsoft.com/office/officeart/2018/2/layout/IconVerticalSolidList"/>
+    <dgm:cxn modelId="{A9779C10-50A7-45F7-8CCE-4173AE560511}" type="presParOf" srcId="{A6E995E6-F22E-4274-B47C-01A54632D4C6}" destId="{19E53026-FABB-423D-950F-EA4F08EA0336}" srcOrd="5" destOrd="0" presId="urn:microsoft.com/office/officeart/2018/2/layout/IconVerticalSolidList"/>
+    <dgm:cxn modelId="{671D775A-F366-4AB1-A43B-4162FDC7A37E}" type="presParOf" srcId="{A6E995E6-F22E-4274-B47C-01A54632D4C6}" destId="{6AE79E30-EAEF-42F4-9DBF-19645F3BC215}" srcOrd="6" destOrd="0" presId="urn:microsoft.com/office/officeart/2018/2/layout/IconVerticalSolidList"/>
+    <dgm:cxn modelId="{C9F69B05-2D3D-462A-8664-F2BF312A479A}" type="presParOf" srcId="{6AE79E30-EAEF-42F4-9DBF-19645F3BC215}" destId="{FB93F15B-BA68-4D72-9559-7FFC1BBD061A}" srcOrd="0" destOrd="0" presId="urn:microsoft.com/office/officeart/2018/2/layout/IconVerticalSolidList"/>
+    <dgm:cxn modelId="{7EEF1914-41AE-45BB-A88A-978058507EAE}" type="presParOf" srcId="{6AE79E30-EAEF-42F4-9DBF-19645F3BC215}" destId="{C0A97AB8-3400-4E07-AE63-4A81D99D654E}" srcOrd="1" destOrd="0" presId="urn:microsoft.com/office/officeart/2018/2/layout/IconVerticalSolidList"/>
+    <dgm:cxn modelId="{BD6E46F4-22BE-4A56-A92D-D4A3CF61C46E}" type="presParOf" srcId="{6AE79E30-EAEF-42F4-9DBF-19645F3BC215}" destId="{F0A735AE-15FD-4552-9BA4-B32F4D6EEE5E}" srcOrd="2" destOrd="0" presId="urn:microsoft.com/office/officeart/2018/2/layout/IconVerticalSolidList"/>
+    <dgm:cxn modelId="{3D3A2011-4D66-4F7D-8403-4DE69CDA33E7}" type="presParOf" srcId="{6AE79E30-EAEF-42F4-9DBF-19645F3BC215}" destId="{BE3A9DAB-B488-443B-9C36-23AE9D512B9B}" srcOrd="3" destOrd="0" presId="urn:microsoft.com/office/officeart/2018/2/layout/IconVerticalSolidList"/>
+    <dgm:cxn modelId="{C8BA81EB-365B-44C8-95A1-2B3C3854BFE4}" type="presParOf" srcId="{6AE79E30-EAEF-42F4-9DBF-19645F3BC215}" destId="{75C51E58-63E8-4A1F-BCFB-9D45037D45EA}" srcOrd="4" destOrd="0" presId="urn:microsoft.com/office/officeart/2018/2/layout/IconVerticalSolidList"/>
+  </dgm:cxnLst>
+  <dgm:bg/>
+  <dgm:whole/>
+  <dgm:extLst>
+    <a:ext uri="http://schemas.microsoft.com/office/drawing/2008/diagram">
+      <dsp:dataModelExt xmlns:dsp="http://schemas.microsoft.com/office/drawing/2008/diagram" relId="rId7" minVer="http://schemas.openxmlformats.org/drawingml/2006/diagram"/>
+    </a:ext>
+  </dgm:extLst>
+</dgm:dataModel>
+</file>
+
+<file path=ppt/diagrams/drawing1.xml><?xml version="1.0" encoding="utf-8"?>
+<dsp:drawing xmlns:dgm="http://schemas.openxmlformats.org/drawingml/2006/diagram" xmlns:dsp="http://schemas.microsoft.com/office/drawing/2008/diagram" xmlns:a="http://schemas.openxmlformats.org/drawingml/2006/main">
+  <dsp:spTree>
+    <dsp:nvGrpSpPr>
+      <dsp:cNvPr id="0" name=""/>
+      <dsp:cNvGrpSpPr/>
+    </dsp:nvGrpSpPr>
+    <dsp:grpSpPr/>
+    <dsp:sp modelId="{48BA62EB-BFE7-4172-AF7D-15055A843FAE}">
+      <dsp:nvSpPr>
+        <dsp:cNvPr id="0" name=""/>
+        <dsp:cNvSpPr/>
+      </dsp:nvSpPr>
+      <dsp:spPr>
+        <a:xfrm>
+          <a:off x="4277448" y="1970286"/>
+          <a:ext cx="1701054" cy="414051"/>
+        </a:xfrm>
+        <a:custGeom>
+          <a:avLst/>
+          <a:gdLst/>
+          <a:ahLst/>
+          <a:cxnLst/>
+          <a:rect l="0" t="0" r="0" b="0"/>
+          <a:pathLst>
+            <a:path>
+              <a:moveTo>
+                <a:pt x="0" y="0"/>
+              </a:moveTo>
+              <a:lnTo>
+                <a:pt x="0" y="208668"/>
+              </a:lnTo>
+              <a:lnTo>
+                <a:pt x="1701054" y="208668"/>
+              </a:lnTo>
+              <a:lnTo>
+                <a:pt x="1701054" y="414051"/>
+              </a:lnTo>
+            </a:path>
+          </a:pathLst>
+        </a:custGeom>
+        <a:noFill/>
+        <a:ln w="12700" cap="flat" cmpd="sng" algn="ctr">
+          <a:solidFill>
+            <a:schemeClr val="accent1">
+              <a:shade val="60000"/>
+              <a:hueOff val="0"/>
+              <a:satOff val="0"/>
+              <a:lumOff val="0"/>
+              <a:alphaOff val="0"/>
+            </a:schemeClr>
+          </a:solidFill>
+          <a:prstDash val="solid"/>
+          <a:miter lim="800000"/>
+        </a:ln>
+        <a:effectLst/>
+      </dsp:spPr>
+      <dsp:style>
+        <a:lnRef idx="2">
+          <a:scrgbClr r="0" g="0" b="0"/>
+        </a:lnRef>
+        <a:fillRef idx="0">
+          <a:scrgbClr r="0" g="0" b="0"/>
+        </a:fillRef>
+        <a:effectRef idx="0">
+          <a:scrgbClr r="0" g="0" b="0"/>
+        </a:effectRef>
+        <a:fontRef idx="minor"/>
+      </dsp:style>
+    </dsp:sp>
+    <dsp:sp modelId="{82F63802-F428-4CB0-989E-34F75E768CB6}">
+      <dsp:nvSpPr>
+        <dsp:cNvPr id="0" name=""/>
+        <dsp:cNvSpPr/>
+      </dsp:nvSpPr>
+      <dsp:spPr>
+        <a:xfrm>
+          <a:off x="2689456" y="1970286"/>
+          <a:ext cx="1587991" cy="414051"/>
+        </a:xfrm>
+        <a:custGeom>
+          <a:avLst/>
+          <a:gdLst/>
+          <a:ahLst/>
+          <a:cxnLst/>
+          <a:rect l="0" t="0" r="0" b="0"/>
+          <a:pathLst>
+            <a:path>
+              <a:moveTo>
+                <a:pt x="1587991" y="0"/>
+              </a:moveTo>
+              <a:lnTo>
+                <a:pt x="1587991" y="208668"/>
+              </a:lnTo>
+              <a:lnTo>
+                <a:pt x="0" y="208668"/>
+              </a:lnTo>
+              <a:lnTo>
+                <a:pt x="0" y="414051"/>
+              </a:lnTo>
+            </a:path>
+          </a:pathLst>
+        </a:custGeom>
+        <a:noFill/>
+        <a:ln w="12700" cap="flat" cmpd="sng" algn="ctr">
+          <a:solidFill>
+            <a:schemeClr val="accent1">
+              <a:shade val="60000"/>
+              <a:hueOff val="0"/>
+              <a:satOff val="0"/>
+              <a:lumOff val="0"/>
+              <a:alphaOff val="0"/>
+            </a:schemeClr>
+          </a:solidFill>
+          <a:prstDash val="solid"/>
+          <a:miter lim="800000"/>
+        </a:ln>
+        <a:effectLst/>
+      </dsp:spPr>
+      <dsp:style>
+        <a:lnRef idx="2">
+          <a:scrgbClr r="0" g="0" b="0"/>
+        </a:lnRef>
+        <a:fillRef idx="0">
+          <a:scrgbClr r="0" g="0" b="0"/>
+        </a:fillRef>
+        <a:effectRef idx="0">
+          <a:scrgbClr r="0" g="0" b="0"/>
+        </a:effectRef>
+        <a:fontRef idx="minor"/>
+      </dsp:style>
+    </dsp:sp>
+    <dsp:sp modelId="{29808F8A-E092-49A1-878B-C4FAA3915892}">
+      <dsp:nvSpPr>
+        <dsp:cNvPr id="0" name=""/>
+        <dsp:cNvSpPr/>
+      </dsp:nvSpPr>
+      <dsp:spPr>
+        <a:xfrm>
+          <a:off x="5486" y="655836"/>
+          <a:ext cx="1314450" cy="1314450"/>
+        </a:xfrm>
+        <a:prstGeom prst="ellipse">
+          <a:avLst/>
+        </a:prstGeom>
+        <a:blipFill>
+          <a:blip xmlns:r="http://schemas.openxmlformats.org/officeDocument/2006/relationships" r:embed="rId1">
+            <a:extLst>
+              <a:ext uri="{28A0092B-C50C-407E-A947-70E740481C1C}">
+                <a14:useLocalDpi xmlns:a14="http://schemas.microsoft.com/office/drawing/2010/main" val="0"/>
+              </a:ext>
+              <a:ext uri="{96DAC541-7B7A-43D3-8B79-37D633B846F1}">
+                <asvg:svgBlip xmlns:asvg="http://schemas.microsoft.com/office/drawing/2016/SVG/main" r:embed="rId2"/>
+              </a:ext>
+            </a:extLst>
+          </a:blip>
+          <a:stretch>
+            <a:fillRect/>
+          </a:stretch>
+        </a:blipFill>
+        <a:ln w="12700" cap="flat" cmpd="sng" algn="ctr">
+          <a:solidFill>
+            <a:schemeClr val="lt1">
+              <a:hueOff val="0"/>
+              <a:satOff val="0"/>
+              <a:lumOff val="0"/>
+              <a:alphaOff val="0"/>
+            </a:schemeClr>
+          </a:solidFill>
+          <a:prstDash val="solid"/>
+          <a:miter lim="800000"/>
+        </a:ln>
+        <a:effectLst/>
+      </dsp:spPr>
+      <dsp:style>
+        <a:lnRef idx="2">
+          <a:scrgbClr r="0" g="0" b="0"/>
+        </a:lnRef>
+        <a:fillRef idx="1">
+          <a:scrgbClr r="0" g="0" b="0"/>
+        </a:fillRef>
+        <a:effectRef idx="0">
+          <a:scrgbClr r="0" g="0" b="0"/>
+        </a:effectRef>
+        <a:fontRef idx="minor">
+          <a:schemeClr val="lt1"/>
+        </a:fontRef>
+      </dsp:style>
+    </dsp:sp>
+    <dsp:sp modelId="{9B7EC9D7-5F2A-40A8-93FC-2C52E20985C6}">
+      <dsp:nvSpPr>
+        <dsp:cNvPr id="0" name=""/>
+        <dsp:cNvSpPr/>
+      </dsp:nvSpPr>
+      <dsp:spPr>
+        <a:xfrm>
+          <a:off x="1319936" y="652550"/>
+          <a:ext cx="1971675" cy="1314450"/>
+        </a:xfrm>
+        <a:prstGeom prst="rect">
+          <a:avLst/>
+        </a:prstGeom>
+        <a:noFill/>
+        <a:ln>
+          <a:noFill/>
+        </a:ln>
+        <a:effectLst/>
+      </dsp:spPr>
+      <dsp:style>
+        <a:lnRef idx="0">
+          <a:scrgbClr r="0" g="0" b="0"/>
+        </a:lnRef>
+        <a:fillRef idx="0">
+          <a:scrgbClr r="0" g="0" b="0"/>
+        </a:fillRef>
+        <a:effectRef idx="0">
+          <a:scrgbClr r="0" g="0" b="0"/>
+        </a:effectRef>
+        <a:fontRef idx="minor"/>
+      </dsp:style>
+      <dsp:txBody>
+        <a:bodyPr spcFirstLastPara="0" vert="horz" wrap="square" lIns="91440" tIns="91440" rIns="91440" bIns="91440" numCol="1" spcCol="1270" anchor="ctr" anchorCtr="0">
+          <a:noAutofit/>
+        </a:bodyPr>
+        <a:lstStyle/>
+        <a:p>
+          <a:pPr marL="0" lvl="0" indent="0" algn="ctr" defTabSz="1066800">
+            <a:lnSpc>
+              <a:spcPct val="100000"/>
+            </a:lnSpc>
+            <a:spcBef>
+              <a:spcPct val="0"/>
+            </a:spcBef>
+            <a:spcAft>
+              <a:spcPct val="35000"/>
+            </a:spcAft>
+            <a:buNone/>
+          </a:pPr>
+          <a:r>
+            <a:rPr lang="en-US" sz="2400" kern="1200" dirty="0"/>
+            <a:t>No experience</a:t>
+          </a:r>
+        </a:p>
+      </dsp:txBody>
+      <dsp:txXfrm>
+        <a:off x="1319936" y="652550"/>
+        <a:ext cx="1971675" cy="1314450"/>
+      </dsp:txXfrm>
+    </dsp:sp>
+    <dsp:sp modelId="{CC2C53E7-AB2B-4EC1-B136-2E330C1753DA}">
+      <dsp:nvSpPr>
+        <dsp:cNvPr id="0" name=""/>
+        <dsp:cNvSpPr/>
+      </dsp:nvSpPr>
+      <dsp:spPr>
+        <a:xfrm>
+          <a:off x="3620223" y="655836"/>
+          <a:ext cx="1314450" cy="1314450"/>
+        </a:xfrm>
+        <a:prstGeom prst="ellipse">
+          <a:avLst/>
+        </a:prstGeom>
+        <a:blipFill>
+          <a:blip xmlns:r="http://schemas.openxmlformats.org/officeDocument/2006/relationships" r:embed="rId3">
+            <a:extLst>
+              <a:ext uri="{28A0092B-C50C-407E-A947-70E740481C1C}">
+                <a14:useLocalDpi xmlns:a14="http://schemas.microsoft.com/office/drawing/2010/main" val="0"/>
+              </a:ext>
+              <a:ext uri="{96DAC541-7B7A-43D3-8B79-37D633B846F1}">
+                <asvg:svgBlip xmlns:asvg="http://schemas.microsoft.com/office/drawing/2016/SVG/main" r:embed="rId4"/>
+              </a:ext>
+            </a:extLst>
+          </a:blip>
+          <a:stretch>
+            <a:fillRect/>
+          </a:stretch>
+        </a:blipFill>
+        <a:ln w="12700" cap="flat" cmpd="sng" algn="ctr">
+          <a:solidFill>
+            <a:schemeClr val="lt1">
+              <a:hueOff val="0"/>
+              <a:satOff val="0"/>
+              <a:lumOff val="0"/>
+              <a:alphaOff val="0"/>
+            </a:schemeClr>
+          </a:solidFill>
+          <a:prstDash val="solid"/>
+          <a:miter lim="800000"/>
+        </a:ln>
+        <a:effectLst/>
+      </dsp:spPr>
+      <dsp:style>
+        <a:lnRef idx="2">
+          <a:scrgbClr r="0" g="0" b="0"/>
+        </a:lnRef>
+        <a:fillRef idx="1">
+          <a:scrgbClr r="0" g="0" b="0"/>
+        </a:fillRef>
+        <a:effectRef idx="0">
+          <a:scrgbClr r="0" g="0" b="0"/>
+        </a:effectRef>
+        <a:fontRef idx="minor">
+          <a:schemeClr val="lt1"/>
+        </a:fontRef>
+      </dsp:style>
+    </dsp:sp>
+    <dsp:sp modelId="{0438761B-AA43-4736-BB5F-9335A49BDC60}">
+      <dsp:nvSpPr>
+        <dsp:cNvPr id="0" name=""/>
+        <dsp:cNvSpPr/>
+      </dsp:nvSpPr>
+      <dsp:spPr>
+        <a:xfrm>
+          <a:off x="4899873" y="652550"/>
+          <a:ext cx="2041275" cy="1314450"/>
+        </a:xfrm>
+        <a:prstGeom prst="rect">
+          <a:avLst/>
+        </a:prstGeom>
+        <a:noFill/>
+        <a:ln>
+          <a:noFill/>
+        </a:ln>
+        <a:effectLst/>
+      </dsp:spPr>
+      <dsp:style>
+        <a:lnRef idx="0">
+          <a:scrgbClr r="0" g="0" b="0"/>
+        </a:lnRef>
+        <a:fillRef idx="0">
+          <a:scrgbClr r="0" g="0" b="0"/>
+        </a:fillRef>
+        <a:effectRef idx="0">
+          <a:scrgbClr r="0" g="0" b="0"/>
+        </a:effectRef>
+        <a:fontRef idx="minor"/>
+      </dsp:style>
+      <dsp:txBody>
+        <a:bodyPr spcFirstLastPara="0" vert="horz" wrap="square" lIns="91440" tIns="91440" rIns="91440" bIns="91440" numCol="1" spcCol="1270" anchor="ctr" anchorCtr="0">
+          <a:noAutofit/>
+        </a:bodyPr>
+        <a:lstStyle/>
+        <a:p>
+          <a:pPr marL="0" lvl="0" indent="0" algn="ctr" defTabSz="1066800">
+            <a:lnSpc>
+              <a:spcPct val="100000"/>
+            </a:lnSpc>
+            <a:spcBef>
+              <a:spcPct val="0"/>
+            </a:spcBef>
+            <a:spcAft>
+              <a:spcPts val="100"/>
+            </a:spcAft>
+            <a:buNone/>
+          </a:pPr>
+          <a:r>
+            <a:rPr lang="en-US" sz="2400" kern="1200" dirty="0"/>
+            <a:t>Block Storage</a:t>
+          </a:r>
+        </a:p>
+        <a:p>
+          <a:pPr marL="0" lvl="0" indent="0" algn="ctr" defTabSz="1066800">
+            <a:lnSpc>
+              <a:spcPct val="100000"/>
+            </a:lnSpc>
+            <a:spcBef>
+              <a:spcPct val="0"/>
+            </a:spcBef>
+            <a:spcAft>
+              <a:spcPts val="100"/>
+            </a:spcAft>
+            <a:buNone/>
+          </a:pPr>
+          <a:r>
+            <a:rPr lang="en-US" sz="2400" kern="1200" dirty="0"/>
+            <a:t>vs</a:t>
+          </a:r>
+        </a:p>
+        <a:p>
+          <a:pPr marL="0" lvl="0" indent="0" algn="ctr" defTabSz="1066800">
+            <a:lnSpc>
+              <a:spcPct val="100000"/>
+            </a:lnSpc>
+            <a:spcBef>
+              <a:spcPct val="0"/>
+            </a:spcBef>
+            <a:spcAft>
+              <a:spcPts val="100"/>
+            </a:spcAft>
+            <a:buNone/>
+          </a:pPr>
+          <a:r>
+            <a:rPr lang="en-US" sz="2400" kern="1200" dirty="0"/>
+            <a:t>Object Storage</a:t>
+          </a:r>
+        </a:p>
+      </dsp:txBody>
+      <dsp:txXfrm>
+        <a:off x="4899873" y="652550"/>
+        <a:ext cx="2041275" cy="1314450"/>
+      </dsp:txXfrm>
+    </dsp:sp>
+    <dsp:sp modelId="{80602A78-71BA-40E5-A53C-3EBDDD4755C5}">
+      <dsp:nvSpPr>
+        <dsp:cNvPr id="0" name=""/>
+        <dsp:cNvSpPr/>
+      </dsp:nvSpPr>
+      <dsp:spPr>
+        <a:xfrm>
+          <a:off x="2032231" y="2384337"/>
+          <a:ext cx="1314450" cy="1314450"/>
+        </a:xfrm>
+        <a:prstGeom prst="ellipse">
+          <a:avLst/>
+        </a:prstGeom>
+        <a:blipFill>
+          <a:blip xmlns:r="http://schemas.openxmlformats.org/officeDocument/2006/relationships" r:embed="rId5">
+            <a:extLst>
+              <a:ext uri="{28A0092B-C50C-407E-A947-70E740481C1C}">
+                <a14:useLocalDpi xmlns:a14="http://schemas.microsoft.com/office/drawing/2010/main" val="0"/>
+              </a:ext>
+            </a:extLst>
+          </a:blip>
+          <a:srcRect/>
+          <a:stretch>
+            <a:fillRect/>
+          </a:stretch>
+        </a:blipFill>
+        <a:ln w="12700" cap="flat" cmpd="sng" algn="ctr">
+          <a:solidFill>
+            <a:schemeClr val="lt1">
+              <a:hueOff val="0"/>
+              <a:satOff val="0"/>
+              <a:lumOff val="0"/>
+              <a:alphaOff val="0"/>
+            </a:schemeClr>
+          </a:solidFill>
+          <a:prstDash val="solid"/>
+          <a:miter lim="800000"/>
+        </a:ln>
+        <a:effectLst/>
+      </dsp:spPr>
+      <dsp:style>
+        <a:lnRef idx="2">
+          <a:scrgbClr r="0" g="0" b="0"/>
+        </a:lnRef>
+        <a:fillRef idx="1">
+          <a:scrgbClr r="0" g="0" b="0"/>
+        </a:fillRef>
+        <a:effectRef idx="0">
+          <a:scrgbClr r="0" g="0" b="0"/>
+        </a:effectRef>
+        <a:fontRef idx="minor">
+          <a:schemeClr val="lt1"/>
+        </a:fontRef>
+      </dsp:style>
+    </dsp:sp>
+    <dsp:sp modelId="{D37FDEDF-2294-4A36-ACC9-E94390B2668E}">
+      <dsp:nvSpPr>
+        <dsp:cNvPr id="0" name=""/>
+        <dsp:cNvSpPr/>
+      </dsp:nvSpPr>
+      <dsp:spPr>
+        <a:xfrm>
+          <a:off x="3104280" y="2381051"/>
+          <a:ext cx="1735921" cy="1314450"/>
+        </a:xfrm>
+        <a:prstGeom prst="rect">
+          <a:avLst/>
+        </a:prstGeom>
+        <a:noFill/>
+        <a:ln>
+          <a:noFill/>
+        </a:ln>
+        <a:effectLst/>
+      </dsp:spPr>
+      <dsp:style>
+        <a:lnRef idx="0">
+          <a:scrgbClr r="0" g="0" b="0"/>
+        </a:lnRef>
+        <a:fillRef idx="0">
+          <a:scrgbClr r="0" g="0" b="0"/>
+        </a:fillRef>
+        <a:effectRef idx="0">
+          <a:scrgbClr r="0" g="0" b="0"/>
+        </a:effectRef>
+        <a:fontRef idx="minor"/>
+      </dsp:style>
+      <dsp:txBody>
+        <a:bodyPr spcFirstLastPara="0" vert="horz" wrap="square" lIns="83820" tIns="83820" rIns="83820" bIns="83820" numCol="1" spcCol="1270" anchor="ctr" anchorCtr="0">
+          <a:noAutofit/>
+        </a:bodyPr>
+        <a:lstStyle/>
+        <a:p>
+          <a:pPr marL="0" lvl="0" indent="0" algn="ctr" defTabSz="977900">
+            <a:lnSpc>
+              <a:spcPct val="100000"/>
+            </a:lnSpc>
+            <a:spcBef>
+              <a:spcPct val="0"/>
+            </a:spcBef>
+            <a:spcAft>
+              <a:spcPct val="35000"/>
+            </a:spcAft>
+            <a:buNone/>
+          </a:pPr>
+          <a:r>
+            <a:rPr lang="en-US" sz="2200" b="1" kern="1200" dirty="0"/>
+            <a:t>Elastic Block Store</a:t>
+          </a:r>
+        </a:p>
+      </dsp:txBody>
+      <dsp:txXfrm>
+        <a:off x="3104280" y="2381051"/>
+        <a:ext cx="1735921" cy="1314450"/>
+      </dsp:txXfrm>
+    </dsp:sp>
+    <dsp:sp modelId="{57BEF0FE-2DC2-4899-A1B5-934ABFBDA80F}">
+      <dsp:nvSpPr>
+        <dsp:cNvPr id="0" name=""/>
+        <dsp:cNvSpPr/>
+      </dsp:nvSpPr>
+      <dsp:spPr>
+        <a:xfrm>
+          <a:off x="5321278" y="2384337"/>
+          <a:ext cx="1314450" cy="1314450"/>
+        </a:xfrm>
+        <a:prstGeom prst="ellipse">
+          <a:avLst/>
+        </a:prstGeom>
+        <a:blipFill>
+          <a:blip xmlns:r="http://schemas.openxmlformats.org/officeDocument/2006/relationships" r:embed="rId6">
+            <a:extLst>
+              <a:ext uri="{28A0092B-C50C-407E-A947-70E740481C1C}">
+                <a14:useLocalDpi xmlns:a14="http://schemas.microsoft.com/office/drawing/2010/main" val="0"/>
+              </a:ext>
+            </a:extLst>
+          </a:blip>
+          <a:srcRect/>
+          <a:stretch>
+            <a:fillRect/>
+          </a:stretch>
+        </a:blipFill>
+        <a:ln w="12700" cap="flat" cmpd="sng" algn="ctr">
+          <a:solidFill>
+            <a:schemeClr val="lt1">
+              <a:hueOff val="0"/>
+              <a:satOff val="0"/>
+              <a:lumOff val="0"/>
+              <a:alphaOff val="0"/>
+            </a:schemeClr>
+          </a:solidFill>
+          <a:prstDash val="solid"/>
+          <a:miter lim="800000"/>
+        </a:ln>
+        <a:effectLst/>
+      </dsp:spPr>
+      <dsp:style>
+        <a:lnRef idx="2">
+          <a:scrgbClr r="0" g="0" b="0"/>
+        </a:lnRef>
+        <a:fillRef idx="1">
+          <a:scrgbClr r="0" g="0" b="0"/>
+        </a:fillRef>
+        <a:effectRef idx="0">
+          <a:scrgbClr r="0" g="0" b="0"/>
+        </a:effectRef>
+        <a:fontRef idx="minor">
+          <a:schemeClr val="lt1"/>
+        </a:fontRef>
+      </dsp:style>
+    </dsp:sp>
+    <dsp:sp modelId="{5B53A883-E570-4E1D-A740-6C0DE2E78156}">
+      <dsp:nvSpPr>
+        <dsp:cNvPr id="0" name=""/>
+        <dsp:cNvSpPr/>
+      </dsp:nvSpPr>
+      <dsp:spPr>
+        <a:xfrm>
+          <a:off x="6464612" y="2381051"/>
+          <a:ext cx="2286196" cy="1314450"/>
+        </a:xfrm>
+        <a:prstGeom prst="rect">
+          <a:avLst/>
+        </a:prstGeom>
+        <a:noFill/>
+        <a:ln>
+          <a:noFill/>
+        </a:ln>
+        <a:effectLst/>
+      </dsp:spPr>
+      <dsp:style>
+        <a:lnRef idx="0">
+          <a:scrgbClr r="0" g="0" b="0"/>
+        </a:lnRef>
+        <a:fillRef idx="0">
+          <a:scrgbClr r="0" g="0" b="0"/>
+        </a:fillRef>
+        <a:effectRef idx="0">
+          <a:scrgbClr r="0" g="0" b="0"/>
+        </a:effectRef>
+        <a:fontRef idx="minor"/>
+      </dsp:style>
+      <dsp:txBody>
+        <a:bodyPr spcFirstLastPara="0" vert="horz" wrap="square" lIns="83820" tIns="83820" rIns="83820" bIns="83820" numCol="1" spcCol="1270" anchor="ctr" anchorCtr="0">
+          <a:noAutofit/>
+        </a:bodyPr>
+        <a:lstStyle/>
+        <a:p>
+          <a:pPr marL="0" lvl="0" indent="0" algn="ctr" defTabSz="977900">
+            <a:lnSpc>
+              <a:spcPct val="100000"/>
+            </a:lnSpc>
+            <a:spcBef>
+              <a:spcPct val="0"/>
+            </a:spcBef>
+            <a:spcAft>
+              <a:spcPct val="35000"/>
+            </a:spcAft>
+            <a:buNone/>
+          </a:pPr>
+          <a:r>
+            <a:rPr lang="en-US" sz="2200" b="1" kern="1200" dirty="0"/>
+            <a:t>Simple Storage Service</a:t>
+          </a:r>
+        </a:p>
+      </dsp:txBody>
+      <dsp:txXfrm>
+        <a:off x="6464612" y="2381051"/>
+        <a:ext cx="2286196" cy="1314450"/>
+      </dsp:txXfrm>
+    </dsp:sp>
+    <dsp:sp modelId="{39DBFFC4-2642-482B-93CA-AE0402E00E35}">
+      <dsp:nvSpPr>
+        <dsp:cNvPr id="0" name=""/>
+        <dsp:cNvSpPr/>
+      </dsp:nvSpPr>
+      <dsp:spPr>
+        <a:xfrm>
+          <a:off x="7269761" y="655836"/>
+          <a:ext cx="1314450" cy="1314450"/>
+        </a:xfrm>
+        <a:prstGeom prst="ellipse">
+          <a:avLst/>
+        </a:prstGeom>
+        <a:blipFill>
+          <a:blip xmlns:r="http://schemas.openxmlformats.org/officeDocument/2006/relationships" r:embed="rId7">
+            <a:extLst>
+              <a:ext uri="{28A0092B-C50C-407E-A947-70E740481C1C}">
+                <a14:useLocalDpi xmlns:a14="http://schemas.microsoft.com/office/drawing/2010/main" val="0"/>
+              </a:ext>
+              <a:ext uri="{96DAC541-7B7A-43D3-8B79-37D633B846F1}">
+                <asvg:svgBlip xmlns:asvg="http://schemas.microsoft.com/office/drawing/2016/SVG/main" r:embed="rId8"/>
+              </a:ext>
+            </a:extLst>
+          </a:blip>
+          <a:stretch>
+            <a:fillRect/>
+          </a:stretch>
+        </a:blipFill>
+        <a:ln w="12700" cap="flat" cmpd="sng" algn="ctr">
+          <a:solidFill>
+            <a:schemeClr val="lt1">
+              <a:hueOff val="0"/>
+              <a:satOff val="0"/>
+              <a:lumOff val="0"/>
+              <a:alphaOff val="0"/>
+            </a:schemeClr>
+          </a:solidFill>
+          <a:prstDash val="solid"/>
+          <a:miter lim="800000"/>
+        </a:ln>
+        <a:effectLst/>
+      </dsp:spPr>
+      <dsp:style>
+        <a:lnRef idx="2">
+          <a:scrgbClr r="0" g="0" b="0"/>
+        </a:lnRef>
+        <a:fillRef idx="1">
+          <a:scrgbClr r="0" g="0" b="0"/>
+        </a:fillRef>
+        <a:effectRef idx="0">
+          <a:scrgbClr r="0" g="0" b="0"/>
+        </a:effectRef>
+        <a:fontRef idx="minor">
+          <a:schemeClr val="lt1"/>
+        </a:fontRef>
+      </dsp:style>
+    </dsp:sp>
+    <dsp:sp modelId="{2EC4BCE3-C421-497C-9E37-B5AB54AF541E}">
+      <dsp:nvSpPr>
+        <dsp:cNvPr id="0" name=""/>
+        <dsp:cNvSpPr/>
+      </dsp:nvSpPr>
+      <dsp:spPr>
+        <a:xfrm>
+          <a:off x="8629983" y="652550"/>
+          <a:ext cx="1880130" cy="1314450"/>
+        </a:xfrm>
+        <a:prstGeom prst="rect">
+          <a:avLst/>
+        </a:prstGeom>
+        <a:noFill/>
+        <a:ln>
+          <a:noFill/>
+        </a:ln>
+        <a:effectLst/>
+      </dsp:spPr>
+      <dsp:style>
+        <a:lnRef idx="0">
+          <a:scrgbClr r="0" g="0" b="0"/>
+        </a:lnRef>
+        <a:fillRef idx="0">
+          <a:scrgbClr r="0" g="0" b="0"/>
+        </a:fillRef>
+        <a:effectRef idx="0">
+          <a:scrgbClr r="0" g="0" b="0"/>
+        </a:effectRef>
+        <a:fontRef idx="minor"/>
+      </dsp:style>
+      <dsp:txBody>
+        <a:bodyPr spcFirstLastPara="0" vert="horz" wrap="square" lIns="91440" tIns="91440" rIns="91440" bIns="91440" numCol="1" spcCol="1270" anchor="ctr" anchorCtr="0">
+          <a:noAutofit/>
+        </a:bodyPr>
+        <a:lstStyle/>
+        <a:p>
+          <a:pPr marL="0" lvl="0" indent="0" algn="ctr" defTabSz="1066800">
+            <a:lnSpc>
+              <a:spcPct val="100000"/>
+            </a:lnSpc>
+            <a:spcBef>
+              <a:spcPct val="0"/>
+            </a:spcBef>
+            <a:spcAft>
+              <a:spcPts val="100"/>
+            </a:spcAft>
+            <a:buNone/>
+          </a:pPr>
+          <a:r>
+            <a:rPr lang="en-US" sz="2400" kern="1200" dirty="0"/>
+            <a:t>Data Storage</a:t>
+          </a:r>
+        </a:p>
+        <a:p>
+          <a:pPr marL="0" lvl="0" indent="0" algn="ctr" defTabSz="1066800">
+            <a:lnSpc>
+              <a:spcPct val="100000"/>
+            </a:lnSpc>
+            <a:spcBef>
+              <a:spcPct val="0"/>
+            </a:spcBef>
+            <a:spcAft>
+              <a:spcPts val="100"/>
+            </a:spcAft>
+            <a:buNone/>
+          </a:pPr>
+          <a:r>
+            <a:rPr lang="en-US" sz="2400" kern="1200" dirty="0"/>
+            <a:t>is critical</a:t>
+          </a:r>
+        </a:p>
+      </dsp:txBody>
+      <dsp:txXfrm>
+        <a:off x="8629983" y="652550"/>
+        <a:ext cx="1880130" cy="1314450"/>
+      </dsp:txXfrm>
+    </dsp:sp>
+  </dsp:spTree>
+</dsp:drawing>
+</file>
+
+<file path=ppt/diagrams/drawing2.xml><?xml version="1.0" encoding="utf-8"?>
+<dsp:drawing xmlns:dgm="http://schemas.openxmlformats.org/drawingml/2006/diagram" xmlns:dsp="http://schemas.microsoft.com/office/drawing/2008/diagram" xmlns:a="http://schemas.openxmlformats.org/drawingml/2006/main">
+  <dsp:spTree>
+    <dsp:nvGrpSpPr>
+      <dsp:cNvPr id="0" name=""/>
+      <dsp:cNvGrpSpPr/>
+    </dsp:nvGrpSpPr>
+    <dsp:grpSpPr/>
+    <dsp:sp modelId="{CCD4A823-E626-446B-87C5-9F1C7BB53428}">
+      <dsp:nvSpPr>
+        <dsp:cNvPr id="0" name=""/>
+        <dsp:cNvSpPr/>
+      </dsp:nvSpPr>
+      <dsp:spPr>
+        <a:xfrm>
+          <a:off x="0" y="48732"/>
+          <a:ext cx="10515600" cy="1028480"/>
+        </a:xfrm>
+        <a:prstGeom prst="roundRect">
+          <a:avLst>
+            <a:gd name="adj" fmla="val 10000"/>
+          </a:avLst>
+        </a:prstGeom>
+        <a:solidFill>
+          <a:schemeClr val="accent1">
+            <a:tint val="40000"/>
+            <a:hueOff val="0"/>
+            <a:satOff val="0"/>
+            <a:lumOff val="0"/>
+            <a:alphaOff val="0"/>
+          </a:schemeClr>
+        </a:solidFill>
+        <a:ln>
+          <a:noFill/>
+        </a:ln>
+        <a:effectLst/>
+      </dsp:spPr>
+      <dsp:style>
+        <a:lnRef idx="0">
+          <a:scrgbClr r="0" g="0" b="0"/>
+        </a:lnRef>
+        <a:fillRef idx="1">
+          <a:scrgbClr r="0" g="0" b="0"/>
+        </a:fillRef>
+        <a:effectRef idx="2">
+          <a:scrgbClr r="0" g="0" b="0"/>
+        </a:effectRef>
+        <a:fontRef idx="minor"/>
+      </dsp:style>
+    </dsp:sp>
+    <dsp:sp modelId="{0541BEB6-F696-4C19-A7F0-A41B2A8886DB}">
+      <dsp:nvSpPr>
+        <dsp:cNvPr id="0" name=""/>
+        <dsp:cNvSpPr/>
+      </dsp:nvSpPr>
+      <dsp:spPr>
+        <a:xfrm>
+          <a:off x="311115" y="233437"/>
+          <a:ext cx="565664" cy="565664"/>
+        </a:xfrm>
+        <a:prstGeom prst="rect">
+          <a:avLst/>
+        </a:prstGeom>
+        <a:blipFill>
+          <a:blip xmlns:r="http://schemas.openxmlformats.org/officeDocument/2006/relationships" r:embed="rId1">
+            <a:extLst>
+              <a:ext uri="{28A0092B-C50C-407E-A947-70E740481C1C}">
+                <a14:useLocalDpi xmlns:a14="http://schemas.microsoft.com/office/drawing/2010/main" val="0"/>
+              </a:ext>
+              <a:ext uri="{96DAC541-7B7A-43D3-8B79-37D633B846F1}">
+                <asvg:svgBlip xmlns:asvg="http://schemas.microsoft.com/office/drawing/2016/SVG/main" r:embed="rId2"/>
+              </a:ext>
+            </a:extLst>
+          </a:blip>
+          <a:stretch>
+            <a:fillRect/>
+          </a:stretch>
+        </a:blipFill>
+        <a:ln>
+          <a:noFill/>
+        </a:ln>
+        <a:effectLst/>
+      </dsp:spPr>
+      <dsp:style>
+        <a:lnRef idx="0">
+          <a:scrgbClr r="0" g="0" b="0"/>
+        </a:lnRef>
+        <a:fillRef idx="3">
+          <a:scrgbClr r="0" g="0" b="0"/>
+        </a:fillRef>
+        <a:effectRef idx="2">
+          <a:scrgbClr r="0" g="0" b="0"/>
+        </a:effectRef>
+        <a:fontRef idx="minor">
+          <a:schemeClr val="lt1"/>
+        </a:fontRef>
+      </dsp:style>
+    </dsp:sp>
+    <dsp:sp modelId="{F1FCC5A3-D10C-4A98-B360-BBD9A87D0282}">
+      <dsp:nvSpPr>
+        <dsp:cNvPr id="0" name=""/>
+        <dsp:cNvSpPr/>
+      </dsp:nvSpPr>
+      <dsp:spPr>
+        <a:xfrm>
+          <a:off x="1187894" y="2029"/>
+          <a:ext cx="9327705" cy="1028480"/>
+        </a:xfrm>
+        <a:prstGeom prst="rect">
+          <a:avLst/>
+        </a:prstGeom>
+        <a:noFill/>
+        <a:ln>
+          <a:noFill/>
+        </a:ln>
+        <a:effectLst/>
+      </dsp:spPr>
+      <dsp:style>
+        <a:lnRef idx="0">
+          <a:scrgbClr r="0" g="0" b="0"/>
+        </a:lnRef>
+        <a:fillRef idx="0">
+          <a:scrgbClr r="0" g="0" b="0"/>
+        </a:fillRef>
+        <a:effectRef idx="0">
+          <a:scrgbClr r="0" g="0" b="0"/>
+        </a:effectRef>
+        <a:fontRef idx="minor"/>
+      </dsp:style>
+      <dsp:txBody>
+        <a:bodyPr spcFirstLastPara="0" vert="horz" wrap="square" lIns="108847" tIns="108847" rIns="108847" bIns="108847" numCol="1" spcCol="1270" anchor="ctr" anchorCtr="0">
+          <a:noAutofit/>
+        </a:bodyPr>
+        <a:lstStyle/>
+        <a:p>
+          <a:pPr marL="0" lvl="0" indent="0" algn="l" defTabSz="977900">
+            <a:lnSpc>
+              <a:spcPct val="100000"/>
+            </a:lnSpc>
+            <a:spcBef>
+              <a:spcPct val="0"/>
+            </a:spcBef>
+            <a:spcAft>
+              <a:spcPct val="35000"/>
+            </a:spcAft>
+            <a:buNone/>
+          </a:pPr>
+          <a:r>
+            <a:rPr lang="en-US" sz="2200" b="1" kern="1200" dirty="0"/>
+            <a:t>Registered voter list</a:t>
+          </a:r>
+          <a:r>
+            <a:rPr lang="en-US" sz="2200" kern="1200" dirty="0"/>
+            <a:t>: </a:t>
+          </a:r>
+          <a:r>
+            <a:rPr lang="en-US" sz="2200" i="1" kern="1200" dirty="0"/>
+            <a:t>csv</a:t>
+          </a:r>
+          <a:r>
+            <a:rPr lang="en-US" sz="2200" kern="1200" dirty="0"/>
+            <a:t> file (2.48 Million records).</a:t>
+          </a:r>
+        </a:p>
+      </dsp:txBody>
+      <dsp:txXfrm>
+        <a:off x="1187894" y="2029"/>
+        <a:ext cx="9327705" cy="1028480"/>
+      </dsp:txXfrm>
+    </dsp:sp>
+    <dsp:sp modelId="{0E0BDEC6-8BFC-4B93-96A0-E98225D8E96A}">
+      <dsp:nvSpPr>
+        <dsp:cNvPr id="0" name=""/>
+        <dsp:cNvSpPr/>
+      </dsp:nvSpPr>
+      <dsp:spPr>
+        <a:xfrm>
+          <a:off x="0" y="1287629"/>
+          <a:ext cx="10515600" cy="1028480"/>
+        </a:xfrm>
+        <a:prstGeom prst="roundRect">
+          <a:avLst>
+            <a:gd name="adj" fmla="val 10000"/>
+          </a:avLst>
+        </a:prstGeom>
+        <a:solidFill>
+          <a:schemeClr val="accent1">
+            <a:tint val="40000"/>
+            <a:hueOff val="0"/>
+            <a:satOff val="0"/>
+            <a:lumOff val="0"/>
+            <a:alphaOff val="0"/>
+          </a:schemeClr>
+        </a:solidFill>
+        <a:ln>
+          <a:noFill/>
+        </a:ln>
+        <a:effectLst/>
+      </dsp:spPr>
+      <dsp:style>
+        <a:lnRef idx="0">
+          <a:scrgbClr r="0" g="0" b="0"/>
+        </a:lnRef>
+        <a:fillRef idx="1">
+          <a:scrgbClr r="0" g="0" b="0"/>
+        </a:fillRef>
+        <a:effectRef idx="2">
+          <a:scrgbClr r="0" g="0" b="0"/>
+        </a:effectRef>
+        <a:fontRef idx="minor"/>
+      </dsp:style>
+    </dsp:sp>
+    <dsp:sp modelId="{EF1AB084-1614-4AB5-A2AA-1A8719CCC819}">
+      <dsp:nvSpPr>
+        <dsp:cNvPr id="0" name=""/>
+        <dsp:cNvSpPr/>
+      </dsp:nvSpPr>
+      <dsp:spPr>
+        <a:xfrm>
+          <a:off x="311115" y="1519037"/>
+          <a:ext cx="565664" cy="565664"/>
+        </a:xfrm>
+        <a:prstGeom prst="rect">
+          <a:avLst/>
+        </a:prstGeom>
+        <a:blipFill>
+          <a:blip xmlns:r="http://schemas.openxmlformats.org/officeDocument/2006/relationships" r:embed="rId3">
+            <a:extLst>
+              <a:ext uri="{28A0092B-C50C-407E-A947-70E740481C1C}">
+                <a14:useLocalDpi xmlns:a14="http://schemas.microsoft.com/office/drawing/2010/main" val="0"/>
+              </a:ext>
+              <a:ext uri="{96DAC541-7B7A-43D3-8B79-37D633B846F1}">
+                <asvg:svgBlip xmlns:asvg="http://schemas.microsoft.com/office/drawing/2016/SVG/main" r:embed="rId4"/>
+              </a:ext>
+            </a:extLst>
+          </a:blip>
+          <a:stretch>
+            <a:fillRect/>
+          </a:stretch>
+        </a:blipFill>
+        <a:ln>
+          <a:noFill/>
+        </a:ln>
+        <a:effectLst/>
+      </dsp:spPr>
+      <dsp:style>
+        <a:lnRef idx="0">
+          <a:scrgbClr r="0" g="0" b="0"/>
+        </a:lnRef>
+        <a:fillRef idx="3">
+          <a:scrgbClr r="0" g="0" b="0"/>
+        </a:fillRef>
+        <a:effectRef idx="2">
+          <a:scrgbClr r="0" g="0" b="0"/>
+        </a:effectRef>
+        <a:fontRef idx="minor">
+          <a:schemeClr val="lt1"/>
+        </a:fontRef>
+      </dsp:style>
+    </dsp:sp>
+    <dsp:sp modelId="{39DCD310-261E-475C-AFAF-AA4F21D1917C}">
+      <dsp:nvSpPr>
+        <dsp:cNvPr id="0" name=""/>
+        <dsp:cNvSpPr/>
+      </dsp:nvSpPr>
+      <dsp:spPr>
+        <a:xfrm>
+          <a:off x="1187894" y="1287629"/>
+          <a:ext cx="4732020" cy="1028480"/>
+        </a:xfrm>
+        <a:prstGeom prst="rect">
+          <a:avLst/>
+        </a:prstGeom>
+        <a:noFill/>
+        <a:ln>
+          <a:noFill/>
+        </a:ln>
+        <a:effectLst/>
+      </dsp:spPr>
+      <dsp:style>
+        <a:lnRef idx="0">
+          <a:scrgbClr r="0" g="0" b="0"/>
+        </a:lnRef>
+        <a:fillRef idx="0">
+          <a:scrgbClr r="0" g="0" b="0"/>
+        </a:fillRef>
+        <a:effectRef idx="0">
+          <a:scrgbClr r="0" g="0" b="0"/>
+        </a:effectRef>
+        <a:fontRef idx="minor"/>
+      </dsp:style>
+      <dsp:txBody>
+        <a:bodyPr spcFirstLastPara="0" vert="horz" wrap="square" lIns="108847" tIns="108847" rIns="108847" bIns="108847" numCol="1" spcCol="1270" anchor="ctr" anchorCtr="0">
+          <a:noAutofit/>
+        </a:bodyPr>
+        <a:lstStyle/>
+        <a:p>
+          <a:pPr marL="0" lvl="0" indent="0" algn="l" defTabSz="977900">
+            <a:lnSpc>
+              <a:spcPct val="100000"/>
+            </a:lnSpc>
+            <a:spcBef>
+              <a:spcPct val="0"/>
+            </a:spcBef>
+            <a:spcAft>
+              <a:spcPct val="35000"/>
+            </a:spcAft>
+            <a:buNone/>
+          </a:pPr>
+          <a:r>
+            <a:rPr lang="en-US" sz="2200" b="1" kern="1200"/>
+            <a:t>Python dictionary</a:t>
+          </a:r>
+          <a:r>
+            <a:rPr lang="en-US" sz="2200" kern="1200"/>
+            <a:t>: Built to keep track of where records are stored.</a:t>
+          </a:r>
+        </a:p>
+      </dsp:txBody>
+      <dsp:txXfrm>
+        <a:off x="1187894" y="1287629"/>
+        <a:ext cx="4732020" cy="1028480"/>
+      </dsp:txXfrm>
+    </dsp:sp>
+    <dsp:sp modelId="{0D57C157-D425-4A06-BBE0-C05C8DF217D9}">
+      <dsp:nvSpPr>
+        <dsp:cNvPr id="0" name=""/>
+        <dsp:cNvSpPr/>
+      </dsp:nvSpPr>
+      <dsp:spPr>
+        <a:xfrm>
+          <a:off x="5919914" y="1287629"/>
+          <a:ext cx="4595685" cy="1028480"/>
+        </a:xfrm>
+        <a:prstGeom prst="rect">
+          <a:avLst/>
+        </a:prstGeom>
+        <a:noFill/>
+        <a:ln>
+          <a:noFill/>
+        </a:ln>
+        <a:effectLst/>
+      </dsp:spPr>
+      <dsp:style>
+        <a:lnRef idx="0">
+          <a:scrgbClr r="0" g="0" b="0"/>
+        </a:lnRef>
+        <a:fillRef idx="0">
+          <a:scrgbClr r="0" g="0" b="0"/>
+        </a:fillRef>
+        <a:effectRef idx="0">
+          <a:scrgbClr r="0" g="0" b="0"/>
+        </a:effectRef>
+        <a:fontRef idx="minor"/>
+      </dsp:style>
+      <dsp:txBody>
+        <a:bodyPr spcFirstLastPara="0" vert="horz" wrap="square" lIns="108847" tIns="108847" rIns="108847" bIns="108847" numCol="1" spcCol="1270" anchor="ctr" anchorCtr="0">
+          <a:noAutofit/>
+        </a:bodyPr>
+        <a:lstStyle/>
+        <a:p>
+          <a:pPr marL="0" lvl="0" indent="0" algn="l" defTabSz="800100">
+            <a:lnSpc>
+              <a:spcPct val="100000"/>
+            </a:lnSpc>
+            <a:spcBef>
+              <a:spcPct val="0"/>
+            </a:spcBef>
+            <a:spcAft>
+              <a:spcPct val="35000"/>
+            </a:spcAft>
+            <a:buNone/>
+          </a:pPr>
+          <a:r>
+            <a:rPr lang="en-US" sz="1800" b="1" kern="1200" dirty="0"/>
+            <a:t>Key:</a:t>
+          </a:r>
+          <a:r>
+            <a:rPr lang="en-US" sz="1800" kern="1200" dirty="0"/>
+            <a:t> Voter ID</a:t>
+          </a:r>
+        </a:p>
+        <a:p>
+          <a:pPr marL="0" lvl="0" indent="0" algn="l" defTabSz="800100">
+            <a:lnSpc>
+              <a:spcPct val="100000"/>
+            </a:lnSpc>
+            <a:spcBef>
+              <a:spcPct val="0"/>
+            </a:spcBef>
+            <a:spcAft>
+              <a:spcPct val="35000"/>
+            </a:spcAft>
+            <a:buNone/>
+          </a:pPr>
+          <a:r>
+            <a:rPr lang="en-US" sz="1800" b="1" kern="1200"/>
+            <a:t>Value</a:t>
+          </a:r>
+          <a:r>
+            <a:rPr lang="en-US" sz="1800" kern="1200"/>
+            <a:t>: (Block number, Offset)</a:t>
+          </a:r>
+        </a:p>
+      </dsp:txBody>
+      <dsp:txXfrm>
+        <a:off x="5919914" y="1287629"/>
+        <a:ext cx="4595685" cy="1028480"/>
+      </dsp:txXfrm>
+    </dsp:sp>
+    <dsp:sp modelId="{ECBBF41A-57B8-401B-8091-2E4A53F27A54}">
+      <dsp:nvSpPr>
+        <dsp:cNvPr id="0" name=""/>
+        <dsp:cNvSpPr/>
+      </dsp:nvSpPr>
+      <dsp:spPr>
+        <a:xfrm>
+          <a:off x="0" y="2573229"/>
+          <a:ext cx="10515600" cy="1028480"/>
+        </a:xfrm>
+        <a:prstGeom prst="roundRect">
+          <a:avLst>
+            <a:gd name="adj" fmla="val 10000"/>
+          </a:avLst>
+        </a:prstGeom>
+        <a:solidFill>
+          <a:schemeClr val="accent1">
+            <a:tint val="40000"/>
+            <a:hueOff val="0"/>
+            <a:satOff val="0"/>
+            <a:lumOff val="0"/>
+            <a:alphaOff val="0"/>
+          </a:schemeClr>
+        </a:solidFill>
+        <a:ln>
+          <a:noFill/>
+        </a:ln>
+        <a:effectLst/>
+      </dsp:spPr>
+      <dsp:style>
+        <a:lnRef idx="0">
+          <a:scrgbClr r="0" g="0" b="0"/>
+        </a:lnRef>
+        <a:fillRef idx="1">
+          <a:scrgbClr r="0" g="0" b="0"/>
+        </a:fillRef>
+        <a:effectRef idx="2">
+          <a:scrgbClr r="0" g="0" b="0"/>
+        </a:effectRef>
+        <a:fontRef idx="minor"/>
+      </dsp:style>
+    </dsp:sp>
+    <dsp:sp modelId="{EBED7152-6BDC-4FF3-8DFA-21B30E433831}">
+      <dsp:nvSpPr>
+        <dsp:cNvPr id="0" name=""/>
+        <dsp:cNvSpPr/>
+      </dsp:nvSpPr>
+      <dsp:spPr>
+        <a:xfrm>
+          <a:off x="311115" y="2804637"/>
+          <a:ext cx="565664" cy="565664"/>
+        </a:xfrm>
+        <a:prstGeom prst="rect">
+          <a:avLst/>
+        </a:prstGeom>
+        <a:blipFill>
+          <a:blip xmlns:r="http://schemas.openxmlformats.org/officeDocument/2006/relationships" r:embed="rId5">
+            <a:extLst>
+              <a:ext uri="{28A0092B-C50C-407E-A947-70E740481C1C}">
+                <a14:useLocalDpi xmlns:a14="http://schemas.microsoft.com/office/drawing/2010/main" val="0"/>
+              </a:ext>
+              <a:ext uri="{96DAC541-7B7A-43D3-8B79-37D633B846F1}">
+                <asvg:svgBlip xmlns:asvg="http://schemas.microsoft.com/office/drawing/2016/SVG/main" r:embed="rId6"/>
+              </a:ext>
+            </a:extLst>
+          </a:blip>
+          <a:stretch>
+            <a:fillRect/>
+          </a:stretch>
+        </a:blipFill>
+        <a:ln>
+          <a:noFill/>
+        </a:ln>
+        <a:effectLst/>
+      </dsp:spPr>
+      <dsp:style>
+        <a:lnRef idx="0">
+          <a:scrgbClr r="0" g="0" b="0"/>
+        </a:lnRef>
+        <a:fillRef idx="3">
+          <a:scrgbClr r="0" g="0" b="0"/>
+        </a:fillRef>
+        <a:effectRef idx="2">
+          <a:scrgbClr r="0" g="0" b="0"/>
+        </a:effectRef>
+        <a:fontRef idx="minor">
+          <a:schemeClr val="lt1"/>
+        </a:fontRef>
+      </dsp:style>
+    </dsp:sp>
+    <dsp:sp modelId="{798E14CA-3AB6-4BB9-BCD8-AB086D055FA6}">
+      <dsp:nvSpPr>
+        <dsp:cNvPr id="0" name=""/>
+        <dsp:cNvSpPr/>
+      </dsp:nvSpPr>
+      <dsp:spPr>
+        <a:xfrm>
+          <a:off x="1187894" y="2573229"/>
+          <a:ext cx="4732020" cy="1028480"/>
+        </a:xfrm>
+        <a:prstGeom prst="rect">
+          <a:avLst/>
+        </a:prstGeom>
+        <a:noFill/>
+        <a:ln>
+          <a:noFill/>
+        </a:ln>
+        <a:effectLst/>
+      </dsp:spPr>
+      <dsp:style>
+        <a:lnRef idx="0">
+          <a:scrgbClr r="0" g="0" b="0"/>
+        </a:lnRef>
+        <a:fillRef idx="0">
+          <a:scrgbClr r="0" g="0" b="0"/>
+        </a:fillRef>
+        <a:effectRef idx="0">
+          <a:scrgbClr r="0" g="0" b="0"/>
+        </a:effectRef>
+        <a:fontRef idx="minor"/>
+      </dsp:style>
+      <dsp:txBody>
+        <a:bodyPr spcFirstLastPara="0" vert="horz" wrap="square" lIns="108847" tIns="108847" rIns="108847" bIns="108847" numCol="1" spcCol="1270" anchor="ctr" anchorCtr="0">
+          <a:noAutofit/>
+        </a:bodyPr>
+        <a:lstStyle/>
+        <a:p>
+          <a:pPr marL="0" lvl="0" indent="0" algn="l" defTabSz="977900">
+            <a:lnSpc>
+              <a:spcPct val="100000"/>
+            </a:lnSpc>
+            <a:spcBef>
+              <a:spcPct val="0"/>
+            </a:spcBef>
+            <a:spcAft>
+              <a:spcPct val="35000"/>
+            </a:spcAft>
+            <a:buNone/>
+          </a:pPr>
+          <a:r>
+            <a:rPr lang="en-US" sz="2200" b="1" kern="1200"/>
+            <a:t>Block Storage:</a:t>
+          </a:r>
+          <a:endParaRPr lang="en-US" sz="2200" kern="1200"/>
+        </a:p>
+      </dsp:txBody>
+      <dsp:txXfrm>
+        <a:off x="1187894" y="2573229"/>
+        <a:ext cx="4732020" cy="1028480"/>
+      </dsp:txXfrm>
+    </dsp:sp>
+    <dsp:sp modelId="{DA560071-D39D-4F8F-9142-5229EB5F411C}">
+      <dsp:nvSpPr>
+        <dsp:cNvPr id="0" name=""/>
+        <dsp:cNvSpPr/>
+      </dsp:nvSpPr>
+      <dsp:spPr>
+        <a:xfrm>
+          <a:off x="5919914" y="2573229"/>
+          <a:ext cx="4595685" cy="1028480"/>
+        </a:xfrm>
+        <a:prstGeom prst="rect">
+          <a:avLst/>
+        </a:prstGeom>
+        <a:noFill/>
+        <a:ln>
+          <a:noFill/>
+        </a:ln>
+        <a:effectLst/>
+      </dsp:spPr>
+      <dsp:style>
+        <a:lnRef idx="0">
+          <a:scrgbClr r="0" g="0" b="0"/>
+        </a:lnRef>
+        <a:fillRef idx="0">
+          <a:scrgbClr r="0" g="0" b="0"/>
+        </a:fillRef>
+        <a:effectRef idx="0">
+          <a:scrgbClr r="0" g="0" b="0"/>
+        </a:effectRef>
+        <a:fontRef idx="minor"/>
+      </dsp:style>
+      <dsp:txBody>
+        <a:bodyPr spcFirstLastPara="0" vert="horz" wrap="square" lIns="108847" tIns="108847" rIns="108847" bIns="108847" numCol="1" spcCol="1270" anchor="ctr" anchorCtr="0">
+          <a:noAutofit/>
+        </a:bodyPr>
+        <a:lstStyle/>
+        <a:p>
+          <a:pPr marL="0" lvl="0" indent="0" algn="l" defTabSz="800100">
+            <a:lnSpc>
+              <a:spcPct val="100000"/>
+            </a:lnSpc>
+            <a:spcBef>
+              <a:spcPct val="0"/>
+            </a:spcBef>
+            <a:spcAft>
+              <a:spcPct val="35000"/>
+            </a:spcAft>
+            <a:buNone/>
+          </a:pPr>
+          <a:r>
+            <a:rPr lang="en-US" sz="1800" kern="1200" dirty="0"/>
+            <a:t>Records are padded</a:t>
+          </a:r>
+        </a:p>
+        <a:p>
+          <a:pPr marL="0" lvl="0" indent="0" algn="l" defTabSz="800100">
+            <a:lnSpc>
+              <a:spcPct val="100000"/>
+            </a:lnSpc>
+            <a:spcBef>
+              <a:spcPct val="0"/>
+            </a:spcBef>
+            <a:spcAft>
+              <a:spcPct val="35000"/>
+            </a:spcAft>
+            <a:buNone/>
+          </a:pPr>
+          <a:r>
+            <a:rPr lang="en-US" sz="1800" kern="1200" dirty="0"/>
+            <a:t>Records embedded into larger physical records</a:t>
+          </a:r>
+        </a:p>
+      </dsp:txBody>
+      <dsp:txXfrm>
+        <a:off x="5919914" y="2573229"/>
+        <a:ext cx="4595685" cy="1028480"/>
+      </dsp:txXfrm>
+    </dsp:sp>
+    <dsp:sp modelId="{FB93F15B-BA68-4D72-9559-7FFC1BBD061A}">
+      <dsp:nvSpPr>
+        <dsp:cNvPr id="0" name=""/>
+        <dsp:cNvSpPr/>
+      </dsp:nvSpPr>
+      <dsp:spPr>
+        <a:xfrm>
+          <a:off x="0" y="3858829"/>
+          <a:ext cx="10515600" cy="1028480"/>
+        </a:xfrm>
+        <a:prstGeom prst="roundRect">
+          <a:avLst>
+            <a:gd name="adj" fmla="val 10000"/>
+          </a:avLst>
+        </a:prstGeom>
+        <a:solidFill>
+          <a:schemeClr val="accent1">
+            <a:tint val="40000"/>
+            <a:hueOff val="0"/>
+            <a:satOff val="0"/>
+            <a:lumOff val="0"/>
+            <a:alphaOff val="0"/>
+          </a:schemeClr>
+        </a:solidFill>
+        <a:ln>
+          <a:noFill/>
+        </a:ln>
+        <a:effectLst/>
+      </dsp:spPr>
+      <dsp:style>
+        <a:lnRef idx="0">
+          <a:scrgbClr r="0" g="0" b="0"/>
+        </a:lnRef>
+        <a:fillRef idx="1">
+          <a:scrgbClr r="0" g="0" b="0"/>
+        </a:fillRef>
+        <a:effectRef idx="2">
+          <a:scrgbClr r="0" g="0" b="0"/>
+        </a:effectRef>
+        <a:fontRef idx="minor"/>
+      </dsp:style>
+    </dsp:sp>
+    <dsp:sp modelId="{C0A97AB8-3400-4E07-AE63-4A81D99D654E}">
+      <dsp:nvSpPr>
+        <dsp:cNvPr id="0" name=""/>
+        <dsp:cNvSpPr/>
+      </dsp:nvSpPr>
+      <dsp:spPr>
+        <a:xfrm>
+          <a:off x="311115" y="4090237"/>
+          <a:ext cx="565664" cy="565664"/>
+        </a:xfrm>
+        <a:prstGeom prst="rect">
+          <a:avLst/>
+        </a:prstGeom>
+        <a:blipFill>
+          <a:blip xmlns:r="http://schemas.openxmlformats.org/officeDocument/2006/relationships" r:embed="rId7">
+            <a:extLst>
+              <a:ext uri="{28A0092B-C50C-407E-A947-70E740481C1C}">
+                <a14:useLocalDpi xmlns:a14="http://schemas.microsoft.com/office/drawing/2010/main" val="0"/>
+              </a:ext>
+              <a:ext uri="{96DAC541-7B7A-43D3-8B79-37D633B846F1}">
+                <asvg:svgBlip xmlns:asvg="http://schemas.microsoft.com/office/drawing/2016/SVG/main" r:embed="rId8"/>
+              </a:ext>
+            </a:extLst>
+          </a:blip>
+          <a:stretch>
+            <a:fillRect/>
+          </a:stretch>
+        </a:blipFill>
+        <a:ln>
+          <a:noFill/>
+        </a:ln>
+        <a:effectLst/>
+      </dsp:spPr>
+      <dsp:style>
+        <a:lnRef idx="0">
+          <a:scrgbClr r="0" g="0" b="0"/>
+        </a:lnRef>
+        <a:fillRef idx="3">
+          <a:scrgbClr r="0" g="0" b="0"/>
+        </a:fillRef>
+        <a:effectRef idx="2">
+          <a:scrgbClr r="0" g="0" b="0"/>
+        </a:effectRef>
+        <a:fontRef idx="minor">
+          <a:schemeClr val="lt1"/>
+        </a:fontRef>
+      </dsp:style>
+    </dsp:sp>
+    <dsp:sp modelId="{BE3A9DAB-B488-443B-9C36-23AE9D512B9B}">
+      <dsp:nvSpPr>
+        <dsp:cNvPr id="0" name=""/>
+        <dsp:cNvSpPr/>
+      </dsp:nvSpPr>
+      <dsp:spPr>
+        <a:xfrm>
+          <a:off x="1187894" y="3858829"/>
+          <a:ext cx="4732020" cy="1028480"/>
+        </a:xfrm>
+        <a:prstGeom prst="rect">
+          <a:avLst/>
+        </a:prstGeom>
+        <a:noFill/>
+        <a:ln>
+          <a:noFill/>
+        </a:ln>
+        <a:effectLst/>
+      </dsp:spPr>
+      <dsp:style>
+        <a:lnRef idx="0">
+          <a:scrgbClr r="0" g="0" b="0"/>
+        </a:lnRef>
+        <a:fillRef idx="0">
+          <a:scrgbClr r="0" g="0" b="0"/>
+        </a:fillRef>
+        <a:effectRef idx="0">
+          <a:scrgbClr r="0" g="0" b="0"/>
+        </a:effectRef>
+        <a:fontRef idx="minor"/>
+      </dsp:style>
+      <dsp:txBody>
+        <a:bodyPr spcFirstLastPara="0" vert="horz" wrap="square" lIns="108847" tIns="108847" rIns="108847" bIns="108847" numCol="1" spcCol="1270" anchor="ctr" anchorCtr="0">
+          <a:noAutofit/>
+        </a:bodyPr>
+        <a:lstStyle/>
+        <a:p>
+          <a:pPr marL="0" lvl="0" indent="0" algn="l" defTabSz="977900">
+            <a:lnSpc>
+              <a:spcPct val="100000"/>
+            </a:lnSpc>
+            <a:spcBef>
+              <a:spcPct val="0"/>
+            </a:spcBef>
+            <a:spcAft>
+              <a:spcPct val="35000"/>
+            </a:spcAft>
+            <a:buNone/>
+          </a:pPr>
+          <a:r>
+            <a:rPr lang="en-US" sz="2200" b="1" kern="1200"/>
+            <a:t>Object Storage:</a:t>
+          </a:r>
+          <a:endParaRPr lang="en-US" sz="2200" kern="1200"/>
+        </a:p>
+      </dsp:txBody>
+      <dsp:txXfrm>
+        <a:off x="1187894" y="3858829"/>
+        <a:ext cx="4732020" cy="1028480"/>
+      </dsp:txXfrm>
+    </dsp:sp>
+    <dsp:sp modelId="{75C51E58-63E8-4A1F-BCFB-9D45037D45EA}">
+      <dsp:nvSpPr>
+        <dsp:cNvPr id="0" name=""/>
+        <dsp:cNvSpPr/>
+      </dsp:nvSpPr>
+      <dsp:spPr>
+        <a:xfrm>
+          <a:off x="5919914" y="3858829"/>
+          <a:ext cx="4595685" cy="1028480"/>
+        </a:xfrm>
+        <a:prstGeom prst="rect">
+          <a:avLst/>
+        </a:prstGeom>
+        <a:noFill/>
+        <a:ln>
+          <a:noFill/>
+        </a:ln>
+        <a:effectLst/>
+      </dsp:spPr>
+      <dsp:style>
+        <a:lnRef idx="0">
+          <a:scrgbClr r="0" g="0" b="0"/>
+        </a:lnRef>
+        <a:fillRef idx="0">
+          <a:scrgbClr r="0" g="0" b="0"/>
+        </a:fillRef>
+        <a:effectRef idx="0">
+          <a:scrgbClr r="0" g="0" b="0"/>
+        </a:effectRef>
+        <a:fontRef idx="minor"/>
+      </dsp:style>
+      <dsp:txBody>
+        <a:bodyPr spcFirstLastPara="0" vert="horz" wrap="square" lIns="108847" tIns="108847" rIns="108847" bIns="108847" numCol="1" spcCol="1270" anchor="ctr" anchorCtr="0">
+          <a:noAutofit/>
+        </a:bodyPr>
+        <a:lstStyle/>
+        <a:p>
+          <a:pPr marL="0" lvl="0" indent="0" algn="l" defTabSz="800100">
+            <a:lnSpc>
+              <a:spcPct val="100000"/>
+            </a:lnSpc>
+            <a:spcBef>
+              <a:spcPct val="0"/>
+            </a:spcBef>
+            <a:spcAft>
+              <a:spcPct val="35000"/>
+            </a:spcAft>
+            <a:buNone/>
+          </a:pPr>
+          <a:r>
+            <a:rPr lang="en-US" sz="1800" kern="1200" dirty="0"/>
+            <a:t>Records are not padded</a:t>
+          </a:r>
+        </a:p>
+        <a:p>
+          <a:pPr marL="0" lvl="0" indent="0" algn="l" defTabSz="800100">
+            <a:lnSpc>
+              <a:spcPct val="100000"/>
+            </a:lnSpc>
+            <a:spcBef>
+              <a:spcPct val="0"/>
+            </a:spcBef>
+            <a:spcAft>
+              <a:spcPct val="35000"/>
+            </a:spcAft>
+            <a:buNone/>
+          </a:pPr>
+          <a:r>
+            <a:rPr lang="en-US" sz="1800" kern="1200" dirty="0"/>
+            <a:t>1+ voter records embedded into objects</a:t>
+          </a:r>
+        </a:p>
+      </dsp:txBody>
+      <dsp:txXfrm>
+        <a:off x="5919914" y="3858829"/>
+        <a:ext cx="4595685" cy="1028480"/>
+      </dsp:txXfrm>
+    </dsp:sp>
+  </dsp:spTree>
+</dsp:drawing>
+</file>
+
+<file path=ppt/diagrams/layout1.xml><?xml version="1.0" encoding="utf-8"?>
+<dgm:layoutDef xmlns:dgm="http://schemas.openxmlformats.org/drawingml/2006/diagram" xmlns:a="http://schemas.openxmlformats.org/drawingml/2006/main" uniqueId="urn:microsoft.com/office/officeart/2009/layout/CirclePictureHierarchy">
+  <dgm:title val=""/>
+  <dgm:desc val=""/>
+  <dgm:catLst>
+    <dgm:cat type="hierarchy" pri="1750"/>
+    <dgm:cat type="picture" pri="23000"/>
+    <dgm:cat type="pictureconvert" pri="23000"/>
+  </dgm:catLst>
+  <dgm:sampData>
+    <dgm:dataModel>
+      <dgm:ptLst>
+        <dgm:pt modelId="0" type="doc"/>
+        <dgm:pt modelId="1">
+          <dgm:prSet phldr="1"/>
+        </dgm:pt>
+        <dgm:pt modelId="2">
+          <dgm:prSet phldr="1"/>
+        </dgm:pt>
+        <dgm:pt modelId="21">
+          <dgm:prSet phldr="1"/>
+        </dgm:pt>
+        <dgm:pt modelId="22">
+          <dgm:prSet phldr="1"/>
+        </dgm:pt>
+        <dgm:pt modelId="3">
+          <dgm:prSet phldr="1"/>
+        </dgm:pt>
+        <dgm:pt modelId="31">
+          <dgm:prSet phldr="1"/>
+        </dgm:pt>
+      </dgm:ptLst>
+      <dgm:cxnLst>
+        <dgm:cxn modelId="4" srcId="0" destId="1" srcOrd="0" destOrd="0"/>
+        <dgm:cxn modelId="5" srcId="1" destId="2" srcOrd="0" destOrd="0"/>
+        <dgm:cxn modelId="6" srcId="1" destId="3" srcOrd="1" destOrd="0"/>
+        <dgm:cxn modelId="23" srcId="2" destId="21" srcOrd="0" destOrd="0"/>
+        <dgm:cxn modelId="24" srcId="2" destId="22" srcOrd="1" destOrd="0"/>
+        <dgm:cxn modelId="33" srcId="3" destId="31" srcOrd="0" destOrd="0"/>
+      </dgm:cxnLst>
+      <dgm:bg/>
+      <dgm:whole/>
+    </dgm:dataModel>
+  </dgm:sampData>
+  <dgm:styleData>
+    <dgm:dataModel>
+      <dgm:ptLst>
+        <dgm:pt modelId="0" type="doc"/>
+        <dgm:pt modelId="1"/>
+        <dgm:pt modelId="11"/>
+        <dgm:pt modelId="12"/>
+      </dgm:ptLst>
+      <dgm:cxnLst>
+        <dgm:cxn modelId="2" srcId="0" destId="1" srcOrd="0" destOrd="0"/>
+        <dgm:cxn modelId="13" srcId="1" destId="11" srcOrd="0" destOrd="0"/>
+        <dgm:cxn modelId="14" srcId="1" destId="12" srcOrd="1" destOrd="0"/>
+      </dgm:cxnLst>
+      <dgm:bg/>
+      <dgm:whole/>
+    </dgm:dataModel>
+  </dgm:styleData>
+  <dgm:clrData>
+    <dgm:dataModel>
+      <dgm:ptLst>
+        <dgm:pt modelId="0" type="doc"/>
+        <dgm:pt modelId="1"/>
+        <dgm:pt modelId="2"/>
+        <dgm:pt modelId="21"/>
+        <dgm:pt modelId="211"/>
+        <dgm:pt modelId="3"/>
+        <dgm:pt modelId="31"/>
+        <dgm:pt modelId="311"/>
+      </dgm:ptLst>
+      <dgm:cxnLst>
+        <dgm:cxn modelId="4" srcId="0" destId="1" srcOrd="0" destOrd="0"/>
+        <dgm:cxn modelId="5" srcId="1" destId="2" srcOrd="0" destOrd="0"/>
+        <dgm:cxn modelId="6" srcId="1" destId="3" srcOrd="1" destOrd="0"/>
+        <dgm:cxn modelId="23" srcId="2" destId="21" srcOrd="0" destOrd="0"/>
+        <dgm:cxn modelId="24" srcId="21" destId="211" srcOrd="0" destOrd="0"/>
+        <dgm:cxn modelId="33" srcId="3" destId="31" srcOrd="0" destOrd="0"/>
+        <dgm:cxn modelId="34" srcId="31" destId="311" srcOrd="0" destOrd="0"/>
+      </dgm:cxnLst>
+      <dgm:bg/>
+      <dgm:whole/>
+    </dgm:dataModel>
+  </dgm:clrData>
+  <dgm:layoutNode name="hierChild1">
+    <dgm:varLst>
+      <dgm:chPref val="1"/>
+      <dgm:dir/>
+      <dgm:animOne val="branch"/>
+      <dgm:animLvl val="lvl"/>
+      <dgm:resizeHandles/>
+    </dgm:varLst>
+    <dgm:choose name="Name0">
+      <dgm:if name="Name1" func="var" arg="dir" op="equ" val="norm">
+        <dgm:alg type="hierChild">
+          <dgm:param type="linDir" val="fromL"/>
+        </dgm:alg>
+      </dgm:if>
+      <dgm:else name="Name2">
+        <dgm:alg type="hierChild">
+          <dgm:param type="linDir" val="fromR"/>
+        </dgm:alg>
+      </dgm:else>
+    </dgm:choose>
+    <dgm:shape xmlns:r="http://schemas.openxmlformats.org/officeDocument/2006/relationships" r:blip="">
+      <dgm:adjLst/>
+    </dgm:shape>
+    <dgm:presOf/>
+    <dgm:constrLst>
+      <dgm:constr type="primFontSz" for="des" ptType="node" op="equ" val="65"/>
+      <dgm:constr type="w" for="des" forName="composite" refType="w"/>
+      <dgm:constr type="h" for="des" forName="composite" refType="w" refFor="des" refForName="composite" fact="0.5"/>
+      <dgm:constr type="w" for="des" forName="composite2" refType="w" refFor="des" refForName="composite"/>
+      <dgm:constr type="h" for="des" forName="composite2" refType="h" refFor="des" refForName="composite"/>
+      <dgm:constr type="w" for="des" forName="composite3" refType="w" refFor="des" refForName="composite"/>
+      <dgm:constr type="h" for="des" forName="composite3" refType="h" refFor="des" refForName="composite"/>
+      <dgm:constr type="w" for="des" forName="composite4" refType="w" refFor="des" refForName="composite"/>
+      <dgm:constr type="h" for="des" forName="composite4" refType="h" refFor="des" refForName="composite"/>
+      <dgm:constr type="w" for="des" forName="composite5" refType="w" refFor="des" refForName="composite"/>
+      <dgm:constr type="h" for="des" forName="composite5" refType="h" refFor="des" refForName="composite"/>
+      <dgm:constr type="sibSp" refType="w" refFor="des" refForName="composite" fact="0.1"/>
+      <dgm:constr type="sibSp" for="des" forName="hierChild2" refType="sibSp"/>
+      <dgm:constr type="sibSp" for="des" forName="hierChild3" refType="sibSp"/>
+      <dgm:constr type="sibSp" for="des" forName="hierChild4" refType="sibSp"/>
+      <dgm:constr type="sibSp" for="des" forName="hierChild5" refType="sibSp"/>
+      <dgm:constr type="sibSp" for="des" forName="hierChild6" refType="sibSp"/>
+      <dgm:constr type="sp" for="des" forName="hierRoot1" refType="h" refFor="des" refForName="composite" fact="0.25"/>
+      <dgm:constr type="sp" for="des" forName="hierRoot2" refType="sp" refFor="des" refForName="hierRoot1"/>
+      <dgm:constr type="sp" for="des" forName="hierRoot3" refType="sp" refFor="des" refForName="hierRoot1"/>
+      <dgm:constr type="sp" for="des" forName="hierRoot4" refType="sp" refFor="des" refForName="hierRoot1"/>
+      <dgm:constr type="sp" for="des" forName="hierRoot5" refType="sp" refFor="des" refForName="hierRoot1"/>
+    </dgm:constrLst>
+    <dgm:ruleLst/>
+    <dgm:forEach name="Name3" axis="ch">
+      <dgm:forEach name="Name4" axis="self" ptType="node">
+        <dgm:layoutNode name="hierRoot1">
+          <dgm:alg type="hierRoot"/>
+          <dgm:shape xmlns:r="http://schemas.openxmlformats.org/officeDocument/2006/relationships" r:blip="">
+            <dgm:adjLst/>
+          </dgm:shape>
+          <dgm:presOf/>
+          <dgm:constrLst>
+            <dgm:constr type="bendDist" for="des" ptType="parTrans" refType="sp" fact="0.5"/>
+          </dgm:constrLst>
+          <dgm:ruleLst/>
+          <dgm:layoutNode name="composite">
+            <dgm:alg type="composite"/>
+            <dgm:shape xmlns:r="http://schemas.openxmlformats.org/officeDocument/2006/relationships" r:blip="">
+              <dgm:adjLst/>
+            </dgm:shape>
+            <dgm:presOf/>
+            <dgm:constrLst>
+              <dgm:constr type="h" for="ch" forName="image" refType="h" fact="0.8"/>
+              <dgm:constr type="w" for="ch" forName="image" refType="h" refFor="ch" refForName="image"/>
+              <dgm:constr type="t" for="ch" forName="image" refType="h" fact="0.1"/>
+              <dgm:constr type="l" for="ch" forName="image"/>
+              <dgm:constr type="w" for="ch" forName="text" refType="w" fact="0.6"/>
+              <dgm:constr type="h" for="ch" forName="text" refType="h" fact="0.8"/>
+              <dgm:constr type="t" for="ch" forName="text" refType="w" fact="0.04"/>
+              <dgm:constr type="l" for="ch" forName="text" refType="w" fact="0.4"/>
+            </dgm:constrLst>
+            <dgm:ruleLst/>
+            <dgm:layoutNode name="image" styleLbl="node0">
+              <dgm:alg type="sp"/>
+              <dgm:shape xmlns:r="http://schemas.openxmlformats.org/officeDocument/2006/relationships" type="ellipse" r:blip="" blipPhldr="1">
+                <dgm:adjLst/>
+              </dgm:shape>
+              <dgm:presOf/>
+              <dgm:constrLst/>
+              <dgm:ruleLst/>
+            </dgm:layoutNode>
+            <dgm:layoutNode name="text" styleLbl="revTx">
+              <dgm:varLst>
+                <dgm:chPref val="3"/>
+              </dgm:varLst>
+              <dgm:alg type="tx">
+                <dgm:param type="parTxLTRAlign" val="l"/>
+                <dgm:param type="parTxRTLAlign" val="r"/>
+              </dgm:alg>
+              <dgm:shape xmlns:r="http://schemas.openxmlformats.org/officeDocument/2006/relationships" type="rect" r:blip="">
+                <dgm:adjLst/>
+              </dgm:shape>
+              <dgm:presOf axis="self"/>
+              <dgm:constrLst>
+                <dgm:constr type="tMarg" refType="primFontSz" fact="0.3"/>
+                <dgm:constr type="bMarg" refType="primFontSz" fact="0.3"/>
+                <dgm:constr type="lMarg" refType="primFontSz" fact="0.3"/>
+                <dgm:constr type="rMarg" refType="primFontSz" fact="0.3"/>
+              </dgm:constrLst>
+              <dgm:ruleLst>
+                <dgm:rule type="primFontSz" val="5" fact="NaN" max="NaN"/>
+              </dgm:ruleLst>
+            </dgm:layoutNode>
+          </dgm:layoutNode>
+          <dgm:layoutNode name="hierChild2">
+            <dgm:choose name="Name5">
+              <dgm:if name="Name6" func="var" arg="dir" op="equ" val="norm">
+                <dgm:alg type="hierChild">
+                  <dgm:param type="linDir" val="fromL"/>
+                </dgm:alg>
+              </dgm:if>
+              <dgm:else name="Name7">
+                <dgm:alg type="hierChild">
+                  <dgm:param type="linDir" val="fromR"/>
+                </dgm:alg>
+              </dgm:else>
+            </dgm:choose>
+            <dgm:shape xmlns:r="http://schemas.openxmlformats.org/officeDocument/2006/relationships" r:blip="">
+              <dgm:adjLst/>
+            </dgm:shape>
+            <dgm:presOf/>
+            <dgm:constrLst/>
+            <dgm:ruleLst/>
+            <dgm:forEach name="Name8" axis="ch">
+              <dgm:forEach name="Name9" axis="self" ptType="parTrans" cnt="1">
+                <dgm:layoutNode name="Name10">
+                  <dgm:alg type="conn">
+                    <dgm:param type="dim" val="1D"/>
+                    <dgm:param type="endSty" val="noArr"/>
+                    <dgm:param type="connRout" val="bend"/>
+                    <dgm:param type="bendPt" val="end"/>
+                    <dgm:param type="begPts" val="bCtr"/>
+                    <dgm:param type="endPts" val="tCtr"/>
+                    <dgm:param type="srcNode" val="image"/>
+                    <dgm:param type="dstNode" val="image2"/>
+                  </dgm:alg>
+                  <dgm:shape xmlns:r="http://schemas.openxmlformats.org/officeDocument/2006/relationships" type="conn" r:blip="" zOrderOff="-999">
+                    <dgm:adjLst/>
+                  </dgm:shape>
+                  <dgm:presOf axis="self"/>
+                  <dgm:constrLst>
+                    <dgm:constr type="begPad"/>
+                    <dgm:constr type="endPad"/>
+                  </dgm:constrLst>
+                  <dgm:ruleLst/>
+                </dgm:layoutNode>
+              </dgm:forEach>
+              <dgm:forEach name="Name11" axis="self" ptType="node">
+                <dgm:layoutNode name="hierRoot2">
+                  <dgm:alg type="hierRoot"/>
+                  <dgm:shape xmlns:r="http://schemas.openxmlformats.org/officeDocument/2006/relationships" r:blip="">
+                    <dgm:adjLst/>
+                  </dgm:shape>
+                  <dgm:presOf/>
+                  <dgm:constrLst>
+                    <dgm:constr type="bendDist" for="des" ptType="parTrans" refType="sp" fact="0.5"/>
+                  </dgm:constrLst>
+                  <dgm:ruleLst/>
+                  <dgm:layoutNode name="composite2">
+                    <dgm:alg type="composite"/>
+                    <dgm:shape xmlns:r="http://schemas.openxmlformats.org/officeDocument/2006/relationships" r:blip="">
+                      <dgm:adjLst/>
+                    </dgm:shape>
+                    <dgm:presOf/>
+                    <dgm:constrLst>
+                      <dgm:constr type="h" for="ch" forName="image2" refType="h" fact="0.8"/>
+                      <dgm:constr type="w" for="ch" forName="image2" refType="h" refFor="ch" refForName="image2"/>
+                      <dgm:constr type="t" for="ch" forName="image2" refType="h" fact="0.1"/>
+                      <dgm:constr type="l" for="ch" forName="image2"/>
+                      <dgm:constr type="w" for="ch" forName="text2" refType="w" fact="0.6"/>
+                      <dgm:constr type="h" for="ch" forName="text2" refType="h" fact="0.8"/>
+                      <dgm:constr type="t" for="ch" forName="text2" refType="w" fact="0.04"/>
+                      <dgm:constr type="l" for="ch" forName="text2" refType="w" fact="0.4"/>
+                    </dgm:constrLst>
+                    <dgm:ruleLst/>
+                    <dgm:layoutNode name="image2">
+                      <dgm:alg type="sp"/>
+                      <dgm:shape xmlns:r="http://schemas.openxmlformats.org/officeDocument/2006/relationships" type="ellipse" r:blip="" blipPhldr="1">
+                        <dgm:adjLst/>
+                      </dgm:shape>
+                      <dgm:presOf/>
+                      <dgm:constrLst/>
+                      <dgm:ruleLst/>
+                    </dgm:layoutNode>
+                    <dgm:layoutNode name="text2" styleLbl="revTx">
+                      <dgm:varLst>
+                        <dgm:chPref val="3"/>
+                      </dgm:varLst>
+                      <dgm:alg type="tx">
+                        <dgm:param type="parTxLTRAlign" val="l"/>
+                        <dgm:param type="parTxRTLAlign" val="r"/>
+                      </dgm:alg>
+                      <dgm:shape xmlns:r="http://schemas.openxmlformats.org/officeDocument/2006/relationships" type="rect" r:blip="">
+                        <dgm:adjLst/>
+                      </dgm:shape>
+                      <dgm:presOf axis="self"/>
+                      <dgm:constrLst>
+                        <dgm:constr type="tMarg" refType="primFontSz" fact="0.3"/>
+                        <dgm:constr type="bMarg" refType="primFontSz" fact="0.3"/>
+                        <dgm:constr type="lMarg" refType="primFontSz" fact="0.3"/>
+                        <dgm:constr type="rMarg" refType="primFontSz" fact="0.3"/>
+                      </dgm:constrLst>
+                      <dgm:ruleLst>
+                        <dgm:rule type="primFontSz" val="5" fact="NaN" max="NaN"/>
+                      </dgm:ruleLst>
+                    </dgm:layoutNode>
+                  </dgm:layoutNode>
+                  <dgm:layoutNode name="hierChild3">
+                    <dgm:choose name="Name12">
+                      <dgm:if name="Name13" func="var" arg="dir" op="equ" val="norm">
+                        <dgm:alg type="hierChild">
+                          <dgm:param type="linDir" val="fromL"/>
+                        </dgm:alg>
+                      </dgm:if>
+                      <dgm:else name="Name14">
+                        <dgm:alg type="hierChild">
+                          <dgm:param type="linDir" val="fromR"/>
+                        </dgm:alg>
+                      </dgm:else>
+                    </dgm:choose>
+                    <dgm:shape xmlns:r="http://schemas.openxmlformats.org/officeDocument/2006/relationships" r:blip="">
+                      <dgm:adjLst/>
+                    </dgm:shape>
+                    <dgm:presOf/>
+                    <dgm:constrLst/>
+                    <dgm:ruleLst/>
+                    <dgm:forEach name="Name15" axis="ch">
+                      <dgm:forEach name="Name16" axis="self" ptType="parTrans" cnt="1">
+                        <dgm:layoutNode name="Name17">
+                          <dgm:alg type="conn">
+                            <dgm:param type="dim" val="1D"/>
+                            <dgm:param type="endSty" val="noArr"/>
+                            <dgm:param type="connRout" val="bend"/>
+                            <dgm:param type="bendPt" val="end"/>
+                            <dgm:param type="begPts" val="bCtr"/>
+                            <dgm:param type="endPts" val="tCtr"/>
+                            <dgm:param type="srcNode" val="image2"/>
+                            <dgm:param type="dstNode" val="image3"/>
+                          </dgm:alg>
+                          <dgm:shape xmlns:r="http://schemas.openxmlformats.org/officeDocument/2006/relationships" type="conn" r:blip="" zOrderOff="-999">
+                            <dgm:adjLst/>
+                          </dgm:shape>
+                          <dgm:presOf axis="self"/>
+                          <dgm:constrLst>
+                            <dgm:constr type="begPad"/>
+                            <dgm:constr type="endPad"/>
+                          </dgm:constrLst>
+                          <dgm:ruleLst/>
+                        </dgm:layoutNode>
+                      </dgm:forEach>
+                      <dgm:forEach name="Name18" axis="self" ptType="node">
+                        <dgm:layoutNode name="hierRoot3">
+                          <dgm:alg type="hierRoot"/>
+                          <dgm:shape xmlns:r="http://schemas.openxmlformats.org/officeDocument/2006/relationships" r:blip="">
+                            <dgm:adjLst/>
+                          </dgm:shape>
+                          <dgm:presOf/>
+                          <dgm:constrLst>
+                            <dgm:constr type="bendDist" for="des" ptType="parTrans" refType="sp" fact="0.5"/>
+                          </dgm:constrLst>
+                          <dgm:ruleLst/>
+                          <dgm:layoutNode name="composite3">
+                            <dgm:alg type="composite"/>
+                            <dgm:shape xmlns:r="http://schemas.openxmlformats.org/officeDocument/2006/relationships" r:blip="">
+                              <dgm:adjLst/>
+                            </dgm:shape>
+                            <dgm:presOf/>
+                            <dgm:constrLst>
+                              <dgm:constr type="h" for="ch" forName="image3" refType="h" fact="0.8"/>
+                              <dgm:constr type="w" for="ch" forName="image3" refType="h" refFor="ch" refForName="image3"/>
+                              <dgm:constr type="t" for="ch" forName="image3" refType="h" fact="0.1"/>
+                              <dgm:constr type="l" for="ch" forName="image3"/>
+                              <dgm:constr type="w" for="ch" forName="text3" refType="w" fact="0.6"/>
+                              <dgm:constr type="h" for="ch" forName="text3" refType="h" fact="0.8"/>
+                              <dgm:constr type="t" for="ch" forName="text3" refType="w" fact="0.04"/>
+                              <dgm:constr type="l" for="ch" forName="text3" refType="w" fact="0.4"/>
+                            </dgm:constrLst>
+                            <dgm:ruleLst/>
+                            <dgm:layoutNode name="image3">
+                              <dgm:alg type="sp"/>
+                              <dgm:shape xmlns:r="http://schemas.openxmlformats.org/officeDocument/2006/relationships" type="ellipse" r:blip="" blipPhldr="1">
+                                <dgm:adjLst/>
+                              </dgm:shape>
+                              <dgm:presOf/>
+                              <dgm:constrLst/>
+                              <dgm:ruleLst/>
+                            </dgm:layoutNode>
+                            <dgm:layoutNode name="text3" styleLbl="revTx">
+                              <dgm:varLst>
+                                <dgm:chPref val="3"/>
+                              </dgm:varLst>
+                              <dgm:alg type="tx">
+                                <dgm:param type="parTxLTRAlign" val="l"/>
+                                <dgm:param type="parTxRTLAlign" val="r"/>
+                              </dgm:alg>
+                              <dgm:shape xmlns:r="http://schemas.openxmlformats.org/officeDocument/2006/relationships" type="rect" r:blip="">
+                                <dgm:adjLst/>
+                              </dgm:shape>
+                              <dgm:presOf axis="self"/>
+                              <dgm:constrLst>
+                                <dgm:constr type="tMarg" refType="primFontSz" fact="0.3"/>
+                                <dgm:constr type="bMarg" refType="primFontSz" fact="0.3"/>
+                                <dgm:constr type="lMarg" refType="primFontSz" fact="0.3"/>
+                                <dgm:constr type="rMarg" refType="primFontSz" fact="0.3"/>
+                              </dgm:constrLst>
+                              <dgm:ruleLst>
+                                <dgm:rule type="primFontSz" val="5" fact="NaN" max="NaN"/>
+                              </dgm:ruleLst>
+                            </dgm:layoutNode>
+                          </dgm:layoutNode>
+                          <dgm:layoutNode name="hierChild4">
+                            <dgm:choose name="Name19">
+                              <dgm:if name="Name20" func="var" arg="dir" op="equ" val="norm">
+                                <dgm:alg type="hierChild">
+                                  <dgm:param type="linDir" val="fromL"/>
+                                </dgm:alg>
+                              </dgm:if>
+                              <dgm:else name="Name21">
+                                <dgm:alg type="hierChild">
+                                  <dgm:param type="linDir" val="fromR"/>
+                                </dgm:alg>
+                              </dgm:else>
+                            </dgm:choose>
+                            <dgm:shape xmlns:r="http://schemas.openxmlformats.org/officeDocument/2006/relationships" r:blip="">
+                              <dgm:adjLst/>
+                            </dgm:shape>
+                            <dgm:presOf/>
+                            <dgm:constrLst/>
+                            <dgm:ruleLst/>
+                            <dgm:forEach name="repeat" axis="ch">
+                              <dgm:forEach name="Name22" axis="self" ptType="parTrans" cnt="1">
+                                <dgm:layoutNode name="Name23">
+                                  <dgm:choose name="Name24">
+                                    <dgm:if name="Name25" axis="self" func="depth" op="lte" val="4">
+                                      <dgm:alg type="conn">
+                                        <dgm:param type="dim" val="1D"/>
+                                        <dgm:param type="endSty" val="noArr"/>
+                                        <dgm:param type="connRout" val="bend"/>
+                                        <dgm:param type="bendPt" val="end"/>
+                                        <dgm:param type="begPts" val="bCtr"/>
+                                        <dgm:param type="endPts" val="tCtr"/>
+                                        <dgm:param type="srcNode" val="image3"/>
+                                        <dgm:param type="dstNode" val="image4"/>
+                                      </dgm:alg>
+                                    </dgm:if>
+                                    <dgm:else name="Name26">
+                                      <dgm:alg type="conn">
+                                        <dgm:param type="dim" val="1D"/>
+                                        <dgm:param type="endSty" val="noArr"/>
+                                        <dgm:param type="connRout" val="bend"/>
+                                        <dgm:param type="bendPt" val="end"/>
+                                        <dgm:param type="begPts" val="bCtr"/>
+                                        <dgm:param type="endPts" val="tCtr"/>
+                                        <dgm:param type="srcNode" val="image4"/>
+                                        <dgm:param type="dstNode" val="image4"/>
+                                      </dgm:alg>
+                                    </dgm:else>
+                                  </dgm:choose>
+                                  <dgm:shape xmlns:r="http://schemas.openxmlformats.org/officeDocument/2006/relationships" type="conn" r:blip="" zOrderOff="-999">
+                                    <dgm:adjLst/>
+                                  </dgm:shape>
+                                  <dgm:presOf axis="self"/>
+                                  <dgm:constrLst>
+                                    <dgm:constr type="begPad"/>
+                                    <dgm:constr type="endPad"/>
+                                  </dgm:constrLst>
+                                  <dgm:ruleLst/>
+                                </dgm:layoutNode>
+                              </dgm:forEach>
+                              <dgm:forEach name="Name27" axis="self" ptType="node">
+                                <dgm:layoutNode name="hierRoot4">
+                                  <dgm:alg type="hierRoot"/>
+                                  <dgm:shape xmlns:r="http://schemas.openxmlformats.org/officeDocument/2006/relationships" r:blip="">
+                                    <dgm:adjLst/>
+                                  </dgm:shape>
+                                  <dgm:presOf/>
+                                  <dgm:constrLst>
+                                    <dgm:constr type="bendDist" for="des" ptType="parTrans" refType="sp" fact="0.5"/>
+                                  </dgm:constrLst>
+                                  <dgm:ruleLst/>
+                                  <dgm:layoutNode name="composite4">
+                                    <dgm:alg type="composite"/>
+                                    <dgm:shape xmlns:r="http://schemas.openxmlformats.org/officeDocument/2006/relationships" r:blip="">
+                                      <dgm:adjLst/>
+                                    </dgm:shape>
+                                    <dgm:presOf/>
+                                    <dgm:constrLst>
+                                      <dgm:constr type="h" for="ch" forName="image4" refType="h" fact="0.8"/>
+                                      <dgm:constr type="w" for="ch" forName="image4" refType="h" refFor="ch" refForName="image4"/>
+                                      <dgm:constr type="t" for="ch" forName="image4" refType="h" fact="0.1"/>
+                                      <dgm:constr type="l" for="ch" forName="image4"/>
+                                      <dgm:constr type="w" for="ch" forName="text4" refType="w" fact="0.6"/>
+                                      <dgm:constr type="h" for="ch" forName="text4" refType="h" fact="0.8"/>
+                                      <dgm:constr type="t" for="ch" forName="text4" refType="w" fact="0.04"/>
+                                      <dgm:constr type="l" for="ch" forName="text4" refType="w" fact="0.4"/>
+                                    </dgm:constrLst>
+                                    <dgm:ruleLst/>
+                                    <dgm:layoutNode name="image4">
+                                      <dgm:alg type="sp"/>
+                                      <dgm:shape xmlns:r="http://schemas.openxmlformats.org/officeDocument/2006/relationships" type="ellipse" r:blip="" blipPhldr="1">
+                                        <dgm:adjLst/>
+                                      </dgm:shape>
+                                      <dgm:presOf/>
+                                      <dgm:constrLst/>
+                                      <dgm:ruleLst/>
+                                    </dgm:layoutNode>
+                                    <dgm:layoutNode name="text4" styleLbl="revTx">
+                                      <dgm:varLst>
+                                        <dgm:chPref val="3"/>
+                                      </dgm:varLst>
+                                      <dgm:alg type="tx">
+                                        <dgm:param type="parTxLTRAlign" val="l"/>
+                                        <dgm:param type="parTxRTLAlign" val="r"/>
+                                      </dgm:alg>
+                                      <dgm:shape xmlns:r="http://schemas.openxmlformats.org/officeDocument/2006/relationships" type="rect" r:blip="">
+                                        <dgm:adjLst/>
+                                      </dgm:shape>
+                                      <dgm:presOf axis="self"/>
+                                      <dgm:constrLst>
+                                        <dgm:constr type="tMarg" refType="primFontSz" fact="0.3"/>
+                                        <dgm:constr type="bMarg" refType="primFontSz" fact="0.3"/>
+                                        <dgm:constr type="lMarg" refType="primFontSz" fact="0.3"/>
+                                        <dgm:constr type="rMarg" refType="primFontSz" fact="0.3"/>
+                                      </dgm:constrLst>
+                                      <dgm:ruleLst>
+                                        <dgm:rule type="primFontSz" val="5" fact="NaN" max="NaN"/>
+                                      </dgm:ruleLst>
+                                    </dgm:layoutNode>
+                                  </dgm:layoutNode>
+                                  <dgm:layoutNode name="hierChild5">
+                                    <dgm:choose name="Name28">
+                                      <dgm:if name="Name29" func="var" arg="dir" op="equ" val="norm">
+                                        <dgm:alg type="hierChild">
+                                          <dgm:param type="linDir" val="fromL"/>
+                                        </dgm:alg>
+                                      </dgm:if>
+                                      <dgm:else name="Name30">
+                                        <dgm:alg type="hierChild">
+                                          <dgm:param type="linDir" val="fromR"/>
+                                        </dgm:alg>
+                                      </dgm:else>
+                                    </dgm:choose>
+                                    <dgm:shape xmlns:r="http://schemas.openxmlformats.org/officeDocument/2006/relationships" r:blip="">
+                                      <dgm:adjLst/>
+                                    </dgm:shape>
+                                    <dgm:presOf/>
+                                    <dgm:constrLst/>
+                                    <dgm:ruleLst/>
+                                    <dgm:forEach name="Name31" ref="repeat"/>
+                                  </dgm:layoutNode>
+                                </dgm:layoutNode>
+                              </dgm:forEach>
+                            </dgm:forEach>
+                          </dgm:layoutNode>
+                        </dgm:layoutNode>
+                      </dgm:forEach>
+                    </dgm:forEach>
+                  </dgm:layoutNode>
+                </dgm:layoutNode>
+              </dgm:forEach>
+            </dgm:forEach>
+          </dgm:layoutNode>
+        </dgm:layoutNode>
+      </dgm:forEach>
+    </dgm:forEach>
+  </dgm:layoutNode>
+</dgm:layoutDef>
+</file>
+
+<file path=ppt/diagrams/layout2.xml><?xml version="1.0" encoding="utf-8"?>
+<dgm:layoutDef xmlns:dgm="http://schemas.openxmlformats.org/drawingml/2006/diagram" xmlns:a="http://schemas.openxmlformats.org/drawingml/2006/main" uniqueId="urn:microsoft.com/office/officeart/2018/2/layout/IconVerticalSolidList">
+  <dgm:title val="Icon Vertical Solid List"/>
+  <dgm:desc val="Use to show a series of visuals from top to bottom with Level 1 or Level 1 and Level 2 text grouped in a shape. Works best with icons or small pictures with lengthier descriptions."/>
+  <dgm:catLst>
+    <dgm:cat type="icon" pri="500"/>
+  </dgm:catLst>
+  <dgm:sampData useDef="1">
+    <dgm:dataModel>
+      <dgm:ptLst/>
+      <dgm:bg/>
+      <dgm:whole/>
+    </dgm:dataModel>
+  </dgm:sampData>
+  <dgm:styleData useDef="1">
+    <dgm:dataModel>
+      <dgm:ptLst/>
+      <dgm:bg/>
+      <dgm:whole/>
+    </dgm:dataModel>
+  </dgm:styleData>
+  <dgm:clrData useDef="1">
+    <dgm:dataModel>
+      <dgm:ptLst/>
+      <dgm:bg/>
+      <dgm:whole/>
+    </dgm:dataModel>
+  </dgm:clrData>
+  <dgm:layoutNode name="root">
+    <dgm:varLst>
+      <dgm:dir/>
+      <dgm:resizeHandles val="exact"/>
+    </dgm:varLst>
+    <dgm:choose name="Name0">
+      <dgm:if name="Name1" axis="self" func="var" arg="dir" op="equ" val="norm">
+        <dgm:alg type="lin">
+          <dgm:param type="linDir" val="fromT"/>
+          <dgm:param type="nodeHorzAlign" val="l"/>
+        </dgm:alg>
+      </dgm:if>
+      <dgm:else name="Name2">
+        <dgm:alg type="lin">
+          <dgm:param type="linDir" val="fromT"/>
+          <dgm:param type="nodeHorzAlign" val="r"/>
+        </dgm:alg>
+      </dgm:else>
+    </dgm:choose>
+    <dgm:shape xmlns:r="http://schemas.openxmlformats.org/officeDocument/2006/relationships" r:blip="">
+      <dgm:adjLst/>
+    </dgm:shape>
+    <dgm:presOf/>
+    <dgm:choose name="Name3">
+      <dgm:if name="Name4" axis="ch" ptType="node" func="cnt" op="lte" val="3">
+        <dgm:constrLst>
+          <dgm:constr type="h" for="ch" forName="compNode" refType="h" fact="0.3"/>
+          <dgm:constr type="w" for="ch" forName="compNode" refType="w"/>
+          <dgm:constr type="h" for="ch" forName="sibTrans" refType="h" refFor="ch" refForName="compNode" fact="0.25"/>
+          <dgm:constr type="primFontSz" for="des" forName="parTx" val="25"/>
+          <dgm:constr type="primFontSz" for="des" forName="desTx" refType="primFontSz" refFor="des" refForName="parTx" op="lte" fact="0.75"/>
+          <dgm:constr type="h" for="des" forName="compNode" op="equ"/>
+          <dgm:constr type="h" for="des" forName="bgRect" op="equ"/>
+          <dgm:constr type="h" for="des" forName="iconRect" op="equ"/>
+          <dgm:constr type="w" for="des" forName="iconRect" op="equ"/>
+          <dgm:constr type="h" for="des" forName="spaceRect" op="equ"/>
+          <dgm:constr type="h" for="des" forName="parTx" op="equ"/>
+          <dgm:constr type="h" for="des" forName="desTx" op="equ"/>
+        </dgm:constrLst>
+      </dgm:if>
+      <dgm:if name="Name5" axis="ch" ptType="node" func="cnt" op="lte" val="4">
+        <dgm:constrLst>
+          <dgm:constr type="h" for="ch" forName="compNode" refType="h" fact="0.3"/>
+          <dgm:constr type="w" for="ch" forName="compNode" refType="w"/>
+          <dgm:constr type="h" for="ch" forName="sibTrans" refType="h" refFor="ch" refForName="compNode" fact="0.25"/>
+          <dgm:constr type="primFontSz" for="des" forName="parTx" val="22"/>
+          <dgm:constr type="primFontSz" for="des" forName="desTx" refType="primFontSz" refFor="des" refForName="parTx" op="lte" fact="0.75"/>
+          <dgm:constr type="h" for="des" forName="compNode" op="equ"/>
+          <dgm:constr type="h" for="des" forName="bgRect" op="equ"/>
+          <dgm:constr type="h" for="des" forName="iconRect" op="equ"/>
+          <dgm:constr type="w" for="des" forName="iconRect" op="equ"/>
+          <dgm:constr type="h" for="des" forName="spaceRect" op="equ"/>
+          <dgm:constr type="h" for="des" forName="parTx" op="equ"/>
+          <dgm:constr type="h" for="des" forName="desTx" op="equ"/>
+        </dgm:constrLst>
+      </dgm:if>
+      <dgm:if name="Name6" axis="ch" ptType="node" func="cnt" op="lte" val="6">
+        <dgm:constrLst>
+          <dgm:constr type="h" for="ch" forName="compNode" refType="h" fact="0.3"/>
+          <dgm:constr type="w" for="ch" forName="compNode" refType="w"/>
+          <dgm:constr type="h" for="ch" forName="sibTrans" refType="h" refFor="ch" refForName="compNode" fact="0.25"/>
+          <dgm:constr type="primFontSz" for="des" forName="parTx" val="19"/>
+          <dgm:constr type="primFontSz" for="des" forName="desTx" refType="primFontSz" refFor="des" refForName="parTx" op="lte" fact="0.75"/>
+          <dgm:constr type="h" for="des" forName="compNode" op="equ"/>
+          <dgm:constr type="h" for="des" forName="bgRect" op="equ"/>
+          <dgm:constr type="h" for="des" forName="iconRect" op="equ"/>
+          <dgm:constr type="w" for="des" forName="iconRect" op="equ"/>
+          <dgm:constr type="h" for="des" forName="spaceRect" op="equ"/>
+          <dgm:constr type="h" for="des" forName="parTx" op="equ"/>
+          <dgm:constr type="h" for="des" forName="desTx" op="equ"/>
+        </dgm:constrLst>
+      </dgm:if>
+      <dgm:else name="Name7">
+        <dgm:constrLst>
+          <dgm:constr type="h" for="ch" forName="compNode" refType="h" fact="0.3"/>
+          <dgm:constr type="w" for="ch" forName="compNode" refType="w"/>
+          <dgm:constr type="h" for="ch" forName="sibTrans" refType="h" refFor="ch" refForName="compNode" fact="0.25"/>
+          <dgm:constr type="primFontSz" for="des" forName="parTx" val="16"/>
+          <dgm:constr type="primFontSz" for="des" forName="desTx" refType="primFontSz" refFor="des" refForName="parTx" op="lte" fact="0.75"/>
+          <dgm:constr type="h" for="des" forName="compNode" op="equ"/>
+          <dgm:constr type="h" for="des" forName="bgRect" op="equ"/>
+          <dgm:constr type="h" for="des" forName="iconRect" op="equ"/>
+          <dgm:constr type="w" for="des" forName="iconRect" op="equ"/>
+          <dgm:constr type="h" for="des" forName="spaceRect" op="equ"/>
+          <dgm:constr type="h" for="des" forName="parTx" op="equ"/>
+          <dgm:constr type="h" for="des" forName="desTx" op="equ"/>
+        </dgm:constrLst>
+      </dgm:else>
+    </dgm:choose>
+    <dgm:ruleLst>
+      <dgm:rule type="h" for="ch" forName="compNode" val="0" fact="NaN" max="NaN"/>
+    </dgm:ruleLst>
+    <dgm:forEach name="Name8" axis="ch" ptType="node">
+      <dgm:layoutNode name="compNode">
+        <dgm:alg type="composite"/>
+        <dgm:shape xmlns:r="http://schemas.openxmlformats.org/officeDocument/2006/relationships" r:blip="">
+          <dgm:adjLst/>
+        </dgm:shape>
+        <dgm:presOf axis="self"/>
+        <dgm:choose name="Name9">
+          <dgm:if name="Name10" axis="ch" ptType="node" func="cnt" op="gte" val="1">
+            <dgm:constrLst>
+              <dgm:constr type="w" for="ch" forName="bgRect" refType="w"/>
+              <dgm:constr type="h" for="ch" forName="bgRect" refType="h"/>
+              <dgm:constr type="l" for="ch" forName="bgRect"/>
+              <dgm:constr type="t" for="ch" forName="bgRect"/>
+              <dgm:constr type="h" for="ch" forName="iconRect" refType="h" fact="0.55"/>
+              <dgm:constr type="w" for="ch" forName="iconRect" refType="h" refFor="ch" refForName="iconRect"/>
+              <dgm:constr type="l" for="ch" forName="iconRect" refType="h" refFor="ch" refForName="iconRect" fact="0.55"/>
+              <dgm:constr type="ctrY" for="ch" forName="iconRect" refType="ctrY" refFor="ch" refForName="bgRect"/>
+              <dgm:constr type="w" for="ch" forName="spaceRect" refType="l" refFor="ch" refForName="iconRect"/>
+              <dgm:constr type="h" for="ch" forName="spaceRect" refType="h"/>
+              <dgm:constr type="l" for="ch" forName="spaceRect" refType="r" refFor="ch" refForName="iconRect"/>
+              <dgm:constr type="t" for="ch" forName="spaceRect"/>
+              <dgm:constr type="w" for="ch" forName="parTx" refType="w" fact="0.45"/>
+              <dgm:constr type="h" for="ch" forName="parTx" refType="h"/>
+              <dgm:constr type="l" for="ch" forName="parTx" refType="r" refFor="ch" refForName="spaceRect"/>
+              <dgm:constr type="t" for="ch" forName="parTx"/>
+              <dgm:constr type="h" for="ch" forName="desTx" refType="h"/>
+              <dgm:constr type="l" for="ch" forName="desTx" refType="r" refFor="ch" refForName="parTx"/>
+              <dgm:constr type="t" for="ch" forName="desTx"/>
+            </dgm:constrLst>
+          </dgm:if>
+          <dgm:else name="Name11">
+            <dgm:constrLst>
+              <dgm:constr type="w" for="ch" forName="bgRect" refType="w"/>
+              <dgm:constr type="h" for="ch" forName="bgRect" refType="h"/>
+              <dgm:constr type="l" for="ch" forName="bgRect"/>
+              <dgm:constr type="t" for="ch" forName="bgRect"/>
+              <dgm:constr type="h" for="ch" forName="iconRect" refType="h" fact="0.55"/>
+              <dgm:constr type="w" for="ch" forName="iconRect" refType="h" refFor="ch" refForName="iconRect"/>
+              <dgm:constr type="l" for="ch" forName="iconRect" refType="h" refFor="ch" refForName="iconRect" fact="0.55"/>
+              <dgm:constr type="ctrY" for="ch" forName="iconRect" refType="ctrY" refFor="ch" refForName="bgRect"/>
+              <dgm:constr type="w" for="ch" forName="spaceRect" refType="l" refFor="ch" refForName="iconRect"/>
+              <dgm:constr type="h" for="ch" forName="spaceRect" refType="h"/>
+              <dgm:constr type="l" for="ch" forName="spaceRect" refType="r" refFor="ch" refForName="iconRect"/>
+              <dgm:constr type="t" for="ch" forName="spaceRect"/>
+              <dgm:constr type="h" for="ch" forName="parTx" refType="h"/>
+              <dgm:constr type="l" for="ch" forName="parTx" refType="r" refFor="ch" refForName="spaceRect"/>
+              <dgm:constr type="t" for="ch" forName="parTx"/>
+            </dgm:constrLst>
+          </dgm:else>
+        </dgm:choose>
+        <dgm:ruleLst>
+          <dgm:rule type="h" val="INF" fact="NaN" max="NaN"/>
+        </dgm:ruleLst>
+        <dgm:layoutNode name="bgRect" styleLbl="bgShp">
+          <dgm:alg type="sp"/>
+          <dgm:shape xmlns:r="http://schemas.openxmlformats.org/officeDocument/2006/relationships" type="roundRect" r:blip="">
+            <dgm:adjLst>
+              <dgm:adj idx="1" val="0.1"/>
+            </dgm:adjLst>
+          </dgm:shape>
+          <dgm:presOf/>
+          <dgm:constrLst/>
+          <dgm:ruleLst/>
+        </dgm:layoutNode>
+        <dgm:layoutNode name="iconRect" styleLbl="node1">
+          <dgm:alg type="sp"/>
+          <dgm:shape xmlns:r="http://schemas.openxmlformats.org/officeDocument/2006/relationships" type="rect" r:blip="" blipPhldr="1">
+            <dgm:adjLst/>
+          </dgm:shape>
+          <dgm:presOf/>
+          <dgm:constrLst/>
+          <dgm:ruleLst/>
+        </dgm:layoutNode>
+        <dgm:layoutNode name="spaceRect">
+          <dgm:alg type="sp"/>
+          <dgm:shape xmlns:r="http://schemas.openxmlformats.org/officeDocument/2006/relationships" r:blip="">
+            <dgm:adjLst/>
+          </dgm:shape>
+          <dgm:presOf/>
+          <dgm:constrLst/>
+          <dgm:ruleLst/>
+        </dgm:layoutNode>
+        <dgm:layoutNode name="parTx" styleLbl="revTx">
+          <dgm:varLst>
+            <dgm:chMax val="0"/>
+            <dgm:chPref val="0"/>
+          </dgm:varLst>
+          <dgm:alg type="tx">
+            <dgm:param type="txAnchorVert" val="mid"/>
+            <dgm:param type="parTxLTRAlign" val="l"/>
+            <dgm:param type="shpTxLTRAlignCh" val="l"/>
+            <dgm:param type="parTxRTLAlign" val="r"/>
+            <dgm:param type="shpTxRTLAlignCh" val="r"/>
+          </dgm:alg>
+          <dgm:shape xmlns:r="http://schemas.openxmlformats.org/officeDocument/2006/relationships" type="rect" r:blip="">
+            <dgm:adjLst/>
+          </dgm:shape>
+          <dgm:presOf axis="self" ptType="node"/>
+          <dgm:constrLst>
+            <dgm:constr type="lMarg" refType="h" fact="0.3"/>
+            <dgm:constr type="rMarg" refType="h" fact="0.3"/>
+            <dgm:constr type="tMarg" refType="h" fact="0.3"/>
+            <dgm:constr type="bMarg" refType="h" fact="0.3"/>
+          </dgm:constrLst>
+          <dgm:ruleLst>
+            <dgm:rule type="primFontSz" val="14" fact="NaN" max="NaN"/>
+            <dgm:rule type="h" val="INF" fact="NaN" max="NaN"/>
+          </dgm:ruleLst>
+        </dgm:layoutNode>
+        <dgm:choose name="Name12">
+          <dgm:if name="Name13" axis="ch" ptType="node" func="cnt" op="gte" val="1">
+            <dgm:layoutNode name="desTx" styleLbl="revTx">
+              <dgm:varLst/>
+              <dgm:alg type="tx">
+                <dgm:param type="txAnchorVertCh" val="mid"/>
+                <dgm:param type="parTxLTRAlign" val="l"/>
+                <dgm:param type="shpTxLTRAlignCh" val="l"/>
+                <dgm:param type="parTxRTLAlign" val="r"/>
+                <dgm:param type="shpTxRTLAlignCh" val="r"/>
+                <dgm:param type="stBulletLvl" val="0"/>
+              </dgm:alg>
+              <dgm:shape xmlns:r="http://schemas.openxmlformats.org/officeDocument/2006/relationships" type="rect" r:blip="">
+                <dgm:adjLst/>
+              </dgm:shape>
+              <dgm:presOf axis="des" ptType="node"/>
+              <dgm:constrLst>
+                <dgm:constr type="primFontSz" val="18"/>
+                <dgm:constr type="secFontSz" refType="primFontSz"/>
+                <dgm:constr type="lMarg" refType="h" fact="0.3"/>
+                <dgm:constr type="rMarg" refType="h" fact="0.3"/>
+                <dgm:constr type="tMarg" refType="h" fact="0.3"/>
+                <dgm:constr type="bMarg" refType="h" fact="0.3"/>
+              </dgm:constrLst>
+              <dgm:ruleLst>
+                <dgm:rule type="primFontSz" val="11" fact="NaN" max="NaN"/>
+              </dgm:ruleLst>
+            </dgm:layoutNode>
+          </dgm:if>
+          <dgm:else name="Name14"/>
+        </dgm:choose>
+      </dgm:layoutNode>
+      <dgm:forEach name="Name15" axis="followSib" ptType="sibTrans" cnt="1">
+        <dgm:layoutNode name="sibTrans">
+          <dgm:alg type="sp"/>
+          <dgm:shape xmlns:r="http://schemas.openxmlformats.org/officeDocument/2006/relationships" r:blip="">
+            <dgm:adjLst/>
+          </dgm:shape>
+          <dgm:presOf axis="self"/>
+          <dgm:constrLst/>
+          <dgm:ruleLst/>
+        </dgm:layoutNode>
+      </dgm:forEach>
+    </dgm:forEach>
+  </dgm:layoutNode>
+  <dgm:extLst>
+    <a:ext uri="{68A01E43-0DF5-4B5B-8FA6-DAF915123BFB}">
+      <dgm1612:lstStyle xmlns:dgm1612="http://schemas.microsoft.com/office/drawing/2016/12/diagram">
+        <a:lvl1pPr>
+          <a:lnSpc>
+            <a:spcPct val="100000"/>
+          </a:lnSpc>
+        </a:lvl1pPr>
+        <a:lvl2pPr>
+          <a:lnSpc>
+            <a:spcPct val="100000"/>
+          </a:lnSpc>
+        </a:lvl2pPr>
+      </dgm1612:lstStyle>
+    </a:ext>
+  </dgm:extLst>
+</dgm:layoutDef>
+</file>
+
+<file path=ppt/diagrams/quickStyle1.xml><?xml version="1.0" encoding="utf-8"?>
+<dgm:styleDef xmlns:dgm="http://schemas.openxmlformats.org/drawingml/2006/diagram" xmlns:a="http://schemas.openxmlformats.org/drawingml/2006/main" uniqueId="urn:microsoft.com/office/officeart/2005/8/quickstyle/simple1">
+  <dgm:title val=""/>
+  <dgm:desc val=""/>
+  <dgm:catLst>
+    <dgm:cat type="simple" pri="10100"/>
+  </dgm:catLst>
+  <dgm:scene3d>
+    <a:camera prst="orthographicFront"/>
+    <a:lightRig rig="threePt" dir="t"/>
+  </dgm:scene3d>
+  <dgm:styleLbl name="node0">
+    <dgm:scene3d>
+      <a:camera prst="orthographicFront"/>
+      <a:lightRig rig="threePt" dir="t"/>
+    </dgm:scene3d>
+    <dgm:sp3d/>
+    <dgm:txPr/>
+    <dgm:style>
+      <a:lnRef idx="2">
+        <a:scrgbClr r="0" g="0" b="0"/>
+      </a:lnRef>
+      <a:fillRef idx="1">
+        <a:scrgbClr r="0" g="0" b="0"/>
+      </a:fillRef>
+      <a:effectRef idx="0">
+        <a:scrgbClr r="0" g="0" b="0"/>
+      </a:effectRef>
+      <a:fontRef idx="minor">
+        <a:schemeClr val="lt1"/>
+      </a:fontRef>
+    </dgm:style>
+  </dgm:styleLbl>
+  <dgm:styleLbl name="lnNode1">
+    <dgm:scene3d>
+      <a:camera prst="orthographicFront"/>
+      <a:lightRig rig="threePt" dir="t"/>
+    </dgm:scene3d>
+    <dgm:sp3d/>
+    <dgm:txPr/>
+    <dgm:style>
+      <a:lnRef idx="2">
+        <a:scrgbClr r="0" g="0" b="0"/>
+      </a:lnRef>
+      <a:fillRef idx="1">
+        <a:scrgbClr r="0" g="0" b="0"/>
+      </a:fillRef>
+      <a:effectRef idx="0">
+        <a:scrgbClr r="0" g="0" b="0"/>
+      </a:effectRef>
+      <a:fontRef idx="minor">
+        <a:schemeClr val="lt1"/>
+      </a:fontRef>
+    </dgm:style>
+  </dgm:styleLbl>
+  <dgm:styleLbl name="vennNode1">
+    <dgm:scene3d>
+      <a:camera prst="orthographicFront"/>
+      <a:lightRig rig="threePt" dir="t"/>
+    </dgm:scene3d>
+    <dgm:sp3d/>
+    <dgm:txPr/>
+    <dgm:style>
+      <a:lnRef idx="2">
+        <a:scrgbClr r="0" g="0" b="0"/>
+      </a:lnRef>
+      <a:fillRef idx="1">
+        <a:scrgbClr r="0" g="0" b="0"/>
+      </a:fillRef>
+      <a:effectRef idx="0">
+        <a:scrgbClr r="0" g="0" b="0"/>
+      </a:effectRef>
+      <a:fontRef idx="minor">
+        <a:schemeClr val="tx1"/>
+      </a:fontRef>
+    </dgm:style>
+  </dgm:styleLbl>
+  <dgm:styleLbl name="alignNode1">
+    <dgm:scene3d>
+      <a:camera prst="orthographicFront"/>
+      <a:lightRig rig="threePt" dir="t"/>
+    </dgm:scene3d>
+    <dgm:sp3d/>
+    <dgm:txPr/>
+    <dgm:style>
+      <a:lnRef idx="2">
+        <a:scrgbClr r="0" g="0" b="0"/>
+      </a:lnRef>
+      <a:fillRef idx="1">
+        <a:scrgbClr r="0" g="0" b="0"/>
+      </a:fillRef>
+      <a:effectRef idx="0">
+        <a:scrgbClr r="0" g="0" b="0"/>
+      </a:effectRef>
+      <a:fontRef idx="minor">
+        <a:schemeClr val="lt1"/>
+      </a:fontRef>
+    </dgm:style>
+  </dgm:styleLbl>
+  <dgm:styleLbl name="node1">
+    <dgm:scene3d>
+      <a:camera prst="orthographicFront"/>
+      <a:lightRig rig="threePt" dir="t"/>
+    </dgm:scene3d>
+    <dgm:sp3d/>
+    <dgm:txPr/>
+    <dgm:style>
+      <a:lnRef idx="2">
+        <a:scrgbClr r="0" g="0" b="0"/>
+      </a:lnRef>
+      <a:fillRef idx="1">
+        <a:scrgbClr r="0" g="0" b="0"/>
+      </a:fillRef>
+      <a:effectRef idx="0">
+        <a:scrgbClr r="0" g="0" b="0"/>
+      </a:effectRef>
+      <a:fontRef idx="minor">
+        <a:schemeClr val="lt1"/>
+      </a:fontRef>
+    </dgm:style>
+  </dgm:styleLbl>
+  <dgm:styleLbl name="node2">
+    <dgm:scene3d>
+      <a:camera prst="orthographicFront"/>
+      <a:lightRig rig="threePt" dir="t"/>
+    </dgm:scene3d>
+    <dgm:sp3d/>
+    <dgm:txPr/>
+    <dgm:style>
+      <a:lnRef idx="2">
+        <a:scrgbClr r="0" g="0" b="0"/>
+      </a:lnRef>
+      <a:fillRef idx="1">
+        <a:scrgbClr r="0" g="0" b="0"/>
+      </a:fillRef>
+      <a:effectRef idx="0">
+        <a:scrgbClr r="0" g="0" b="0"/>
+      </a:effectRef>
+      <a:fontRef idx="minor">
+        <a:schemeClr val="lt1"/>
+      </a:fontRef>
+    </dgm:style>
+  </dgm:styleLbl>
+  <dgm:styleLbl name="node3">
+    <dgm:scene3d>
+      <a:camera prst="orthographicFront"/>
+      <a:lightRig rig="threePt" dir="t"/>
+    </dgm:scene3d>
+    <dgm:sp3d/>
+    <dgm:txPr/>
+    <dgm:style>
+      <a:lnRef idx="2">
+        <a:scrgbClr r="0" g="0" b="0"/>
+      </a:lnRef>
+      <a:fillRef idx="1">
+        <a:scrgbClr r="0" g="0" b="0"/>
+      </a:fillRef>
+      <a:effectRef idx="0">
+        <a:scrgbClr r="0" g="0" b="0"/>
+      </a:effectRef>
+      <a:fontRef idx="minor">
+        <a:schemeClr val="lt1"/>
+      </a:fontRef>
+    </dgm:style>
+  </dgm:styleLbl>
+  <dgm:styleLbl name="node4">
+    <dgm:scene3d>
+      <a:camera prst="orthographicFront"/>
+      <a:lightRig rig="threePt" dir="t"/>
+    </dgm:scene3d>
+    <dgm:sp3d/>
+    <dgm:txPr/>
+    <dgm:style>
+      <a:lnRef idx="2">
+        <a:scrgbClr r="0" g="0" b="0"/>
+      </a:lnRef>
+      <a:fillRef idx="1">
+        <a:scrgbClr r="0" g="0" b="0"/>
+      </a:fillRef>
+      <a:effectRef idx="0">
+        <a:scrgbClr r="0" g="0" b="0"/>
+      </a:effectRef>
+      <a:fontRef idx="minor">
+        <a:schemeClr val="lt1"/>
+      </a:fontRef>
+    </dgm:style>
+  </dgm:styleLbl>
+  <dgm:styleLbl name="fgImgPlace1">
+    <dgm:scene3d>
+      <a:camera prst="orthographicFront"/>
+      <a:lightRig rig="threePt" dir="t"/>
+    </dgm:scene3d>
+    <dgm:sp3d/>
+    <dgm:txPr/>
+    <dgm:style>
+      <a:lnRef idx="2">
+        <a:scrgbClr r="0" g="0" b="0"/>
+      </a:lnRef>
+      <a:fillRef idx="1">
+        <a:scrgbClr r="0" g="0" b="0"/>
+      </a:fillRef>
+      <a:effectRef idx="0">
+        <a:scrgbClr r="0" g="0" b="0"/>
+      </a:effectRef>
+      <a:fontRef idx="minor"/>
+    </dgm:style>
+  </dgm:styleLbl>
+  <dgm:styleLbl name="alignImgPlace1">
+    <dgm:scene3d>
+      <a:camera prst="orthographicFront"/>
+      <a:lightRig rig="threePt" dir="t"/>
+    </dgm:scene3d>
+    <dgm:sp3d/>
+    <dgm:txPr/>
+    <dgm:style>
+      <a:lnRef idx="2">
+        <a:scrgbClr r="0" g="0" b="0"/>
+      </a:lnRef>
+      <a:fillRef idx="1">
+        <a:scrgbClr r="0" g="0" b="0"/>
+      </a:fillRef>
+      <a:effectRef idx="0">
+        <a:scrgbClr r="0" g="0" b="0"/>
+      </a:effectRef>
+      <a:fontRef idx="minor"/>
+    </dgm:style>
+  </dgm:styleLbl>
+  <dgm:styleLbl name="bgImgPlace1">
+    <dgm:scene3d>
+      <a:camera prst="orthographicFront"/>
+      <a:lightRig rig="threePt" dir="t"/>
+    </dgm:scene3d>
+    <dgm:sp3d/>
+    <dgm:txPr/>
+    <dgm:style>
+      <a:lnRef idx="2">
+        <a:scrgbClr r="0" g="0" b="0"/>
+      </a:lnRef>
+      <a:fillRef idx="1">
+        <a:scrgbClr r="0" g="0" b="0"/>
+      </a:fillRef>
+      <a:effectRef idx="0">
+        <a:scrgbClr r="0" g="0" b="0"/>
+      </a:effectRef>
+      <a:fontRef idx="minor"/>
+    </dgm:style>
+  </dgm:styleLbl>
+  <dgm:styleLbl name="sibTrans2D1">
+    <dgm:scene3d>
+      <a:camera prst="orthographicFront"/>
+      <a:lightRig rig="threePt" dir="t"/>
+    </dgm:scene3d>
+    <dgm:sp3d/>
+    <dgm:txPr/>
+    <dgm:style>
+      <a:lnRef idx="0">
+        <a:scrgbClr r="0" g="0" b="0"/>
+      </a:lnRef>
+      <a:fillRef idx="1">
+        <a:scrgbClr r="0" g="0" b="0"/>
+      </a:fillRef>
+      <a:effectRef idx="0">
+        <a:scrgbClr r="0" g="0" b="0"/>
+      </a:effectRef>
+      <a:fontRef idx="minor">
+        <a:schemeClr val="lt1"/>
+      </a:fontRef>
+    </dgm:style>
+  </dgm:styleLbl>
+  <dgm:styleLbl name="fgSibTrans2D1">
+    <dgm:scene3d>
+      <a:camera prst="orthographicFront"/>
+      <a:lightRig rig="threePt" dir="t"/>
+    </dgm:scene3d>
+    <dgm:sp3d/>
+    <dgm:txPr/>
+    <dgm:style>
+      <a:lnRef idx="0">
+        <a:scrgbClr r="0" g="0" b="0"/>
+      </a:lnRef>
+      <a:fillRef idx="1">
+        <a:scrgbClr r="0" g="0" b="0"/>
+      </a:fillRef>
+      <a:effectRef idx="0">
+        <a:scrgbClr r="0" g="0" b="0"/>
+      </a:effectRef>
+      <a:fontRef idx="minor">
+        <a:schemeClr val="lt1"/>
+      </a:fontRef>
+    </dgm:style>
+  </dgm:styleLbl>
+  <dgm:styleLbl name="bgSibTrans2D1">
+    <dgm:scene3d>
+      <a:camera prst="orthographicFront"/>
+      <a:lightRig rig="threePt" dir="t"/>
+    </dgm:scene3d>
+    <dgm:sp3d/>
+    <dgm:txPr/>
+    <dgm:style>
+      <a:lnRef idx="0">
+        <a:scrgbClr r="0" g="0" b="0"/>
+      </a:lnRef>
+      <a:fillRef idx="1">
+        <a:scrgbClr r="0" g="0" b="0"/>
+      </a:fillRef>
+      <a:effectRef idx="0">
+        <a:scrgbClr r="0" g="0" b="0"/>
+      </a:effectRef>
+      <a:fontRef idx="minor">
+        <a:schemeClr val="lt1"/>
+      </a:fontRef>
+    </dgm:style>
+  </dgm:styleLbl>
+  <dgm:styleLbl name="sibTrans1D1">
+    <dgm:scene3d>
+      <a:camera prst="orthographicFront"/>
+      <a:lightRig rig="threePt" dir="t"/>
+    </dgm:scene3d>
+    <dgm:sp3d/>
+    <dgm:txPr/>
+    <dgm:style>
+      <a:lnRef idx="1">
+        <a:scrgbClr r="0" g="0" b="0"/>
+      </a:lnRef>
+      <a:fillRef idx="0">
+        <a:scrgbClr r="0" g="0" b="0"/>
+      </a:fillRef>
+      <a:effectRef idx="0">
+        <a:scrgbClr r="0" g="0" b="0"/>
+      </a:effectRef>
+      <a:fontRef idx="minor"/>
+    </dgm:style>
+  </dgm:styleLbl>
+  <dgm:styleLbl name="callout">
+    <dgm:scene3d>
+      <a:camera prst="orthographicFront"/>
+      <a:lightRig rig="threePt" dir="t"/>
+    </dgm:scene3d>
+    <dgm:sp3d/>
+    <dgm:txPr/>
+    <dgm:style>
+      <a:lnRef idx="2">
+        <a:scrgbClr r="0" g="0" b="0"/>
+      </a:lnRef>
+      <a:fillRef idx="1">
+        <a:scrgbClr r="0" g="0" b="0"/>
+      </a:fillRef>
+      <a:effectRef idx="0">
+        <a:scrgbClr r="0" g="0" b="0"/>
+      </a:effectRef>
+      <a:fontRef idx="minor"/>
+    </dgm:style>
+  </dgm:styleLbl>
+  <dgm:styleLbl name="asst0">
+    <dgm:scene3d>
+      <a:camera prst="orthographicFront"/>
+      <a:lightRig rig="threePt" dir="t"/>
+    </dgm:scene3d>
+    <dgm:sp3d/>
+    <dgm:txPr/>
+    <dgm:style>
+      <a:lnRef idx="2">
+        <a:scrgbClr r="0" g="0" b="0"/>
+      </a:lnRef>
+      <a:fillRef idx="1">
+        <a:scrgbClr r="0" g="0" b="0"/>
+      </a:fillRef>
+      <a:effectRef idx="0">
+        <a:scrgbClr r="0" g="0" b="0"/>
+      </a:effectRef>
+      <a:fontRef idx="minor">
+        <a:schemeClr val="lt1"/>
+      </a:fontRef>
+    </dgm:style>
+  </dgm:styleLbl>
+  <dgm:styleLbl name="asst1">
+    <dgm:scene3d>
+      <a:camera prst="orthographicFront"/>
+      <a:lightRig rig="threePt" dir="t"/>
+    </dgm:scene3d>
+    <dgm:sp3d/>
+    <dgm:txPr/>
+    <dgm:style>
+      <a:lnRef idx="2">
+        <a:scrgbClr r="0" g="0" b="0"/>
+      </a:lnRef>
+      <a:fillRef idx="1">
+        <a:scrgbClr r="0" g="0" b="0"/>
+      </a:fillRef>
+      <a:effectRef idx="0">
+        <a:scrgbClr r="0" g="0" b="0"/>
+      </a:effectRef>
+      <a:fontRef idx="minor">
+        <a:schemeClr val="lt1"/>
+      </a:fontRef>
+    </dgm:style>
+  </dgm:styleLbl>
+  <dgm:styleLbl name="asst2">
+    <dgm:scene3d>
+      <a:camera prst="orthographicFront"/>
+      <a:lightRig rig="threePt" dir="t"/>
+    </dgm:scene3d>
+    <dgm:sp3d/>
+    <dgm:txPr/>
+    <dgm:style>
+      <a:lnRef idx="2">
+        <a:scrgbClr r="0" g="0" b="0"/>
+      </a:lnRef>
+      <a:fillRef idx="1">
+        <a:scrgbClr r="0" g="0" b="0"/>
+      </a:fillRef>
+      <a:effectRef idx="0">
+        <a:scrgbClr r="0" g="0" b="0"/>
+      </a:effectRef>
+      <a:fontRef idx="minor">
+        <a:schemeClr val="lt1"/>
+      </a:fontRef>
+    </dgm:style>
+  </dgm:styleLbl>
+  <dgm:styleLbl name="asst3">
+    <dgm:scene3d>
+      <a:camera prst="orthographicFront"/>
+      <a:lightRig rig="threePt" dir="t"/>
+    </dgm:scene3d>
+    <dgm:sp3d/>
+    <dgm:txPr/>
+    <dgm:style>
+      <a:lnRef idx="2">
+        <a:scrgbClr r="0" g="0" b="0"/>
+      </a:lnRef>
+      <a:fillRef idx="1">
+        <a:scrgbClr r="0" g="0" b="0"/>
+      </a:fillRef>
+      <a:effectRef idx="0">
+        <a:scrgbClr r="0" g="0" b="0"/>
+      </a:effectRef>
+      <a:fontRef idx="minor">
+        <a:schemeClr val="lt1"/>
+      </a:fontRef>
+    </dgm:style>
+  </dgm:styleLbl>
+  <dgm:styleLbl name="asst4">
+    <dgm:scene3d>
+      <a:camera prst="orthographicFront"/>
+      <a:lightRig rig="threePt" dir="t"/>
+    </dgm:scene3d>
+    <dgm:sp3d/>
+    <dgm:txPr/>
+    <dgm:style>
+      <a:lnRef idx="2">
+        <a:scrgbClr r="0" g="0" b="0"/>
+      </a:lnRef>
+      <a:fillRef idx="1">
+        <a:scrgbClr r="0" g="0" b="0"/>
+      </a:fillRef>
+      <a:effectRef idx="0">
+        <a:scrgbClr r="0" g="0" b="0"/>
+      </a:effectRef>
+      <a:fontRef idx="minor">
+        <a:schemeClr val="lt1"/>
+      </a:fontRef>
+    </dgm:style>
+  </dgm:styleLbl>
+  <dgm:styleLbl name="parChTrans2D1">
+    <dgm:scene3d>
+      <a:camera prst="orthographicFront"/>
+      <a:lightRig rig="threePt" dir="t"/>
+    </dgm:scene3d>
+    <dgm:sp3d/>
+    <dgm:txPr/>
+    <dgm:style>
+      <a:lnRef idx="2">
+        <a:scrgbClr r="0" g="0" b="0"/>
+      </a:lnRef>
+      <a:fillRef idx="1">
+        <a:scrgbClr r="0" g="0" b="0"/>
+      </a:fillRef>
+      <a:effectRef idx="0">
+        <a:scrgbClr r="0" g="0" b="0"/>
+      </a:effectRef>
+      <a:fontRef idx="minor">
+        <a:schemeClr val="lt1"/>
+      </a:fontRef>
+    </dgm:style>
+  </dgm:styleLbl>
+  <dgm:styleLbl name="parChTrans2D2">
+    <dgm:scene3d>
+      <a:camera prst="orthographicFront"/>
+      <a:lightRig rig="threePt" dir="t"/>
+    </dgm:scene3d>
+    <dgm:sp3d/>
+    <dgm:txPr/>
+    <dgm:style>
+      <a:lnRef idx="2">
+        <a:scrgbClr r="0" g="0" b="0"/>
+      </a:lnRef>
+      <a:fillRef idx="1">
+        <a:scrgbClr r="0" g="0" b="0"/>
+      </a:fillRef>
+      <a:effectRef idx="0">
+        <a:scrgbClr r="0" g="0" b="0"/>
+      </a:effectRef>
+      <a:fontRef idx="minor">
+        <a:schemeClr val="lt1"/>
+      </a:fontRef>
+    </dgm:style>
+  </dgm:styleLbl>
+  <dgm:styleLbl name="parChTrans2D3">
+    <dgm:scene3d>
+      <a:camera prst="orthographicFront"/>
+      <a:lightRig rig="threePt" dir="t"/>
+    </dgm:scene3d>
+    <dgm:sp3d/>
+    <dgm:txPr/>
+    <dgm:style>
+      <a:lnRef idx="2">
+        <a:scrgbClr r="0" g="0" b="0"/>
+      </a:lnRef>
+      <a:fillRef idx="1">
+        <a:scrgbClr r="0" g="0" b="0"/>
+      </a:fillRef>
+      <a:effectRef idx="0">
+        <a:scrgbClr r="0" g="0" b="0"/>
+      </a:effectRef>
+      <a:fontRef idx="minor">
+        <a:schemeClr val="lt1"/>
+      </a:fontRef>
+    </dgm:style>
+  </dgm:styleLbl>
+  <dgm:styleLbl name="parChTrans2D4">
+    <dgm:scene3d>
+      <a:camera prst="orthographicFront"/>
+      <a:lightRig rig="threePt" dir="t"/>
+    </dgm:scene3d>
+    <dgm:sp3d/>
+    <dgm:txPr/>
+    <dgm:style>
+      <a:lnRef idx="2">
+        <a:scrgbClr r="0" g="0" b="0"/>
+      </a:lnRef>
+      <a:fillRef idx="1">
+        <a:scrgbClr r="0" g="0" b="0"/>
+      </a:fillRef>
+      <a:effectRef idx="0">
+        <a:scrgbClr r="0" g="0" b="0"/>
+      </a:effectRef>
+      <a:fontRef idx="minor">
+        <a:schemeClr val="lt1"/>
+      </a:fontRef>
+    </dgm:style>
+  </dgm:styleLbl>
+  <dgm:styleLbl name="parChTrans1D1">
+    <dgm:scene3d>
+      <a:camera prst="orthographicFront"/>
+      <a:lightRig rig="threePt" dir="t"/>
+    </dgm:scene3d>
+    <dgm:sp3d/>
+    <dgm:txPr/>
+    <dgm:style>
+      <a:lnRef idx="2">
+        <a:scrgbClr r="0" g="0" b="0"/>
+      </a:lnRef>
+      <a:fillRef idx="0">
+        <a:scrgbClr r="0" g="0" b="0"/>
+      </a:fillRef>
+      <a:effectRef idx="0">
+        <a:scrgbClr r="0" g="0" b="0"/>
+      </a:effectRef>
+      <a:fontRef idx="minor"/>
+    </dgm:style>
+  </dgm:styleLbl>
+  <dgm:styleLbl name="parChTrans1D2">
+    <dgm:scene3d>
+      <a:camera prst="orthographicFront"/>
+      <a:lightRig rig="threePt" dir="t"/>
+    </dgm:scene3d>
+    <dgm:sp3d/>
+    <dgm:txPr/>
+    <dgm:style>
+      <a:lnRef idx="2">
+        <a:scrgbClr r="0" g="0" b="0"/>
+      </a:lnRef>
+      <a:fillRef idx="0">
+        <a:scrgbClr r="0" g="0" b="0"/>
+      </a:fillRef>
+      <a:effectRef idx="0">
+        <a:scrgbClr r="0" g="0" b="0"/>
+      </a:effectRef>
+      <a:fontRef idx="minor"/>
+    </dgm:style>
+  </dgm:styleLbl>
+  <dgm:styleLbl name="parChTrans1D3">
+    <dgm:scene3d>
+      <a:camera prst="orthographicFront"/>
+      <a:lightRig rig="threePt" dir="t"/>
+    </dgm:scene3d>
+    <dgm:sp3d/>
+    <dgm:txPr/>
+    <dgm:style>
+      <a:lnRef idx="2">
+        <a:scrgbClr r="0" g="0" b="0"/>
+      </a:lnRef>
+      <a:fillRef idx="0">
+        <a:scrgbClr r="0" g="0" b="0"/>
+      </a:fillRef>
+      <a:effectRef idx="0">
+        <a:scrgbClr r="0" g="0" b="0"/>
+      </a:effectRef>
+      <a:fontRef idx="minor"/>
+    </dgm:style>
+  </dgm:styleLbl>
+  <dgm:styleLbl name="parChTrans1D4">
+    <dgm:scene3d>
+      <a:camera prst="orthographicFront"/>
+      <a:lightRig rig="threePt" dir="t"/>
+    </dgm:scene3d>
+    <dgm:sp3d/>
+    <dgm:txPr/>
+    <dgm:style>
+      <a:lnRef idx="2">
+        <a:scrgbClr r="0" g="0" b="0"/>
+      </a:lnRef>
+      <a:fillRef idx="0">
+        <a:scrgbClr r="0" g="0" b="0"/>
+      </a:fillRef>
+      <a:effectRef idx="0">
+        <a:scrgbClr r="0" g="0" b="0"/>
+      </a:effectRef>
+      <a:fontRef idx="minor"/>
+    </dgm:style>
+  </dgm:styleLbl>
+  <dgm:styleLbl name="fgAcc1">
+    <dgm:scene3d>
+      <a:camera prst="orthographicFront"/>
+      <a:lightRig rig="threePt" dir="t"/>
+    </dgm:scene3d>
+    <dgm:sp3d/>
+    <dgm:txPr/>
+    <dgm:style>
+      <a:lnRef idx="2">
+        <a:scrgbClr r="0" g="0" b="0"/>
+      </a:lnRef>
+      <a:fillRef idx="1">
+        <a:scrgbClr r="0" g="0" b="0"/>
+      </a:fillRef>
+      <a:effectRef idx="0">
+        <a:scrgbClr r="0" g="0" b="0"/>
+      </a:effectRef>
+      <a:fontRef idx="minor"/>
+    </dgm:style>
+  </dgm:styleLbl>
+  <dgm:styleLbl name="conFgAcc1">
+    <dgm:scene3d>
+      <a:camera prst="orthographicFront"/>
+      <a:lightRig rig="threePt" dir="t"/>
+    </dgm:scene3d>
+    <dgm:sp3d/>
+    <dgm:txPr/>
+    <dgm:style>
+      <a:lnRef idx="2">
+        <a:scrgbClr r="0" g="0" b="0"/>
+      </a:lnRef>
+      <a:fillRef idx="1">
+        <a:scrgbClr r="0" g="0" b="0"/>
+      </a:fillRef>
+      <a:effectRef idx="0">
+        <a:scrgbClr r="0" g="0" b="0"/>
+      </a:effectRef>
+      <a:fontRef idx="minor"/>
+    </dgm:style>
+  </dgm:styleLbl>
+  <dgm:styleLbl name="alignAcc1">
+    <dgm:scene3d>
+      <a:camera prst="orthographicFront"/>
+      <a:lightRig rig="threePt" dir="t"/>
+    </dgm:scene3d>
+    <dgm:sp3d/>
+    <dgm:txPr/>
+    <dgm:style>
+      <a:lnRef idx="2">
+        <a:scrgbClr r="0" g="0" b="0"/>
+      </a:lnRef>
+      <a:fillRef idx="1">
+        <a:scrgbClr r="0" g="0" b="0"/>
+      </a:fillRef>
+      <a:effectRef idx="0">
+        <a:scrgbClr r="0" g="0" b="0"/>
+      </a:effectRef>
+      <a:fontRef idx="minor"/>
+    </dgm:style>
+  </dgm:styleLbl>
+  <dgm:styleLbl name="trAlignAcc1">
+    <dgm:scene3d>
+      <a:camera prst="orthographicFront"/>
+      <a:lightRig rig="threePt" dir="t"/>
+    </dgm:scene3d>
+    <dgm:sp3d/>
+    <dgm:txPr/>
+    <dgm:style>
+      <a:lnRef idx="1">
+        <a:scrgbClr r="0" g="0" b="0"/>
+      </a:lnRef>
+      <a:fillRef idx="1">
+        <a:scrgbClr r="0" g="0" b="0"/>
+      </a:fillRef>
+      <a:effectRef idx="0">
+        <a:scrgbClr r="0" g="0" b="0"/>
+      </a:effectRef>
+      <a:fontRef idx="minor"/>
+    </dgm:style>
+  </dgm:styleLbl>
+  <dgm:styleLbl name="bgAcc1">
+    <dgm:scene3d>
+      <a:camera prst="orthographicFront"/>
+      <a:lightRig rig="threePt" dir="t"/>
+    </dgm:scene3d>
+    <dgm:sp3d/>
+    <dgm:txPr/>
+    <dgm:style>
+      <a:lnRef idx="2">
+        <a:scrgbClr r="0" g="0" b="0"/>
+      </a:lnRef>
+      <a:fillRef idx="1">
+        <a:scrgbClr r="0" g="0" b="0"/>
+      </a:fillRef>
+      <a:effectRef idx="0">
+        <a:scrgbClr r="0" g="0" b="0"/>
+      </a:effectRef>
+      <a:fontRef idx="minor"/>
+    </dgm:style>
+  </dgm:styleLbl>
+  <dgm:styleLbl name="solidFgAcc1">
+    <dgm:scene3d>
+      <a:camera prst="orthographicFront"/>
+      <a:lightRig rig="threePt" dir="t"/>
+    </dgm:scene3d>
+    <dgm:sp3d/>
+    <dgm:txPr/>
+    <dgm:style>
+      <a:lnRef idx="2">
+        <a:scrgbClr r="0" g="0" b="0"/>
+      </a:lnRef>
+      <a:fillRef idx="1">
+        <a:scrgbClr r="0" g="0" b="0"/>
+      </a:fillRef>
+      <a:effectRef idx="0">
+        <a:scrgbClr r="0" g="0" b="0"/>
+      </a:effectRef>
+      <a:fontRef idx="minor"/>
+    </dgm:style>
+  </dgm:styleLbl>
+  <dgm:styleLbl name="solidAlignAcc1">
+    <dgm:scene3d>
+      <a:camera prst="orthographicFront"/>
+      <a:lightRig rig="threePt" dir="t"/>
+    </dgm:scene3d>
+    <dgm:sp3d/>
+    <dgm:txPr/>
+    <dgm:style>
+      <a:lnRef idx="2">
+        <a:scrgbClr r="0" g="0" b="0"/>
+      </a:lnRef>
+      <a:fillRef idx="1">
+        <a:scrgbClr r="0" g="0" b="0"/>
+      </a:fillRef>
+      <a:effectRef idx="0">
+        <a:scrgbClr r="0" g="0" b="0"/>
+      </a:effectRef>
+      <a:fontRef idx="minor"/>
+    </dgm:style>
+  </dgm:styleLbl>
+  <dgm:styleLbl name="solidBgAcc1">
+    <dgm:scene3d>
+      <a:camera prst="orthographicFront"/>
+      <a:lightRig rig="threePt" dir="t"/>
+    </dgm:scene3d>
+    <dgm:sp3d/>
+    <dgm:txPr/>
+    <dgm:style>
+      <a:lnRef idx="2">
+        <a:scrgbClr r="0" g="0" b="0"/>
+      </a:lnRef>
+      <a:fillRef idx="1">
+        <a:scrgbClr r="0" g="0" b="0"/>
+      </a:fillRef>
+      <a:effectRef idx="0">
+        <a:scrgbClr r="0" g="0" b="0"/>
+      </a:effectRef>
+      <a:fontRef idx="minor"/>
+    </dgm:style>
+  </dgm:styleLbl>
+  <dgm:styleLbl name="fgAccFollowNode1">
+    <dgm:scene3d>
+      <a:camera prst="orthographicFront"/>
+      <a:lightRig rig="threePt" dir="t"/>
+    </dgm:scene3d>
+    <dgm:sp3d/>
+    <dgm:txPr/>
+    <dgm:style>
+      <a:lnRef idx="2">
+        <a:scrgbClr r="0" g="0" b="0"/>
+      </a:lnRef>
+      <a:fillRef idx="1">
+        <a:scrgbClr r="0" g="0" b="0"/>
+      </a:fillRef>
+      <a:effectRef idx="0">
+        <a:scrgbClr r="0" g="0" b="0"/>
+      </a:effectRef>
+      <a:fontRef idx="minor"/>
+    </dgm:style>
+  </dgm:styleLbl>
+  <dgm:styleLbl name="alignAccFollowNode1">
+    <dgm:scene3d>
+      <a:camera prst="orthographicFront"/>
+      <a:lightRig rig="threePt" dir="t"/>
+    </dgm:scene3d>
+    <dgm:sp3d/>
+    <dgm:txPr/>
+    <dgm:style>
+      <a:lnRef idx="2">
+        <a:scrgbClr r="0" g="0" b="0"/>
+      </a:lnRef>
+      <a:fillRef idx="1">
+        <a:scrgbClr r="0" g="0" b="0"/>
+      </a:fillRef>
+      <a:effectRef idx="0">
+        <a:scrgbClr r="0" g="0" b="0"/>
+      </a:effectRef>
+      <a:fontRef idx="minor"/>
+    </dgm:style>
+  </dgm:styleLbl>
+  <dgm:styleLbl name="bgAccFollowNode1">
+    <dgm:scene3d>
+      <a:camera prst="orthographicFront"/>
+      <a:lightRig rig="threePt" dir="t"/>
+    </dgm:scene3d>
+    <dgm:sp3d/>
+    <dgm:txPr/>
+    <dgm:style>
+      <a:lnRef idx="2">
+        <a:scrgbClr r="0" g="0" b="0"/>
+      </a:lnRef>
+      <a:fillRef idx="1">
+        <a:scrgbClr r="0" g="0" b="0"/>
+      </a:fillRef>
+      <a:effectRef idx="0">
+        <a:scrgbClr r="0" g="0" b="0"/>
+      </a:effectRef>
+      <a:fontRef idx="minor"/>
+    </dgm:style>
+  </dgm:styleLbl>
+  <dgm:styleLbl name="fgAcc0">
+    <dgm:scene3d>
+      <a:camera prst="orthographicFront"/>
+      <a:lightRig rig="threePt" dir="t"/>
+    </dgm:scene3d>
+    <dgm:sp3d/>
+    <dgm:txPr/>
+    <dgm:style>
+      <a:lnRef idx="2">
+        <a:scrgbClr r="0" g="0" b="0"/>
+      </a:lnRef>
+      <a:fillRef idx="1">
+        <a:scrgbClr r="0" g="0" b="0"/>
+      </a:fillRef>
+      <a:effectRef idx="0">
+        <a:scrgbClr r="0" g="0" b="0"/>
+      </a:effectRef>
+      <a:fontRef idx="minor"/>
+    </dgm:style>
+  </dgm:styleLbl>
+  <dgm:styleLbl name="fgAcc2">
+    <dgm:scene3d>
+      <a:camera prst="orthographicFront"/>
+      <a:lightRig rig="threePt" dir="t"/>
+    </dgm:scene3d>
+    <dgm:sp3d/>
+    <dgm:txPr/>
+    <dgm:style>
+      <a:lnRef idx="2">
+        <a:scrgbClr r="0" g="0" b="0"/>
+      </a:lnRef>
+      <a:fillRef idx="1">
+        <a:scrgbClr r="0" g="0" b="0"/>
+      </a:fillRef>
+      <a:effectRef idx="0">
+        <a:scrgbClr r="0" g="0" b="0"/>
+      </a:effectRef>
+      <a:fontRef idx="minor"/>
+    </dgm:style>
+  </dgm:styleLbl>
+  <dgm:styleLbl name="fgAcc3">
+    <dgm:scene3d>
+      <a:camera prst="orthographicFront"/>
+      <a:lightRig rig="threePt" dir="t"/>
+    </dgm:scene3d>
+    <dgm:sp3d/>
+    <dgm:txPr/>
+    <dgm:style>
+      <a:lnRef idx="2">
+        <a:scrgbClr r="0" g="0" b="0"/>
+      </a:lnRef>
+      <a:fillRef idx="1">
+        <a:scrgbClr r="0" g="0" b="0"/>
+      </a:fillRef>
+      <a:effectRef idx="0">
+        <a:scrgbClr r="0" g="0" b="0"/>
+      </a:effectRef>
+      <a:fontRef idx="minor"/>
+    </dgm:style>
+  </dgm:styleLbl>
+  <dgm:styleLbl name="fgAcc4">
+    <dgm:scene3d>
+      <a:camera prst="orthographicFront"/>
+      <a:lightRig rig="threePt" dir="t"/>
+    </dgm:scene3d>
+    <dgm:sp3d/>
+    <dgm:txPr/>
+    <dgm:style>
+      <a:lnRef idx="2">
+        <a:scrgbClr r="0" g="0" b="0"/>
+      </a:lnRef>
+      <a:fillRef idx="1">
+        <a:scrgbClr r="0" g="0" b="0"/>
+      </a:fillRef>
+      <a:effectRef idx="0">
+        <a:scrgbClr r="0" g="0" b="0"/>
+      </a:effectRef>
+      <a:fontRef idx="minor"/>
+    </dgm:style>
+  </dgm:styleLbl>
+  <dgm:styleLbl name="bgShp">
+    <dgm:scene3d>
+      <a:camera prst="orthographicFront"/>
+      <a:lightRig rig="threePt" dir="t"/>
+    </dgm:scene3d>
+    <dgm:sp3d/>
+    <dgm:txPr/>
+    <dgm:style>
+      <a:lnRef idx="0">
+        <a:scrgbClr r="0" g="0" b="0"/>
+      </a:lnRef>
+      <a:fillRef idx="1">
+        <a:scrgbClr r="0" g="0" b="0"/>
+      </a:fillRef>
+      <a:effectRef idx="0">
+        <a:scrgbClr r="0" g="0" b="0"/>
+      </a:effectRef>
+      <a:fontRef idx="minor"/>
+    </dgm:style>
+  </dgm:styleLbl>
+  <dgm:styleLbl name="dkBgShp">
+    <dgm:scene3d>
+      <a:camera prst="orthographicFront"/>
+      <a:lightRig rig="threePt" dir="t"/>
+    </dgm:scene3d>
+    <dgm:sp3d/>
+    <dgm:txPr/>
+    <dgm:style>
+      <a:lnRef idx="0">
+        <a:scrgbClr r="0" g="0" b="0"/>
+      </a:lnRef>
+      <a:fillRef idx="1">
+        <a:scrgbClr r="0" g="0" b="0"/>
+      </a:fillRef>
+      <a:effectRef idx="0">
+        <a:scrgbClr r="0" g="0" b="0"/>
+      </a:effectRef>
+      <a:fontRef idx="minor"/>
+    </dgm:style>
+  </dgm:styleLbl>
+  <dgm:styleLbl name="trBgShp">
+    <dgm:scene3d>
+      <a:camera prst="orthographicFront"/>
+      <a:lightRig rig="threePt" dir="t"/>
+    </dgm:scene3d>
+    <dgm:sp3d/>
+    <dgm:txPr/>
+    <dgm:style>
+      <a:lnRef idx="0">
+        <a:scrgbClr r="0" g="0" b="0"/>
+      </a:lnRef>
+      <a:fillRef idx="1">
+        <a:scrgbClr r="0" g="0" b="0"/>
+      </a:fillRef>
+      <a:effectRef idx="0">
+        <a:scrgbClr r="0" g="0" b="0"/>
+      </a:effectRef>
+      <a:fontRef idx="minor"/>
+    </dgm:style>
+  </dgm:styleLbl>
+  <dgm:styleLbl name="fgShp">
+    <dgm:scene3d>
+      <a:camera prst="orthographicFront"/>
+      <a:lightRig rig="threePt" dir="t"/>
+    </dgm:scene3d>
+    <dgm:sp3d/>
+    <dgm:txPr/>
+    <dgm:style>
+      <a:lnRef idx="2">
+        <a:scrgbClr r="0" g="0" b="0"/>
+      </a:lnRef>
+      <a:fillRef idx="1">
+        <a:scrgbClr r="0" g="0" b="0"/>
+      </a:fillRef>
+      <a:effectRef idx="0">
+        <a:scrgbClr r="0" g="0" b="0"/>
+      </a:effectRef>
+      <a:fontRef idx="minor"/>
+    </dgm:style>
+  </dgm:styleLbl>
+  <dgm:styleLbl name="revTx">
+    <dgm:scene3d>
+      <a:camera prst="orthographicFront"/>
+      <a:lightRig rig="threePt" dir="t"/>
+    </dgm:scene3d>
+    <dgm:sp3d/>
+    <dgm:txPr/>
+    <dgm:style>
+      <a:lnRef idx="0">
+        <a:scrgbClr r="0" g="0" b="0"/>
+      </a:lnRef>
+      <a:fillRef idx="0">
+        <a:scrgbClr r="0" g="0" b="0"/>
+      </a:fillRef>
+      <a:effectRef idx="0">
+        <a:scrgbClr r="0" g="0" b="0"/>
+      </a:effectRef>
+      <a:fontRef idx="minor"/>
+    </dgm:style>
+  </dgm:styleLbl>
+</dgm:styleDef>
+</file>
+
+<file path=ppt/diagrams/quickStyle2.xml><?xml version="1.0" encoding="utf-8"?>
+<dgm:styleDef xmlns:dgm="http://schemas.openxmlformats.org/drawingml/2006/diagram" xmlns:a="http://schemas.openxmlformats.org/drawingml/2006/main" uniqueId="urn:microsoft.com/office/officeart/2005/8/quickstyle/simple4">
+  <dgm:title val=""/>
+  <dgm:desc val=""/>
+  <dgm:catLst>
+    <dgm:cat type="simple" pri="10400"/>
+  </dgm:catLst>
+  <dgm:scene3d>
+    <a:camera prst="orthographicFront"/>
+    <a:lightRig rig="threePt" dir="t"/>
+  </dgm:scene3d>
+  <dgm:styleLbl name="node0">
+    <dgm:scene3d>
+      <a:camera prst="orthographicFront"/>
+      <a:lightRig rig="threePt" dir="t"/>
+    </dgm:scene3d>
+    <dgm:sp3d/>
+    <dgm:txPr/>
+    <dgm:style>
+      <a:lnRef idx="0">
+        <a:scrgbClr r="0" g="0" b="0"/>
+      </a:lnRef>
+      <a:fillRef idx="3">
+        <a:scrgbClr r="0" g="0" b="0"/>
+      </a:fillRef>
+      <a:effectRef idx="2">
+        <a:scrgbClr r="0" g="0" b="0"/>
+      </a:effectRef>
+      <a:fontRef idx="minor">
+        <a:schemeClr val="lt1"/>
+      </a:fontRef>
+    </dgm:style>
+  </dgm:styleLbl>
+  <dgm:styleLbl name="lnNode1">
+    <dgm:scene3d>
+      <a:camera prst="orthographicFront"/>
+      <a:lightRig rig="threePt" dir="t"/>
+    </dgm:scene3d>
+    <dgm:sp3d/>
+    <dgm:txPr/>
+    <dgm:style>
+      <a:lnRef idx="1">
+        <a:scrgbClr r="0" g="0" b="0"/>
+      </a:lnRef>
+      <a:fillRef idx="3">
+        <a:scrgbClr r="0" g="0" b="0"/>
+      </a:fillRef>
+      <a:effectRef idx="2">
+        <a:scrgbClr r="0" g="0" b="0"/>
+      </a:effectRef>
+      <a:fontRef idx="minor">
+        <a:schemeClr val="lt1"/>
+      </a:fontRef>
+    </dgm:style>
+  </dgm:styleLbl>
+  <dgm:styleLbl name="vennNode1">
+    <dgm:scene3d>
+      <a:camera prst="orthographicFront"/>
+      <a:lightRig rig="threePt" dir="t"/>
+    </dgm:scene3d>
+    <dgm:sp3d/>
+    <dgm:txPr/>
+    <dgm:style>
+      <a:lnRef idx="0">
+        <a:scrgbClr r="0" g="0" b="0"/>
+      </a:lnRef>
+      <a:fillRef idx="3">
+        <a:scrgbClr r="0" g="0" b="0"/>
+      </a:fillRef>
+      <a:effectRef idx="0">
+        <a:scrgbClr r="0" g="0" b="0"/>
+      </a:effectRef>
+      <a:fontRef idx="minor">
+        <a:schemeClr val="tx1"/>
+      </a:fontRef>
+    </dgm:style>
+  </dgm:styleLbl>
+  <dgm:styleLbl name="alignNode1">
+    <dgm:scene3d>
+      <a:camera prst="orthographicFront"/>
+      <a:lightRig rig="threePt" dir="t"/>
+    </dgm:scene3d>
+    <dgm:sp3d/>
+    <dgm:txPr/>
+    <dgm:style>
+      <a:lnRef idx="1">
+        <a:scrgbClr r="0" g="0" b="0"/>
+      </a:lnRef>
+      <a:fillRef idx="3">
+        <a:scrgbClr r="0" g="0" b="0"/>
+      </a:fillRef>
+      <a:effectRef idx="2">
+        <a:scrgbClr r="0" g="0" b="0"/>
+      </a:effectRef>
+      <a:fontRef idx="minor">
+        <a:schemeClr val="lt1"/>
+      </a:fontRef>
+    </dgm:style>
+  </dgm:styleLbl>
+  <dgm:styleLbl name="node1">
+    <dgm:scene3d>
+      <a:camera prst="orthographicFront"/>
+      <a:lightRig rig="threePt" dir="t"/>
+    </dgm:scene3d>
+    <dgm:sp3d/>
+    <dgm:txPr/>
+    <dgm:style>
+      <a:lnRef idx="0">
+        <a:scrgbClr r="0" g="0" b="0"/>
+      </a:lnRef>
+      <a:fillRef idx="3">
+        <a:scrgbClr r="0" g="0" b="0"/>
+      </a:fillRef>
+      <a:effectRef idx="2">
+        <a:scrgbClr r="0" g="0" b="0"/>
+      </a:effectRef>
+      <a:fontRef idx="minor">
+        <a:schemeClr val="lt1"/>
+      </a:fontRef>
+    </dgm:style>
+  </dgm:styleLbl>
+  <dgm:styleLbl name="node2">
+    <dgm:scene3d>
+      <a:camera prst="orthographicFront"/>
+      <a:lightRig rig="threePt" dir="t"/>
+    </dgm:scene3d>
+    <dgm:sp3d/>
+    <dgm:txPr/>
+    <dgm:style>
+      <a:lnRef idx="0">
+        <a:scrgbClr r="0" g="0" b="0"/>
+      </a:lnRef>
+      <a:fillRef idx="3">
+        <a:scrgbClr r="0" g="0" b="0"/>
+      </a:fillRef>
+      <a:effectRef idx="2">
+        <a:scrgbClr r="0" g="0" b="0"/>
+      </a:effectRef>
+      <a:fontRef idx="minor">
+        <a:schemeClr val="lt1"/>
+      </a:fontRef>
+    </dgm:style>
+  </dgm:styleLbl>
+  <dgm:styleLbl name="node3">
+    <dgm:scene3d>
+      <a:camera prst="orthographicFront"/>
+      <a:lightRig rig="threePt" dir="t"/>
+    </dgm:scene3d>
+    <dgm:sp3d/>
+    <dgm:txPr/>
+    <dgm:style>
+      <a:lnRef idx="0">
+        <a:scrgbClr r="0" g="0" b="0"/>
+      </a:lnRef>
+      <a:fillRef idx="3">
+        <a:scrgbClr r="0" g="0" b="0"/>
+      </a:fillRef>
+      <a:effectRef idx="2">
+        <a:scrgbClr r="0" g="0" b="0"/>
+      </a:effectRef>
+      <a:fontRef idx="minor">
+        <a:schemeClr val="lt1"/>
+      </a:fontRef>
+    </dgm:style>
+  </dgm:styleLbl>
+  <dgm:styleLbl name="node4">
+    <dgm:scene3d>
+      <a:camera prst="orthographicFront"/>
+      <a:lightRig rig="threePt" dir="t"/>
+    </dgm:scene3d>
+    <dgm:sp3d/>
+    <dgm:txPr/>
+    <dgm:style>
+      <a:lnRef idx="0">
+        <a:scrgbClr r="0" g="0" b="0"/>
+      </a:lnRef>
+      <a:fillRef idx="3">
+        <a:scrgbClr r="0" g="0" b="0"/>
+      </a:fillRef>
+      <a:effectRef idx="2">
+        <a:scrgbClr r="0" g="0" b="0"/>
+      </a:effectRef>
+      <a:fontRef idx="minor">
+        <a:schemeClr val="lt1"/>
+      </a:fontRef>
+    </dgm:style>
+  </dgm:styleLbl>
+  <dgm:styleLbl name="fgImgPlace1">
+    <dgm:scene3d>
+      <a:camera prst="orthographicFront"/>
+      <a:lightRig rig="threePt" dir="t"/>
+    </dgm:scene3d>
+    <dgm:sp3d/>
+    <dgm:txPr/>
+    <dgm:style>
+      <a:lnRef idx="0">
+        <a:scrgbClr r="0" g="0" b="0"/>
+      </a:lnRef>
+      <a:fillRef idx="1">
+        <a:scrgbClr r="0" g="0" b="0"/>
+      </a:fillRef>
+      <a:effectRef idx="2">
+        <a:scrgbClr r="0" g="0" b="0"/>
+      </a:effectRef>
+      <a:fontRef idx="minor"/>
+    </dgm:style>
+  </dgm:styleLbl>
+  <dgm:styleLbl name="alignImgPlace1">
+    <dgm:scene3d>
+      <a:camera prst="orthographicFront"/>
+      <a:lightRig rig="threePt" dir="t"/>
+    </dgm:scene3d>
+    <dgm:sp3d/>
+    <dgm:txPr/>
+    <dgm:style>
+      <a:lnRef idx="0">
+        <a:scrgbClr r="0" g="0" b="0"/>
+      </a:lnRef>
+      <a:fillRef idx="1">
+        <a:scrgbClr r="0" g="0" b="0"/>
+      </a:fillRef>
+      <a:effectRef idx="2">
+        <a:scrgbClr r="0" g="0" b="0"/>
+      </a:effectRef>
+      <a:fontRef idx="minor"/>
+    </dgm:style>
+  </dgm:styleLbl>
+  <dgm:styleLbl name="bgImgPlace1">
+    <dgm:scene3d>
+      <a:camera prst="orthographicFront"/>
+      <a:lightRig rig="threePt" dir="t"/>
+    </dgm:scene3d>
+    <dgm:sp3d/>
+    <dgm:txPr/>
+    <dgm:style>
+      <a:lnRef idx="0">
+        <a:scrgbClr r="0" g="0" b="0"/>
+      </a:lnRef>
+      <a:fillRef idx="1">
+        <a:scrgbClr r="0" g="0" b="0"/>
+      </a:fillRef>
+      <a:effectRef idx="2">
+        <a:scrgbClr r="0" g="0" b="0"/>
+      </a:effectRef>
+      <a:fontRef idx="minor"/>
+    </dgm:style>
+  </dgm:styleLbl>
+  <dgm:styleLbl name="sibTrans2D1">
+    <dgm:scene3d>
+      <a:camera prst="orthographicFront"/>
+      <a:lightRig rig="threePt" dir="t"/>
+    </dgm:scene3d>
+    <dgm:sp3d/>
+    <dgm:txPr/>
+    <dgm:style>
+      <a:lnRef idx="0">
+        <a:scrgbClr r="0" g="0" b="0"/>
+      </a:lnRef>
+      <a:fillRef idx="3">
+        <a:scrgbClr r="0" g="0" b="0"/>
+      </a:fillRef>
+      <a:effectRef idx="2">
+        <a:scrgbClr r="0" g="0" b="0"/>
+      </a:effectRef>
+      <a:fontRef idx="minor">
+        <a:schemeClr val="lt1"/>
+      </a:fontRef>
+    </dgm:style>
+  </dgm:styleLbl>
+  <dgm:styleLbl name="fgSibTrans2D1">
+    <dgm:scene3d>
+      <a:camera prst="orthographicFront"/>
+      <a:lightRig rig="threePt" dir="t"/>
+    </dgm:scene3d>
+    <dgm:sp3d/>
+    <dgm:txPr/>
+    <dgm:style>
+      <a:lnRef idx="0">
+        <a:scrgbClr r="0" g="0" b="0"/>
+      </a:lnRef>
+      <a:fillRef idx="3">
+        <a:scrgbClr r="0" g="0" b="0"/>
+      </a:fillRef>
+      <a:effectRef idx="2">
+        <a:scrgbClr r="0" g="0" b="0"/>
+      </a:effectRef>
+      <a:fontRef idx="minor">
+        <a:schemeClr val="lt1"/>
+      </a:fontRef>
+    </dgm:style>
+  </dgm:styleLbl>
+  <dgm:styleLbl name="bgSibTrans2D1">
+    <dgm:scene3d>
+      <a:camera prst="orthographicFront"/>
+      <a:lightRig rig="threePt" dir="t"/>
+    </dgm:scene3d>
+    <dgm:sp3d/>
+    <dgm:txPr/>
+    <dgm:style>
+      <a:lnRef idx="0">
+        <a:scrgbClr r="0" g="0" b="0"/>
+      </a:lnRef>
+      <a:fillRef idx="3">
+        <a:scrgbClr r="0" g="0" b="0"/>
+      </a:fillRef>
+      <a:effectRef idx="2">
+        <a:scrgbClr r="0" g="0" b="0"/>
+      </a:effectRef>
+      <a:fontRef idx="minor">
+        <a:schemeClr val="lt1"/>
+      </a:fontRef>
+    </dgm:style>
+  </dgm:styleLbl>
+  <dgm:styleLbl name="sibTrans1D1">
+    <dgm:scene3d>
+      <a:camera prst="orthographicFront"/>
+      <a:lightRig rig="threePt" dir="t"/>
+    </dgm:scene3d>
+    <dgm:sp3d/>
+    <dgm:txPr/>
+    <dgm:style>
+      <a:lnRef idx="1">
+        <a:scrgbClr r="0" g="0" b="0"/>
+      </a:lnRef>
+      <a:fillRef idx="0">
+        <a:scrgbClr r="0" g="0" b="0"/>
+      </a:fillRef>
+      <a:effectRef idx="0">
+        <a:scrgbClr r="0" g="0" b="0"/>
+      </a:effectRef>
+      <a:fontRef idx="minor"/>
+    </dgm:style>
+  </dgm:styleLbl>
+  <dgm:styleLbl name="callout">
+    <dgm:scene3d>
+      <a:camera prst="orthographicFront"/>
+      <a:lightRig rig="threePt" dir="t"/>
+    </dgm:scene3d>
+    <dgm:sp3d/>
+    <dgm:txPr/>
+    <dgm:style>
+      <a:lnRef idx="2">
+        <a:scrgbClr r="0" g="0" b="0"/>
+      </a:lnRef>
+      <a:fillRef idx="1">
+        <a:scrgbClr r="0" g="0" b="0"/>
+      </a:fillRef>
+      <a:effectRef idx="1">
+        <a:scrgbClr r="0" g="0" b="0"/>
+      </a:effectRef>
+      <a:fontRef idx="minor"/>
+    </dgm:style>
+  </dgm:styleLbl>
+  <dgm:styleLbl name="asst0">
+    <dgm:scene3d>
+      <a:camera prst="orthographicFront"/>
+      <a:lightRig rig="threePt" dir="t"/>
+    </dgm:scene3d>
+    <dgm:sp3d/>
+    <dgm:txPr/>
+    <dgm:style>
+      <a:lnRef idx="0">
+        <a:scrgbClr r="0" g="0" b="0"/>
+      </a:lnRef>
+      <a:fillRef idx="3">
+        <a:scrgbClr r="0" g="0" b="0"/>
+      </a:fillRef>
+      <a:effectRef idx="2">
+        <a:scrgbClr r="0" g="0" b="0"/>
+      </a:effectRef>
+      <a:fontRef idx="minor">
+        <a:schemeClr val="lt1"/>
+      </a:fontRef>
+    </dgm:style>
+  </dgm:styleLbl>
+  <dgm:styleLbl name="asst1">
+    <dgm:scene3d>
+      <a:camera prst="orthographicFront"/>
+      <a:lightRig rig="threePt" dir="t"/>
+    </dgm:scene3d>
+    <dgm:sp3d/>
+    <dgm:txPr/>
+    <dgm:style>
+      <a:lnRef idx="0">
+        <a:scrgbClr r="0" g="0" b="0"/>
+      </a:lnRef>
+      <a:fillRef idx="3">
+        <a:scrgbClr r="0" g="0" b="0"/>
+      </a:fillRef>
+      <a:effectRef idx="2">
+        <a:scrgbClr r="0" g="0" b="0"/>
+      </a:effectRef>
+      <a:fontRef idx="minor">
+        <a:schemeClr val="lt1"/>
+      </a:fontRef>
+    </dgm:style>
+  </dgm:styleLbl>
+  <dgm:styleLbl name="asst2">
+    <dgm:scene3d>
+      <a:camera prst="orthographicFront"/>
+      <a:lightRig rig="threePt" dir="t"/>
+    </dgm:scene3d>
+    <dgm:sp3d/>
+    <dgm:txPr/>
+    <dgm:style>
+      <a:lnRef idx="0">
+        <a:scrgbClr r="0" g="0" b="0"/>
+      </a:lnRef>
+      <a:fillRef idx="3">
+        <a:scrgbClr r="0" g="0" b="0"/>
+      </a:fillRef>
+      <a:effectRef idx="2">
+        <a:scrgbClr r="0" g="0" b="0"/>
+      </a:effectRef>
+      <a:fontRef idx="minor">
+        <a:schemeClr val="lt1"/>
+      </a:fontRef>
+    </dgm:style>
+  </dgm:styleLbl>
+  <dgm:styleLbl name="asst3">
+    <dgm:scene3d>
+      <a:camera prst="orthographicFront"/>
+      <a:lightRig rig="threePt" dir="t"/>
+    </dgm:scene3d>
+    <dgm:sp3d/>
+    <dgm:txPr/>
+    <dgm:style>
+      <a:lnRef idx="0">
+        <a:scrgbClr r="0" g="0" b="0"/>
+      </a:lnRef>
+      <a:fillRef idx="3">
+        <a:scrgbClr r="0" g="0" b="0"/>
+      </a:fillRef>
+      <a:effectRef idx="2">
+        <a:scrgbClr r="0" g="0" b="0"/>
+      </a:effectRef>
+      <a:fontRef idx="minor">
+        <a:schemeClr val="lt1"/>
+      </a:fontRef>
+    </dgm:style>
+  </dgm:styleLbl>
+  <dgm:styleLbl name="asst4">
+    <dgm:scene3d>
+      <a:camera prst="orthographicFront"/>
+      <a:lightRig rig="threePt" dir="t"/>
+    </dgm:scene3d>
+    <dgm:sp3d/>
+    <dgm:txPr/>
+    <dgm:style>
+      <a:lnRef idx="0">
+        <a:scrgbClr r="0" g="0" b="0"/>
+      </a:lnRef>
+      <a:fillRef idx="3">
+        <a:scrgbClr r="0" g="0" b="0"/>
+      </a:fillRef>
+      <a:effectRef idx="2">
+        <a:scrgbClr r="0" g="0" b="0"/>
+      </a:effectRef>
+      <a:fontRef idx="minor">
+        <a:schemeClr val="lt1"/>
+      </a:fontRef>
+    </dgm:style>
+  </dgm:styleLbl>
+  <dgm:styleLbl name="parChTrans2D1">
+    <dgm:scene3d>
+      <a:camera prst="orthographicFront"/>
+      <a:lightRig rig="threePt" dir="t"/>
+    </dgm:scene3d>
+    <dgm:sp3d/>
+    <dgm:txPr/>
+    <dgm:style>
+      <a:lnRef idx="0">
+        <a:scrgbClr r="0" g="0" b="0"/>
+      </a:lnRef>
+      <a:fillRef idx="3">
+        <a:scrgbClr r="0" g="0" b="0"/>
+      </a:fillRef>
+      <a:effectRef idx="2">
+        <a:scrgbClr r="0" g="0" b="0"/>
+      </a:effectRef>
+      <a:fontRef idx="minor">
+        <a:schemeClr val="lt1"/>
+      </a:fontRef>
+    </dgm:style>
+  </dgm:styleLbl>
+  <dgm:styleLbl name="parChTrans2D2">
+    <dgm:scene3d>
+      <a:camera prst="orthographicFront"/>
+      <a:lightRig rig="threePt" dir="t"/>
+    </dgm:scene3d>
+    <dgm:sp3d/>
+    <dgm:txPr/>
+    <dgm:style>
+      <a:lnRef idx="0">
+        <a:scrgbClr r="0" g="0" b="0"/>
+      </a:lnRef>
+      <a:fillRef idx="3">
+        <a:scrgbClr r="0" g="0" b="0"/>
+      </a:fillRef>
+      <a:effectRef idx="2">
+        <a:scrgbClr r="0" g="0" b="0"/>
+      </a:effectRef>
+      <a:fontRef idx="minor">
+        <a:schemeClr val="lt1"/>
+      </a:fontRef>
+    </dgm:style>
+  </dgm:styleLbl>
+  <dgm:styleLbl name="parChTrans2D3">
+    <dgm:scene3d>
+      <a:camera prst="orthographicFront"/>
+      <a:lightRig rig="threePt" dir="t"/>
+    </dgm:scene3d>
+    <dgm:sp3d/>
+    <dgm:txPr/>
+    <dgm:style>
+      <a:lnRef idx="1">
+        <a:scrgbClr r="0" g="0" b="0"/>
+      </a:lnRef>
+      <a:fillRef idx="3">
+        <a:scrgbClr r="0" g="0" b="0"/>
+      </a:fillRef>
+      <a:effectRef idx="2">
+        <a:scrgbClr r="0" g="0" b="0"/>
+      </a:effectRef>
+      <a:fontRef idx="minor">
+        <a:schemeClr val="lt1"/>
+      </a:fontRef>
+    </dgm:style>
+  </dgm:styleLbl>
+  <dgm:styleLbl name="parChTrans2D4">
+    <dgm:scene3d>
+      <a:camera prst="orthographicFront"/>
+      <a:lightRig rig="threePt" dir="t"/>
+    </dgm:scene3d>
+    <dgm:sp3d/>
+    <dgm:txPr/>
+    <dgm:style>
+      <a:lnRef idx="1">
+        <a:scrgbClr r="0" g="0" b="0"/>
+      </a:lnRef>
+      <a:fillRef idx="3">
+        <a:scrgbClr r="0" g="0" b="0"/>
+      </a:fillRef>
+      <a:effectRef idx="2">
+        <a:scrgbClr r="0" g="0" b="0"/>
+      </a:effectRef>
+      <a:fontRef idx="minor">
+        <a:schemeClr val="lt1"/>
+      </a:fontRef>
+    </dgm:style>
+  </dgm:styleLbl>
+  <dgm:styleLbl name="parChTrans1D1">
+    <dgm:scene3d>
+      <a:camera prst="orthographicFront"/>
+      <a:lightRig rig="threePt" dir="t"/>
+    </dgm:scene3d>
+    <dgm:sp3d/>
+    <dgm:txPr/>
+    <dgm:style>
+      <a:lnRef idx="1">
+        <a:scrgbClr r="0" g="0" b="0"/>
+      </a:lnRef>
+      <a:fillRef idx="0">
+        <a:scrgbClr r="0" g="0" b="0"/>
+      </a:fillRef>
+      <a:effectRef idx="0">
+        <a:scrgbClr r="0" g="0" b="0"/>
+      </a:effectRef>
+      <a:fontRef idx="minor"/>
+    </dgm:style>
+  </dgm:styleLbl>
+  <dgm:styleLbl name="parChTrans1D2">
+    <dgm:scene3d>
+      <a:camera prst="orthographicFront"/>
+      <a:lightRig rig="threePt" dir="t"/>
+    </dgm:scene3d>
+    <dgm:sp3d/>
+    <dgm:txPr/>
+    <dgm:style>
+      <a:lnRef idx="1">
+        <a:scrgbClr r="0" g="0" b="0"/>
+      </a:lnRef>
+      <a:fillRef idx="0">
+        <a:scrgbClr r="0" g="0" b="0"/>
+      </a:fillRef>
+      <a:effectRef idx="0">
+        <a:scrgbClr r="0" g="0" b="0"/>
+      </a:effectRef>
+      <a:fontRef idx="minor"/>
+    </dgm:style>
+  </dgm:styleLbl>
+  <dgm:styleLbl name="parChTrans1D3">
+    <dgm:scene3d>
+      <a:camera prst="orthographicFront"/>
+      <a:lightRig rig="threePt" dir="t"/>
+    </dgm:scene3d>
+    <dgm:sp3d/>
+    <dgm:txPr/>
+    <dgm:style>
+      <a:lnRef idx="1">
+        <a:scrgbClr r="0" g="0" b="0"/>
+      </a:lnRef>
+      <a:fillRef idx="0">
+        <a:scrgbClr r="0" g="0" b="0"/>
+      </a:fillRef>
+      <a:effectRef idx="0">
+        <a:scrgbClr r="0" g="0" b="0"/>
+      </a:effectRef>
+      <a:fontRef idx="minor"/>
+    </dgm:style>
+  </dgm:styleLbl>
+  <dgm:styleLbl name="parChTrans1D4">
+    <dgm:scene3d>
+      <a:camera prst="orthographicFront"/>
+      <a:lightRig rig="threePt" dir="t"/>
+    </dgm:scene3d>
+    <dgm:sp3d/>
+    <dgm:txPr/>
+    <dgm:style>
+      <a:lnRef idx="1">
+        <a:scrgbClr r="0" g="0" b="0"/>
+      </a:lnRef>
+      <a:fillRef idx="0">
+        <a:scrgbClr r="0" g="0" b="0"/>
+      </a:fillRef>
+      <a:effectRef idx="0">
+        <a:scrgbClr r="0" g="0" b="0"/>
+      </a:effectRef>
+      <a:fontRef idx="minor"/>
+    </dgm:style>
+  </dgm:styleLbl>
+  <dgm:styleLbl name="fgAcc1">
+    <dgm:scene3d>
+      <a:camera prst="orthographicFront"/>
+      <a:lightRig rig="threePt" dir="t"/>
+    </dgm:scene3d>
+    <dgm:sp3d/>
+    <dgm:txPr/>
+    <dgm:style>
+      <a:lnRef idx="1">
+        <a:scrgbClr r="0" g="0" b="0"/>
+      </a:lnRef>
+      <a:fillRef idx="1">
+        <a:scrgbClr r="0" g="0" b="0"/>
+      </a:fillRef>
+      <a:effectRef idx="0">
+        <a:scrgbClr r="0" g="0" b="0"/>
+      </a:effectRef>
+      <a:fontRef idx="minor"/>
+    </dgm:style>
+  </dgm:styleLbl>
+  <dgm:styleLbl name="conFgAcc1">
+    <dgm:scene3d>
+      <a:camera prst="orthographicFront"/>
+      <a:lightRig rig="threePt" dir="t"/>
+    </dgm:scene3d>
+    <dgm:sp3d/>
+    <dgm:txPr/>
+    <dgm:style>
+      <a:lnRef idx="1">
+        <a:scrgbClr r="0" g="0" b="0"/>
+      </a:lnRef>
+      <a:fillRef idx="1">
+        <a:scrgbClr r="0" g="0" b="0"/>
+      </a:fillRef>
+      <a:effectRef idx="0">
+        <a:scrgbClr r="0" g="0" b="0"/>
+      </a:effectRef>
+      <a:fontRef idx="minor"/>
+    </dgm:style>
+  </dgm:styleLbl>
+  <dgm:styleLbl name="alignAcc1">
+    <dgm:scene3d>
+      <a:camera prst="orthographicFront"/>
+      <a:lightRig rig="threePt" dir="t"/>
+    </dgm:scene3d>
+    <dgm:sp3d/>
+    <dgm:txPr/>
+    <dgm:style>
+      <a:lnRef idx="1">
+        <a:scrgbClr r="0" g="0" b="0"/>
+      </a:lnRef>
+      <a:fillRef idx="1">
+        <a:scrgbClr r="0" g="0" b="0"/>
+      </a:fillRef>
+      <a:effectRef idx="0">
+        <a:scrgbClr r="0" g="0" b="0"/>
+      </a:effectRef>
+      <a:fontRef idx="minor"/>
+    </dgm:style>
+  </dgm:styleLbl>
+  <dgm:styleLbl name="trAlignAcc1">
+    <dgm:scene3d>
+      <a:camera prst="orthographicFront"/>
+      <a:lightRig rig="threePt" dir="t"/>
+    </dgm:scene3d>
+    <dgm:sp3d/>
+    <dgm:txPr/>
+    <dgm:style>
+      <a:lnRef idx="1">
+        <a:scrgbClr r="0" g="0" b="0"/>
+      </a:lnRef>
+      <a:fillRef idx="1">
+        <a:scrgbClr r="0" g="0" b="0"/>
+      </a:fillRef>
+      <a:effectRef idx="0">
+        <a:scrgbClr r="0" g="0" b="0"/>
+      </a:effectRef>
+      <a:fontRef idx="minor"/>
+    </dgm:style>
+  </dgm:styleLbl>
+  <dgm:styleLbl name="bgAcc1">
+    <dgm:scene3d>
+      <a:camera prst="orthographicFront"/>
+      <a:lightRig rig="threePt" dir="t"/>
+    </dgm:scene3d>
+    <dgm:sp3d/>
+    <dgm:txPr/>
+    <dgm:style>
+      <a:lnRef idx="1">
+        <a:scrgbClr r="0" g="0" b="0"/>
+      </a:lnRef>
+      <a:fillRef idx="1">
+        <a:scrgbClr r="0" g="0" b="0"/>
+      </a:fillRef>
+      <a:effectRef idx="0">
+        <a:scrgbClr r="0" g="0" b="0"/>
+      </a:effectRef>
+      <a:fontRef idx="minor"/>
+    </dgm:style>
+  </dgm:styleLbl>
+  <dgm:styleLbl name="solidFgAcc1">
+    <dgm:scene3d>
+      <a:camera prst="orthographicFront"/>
+      <a:lightRig rig="threePt" dir="t"/>
+    </dgm:scene3d>
+    <dgm:sp3d/>
+    <dgm:txPr/>
+    <dgm:style>
+      <a:lnRef idx="1">
+        <a:scrgbClr r="0" g="0" b="0"/>
+      </a:lnRef>
+      <a:fillRef idx="1">
+        <a:scrgbClr r="0" g="0" b="0"/>
+      </a:fillRef>
+      <a:effectRef idx="0">
+        <a:scrgbClr r="0" g="0" b="0"/>
+      </a:effectRef>
+      <a:fontRef idx="minor"/>
+    </dgm:style>
+  </dgm:styleLbl>
+  <dgm:styleLbl name="solidAlignAcc1">
+    <dgm:scene3d>
+      <a:camera prst="orthographicFront"/>
+      <a:lightRig rig="threePt" dir="t"/>
+    </dgm:scene3d>
+    <dgm:sp3d/>
+    <dgm:txPr/>
+    <dgm:style>
+      <a:lnRef idx="1">
+        <a:scrgbClr r="0" g="0" b="0"/>
+      </a:lnRef>
+      <a:fillRef idx="1">
+        <a:scrgbClr r="0" g="0" b="0"/>
+      </a:fillRef>
+      <a:effectRef idx="0">
+        <a:scrgbClr r="0" g="0" b="0"/>
+      </a:effectRef>
+      <a:fontRef idx="minor"/>
+    </dgm:style>
+  </dgm:styleLbl>
+  <dgm:styleLbl name="solidBgAcc1">
+    <dgm:scene3d>
+      <a:camera prst="orthographicFront"/>
+      <a:lightRig rig="threePt" dir="t"/>
+    </dgm:scene3d>
+    <dgm:sp3d/>
+    <dgm:txPr/>
+    <dgm:style>
+      <a:lnRef idx="1">
+        <a:scrgbClr r="0" g="0" b="0"/>
+      </a:lnRef>
+      <a:fillRef idx="1">
+        <a:scrgbClr r="0" g="0" b="0"/>
+      </a:fillRef>
+      <a:effectRef idx="0">
+        <a:scrgbClr r="0" g="0" b="0"/>
+      </a:effectRef>
+      <a:fontRef idx="minor"/>
+    </dgm:style>
+  </dgm:styleLbl>
+  <dgm:styleLbl name="fgAccFollowNode1">
+    <dgm:scene3d>
+      <a:camera prst="orthographicFront"/>
+      <a:lightRig rig="threePt" dir="t"/>
+    </dgm:scene3d>
+    <dgm:sp3d/>
+    <dgm:txPr/>
+    <dgm:style>
+      <a:lnRef idx="1">
+        <a:scrgbClr r="0" g="0" b="0"/>
+      </a:lnRef>
+      <a:fillRef idx="1">
+        <a:scrgbClr r="0" g="0" b="0"/>
+      </a:fillRef>
+      <a:effectRef idx="0">
+        <a:scrgbClr r="0" g="0" b="0"/>
+      </a:effectRef>
+      <a:fontRef idx="minor"/>
+    </dgm:style>
+  </dgm:styleLbl>
+  <dgm:styleLbl name="alignAccFollowNode1">
+    <dgm:scene3d>
+      <a:camera prst="orthographicFront"/>
+      <a:lightRig rig="threePt" dir="t"/>
+    </dgm:scene3d>
+    <dgm:sp3d/>
+    <dgm:txPr/>
+    <dgm:style>
+      <a:lnRef idx="1">
+        <a:scrgbClr r="0" g="0" b="0"/>
+      </a:lnRef>
+      <a:fillRef idx="1">
+        <a:scrgbClr r="0" g="0" b="0"/>
+      </a:fillRef>
+      <a:effectRef idx="0">
+        <a:scrgbClr r="0" g="0" b="0"/>
+      </a:effectRef>
+      <a:fontRef idx="minor"/>
+    </dgm:style>
+  </dgm:styleLbl>
+  <dgm:styleLbl name="bgAccFollowNode1">
+    <dgm:scene3d>
+      <a:camera prst="orthographicFront"/>
+      <a:lightRig rig="threePt" dir="t"/>
+    </dgm:scene3d>
+    <dgm:sp3d/>
+    <dgm:txPr/>
+    <dgm:style>
+      <a:lnRef idx="1">
+        <a:scrgbClr r="0" g="0" b="0"/>
+      </a:lnRef>
+      <a:fillRef idx="1">
+        <a:scrgbClr r="0" g="0" b="0"/>
+      </a:fillRef>
+      <a:effectRef idx="0">
+        <a:scrgbClr r="0" g="0" b="0"/>
+      </a:effectRef>
+      <a:fontRef idx="minor"/>
+    </dgm:style>
+  </dgm:styleLbl>
+  <dgm:styleLbl name="fgAcc0">
+    <dgm:scene3d>
+      <a:camera prst="orthographicFront"/>
+      <a:lightRig rig="threePt" dir="t"/>
+    </dgm:scene3d>
+    <dgm:sp3d/>
+    <dgm:txPr/>
+    <dgm:style>
+      <a:lnRef idx="1">
+        <a:scrgbClr r="0" g="0" b="0"/>
+      </a:lnRef>
+      <a:fillRef idx="1">
+        <a:scrgbClr r="0" g="0" b="0"/>
+      </a:fillRef>
+      <a:effectRef idx="0">
+        <a:scrgbClr r="0" g="0" b="0"/>
+      </a:effectRef>
+      <a:fontRef idx="minor"/>
+    </dgm:style>
+  </dgm:styleLbl>
+  <dgm:styleLbl name="fgAcc2">
+    <dgm:scene3d>
+      <a:camera prst="orthographicFront"/>
+      <a:lightRig rig="threePt" dir="t"/>
+    </dgm:scene3d>
+    <dgm:sp3d/>
+    <dgm:txPr/>
+    <dgm:style>
+      <a:lnRef idx="1">
+        <a:scrgbClr r="0" g="0" b="0"/>
+      </a:lnRef>
+      <a:fillRef idx="1">
+        <a:scrgbClr r="0" g="0" b="0"/>
+      </a:fillRef>
+      <a:effectRef idx="0">
+        <a:scrgbClr r="0" g="0" b="0"/>
+      </a:effectRef>
+      <a:fontRef idx="minor"/>
+    </dgm:style>
+  </dgm:styleLbl>
+  <dgm:styleLbl name="fgAcc3">
+    <dgm:scene3d>
+      <a:camera prst="orthographicFront"/>
+      <a:lightRig rig="threePt" dir="t"/>
+    </dgm:scene3d>
+    <dgm:sp3d/>
+    <dgm:txPr/>
+    <dgm:style>
+      <a:lnRef idx="1">
+        <a:scrgbClr r="0" g="0" b="0"/>
+      </a:lnRef>
+      <a:fillRef idx="1">
+        <a:scrgbClr r="0" g="0" b="0"/>
+      </a:fillRef>
+      <a:effectRef idx="0">
+        <a:scrgbClr r="0" g="0" b="0"/>
+      </a:effectRef>
+      <a:fontRef idx="minor"/>
+    </dgm:style>
+  </dgm:styleLbl>
+  <dgm:styleLbl name="fgAcc4">
+    <dgm:scene3d>
+      <a:camera prst="orthographicFront"/>
+      <a:lightRig rig="threePt" dir="t"/>
+    </dgm:scene3d>
+    <dgm:sp3d/>
+    <dgm:txPr/>
+    <dgm:style>
+      <a:lnRef idx="1">
+        <a:scrgbClr r="0" g="0" b="0"/>
+      </a:lnRef>
+      <a:fillRef idx="1">
+        <a:scrgbClr r="0" g="0" b="0"/>
+      </a:fillRef>
+      <a:effectRef idx="0">
+        <a:scrgbClr r="0" g="0" b="0"/>
+      </a:effectRef>
+      <a:fontRef idx="minor"/>
+    </dgm:style>
+  </dgm:styleLbl>
+  <dgm:styleLbl name="bgShp">
+    <dgm:scene3d>
+      <a:camera prst="orthographicFront"/>
+      <a:lightRig rig="threePt" dir="t"/>
+    </dgm:scene3d>
+    <dgm:sp3d/>
+    <dgm:txPr/>
+    <dgm:style>
+      <a:lnRef idx="0">
+        <a:scrgbClr r="0" g="0" b="0"/>
+      </a:lnRef>
+      <a:fillRef idx="1">
+        <a:scrgbClr r="0" g="0" b="0"/>
+      </a:fillRef>
+      <a:effectRef idx="2">
+        <a:scrgbClr r="0" g="0" b="0"/>
+      </a:effectRef>
+      <a:fontRef idx="minor"/>
+    </dgm:style>
+  </dgm:styleLbl>
+  <dgm:styleLbl name="dkBgShp">
+    <dgm:scene3d>
+      <a:camera prst="orthographicFront"/>
+      <a:lightRig rig="threePt" dir="t"/>
+    </dgm:scene3d>
+    <dgm:sp3d/>
+    <dgm:txPr/>
+    <dgm:style>
+      <a:lnRef idx="0">
+        <a:scrgbClr r="0" g="0" b="0"/>
+      </a:lnRef>
+      <a:fillRef idx="1">
+        <a:scrgbClr r="0" g="0" b="0"/>
+      </a:fillRef>
+      <a:effectRef idx="2">
+        <a:scrgbClr r="0" g="0" b="0"/>
+      </a:effectRef>
+      <a:fontRef idx="minor"/>
+    </dgm:style>
+  </dgm:styleLbl>
+  <dgm:styleLbl name="trBgShp">
+    <dgm:scene3d>
+      <a:camera prst="orthographicFront"/>
+      <a:lightRig rig="threePt" dir="t"/>
+    </dgm:scene3d>
+    <dgm:sp3d/>
+    <dgm:txPr/>
+    <dgm:style>
+      <a:lnRef idx="0">
+        <a:scrgbClr r="0" g="0" b="0"/>
+      </a:lnRef>
+      <a:fillRef idx="1">
+        <a:scrgbClr r="0" g="0" b="0"/>
+      </a:fillRef>
+      <a:effectRef idx="0">
+        <a:scrgbClr r="0" g="0" b="0"/>
+      </a:effectRef>
+      <a:fontRef idx="minor"/>
+    </dgm:style>
+  </dgm:styleLbl>
+  <dgm:styleLbl name="fgShp">
+    <dgm:scene3d>
+      <a:camera prst="orthographicFront"/>
+      <a:lightRig rig="threePt" dir="t"/>
+    </dgm:scene3d>
+    <dgm:sp3d/>
+    <dgm:txPr/>
+    <dgm:style>
+      <a:lnRef idx="0">
+        <a:scrgbClr r="0" g="0" b="0"/>
+      </a:lnRef>
+      <a:fillRef idx="3">
+        <a:scrgbClr r="0" g="0" b="0"/>
+      </a:fillRef>
+      <a:effectRef idx="2">
+        <a:scrgbClr r="0" g="0" b="0"/>
+      </a:effectRef>
+      <a:fontRef idx="minor"/>
+    </dgm:style>
+  </dgm:styleLbl>
+  <dgm:styleLbl name="revTx">
+    <dgm:scene3d>
+      <a:camera prst="orthographicFront"/>
+      <a:lightRig rig="threePt" dir="t"/>
+    </dgm:scene3d>
+    <dgm:sp3d/>
+    <dgm:txPr/>
+    <dgm:style>
+      <a:lnRef idx="0">
+        <a:scrgbClr r="0" g="0" b="0"/>
+      </a:lnRef>
+      <a:fillRef idx="0">
+        <a:scrgbClr r="0" g="0" b="0"/>
+      </a:fillRef>
+      <a:effectRef idx="0">
+        <a:scrgbClr r="0" g="0" b="0"/>
+      </a:effectRef>
+      <a:fontRef idx="minor"/>
+    </dgm:style>
+  </dgm:styleLbl>
+</dgm:styleDef>
+</file>
+
+<file path=ppt/notesMasters/notesMaster1.xml><?xml version="1.0" encoding="utf-8"?>
+<p:notesMaster xmlns:a="http://schemas.openxmlformats.org/drawingml/2006/main" xmlns:r="http://schemas.openxmlformats.org/officeDocument/2006/relationships" xmlns:p="http://schemas.openxmlformats.org/presentationml/2006/main">
+  <p:cSld>
+    <p:bg>
+      <p:bgRef idx="1001">
+        <a:schemeClr val="bg1"/>
+      </p:bgRef>
+    </p:bg>
+    <p:spTree>
+      <p:nvGrpSpPr>
+        <p:cNvPr id="1" name=""/>
+        <p:cNvGrpSpPr/>
+        <p:nvPr/>
+      </p:nvGrpSpPr>
+      <p:grpSpPr>
+        <a:xfrm>
+          <a:off x="0" y="0"/>
+          <a:ext cx="0" cy="0"/>
+          <a:chOff x="0" y="0"/>
+          <a:chExt cx="0" cy="0"/>
+        </a:xfrm>
+      </p:grpSpPr>
+      <p:sp>
+        <p:nvSpPr>
+          <p:cNvPr id="2" name="Header Placeholder 1"/>
+          <p:cNvSpPr>
+            <a:spLocks noGrp="1"/>
+          </p:cNvSpPr>
+          <p:nvPr>
+            <p:ph type="hdr" sz="quarter"/>
+          </p:nvPr>
+        </p:nvSpPr>
+        <p:spPr>
+          <a:xfrm>
+            <a:off x="0" y="0"/>
+            <a:ext cx="2971800" cy="458788"/>
+          </a:xfrm>
+          <a:prstGeom prst="rect">
+            <a:avLst/>
+          </a:prstGeom>
+        </p:spPr>
+        <p:txBody>
+          <a:bodyPr vert="horz" lIns="91440" tIns="45720" rIns="91440" bIns="45720" rtlCol="0"/>
+          <a:lstStyle>
+            <a:lvl1pPr algn="l">
+              <a:defRPr sz="1200"/>
+            </a:lvl1pPr>
+          </a:lstStyle>
+          <a:p>
+            <a:endParaRPr lang="en-US"/>
+          </a:p>
+        </p:txBody>
+      </p:sp>
+      <p:sp>
+        <p:nvSpPr>
+          <p:cNvPr id="3" name="Date Placeholder 2"/>
+          <p:cNvSpPr>
+            <a:spLocks noGrp="1"/>
+          </p:cNvSpPr>
+          <p:nvPr>
+            <p:ph type="dt" idx="1"/>
+          </p:nvPr>
+        </p:nvSpPr>
+        <p:spPr>
+          <a:xfrm>
+            <a:off x="3884613" y="0"/>
+            <a:ext cx="2971800" cy="458788"/>
+          </a:xfrm>
+          <a:prstGeom prst="rect">
+            <a:avLst/>
+          </a:prstGeom>
+        </p:spPr>
+        <p:txBody>
+          <a:bodyPr vert="horz" lIns="91440" tIns="45720" rIns="91440" bIns="45720" rtlCol="0"/>
+          <a:lstStyle>
+            <a:lvl1pPr algn="r">
+              <a:defRPr sz="1200"/>
+            </a:lvl1pPr>
+          </a:lstStyle>
+          <a:p>
+            <a:fld id="{BE2A43AE-C781-437F-82F9-639F52CA20CD}" type="datetimeFigureOut">
+              <a:rPr lang="en-US" smtClean="0"/>
+              <a:t>4/23/2023</a:t>
+            </a:fld>
+            <a:endParaRPr lang="en-US"/>
+          </a:p>
+        </p:txBody>
+      </p:sp>
+      <p:sp>
+        <p:nvSpPr>
+          <p:cNvPr id="4" name="Slide Image Placeholder 3"/>
+          <p:cNvSpPr>
+            <a:spLocks noGrp="1" noRot="1" noChangeAspect="1"/>
+          </p:cNvSpPr>
+          <p:nvPr>
+            <p:ph type="sldImg" idx="2"/>
+          </p:nvPr>
+        </p:nvSpPr>
+        <p:spPr>
+          <a:xfrm>
+            <a:off x="685800" y="1143000"/>
+            <a:ext cx="5486400" cy="3086100"/>
+          </a:xfrm>
+          <a:prstGeom prst="rect">
+            <a:avLst/>
+          </a:prstGeom>
+          <a:noFill/>
+          <a:ln w="12700">
+            <a:solidFill>
+              <a:prstClr val="black"/>
+            </a:solidFill>
+          </a:ln>
+        </p:spPr>
+        <p:txBody>
+          <a:bodyPr vert="horz" lIns="91440" tIns="45720" rIns="91440" bIns="45720" rtlCol="0" anchor="ctr"/>
+          <a:lstStyle/>
+          <a:p>
+            <a:endParaRPr lang="en-US"/>
+          </a:p>
+        </p:txBody>
+      </p:sp>
+      <p:sp>
+        <p:nvSpPr>
+          <p:cNvPr id="5" name="Notes Placeholder 4"/>
+          <p:cNvSpPr>
+            <a:spLocks noGrp="1"/>
+          </p:cNvSpPr>
+          <p:nvPr>
+            <p:ph type="body" sz="quarter" idx="3"/>
+          </p:nvPr>
+        </p:nvSpPr>
+        <p:spPr>
+          <a:xfrm>
+            <a:off x="685800" y="4400550"/>
+            <a:ext cx="5486400" cy="3600450"/>
+          </a:xfrm>
+          <a:prstGeom prst="rect">
+            <a:avLst/>
+          </a:prstGeom>
+        </p:spPr>
+        <p:txBody>
+          <a:bodyPr vert="horz" lIns="91440" tIns="45720" rIns="91440" bIns="45720" rtlCol="0"/>
+          <a:lstStyle/>
+          <a:p>
+            <a:pPr lvl="0"/>
+            <a:r>
+              <a:rPr lang="en-US"/>
+              <a:t>Click to edit Master text styles</a:t>
+            </a:r>
+          </a:p>
+          <a:p>
+            <a:pPr lvl="1"/>
+            <a:r>
+              <a:rPr lang="en-US"/>
+              <a:t>Second level</a:t>
+            </a:r>
+          </a:p>
+          <a:p>
+            <a:pPr lvl="2"/>
+            <a:r>
+              <a:rPr lang="en-US"/>
+              <a:t>Third level</a:t>
+            </a:r>
+          </a:p>
+          <a:p>
+            <a:pPr lvl="3"/>
+            <a:r>
+              <a:rPr lang="en-US"/>
+              <a:t>Fourth level</a:t>
+            </a:r>
+          </a:p>
+          <a:p>
+            <a:pPr lvl="4"/>
+            <a:r>
+              <a:rPr lang="en-US"/>
+              <a:t>Fifth level</a:t>
+            </a:r>
+          </a:p>
+        </p:txBody>
+      </p:sp>
+      <p:sp>
+        <p:nvSpPr>
+          <p:cNvPr id="6" name="Footer Placeholder 5"/>
+          <p:cNvSpPr>
+            <a:spLocks noGrp="1"/>
+          </p:cNvSpPr>
+          <p:nvPr>
+            <p:ph type="ftr" sz="quarter" idx="4"/>
+          </p:nvPr>
+        </p:nvSpPr>
+        <p:spPr>
+          <a:xfrm>
+            <a:off x="0" y="8685213"/>
+            <a:ext cx="2971800" cy="458787"/>
+          </a:xfrm>
+          <a:prstGeom prst="rect">
+            <a:avLst/>
+          </a:prstGeom>
+        </p:spPr>
+        <p:txBody>
+          <a:bodyPr vert="horz" lIns="91440" tIns="45720" rIns="91440" bIns="45720" rtlCol="0" anchor="b"/>
+          <a:lstStyle>
+            <a:lvl1pPr algn="l">
+              <a:defRPr sz="1200"/>
+            </a:lvl1pPr>
+          </a:lstStyle>
+          <a:p>
+            <a:endParaRPr lang="en-US"/>
+          </a:p>
+        </p:txBody>
+      </p:sp>
+      <p:sp>
+        <p:nvSpPr>
+          <p:cNvPr id="7" name="Slide Number Placeholder 6"/>
+          <p:cNvSpPr>
+            <a:spLocks noGrp="1"/>
+          </p:cNvSpPr>
+          <p:nvPr>
+            <p:ph type="sldNum" sz="quarter" idx="5"/>
+          </p:nvPr>
+        </p:nvSpPr>
+        <p:spPr>
+          <a:xfrm>
+            <a:off x="3884613" y="8685213"/>
+            <a:ext cx="2971800" cy="458787"/>
+          </a:xfrm>
+          <a:prstGeom prst="rect">
+            <a:avLst/>
+          </a:prstGeom>
+        </p:spPr>
+        <p:txBody>
+          <a:bodyPr vert="horz" lIns="91440" tIns="45720" rIns="91440" bIns="45720" rtlCol="0" anchor="b"/>
+          <a:lstStyle>
+            <a:lvl1pPr algn="r">
+              <a:defRPr sz="1200"/>
+            </a:lvl1pPr>
+          </a:lstStyle>
+          <a:p>
+            <a:fld id="{1BFF8EC0-4E85-4B5B-B1AE-D39CEADE6519}" type="slidenum">
+              <a:rPr lang="en-US" smtClean="0"/>
+              <a:t>‹#›</a:t>
+            </a:fld>
+            <a:endParaRPr lang="en-US"/>
+          </a:p>
+        </p:txBody>
+      </p:sp>
+    </p:spTree>
+    <p:extLst>
+      <p:ext uri="{BB962C8B-B14F-4D97-AF65-F5344CB8AC3E}">
+        <p14:creationId xmlns:p14="http://schemas.microsoft.com/office/powerpoint/2010/main" val="3919479206"/>
+      </p:ext>
+    </p:extLst>
+  </p:cSld>
+  <p:clrMap bg1="lt1" tx1="dk1" bg2="lt2" tx2="dk2" accent1="accent1" accent2="accent2" accent3="accent3" accent4="accent4" accent5="accent5" accent6="accent6" hlink="hlink" folHlink="folHlink"/>
+  <p:notesStyle>
+    <a:lvl1pPr marL="0" algn="l" defTabSz="914400" rtl="0" eaLnBrk="1" latinLnBrk="0" hangingPunct="1">
+      <a:defRPr sz="1200" kern="1200">
+        <a:solidFill>
+          <a:schemeClr val="tx1"/>
+        </a:solidFill>
+        <a:latin typeface="+mn-lt"/>
+        <a:ea typeface="+mn-ea"/>
+        <a:cs typeface="+mn-cs"/>
+      </a:defRPr>
+    </a:lvl1pPr>
+    <a:lvl2pPr marL="457200" algn="l" defTabSz="914400" rtl="0" eaLnBrk="1" latinLnBrk="0" hangingPunct="1">
+      <a:defRPr sz="1200" kern="1200">
+        <a:solidFill>
+          <a:schemeClr val="tx1"/>
+        </a:solidFill>
+        <a:latin typeface="+mn-lt"/>
+        <a:ea typeface="+mn-ea"/>
+        <a:cs typeface="+mn-cs"/>
+      </a:defRPr>
+    </a:lvl2pPr>
+    <a:lvl3pPr marL="914400" algn="l" defTabSz="914400" rtl="0" eaLnBrk="1" latinLnBrk="0" hangingPunct="1">
+      <a:defRPr sz="1200" kern="1200">
+        <a:solidFill>
+          <a:schemeClr val="tx1"/>
+        </a:solidFill>
+        <a:latin typeface="+mn-lt"/>
+        <a:ea typeface="+mn-ea"/>
+        <a:cs typeface="+mn-cs"/>
+      </a:defRPr>
+    </a:lvl3pPr>
+    <a:lvl4pPr marL="1371600" algn="l" defTabSz="914400" rtl="0" eaLnBrk="1" latinLnBrk="0" hangingPunct="1">
+      <a:defRPr sz="1200" kern="1200">
+        <a:solidFill>
+          <a:schemeClr val="tx1"/>
+        </a:solidFill>
+        <a:latin typeface="+mn-lt"/>
+        <a:ea typeface="+mn-ea"/>
+        <a:cs typeface="+mn-cs"/>
+      </a:defRPr>
+    </a:lvl4pPr>
+    <a:lvl5pPr marL="1828800" algn="l" defTabSz="914400" rtl="0" eaLnBrk="1" latinLnBrk="0" hangingPunct="1">
+      <a:defRPr sz="1200" kern="1200">
+        <a:solidFill>
+          <a:schemeClr val="tx1"/>
+        </a:solidFill>
+        <a:latin typeface="+mn-lt"/>
+        <a:ea typeface="+mn-ea"/>
+        <a:cs typeface="+mn-cs"/>
+      </a:defRPr>
+    </a:lvl5pPr>
+    <a:lvl6pPr marL="2286000" algn="l" defTabSz="914400" rtl="0" eaLnBrk="1" latinLnBrk="0" hangingPunct="1">
+      <a:defRPr sz="1200" kern="1200">
+        <a:solidFill>
+          <a:schemeClr val="tx1"/>
+        </a:solidFill>
+        <a:latin typeface="+mn-lt"/>
+        <a:ea typeface="+mn-ea"/>
+        <a:cs typeface="+mn-cs"/>
+      </a:defRPr>
+    </a:lvl6pPr>
+    <a:lvl7pPr marL="2743200" algn="l" defTabSz="914400" rtl="0" eaLnBrk="1" latinLnBrk="0" hangingPunct="1">
+      <a:defRPr sz="1200" kern="1200">
+        <a:solidFill>
+          <a:schemeClr val="tx1"/>
+        </a:solidFill>
+        <a:latin typeface="+mn-lt"/>
+        <a:ea typeface="+mn-ea"/>
+        <a:cs typeface="+mn-cs"/>
+      </a:defRPr>
+    </a:lvl7pPr>
+    <a:lvl8pPr marL="3200400" algn="l" defTabSz="914400" rtl="0" eaLnBrk="1" latinLnBrk="0" hangingPunct="1">
+      <a:defRPr sz="1200" kern="1200">
+        <a:solidFill>
+          <a:schemeClr val="tx1"/>
+        </a:solidFill>
+        <a:latin typeface="+mn-lt"/>
+        <a:ea typeface="+mn-ea"/>
+        <a:cs typeface="+mn-cs"/>
+      </a:defRPr>
+    </a:lvl8pPr>
+    <a:lvl9pPr marL="3657600" algn="l" defTabSz="914400" rtl="0" eaLnBrk="1" latinLnBrk="0" hangingPunct="1">
+      <a:defRPr sz="1200" kern="1200">
+        <a:solidFill>
+          <a:schemeClr val="tx1"/>
+        </a:solidFill>
+        <a:latin typeface="+mn-lt"/>
+        <a:ea typeface="+mn-ea"/>
+        <a:cs typeface="+mn-cs"/>
+      </a:defRPr>
+    </a:lvl9pPr>
+  </p:notesStyle>
+</p:notesMaster>
+</file>
+
+<file path=ppt/notesSlides/notesSlide1.xml><?xml version="1.0" encoding="utf-8"?>
+<p:notes xmlns:a="http://schemas.openxmlformats.org/drawingml/2006/main" xmlns:r="http://schemas.openxmlformats.org/officeDocument/2006/relationships" xmlns:p="http://schemas.openxmlformats.org/presentationml/2006/main">
+  <p:cSld>
+    <p:spTree>
+      <p:nvGrpSpPr>
+        <p:cNvPr id="1" name=""/>
+        <p:cNvGrpSpPr/>
+        <p:nvPr/>
+      </p:nvGrpSpPr>
+      <p:grpSpPr>
+        <a:xfrm>
+          <a:off x="0" y="0"/>
+          <a:ext cx="0" cy="0"/>
+          <a:chOff x="0" y="0"/>
+          <a:chExt cx="0" cy="0"/>
+        </a:xfrm>
+      </p:grpSpPr>
+      <p:sp>
+        <p:nvSpPr>
+          <p:cNvPr id="2" name="Slide Image Placeholder 1"/>
+          <p:cNvSpPr>
+            <a:spLocks noGrp="1" noRot="1" noChangeAspect="1"/>
+          </p:cNvSpPr>
+          <p:nvPr>
+            <p:ph type="sldImg"/>
+          </p:nvPr>
+        </p:nvSpPr>
+        <p:spPr/>
+      </p:sp>
+      <p:sp>
+        <p:nvSpPr>
+          <p:cNvPr id="3" name="Notes Placeholder 2"/>
+          <p:cNvSpPr>
+            <a:spLocks noGrp="1"/>
+          </p:cNvSpPr>
+          <p:nvPr>
+            <p:ph type="body" idx="1"/>
+          </p:nvPr>
+        </p:nvSpPr>
+        <p:spPr/>
+        <p:txBody>
+          <a:bodyPr/>
+          <a:lstStyle/>
+          <a:p>
+            <a:pPr marL="0" marR="0" lvl="0" indent="0" algn="l" defTabSz="914400" rtl="0" eaLnBrk="1" fontAlgn="auto" latinLnBrk="0" hangingPunct="1">
+              <a:lnSpc>
+                <a:spcPct val="100000"/>
+              </a:lnSpc>
+              <a:spcBef>
+                <a:spcPts val="0"/>
+              </a:spcBef>
+              <a:spcAft>
+                <a:spcPts val="0"/>
+              </a:spcAft>
+              <a:buClrTx/>
+              <a:buSzTx/>
+              <a:buFontTx/>
+              <a:buNone/>
+              <a:tabLst/>
+              <a:defRPr/>
+            </a:pPr>
+            <a:r>
+              <a:rPr lang="en-US" dirty="0"/>
+              <a:t>1. “No experience with storage services presented in class”</a:t>
+            </a:r>
+          </a:p>
+          <a:p>
+            <a:pPr marL="0" marR="0" lvl="0" indent="0" algn="l" defTabSz="914400" rtl="0" eaLnBrk="1" fontAlgn="auto" latinLnBrk="0" hangingPunct="1">
+              <a:lnSpc>
+                <a:spcPct val="100000"/>
+              </a:lnSpc>
+              <a:spcBef>
+                <a:spcPts val="0"/>
+              </a:spcBef>
+              <a:spcAft>
+                <a:spcPts val="0"/>
+              </a:spcAft>
+              <a:buClrTx/>
+              <a:buSzTx/>
+              <a:buFontTx/>
+              <a:buNone/>
+              <a:tabLst/>
+              <a:defRPr/>
+            </a:pPr>
+            <a:r>
+              <a:rPr lang="en-US" dirty="0"/>
+              <a:t>2. “Amazon Web Services has a bewildering collection of file system choices”</a:t>
+            </a:r>
+          </a:p>
+          <a:p>
+            <a:pPr marL="0" marR="0" lvl="0" indent="0" algn="l" defTabSz="914400" rtl="0" eaLnBrk="1" fontAlgn="auto" latinLnBrk="0" hangingPunct="1">
+              <a:lnSpc>
+                <a:spcPct val="100000"/>
+              </a:lnSpc>
+              <a:spcBef>
+                <a:spcPts val="0"/>
+              </a:spcBef>
+              <a:spcAft>
+                <a:spcPts val="0"/>
+              </a:spcAft>
+              <a:buClrTx/>
+              <a:buSzTx/>
+              <a:buFontTx/>
+              <a:buNone/>
+              <a:tabLst/>
+              <a:defRPr/>
+            </a:pPr>
+            <a:r>
+              <a:rPr lang="en-US" dirty="0"/>
+              <a:t>    “AWS offers many choices. We focused on 2 of their storage services”</a:t>
+            </a:r>
+          </a:p>
+          <a:p>
+            <a:pPr marL="0" marR="0" lvl="0" indent="0" algn="l" defTabSz="914400" rtl="0" eaLnBrk="1" fontAlgn="auto" latinLnBrk="0" hangingPunct="1">
+              <a:lnSpc>
+                <a:spcPct val="100000"/>
+              </a:lnSpc>
+              <a:spcBef>
+                <a:spcPts val="0"/>
+              </a:spcBef>
+              <a:spcAft>
+                <a:spcPts val="0"/>
+              </a:spcAft>
+              <a:buClrTx/>
+              <a:buSzTx/>
+              <a:buFontTx/>
+              <a:buNone/>
+              <a:tabLst/>
+              <a:defRPr/>
+            </a:pPr>
+            <a:r>
+              <a:rPr lang="en-US" dirty="0"/>
+              <a:t>3. “These seem to be interesting and possibly new ways of manipulating data in storage.”</a:t>
+            </a:r>
+          </a:p>
+          <a:p>
+            <a:pPr marL="0" marR="0" lvl="0" indent="0" algn="l" defTabSz="914400" rtl="0" eaLnBrk="1" fontAlgn="auto" latinLnBrk="0" hangingPunct="1">
+              <a:lnSpc>
+                <a:spcPct val="100000"/>
+              </a:lnSpc>
+              <a:spcBef>
+                <a:spcPts val="0"/>
+              </a:spcBef>
+              <a:spcAft>
+                <a:spcPts val="0"/>
+              </a:spcAft>
+              <a:buClrTx/>
+              <a:buSzTx/>
+              <a:buFontTx/>
+              <a:buNone/>
+              <a:tabLst/>
+              <a:defRPr/>
+            </a:pPr>
+            <a:endParaRPr lang="en-US" dirty="0"/>
+          </a:p>
+          <a:p>
+            <a:pPr marL="0" marR="0" lvl="0" indent="0" algn="l" defTabSz="914400" rtl="0" eaLnBrk="1" fontAlgn="auto" latinLnBrk="0" hangingPunct="1">
+              <a:lnSpc>
+                <a:spcPct val="100000"/>
+              </a:lnSpc>
+              <a:spcBef>
+                <a:spcPts val="0"/>
+              </a:spcBef>
+              <a:spcAft>
+                <a:spcPts val="0"/>
+              </a:spcAft>
+              <a:buClrTx/>
+              <a:buSzTx/>
+              <a:buFontTx/>
+              <a:buNone/>
+              <a:tabLst/>
+              <a:defRPr/>
+            </a:pPr>
+            <a:endParaRPr lang="en-US" dirty="0"/>
+          </a:p>
+        </p:txBody>
+      </p:sp>
+      <p:sp>
+        <p:nvSpPr>
+          <p:cNvPr id="4" name="Slide Number Placeholder 3"/>
+          <p:cNvSpPr>
+            <a:spLocks noGrp="1"/>
+          </p:cNvSpPr>
+          <p:nvPr>
+            <p:ph type="sldNum" sz="quarter" idx="5"/>
+          </p:nvPr>
+        </p:nvSpPr>
+        <p:spPr/>
+        <p:txBody>
+          <a:bodyPr/>
+          <a:lstStyle/>
+          <a:p>
+            <a:fld id="{1BFF8EC0-4E85-4B5B-B1AE-D39CEADE6519}" type="slidenum">
+              <a:rPr lang="en-US" smtClean="0"/>
+              <a:t>2</a:t>
+            </a:fld>
+            <a:endParaRPr lang="en-US"/>
+          </a:p>
+        </p:txBody>
+      </p:sp>
+    </p:spTree>
+    <p:extLst>
+      <p:ext uri="{BB962C8B-B14F-4D97-AF65-F5344CB8AC3E}">
+        <p14:creationId xmlns:p14="http://schemas.microsoft.com/office/powerpoint/2010/main" val="1053220231"/>
+      </p:ext>
+    </p:extLst>
+  </p:cSld>
+  <p:clrMapOvr>
+    <a:masterClrMapping/>
+  </p:clrMapOvr>
+</p:notes>
+</file>
+
+<file path=ppt/notesSlides/notesSlide2.xml><?xml version="1.0" encoding="utf-8"?>
+<p:notes xmlns:a="http://schemas.openxmlformats.org/drawingml/2006/main" xmlns:r="http://schemas.openxmlformats.org/officeDocument/2006/relationships" xmlns:p="http://schemas.openxmlformats.org/presentationml/2006/main">
+  <p:cSld>
+    <p:spTree>
+      <p:nvGrpSpPr>
+        <p:cNvPr id="1" name=""/>
+        <p:cNvGrpSpPr/>
+        <p:nvPr/>
+      </p:nvGrpSpPr>
+      <p:grpSpPr>
+        <a:xfrm>
+          <a:off x="0" y="0"/>
+          <a:ext cx="0" cy="0"/>
+          <a:chOff x="0" y="0"/>
+          <a:chExt cx="0" cy="0"/>
+        </a:xfrm>
+      </p:grpSpPr>
+      <p:sp>
+        <p:nvSpPr>
+          <p:cNvPr id="2" name="Slide Image Placeholder 1"/>
+          <p:cNvSpPr>
+            <a:spLocks noGrp="1" noRot="1" noChangeAspect="1"/>
+          </p:cNvSpPr>
+          <p:nvPr>
+            <p:ph type="sldImg"/>
+          </p:nvPr>
+        </p:nvSpPr>
+        <p:spPr/>
+      </p:sp>
+      <p:sp>
+        <p:nvSpPr>
+          <p:cNvPr id="3" name="Notes Placeholder 2"/>
+          <p:cNvSpPr>
+            <a:spLocks noGrp="1"/>
+          </p:cNvSpPr>
+          <p:nvPr>
+            <p:ph type="body" idx="1"/>
+          </p:nvPr>
+        </p:nvSpPr>
+        <p:spPr/>
+        <p:txBody>
+          <a:bodyPr/>
+          <a:lstStyle/>
+          <a:p>
+            <a:r>
+              <a:rPr lang="en-US" dirty="0"/>
+              <a:t>IO operations:</a:t>
+            </a:r>
+          </a:p>
+          <a:p>
+            <a:r>
+              <a:rPr lang="en-US" dirty="0"/>
+              <a:t>  - Write: 2.4+ million records</a:t>
+            </a:r>
+          </a:p>
+          <a:p>
+            <a:r>
+              <a:rPr lang="en-US" dirty="0"/>
+              <a:t>  - Read: 215,000 records</a:t>
+            </a:r>
+          </a:p>
+          <a:p>
+            <a:r>
+              <a:rPr lang="en-US" dirty="0"/>
+              <a:t>Record sizes: BLOCKSIZE, LRECL, DRECL</a:t>
+            </a:r>
+          </a:p>
+        </p:txBody>
+      </p:sp>
+      <p:sp>
+        <p:nvSpPr>
+          <p:cNvPr id="4" name="Slide Number Placeholder 3"/>
+          <p:cNvSpPr>
+            <a:spLocks noGrp="1"/>
+          </p:cNvSpPr>
+          <p:nvPr>
+            <p:ph type="sldNum" sz="quarter" idx="5"/>
+          </p:nvPr>
+        </p:nvSpPr>
+        <p:spPr/>
+        <p:txBody>
+          <a:bodyPr/>
+          <a:lstStyle/>
+          <a:p>
+            <a:fld id="{1BFF8EC0-4E85-4B5B-B1AE-D39CEADE6519}" type="slidenum">
+              <a:rPr lang="en-US" smtClean="0"/>
+              <a:t>3</a:t>
+            </a:fld>
+            <a:endParaRPr lang="en-US"/>
+          </a:p>
+        </p:txBody>
+      </p:sp>
+    </p:spTree>
+    <p:extLst>
+      <p:ext uri="{BB962C8B-B14F-4D97-AF65-F5344CB8AC3E}">
+        <p14:creationId xmlns:p14="http://schemas.microsoft.com/office/powerpoint/2010/main" val="3508231773"/>
+      </p:ext>
+    </p:extLst>
+  </p:cSld>
+  <p:clrMapOvr>
+    <a:masterClrMapping/>
+  </p:clrMapOvr>
+</p:notes>
+</file>
+
+<file path=ppt/notesSlides/notesSlide3.xml><?xml version="1.0" encoding="utf-8"?>
+<p:notes xmlns:a="http://schemas.openxmlformats.org/drawingml/2006/main" xmlns:r="http://schemas.openxmlformats.org/officeDocument/2006/relationships" xmlns:p="http://schemas.openxmlformats.org/presentationml/2006/main">
+  <p:cSld>
+    <p:spTree>
+      <p:nvGrpSpPr>
+        <p:cNvPr id="1" name=""/>
+        <p:cNvGrpSpPr/>
+        <p:nvPr/>
+      </p:nvGrpSpPr>
+      <p:grpSpPr>
+        <a:xfrm>
+          <a:off x="0" y="0"/>
+          <a:ext cx="0" cy="0"/>
+          <a:chOff x="0" y="0"/>
+          <a:chExt cx="0" cy="0"/>
+        </a:xfrm>
+      </p:grpSpPr>
+      <p:sp>
+        <p:nvSpPr>
+          <p:cNvPr id="2" name="Slide Image Placeholder 1"/>
+          <p:cNvSpPr>
+            <a:spLocks noGrp="1" noRot="1" noChangeAspect="1"/>
+          </p:cNvSpPr>
+          <p:nvPr>
+            <p:ph type="sldImg"/>
+          </p:nvPr>
+        </p:nvSpPr>
+        <p:spPr/>
+      </p:sp>
+      <p:sp>
+        <p:nvSpPr>
+          <p:cNvPr id="3" name="Notes Placeholder 2"/>
+          <p:cNvSpPr>
+            <a:spLocks noGrp="1"/>
+          </p:cNvSpPr>
+          <p:nvPr>
+            <p:ph type="body" idx="1"/>
+          </p:nvPr>
+        </p:nvSpPr>
+        <p:spPr/>
+        <p:txBody>
+          <a:bodyPr/>
+          <a:lstStyle/>
+          <a:p>
+            <a:pPr marL="0" marR="0" lvl="0" indent="0" algn="l" defTabSz="914400" rtl="0" eaLnBrk="1" fontAlgn="auto" latinLnBrk="0" hangingPunct="1">
+              <a:lnSpc>
+                <a:spcPct val="100000"/>
+              </a:lnSpc>
+              <a:spcBef>
+                <a:spcPts val="0"/>
+              </a:spcBef>
+              <a:spcAft>
+                <a:spcPts val="0"/>
+              </a:spcAft>
+              <a:buClrTx/>
+              <a:buSzTx/>
+              <a:buFontTx/>
+              <a:buNone/>
+              <a:tabLst/>
+              <a:defRPr/>
+            </a:pPr>
+            <a:r>
+              <a:rPr lang="en-US" dirty="0"/>
+              <a:t>“padded to a predetermined length”</a:t>
+            </a:r>
+          </a:p>
+          <a:p>
+            <a:pPr marL="0" marR="0" lvl="0" indent="0" algn="l" defTabSz="914400" rtl="0" eaLnBrk="1" fontAlgn="auto" latinLnBrk="0" hangingPunct="1">
+              <a:lnSpc>
+                <a:spcPct val="100000"/>
+              </a:lnSpc>
+              <a:spcBef>
+                <a:spcPts val="0"/>
+              </a:spcBef>
+              <a:spcAft>
+                <a:spcPts val="0"/>
+              </a:spcAft>
+              <a:buClrTx/>
+              <a:buSzTx/>
+              <a:buFontTx/>
+              <a:buNone/>
+              <a:tabLst/>
+              <a:defRPr/>
+            </a:pPr>
+            <a:r>
+              <a:rPr lang="en-US" dirty="0"/>
+              <a:t>“the location of the data record as a physical record number and the offset into that physical record. “</a:t>
+            </a:r>
+          </a:p>
+        </p:txBody>
+      </p:sp>
+      <p:sp>
+        <p:nvSpPr>
+          <p:cNvPr id="4" name="Slide Number Placeholder 3"/>
+          <p:cNvSpPr>
+            <a:spLocks noGrp="1"/>
+          </p:cNvSpPr>
+          <p:nvPr>
+            <p:ph type="sldNum" sz="quarter" idx="5"/>
+          </p:nvPr>
+        </p:nvSpPr>
+        <p:spPr/>
+        <p:txBody>
+          <a:bodyPr/>
+          <a:lstStyle/>
+          <a:p>
+            <a:fld id="{1BFF8EC0-4E85-4B5B-B1AE-D39CEADE6519}" type="slidenum">
+              <a:rPr lang="en-US" smtClean="0"/>
+              <a:t>5</a:t>
+            </a:fld>
+            <a:endParaRPr lang="en-US"/>
+          </a:p>
+        </p:txBody>
+      </p:sp>
+    </p:spTree>
+    <p:extLst>
+      <p:ext uri="{BB962C8B-B14F-4D97-AF65-F5344CB8AC3E}">
+        <p14:creationId xmlns:p14="http://schemas.microsoft.com/office/powerpoint/2010/main" val="3407393100"/>
+      </p:ext>
+    </p:extLst>
+  </p:cSld>
+  <p:clrMapOvr>
+    <a:masterClrMapping/>
+  </p:clrMapOvr>
+</p:notes>
+</file>
+
+<file path=ppt/notesSlides/notesSlide4.xml><?xml version="1.0" encoding="utf-8"?>
+<p:notes xmlns:a="http://schemas.openxmlformats.org/drawingml/2006/main" xmlns:r="http://schemas.openxmlformats.org/officeDocument/2006/relationships" xmlns:p="http://schemas.openxmlformats.org/presentationml/2006/main">
+  <p:cSld>
+    <p:spTree>
+      <p:nvGrpSpPr>
+        <p:cNvPr id="1" name=""/>
+        <p:cNvGrpSpPr/>
+        <p:nvPr/>
+      </p:nvGrpSpPr>
+      <p:grpSpPr>
+        <a:xfrm>
+          <a:off x="0" y="0"/>
+          <a:ext cx="0" cy="0"/>
+          <a:chOff x="0" y="0"/>
+          <a:chExt cx="0" cy="0"/>
+        </a:xfrm>
+      </p:grpSpPr>
+      <p:sp>
+        <p:nvSpPr>
+          <p:cNvPr id="2" name="Slide Image Placeholder 1"/>
+          <p:cNvSpPr>
+            <a:spLocks noGrp="1" noRot="1" noChangeAspect="1"/>
+          </p:cNvSpPr>
+          <p:nvPr>
+            <p:ph type="sldImg"/>
+          </p:nvPr>
+        </p:nvSpPr>
+        <p:spPr/>
+      </p:sp>
+      <p:sp>
+        <p:nvSpPr>
+          <p:cNvPr id="3" name="Notes Placeholder 2"/>
+          <p:cNvSpPr>
+            <a:spLocks noGrp="1"/>
+          </p:cNvSpPr>
+          <p:nvPr>
+            <p:ph type="body" idx="1"/>
+          </p:nvPr>
+        </p:nvSpPr>
+        <p:spPr/>
+        <p:txBody>
+          <a:bodyPr/>
+          <a:lstStyle/>
+          <a:p>
+            <a:r>
+              <a:rPr lang="en-US" dirty="0"/>
+              <a:t>Fetch records in the database “according to our sample of 215,000 voters (that voted in 2021 Harris county election)”</a:t>
+            </a:r>
+          </a:p>
+        </p:txBody>
+      </p:sp>
+      <p:sp>
+        <p:nvSpPr>
+          <p:cNvPr id="4" name="Slide Number Placeholder 3"/>
+          <p:cNvSpPr>
+            <a:spLocks noGrp="1"/>
+          </p:cNvSpPr>
+          <p:nvPr>
+            <p:ph type="sldNum" sz="quarter" idx="5"/>
+          </p:nvPr>
+        </p:nvSpPr>
+        <p:spPr/>
+        <p:txBody>
+          <a:bodyPr/>
+          <a:lstStyle/>
+          <a:p>
+            <a:fld id="{1BFF8EC0-4E85-4B5B-B1AE-D39CEADE6519}" type="slidenum">
+              <a:rPr lang="en-US" smtClean="0"/>
+              <a:t>7</a:t>
+            </a:fld>
+            <a:endParaRPr lang="en-US"/>
+          </a:p>
+        </p:txBody>
+      </p:sp>
+    </p:spTree>
+    <p:extLst>
+      <p:ext uri="{BB962C8B-B14F-4D97-AF65-F5344CB8AC3E}">
+        <p14:creationId xmlns:p14="http://schemas.microsoft.com/office/powerpoint/2010/main" val="1519796634"/>
+      </p:ext>
+    </p:extLst>
+  </p:cSld>
+  <p:clrMapOvr>
+    <a:masterClrMapping/>
+  </p:clrMapOvr>
+</p:notes>
+</file>
+
 <file path=ppt/slideLayouts/slideLayout1.xml><?xml version="1.0" encoding="utf-8"?>
 <p:sldLayout xmlns:a="http://schemas.openxmlformats.org/drawingml/2006/main" xmlns:r="http://schemas.openxmlformats.org/officeDocument/2006/relationships" xmlns:p="http://schemas.openxmlformats.org/presentationml/2006/main" type="title" preserve="1">
   <p:cSld name="Title Slide">
@@ -4639,6 +12867,14 @@
 <file path=ppt/slides/slide1.xml><?xml version="1.0" encoding="utf-8"?>
 <p:sld xmlns:a="http://schemas.openxmlformats.org/drawingml/2006/main" xmlns:r="http://schemas.openxmlformats.org/officeDocument/2006/relationships" xmlns:p="http://schemas.openxmlformats.org/presentationml/2006/main">
   <p:cSld>
+    <p:bg>
+      <p:bgPr>
+        <a:solidFill>
+          <a:schemeClr val="bg1"/>
+        </a:solidFill>
+        <a:effectLst/>
+      </p:bgPr>
+    </p:bg>
     <p:spTree>
       <p:nvGrpSpPr>
         <p:cNvPr id="1" name=""/>
@@ -4653,6 +12889,457 @@
           <a:chExt cx="0" cy="0"/>
         </a:xfrm>
       </p:grpSpPr>
+      <p:sp useBgFill="1">
+        <p:nvSpPr>
+          <p:cNvPr id="8" name="Rectangle 7">
+            <a:extLst>
+              <a:ext uri="{FF2B5EF4-FFF2-40B4-BE49-F238E27FC236}">
+                <a16:creationId xmlns:a16="http://schemas.microsoft.com/office/drawing/2014/main" id="{FFD48BC7-DC40-47DE-87EE-9F4B6ECB9ABB}"/>
+              </a:ext>
+              <a:ext uri="{C183D7F6-B498-43B3-948B-1728B52AA6E4}">
+                <adec:decorative xmlns:adec="http://schemas.microsoft.com/office/drawing/2017/decorative" val="1"/>
+              </a:ext>
+            </a:extLst>
+          </p:cNvPr>
+          <p:cNvSpPr>
+            <a:spLocks noGrp="1" noRot="1" noChangeAspect="1" noMove="1" noResize="1" noEditPoints="1" noAdjustHandles="1" noChangeArrowheads="1" noChangeShapeType="1" noTextEdit="1"/>
+          </p:cNvSpPr>
+          <p:nvPr>
+            <p:extLst>
+              <p:ext uri="{386F3935-93C4-4BCD-93E2-E3B085C9AB24}">
+                <p16:designElem xmlns:p16="http://schemas.microsoft.com/office/powerpoint/2015/main" val="1"/>
+              </p:ext>
+            </p:extLst>
+          </p:nvPr>
+        </p:nvSpPr>
+        <p:spPr>
+          <a:xfrm>
+            <a:off x="0" y="0"/>
+            <a:ext cx="12192000" cy="6858000"/>
+          </a:xfrm>
+          <a:prstGeom prst="rect">
+            <a:avLst/>
+          </a:prstGeom>
+          <a:ln>
+            <a:noFill/>
+          </a:ln>
+        </p:spPr>
+        <p:style>
+          <a:lnRef idx="2">
+            <a:schemeClr val="accent1">
+              <a:shade val="50000"/>
+            </a:schemeClr>
+          </a:lnRef>
+          <a:fillRef idx="1">
+            <a:schemeClr val="accent1"/>
+          </a:fillRef>
+          <a:effectRef idx="0">
+            <a:schemeClr val="accent1"/>
+          </a:effectRef>
+          <a:fontRef idx="minor">
+            <a:schemeClr val="lt1"/>
+          </a:fontRef>
+        </p:style>
+        <p:txBody>
+          <a:bodyPr rtlCol="0" anchor="ctr"/>
+          <a:lstStyle/>
+          <a:p>
+            <a:pPr algn="ctr"/>
+            <a:endParaRPr lang="en-US"/>
+          </a:p>
+        </p:txBody>
+      </p:sp>
+      <p:sp useBgFill="1">
+        <p:nvSpPr>
+          <p:cNvPr id="10" name="Freeform: Shape 9">
+            <a:extLst>
+              <a:ext uri="{FF2B5EF4-FFF2-40B4-BE49-F238E27FC236}">
+                <a16:creationId xmlns:a16="http://schemas.microsoft.com/office/drawing/2014/main" id="{E502BBC7-2C76-46F3-BC24-5985BC13DB88}"/>
+              </a:ext>
+              <a:ext uri="{C183D7F6-B498-43B3-948B-1728B52AA6E4}">
+                <adec:decorative xmlns:adec="http://schemas.microsoft.com/office/drawing/2017/decorative" val="1"/>
+              </a:ext>
+            </a:extLst>
+          </p:cNvPr>
+          <p:cNvSpPr>
+            <a:spLocks noGrp="1" noRot="1" noChangeAspect="1" noMove="1" noResize="1" noEditPoints="1" noAdjustHandles="1" noChangeArrowheads="1" noChangeShapeType="1" noTextEdit="1"/>
+          </p:cNvSpPr>
+          <p:nvPr>
+            <p:extLst>
+              <p:ext uri="{386F3935-93C4-4BCD-93E2-E3B085C9AB24}">
+                <p16:designElem xmlns:p16="http://schemas.microsoft.com/office/powerpoint/2015/main" val="1"/>
+              </p:ext>
+            </p:extLst>
+          </p:nvPr>
+        </p:nvSpPr>
+        <p:spPr>
+          <a:xfrm>
+            <a:off x="1114425" y="0"/>
+            <a:ext cx="9963150" cy="6858000"/>
+          </a:xfrm>
+          <a:custGeom>
+            <a:avLst/>
+            <a:gdLst>
+              <a:gd name="connsiteX0" fmla="*/ 1595771 w 9963150"/>
+              <a:gd name="connsiteY0" fmla="*/ 0 h 6858000"/>
+              <a:gd name="connsiteX1" fmla="*/ 8367379 w 9963150"/>
+              <a:gd name="connsiteY1" fmla="*/ 0 h 6858000"/>
+              <a:gd name="connsiteX2" fmla="*/ 8504080 w 9963150"/>
+              <a:gd name="connsiteY2" fmla="*/ 130333 h 6858000"/>
+              <a:gd name="connsiteX3" fmla="*/ 9963150 w 9963150"/>
+              <a:gd name="connsiteY3" fmla="*/ 3652838 h 6858000"/>
+              <a:gd name="connsiteX4" fmla="*/ 8825600 w 9963150"/>
+              <a:gd name="connsiteY4" fmla="*/ 6821583 h 6858000"/>
+              <a:gd name="connsiteX5" fmla="*/ 8794055 w 9963150"/>
+              <a:gd name="connsiteY5" fmla="*/ 6858000 h 6858000"/>
+              <a:gd name="connsiteX6" fmla="*/ 1169096 w 9963150"/>
+              <a:gd name="connsiteY6" fmla="*/ 6858000 h 6858000"/>
+              <a:gd name="connsiteX7" fmla="*/ 1137550 w 9963150"/>
+              <a:gd name="connsiteY7" fmla="*/ 6821583 h 6858000"/>
+              <a:gd name="connsiteX8" fmla="*/ 0 w 9963150"/>
+              <a:gd name="connsiteY8" fmla="*/ 3652838 h 6858000"/>
+              <a:gd name="connsiteX9" fmla="*/ 1459070 w 9963150"/>
+              <a:gd name="connsiteY9" fmla="*/ 130333 h 6858000"/>
+            </a:gdLst>
+            <a:ahLst/>
+            <a:cxnLst>
+              <a:cxn ang="0">
+                <a:pos x="connsiteX0" y="connsiteY0"/>
+              </a:cxn>
+              <a:cxn ang="0">
+                <a:pos x="connsiteX1" y="connsiteY1"/>
+              </a:cxn>
+              <a:cxn ang="0">
+                <a:pos x="connsiteX2" y="connsiteY2"/>
+              </a:cxn>
+              <a:cxn ang="0">
+                <a:pos x="connsiteX3" y="connsiteY3"/>
+              </a:cxn>
+              <a:cxn ang="0">
+                <a:pos x="connsiteX4" y="connsiteY4"/>
+              </a:cxn>
+              <a:cxn ang="0">
+                <a:pos x="connsiteX5" y="connsiteY5"/>
+              </a:cxn>
+              <a:cxn ang="0">
+                <a:pos x="connsiteX6" y="connsiteY6"/>
+              </a:cxn>
+              <a:cxn ang="0">
+                <a:pos x="connsiteX7" y="connsiteY7"/>
+              </a:cxn>
+              <a:cxn ang="0">
+                <a:pos x="connsiteX8" y="connsiteY8"/>
+              </a:cxn>
+              <a:cxn ang="0">
+                <a:pos x="connsiteX9" y="connsiteY9"/>
+              </a:cxn>
+            </a:cxnLst>
+            <a:rect l="l" t="t" r="r" b="b"/>
+            <a:pathLst>
+              <a:path w="9963150" h="6858000">
+                <a:moveTo>
+                  <a:pt x="1595771" y="0"/>
+                </a:moveTo>
+                <a:lnTo>
+                  <a:pt x="8367379" y="0"/>
+                </a:lnTo>
+                <a:lnTo>
+                  <a:pt x="8504080" y="130333"/>
+                </a:lnTo>
+                <a:cubicBezTo>
+                  <a:pt x="9405568" y="1031820"/>
+                  <a:pt x="9963150" y="2277214"/>
+                  <a:pt x="9963150" y="3652838"/>
+                </a:cubicBezTo>
+                <a:cubicBezTo>
+                  <a:pt x="9963150" y="4856509"/>
+                  <a:pt x="9536251" y="5960473"/>
+                  <a:pt x="8825600" y="6821583"/>
+                </a:cubicBezTo>
+                <a:lnTo>
+                  <a:pt x="8794055" y="6858000"/>
+                </a:lnTo>
+                <a:lnTo>
+                  <a:pt x="1169096" y="6858000"/>
+                </a:lnTo>
+                <a:lnTo>
+                  <a:pt x="1137550" y="6821583"/>
+                </a:lnTo>
+                <a:cubicBezTo>
+                  <a:pt x="426899" y="5960473"/>
+                  <a:pt x="0" y="4856509"/>
+                  <a:pt x="0" y="3652838"/>
+                </a:cubicBezTo>
+                <a:cubicBezTo>
+                  <a:pt x="0" y="2277214"/>
+                  <a:pt x="557582" y="1031820"/>
+                  <a:pt x="1459070" y="130333"/>
+                </a:cubicBezTo>
+                <a:close/>
+              </a:path>
+            </a:pathLst>
+          </a:custGeom>
+          <a:ln w="9525">
+            <a:solidFill>
+              <a:srgbClr val="EFEFEF"/>
+            </a:solidFill>
+          </a:ln>
+          <a:effectLst>
+            <a:outerShdw blurRad="139700" sx="102000" sy="102000" algn="ctr" rotWithShape="0">
+              <a:schemeClr val="bg1">
+                <a:lumMod val="85000"/>
+                <a:alpha val="38000"/>
+              </a:schemeClr>
+            </a:outerShdw>
+          </a:effectLst>
+        </p:spPr>
+        <p:style>
+          <a:lnRef idx="2">
+            <a:schemeClr val="accent1">
+              <a:shade val="50000"/>
+            </a:schemeClr>
+          </a:lnRef>
+          <a:fillRef idx="1">
+            <a:schemeClr val="accent1"/>
+          </a:fillRef>
+          <a:effectRef idx="0">
+            <a:schemeClr val="accent1"/>
+          </a:effectRef>
+          <a:fontRef idx="minor">
+            <a:schemeClr val="lt1"/>
+          </a:fontRef>
+        </p:style>
+        <p:txBody>
+          <a:bodyPr wrap="square" rtlCol="0" anchor="ctr">
+            <a:noAutofit/>
+          </a:bodyPr>
+          <a:lstStyle/>
+          <a:p>
+            <a:pPr marL="0" marR="0" lvl="0" indent="0" algn="ctr" defTabSz="914400" rtl="0" eaLnBrk="1" fontAlgn="auto" latinLnBrk="0" hangingPunct="1">
+              <a:lnSpc>
+                <a:spcPct val="100000"/>
+              </a:lnSpc>
+              <a:spcBef>
+                <a:spcPts val="0"/>
+              </a:spcBef>
+              <a:spcAft>
+                <a:spcPts val="0"/>
+              </a:spcAft>
+              <a:buClrTx/>
+              <a:buSzTx/>
+              <a:buFontTx/>
+              <a:buNone/>
+              <a:tabLst/>
+              <a:defRPr/>
+            </a:pPr>
+            <a:endParaRPr kumimoji="0" lang="en-US" sz="1800" b="0" i="0" u="none" strike="noStrike" kern="1200" cap="none" spc="0" normalizeH="0" baseline="0" noProof="0">
+              <a:ln>
+                <a:noFill/>
+              </a:ln>
+              <a:solidFill>
+                <a:prstClr val="white"/>
+              </a:solidFill>
+              <a:effectLst/>
+              <a:uLnTx/>
+              <a:uFillTx/>
+              <a:latin typeface="Calibri" panose="020F0502020204030204"/>
+              <a:ea typeface="+mn-ea"/>
+              <a:cs typeface="+mn-cs"/>
+            </a:endParaRPr>
+          </a:p>
+        </p:txBody>
+      </p:sp>
+      <p:sp useBgFill="1">
+        <p:nvSpPr>
+          <p:cNvPr id="12" name="Freeform: Shape 11">
+            <a:extLst>
+              <a:ext uri="{FF2B5EF4-FFF2-40B4-BE49-F238E27FC236}">
+                <a16:creationId xmlns:a16="http://schemas.microsoft.com/office/drawing/2014/main" id="{C7F28D52-2A5F-4D23-81AE-7CB8B591C7AF}"/>
+              </a:ext>
+              <a:ext uri="{C183D7F6-B498-43B3-948B-1728B52AA6E4}">
+                <adec:decorative xmlns:adec="http://schemas.microsoft.com/office/drawing/2017/decorative" val="1"/>
+              </a:ext>
+            </a:extLst>
+          </p:cNvPr>
+          <p:cNvSpPr>
+            <a:spLocks noGrp="1" noRot="1" noChangeAspect="1" noMove="1" noResize="1" noEditPoints="1" noAdjustHandles="1" noChangeArrowheads="1" noChangeShapeType="1" noTextEdit="1"/>
+          </p:cNvSpPr>
+          <p:nvPr>
+            <p:extLst>
+              <p:ext uri="{386F3935-93C4-4BCD-93E2-E3B085C9AB24}">
+                <p16:designElem xmlns:p16="http://schemas.microsoft.com/office/powerpoint/2015/main" val="1"/>
+              </p:ext>
+            </p:extLst>
+          </p:nvPr>
+        </p:nvSpPr>
+        <p:spPr>
+          <a:xfrm>
+            <a:off x="1121664" y="0"/>
+            <a:ext cx="9948672" cy="6858000"/>
+          </a:xfrm>
+          <a:custGeom>
+            <a:avLst/>
+            <a:gdLst>
+              <a:gd name="connsiteX0" fmla="*/ 1595771 w 9963150"/>
+              <a:gd name="connsiteY0" fmla="*/ 0 h 6858000"/>
+              <a:gd name="connsiteX1" fmla="*/ 8367379 w 9963150"/>
+              <a:gd name="connsiteY1" fmla="*/ 0 h 6858000"/>
+              <a:gd name="connsiteX2" fmla="*/ 8504080 w 9963150"/>
+              <a:gd name="connsiteY2" fmla="*/ 130333 h 6858000"/>
+              <a:gd name="connsiteX3" fmla="*/ 9963150 w 9963150"/>
+              <a:gd name="connsiteY3" fmla="*/ 3652838 h 6858000"/>
+              <a:gd name="connsiteX4" fmla="*/ 8825600 w 9963150"/>
+              <a:gd name="connsiteY4" fmla="*/ 6821583 h 6858000"/>
+              <a:gd name="connsiteX5" fmla="*/ 8794055 w 9963150"/>
+              <a:gd name="connsiteY5" fmla="*/ 6858000 h 6858000"/>
+              <a:gd name="connsiteX6" fmla="*/ 1169096 w 9963150"/>
+              <a:gd name="connsiteY6" fmla="*/ 6858000 h 6858000"/>
+              <a:gd name="connsiteX7" fmla="*/ 1137550 w 9963150"/>
+              <a:gd name="connsiteY7" fmla="*/ 6821583 h 6858000"/>
+              <a:gd name="connsiteX8" fmla="*/ 0 w 9963150"/>
+              <a:gd name="connsiteY8" fmla="*/ 3652838 h 6858000"/>
+              <a:gd name="connsiteX9" fmla="*/ 1459070 w 9963150"/>
+              <a:gd name="connsiteY9" fmla="*/ 130333 h 6858000"/>
+            </a:gdLst>
+            <a:ahLst/>
+            <a:cxnLst>
+              <a:cxn ang="0">
+                <a:pos x="connsiteX0" y="connsiteY0"/>
+              </a:cxn>
+              <a:cxn ang="0">
+                <a:pos x="connsiteX1" y="connsiteY1"/>
+              </a:cxn>
+              <a:cxn ang="0">
+                <a:pos x="connsiteX2" y="connsiteY2"/>
+              </a:cxn>
+              <a:cxn ang="0">
+                <a:pos x="connsiteX3" y="connsiteY3"/>
+              </a:cxn>
+              <a:cxn ang="0">
+                <a:pos x="connsiteX4" y="connsiteY4"/>
+              </a:cxn>
+              <a:cxn ang="0">
+                <a:pos x="connsiteX5" y="connsiteY5"/>
+              </a:cxn>
+              <a:cxn ang="0">
+                <a:pos x="connsiteX6" y="connsiteY6"/>
+              </a:cxn>
+              <a:cxn ang="0">
+                <a:pos x="connsiteX7" y="connsiteY7"/>
+              </a:cxn>
+              <a:cxn ang="0">
+                <a:pos x="connsiteX8" y="connsiteY8"/>
+              </a:cxn>
+              <a:cxn ang="0">
+                <a:pos x="connsiteX9" y="connsiteY9"/>
+              </a:cxn>
+            </a:cxnLst>
+            <a:rect l="l" t="t" r="r" b="b"/>
+            <a:pathLst>
+              <a:path w="9963150" h="6858000">
+                <a:moveTo>
+                  <a:pt x="1595771" y="0"/>
+                </a:moveTo>
+                <a:lnTo>
+                  <a:pt x="8367379" y="0"/>
+                </a:lnTo>
+                <a:lnTo>
+                  <a:pt x="8504080" y="130333"/>
+                </a:lnTo>
+                <a:cubicBezTo>
+                  <a:pt x="9405568" y="1031820"/>
+                  <a:pt x="9963150" y="2277214"/>
+                  <a:pt x="9963150" y="3652838"/>
+                </a:cubicBezTo>
+                <a:cubicBezTo>
+                  <a:pt x="9963150" y="4856509"/>
+                  <a:pt x="9536251" y="5960473"/>
+                  <a:pt x="8825600" y="6821583"/>
+                </a:cubicBezTo>
+                <a:lnTo>
+                  <a:pt x="8794055" y="6858000"/>
+                </a:lnTo>
+                <a:lnTo>
+                  <a:pt x="1169096" y="6858000"/>
+                </a:lnTo>
+                <a:lnTo>
+                  <a:pt x="1137550" y="6821583"/>
+                </a:lnTo>
+                <a:cubicBezTo>
+                  <a:pt x="426899" y="5960473"/>
+                  <a:pt x="0" y="4856509"/>
+                  <a:pt x="0" y="3652838"/>
+                </a:cubicBezTo>
+                <a:cubicBezTo>
+                  <a:pt x="0" y="2277214"/>
+                  <a:pt x="557582" y="1031820"/>
+                  <a:pt x="1459070" y="130333"/>
+                </a:cubicBezTo>
+                <a:close/>
+              </a:path>
+            </a:pathLst>
+          </a:custGeom>
+          <a:ln w="9525">
+            <a:noFill/>
+          </a:ln>
+          <a:effectLst/>
+        </p:spPr>
+        <p:style>
+          <a:lnRef idx="2">
+            <a:schemeClr val="accent1">
+              <a:shade val="50000"/>
+            </a:schemeClr>
+          </a:lnRef>
+          <a:fillRef idx="1">
+            <a:schemeClr val="accent1"/>
+          </a:fillRef>
+          <a:effectRef idx="0">
+            <a:schemeClr val="accent1"/>
+          </a:effectRef>
+          <a:fontRef idx="minor">
+            <a:schemeClr val="lt1"/>
+          </a:fontRef>
+        </p:style>
+        <p:txBody>
+          <a:bodyPr wrap="square" rtlCol="0" anchor="ctr">
+            <a:noAutofit/>
+          </a:bodyPr>
+          <a:lstStyle/>
+          <a:p>
+            <a:pPr marL="0" marR="0" lvl="0" indent="0" algn="ctr" defTabSz="914400" rtl="0" eaLnBrk="1" fontAlgn="auto" latinLnBrk="0" hangingPunct="1">
+              <a:lnSpc>
+                <a:spcPct val="100000"/>
+              </a:lnSpc>
+              <a:spcBef>
+                <a:spcPts val="0"/>
+              </a:spcBef>
+              <a:spcAft>
+                <a:spcPts val="0"/>
+              </a:spcAft>
+              <a:buClrTx/>
+              <a:buSzTx/>
+              <a:buFontTx/>
+              <a:buNone/>
+              <a:tabLst/>
+              <a:defRPr/>
+            </a:pPr>
+            <a:endParaRPr kumimoji="0" lang="en-US" sz="1800" b="0" i="0" u="none" strike="noStrike" kern="1200" cap="none" spc="0" normalizeH="0" baseline="0" noProof="0">
+              <a:ln>
+                <a:noFill/>
+              </a:ln>
+              <a:solidFill>
+                <a:prstClr val="white"/>
+              </a:solidFill>
+              <a:effectLst/>
+              <a:uLnTx/>
+              <a:uFillTx/>
+              <a:latin typeface="Calibri" panose="020F0502020204030204"/>
+              <a:ea typeface="+mn-ea"/>
+              <a:cs typeface="+mn-cs"/>
+            </a:endParaRPr>
+          </a:p>
+        </p:txBody>
+      </p:sp>
       <p:sp>
         <p:nvSpPr>
           <p:cNvPr id="2" name="Title 1">
@@ -4669,24 +13356,38 @@
             <p:ph type="ctrTitle"/>
           </p:nvPr>
         </p:nvSpPr>
-        <p:spPr/>
+        <p:spPr>
+          <a:xfrm>
+            <a:off x="1524003" y="1999615"/>
+            <a:ext cx="9144000" cy="2764028"/>
+          </a:xfrm>
+        </p:spPr>
         <p:txBody>
-          <a:bodyPr>
-            <a:normAutofit fontScale="90000"/>
+          <a:bodyPr anchor="ctr">
+            <a:normAutofit/>
           </a:bodyPr>
           <a:lstStyle/>
           <a:p>
+            <a:pPr>
+              <a:spcBef>
+                <a:spcPts val="0"/>
+              </a:spcBef>
+              <a:spcAft>
+                <a:spcPts val="600"/>
+              </a:spcAft>
+            </a:pPr>
             <a:r>
-              <a:rPr lang="en-US" dirty="0"/>
-              <a:t>COSC 6376</a:t>
+              <a:rPr lang="en-US" sz="4800" spc="-150" dirty="0"/>
+              <a:t>COSC 6376 Project</a:t>
             </a:r>
             <a:br>
-              <a:rPr lang="en-US" dirty="0"/>
+              <a:rPr lang="en-US" sz="6100" dirty="0"/>
             </a:br>
             <a:r>
-              <a:rPr lang="en-US" dirty="0"/>
-              <a:t>Project: An Investigation into AWS File Systems (EC2 and S3)</a:t>
+              <a:rPr lang="en-US" sz="5400" dirty="0"/>
+              <a:t>An Investigation into AWS File Systems (EC2 and S3)</a:t>
             </a:r>
+            <a:endParaRPr lang="en-US" sz="6100" dirty="0"/>
           </a:p>
         </p:txBody>
       </p:sp>
@@ -4708,24 +13409,118 @@
         </p:nvSpPr>
         <p:spPr>
           <a:xfrm>
-            <a:off x="1524000" y="3602038"/>
-            <a:ext cx="9144000" cy="1035276"/>
+            <a:off x="1966912" y="5645150"/>
+            <a:ext cx="8258176" cy="811345"/>
           </a:xfrm>
         </p:spPr>
         <p:txBody>
-          <a:bodyPr/>
+          <a:bodyPr anchor="ctr">
+            <a:normAutofit/>
+          </a:bodyPr>
           <a:lstStyle/>
           <a:p>
             <a:r>
-              <a:rPr lang="en-US" dirty="0"/>
+              <a:rPr lang="en-US" sz="2000" dirty="0"/>
               <a:t>Daniel Fernandez</a:t>
             </a:r>
           </a:p>
           <a:p>
             <a:r>
-              <a:rPr lang="en-US" dirty="0"/>
+              <a:rPr lang="en-US" sz="2000" dirty="0"/>
               <a:t>Glenn Turner</a:t>
             </a:r>
+          </a:p>
+        </p:txBody>
+      </p:sp>
+      <p:sp>
+        <p:nvSpPr>
+          <p:cNvPr id="14" name="Rectangle 13">
+            <a:extLst>
+              <a:ext uri="{FF2B5EF4-FFF2-40B4-BE49-F238E27FC236}">
+                <a16:creationId xmlns:a16="http://schemas.microsoft.com/office/drawing/2014/main" id="{3629484E-3792-4B3D-89AD-7C8A1ED0E0D4}"/>
+              </a:ext>
+              <a:ext uri="{C183D7F6-B498-43B3-948B-1728B52AA6E4}">
+                <adec:decorative xmlns:adec="http://schemas.microsoft.com/office/drawing/2017/decorative" val="1"/>
+              </a:ext>
+            </a:extLst>
+          </p:cNvPr>
+          <p:cNvSpPr>
+            <a:spLocks noGrp="1" noRot="1" noChangeAspect="1" noMove="1" noResize="1" noEditPoints="1" noAdjustHandles="1" noChangeArrowheads="1" noChangeShapeType="1" noTextEdit="1"/>
+          </p:cNvSpPr>
+          <p:nvPr>
+            <p:extLst>
+              <p:ext uri="{386F3935-93C4-4BCD-93E2-E3B085C9AB24}">
+                <p16:designElem xmlns:p16="http://schemas.microsoft.com/office/powerpoint/2015/main" val="1"/>
+              </p:ext>
+            </p:extLst>
+          </p:nvPr>
+        </p:nvSpPr>
+        <p:spPr>
+          <a:xfrm>
+            <a:off x="3718560" y="5524786"/>
+            <a:ext cx="4754880" cy="27432"/>
+          </a:xfrm>
+          <a:prstGeom prst="rect">
+            <a:avLst/>
+          </a:prstGeom>
+          <a:solidFill>
+            <a:schemeClr val="accent2"/>
+          </a:solidFill>
+          <a:ln>
+            <a:noFill/>
+          </a:ln>
+        </p:spPr>
+        <p:style>
+          <a:lnRef idx="2">
+            <a:schemeClr val="accent1">
+              <a:shade val="50000"/>
+            </a:schemeClr>
+          </a:lnRef>
+          <a:fillRef idx="1">
+            <a:schemeClr val="accent1"/>
+          </a:fillRef>
+          <a:effectRef idx="0">
+            <a:schemeClr val="accent1"/>
+          </a:effectRef>
+          <a:fontRef idx="minor">
+            <a:schemeClr val="lt1"/>
+          </a:fontRef>
+        </p:style>
+        <p:txBody>
+          <a:bodyPr rtlCol="0" anchor="ctr"/>
+          <a:lstStyle/>
+          <a:p>
+            <a:pPr marL="0" marR="0" lvl="0" indent="0" algn="ctr" defTabSz="914400" rtl="0" eaLnBrk="1" fontAlgn="auto" latinLnBrk="0" hangingPunct="1">
+              <a:lnSpc>
+                <a:spcPct val="100000"/>
+              </a:lnSpc>
+              <a:spcBef>
+                <a:spcPts val="0"/>
+              </a:spcBef>
+              <a:spcAft>
+                <a:spcPts val="0"/>
+              </a:spcAft>
+              <a:buClrTx/>
+              <a:buSzTx/>
+              <a:buFontTx/>
+              <a:buNone/>
+              <a:tabLst/>
+              <a:defRPr/>
+            </a:pPr>
+            <a:endParaRPr kumimoji="0" lang="en-US" sz="1800" b="0" i="0" u="none" strike="noStrike" kern="1200" cap="none" spc="0" normalizeH="0" baseline="0" noProof="0">
+              <a:ln>
+                <a:noFill/>
+              </a:ln>
+              <a:solidFill>
+                <a:prstClr val="white"/>
+              </a:solidFill>
+              <a:effectLst/>
+              <a:uLnTx/>
+              <a:uFillTx/>
+              <a:latin typeface="Calibri" panose="020F0502020204030204"/>
+              <a:ea typeface="+mn-ea"/>
+              <a:cs typeface="+mn-cs"/>
+            </a:endParaRPr>
           </a:p>
         </p:txBody>
       </p:sp>
@@ -4792,65 +13587,37 @@
           </a:p>
         </p:txBody>
       </p:sp>
-      <p:sp>
-        <p:nvSpPr>
-          <p:cNvPr id="3" name="Content Placeholder 2">
+      <p:graphicFrame>
+        <p:nvGraphicFramePr>
+          <p:cNvPr id="7" name="Content Placeholder 2">
             <a:extLst>
               <a:ext uri="{FF2B5EF4-FFF2-40B4-BE49-F238E27FC236}">
-                <a16:creationId xmlns:a16="http://schemas.microsoft.com/office/drawing/2014/main" id="{D3049F2B-92B0-4C7E-95CF-0078BFBC532C}"/>
+                <a16:creationId xmlns:a16="http://schemas.microsoft.com/office/drawing/2014/main" id="{D2B600C7-A791-F681-D189-DA40156272DD}"/>
               </a:ext>
             </a:extLst>
           </p:cNvPr>
-          <p:cNvSpPr>
-            <a:spLocks noGrp="1"/>
-          </p:cNvSpPr>
+          <p:cNvGraphicFramePr>
+            <a:graphicFrameLocks noGrp="1"/>
+          </p:cNvGraphicFramePr>
           <p:nvPr>
             <p:ph idx="1"/>
+            <p:extLst>
+              <p:ext uri="{D42A27DB-BD31-4B8C-83A1-F6EECF244321}">
+                <p14:modId xmlns:p14="http://schemas.microsoft.com/office/powerpoint/2010/main" val="3580922237"/>
+              </p:ext>
+            </p:extLst>
           </p:nvPr>
-        </p:nvSpPr>
-        <p:spPr/>
-        <p:txBody>
-          <a:bodyPr>
-            <a:normAutofit/>
-          </a:bodyPr>
-          <a:lstStyle/>
-          <a:p>
-            <a:r>
-              <a:rPr lang="en-US" dirty="0"/>
-              <a:t>We had no experience with the file systems as presented in class</a:t>
-            </a:r>
-          </a:p>
-          <a:p>
-            <a:r>
-              <a:rPr lang="en-US" dirty="0"/>
-              <a:t>Amazon Web Services has a bewildering collection of file system choices</a:t>
-            </a:r>
-          </a:p>
-          <a:p>
-            <a:pPr lvl="1"/>
-            <a:r>
-              <a:rPr lang="en-US" dirty="0"/>
-              <a:t>Elastic Block Store (many choices in itself)</a:t>
-            </a:r>
-          </a:p>
-          <a:p>
-            <a:pPr lvl="1"/>
-            <a:r>
-              <a:rPr lang="en-US" dirty="0"/>
-              <a:t>S3 – get and put objects</a:t>
-            </a:r>
-          </a:p>
-          <a:p>
-            <a:r>
-              <a:rPr lang="en-US" dirty="0"/>
-              <a:t>These seem to be interesting and possibly new ways of manipulating data in storage.</a:t>
-            </a:r>
-          </a:p>
-          <a:p>
-            <a:endParaRPr lang="en-US" dirty="0"/>
-          </a:p>
-        </p:txBody>
-      </p:sp>
+        </p:nvGraphicFramePr>
+        <p:xfrm>
+          <a:off x="838200" y="1825625"/>
+          <a:ext cx="10515600" cy="4351338"/>
+        </p:xfrm>
+        <a:graphic>
+          <a:graphicData uri="http://schemas.openxmlformats.org/drawingml/2006/diagram">
+            <dgm:relIds xmlns:dgm="http://schemas.openxmlformats.org/drawingml/2006/diagram" xmlns:r="http://schemas.openxmlformats.org/officeDocument/2006/relationships" r:dm="rId3" r:lo="rId4" r:qs="rId5" r:cs="rId6"/>
+          </a:graphicData>
+        </a:graphic>
+      </p:graphicFrame>
       <p:cxnSp>
         <p:nvCxnSpPr>
           <p:cNvPr id="5" name="Straight Connector 4">
@@ -4983,31 +13750,42 @@
           <a:p>
             <a:r>
               <a:rPr lang="en-US" dirty="0"/>
-              <a:t>We wanted to simulate actual work conditions</a:t>
+              <a:t>Simulate actual work conditions</a:t>
             </a:r>
           </a:p>
           <a:p>
             <a:r>
               <a:rPr lang="en-US" dirty="0"/>
-              <a:t>We wanted a practical apparatus to do fairly large amounts of IO.</a:t>
+              <a:t>Fairly large amount of IO operations</a:t>
             </a:r>
           </a:p>
           <a:p>
             <a:r>
               <a:rPr lang="en-US" dirty="0"/>
-              <a:t>We wanted control over the record size. </a:t>
+              <a:t>Control over the record size. </a:t>
             </a:r>
+          </a:p>
+          <a:p>
+            <a:endParaRPr lang="en-US" dirty="0"/>
           </a:p>
           <a:p>
             <a:r>
               <a:rPr lang="en-US" dirty="0"/>
-              <a:t>We naively hoped that the Elastic Block Storage may offer some additional IO performance</a:t>
+              <a:t>(DF: Could you categorize these 2? Maybe “Comments”?)</a:t>
             </a:r>
           </a:p>
           <a:p>
+            <a:pPr lvl="1"/>
             <a:r>
               <a:rPr lang="en-US" dirty="0"/>
-              <a:t>In addition, the idea of retrieving blocks of storage by an identifier seems appealing.</a:t>
+              <a:t>Naïve: Hoped that EBS may offer some additional IO performance.</a:t>
+            </a:r>
+          </a:p>
+          <a:p>
+            <a:pPr lvl="1"/>
+            <a:r>
+              <a:rPr lang="en-US" dirty="0"/>
+              <a:t>Additionally, retrieving blocks of storage by an identifier seems appealing.</a:t>
             </a:r>
           </a:p>
           <a:p>
@@ -5147,41 +13925,52 @@
           <a:p>
             <a:r>
               <a:rPr lang="en-US" dirty="0"/>
-              <a:t>We have a list of registered voters in Harris County (obtained with FOIA request). </a:t>
+              <a:t>List of registered voters in Harris County (obtained via FOIA request)</a:t>
             </a:r>
           </a:p>
           <a:p>
             <a:pPr lvl="1"/>
             <a:r>
               <a:rPr lang="en-US" dirty="0"/>
-              <a:t>This is 2.48 Million records</a:t>
+              <a:t>2.48 Million records</a:t>
             </a:r>
           </a:p>
           <a:p>
             <a:pPr lvl="1"/>
             <a:r>
               <a:rPr lang="en-US" dirty="0"/>
-              <a:t>This data is in apparent random order.</a:t>
+              <a:t>In apparent random order</a:t>
             </a:r>
+          </a:p>
+          <a:p>
+            <a:pPr lvl="1"/>
+            <a:endParaRPr lang="en-US" dirty="0"/>
           </a:p>
           <a:p>
             <a:r>
               <a:rPr lang="en-US" dirty="0"/>
-              <a:t>We have a list of every ID of voters in the county election of 2021. This is data for each day of voting, as well as ballot by mail</a:t>
+              <a:t>List of voters in the county election of 2021</a:t>
             </a:r>
           </a:p>
           <a:p>
             <a:pPr lvl="1"/>
             <a:r>
               <a:rPr lang="en-US" dirty="0"/>
-              <a:t>This data is in order of votes received so is apparent random as well</a:t>
+              <a:t>In-person &amp; Mail-in voting</a:t>
             </a:r>
           </a:p>
           <a:p>
             <a:pPr lvl="1"/>
             <a:r>
               <a:rPr lang="en-US" dirty="0"/>
-              <a:t>We took the 215 thousand records of voters and for each voter ID select the registered voter record from the database. </a:t>
+              <a:t>Data in order of votes received (apparent random order)</a:t>
+            </a:r>
+          </a:p>
+          <a:p>
+            <a:pPr lvl="1"/>
+            <a:r>
+              <a:rPr lang="en-US" dirty="0"/>
+              <a:t>Used a sample of 215,000 of these voters.</a:t>
             </a:r>
           </a:p>
           <a:p>
@@ -5291,53 +14080,42 @@
           <a:p>
             <a:r>
               <a:rPr lang="en-US" dirty="0"/>
-              <a:t>We Built a Database</a:t>
+              <a:t>Constructing the Database</a:t>
             </a:r>
           </a:p>
         </p:txBody>
       </p:sp>
-      <p:sp>
-        <p:nvSpPr>
-          <p:cNvPr id="3" name="Content Placeholder 2">
+      <p:graphicFrame>
+        <p:nvGraphicFramePr>
+          <p:cNvPr id="7" name="Content Placeholder 2">
             <a:extLst>
               <a:ext uri="{FF2B5EF4-FFF2-40B4-BE49-F238E27FC236}">
-                <a16:creationId xmlns:a16="http://schemas.microsoft.com/office/drawing/2014/main" id="{D3049F2B-92B0-4C7E-95CF-0078BFBC532C}"/>
+                <a16:creationId xmlns:a16="http://schemas.microsoft.com/office/drawing/2014/main" id="{A6FFDD0D-8228-A049-0A68-788D40F0EA27}"/>
               </a:ext>
             </a:extLst>
           </p:cNvPr>
-          <p:cNvSpPr>
-            <a:spLocks noGrp="1"/>
-          </p:cNvSpPr>
+          <p:cNvGraphicFramePr>
+            <a:graphicFrameLocks noGrp="1"/>
+          </p:cNvGraphicFramePr>
           <p:nvPr>
             <p:ph idx="1"/>
+            <p:extLst>
+              <p:ext uri="{D42A27DB-BD31-4B8C-83A1-F6EECF244321}">
+                <p14:modId xmlns:p14="http://schemas.microsoft.com/office/powerpoint/2010/main" val="3067631907"/>
+              </p:ext>
+            </p:extLst>
           </p:nvPr>
-        </p:nvSpPr>
-        <p:spPr/>
-        <p:txBody>
-          <a:bodyPr>
-            <a:normAutofit/>
-          </a:bodyPr>
-          <a:lstStyle/>
-          <a:p>
-            <a:r>
-              <a:rPr lang="en-US" dirty="0"/>
-              <a:t>The registered voter list, as a csv file, is read and a python dictionary built.  </a:t>
-            </a:r>
-          </a:p>
-          <a:p>
-            <a:r>
-              <a:rPr lang="en-US" dirty="0"/>
-              <a:t>The dictionary key is the voter ID and the voter records is padded to be a predetermined length and is imbedded in a larger physical record. </a:t>
-            </a:r>
-          </a:p>
-          <a:p>
-            <a:r>
-              <a:rPr lang="en-US" dirty="0"/>
-              <a:t>The dictionary returns the location of the data record as a physical record number and the offset into that physical record. </a:t>
-            </a:r>
-          </a:p>
-        </p:txBody>
-      </p:sp>
+        </p:nvGraphicFramePr>
+        <p:xfrm>
+          <a:off x="838200" y="1426169"/>
+          <a:ext cx="10515600" cy="4889339"/>
+        </p:xfrm>
+        <a:graphic>
+          <a:graphicData uri="http://schemas.openxmlformats.org/drawingml/2006/diagram">
+            <dgm:relIds xmlns:dgm="http://schemas.openxmlformats.org/drawingml/2006/diagram" xmlns:r="http://schemas.openxmlformats.org/officeDocument/2006/relationships" r:dm="rId3" r:lo="rId4" r:qs="rId5" r:cs="rId6"/>
+          </a:graphicData>
+        </a:graphic>
+      </p:graphicFrame>
       <p:cxnSp>
         <p:nvCxnSpPr>
           <p:cNvPr id="5" name="Straight Connector 4">
@@ -6946,7 +15724,7 @@
                     <a:bodyPr/>
                     <a:lstStyle/>
                     <a:p>
-                      <a:endParaRPr lang="en-US"/>
+                      <a:endParaRPr lang="en-US" dirty="0"/>
                     </a:p>
                   </a:txBody>
                   <a:tcPr>
@@ -6986,7 +15764,7 @@
                     <a:bodyPr/>
                     <a:lstStyle/>
                     <a:p>
-                      <a:endParaRPr lang="en-US"/>
+                      <a:endParaRPr lang="en-US" dirty="0"/>
                     </a:p>
                   </a:txBody>
                   <a:tcPr>
@@ -7073,7 +15851,7 @@
                     <a:bodyPr/>
                     <a:lstStyle/>
                     <a:p>
-                      <a:endParaRPr lang="en-US"/>
+                      <a:endParaRPr lang="en-US" dirty="0"/>
                     </a:p>
                   </a:txBody>
                   <a:tcPr>
@@ -7353,7 +16131,7 @@
         <p:spPr>
           <a:xfrm>
             <a:off x="717444" y="3255542"/>
-            <a:ext cx="4243754" cy="1384995"/>
+            <a:ext cx="4243754" cy="2246769"/>
           </a:xfrm>
           <a:prstGeom prst="rect">
             <a:avLst/>
@@ -7365,6 +16143,12 @@
             <a:spAutoFit/>
           </a:bodyPr>
           <a:lstStyle/>
+          <a:p>
+            <a:r>
+              <a:rPr lang="en-US" sz="2800" i="1" dirty="0"/>
+              <a:t>? DF: This is the same as above:</a:t>
+            </a:r>
+          </a:p>
           <a:p>
             <a:r>
               <a:rPr lang="en-US" sz="2800" dirty="0"/>
@@ -7467,21 +16251,21 @@
           <a:p>
             <a:r>
               <a:rPr lang="en-US" dirty="0"/>
-              <a:t>Build The Database</a:t>
+              <a:t>Build the Database</a:t>
             </a:r>
           </a:p>
           <a:p>
             <a:pPr lvl="1"/>
             <a:r>
               <a:rPr lang="en-US" dirty="0"/>
-              <a:t>Build Dictionary</a:t>
+              <a:t>Build dictionary</a:t>
             </a:r>
           </a:p>
           <a:p>
             <a:pPr lvl="1"/>
             <a:r>
               <a:rPr lang="en-US" dirty="0"/>
-              <a:t>Write Dictionary</a:t>
+              <a:t>Write dictionary</a:t>
             </a:r>
           </a:p>
           <a:p>
@@ -7494,21 +16278,21 @@
           <a:p>
             <a:r>
               <a:rPr lang="en-US" dirty="0"/>
-              <a:t>Use The Database</a:t>
+              <a:t>Using the Database</a:t>
             </a:r>
           </a:p>
           <a:p>
             <a:pPr lvl="1"/>
             <a:r>
               <a:rPr lang="en-US" dirty="0"/>
-              <a:t>Read Dictionary from file</a:t>
+              <a:t>Read dictionary from file</a:t>
             </a:r>
           </a:p>
           <a:p>
             <a:pPr lvl="1"/>
             <a:r>
               <a:rPr lang="en-US" dirty="0"/>
-              <a:t>Read list of ID and retrieve a record for each</a:t>
+              <a:t>Fetch records in the Database</a:t>
             </a:r>
           </a:p>
         </p:txBody>
@@ -8030,4 +16814,299 @@
     </a:ext>
   </a:extLst>
 </a:theme>
+</file>
+
+<file path=ppt/theme/theme2.xml><?xml version="1.0" encoding="utf-8"?>
+<a:theme xmlns:a="http://schemas.openxmlformats.org/drawingml/2006/main" name="Office Theme">
+  <a:themeElements>
+    <a:clrScheme name="Office">
+      <a:dk1>
+        <a:sysClr val="windowText" lastClr="000000"/>
+      </a:dk1>
+      <a:lt1>
+        <a:sysClr val="window" lastClr="FFFFFF"/>
+      </a:lt1>
+      <a:dk2>
+        <a:srgbClr val="44546A"/>
+      </a:dk2>
+      <a:lt2>
+        <a:srgbClr val="E7E6E6"/>
+      </a:lt2>
+      <a:accent1>
+        <a:srgbClr val="4472C4"/>
+      </a:accent1>
+      <a:accent2>
+        <a:srgbClr val="ED7D31"/>
+      </a:accent2>
+      <a:accent3>
+        <a:srgbClr val="A5A5A5"/>
+      </a:accent3>
+      <a:accent4>
+        <a:srgbClr val="FFC000"/>
+      </a:accent4>
+      <a:accent5>
+        <a:srgbClr val="5B9BD5"/>
+      </a:accent5>
+      <a:accent6>
+        <a:srgbClr val="70AD47"/>
+      </a:accent6>
+      <a:hlink>
+        <a:srgbClr val="0563C1"/>
+      </a:hlink>
+      <a:folHlink>
+        <a:srgbClr val="954F72"/>
+      </a:folHlink>
+    </a:clrScheme>
+    <a:fontScheme name="Office">
+      <a:majorFont>
+        <a:latin typeface="Calibri Light" panose="020F0302020204030204"/>
+        <a:ea typeface=""/>
+        <a:cs typeface=""/>
+        <a:font script="Jpan" typeface="游ゴシック Light"/>
+        <a:font script="Hang" typeface="맑은 고딕"/>
+        <a:font script="Hans" typeface="等线 Light"/>
+        <a:font script="Hant" typeface="新細明體"/>
+        <a:font script="Arab" typeface="Times New Roman"/>
+        <a:font script="Hebr" typeface="Times New Roman"/>
+        <a:font script="Thai" typeface="Angsana New"/>
+        <a:font script="Ethi" typeface="Nyala"/>
+        <a:font script="Beng" typeface="Vrinda"/>
+        <a:font script="Gujr" typeface="Shruti"/>
+        <a:font script="Khmr" typeface="MoolBoran"/>
+        <a:font script="Knda" typeface="Tunga"/>
+        <a:font script="Guru" typeface="Raavi"/>
+        <a:font script="Cans" typeface="Euphemia"/>
+        <a:font script="Cher" typeface="Plantagenet Cherokee"/>
+        <a:font script="Yiii" typeface="Microsoft Yi Baiti"/>
+        <a:font script="Tibt" typeface="Microsoft Himalaya"/>
+        <a:font script="Thaa" typeface="MV Boli"/>
+        <a:font script="Deva" typeface="Mangal"/>
+        <a:font script="Telu" typeface="Gautami"/>
+        <a:font script="Taml" typeface="Latha"/>
+        <a:font script="Syrc" typeface="Estrangelo Edessa"/>
+        <a:font script="Orya" typeface="Kalinga"/>
+        <a:font script="Mlym" typeface="Kartika"/>
+        <a:font script="Laoo" typeface="DokChampa"/>
+        <a:font script="Sinh" typeface="Iskoola Pota"/>
+        <a:font script="Mong" typeface="Mongolian Baiti"/>
+        <a:font script="Viet" typeface="Times New Roman"/>
+        <a:font script="Uigh" typeface="Microsoft Uighur"/>
+        <a:font script="Geor" typeface="Sylfaen"/>
+        <a:font script="Armn" typeface="Arial"/>
+        <a:font script="Bugi" typeface="Leelawadee UI"/>
+        <a:font script="Bopo" typeface="Microsoft JhengHei"/>
+        <a:font script="Java" typeface="Javanese Text"/>
+        <a:font script="Lisu" typeface="Segoe UI"/>
+        <a:font script="Mymr" typeface="Myanmar Text"/>
+        <a:font script="Nkoo" typeface="Ebrima"/>
+        <a:font script="Olck" typeface="Nirmala UI"/>
+        <a:font script="Osma" typeface="Ebrima"/>
+        <a:font script="Phag" typeface="Phagspa"/>
+        <a:font script="Syrn" typeface="Estrangelo Edessa"/>
+        <a:font script="Syrj" typeface="Estrangelo Edessa"/>
+        <a:font script="Syre" typeface="Estrangelo Edessa"/>
+        <a:font script="Sora" typeface="Nirmala UI"/>
+        <a:font script="Tale" typeface="Microsoft Tai Le"/>
+        <a:font script="Talu" typeface="Microsoft New Tai Lue"/>
+        <a:font script="Tfng" typeface="Ebrima"/>
+      </a:majorFont>
+      <a:minorFont>
+        <a:latin typeface="Calibri" panose="020F0502020204030204"/>
+        <a:ea typeface=""/>
+        <a:cs typeface=""/>
+        <a:font script="Jpan" typeface="游ゴシック"/>
+        <a:font script="Hang" typeface="맑은 고딕"/>
+        <a:font script="Hans" typeface="等线"/>
+        <a:font script="Hant" typeface="新細明體"/>
+        <a:font script="Arab" typeface="Arial"/>
+        <a:font script="Hebr" typeface="Arial"/>
+        <a:font script="Thai" typeface="Cordia New"/>
+        <a:font script="Ethi" typeface="Nyala"/>
+        <a:font script="Beng" typeface="Vrinda"/>
+        <a:font script="Gujr" typeface="Shruti"/>
+        <a:font script="Khmr" typeface="DaunPenh"/>
+        <a:font script="Knda" typeface="Tunga"/>
+        <a:font script="Guru" typeface="Raavi"/>
+        <a:font script="Cans" typeface="Euphemia"/>
+        <a:font script="Cher" typeface="Plantagenet Cherokee"/>
+        <a:font script="Yiii" typeface="Microsoft Yi Baiti"/>
+        <a:font script="Tibt" typeface="Microsoft Himalaya"/>
+        <a:font script="Thaa" typeface="MV Boli"/>
+        <a:font script="Deva" typeface="Mangal"/>
+        <a:font script="Telu" typeface="Gautami"/>
+        <a:font script="Taml" typeface="Latha"/>
+        <a:font script="Syrc" typeface="Estrangelo Edessa"/>
+        <a:font script="Orya" typeface="Kalinga"/>
+        <a:font script="Mlym" typeface="Kartika"/>
+        <a:font script="Laoo" typeface="DokChampa"/>
+        <a:font script="Sinh" typeface="Iskoola Pota"/>
+        <a:font script="Mong" typeface="Mongolian Baiti"/>
+        <a:font script="Viet" typeface="Arial"/>
+        <a:font script="Uigh" typeface="Microsoft Uighur"/>
+        <a:font script="Geor" typeface="Sylfaen"/>
+        <a:font script="Armn" typeface="Arial"/>
+        <a:font script="Bugi" typeface="Leelawadee UI"/>
+        <a:font script="Bopo" typeface="Microsoft JhengHei"/>
+        <a:font script="Java" typeface="Javanese Text"/>
+        <a:font script="Lisu" typeface="Segoe UI"/>
+        <a:font script="Mymr" typeface="Myanmar Text"/>
+        <a:font script="Nkoo" typeface="Ebrima"/>
+        <a:font script="Olck" typeface="Nirmala UI"/>
+        <a:font script="Osma" typeface="Ebrima"/>
+        <a:font script="Phag" typeface="Phagspa"/>
+        <a:font script="Syrn" typeface="Estrangelo Edessa"/>
+        <a:font script="Syrj" typeface="Estrangelo Edessa"/>
+        <a:font script="Syre" typeface="Estrangelo Edessa"/>
+        <a:font script="Sora" typeface="Nirmala UI"/>
+        <a:font script="Tale" typeface="Microsoft Tai Le"/>
+        <a:font script="Talu" typeface="Microsoft New Tai Lue"/>
+        <a:font script="Tfng" typeface="Ebrima"/>
+      </a:minorFont>
+    </a:fontScheme>
+    <a:fmtScheme name="Office">
+      <a:fillStyleLst>
+        <a:solidFill>
+          <a:schemeClr val="phClr"/>
+        </a:solidFill>
+        <a:gradFill rotWithShape="1">
+          <a:gsLst>
+            <a:gs pos="0">
+              <a:schemeClr val="phClr">
+                <a:lumMod val="110000"/>
+                <a:satMod val="105000"/>
+                <a:tint val="67000"/>
+              </a:schemeClr>
+            </a:gs>
+            <a:gs pos="50000">
+              <a:schemeClr val="phClr">
+                <a:lumMod val="105000"/>
+                <a:satMod val="103000"/>
+                <a:tint val="73000"/>
+              </a:schemeClr>
+            </a:gs>
+            <a:gs pos="100000">
+              <a:schemeClr val="phClr">
+                <a:lumMod val="105000"/>
+                <a:satMod val="109000"/>
+                <a:tint val="81000"/>
+              </a:schemeClr>
+            </a:gs>
+          </a:gsLst>
+          <a:lin ang="5400000" scaled="0"/>
+        </a:gradFill>
+        <a:gradFill rotWithShape="1">
+          <a:gsLst>
+            <a:gs pos="0">
+              <a:schemeClr val="phClr">
+                <a:satMod val="103000"/>
+                <a:lumMod val="102000"/>
+                <a:tint val="94000"/>
+              </a:schemeClr>
+            </a:gs>
+            <a:gs pos="50000">
+              <a:schemeClr val="phClr">
+                <a:satMod val="110000"/>
+                <a:lumMod val="100000"/>
+                <a:shade val="100000"/>
+              </a:schemeClr>
+            </a:gs>
+            <a:gs pos="100000">
+              <a:schemeClr val="phClr">
+                <a:lumMod val="99000"/>
+                <a:satMod val="120000"/>
+                <a:shade val="78000"/>
+              </a:schemeClr>
+            </a:gs>
+          </a:gsLst>
+          <a:lin ang="5400000" scaled="0"/>
+        </a:gradFill>
+      </a:fillStyleLst>
+      <a:lnStyleLst>
+        <a:ln w="6350" cap="flat" cmpd="sng" algn="ctr">
+          <a:solidFill>
+            <a:schemeClr val="phClr"/>
+          </a:solidFill>
+          <a:prstDash val="solid"/>
+          <a:miter lim="800000"/>
+        </a:ln>
+        <a:ln w="12700" cap="flat" cmpd="sng" algn="ctr">
+          <a:solidFill>
+            <a:schemeClr val="phClr"/>
+          </a:solidFill>
+          <a:prstDash val="solid"/>
+          <a:miter lim="800000"/>
+        </a:ln>
+        <a:ln w="19050" cap="flat" cmpd="sng" algn="ctr">
+          <a:solidFill>
+            <a:schemeClr val="phClr"/>
+          </a:solidFill>
+          <a:prstDash val="solid"/>
+          <a:miter lim="800000"/>
+        </a:ln>
+      </a:lnStyleLst>
+      <a:effectStyleLst>
+        <a:effectStyle>
+          <a:effectLst/>
+        </a:effectStyle>
+        <a:effectStyle>
+          <a:effectLst/>
+        </a:effectStyle>
+        <a:effectStyle>
+          <a:effectLst>
+            <a:outerShdw blurRad="57150" dist="19050" dir="5400000" algn="ctr" rotWithShape="0">
+              <a:srgbClr val="000000">
+                <a:alpha val="63000"/>
+              </a:srgbClr>
+            </a:outerShdw>
+          </a:effectLst>
+        </a:effectStyle>
+      </a:effectStyleLst>
+      <a:bgFillStyleLst>
+        <a:solidFill>
+          <a:schemeClr val="phClr"/>
+        </a:solidFill>
+        <a:solidFill>
+          <a:schemeClr val="phClr">
+            <a:tint val="95000"/>
+            <a:satMod val="170000"/>
+          </a:schemeClr>
+        </a:solidFill>
+        <a:gradFill rotWithShape="1">
+          <a:gsLst>
+            <a:gs pos="0">
+              <a:schemeClr val="phClr">
+                <a:tint val="93000"/>
+                <a:satMod val="150000"/>
+                <a:shade val="98000"/>
+                <a:lumMod val="102000"/>
+              </a:schemeClr>
+            </a:gs>
+            <a:gs pos="50000">
+              <a:schemeClr val="phClr">
+                <a:tint val="98000"/>
+                <a:satMod val="130000"/>
+                <a:shade val="90000"/>
+                <a:lumMod val="103000"/>
+              </a:schemeClr>
+            </a:gs>
+            <a:gs pos="100000">
+              <a:schemeClr val="phClr">
+                <a:shade val="63000"/>
+                <a:satMod val="120000"/>
+              </a:schemeClr>
+            </a:gs>
+          </a:gsLst>
+          <a:lin ang="5400000" scaled="0"/>
+        </a:gradFill>
+      </a:bgFillStyleLst>
+    </a:fmtScheme>
+  </a:themeElements>
+  <a:objectDefaults/>
+  <a:extraClrSchemeLst/>
+  <a:extLst>
+    <a:ext uri="{05A4C25C-085E-4340-85A3-A5531E510DB2}">
+      <thm15:themeFamily xmlns:thm15="http://schemas.microsoft.com/office/thememl/2012/main" name="Office Theme" id="{62F939B6-93AF-4DB8-9C6B-D6C7DFDC589F}" vid="{4A3C46E8-61CC-4603-A589-7422A47A8E4A}"/>
+    </a:ext>
+  </a:extLst>
+</a:theme>
 </file>
--- a/Proj_presentation.pptx
+++ b/Proj_presentation.pptx
@@ -13762,30 +13762,32 @@
           <a:p>
             <a:r>
               <a:rPr lang="en-US" dirty="0"/>
-              <a:t>Control over the record size. </a:t>
+              <a:t>Control over the record size</a:t>
             </a:r>
-          </a:p>
-          <a:p>
+            <a:r>
+              <a:rPr lang="en-US"/>
+              <a:t>. </a:t>
+            </a:r>
             <a:endParaRPr lang="en-US" dirty="0"/>
           </a:p>
           <a:p>
             <a:r>
               <a:rPr lang="en-US" dirty="0"/>
-              <a:t>(DF: Could you categorize these 2? Maybe “Comments”?)</a:t>
+              <a:t>File systems on most computers are block devices.  </a:t>
             </a:r>
           </a:p>
           <a:p>
             <a:pPr lvl="1"/>
             <a:r>
               <a:rPr lang="en-US" dirty="0"/>
-              <a:t>Naïve: Hoped that EBS may offer some additional IO performance.</a:t>
+              <a:t>Naïve: Hoped that EBS may offer some additional IO capability.</a:t>
             </a:r>
           </a:p>
           <a:p>
             <a:pPr lvl="1"/>
             <a:r>
               <a:rPr lang="en-US" dirty="0"/>
-              <a:t>Additionally, retrieving blocks of storage by an identifier seems appealing.</a:t>
+              <a:t>Additionally, retrieving blocks of storage, as objects, by an identifier seems appealing.</a:t>
             </a:r>
           </a:p>
           <a:p>
@@ -16006,7 +16008,7 @@
           <a:p>
             <a:r>
               <a:rPr lang="en-US" sz="2800" dirty="0"/>
-              <a:t>The physical records are all the same size.</a:t>
+              <a:t>The binary physical records are all the same size.</a:t>
             </a:r>
           </a:p>
           <a:p>
@@ -16130,8 +16132,8 @@
         </p:nvSpPr>
         <p:spPr>
           <a:xfrm>
-            <a:off x="717444" y="3255542"/>
-            <a:ext cx="4243754" cy="2246769"/>
+            <a:off x="615820" y="3185388"/>
+            <a:ext cx="4799328" cy="3108543"/>
           </a:xfrm>
           <a:prstGeom prst="rect">
             <a:avLst/>
@@ -16145,20 +16147,17 @@
           <a:lstStyle/>
           <a:p>
             <a:r>
-              <a:rPr lang="en-US" sz="2800" i="1" dirty="0"/>
-              <a:t>? DF: This is the same as above:</a:t>
+              <a:rPr lang="en-US" sz="2800" dirty="0"/>
+              <a:t>To save the dictionary the entries are written into the physical records.</a:t>
             </a:r>
+          </a:p>
+          <a:p>
+            <a:endParaRPr lang="en-US" sz="2800" dirty="0"/>
           </a:p>
           <a:p>
             <a:r>
               <a:rPr lang="en-US" sz="2800" dirty="0"/>
-              <a:t>The physical records are all the same size.</a:t>
-            </a:r>
-          </a:p>
-          <a:p>
-            <a:r>
-              <a:rPr lang="en-US" sz="2800" dirty="0"/>
-              <a:t>This is a program parameter</a:t>
+              <a:t>Part of the experiments conducted was to examine the size of the physical records</a:t>
             </a:r>
           </a:p>
         </p:txBody>
@@ -16221,7 +16220,7 @@
           <a:p>
             <a:r>
               <a:rPr lang="en-US" dirty="0"/>
-              <a:t>Operations we examined</a:t>
+              <a:t>Operations we examined in EBS</a:t>
             </a:r>
           </a:p>
         </p:txBody>

--- a/Proj_presentation.pptx
+++ b/Proj_presentation.pptx
@@ -5,7 +5,7 @@
     <p:sldMasterId id="2147483648" r:id="rId1"/>
   </p:sldMasterIdLst>
   <p:notesMasterIdLst>
-    <p:notesMasterId r:id="rId10"/>
+    <p:notesMasterId r:id="rId11"/>
   </p:notesMasterIdLst>
   <p:sldIdLst>
     <p:sldId id="256" r:id="rId2"/>
@@ -16,6 +16,7 @@
     <p:sldId id="261" r:id="rId7"/>
     <p:sldId id="264" r:id="rId8"/>
     <p:sldId id="265" r:id="rId9"/>
+    <p:sldId id="266" r:id="rId10"/>
   </p:sldIdLst>
   <p:sldSz cx="12192000" cy="6858000"/>
   <p:notesSz cx="6858000" cy="9144000"/>
@@ -306,7 +307,7 @@
           <c:smooth val="0"/>
           <c:extLst>
             <c:ext xmlns:c16="http://schemas.microsoft.com/office/drawing/2014/chart" uri="{C3380CC4-5D6E-409C-BE32-E72D297353CC}">
-              <c16:uniqueId val="{00000000-4FED-463D-82C7-4C54B6A349A3}"/>
+              <c16:uniqueId val="{00000000-2636-4E1A-9C52-D3812D4D85B0}"/>
             </c:ext>
           </c:extLst>
         </c:ser>
@@ -405,7 +406,7 @@
           <c:smooth val="0"/>
           <c:extLst>
             <c:ext xmlns:c16="http://schemas.microsoft.com/office/drawing/2014/chart" uri="{C3380CC4-5D6E-409C-BE32-E72D297353CC}">
-              <c16:uniqueId val="{00000001-4FED-463D-82C7-4C54B6A349A3}"/>
+              <c16:uniqueId val="{00000001-2636-4E1A-9C52-D3812D4D85B0}"/>
             </c:ext>
           </c:extLst>
         </c:ser>
@@ -504,7 +505,7 @@
           <c:smooth val="0"/>
           <c:extLst>
             <c:ext xmlns:c16="http://schemas.microsoft.com/office/drawing/2014/chart" uri="{C3380CC4-5D6E-409C-BE32-E72D297353CC}">
-              <c16:uniqueId val="{00000002-4FED-463D-82C7-4C54B6A349A3}"/>
+              <c16:uniqueId val="{00000002-2636-4E1A-9C52-D3812D4D85B0}"/>
             </c:ext>
           </c:extLst>
         </c:ser>
@@ -603,7 +604,7 @@
           <c:smooth val="0"/>
           <c:extLst>
             <c:ext xmlns:c16="http://schemas.microsoft.com/office/drawing/2014/chart" uri="{C3380CC4-5D6E-409C-BE32-E72D297353CC}">
-              <c16:uniqueId val="{00000003-4FED-463D-82C7-4C54B6A349A3}"/>
+              <c16:uniqueId val="{00000003-2636-4E1A-9C52-D3812D4D85B0}"/>
             </c:ext>
           </c:extLst>
         </c:ser>
@@ -702,7 +703,7 @@
           <c:smooth val="0"/>
           <c:extLst>
             <c:ext xmlns:c16="http://schemas.microsoft.com/office/drawing/2014/chart" uri="{C3380CC4-5D6E-409C-BE32-E72D297353CC}">
-              <c16:uniqueId val="{00000004-4FED-463D-82C7-4C54B6A349A3}"/>
+              <c16:uniqueId val="{00000004-2636-4E1A-9C52-D3812D4D85B0}"/>
             </c:ext>
           </c:extLst>
         </c:ser>
@@ -748,7 +749,7 @@
           <a:lstStyle/>
           <a:p>
             <a:pPr>
-              <a:defRPr sz="900" b="0" i="0" u="none" strike="noStrike" kern="1200" baseline="0">
+              <a:defRPr sz="1050" b="0" i="0" u="none" strike="noStrike" kern="1200" baseline="0">
                 <a:solidFill>
                   <a:schemeClr val="tx1">
                     <a:lumMod val="65000"/>
@@ -836,6 +837,1553 @@
     </c:plotArea>
     <c:legend>
       <c:legendPos val="b"/>
+      <c:legendEntry>
+        <c:idx val="0"/>
+        <c:txPr>
+          <a:bodyPr rot="0" spcFirstLastPara="1" vertOverflow="ellipsis" vert="horz" wrap="square" anchor="ctr" anchorCtr="1"/>
+          <a:lstStyle/>
+          <a:p>
+            <a:pPr>
+              <a:defRPr sz="1100" b="0" i="0" u="none" strike="noStrike" kern="1200" baseline="0">
+                <a:solidFill>
+                  <a:schemeClr val="tx1">
+                    <a:lumMod val="65000"/>
+                    <a:lumOff val="35000"/>
+                  </a:schemeClr>
+                </a:solidFill>
+                <a:latin typeface="+mn-lt"/>
+                <a:ea typeface="+mn-ea"/>
+                <a:cs typeface="+mn-cs"/>
+              </a:defRPr>
+            </a:pPr>
+            <a:endParaRPr lang="en-US"/>
+          </a:p>
+        </c:txPr>
+      </c:legendEntry>
+      <c:legendEntry>
+        <c:idx val="1"/>
+        <c:txPr>
+          <a:bodyPr rot="0" spcFirstLastPara="1" vertOverflow="ellipsis" vert="horz" wrap="square" anchor="ctr" anchorCtr="1"/>
+          <a:lstStyle/>
+          <a:p>
+            <a:pPr>
+              <a:defRPr sz="1100" b="0" i="0" u="none" strike="noStrike" kern="1200" baseline="0">
+                <a:solidFill>
+                  <a:schemeClr val="tx1">
+                    <a:lumMod val="65000"/>
+                    <a:lumOff val="35000"/>
+                  </a:schemeClr>
+                </a:solidFill>
+                <a:latin typeface="+mn-lt"/>
+                <a:ea typeface="+mn-ea"/>
+                <a:cs typeface="+mn-cs"/>
+              </a:defRPr>
+            </a:pPr>
+            <a:endParaRPr lang="en-US"/>
+          </a:p>
+        </c:txPr>
+      </c:legendEntry>
+      <c:legendEntry>
+        <c:idx val="2"/>
+        <c:txPr>
+          <a:bodyPr rot="0" spcFirstLastPara="1" vertOverflow="ellipsis" vert="horz" wrap="square" anchor="ctr" anchorCtr="1"/>
+          <a:lstStyle/>
+          <a:p>
+            <a:pPr>
+              <a:defRPr sz="1100" b="0" i="0" u="none" strike="noStrike" kern="1200" baseline="0">
+                <a:solidFill>
+                  <a:schemeClr val="tx1">
+                    <a:lumMod val="65000"/>
+                    <a:lumOff val="35000"/>
+                  </a:schemeClr>
+                </a:solidFill>
+                <a:latin typeface="+mn-lt"/>
+                <a:ea typeface="+mn-ea"/>
+                <a:cs typeface="+mn-cs"/>
+              </a:defRPr>
+            </a:pPr>
+            <a:endParaRPr lang="en-US"/>
+          </a:p>
+        </c:txPr>
+      </c:legendEntry>
+      <c:legendEntry>
+        <c:idx val="3"/>
+        <c:txPr>
+          <a:bodyPr rot="0" spcFirstLastPara="1" vertOverflow="ellipsis" vert="horz" wrap="square" anchor="ctr" anchorCtr="1"/>
+          <a:lstStyle/>
+          <a:p>
+            <a:pPr>
+              <a:defRPr sz="1100" b="0" i="0" u="none" strike="noStrike" kern="1200" baseline="0">
+                <a:solidFill>
+                  <a:schemeClr val="tx1">
+                    <a:lumMod val="65000"/>
+                    <a:lumOff val="35000"/>
+                  </a:schemeClr>
+                </a:solidFill>
+                <a:latin typeface="+mn-lt"/>
+                <a:ea typeface="+mn-ea"/>
+                <a:cs typeface="+mn-cs"/>
+              </a:defRPr>
+            </a:pPr>
+            <a:endParaRPr lang="en-US"/>
+          </a:p>
+        </c:txPr>
+      </c:legendEntry>
+      <c:legendEntry>
+        <c:idx val="4"/>
+        <c:txPr>
+          <a:bodyPr rot="0" spcFirstLastPara="1" vertOverflow="ellipsis" vert="horz" wrap="square" anchor="ctr" anchorCtr="1"/>
+          <a:lstStyle/>
+          <a:p>
+            <a:pPr>
+              <a:defRPr sz="1100" b="0" i="0" u="none" strike="noStrike" kern="1200" baseline="0">
+                <a:solidFill>
+                  <a:schemeClr val="tx1">
+                    <a:lumMod val="65000"/>
+                    <a:lumOff val="35000"/>
+                  </a:schemeClr>
+                </a:solidFill>
+                <a:latin typeface="+mn-lt"/>
+                <a:ea typeface="+mn-ea"/>
+                <a:cs typeface="+mn-cs"/>
+              </a:defRPr>
+            </a:pPr>
+            <a:endParaRPr lang="en-US"/>
+          </a:p>
+        </c:txPr>
+      </c:legendEntry>
+      <c:overlay val="0"/>
+      <c:spPr>
+        <a:noFill/>
+        <a:ln>
+          <a:noFill/>
+        </a:ln>
+        <a:effectLst/>
+      </c:spPr>
+      <c:txPr>
+        <a:bodyPr rot="0" spcFirstLastPara="1" vertOverflow="ellipsis" vert="horz" wrap="square" anchor="ctr" anchorCtr="1"/>
+        <a:lstStyle/>
+        <a:p>
+          <a:pPr>
+            <a:defRPr sz="900" b="0" i="0" u="none" strike="noStrike" kern="1200" baseline="0">
+              <a:solidFill>
+                <a:schemeClr val="tx1">
+                  <a:lumMod val="65000"/>
+                  <a:lumOff val="35000"/>
+                </a:schemeClr>
+              </a:solidFill>
+              <a:latin typeface="+mn-lt"/>
+              <a:ea typeface="+mn-ea"/>
+              <a:cs typeface="+mn-cs"/>
+            </a:defRPr>
+          </a:pPr>
+          <a:endParaRPr lang="en-US"/>
+        </a:p>
+      </c:txPr>
+    </c:legend>
+    <c:plotVisOnly val="1"/>
+    <c:dispBlanksAs val="gap"/>
+    <c:extLst>
+      <c:ext xmlns:c16r3="http://schemas.microsoft.com/office/drawing/2017/03/chart" uri="{56B9EC1D-385E-4148-901F-78D8002777C0}">
+        <c16r3:dataDisplayOptions16>
+          <c16r3:dispNaAsBlank val="1"/>
+        </c16r3:dataDisplayOptions16>
+      </c:ext>
+    </c:extLst>
+    <c:showDLblsOverMax val="0"/>
+  </c:chart>
+  <c:spPr>
+    <a:noFill/>
+    <a:ln>
+      <a:noFill/>
+    </a:ln>
+    <a:effectLst/>
+  </c:spPr>
+  <c:txPr>
+    <a:bodyPr/>
+    <a:lstStyle/>
+    <a:p>
+      <a:pPr>
+        <a:defRPr/>
+      </a:pPr>
+      <a:endParaRPr lang="en-US"/>
+    </a:p>
+  </c:txPr>
+  <c:externalData r:id="rId3">
+    <c:autoUpdate val="0"/>
+  </c:externalData>
+</c:chartSpace>
+</file>
+
+<file path=ppt/charts/chart2.xml><?xml version="1.0" encoding="utf-8"?>
+<c:chartSpace xmlns:c="http://schemas.openxmlformats.org/drawingml/2006/chart" xmlns:a="http://schemas.openxmlformats.org/drawingml/2006/main" xmlns:r="http://schemas.openxmlformats.org/officeDocument/2006/relationships" xmlns:c16r2="http://schemas.microsoft.com/office/drawing/2015/06/chart">
+  <c:date1904 val="0"/>
+  <c:lang val="en-US"/>
+  <c:roundedCorners val="0"/>
+  <mc:AlternateContent xmlns:mc="http://schemas.openxmlformats.org/markup-compatibility/2006">
+    <mc:Choice xmlns:c14="http://schemas.microsoft.com/office/drawing/2007/8/2/chart" Requires="c14">
+      <c14:style val="102"/>
+    </mc:Choice>
+    <mc:Fallback>
+      <c:style val="2"/>
+    </mc:Fallback>
+  </mc:AlternateContent>
+  <c:chart>
+    <c:title>
+      <c:tx>
+        <c:rich>
+          <a:bodyPr rot="0" spcFirstLastPara="1" vertOverflow="ellipsis" vert="horz" wrap="square" anchor="ctr" anchorCtr="1"/>
+          <a:lstStyle/>
+          <a:p>
+            <a:pPr>
+              <a:defRPr sz="1400" b="0" i="0" u="none" strike="noStrike" kern="1200" spc="0" baseline="0">
+                <a:solidFill>
+                  <a:schemeClr val="tx1">
+                    <a:lumMod val="65000"/>
+                    <a:lumOff val="35000"/>
+                  </a:schemeClr>
+                </a:solidFill>
+                <a:latin typeface="+mn-lt"/>
+                <a:ea typeface="+mn-ea"/>
+                <a:cs typeface="+mn-cs"/>
+              </a:defRPr>
+            </a:pPr>
+            <a:r>
+              <a:rPr lang="en-US"/>
+              <a:t>T2</a:t>
+            </a:r>
+            <a:r>
+              <a:rPr lang="en-US" baseline="0"/>
+              <a:t> Micro</a:t>
+            </a:r>
+          </a:p>
+          <a:p>
+            <a:pPr>
+              <a:defRPr/>
+            </a:pPr>
+            <a:r>
+              <a:rPr lang="en-US" baseline="0"/>
+              <a:t>Times in Seconds</a:t>
+            </a:r>
+            <a:endParaRPr lang="en-US"/>
+          </a:p>
+        </c:rich>
+      </c:tx>
+      <c:overlay val="0"/>
+      <c:spPr>
+        <a:noFill/>
+        <a:ln>
+          <a:noFill/>
+        </a:ln>
+        <a:effectLst/>
+      </c:spPr>
+      <c:txPr>
+        <a:bodyPr rot="0" spcFirstLastPara="1" vertOverflow="ellipsis" vert="horz" wrap="square" anchor="ctr" anchorCtr="1"/>
+        <a:lstStyle/>
+        <a:p>
+          <a:pPr>
+            <a:defRPr sz="1400" b="0" i="0" u="none" strike="noStrike" kern="1200" spc="0" baseline="0">
+              <a:solidFill>
+                <a:schemeClr val="tx1">
+                  <a:lumMod val="65000"/>
+                  <a:lumOff val="35000"/>
+                </a:schemeClr>
+              </a:solidFill>
+              <a:latin typeface="+mn-lt"/>
+              <a:ea typeface="+mn-ea"/>
+              <a:cs typeface="+mn-cs"/>
+            </a:defRPr>
+          </a:pPr>
+          <a:endParaRPr lang="en-US"/>
+        </a:p>
+      </c:txPr>
+    </c:title>
+    <c:autoTitleDeleted val="0"/>
+    <c:plotArea>
+      <c:layout/>
+      <c:lineChart>
+        <c:grouping val="standard"/>
+        <c:varyColors val="0"/>
+        <c:ser>
+          <c:idx val="0"/>
+          <c:order val="0"/>
+          <c:tx>
+            <c:strRef>
+              <c:f>Sheet3!$N$4</c:f>
+              <c:strCache>
+                <c:ptCount val="1"/>
+                <c:pt idx="0">
+                  <c:v>build dict</c:v>
+                </c:pt>
+              </c:strCache>
+            </c:strRef>
+          </c:tx>
+          <c:spPr>
+            <a:ln w="28575" cap="rnd">
+              <a:solidFill>
+                <a:schemeClr val="accent1"/>
+              </a:solidFill>
+              <a:round/>
+            </a:ln>
+            <a:effectLst/>
+          </c:spPr>
+          <c:marker>
+            <c:symbol val="circle"/>
+            <c:size val="5"/>
+            <c:spPr>
+              <a:solidFill>
+                <a:schemeClr val="accent1"/>
+              </a:solidFill>
+              <a:ln w="9525">
+                <a:solidFill>
+                  <a:schemeClr val="accent1"/>
+                </a:solidFill>
+              </a:ln>
+              <a:effectLst/>
+            </c:spPr>
+          </c:marker>
+          <c:cat>
+            <c:numRef>
+              <c:f>Sheet3!$M$5:$M$10</c:f>
+              <c:numCache>
+                <c:formatCode>General</c:formatCode>
+                <c:ptCount val="6"/>
+                <c:pt idx="0">
+                  <c:v>128</c:v>
+                </c:pt>
+                <c:pt idx="1">
+                  <c:v>512</c:v>
+                </c:pt>
+                <c:pt idx="2">
+                  <c:v>2048</c:v>
+                </c:pt>
+                <c:pt idx="3">
+                  <c:v>4096</c:v>
+                </c:pt>
+                <c:pt idx="4">
+                  <c:v>8192</c:v>
+                </c:pt>
+                <c:pt idx="5">
+                  <c:v>16384</c:v>
+                </c:pt>
+              </c:numCache>
+            </c:numRef>
+          </c:cat>
+          <c:val>
+            <c:numRef>
+              <c:f>Sheet3!$N$5:$N$10</c:f>
+              <c:numCache>
+                <c:formatCode>General</c:formatCode>
+                <c:ptCount val="6"/>
+                <c:pt idx="0">
+                  <c:v>5.2572500000000009</c:v>
+                </c:pt>
+                <c:pt idx="1">
+                  <c:v>5.3167499999999999</c:v>
+                </c:pt>
+                <c:pt idx="2">
+                  <c:v>5.1784749999999997</c:v>
+                </c:pt>
+                <c:pt idx="3">
+                  <c:v>5.1967400000000001</c:v>
+                </c:pt>
+                <c:pt idx="4">
+                  <c:v>5.2372750000000003</c:v>
+                </c:pt>
+                <c:pt idx="5">
+                  <c:v>3.9384999999999999</c:v>
+                </c:pt>
+              </c:numCache>
+            </c:numRef>
+          </c:val>
+          <c:smooth val="0"/>
+          <c:extLst>
+            <c:ext xmlns:c16="http://schemas.microsoft.com/office/drawing/2014/chart" uri="{C3380CC4-5D6E-409C-BE32-E72D297353CC}">
+              <c16:uniqueId val="{00000000-BEA0-4D03-B777-43C3D5171F58}"/>
+            </c:ext>
+          </c:extLst>
+        </c:ser>
+        <c:ser>
+          <c:idx val="1"/>
+          <c:order val="1"/>
+          <c:tx>
+            <c:strRef>
+              <c:f>Sheet3!$O$4</c:f>
+              <c:strCache>
+                <c:ptCount val="1"/>
+                <c:pt idx="0">
+                  <c:v>write dict</c:v>
+                </c:pt>
+              </c:strCache>
+            </c:strRef>
+          </c:tx>
+          <c:spPr>
+            <a:ln w="28575" cap="rnd">
+              <a:solidFill>
+                <a:schemeClr val="accent2"/>
+              </a:solidFill>
+              <a:round/>
+            </a:ln>
+            <a:effectLst/>
+          </c:spPr>
+          <c:marker>
+            <c:symbol val="circle"/>
+            <c:size val="5"/>
+            <c:spPr>
+              <a:solidFill>
+                <a:schemeClr val="accent2"/>
+              </a:solidFill>
+              <a:ln w="9525">
+                <a:solidFill>
+                  <a:schemeClr val="accent2"/>
+                </a:solidFill>
+              </a:ln>
+              <a:effectLst/>
+            </c:spPr>
+          </c:marker>
+          <c:cat>
+            <c:numRef>
+              <c:f>Sheet3!$M$5:$M$10</c:f>
+              <c:numCache>
+                <c:formatCode>General</c:formatCode>
+                <c:ptCount val="6"/>
+                <c:pt idx="0">
+                  <c:v>128</c:v>
+                </c:pt>
+                <c:pt idx="1">
+                  <c:v>512</c:v>
+                </c:pt>
+                <c:pt idx="2">
+                  <c:v>2048</c:v>
+                </c:pt>
+                <c:pt idx="3">
+                  <c:v>4096</c:v>
+                </c:pt>
+                <c:pt idx="4">
+                  <c:v>8192</c:v>
+                </c:pt>
+                <c:pt idx="5">
+                  <c:v>16384</c:v>
+                </c:pt>
+              </c:numCache>
+            </c:numRef>
+          </c:cat>
+          <c:val>
+            <c:numRef>
+              <c:f>Sheet3!$O$5:$O$10</c:f>
+              <c:numCache>
+                <c:formatCode>General</c:formatCode>
+                <c:ptCount val="6"/>
+                <c:pt idx="0">
+                  <c:v>4.8766500000000006</c:v>
+                </c:pt>
+                <c:pt idx="1">
+                  <c:v>5.1167499999999997</c:v>
+                </c:pt>
+                <c:pt idx="2">
+                  <c:v>5.153975</c:v>
+                </c:pt>
+                <c:pt idx="3">
+                  <c:v>5.0961400000000001</c:v>
+                </c:pt>
+                <c:pt idx="4">
+                  <c:v>5.1112500000000001</c:v>
+                </c:pt>
+                <c:pt idx="5">
+                  <c:v>4.8559000000000001</c:v>
+                </c:pt>
+              </c:numCache>
+            </c:numRef>
+          </c:val>
+          <c:smooth val="0"/>
+          <c:extLst>
+            <c:ext xmlns:c16="http://schemas.microsoft.com/office/drawing/2014/chart" uri="{C3380CC4-5D6E-409C-BE32-E72D297353CC}">
+              <c16:uniqueId val="{00000001-BEA0-4D03-B777-43C3D5171F58}"/>
+            </c:ext>
+          </c:extLst>
+        </c:ser>
+        <c:ser>
+          <c:idx val="2"/>
+          <c:order val="2"/>
+          <c:tx>
+            <c:strRef>
+              <c:f>Sheet3!$P$4</c:f>
+              <c:strCache>
+                <c:ptCount val="1"/>
+                <c:pt idx="0">
+                  <c:v>build database</c:v>
+                </c:pt>
+              </c:strCache>
+            </c:strRef>
+          </c:tx>
+          <c:spPr>
+            <a:ln w="28575" cap="rnd">
+              <a:solidFill>
+                <a:schemeClr val="accent3"/>
+              </a:solidFill>
+              <a:round/>
+            </a:ln>
+            <a:effectLst/>
+          </c:spPr>
+          <c:marker>
+            <c:symbol val="circle"/>
+            <c:size val="5"/>
+            <c:spPr>
+              <a:solidFill>
+                <a:schemeClr val="accent3"/>
+              </a:solidFill>
+              <a:ln w="9525">
+                <a:solidFill>
+                  <a:schemeClr val="accent3"/>
+                </a:solidFill>
+              </a:ln>
+              <a:effectLst/>
+            </c:spPr>
+          </c:marker>
+          <c:cat>
+            <c:numRef>
+              <c:f>Sheet3!$M$5:$M$10</c:f>
+              <c:numCache>
+                <c:formatCode>General</c:formatCode>
+                <c:ptCount val="6"/>
+                <c:pt idx="0">
+                  <c:v>128</c:v>
+                </c:pt>
+                <c:pt idx="1">
+                  <c:v>512</c:v>
+                </c:pt>
+                <c:pt idx="2">
+                  <c:v>2048</c:v>
+                </c:pt>
+                <c:pt idx="3">
+                  <c:v>4096</c:v>
+                </c:pt>
+                <c:pt idx="4">
+                  <c:v>8192</c:v>
+                </c:pt>
+                <c:pt idx="5">
+                  <c:v>16384</c:v>
+                </c:pt>
+              </c:numCache>
+            </c:numRef>
+          </c:cat>
+          <c:val>
+            <c:numRef>
+              <c:f>Sheet3!$P$5:$P$10</c:f>
+              <c:numCache>
+                <c:formatCode>General</c:formatCode>
+                <c:ptCount val="6"/>
+                <c:pt idx="0">
+                  <c:v>5.62</c:v>
+                </c:pt>
+                <c:pt idx="1">
+                  <c:v>5.0332499999999998</c:v>
+                </c:pt>
+                <c:pt idx="2">
+                  <c:v>4.8313750000000004</c:v>
+                </c:pt>
+                <c:pt idx="3">
+                  <c:v>4.7762599999999997</c:v>
+                </c:pt>
+                <c:pt idx="4">
+                  <c:v>4.6841499999999998</c:v>
+                </c:pt>
+                <c:pt idx="5">
+                  <c:v>4.6152499999999996</c:v>
+                </c:pt>
+              </c:numCache>
+            </c:numRef>
+          </c:val>
+          <c:smooth val="0"/>
+          <c:extLst>
+            <c:ext xmlns:c16="http://schemas.microsoft.com/office/drawing/2014/chart" uri="{C3380CC4-5D6E-409C-BE32-E72D297353CC}">
+              <c16:uniqueId val="{00000002-BEA0-4D03-B777-43C3D5171F58}"/>
+            </c:ext>
+          </c:extLst>
+        </c:ser>
+        <c:ser>
+          <c:idx val="3"/>
+          <c:order val="3"/>
+          <c:tx>
+            <c:strRef>
+              <c:f>Sheet3!$Q$4</c:f>
+              <c:strCache>
+                <c:ptCount val="1"/>
+                <c:pt idx="0">
+                  <c:v>read dict from file</c:v>
+                </c:pt>
+              </c:strCache>
+            </c:strRef>
+          </c:tx>
+          <c:spPr>
+            <a:ln w="28575" cap="rnd">
+              <a:solidFill>
+                <a:schemeClr val="accent4"/>
+              </a:solidFill>
+              <a:round/>
+            </a:ln>
+            <a:effectLst/>
+          </c:spPr>
+          <c:marker>
+            <c:symbol val="circle"/>
+            <c:size val="5"/>
+            <c:spPr>
+              <a:solidFill>
+                <a:schemeClr val="accent4"/>
+              </a:solidFill>
+              <a:ln w="9525">
+                <a:solidFill>
+                  <a:schemeClr val="accent4"/>
+                </a:solidFill>
+              </a:ln>
+              <a:effectLst/>
+            </c:spPr>
+          </c:marker>
+          <c:cat>
+            <c:numRef>
+              <c:f>Sheet3!$M$5:$M$10</c:f>
+              <c:numCache>
+                <c:formatCode>General</c:formatCode>
+                <c:ptCount val="6"/>
+                <c:pt idx="0">
+                  <c:v>128</c:v>
+                </c:pt>
+                <c:pt idx="1">
+                  <c:v>512</c:v>
+                </c:pt>
+                <c:pt idx="2">
+                  <c:v>2048</c:v>
+                </c:pt>
+                <c:pt idx="3">
+                  <c:v>4096</c:v>
+                </c:pt>
+                <c:pt idx="4">
+                  <c:v>8192</c:v>
+                </c:pt>
+                <c:pt idx="5">
+                  <c:v>16384</c:v>
+                </c:pt>
+              </c:numCache>
+            </c:numRef>
+          </c:cat>
+          <c:val>
+            <c:numRef>
+              <c:f>Sheet3!$Q$5:$Q$10</c:f>
+              <c:numCache>
+                <c:formatCode>General</c:formatCode>
+                <c:ptCount val="6"/>
+                <c:pt idx="0">
+                  <c:v>6.0942499999999997</c:v>
+                </c:pt>
+                <c:pt idx="1">
+                  <c:v>6.0962499999999995</c:v>
+                </c:pt>
+                <c:pt idx="2">
+                  <c:v>6.0153749999999988</c:v>
+                </c:pt>
+                <c:pt idx="3">
+                  <c:v>6.0262000000000002</c:v>
+                </c:pt>
+                <c:pt idx="4">
+                  <c:v>6.0602499999999999</c:v>
+                </c:pt>
+                <c:pt idx="5">
+                  <c:v>5.9375</c:v>
+                </c:pt>
+              </c:numCache>
+            </c:numRef>
+          </c:val>
+          <c:smooth val="0"/>
+          <c:extLst>
+            <c:ext xmlns:c16="http://schemas.microsoft.com/office/drawing/2014/chart" uri="{C3380CC4-5D6E-409C-BE32-E72D297353CC}">
+              <c16:uniqueId val="{00000003-BEA0-4D03-B777-43C3D5171F58}"/>
+            </c:ext>
+          </c:extLst>
+        </c:ser>
+        <c:ser>
+          <c:idx val="4"/>
+          <c:order val="4"/>
+          <c:tx>
+            <c:strRef>
+              <c:f>Sheet3!$R$4</c:f>
+              <c:strCache>
+                <c:ptCount val="1"/>
+                <c:pt idx="0">
+                  <c:v>fetch records</c:v>
+                </c:pt>
+              </c:strCache>
+            </c:strRef>
+          </c:tx>
+          <c:spPr>
+            <a:ln w="28575" cap="rnd">
+              <a:solidFill>
+                <a:schemeClr val="accent5"/>
+              </a:solidFill>
+              <a:round/>
+            </a:ln>
+            <a:effectLst/>
+          </c:spPr>
+          <c:marker>
+            <c:symbol val="circle"/>
+            <c:size val="5"/>
+            <c:spPr>
+              <a:solidFill>
+                <a:schemeClr val="accent5"/>
+              </a:solidFill>
+              <a:ln w="9525">
+                <a:solidFill>
+                  <a:schemeClr val="accent5"/>
+                </a:solidFill>
+              </a:ln>
+              <a:effectLst/>
+            </c:spPr>
+          </c:marker>
+          <c:cat>
+            <c:numRef>
+              <c:f>Sheet3!$M$5:$M$10</c:f>
+              <c:numCache>
+                <c:formatCode>General</c:formatCode>
+                <c:ptCount val="6"/>
+                <c:pt idx="0">
+                  <c:v>128</c:v>
+                </c:pt>
+                <c:pt idx="1">
+                  <c:v>512</c:v>
+                </c:pt>
+                <c:pt idx="2">
+                  <c:v>2048</c:v>
+                </c:pt>
+                <c:pt idx="3">
+                  <c:v>4096</c:v>
+                </c:pt>
+                <c:pt idx="4">
+                  <c:v>8192</c:v>
+                </c:pt>
+                <c:pt idx="5">
+                  <c:v>16384</c:v>
+                </c:pt>
+              </c:numCache>
+            </c:numRef>
+          </c:cat>
+          <c:val>
+            <c:numRef>
+              <c:f>Sheet3!$R$5:$R$10</c:f>
+              <c:numCache>
+                <c:formatCode>General</c:formatCode>
+                <c:ptCount val="6"/>
+                <c:pt idx="0">
+                  <c:v>5.7717499999999999</c:v>
+                </c:pt>
+                <c:pt idx="1">
+                  <c:v>6.2567500000000003</c:v>
+                </c:pt>
+                <c:pt idx="2">
+                  <c:v>5.4442000000000004</c:v>
+                </c:pt>
+                <c:pt idx="3">
+                  <c:v>5.3798000000000004</c:v>
+                </c:pt>
+                <c:pt idx="4">
+                  <c:v>5.6402250000000009</c:v>
+                </c:pt>
+                <c:pt idx="5">
+                  <c:v>6.0894999999999992</c:v>
+                </c:pt>
+              </c:numCache>
+            </c:numRef>
+          </c:val>
+          <c:smooth val="0"/>
+          <c:extLst>
+            <c:ext xmlns:c16="http://schemas.microsoft.com/office/drawing/2014/chart" uri="{C3380CC4-5D6E-409C-BE32-E72D297353CC}">
+              <c16:uniqueId val="{00000004-BEA0-4D03-B777-43C3D5171F58}"/>
+            </c:ext>
+          </c:extLst>
+        </c:ser>
+        <c:dLbls>
+          <c:showLegendKey val="0"/>
+          <c:showVal val="0"/>
+          <c:showCatName val="0"/>
+          <c:showSerName val="0"/>
+          <c:showPercent val="0"/>
+          <c:showBubbleSize val="0"/>
+        </c:dLbls>
+        <c:marker val="1"/>
+        <c:smooth val="0"/>
+        <c:axId val="626366760"/>
+        <c:axId val="626363160"/>
+      </c:lineChart>
+      <c:catAx>
+        <c:axId val="626366760"/>
+        <c:scaling>
+          <c:orientation val="minMax"/>
+        </c:scaling>
+        <c:delete val="0"/>
+        <c:axPos val="b"/>
+        <c:numFmt formatCode="General" sourceLinked="1"/>
+        <c:majorTickMark val="none"/>
+        <c:minorTickMark val="none"/>
+        <c:tickLblPos val="nextTo"/>
+        <c:spPr>
+          <a:noFill/>
+          <a:ln w="9525" cap="flat" cmpd="sng" algn="ctr">
+            <a:solidFill>
+              <a:schemeClr val="tx1">
+                <a:lumMod val="15000"/>
+                <a:lumOff val="85000"/>
+              </a:schemeClr>
+            </a:solidFill>
+            <a:round/>
+          </a:ln>
+          <a:effectLst/>
+        </c:spPr>
+        <c:txPr>
+          <a:bodyPr rot="-60000000" spcFirstLastPara="1" vertOverflow="ellipsis" vert="horz" wrap="square" anchor="ctr" anchorCtr="1"/>
+          <a:lstStyle/>
+          <a:p>
+            <a:pPr>
+              <a:defRPr sz="1050" b="0" i="0" u="none" strike="noStrike" kern="1200" baseline="0">
+                <a:solidFill>
+                  <a:schemeClr val="tx1">
+                    <a:lumMod val="65000"/>
+                    <a:lumOff val="35000"/>
+                  </a:schemeClr>
+                </a:solidFill>
+                <a:latin typeface="+mn-lt"/>
+                <a:ea typeface="+mn-ea"/>
+                <a:cs typeface="+mn-cs"/>
+              </a:defRPr>
+            </a:pPr>
+            <a:endParaRPr lang="en-US"/>
+          </a:p>
+        </c:txPr>
+        <c:crossAx val="626363160"/>
+        <c:crosses val="autoZero"/>
+        <c:auto val="1"/>
+        <c:lblAlgn val="ctr"/>
+        <c:lblOffset val="100"/>
+        <c:noMultiLvlLbl val="0"/>
+      </c:catAx>
+      <c:valAx>
+        <c:axId val="626363160"/>
+        <c:scaling>
+          <c:orientation val="minMax"/>
+        </c:scaling>
+        <c:delete val="0"/>
+        <c:axPos val="l"/>
+        <c:majorGridlines>
+          <c:spPr>
+            <a:ln w="9525" cap="flat" cmpd="sng" algn="ctr">
+              <a:solidFill>
+                <a:schemeClr val="tx1">
+                  <a:lumMod val="15000"/>
+                  <a:lumOff val="85000"/>
+                </a:schemeClr>
+              </a:solidFill>
+              <a:round/>
+            </a:ln>
+            <a:effectLst/>
+          </c:spPr>
+        </c:majorGridlines>
+        <c:numFmt formatCode="General" sourceLinked="1"/>
+        <c:majorTickMark val="none"/>
+        <c:minorTickMark val="none"/>
+        <c:tickLblPos val="nextTo"/>
+        <c:spPr>
+          <a:noFill/>
+          <a:ln>
+            <a:noFill/>
+          </a:ln>
+          <a:effectLst/>
+        </c:spPr>
+        <c:txPr>
+          <a:bodyPr rot="-60000000" spcFirstLastPara="1" vertOverflow="ellipsis" vert="horz" wrap="square" anchor="ctr" anchorCtr="1"/>
+          <a:lstStyle/>
+          <a:p>
+            <a:pPr>
+              <a:defRPr sz="900" b="0" i="0" u="none" strike="noStrike" kern="1200" baseline="0">
+                <a:solidFill>
+                  <a:schemeClr val="tx1">
+                    <a:lumMod val="65000"/>
+                    <a:lumOff val="35000"/>
+                  </a:schemeClr>
+                </a:solidFill>
+                <a:latin typeface="+mn-lt"/>
+                <a:ea typeface="+mn-ea"/>
+                <a:cs typeface="+mn-cs"/>
+              </a:defRPr>
+            </a:pPr>
+            <a:endParaRPr lang="en-US"/>
+          </a:p>
+        </c:txPr>
+        <c:crossAx val="626366760"/>
+        <c:crosses val="autoZero"/>
+        <c:crossBetween val="between"/>
+      </c:valAx>
+      <c:spPr>
+        <a:noFill/>
+        <a:ln>
+          <a:noFill/>
+        </a:ln>
+        <a:effectLst/>
+      </c:spPr>
+    </c:plotArea>
+    <c:legend>
+      <c:legendPos val="b"/>
+      <c:legendEntry>
+        <c:idx val="0"/>
+        <c:txPr>
+          <a:bodyPr rot="0" spcFirstLastPara="1" vertOverflow="ellipsis" vert="horz" wrap="square" anchor="ctr" anchorCtr="1"/>
+          <a:lstStyle/>
+          <a:p>
+            <a:pPr>
+              <a:defRPr sz="1100" b="0" i="0" u="none" strike="noStrike" kern="1200" baseline="0">
+                <a:solidFill>
+                  <a:schemeClr val="tx1">
+                    <a:lumMod val="65000"/>
+                    <a:lumOff val="35000"/>
+                  </a:schemeClr>
+                </a:solidFill>
+                <a:latin typeface="+mn-lt"/>
+                <a:ea typeface="+mn-ea"/>
+                <a:cs typeface="+mn-cs"/>
+              </a:defRPr>
+            </a:pPr>
+            <a:endParaRPr lang="en-US"/>
+          </a:p>
+        </c:txPr>
+      </c:legendEntry>
+      <c:legendEntry>
+        <c:idx val="1"/>
+        <c:txPr>
+          <a:bodyPr rot="0" spcFirstLastPara="1" vertOverflow="ellipsis" vert="horz" wrap="square" anchor="ctr" anchorCtr="1"/>
+          <a:lstStyle/>
+          <a:p>
+            <a:pPr>
+              <a:defRPr sz="1100" b="0" i="0" u="none" strike="noStrike" kern="1200" baseline="0">
+                <a:solidFill>
+                  <a:schemeClr val="tx1">
+                    <a:lumMod val="65000"/>
+                    <a:lumOff val="35000"/>
+                  </a:schemeClr>
+                </a:solidFill>
+                <a:latin typeface="+mn-lt"/>
+                <a:ea typeface="+mn-ea"/>
+                <a:cs typeface="+mn-cs"/>
+              </a:defRPr>
+            </a:pPr>
+            <a:endParaRPr lang="en-US"/>
+          </a:p>
+        </c:txPr>
+      </c:legendEntry>
+      <c:legendEntry>
+        <c:idx val="2"/>
+        <c:txPr>
+          <a:bodyPr rot="0" spcFirstLastPara="1" vertOverflow="ellipsis" vert="horz" wrap="square" anchor="ctr" anchorCtr="1"/>
+          <a:lstStyle/>
+          <a:p>
+            <a:pPr>
+              <a:defRPr sz="1100" b="0" i="0" u="none" strike="noStrike" kern="1200" baseline="0">
+                <a:solidFill>
+                  <a:schemeClr val="tx1">
+                    <a:lumMod val="65000"/>
+                    <a:lumOff val="35000"/>
+                  </a:schemeClr>
+                </a:solidFill>
+                <a:latin typeface="+mn-lt"/>
+                <a:ea typeface="+mn-ea"/>
+                <a:cs typeface="+mn-cs"/>
+              </a:defRPr>
+            </a:pPr>
+            <a:endParaRPr lang="en-US"/>
+          </a:p>
+        </c:txPr>
+      </c:legendEntry>
+      <c:legendEntry>
+        <c:idx val="3"/>
+        <c:txPr>
+          <a:bodyPr rot="0" spcFirstLastPara="1" vertOverflow="ellipsis" vert="horz" wrap="square" anchor="ctr" anchorCtr="1"/>
+          <a:lstStyle/>
+          <a:p>
+            <a:pPr>
+              <a:defRPr sz="1100" b="0" i="0" u="none" strike="noStrike" kern="1200" baseline="0">
+                <a:solidFill>
+                  <a:schemeClr val="tx1">
+                    <a:lumMod val="65000"/>
+                    <a:lumOff val="35000"/>
+                  </a:schemeClr>
+                </a:solidFill>
+                <a:latin typeface="+mn-lt"/>
+                <a:ea typeface="+mn-ea"/>
+                <a:cs typeface="+mn-cs"/>
+              </a:defRPr>
+            </a:pPr>
+            <a:endParaRPr lang="en-US"/>
+          </a:p>
+        </c:txPr>
+      </c:legendEntry>
+      <c:legendEntry>
+        <c:idx val="4"/>
+        <c:txPr>
+          <a:bodyPr rot="0" spcFirstLastPara="1" vertOverflow="ellipsis" vert="horz" wrap="square" anchor="ctr" anchorCtr="1"/>
+          <a:lstStyle/>
+          <a:p>
+            <a:pPr>
+              <a:defRPr sz="1100" b="0" i="0" u="none" strike="noStrike" kern="1200" baseline="0">
+                <a:solidFill>
+                  <a:schemeClr val="tx1">
+                    <a:lumMod val="65000"/>
+                    <a:lumOff val="35000"/>
+                  </a:schemeClr>
+                </a:solidFill>
+                <a:latin typeface="+mn-lt"/>
+                <a:ea typeface="+mn-ea"/>
+                <a:cs typeface="+mn-cs"/>
+              </a:defRPr>
+            </a:pPr>
+            <a:endParaRPr lang="en-US"/>
+          </a:p>
+        </c:txPr>
+      </c:legendEntry>
+      <c:overlay val="0"/>
+      <c:spPr>
+        <a:noFill/>
+        <a:ln>
+          <a:noFill/>
+        </a:ln>
+        <a:effectLst/>
+      </c:spPr>
+      <c:txPr>
+        <a:bodyPr rot="0" spcFirstLastPara="1" vertOverflow="ellipsis" vert="horz" wrap="square" anchor="ctr" anchorCtr="1"/>
+        <a:lstStyle/>
+        <a:p>
+          <a:pPr>
+            <a:defRPr sz="900" b="0" i="0" u="none" strike="noStrike" kern="1200" baseline="0">
+              <a:solidFill>
+                <a:schemeClr val="tx1">
+                  <a:lumMod val="65000"/>
+                  <a:lumOff val="35000"/>
+                </a:schemeClr>
+              </a:solidFill>
+              <a:latin typeface="+mn-lt"/>
+              <a:ea typeface="+mn-ea"/>
+              <a:cs typeface="+mn-cs"/>
+            </a:defRPr>
+          </a:pPr>
+          <a:endParaRPr lang="en-US"/>
+        </a:p>
+      </c:txPr>
+    </c:legend>
+    <c:plotVisOnly val="1"/>
+    <c:dispBlanksAs val="gap"/>
+    <c:extLst>
+      <c:ext xmlns:c16r3="http://schemas.microsoft.com/office/drawing/2017/03/chart" uri="{56B9EC1D-385E-4148-901F-78D8002777C0}">
+        <c16r3:dataDisplayOptions16>
+          <c16r3:dispNaAsBlank val="1"/>
+        </c16r3:dataDisplayOptions16>
+      </c:ext>
+    </c:extLst>
+    <c:showDLblsOverMax val="0"/>
+  </c:chart>
+  <c:spPr>
+    <a:noFill/>
+    <a:ln>
+      <a:noFill/>
+    </a:ln>
+    <a:effectLst/>
+  </c:spPr>
+  <c:txPr>
+    <a:bodyPr/>
+    <a:lstStyle/>
+    <a:p>
+      <a:pPr>
+        <a:defRPr/>
+      </a:pPr>
+      <a:endParaRPr lang="en-US"/>
+    </a:p>
+  </c:txPr>
+  <c:externalData r:id="rId3">
+    <c:autoUpdate val="0"/>
+  </c:externalData>
+</c:chartSpace>
+</file>
+
+<file path=ppt/charts/chart3.xml><?xml version="1.0" encoding="utf-8"?>
+<c:chartSpace xmlns:c="http://schemas.openxmlformats.org/drawingml/2006/chart" xmlns:a="http://schemas.openxmlformats.org/drawingml/2006/main" xmlns:r="http://schemas.openxmlformats.org/officeDocument/2006/relationships" xmlns:c16r2="http://schemas.microsoft.com/office/drawing/2015/06/chart">
+  <c:date1904 val="0"/>
+  <c:lang val="en-US"/>
+  <c:roundedCorners val="0"/>
+  <mc:AlternateContent xmlns:mc="http://schemas.openxmlformats.org/markup-compatibility/2006">
+    <mc:Choice xmlns:c14="http://schemas.microsoft.com/office/drawing/2007/8/2/chart" Requires="c14">
+      <c14:style val="102"/>
+    </mc:Choice>
+    <mc:Fallback>
+      <c:style val="2"/>
+    </mc:Fallback>
+  </mc:AlternateContent>
+  <c:chart>
+    <c:title>
+      <c:tx>
+        <c:rich>
+          <a:bodyPr rot="0" spcFirstLastPara="1" vertOverflow="ellipsis" vert="horz" wrap="square" anchor="ctr" anchorCtr="1"/>
+          <a:lstStyle/>
+          <a:p>
+            <a:pPr>
+              <a:defRPr sz="1400" b="1" i="0" u="none" strike="noStrike" kern="1200" spc="0" baseline="0">
+                <a:solidFill>
+                  <a:schemeClr val="tx1">
+                    <a:lumMod val="65000"/>
+                    <a:lumOff val="35000"/>
+                  </a:schemeClr>
+                </a:solidFill>
+                <a:latin typeface="+mn-lt"/>
+                <a:ea typeface="+mn-ea"/>
+                <a:cs typeface="+mn-cs"/>
+              </a:defRPr>
+            </a:pPr>
+            <a:r>
+              <a:rPr lang="en-US" b="1"/>
+              <a:t>Random</a:t>
+            </a:r>
+            <a:r>
+              <a:rPr lang="en-US" b="1" baseline="0"/>
+              <a:t> Access IO</a:t>
+            </a:r>
+            <a:endParaRPr lang="en-US" b="1"/>
+          </a:p>
+        </c:rich>
+      </c:tx>
+      <c:overlay val="0"/>
+      <c:spPr>
+        <a:noFill/>
+        <a:ln>
+          <a:noFill/>
+        </a:ln>
+        <a:effectLst/>
+      </c:spPr>
+      <c:txPr>
+        <a:bodyPr rot="0" spcFirstLastPara="1" vertOverflow="ellipsis" vert="horz" wrap="square" anchor="ctr" anchorCtr="1"/>
+        <a:lstStyle/>
+        <a:p>
+          <a:pPr>
+            <a:defRPr sz="1400" b="1" i="0" u="none" strike="noStrike" kern="1200" spc="0" baseline="0">
+              <a:solidFill>
+                <a:schemeClr val="tx1">
+                  <a:lumMod val="65000"/>
+                  <a:lumOff val="35000"/>
+                </a:schemeClr>
+              </a:solidFill>
+              <a:latin typeface="+mn-lt"/>
+              <a:ea typeface="+mn-ea"/>
+              <a:cs typeface="+mn-cs"/>
+            </a:defRPr>
+          </a:pPr>
+          <a:endParaRPr lang="en-US"/>
+        </a:p>
+      </c:txPr>
+    </c:title>
+    <c:autoTitleDeleted val="0"/>
+    <c:plotArea>
+      <c:layout/>
+      <c:barChart>
+        <c:barDir val="col"/>
+        <c:grouping val="clustered"/>
+        <c:varyColors val="0"/>
+        <c:ser>
+          <c:idx val="0"/>
+          <c:order val="0"/>
+          <c:tx>
+            <c:strRef>
+              <c:f>Sheet3!$C$32</c:f>
+              <c:strCache>
+                <c:ptCount val="1"/>
+                <c:pt idx="0">
+                  <c:v>gp2</c:v>
+                </c:pt>
+              </c:strCache>
+            </c:strRef>
+          </c:tx>
+          <c:spPr>
+            <a:solidFill>
+              <a:schemeClr val="accent1"/>
+            </a:solidFill>
+            <a:ln>
+              <a:noFill/>
+            </a:ln>
+            <a:effectLst/>
+          </c:spPr>
+          <c:invertIfNegative val="0"/>
+          <c:cat>
+            <c:numRef>
+              <c:f>Sheet3!$B$33:$B$35</c:f>
+              <c:numCache>
+                <c:formatCode>General</c:formatCode>
+                <c:ptCount val="3"/>
+                <c:pt idx="0">
+                  <c:v>512</c:v>
+                </c:pt>
+                <c:pt idx="1">
+                  <c:v>4096</c:v>
+                </c:pt>
+                <c:pt idx="2">
+                  <c:v>32768</c:v>
+                </c:pt>
+              </c:numCache>
+            </c:numRef>
+          </c:cat>
+          <c:val>
+            <c:numRef>
+              <c:f>Sheet3!$C$33:$C$35</c:f>
+              <c:numCache>
+                <c:formatCode>General</c:formatCode>
+                <c:ptCount val="3"/>
+                <c:pt idx="0">
+                  <c:v>1.0416799999999999</c:v>
+                </c:pt>
+                <c:pt idx="1">
+                  <c:v>1.1939699999999998</c:v>
+                </c:pt>
+                <c:pt idx="2">
+                  <c:v>1.9949400000000002</c:v>
+                </c:pt>
+              </c:numCache>
+            </c:numRef>
+          </c:val>
+          <c:extLst>
+            <c:ext xmlns:c16="http://schemas.microsoft.com/office/drawing/2014/chart" uri="{C3380CC4-5D6E-409C-BE32-E72D297353CC}">
+              <c16:uniqueId val="{00000000-18B7-4BEB-AA38-938A65940641}"/>
+            </c:ext>
+          </c:extLst>
+        </c:ser>
+        <c:ser>
+          <c:idx val="1"/>
+          <c:order val="1"/>
+          <c:tx>
+            <c:strRef>
+              <c:f>Sheet3!$D$32</c:f>
+              <c:strCache>
+                <c:ptCount val="1"/>
+                <c:pt idx="0">
+                  <c:v>gp3</c:v>
+                </c:pt>
+              </c:strCache>
+            </c:strRef>
+          </c:tx>
+          <c:spPr>
+            <a:solidFill>
+              <a:srgbClr val="00B050"/>
+            </a:solidFill>
+            <a:ln>
+              <a:noFill/>
+            </a:ln>
+            <a:effectLst/>
+          </c:spPr>
+          <c:invertIfNegative val="0"/>
+          <c:cat>
+            <c:numRef>
+              <c:f>Sheet3!$B$33:$B$35</c:f>
+              <c:numCache>
+                <c:formatCode>General</c:formatCode>
+                <c:ptCount val="3"/>
+                <c:pt idx="0">
+                  <c:v>512</c:v>
+                </c:pt>
+                <c:pt idx="1">
+                  <c:v>4096</c:v>
+                </c:pt>
+                <c:pt idx="2">
+                  <c:v>32768</c:v>
+                </c:pt>
+              </c:numCache>
+            </c:numRef>
+          </c:cat>
+          <c:val>
+            <c:numRef>
+              <c:f>Sheet3!$D$33:$D$35</c:f>
+              <c:numCache>
+                <c:formatCode>General</c:formatCode>
+                <c:ptCount val="3"/>
+                <c:pt idx="0">
+                  <c:v>1.0434380000000001</c:v>
+                </c:pt>
+                <c:pt idx="1">
+                  <c:v>1.1700200000000001</c:v>
+                </c:pt>
+                <c:pt idx="2">
+                  <c:v>1.9953600000000002</c:v>
+                </c:pt>
+              </c:numCache>
+            </c:numRef>
+          </c:val>
+          <c:extLst>
+            <c:ext xmlns:c16="http://schemas.microsoft.com/office/drawing/2014/chart" uri="{C3380CC4-5D6E-409C-BE32-E72D297353CC}">
+              <c16:uniqueId val="{00000001-18B7-4BEB-AA38-938A65940641}"/>
+            </c:ext>
+          </c:extLst>
+        </c:ser>
+        <c:ser>
+          <c:idx val="2"/>
+          <c:order val="2"/>
+          <c:tx>
+            <c:strRef>
+              <c:f>Sheet3!$E$32</c:f>
+              <c:strCache>
+                <c:ptCount val="1"/>
+                <c:pt idx="0">
+                  <c:v>io2</c:v>
+                </c:pt>
+              </c:strCache>
+            </c:strRef>
+          </c:tx>
+          <c:spPr>
+            <a:solidFill>
+              <a:srgbClr val="FF0000"/>
+            </a:solidFill>
+            <a:ln>
+              <a:noFill/>
+            </a:ln>
+            <a:effectLst/>
+          </c:spPr>
+          <c:invertIfNegative val="0"/>
+          <c:cat>
+            <c:numRef>
+              <c:f>Sheet3!$B$33:$B$35</c:f>
+              <c:numCache>
+                <c:formatCode>General</c:formatCode>
+                <c:ptCount val="3"/>
+                <c:pt idx="0">
+                  <c:v>512</c:v>
+                </c:pt>
+                <c:pt idx="1">
+                  <c:v>4096</c:v>
+                </c:pt>
+                <c:pt idx="2">
+                  <c:v>32768</c:v>
+                </c:pt>
+              </c:numCache>
+            </c:numRef>
+          </c:cat>
+          <c:val>
+            <c:numRef>
+              <c:f>Sheet3!$E$33:$E$35</c:f>
+              <c:numCache>
+                <c:formatCode>General</c:formatCode>
+                <c:ptCount val="3"/>
+                <c:pt idx="0">
+                  <c:v>0.98940000000000006</c:v>
+                </c:pt>
+                <c:pt idx="1">
+                  <c:v>1.1424799999999999</c:v>
+                </c:pt>
+                <c:pt idx="2">
+                  <c:v>1.9087399999999999</c:v>
+                </c:pt>
+              </c:numCache>
+            </c:numRef>
+          </c:val>
+          <c:extLst>
+            <c:ext xmlns:c16="http://schemas.microsoft.com/office/drawing/2014/chart" uri="{C3380CC4-5D6E-409C-BE32-E72D297353CC}">
+              <c16:uniqueId val="{00000002-18B7-4BEB-AA38-938A65940641}"/>
+            </c:ext>
+          </c:extLst>
+        </c:ser>
+        <c:dLbls>
+          <c:showLegendKey val="0"/>
+          <c:showVal val="0"/>
+          <c:showCatName val="0"/>
+          <c:showSerName val="0"/>
+          <c:showPercent val="0"/>
+          <c:showBubbleSize val="0"/>
+        </c:dLbls>
+        <c:gapWidth val="219"/>
+        <c:axId val="582589432"/>
+        <c:axId val="582594112"/>
+      </c:barChart>
+      <c:catAx>
+        <c:axId val="582589432"/>
+        <c:scaling>
+          <c:orientation val="minMax"/>
+        </c:scaling>
+        <c:delete val="0"/>
+        <c:axPos val="b"/>
+        <c:numFmt formatCode="General" sourceLinked="1"/>
+        <c:majorTickMark val="none"/>
+        <c:minorTickMark val="none"/>
+        <c:tickLblPos val="nextTo"/>
+        <c:spPr>
+          <a:noFill/>
+          <a:ln w="9525" cap="flat" cmpd="sng" algn="ctr">
+            <a:solidFill>
+              <a:schemeClr val="tx1">
+                <a:lumMod val="15000"/>
+                <a:lumOff val="85000"/>
+              </a:schemeClr>
+            </a:solidFill>
+            <a:round/>
+          </a:ln>
+          <a:effectLst/>
+        </c:spPr>
+        <c:txPr>
+          <a:bodyPr rot="-60000000" spcFirstLastPara="1" vertOverflow="ellipsis" vert="horz" wrap="square" anchor="ctr" anchorCtr="1"/>
+          <a:lstStyle/>
+          <a:p>
+            <a:pPr>
+              <a:defRPr sz="1200" b="0" i="0" u="none" strike="noStrike" kern="1200" baseline="0">
+                <a:solidFill>
+                  <a:schemeClr val="tx1">
+                    <a:lumMod val="65000"/>
+                    <a:lumOff val="35000"/>
+                  </a:schemeClr>
+                </a:solidFill>
+                <a:latin typeface="+mn-lt"/>
+                <a:ea typeface="+mn-ea"/>
+                <a:cs typeface="+mn-cs"/>
+              </a:defRPr>
+            </a:pPr>
+            <a:endParaRPr lang="en-US"/>
+          </a:p>
+        </c:txPr>
+        <c:crossAx val="582594112"/>
+        <c:crosses val="autoZero"/>
+        <c:auto val="1"/>
+        <c:lblAlgn val="ctr"/>
+        <c:lblOffset val="100"/>
+        <c:noMultiLvlLbl val="0"/>
+      </c:catAx>
+      <c:valAx>
+        <c:axId val="582594112"/>
+        <c:scaling>
+          <c:orientation val="minMax"/>
+        </c:scaling>
+        <c:delete val="0"/>
+        <c:axPos val="l"/>
+        <c:majorGridlines>
+          <c:spPr>
+            <a:ln w="9525" cap="flat" cmpd="sng" algn="ctr">
+              <a:solidFill>
+                <a:schemeClr val="tx1">
+                  <a:lumMod val="15000"/>
+                  <a:lumOff val="85000"/>
+                </a:schemeClr>
+              </a:solidFill>
+              <a:round/>
+            </a:ln>
+            <a:effectLst/>
+          </c:spPr>
+        </c:majorGridlines>
+        <c:numFmt formatCode="General" sourceLinked="1"/>
+        <c:majorTickMark val="none"/>
+        <c:minorTickMark val="none"/>
+        <c:tickLblPos val="nextTo"/>
+        <c:spPr>
+          <a:noFill/>
+          <a:ln>
+            <a:noFill/>
+          </a:ln>
+          <a:effectLst/>
+        </c:spPr>
+        <c:txPr>
+          <a:bodyPr rot="-60000000" spcFirstLastPara="1" vertOverflow="ellipsis" vert="horz" wrap="square" anchor="ctr" anchorCtr="1"/>
+          <a:lstStyle/>
+          <a:p>
+            <a:pPr>
+              <a:defRPr sz="900" b="0" i="0" u="none" strike="noStrike" kern="1200" baseline="0">
+                <a:solidFill>
+                  <a:schemeClr val="tx1">
+                    <a:lumMod val="65000"/>
+                    <a:lumOff val="35000"/>
+                  </a:schemeClr>
+                </a:solidFill>
+                <a:latin typeface="+mn-lt"/>
+                <a:ea typeface="+mn-ea"/>
+                <a:cs typeface="+mn-cs"/>
+              </a:defRPr>
+            </a:pPr>
+            <a:endParaRPr lang="en-US"/>
+          </a:p>
+        </c:txPr>
+        <c:crossAx val="582589432"/>
+        <c:crosses val="autoZero"/>
+        <c:crossBetween val="between"/>
+      </c:valAx>
+      <c:spPr>
+        <a:noFill/>
+        <a:ln>
+          <a:noFill/>
+        </a:ln>
+        <a:effectLst/>
+      </c:spPr>
+    </c:plotArea>
+    <c:legend>
+      <c:legendPos val="b"/>
+      <c:legendEntry>
+        <c:idx val="0"/>
+        <c:txPr>
+          <a:bodyPr rot="0" spcFirstLastPara="1" vertOverflow="ellipsis" vert="horz" wrap="square" anchor="ctr" anchorCtr="1"/>
+          <a:lstStyle/>
+          <a:p>
+            <a:pPr>
+              <a:defRPr sz="1200" b="1" i="0" u="none" strike="noStrike" kern="1200" baseline="0">
+                <a:solidFill>
+                  <a:schemeClr val="tx1">
+                    <a:lumMod val="65000"/>
+                    <a:lumOff val="35000"/>
+                  </a:schemeClr>
+                </a:solidFill>
+                <a:latin typeface="+mn-lt"/>
+                <a:ea typeface="+mn-ea"/>
+                <a:cs typeface="+mn-cs"/>
+              </a:defRPr>
+            </a:pPr>
+            <a:endParaRPr lang="en-US"/>
+          </a:p>
+        </c:txPr>
+      </c:legendEntry>
+      <c:legendEntry>
+        <c:idx val="1"/>
+        <c:txPr>
+          <a:bodyPr rot="0" spcFirstLastPara="1" vertOverflow="ellipsis" vert="horz" wrap="square" anchor="ctr" anchorCtr="1"/>
+          <a:lstStyle/>
+          <a:p>
+            <a:pPr>
+              <a:defRPr sz="1200" b="1" i="0" u="none" strike="noStrike" kern="1200" baseline="0">
+                <a:solidFill>
+                  <a:schemeClr val="tx1">
+                    <a:lumMod val="65000"/>
+                    <a:lumOff val="35000"/>
+                  </a:schemeClr>
+                </a:solidFill>
+                <a:latin typeface="+mn-lt"/>
+                <a:ea typeface="+mn-ea"/>
+                <a:cs typeface="+mn-cs"/>
+              </a:defRPr>
+            </a:pPr>
+            <a:endParaRPr lang="en-US"/>
+          </a:p>
+        </c:txPr>
+      </c:legendEntry>
+      <c:legendEntry>
+        <c:idx val="2"/>
+        <c:txPr>
+          <a:bodyPr rot="0" spcFirstLastPara="1" vertOverflow="ellipsis" vert="horz" wrap="square" anchor="ctr" anchorCtr="1"/>
+          <a:lstStyle/>
+          <a:p>
+            <a:pPr>
+              <a:defRPr sz="1200" b="1" i="0" u="none" strike="noStrike" kern="1200" baseline="0">
+                <a:solidFill>
+                  <a:schemeClr val="tx1">
+                    <a:lumMod val="65000"/>
+                    <a:lumOff val="35000"/>
+                  </a:schemeClr>
+                </a:solidFill>
+                <a:latin typeface="+mn-lt"/>
+                <a:ea typeface="+mn-ea"/>
+                <a:cs typeface="+mn-cs"/>
+              </a:defRPr>
+            </a:pPr>
+            <a:endParaRPr lang="en-US"/>
+          </a:p>
+        </c:txPr>
+      </c:legendEntry>
       <c:overlay val="0"/>
       <c:spPr>
         <a:noFill/>
@@ -939,7 +2487,1093 @@
 </cs:colorStyle>
 </file>
 
+<file path=ppt/charts/colors2.xml><?xml version="1.0" encoding="utf-8"?>
+<cs:colorStyle xmlns:cs="http://schemas.microsoft.com/office/drawing/2012/chartStyle" xmlns:a="http://schemas.openxmlformats.org/drawingml/2006/main" meth="cycle" id="10">
+  <a:schemeClr val="accent1"/>
+  <a:schemeClr val="accent2"/>
+  <a:schemeClr val="accent3"/>
+  <a:schemeClr val="accent4"/>
+  <a:schemeClr val="accent5"/>
+  <a:schemeClr val="accent6"/>
+  <cs:variation/>
+  <cs:variation>
+    <a:lumMod val="60000"/>
+  </cs:variation>
+  <cs:variation>
+    <a:lumMod val="80000"/>
+    <a:lumOff val="20000"/>
+  </cs:variation>
+  <cs:variation>
+    <a:lumMod val="80000"/>
+  </cs:variation>
+  <cs:variation>
+    <a:lumMod val="60000"/>
+    <a:lumOff val="40000"/>
+  </cs:variation>
+  <cs:variation>
+    <a:lumMod val="50000"/>
+  </cs:variation>
+  <cs:variation>
+    <a:lumMod val="70000"/>
+    <a:lumOff val="30000"/>
+  </cs:variation>
+  <cs:variation>
+    <a:lumMod val="70000"/>
+  </cs:variation>
+  <cs:variation>
+    <a:lumMod val="50000"/>
+    <a:lumOff val="50000"/>
+  </cs:variation>
+</cs:colorStyle>
+</file>
+
+<file path=ppt/charts/colors3.xml><?xml version="1.0" encoding="utf-8"?>
+<cs:colorStyle xmlns:cs="http://schemas.microsoft.com/office/drawing/2012/chartStyle" xmlns:a="http://schemas.openxmlformats.org/drawingml/2006/main" meth="cycle" id="10">
+  <a:schemeClr val="accent1"/>
+  <a:schemeClr val="accent2"/>
+  <a:schemeClr val="accent3"/>
+  <a:schemeClr val="accent4"/>
+  <a:schemeClr val="accent5"/>
+  <a:schemeClr val="accent6"/>
+  <cs:variation/>
+  <cs:variation>
+    <a:lumMod val="60000"/>
+  </cs:variation>
+  <cs:variation>
+    <a:lumMod val="80000"/>
+    <a:lumOff val="20000"/>
+  </cs:variation>
+  <cs:variation>
+    <a:lumMod val="80000"/>
+  </cs:variation>
+  <cs:variation>
+    <a:lumMod val="60000"/>
+    <a:lumOff val="40000"/>
+  </cs:variation>
+  <cs:variation>
+    <a:lumMod val="50000"/>
+  </cs:variation>
+  <cs:variation>
+    <a:lumMod val="70000"/>
+    <a:lumOff val="30000"/>
+  </cs:variation>
+  <cs:variation>
+    <a:lumMod val="70000"/>
+  </cs:variation>
+  <cs:variation>
+    <a:lumMod val="50000"/>
+    <a:lumOff val="50000"/>
+  </cs:variation>
+</cs:colorStyle>
+</file>
+
 <file path=ppt/charts/style1.xml><?xml version="1.0" encoding="utf-8"?>
+<cs:chartStyle xmlns:cs="http://schemas.microsoft.com/office/drawing/2012/chartStyle" xmlns:a="http://schemas.openxmlformats.org/drawingml/2006/main" id="332">
+  <cs:axisTitle>
+    <cs:lnRef idx="0"/>
+    <cs:fillRef idx="0"/>
+    <cs:effectRef idx="0"/>
+    <cs:fontRef idx="minor">
+      <a:schemeClr val="tx1">
+        <a:lumMod val="65000"/>
+        <a:lumOff val="35000"/>
+      </a:schemeClr>
+    </cs:fontRef>
+    <cs:defRPr sz="1000" kern="1200"/>
+  </cs:axisTitle>
+  <cs:categoryAxis>
+    <cs:lnRef idx="0"/>
+    <cs:fillRef idx="0"/>
+    <cs:effectRef idx="0"/>
+    <cs:fontRef idx="minor">
+      <a:schemeClr val="tx1">
+        <a:lumMod val="65000"/>
+        <a:lumOff val="35000"/>
+      </a:schemeClr>
+    </cs:fontRef>
+    <cs:spPr>
+      <a:ln w="9525" cap="flat" cmpd="sng" algn="ctr">
+        <a:solidFill>
+          <a:schemeClr val="tx1">
+            <a:lumMod val="15000"/>
+            <a:lumOff val="85000"/>
+          </a:schemeClr>
+        </a:solidFill>
+        <a:round/>
+      </a:ln>
+    </cs:spPr>
+    <cs:defRPr sz="900" kern="1200"/>
+  </cs:categoryAxis>
+  <cs:chartArea mods="allowNoFillOverride allowNoLineOverride">
+    <cs:lnRef idx="0"/>
+    <cs:fillRef idx="0"/>
+    <cs:effectRef idx="0"/>
+    <cs:fontRef idx="minor">
+      <a:schemeClr val="tx1"/>
+    </cs:fontRef>
+    <cs:spPr>
+      <a:solidFill>
+        <a:schemeClr val="bg1"/>
+      </a:solidFill>
+      <a:ln w="9525" cap="flat" cmpd="sng" algn="ctr">
+        <a:solidFill>
+          <a:schemeClr val="tx1">
+            <a:lumMod val="15000"/>
+            <a:lumOff val="85000"/>
+          </a:schemeClr>
+        </a:solidFill>
+        <a:round/>
+      </a:ln>
+    </cs:spPr>
+    <cs:defRPr sz="1000" kern="1200"/>
+  </cs:chartArea>
+  <cs:dataLabel>
+    <cs:lnRef idx="0"/>
+    <cs:fillRef idx="0"/>
+    <cs:effectRef idx="0"/>
+    <cs:fontRef idx="minor">
+      <a:schemeClr val="tx1">
+        <a:lumMod val="75000"/>
+        <a:lumOff val="25000"/>
+      </a:schemeClr>
+    </cs:fontRef>
+    <cs:defRPr sz="900" kern="1200"/>
+  </cs:dataLabel>
+  <cs:dataLabelCallout>
+    <cs:lnRef idx="0"/>
+    <cs:fillRef idx="0"/>
+    <cs:effectRef idx="0"/>
+    <cs:fontRef idx="minor">
+      <a:schemeClr val="dk1">
+        <a:lumMod val="65000"/>
+        <a:lumOff val="35000"/>
+      </a:schemeClr>
+    </cs:fontRef>
+    <cs:spPr>
+      <a:solidFill>
+        <a:schemeClr val="lt1"/>
+      </a:solidFill>
+      <a:ln>
+        <a:solidFill>
+          <a:schemeClr val="dk1">
+            <a:lumMod val="25000"/>
+            <a:lumOff val="75000"/>
+          </a:schemeClr>
+        </a:solidFill>
+      </a:ln>
+    </cs:spPr>
+    <cs:defRPr sz="900" kern="1200"/>
+    <cs:bodyPr rot="0" spcFirstLastPara="1" vertOverflow="clip" horzOverflow="clip" vert="horz" wrap="square" lIns="36576" tIns="18288" rIns="36576" bIns="18288" anchor="ctr" anchorCtr="1">
+      <a:spAutoFit/>
+    </cs:bodyPr>
+  </cs:dataLabelCallout>
+  <cs:dataPoint>
+    <cs:lnRef idx="0"/>
+    <cs:fillRef idx="1">
+      <cs:styleClr val="auto"/>
+    </cs:fillRef>
+    <cs:effectRef idx="0"/>
+    <cs:fontRef idx="minor">
+      <a:schemeClr val="tx1"/>
+    </cs:fontRef>
+  </cs:dataPoint>
+  <cs:dataPoint3D>
+    <cs:lnRef idx="0"/>
+    <cs:fillRef idx="1">
+      <cs:styleClr val="auto"/>
+    </cs:fillRef>
+    <cs:effectRef idx="0"/>
+    <cs:fontRef idx="minor">
+      <a:schemeClr val="tx1"/>
+    </cs:fontRef>
+  </cs:dataPoint3D>
+  <cs:dataPointLine>
+    <cs:lnRef idx="0">
+      <cs:styleClr val="auto"/>
+    </cs:lnRef>
+    <cs:fillRef idx="1"/>
+    <cs:effectRef idx="0"/>
+    <cs:fontRef idx="minor">
+      <a:schemeClr val="tx1"/>
+    </cs:fontRef>
+    <cs:spPr>
+      <a:ln w="28575" cap="rnd">
+        <a:solidFill>
+          <a:schemeClr val="phClr"/>
+        </a:solidFill>
+        <a:round/>
+      </a:ln>
+    </cs:spPr>
+  </cs:dataPointLine>
+  <cs:dataPointMarker>
+    <cs:lnRef idx="0">
+      <cs:styleClr val="auto"/>
+    </cs:lnRef>
+    <cs:fillRef idx="1">
+      <cs:styleClr val="auto"/>
+    </cs:fillRef>
+    <cs:effectRef idx="0"/>
+    <cs:fontRef idx="minor">
+      <a:schemeClr val="tx1"/>
+    </cs:fontRef>
+    <cs:spPr>
+      <a:ln w="9525">
+        <a:solidFill>
+          <a:schemeClr val="phClr"/>
+        </a:solidFill>
+      </a:ln>
+    </cs:spPr>
+  </cs:dataPointMarker>
+  <cs:dataPointMarkerLayout symbol="circle" size="5"/>
+  <cs:dataPointWireframe>
+    <cs:lnRef idx="0">
+      <cs:styleClr val="auto"/>
+    </cs:lnRef>
+    <cs:fillRef idx="1"/>
+    <cs:effectRef idx="0"/>
+    <cs:fontRef idx="minor">
+      <a:schemeClr val="tx1"/>
+    </cs:fontRef>
+    <cs:spPr>
+      <a:ln w="9525" cap="rnd">
+        <a:solidFill>
+          <a:schemeClr val="phClr"/>
+        </a:solidFill>
+        <a:round/>
+      </a:ln>
+    </cs:spPr>
+  </cs:dataPointWireframe>
+  <cs:dataTable>
+    <cs:lnRef idx="0"/>
+    <cs:fillRef idx="0"/>
+    <cs:effectRef idx="0"/>
+    <cs:fontRef idx="minor">
+      <a:schemeClr val="tx1">
+        <a:lumMod val="65000"/>
+        <a:lumOff val="35000"/>
+      </a:schemeClr>
+    </cs:fontRef>
+    <cs:spPr>
+      <a:noFill/>
+      <a:ln w="9525" cap="flat" cmpd="sng" algn="ctr">
+        <a:solidFill>
+          <a:schemeClr val="tx1">
+            <a:lumMod val="15000"/>
+            <a:lumOff val="85000"/>
+          </a:schemeClr>
+        </a:solidFill>
+        <a:round/>
+      </a:ln>
+    </cs:spPr>
+    <cs:defRPr sz="900" kern="1200"/>
+  </cs:dataTable>
+  <cs:downBar>
+    <cs:lnRef idx="0"/>
+    <cs:fillRef idx="0"/>
+    <cs:effectRef idx="0"/>
+    <cs:fontRef idx="minor">
+      <a:schemeClr val="dk1"/>
+    </cs:fontRef>
+    <cs:spPr>
+      <a:solidFill>
+        <a:schemeClr val="dk1">
+          <a:lumMod val="65000"/>
+          <a:lumOff val="35000"/>
+        </a:schemeClr>
+      </a:solidFill>
+      <a:ln w="9525">
+        <a:solidFill>
+          <a:schemeClr val="tx1">
+            <a:lumMod val="65000"/>
+            <a:lumOff val="35000"/>
+          </a:schemeClr>
+        </a:solidFill>
+      </a:ln>
+    </cs:spPr>
+  </cs:downBar>
+  <cs:dropLine>
+    <cs:lnRef idx="0"/>
+    <cs:fillRef idx="0"/>
+    <cs:effectRef idx="0"/>
+    <cs:fontRef idx="minor">
+      <a:schemeClr val="tx1"/>
+    </cs:fontRef>
+    <cs:spPr>
+      <a:ln w="9525" cap="flat" cmpd="sng" algn="ctr">
+        <a:solidFill>
+          <a:schemeClr val="tx1">
+            <a:lumMod val="35000"/>
+            <a:lumOff val="65000"/>
+          </a:schemeClr>
+        </a:solidFill>
+        <a:round/>
+      </a:ln>
+    </cs:spPr>
+  </cs:dropLine>
+  <cs:errorBar>
+    <cs:lnRef idx="0"/>
+    <cs:fillRef idx="0"/>
+    <cs:effectRef idx="0"/>
+    <cs:fontRef idx="minor">
+      <a:schemeClr val="tx1"/>
+    </cs:fontRef>
+    <cs:spPr>
+      <a:ln w="9525" cap="flat" cmpd="sng" algn="ctr">
+        <a:solidFill>
+          <a:schemeClr val="tx1">
+            <a:lumMod val="65000"/>
+            <a:lumOff val="35000"/>
+          </a:schemeClr>
+        </a:solidFill>
+        <a:round/>
+      </a:ln>
+    </cs:spPr>
+  </cs:errorBar>
+  <cs:floor>
+    <cs:lnRef idx="0"/>
+    <cs:fillRef idx="0"/>
+    <cs:effectRef idx="0"/>
+    <cs:fontRef idx="minor">
+      <a:schemeClr val="tx1"/>
+    </cs:fontRef>
+    <cs:spPr>
+      <a:noFill/>
+      <a:ln>
+        <a:noFill/>
+      </a:ln>
+    </cs:spPr>
+  </cs:floor>
+  <cs:gridlineMajor>
+    <cs:lnRef idx="0"/>
+    <cs:fillRef idx="0"/>
+    <cs:effectRef idx="0"/>
+    <cs:fontRef idx="minor">
+      <a:schemeClr val="tx1"/>
+    </cs:fontRef>
+    <cs:spPr>
+      <a:ln w="9525" cap="flat" cmpd="sng" algn="ctr">
+        <a:solidFill>
+          <a:schemeClr val="tx1">
+            <a:lumMod val="15000"/>
+            <a:lumOff val="85000"/>
+          </a:schemeClr>
+        </a:solidFill>
+        <a:round/>
+      </a:ln>
+    </cs:spPr>
+  </cs:gridlineMajor>
+  <cs:gridlineMinor>
+    <cs:lnRef idx="0"/>
+    <cs:fillRef idx="0"/>
+    <cs:effectRef idx="0"/>
+    <cs:fontRef idx="minor">
+      <a:schemeClr val="tx1"/>
+    </cs:fontRef>
+    <cs:spPr>
+      <a:ln w="9525" cap="flat" cmpd="sng" algn="ctr">
+        <a:solidFill>
+          <a:schemeClr val="tx1">
+            <a:lumMod val="5000"/>
+            <a:lumOff val="95000"/>
+          </a:schemeClr>
+        </a:solidFill>
+        <a:round/>
+      </a:ln>
+    </cs:spPr>
+  </cs:gridlineMinor>
+  <cs:hiLoLine>
+    <cs:lnRef idx="0"/>
+    <cs:fillRef idx="0"/>
+    <cs:effectRef idx="0"/>
+    <cs:fontRef idx="minor">
+      <a:schemeClr val="tx1"/>
+    </cs:fontRef>
+    <cs:spPr>
+      <a:ln w="9525" cap="flat" cmpd="sng" algn="ctr">
+        <a:solidFill>
+          <a:schemeClr val="tx1">
+            <a:lumMod val="75000"/>
+            <a:lumOff val="25000"/>
+          </a:schemeClr>
+        </a:solidFill>
+        <a:round/>
+      </a:ln>
+    </cs:spPr>
+  </cs:hiLoLine>
+  <cs:leaderLine>
+    <cs:lnRef idx="0"/>
+    <cs:fillRef idx="0"/>
+    <cs:effectRef idx="0"/>
+    <cs:fontRef idx="minor">
+      <a:schemeClr val="tx1"/>
+    </cs:fontRef>
+    <cs:spPr>
+      <a:ln w="9525" cap="flat" cmpd="sng" algn="ctr">
+        <a:solidFill>
+          <a:schemeClr val="tx1">
+            <a:lumMod val="35000"/>
+            <a:lumOff val="65000"/>
+          </a:schemeClr>
+        </a:solidFill>
+        <a:round/>
+      </a:ln>
+    </cs:spPr>
+  </cs:leaderLine>
+  <cs:legend>
+    <cs:lnRef idx="0"/>
+    <cs:fillRef idx="0"/>
+    <cs:effectRef idx="0"/>
+    <cs:fontRef idx="minor">
+      <a:schemeClr val="tx1">
+        <a:lumMod val="65000"/>
+        <a:lumOff val="35000"/>
+      </a:schemeClr>
+    </cs:fontRef>
+    <cs:defRPr sz="900" kern="1200"/>
+  </cs:legend>
+  <cs:plotArea mods="allowNoFillOverride allowNoLineOverride">
+    <cs:lnRef idx="0"/>
+    <cs:fillRef idx="0"/>
+    <cs:effectRef idx="0"/>
+    <cs:fontRef idx="minor">
+      <a:schemeClr val="tx1"/>
+    </cs:fontRef>
+  </cs:plotArea>
+  <cs:plotArea3D mods="allowNoFillOverride allowNoLineOverride">
+    <cs:lnRef idx="0"/>
+    <cs:fillRef idx="0"/>
+    <cs:effectRef idx="0"/>
+    <cs:fontRef idx="minor">
+      <a:schemeClr val="tx1"/>
+    </cs:fontRef>
+  </cs:plotArea3D>
+  <cs:seriesAxis>
+    <cs:lnRef idx="0"/>
+    <cs:fillRef idx="0"/>
+    <cs:effectRef idx="0"/>
+    <cs:fontRef idx="minor">
+      <a:schemeClr val="tx1">
+        <a:lumMod val="65000"/>
+        <a:lumOff val="35000"/>
+      </a:schemeClr>
+    </cs:fontRef>
+    <cs:defRPr sz="900" kern="1200"/>
+  </cs:seriesAxis>
+  <cs:seriesLine>
+    <cs:lnRef idx="0"/>
+    <cs:fillRef idx="0"/>
+    <cs:effectRef idx="0"/>
+    <cs:fontRef idx="minor">
+      <a:schemeClr val="tx1"/>
+    </cs:fontRef>
+    <cs:spPr>
+      <a:ln w="9525" cap="flat" cmpd="sng" algn="ctr">
+        <a:solidFill>
+          <a:schemeClr val="tx1">
+            <a:lumMod val="35000"/>
+            <a:lumOff val="65000"/>
+          </a:schemeClr>
+        </a:solidFill>
+        <a:round/>
+      </a:ln>
+    </cs:spPr>
+  </cs:seriesLine>
+  <cs:title>
+    <cs:lnRef idx="0"/>
+    <cs:fillRef idx="0"/>
+    <cs:effectRef idx="0"/>
+    <cs:fontRef idx="minor">
+      <a:schemeClr val="tx1">
+        <a:lumMod val="65000"/>
+        <a:lumOff val="35000"/>
+      </a:schemeClr>
+    </cs:fontRef>
+    <cs:defRPr sz="1400" b="0" kern="1200" spc="0" baseline="0"/>
+  </cs:title>
+  <cs:trendline>
+    <cs:lnRef idx="0">
+      <cs:styleClr val="auto"/>
+    </cs:lnRef>
+    <cs:fillRef idx="0"/>
+    <cs:effectRef idx="0"/>
+    <cs:fontRef idx="minor">
+      <a:schemeClr val="tx1"/>
+    </cs:fontRef>
+    <cs:spPr>
+      <a:ln w="19050" cap="rnd">
+        <a:solidFill>
+          <a:schemeClr val="phClr"/>
+        </a:solidFill>
+        <a:prstDash val="sysDot"/>
+      </a:ln>
+    </cs:spPr>
+  </cs:trendline>
+  <cs:trendlineLabel>
+    <cs:lnRef idx="0"/>
+    <cs:fillRef idx="0"/>
+    <cs:effectRef idx="0"/>
+    <cs:fontRef idx="minor">
+      <a:schemeClr val="tx1">
+        <a:lumMod val="65000"/>
+        <a:lumOff val="35000"/>
+      </a:schemeClr>
+    </cs:fontRef>
+    <cs:defRPr sz="900" kern="1200"/>
+  </cs:trendlineLabel>
+  <cs:upBar>
+    <cs:lnRef idx="0"/>
+    <cs:fillRef idx="0"/>
+    <cs:effectRef idx="0"/>
+    <cs:fontRef idx="minor">
+      <a:schemeClr val="dk1"/>
+    </cs:fontRef>
+    <cs:spPr>
+      <a:solidFill>
+        <a:schemeClr val="lt1"/>
+      </a:solidFill>
+      <a:ln w="9525">
+        <a:solidFill>
+          <a:schemeClr val="tx1">
+            <a:lumMod val="15000"/>
+            <a:lumOff val="85000"/>
+          </a:schemeClr>
+        </a:solidFill>
+      </a:ln>
+    </cs:spPr>
+  </cs:upBar>
+  <cs:valueAxis>
+    <cs:lnRef idx="0"/>
+    <cs:fillRef idx="0"/>
+    <cs:effectRef idx="0"/>
+    <cs:fontRef idx="minor">
+      <a:schemeClr val="tx1">
+        <a:lumMod val="65000"/>
+        <a:lumOff val="35000"/>
+      </a:schemeClr>
+    </cs:fontRef>
+    <cs:defRPr sz="900" kern="1200"/>
+  </cs:valueAxis>
+  <cs:wall>
+    <cs:lnRef idx="0"/>
+    <cs:fillRef idx="0"/>
+    <cs:effectRef idx="0"/>
+    <cs:fontRef idx="minor">
+      <a:schemeClr val="tx1"/>
+    </cs:fontRef>
+    <cs:spPr>
+      <a:noFill/>
+      <a:ln>
+        <a:noFill/>
+      </a:ln>
+    </cs:spPr>
+  </cs:wall>
+</cs:chartStyle>
+</file>
+
+<file path=ppt/charts/style2.xml><?xml version="1.0" encoding="utf-8"?>
+<cs:chartStyle xmlns:cs="http://schemas.microsoft.com/office/drawing/2012/chartStyle" xmlns:a="http://schemas.openxmlformats.org/drawingml/2006/main" id="332">
+  <cs:axisTitle>
+    <cs:lnRef idx="0"/>
+    <cs:fillRef idx="0"/>
+    <cs:effectRef idx="0"/>
+    <cs:fontRef idx="minor">
+      <a:schemeClr val="tx1">
+        <a:lumMod val="65000"/>
+        <a:lumOff val="35000"/>
+      </a:schemeClr>
+    </cs:fontRef>
+    <cs:defRPr sz="1000" kern="1200"/>
+  </cs:axisTitle>
+  <cs:categoryAxis>
+    <cs:lnRef idx="0"/>
+    <cs:fillRef idx="0"/>
+    <cs:effectRef idx="0"/>
+    <cs:fontRef idx="minor">
+      <a:schemeClr val="tx1">
+        <a:lumMod val="65000"/>
+        <a:lumOff val="35000"/>
+      </a:schemeClr>
+    </cs:fontRef>
+    <cs:spPr>
+      <a:ln w="9525" cap="flat" cmpd="sng" algn="ctr">
+        <a:solidFill>
+          <a:schemeClr val="tx1">
+            <a:lumMod val="15000"/>
+            <a:lumOff val="85000"/>
+          </a:schemeClr>
+        </a:solidFill>
+        <a:round/>
+      </a:ln>
+    </cs:spPr>
+    <cs:defRPr sz="900" kern="1200"/>
+  </cs:categoryAxis>
+  <cs:chartArea mods="allowNoFillOverride allowNoLineOverride">
+    <cs:lnRef idx="0"/>
+    <cs:fillRef idx="0"/>
+    <cs:effectRef idx="0"/>
+    <cs:fontRef idx="minor">
+      <a:schemeClr val="tx1"/>
+    </cs:fontRef>
+    <cs:spPr>
+      <a:solidFill>
+        <a:schemeClr val="bg1"/>
+      </a:solidFill>
+      <a:ln w="9525" cap="flat" cmpd="sng" algn="ctr">
+        <a:solidFill>
+          <a:schemeClr val="tx1">
+            <a:lumMod val="15000"/>
+            <a:lumOff val="85000"/>
+          </a:schemeClr>
+        </a:solidFill>
+        <a:round/>
+      </a:ln>
+    </cs:spPr>
+    <cs:defRPr sz="1000" kern="1200"/>
+  </cs:chartArea>
+  <cs:dataLabel>
+    <cs:lnRef idx="0"/>
+    <cs:fillRef idx="0"/>
+    <cs:effectRef idx="0"/>
+    <cs:fontRef idx="minor">
+      <a:schemeClr val="tx1">
+        <a:lumMod val="75000"/>
+        <a:lumOff val="25000"/>
+      </a:schemeClr>
+    </cs:fontRef>
+    <cs:defRPr sz="900" kern="1200"/>
+  </cs:dataLabel>
+  <cs:dataLabelCallout>
+    <cs:lnRef idx="0"/>
+    <cs:fillRef idx="0"/>
+    <cs:effectRef idx="0"/>
+    <cs:fontRef idx="minor">
+      <a:schemeClr val="dk1">
+        <a:lumMod val="65000"/>
+        <a:lumOff val="35000"/>
+      </a:schemeClr>
+    </cs:fontRef>
+    <cs:spPr>
+      <a:solidFill>
+        <a:schemeClr val="lt1"/>
+      </a:solidFill>
+      <a:ln>
+        <a:solidFill>
+          <a:schemeClr val="dk1">
+            <a:lumMod val="25000"/>
+            <a:lumOff val="75000"/>
+          </a:schemeClr>
+        </a:solidFill>
+      </a:ln>
+    </cs:spPr>
+    <cs:defRPr sz="900" kern="1200"/>
+    <cs:bodyPr rot="0" spcFirstLastPara="1" vertOverflow="clip" horzOverflow="clip" vert="horz" wrap="square" lIns="36576" tIns="18288" rIns="36576" bIns="18288" anchor="ctr" anchorCtr="1">
+      <a:spAutoFit/>
+    </cs:bodyPr>
+  </cs:dataLabelCallout>
+  <cs:dataPoint>
+    <cs:lnRef idx="0"/>
+    <cs:fillRef idx="1">
+      <cs:styleClr val="auto"/>
+    </cs:fillRef>
+    <cs:effectRef idx="0"/>
+    <cs:fontRef idx="minor">
+      <a:schemeClr val="tx1"/>
+    </cs:fontRef>
+  </cs:dataPoint>
+  <cs:dataPoint3D>
+    <cs:lnRef idx="0"/>
+    <cs:fillRef idx="1">
+      <cs:styleClr val="auto"/>
+    </cs:fillRef>
+    <cs:effectRef idx="0"/>
+    <cs:fontRef idx="minor">
+      <a:schemeClr val="tx1"/>
+    </cs:fontRef>
+  </cs:dataPoint3D>
+  <cs:dataPointLine>
+    <cs:lnRef idx="0">
+      <cs:styleClr val="auto"/>
+    </cs:lnRef>
+    <cs:fillRef idx="1"/>
+    <cs:effectRef idx="0"/>
+    <cs:fontRef idx="minor">
+      <a:schemeClr val="tx1"/>
+    </cs:fontRef>
+    <cs:spPr>
+      <a:ln w="28575" cap="rnd">
+        <a:solidFill>
+          <a:schemeClr val="phClr"/>
+        </a:solidFill>
+        <a:round/>
+      </a:ln>
+    </cs:spPr>
+  </cs:dataPointLine>
+  <cs:dataPointMarker>
+    <cs:lnRef idx="0">
+      <cs:styleClr val="auto"/>
+    </cs:lnRef>
+    <cs:fillRef idx="1">
+      <cs:styleClr val="auto"/>
+    </cs:fillRef>
+    <cs:effectRef idx="0"/>
+    <cs:fontRef idx="minor">
+      <a:schemeClr val="tx1"/>
+    </cs:fontRef>
+    <cs:spPr>
+      <a:ln w="9525">
+        <a:solidFill>
+          <a:schemeClr val="phClr"/>
+        </a:solidFill>
+      </a:ln>
+    </cs:spPr>
+  </cs:dataPointMarker>
+  <cs:dataPointMarkerLayout symbol="circle" size="5"/>
+  <cs:dataPointWireframe>
+    <cs:lnRef idx="0">
+      <cs:styleClr val="auto"/>
+    </cs:lnRef>
+    <cs:fillRef idx="1"/>
+    <cs:effectRef idx="0"/>
+    <cs:fontRef idx="minor">
+      <a:schemeClr val="tx1"/>
+    </cs:fontRef>
+    <cs:spPr>
+      <a:ln w="9525" cap="rnd">
+        <a:solidFill>
+          <a:schemeClr val="phClr"/>
+        </a:solidFill>
+        <a:round/>
+      </a:ln>
+    </cs:spPr>
+  </cs:dataPointWireframe>
+  <cs:dataTable>
+    <cs:lnRef idx="0"/>
+    <cs:fillRef idx="0"/>
+    <cs:effectRef idx="0"/>
+    <cs:fontRef idx="minor">
+      <a:schemeClr val="tx1">
+        <a:lumMod val="65000"/>
+        <a:lumOff val="35000"/>
+      </a:schemeClr>
+    </cs:fontRef>
+    <cs:spPr>
+      <a:noFill/>
+      <a:ln w="9525" cap="flat" cmpd="sng" algn="ctr">
+        <a:solidFill>
+          <a:schemeClr val="tx1">
+            <a:lumMod val="15000"/>
+            <a:lumOff val="85000"/>
+          </a:schemeClr>
+        </a:solidFill>
+        <a:round/>
+      </a:ln>
+    </cs:spPr>
+    <cs:defRPr sz="900" kern="1200"/>
+  </cs:dataTable>
+  <cs:downBar>
+    <cs:lnRef idx="0"/>
+    <cs:fillRef idx="0"/>
+    <cs:effectRef idx="0"/>
+    <cs:fontRef idx="minor">
+      <a:schemeClr val="dk1"/>
+    </cs:fontRef>
+    <cs:spPr>
+      <a:solidFill>
+        <a:schemeClr val="dk1">
+          <a:lumMod val="65000"/>
+          <a:lumOff val="35000"/>
+        </a:schemeClr>
+      </a:solidFill>
+      <a:ln w="9525">
+        <a:solidFill>
+          <a:schemeClr val="tx1">
+            <a:lumMod val="65000"/>
+            <a:lumOff val="35000"/>
+          </a:schemeClr>
+        </a:solidFill>
+      </a:ln>
+    </cs:spPr>
+  </cs:downBar>
+  <cs:dropLine>
+    <cs:lnRef idx="0"/>
+    <cs:fillRef idx="0"/>
+    <cs:effectRef idx="0"/>
+    <cs:fontRef idx="minor">
+      <a:schemeClr val="tx1"/>
+    </cs:fontRef>
+    <cs:spPr>
+      <a:ln w="9525" cap="flat" cmpd="sng" algn="ctr">
+        <a:solidFill>
+          <a:schemeClr val="tx1">
+            <a:lumMod val="35000"/>
+            <a:lumOff val="65000"/>
+          </a:schemeClr>
+        </a:solidFill>
+        <a:round/>
+      </a:ln>
+    </cs:spPr>
+  </cs:dropLine>
+  <cs:errorBar>
+    <cs:lnRef idx="0"/>
+    <cs:fillRef idx="0"/>
+    <cs:effectRef idx="0"/>
+    <cs:fontRef idx="minor">
+      <a:schemeClr val="tx1"/>
+    </cs:fontRef>
+    <cs:spPr>
+      <a:ln w="9525" cap="flat" cmpd="sng" algn="ctr">
+        <a:solidFill>
+          <a:schemeClr val="tx1">
+            <a:lumMod val="65000"/>
+            <a:lumOff val="35000"/>
+          </a:schemeClr>
+        </a:solidFill>
+        <a:round/>
+      </a:ln>
+    </cs:spPr>
+  </cs:errorBar>
+  <cs:floor>
+    <cs:lnRef idx="0"/>
+    <cs:fillRef idx="0"/>
+    <cs:effectRef idx="0"/>
+    <cs:fontRef idx="minor">
+      <a:schemeClr val="tx1"/>
+    </cs:fontRef>
+    <cs:spPr>
+      <a:noFill/>
+      <a:ln>
+        <a:noFill/>
+      </a:ln>
+    </cs:spPr>
+  </cs:floor>
+  <cs:gridlineMajor>
+    <cs:lnRef idx="0"/>
+    <cs:fillRef idx="0"/>
+    <cs:effectRef idx="0"/>
+    <cs:fontRef idx="minor">
+      <a:schemeClr val="tx1"/>
+    </cs:fontRef>
+    <cs:spPr>
+      <a:ln w="9525" cap="flat" cmpd="sng" algn="ctr">
+        <a:solidFill>
+          <a:schemeClr val="tx1">
+            <a:lumMod val="15000"/>
+            <a:lumOff val="85000"/>
+          </a:schemeClr>
+        </a:solidFill>
+        <a:round/>
+      </a:ln>
+    </cs:spPr>
+  </cs:gridlineMajor>
+  <cs:gridlineMinor>
+    <cs:lnRef idx="0"/>
+    <cs:fillRef idx="0"/>
+    <cs:effectRef idx="0"/>
+    <cs:fontRef idx="minor">
+      <a:schemeClr val="tx1"/>
+    </cs:fontRef>
+    <cs:spPr>
+      <a:ln w="9525" cap="flat" cmpd="sng" algn="ctr">
+        <a:solidFill>
+          <a:schemeClr val="tx1">
+            <a:lumMod val="5000"/>
+            <a:lumOff val="95000"/>
+          </a:schemeClr>
+        </a:solidFill>
+        <a:round/>
+      </a:ln>
+    </cs:spPr>
+  </cs:gridlineMinor>
+  <cs:hiLoLine>
+    <cs:lnRef idx="0"/>
+    <cs:fillRef idx="0"/>
+    <cs:effectRef idx="0"/>
+    <cs:fontRef idx="minor">
+      <a:schemeClr val="tx1"/>
+    </cs:fontRef>
+    <cs:spPr>
+      <a:ln w="9525" cap="flat" cmpd="sng" algn="ctr">
+        <a:solidFill>
+          <a:schemeClr val="tx1">
+            <a:lumMod val="75000"/>
+            <a:lumOff val="25000"/>
+          </a:schemeClr>
+        </a:solidFill>
+        <a:round/>
+      </a:ln>
+    </cs:spPr>
+  </cs:hiLoLine>
+  <cs:leaderLine>
+    <cs:lnRef idx="0"/>
+    <cs:fillRef idx="0"/>
+    <cs:effectRef idx="0"/>
+    <cs:fontRef idx="minor">
+      <a:schemeClr val="tx1"/>
+    </cs:fontRef>
+    <cs:spPr>
+      <a:ln w="9525" cap="flat" cmpd="sng" algn="ctr">
+        <a:solidFill>
+          <a:schemeClr val="tx1">
+            <a:lumMod val="35000"/>
+            <a:lumOff val="65000"/>
+          </a:schemeClr>
+        </a:solidFill>
+        <a:round/>
+      </a:ln>
+    </cs:spPr>
+  </cs:leaderLine>
+  <cs:legend>
+    <cs:lnRef idx="0"/>
+    <cs:fillRef idx="0"/>
+    <cs:effectRef idx="0"/>
+    <cs:fontRef idx="minor">
+      <a:schemeClr val="tx1">
+        <a:lumMod val="65000"/>
+        <a:lumOff val="35000"/>
+      </a:schemeClr>
+    </cs:fontRef>
+    <cs:defRPr sz="900" kern="1200"/>
+  </cs:legend>
+  <cs:plotArea mods="allowNoFillOverride allowNoLineOverride">
+    <cs:lnRef idx="0"/>
+    <cs:fillRef idx="0"/>
+    <cs:effectRef idx="0"/>
+    <cs:fontRef idx="minor">
+      <a:schemeClr val="tx1"/>
+    </cs:fontRef>
+  </cs:plotArea>
+  <cs:plotArea3D mods="allowNoFillOverride allowNoLineOverride">
+    <cs:lnRef idx="0"/>
+    <cs:fillRef idx="0"/>
+    <cs:effectRef idx="0"/>
+    <cs:fontRef idx="minor">
+      <a:schemeClr val="tx1"/>
+    </cs:fontRef>
+  </cs:plotArea3D>
+  <cs:seriesAxis>
+    <cs:lnRef idx="0"/>
+    <cs:fillRef idx="0"/>
+    <cs:effectRef idx="0"/>
+    <cs:fontRef idx="minor">
+      <a:schemeClr val="tx1">
+        <a:lumMod val="65000"/>
+        <a:lumOff val="35000"/>
+      </a:schemeClr>
+    </cs:fontRef>
+    <cs:defRPr sz="900" kern="1200"/>
+  </cs:seriesAxis>
+  <cs:seriesLine>
+    <cs:lnRef idx="0"/>
+    <cs:fillRef idx="0"/>
+    <cs:effectRef idx="0"/>
+    <cs:fontRef idx="minor">
+      <a:schemeClr val="tx1"/>
+    </cs:fontRef>
+    <cs:spPr>
+      <a:ln w="9525" cap="flat" cmpd="sng" algn="ctr">
+        <a:solidFill>
+          <a:schemeClr val="tx1">
+            <a:lumMod val="35000"/>
+            <a:lumOff val="65000"/>
+          </a:schemeClr>
+        </a:solidFill>
+        <a:round/>
+      </a:ln>
+    </cs:spPr>
+  </cs:seriesLine>
+  <cs:title>
+    <cs:lnRef idx="0"/>
+    <cs:fillRef idx="0"/>
+    <cs:effectRef idx="0"/>
+    <cs:fontRef idx="minor">
+      <a:schemeClr val="tx1">
+        <a:lumMod val="65000"/>
+        <a:lumOff val="35000"/>
+      </a:schemeClr>
+    </cs:fontRef>
+    <cs:defRPr sz="1400" b="0" kern="1200" spc="0" baseline="0"/>
+  </cs:title>
+  <cs:trendline>
+    <cs:lnRef idx="0">
+      <cs:styleClr val="auto"/>
+    </cs:lnRef>
+    <cs:fillRef idx="0"/>
+    <cs:effectRef idx="0"/>
+    <cs:fontRef idx="minor">
+      <a:schemeClr val="tx1"/>
+    </cs:fontRef>
+    <cs:spPr>
+      <a:ln w="19050" cap="rnd">
+        <a:solidFill>
+          <a:schemeClr val="phClr"/>
+        </a:solidFill>
+        <a:prstDash val="sysDot"/>
+      </a:ln>
+    </cs:spPr>
+  </cs:trendline>
+  <cs:trendlineLabel>
+    <cs:lnRef idx="0"/>
+    <cs:fillRef idx="0"/>
+    <cs:effectRef idx="0"/>
+    <cs:fontRef idx="minor">
+      <a:schemeClr val="tx1">
+        <a:lumMod val="65000"/>
+        <a:lumOff val="35000"/>
+      </a:schemeClr>
+    </cs:fontRef>
+    <cs:defRPr sz="900" kern="1200"/>
+  </cs:trendlineLabel>
+  <cs:upBar>
+    <cs:lnRef idx="0"/>
+    <cs:fillRef idx="0"/>
+    <cs:effectRef idx="0"/>
+    <cs:fontRef idx="minor">
+      <a:schemeClr val="dk1"/>
+    </cs:fontRef>
+    <cs:spPr>
+      <a:solidFill>
+        <a:schemeClr val="lt1"/>
+      </a:solidFill>
+      <a:ln w="9525">
+        <a:solidFill>
+          <a:schemeClr val="tx1">
+            <a:lumMod val="15000"/>
+            <a:lumOff val="85000"/>
+          </a:schemeClr>
+        </a:solidFill>
+      </a:ln>
+    </cs:spPr>
+  </cs:upBar>
+  <cs:valueAxis>
+    <cs:lnRef idx="0"/>
+    <cs:fillRef idx="0"/>
+    <cs:effectRef idx="0"/>
+    <cs:fontRef idx="minor">
+      <a:schemeClr val="tx1">
+        <a:lumMod val="65000"/>
+        <a:lumOff val="35000"/>
+      </a:schemeClr>
+    </cs:fontRef>
+    <cs:defRPr sz="900" kern="1200"/>
+  </cs:valueAxis>
+  <cs:wall>
+    <cs:lnRef idx="0"/>
+    <cs:fillRef idx="0"/>
+    <cs:effectRef idx="0"/>
+    <cs:fontRef idx="minor">
+      <a:schemeClr val="tx1"/>
+    </cs:fontRef>
+    <cs:spPr>
+      <a:noFill/>
+      <a:ln>
+        <a:noFill/>
+      </a:ln>
+    </cs:spPr>
+  </cs:wall>
+</cs:chartStyle>
+</file>
+
+<file path=ppt/charts/style3.xml><?xml version="1.0" encoding="utf-8"?>
 <cs:chartStyle xmlns:cs="http://schemas.microsoft.com/office/drawing/2012/chartStyle" xmlns:a="http://schemas.openxmlformats.org/drawingml/2006/main" id="332">
   <cs:axisTitle>
     <cs:lnRef idx="0"/>
@@ -8868,7 +11502,7 @@
           <a:p>
             <a:fld id="{BE2A43AE-C781-437F-82F9-639F52CA20CD}" type="datetimeFigureOut">
               <a:rPr lang="en-US" smtClean="0"/>
-              <a:t>4/23/2023</a:t>
+              <a:t>4/24/2023</a:t>
             </a:fld>
             <a:endParaRPr lang="en-US"/>
           </a:p>
@@ -9814,7 +12448,7 @@
           <a:p>
             <a:fld id="{65DDBF0C-176C-41A2-A7B0-D55ED202E141}" type="datetimeFigureOut">
               <a:rPr lang="en-US" smtClean="0"/>
-              <a:t>4/23/2023</a:t>
+              <a:t>4/24/2023</a:t>
             </a:fld>
             <a:endParaRPr lang="en-US"/>
           </a:p>
@@ -10012,7 +12646,7 @@
           <a:p>
             <a:fld id="{65DDBF0C-176C-41A2-A7B0-D55ED202E141}" type="datetimeFigureOut">
               <a:rPr lang="en-US" smtClean="0"/>
-              <a:t>4/23/2023</a:t>
+              <a:t>4/24/2023</a:t>
             </a:fld>
             <a:endParaRPr lang="en-US"/>
           </a:p>
@@ -10220,7 +12854,7 @@
           <a:p>
             <a:fld id="{65DDBF0C-176C-41A2-A7B0-D55ED202E141}" type="datetimeFigureOut">
               <a:rPr lang="en-US" smtClean="0"/>
-              <a:t>4/23/2023</a:t>
+              <a:t>4/24/2023</a:t>
             </a:fld>
             <a:endParaRPr lang="en-US"/>
           </a:p>
@@ -10418,7 +13052,7 @@
           <a:p>
             <a:fld id="{65DDBF0C-176C-41A2-A7B0-D55ED202E141}" type="datetimeFigureOut">
               <a:rPr lang="en-US" smtClean="0"/>
-              <a:t>4/23/2023</a:t>
+              <a:t>4/24/2023</a:t>
             </a:fld>
             <a:endParaRPr lang="en-US"/>
           </a:p>
@@ -10693,7 +13327,7 @@
           <a:p>
             <a:fld id="{65DDBF0C-176C-41A2-A7B0-D55ED202E141}" type="datetimeFigureOut">
               <a:rPr lang="en-US" smtClean="0"/>
-              <a:t>4/23/2023</a:t>
+              <a:t>4/24/2023</a:t>
             </a:fld>
             <a:endParaRPr lang="en-US"/>
           </a:p>
@@ -10958,7 +13592,7 @@
           <a:p>
             <a:fld id="{65DDBF0C-176C-41A2-A7B0-D55ED202E141}" type="datetimeFigureOut">
               <a:rPr lang="en-US" smtClean="0"/>
-              <a:t>4/23/2023</a:t>
+              <a:t>4/24/2023</a:t>
             </a:fld>
             <a:endParaRPr lang="en-US"/>
           </a:p>
@@ -11370,7 +14004,7 @@
           <a:p>
             <a:fld id="{65DDBF0C-176C-41A2-A7B0-D55ED202E141}" type="datetimeFigureOut">
               <a:rPr lang="en-US" smtClean="0"/>
-              <a:t>4/23/2023</a:t>
+              <a:t>4/24/2023</a:t>
             </a:fld>
             <a:endParaRPr lang="en-US"/>
           </a:p>
@@ -11511,7 +14145,7 @@
           <a:p>
             <a:fld id="{65DDBF0C-176C-41A2-A7B0-D55ED202E141}" type="datetimeFigureOut">
               <a:rPr lang="en-US" smtClean="0"/>
-              <a:t>4/23/2023</a:t>
+              <a:t>4/24/2023</a:t>
             </a:fld>
             <a:endParaRPr lang="en-US"/>
           </a:p>
@@ -11624,7 +14258,7 @@
           <a:p>
             <a:fld id="{65DDBF0C-176C-41A2-A7B0-D55ED202E141}" type="datetimeFigureOut">
               <a:rPr lang="en-US" smtClean="0"/>
-              <a:t>4/23/2023</a:t>
+              <a:t>4/24/2023</a:t>
             </a:fld>
             <a:endParaRPr lang="en-US"/>
           </a:p>
@@ -11935,7 +14569,7 @@
           <a:p>
             <a:fld id="{65DDBF0C-176C-41A2-A7B0-D55ED202E141}" type="datetimeFigureOut">
               <a:rPr lang="en-US" smtClean="0"/>
-              <a:t>4/23/2023</a:t>
+              <a:t>4/24/2023</a:t>
             </a:fld>
             <a:endParaRPr lang="en-US"/>
           </a:p>
@@ -12223,7 +14857,7 @@
           <a:p>
             <a:fld id="{65DDBF0C-176C-41A2-A7B0-D55ED202E141}" type="datetimeFigureOut">
               <a:rPr lang="en-US" smtClean="0"/>
-              <a:t>4/23/2023</a:t>
+              <a:t>4/24/2023</a:t>
             </a:fld>
             <a:endParaRPr lang="en-US"/>
           </a:p>
@@ -12464,7 +15098,7 @@
           <a:p>
             <a:fld id="{65DDBF0C-176C-41A2-A7B0-D55ED202E141}" type="datetimeFigureOut">
               <a:rPr lang="en-US" smtClean="0"/>
-              <a:t>4/23/2023</a:t>
+              <a:t>4/24/2023</a:t>
             </a:fld>
             <a:endParaRPr lang="en-US"/>
           </a:p>
@@ -16447,39 +19081,9 @@
           </a:fontRef>
         </p:style>
       </p:cxnSp>
-      <p:sp>
-        <p:nvSpPr>
-          <p:cNvPr id="6" name="Content Placeholder 5">
-            <a:extLst>
-              <a:ext uri="{FF2B5EF4-FFF2-40B4-BE49-F238E27FC236}">
-                <a16:creationId xmlns:a16="http://schemas.microsoft.com/office/drawing/2014/main" id="{4CB4C61C-B73F-3446-AD09-3CC9BB815C3B}"/>
-              </a:ext>
-            </a:extLst>
-          </p:cNvPr>
-          <p:cNvSpPr>
-            <a:spLocks noGrp="1"/>
-          </p:cNvSpPr>
-          <p:nvPr>
-            <p:ph idx="1"/>
-          </p:nvPr>
-        </p:nvSpPr>
-        <p:spPr>
-          <a:xfrm>
-            <a:off x="7903028" y="1825625"/>
-            <a:ext cx="3450771" cy="4351338"/>
-          </a:xfrm>
-        </p:spPr>
-        <p:txBody>
-          <a:bodyPr/>
-          <a:lstStyle/>
-          <a:p>
-            <a:endParaRPr lang="en-US"/>
-          </a:p>
-        </p:txBody>
-      </p:sp>
       <p:graphicFrame>
         <p:nvGraphicFramePr>
-          <p:cNvPr id="7" name="Chart 6">
+          <p:cNvPr id="3" name="Chart 2">
             <a:extLst>
               <a:ext uri="{FF2B5EF4-FFF2-40B4-BE49-F238E27FC236}">
                 <a16:creationId xmlns:a16="http://schemas.microsoft.com/office/drawing/2014/main" id="{3DB1F2D7-BA63-0045-3768-D9856A54D0A3}"/>
@@ -16492,14 +19096,175 @@
           <p:nvPr>
             <p:extLst>
               <p:ext uri="{D42A27DB-BD31-4B8C-83A1-F6EECF244321}">
-                <p14:modId xmlns:p14="http://schemas.microsoft.com/office/powerpoint/2010/main" val="4266350312"/>
+                <p14:modId xmlns:p14="http://schemas.microsoft.com/office/powerpoint/2010/main" val="3876237696"/>
               </p:ext>
             </p:extLst>
           </p:nvPr>
         </p:nvGraphicFramePr>
         <p:xfrm>
-          <a:off x="1061308" y="2269330"/>
-          <a:ext cx="5034692" cy="3431673"/>
+          <a:off x="615821" y="1686304"/>
+          <a:ext cx="5480180" cy="3884071"/>
+        </p:xfrm>
+        <a:graphic>
+          <a:graphicData uri="http://schemas.openxmlformats.org/drawingml/2006/chart">
+            <c:chart xmlns:c="http://schemas.openxmlformats.org/drawingml/2006/chart" xmlns:r="http://schemas.openxmlformats.org/officeDocument/2006/relationships" r:id="rId2"/>
+          </a:graphicData>
+        </a:graphic>
+      </p:graphicFrame>
+      <p:graphicFrame>
+        <p:nvGraphicFramePr>
+          <p:cNvPr id="4" name="Chart 3">
+            <a:extLst>
+              <a:ext uri="{FF2B5EF4-FFF2-40B4-BE49-F238E27FC236}">
+                <a16:creationId xmlns:a16="http://schemas.microsoft.com/office/drawing/2014/main" id="{D89C6C12-49E3-8819-78A6-9B6998F8CFD0}"/>
+              </a:ext>
+            </a:extLst>
+          </p:cNvPr>
+          <p:cNvGraphicFramePr>
+            <a:graphicFrameLocks/>
+          </p:cNvGraphicFramePr>
+          <p:nvPr>
+            <p:extLst>
+              <p:ext uri="{D42A27DB-BD31-4B8C-83A1-F6EECF244321}">
+                <p14:modId xmlns:p14="http://schemas.microsoft.com/office/powerpoint/2010/main" val="1804255460"/>
+              </p:ext>
+            </p:extLst>
+          </p:nvPr>
+        </p:nvGraphicFramePr>
+        <p:xfrm>
+          <a:off x="6096001" y="1686304"/>
+          <a:ext cx="5473958" cy="3884066"/>
+        </p:xfrm>
+        <a:graphic>
+          <a:graphicData uri="http://schemas.openxmlformats.org/drawingml/2006/chart">
+            <c:chart xmlns:c="http://schemas.openxmlformats.org/drawingml/2006/chart" xmlns:r="http://schemas.openxmlformats.org/officeDocument/2006/relationships" r:id="rId3"/>
+          </a:graphicData>
+        </a:graphic>
+      </p:graphicFrame>
+    </p:spTree>
+    <p:extLst>
+      <p:ext uri="{BB962C8B-B14F-4D97-AF65-F5344CB8AC3E}">
+        <p14:creationId xmlns:p14="http://schemas.microsoft.com/office/powerpoint/2010/main" val="2831415804"/>
+      </p:ext>
+    </p:extLst>
+  </p:cSld>
+  <p:clrMapOvr>
+    <a:masterClrMapping/>
+  </p:clrMapOvr>
+</p:sld>
+</file>
+
+<file path=ppt/slides/slide9.xml><?xml version="1.0" encoding="utf-8"?>
+<p:sld xmlns:a="http://schemas.openxmlformats.org/drawingml/2006/main" xmlns:r="http://schemas.openxmlformats.org/officeDocument/2006/relationships" xmlns:p="http://schemas.openxmlformats.org/presentationml/2006/main">
+  <p:cSld>
+    <p:spTree>
+      <p:nvGrpSpPr>
+        <p:cNvPr id="1" name=""/>
+        <p:cNvGrpSpPr/>
+        <p:nvPr/>
+      </p:nvGrpSpPr>
+      <p:grpSpPr>
+        <a:xfrm>
+          <a:off x="0" y="0"/>
+          <a:ext cx="0" cy="0"/>
+          <a:chOff x="0" y="0"/>
+          <a:chExt cx="0" cy="0"/>
+        </a:xfrm>
+      </p:grpSpPr>
+      <p:sp>
+        <p:nvSpPr>
+          <p:cNvPr id="2" name="Title 1">
+            <a:extLst>
+              <a:ext uri="{FF2B5EF4-FFF2-40B4-BE49-F238E27FC236}">
+                <a16:creationId xmlns:a16="http://schemas.microsoft.com/office/drawing/2014/main" id="{D0B87F8E-5D83-4513-9285-8A122C4A62CB}"/>
+              </a:ext>
+            </a:extLst>
+          </p:cNvPr>
+          <p:cNvSpPr>
+            <a:spLocks noGrp="1"/>
+          </p:cNvSpPr>
+          <p:nvPr>
+            <p:ph type="title"/>
+          </p:nvPr>
+        </p:nvSpPr>
+        <p:spPr>
+          <a:xfrm>
+            <a:off x="838200" y="308428"/>
+            <a:ext cx="10515600" cy="745218"/>
+          </a:xfrm>
+        </p:spPr>
+        <p:txBody>
+          <a:bodyPr/>
+          <a:lstStyle/>
+          <a:p>
+            <a:r>
+              <a:rPr lang="en-US" dirty="0"/>
+              <a:t>Different Disk Types</a:t>
+            </a:r>
+          </a:p>
+        </p:txBody>
+      </p:sp>
+      <p:cxnSp>
+        <p:nvCxnSpPr>
+          <p:cNvPr id="5" name="Straight Connector 4">
+            <a:extLst>
+              <a:ext uri="{FF2B5EF4-FFF2-40B4-BE49-F238E27FC236}">
+                <a16:creationId xmlns:a16="http://schemas.microsoft.com/office/drawing/2014/main" id="{86EF85BD-B585-F4FA-AB4B-371C19D22622}"/>
+              </a:ext>
+            </a:extLst>
+          </p:cNvPr>
+          <p:cNvCxnSpPr/>
+          <p:nvPr/>
+        </p:nvCxnSpPr>
+        <p:spPr>
+          <a:xfrm>
+            <a:off x="615820" y="1287624"/>
+            <a:ext cx="10954139" cy="0"/>
+          </a:xfrm>
+          <a:prstGeom prst="line">
+            <a:avLst/>
+          </a:prstGeom>
+          <a:ln w="19050">
+            <a:solidFill>
+              <a:schemeClr val="bg1">
+                <a:lumMod val="50000"/>
+              </a:schemeClr>
+            </a:solidFill>
+            <a:prstDash val="sysDash"/>
+          </a:ln>
+        </p:spPr>
+        <p:style>
+          <a:lnRef idx="1">
+            <a:schemeClr val="accent1"/>
+          </a:lnRef>
+          <a:fillRef idx="0">
+            <a:schemeClr val="accent1"/>
+          </a:fillRef>
+          <a:effectRef idx="0">
+            <a:schemeClr val="accent1"/>
+          </a:effectRef>
+          <a:fontRef idx="minor">
+            <a:schemeClr val="tx1"/>
+          </a:fontRef>
+        </p:style>
+      </p:cxnSp>
+      <p:graphicFrame>
+        <p:nvGraphicFramePr>
+          <p:cNvPr id="6" name="Chart 5">
+            <a:extLst>
+              <a:ext uri="{FF2B5EF4-FFF2-40B4-BE49-F238E27FC236}">
+                <a16:creationId xmlns:a16="http://schemas.microsoft.com/office/drawing/2014/main" id="{4BD97189-4C05-7F80-5590-75833079239B}"/>
+              </a:ext>
+            </a:extLst>
+          </p:cNvPr>
+          <p:cNvGraphicFramePr>
+            <a:graphicFrameLocks/>
+          </p:cNvGraphicFramePr>
+          <p:nvPr/>
+        </p:nvGraphicFramePr>
+        <p:xfrm>
+          <a:off x="3559969" y="1516856"/>
+          <a:ext cx="5072062" cy="3824287"/>
         </p:xfrm>
         <a:graphic>
           <a:graphicData uri="http://schemas.openxmlformats.org/drawingml/2006/chart">
@@ -16510,7 +19275,7 @@
     </p:spTree>
     <p:extLst>
       <p:ext uri="{BB962C8B-B14F-4D97-AF65-F5344CB8AC3E}">
-        <p14:creationId xmlns:p14="http://schemas.microsoft.com/office/powerpoint/2010/main" val="2831415804"/>
+        <p14:creationId xmlns:p14="http://schemas.microsoft.com/office/powerpoint/2010/main" val="2014356018"/>
       </p:ext>
     </p:extLst>
   </p:cSld>

--- a/Proj_presentation.pptx
+++ b/Proj_presentation.pptx
@@ -5,7 +5,7 @@
     <p:sldMasterId id="2147483648" r:id="rId1"/>
   </p:sldMasterIdLst>
   <p:notesMasterIdLst>
-    <p:notesMasterId r:id="rId11"/>
+    <p:notesMasterId r:id="rId13"/>
   </p:notesMasterIdLst>
   <p:sldIdLst>
     <p:sldId id="256" r:id="rId2"/>
@@ -16,7 +16,9 @@
     <p:sldId id="261" r:id="rId7"/>
     <p:sldId id="264" r:id="rId8"/>
     <p:sldId id="265" r:id="rId9"/>
-    <p:sldId id="266" r:id="rId10"/>
+    <p:sldId id="268" r:id="rId10"/>
+    <p:sldId id="266" r:id="rId11"/>
+    <p:sldId id="267" r:id="rId12"/>
   </p:sldIdLst>
   <p:sldSz cx="12192000" cy="6858000"/>
   <p:notesSz cx="6858000" cy="9144000"/>
@@ -1928,6 +1930,546 @@
           <a:lstStyle/>
           <a:p>
             <a:pPr>
+              <a:defRPr sz="1400" b="0" i="0" u="none" strike="noStrike" kern="1200" spc="0" baseline="0">
+                <a:solidFill>
+                  <a:schemeClr val="tx1">
+                    <a:lumMod val="65000"/>
+                    <a:lumOff val="35000"/>
+                  </a:schemeClr>
+                </a:solidFill>
+                <a:latin typeface="+mn-lt"/>
+                <a:ea typeface="+mn-ea"/>
+                <a:cs typeface="+mn-cs"/>
+              </a:defRPr>
+            </a:pPr>
+            <a:r>
+              <a:rPr lang="en-US"/>
+              <a:t>Processing</a:t>
+            </a:r>
+            <a:r>
+              <a:rPr lang="en-US" baseline="0"/>
+              <a:t> Time To Build Dictionary</a:t>
+            </a:r>
+            <a:endParaRPr lang="en-US"/>
+          </a:p>
+        </c:rich>
+      </c:tx>
+      <c:overlay val="0"/>
+      <c:spPr>
+        <a:noFill/>
+        <a:ln>
+          <a:noFill/>
+        </a:ln>
+        <a:effectLst/>
+      </c:spPr>
+      <c:txPr>
+        <a:bodyPr rot="0" spcFirstLastPara="1" vertOverflow="ellipsis" vert="horz" wrap="square" anchor="ctr" anchorCtr="1"/>
+        <a:lstStyle/>
+        <a:p>
+          <a:pPr>
+            <a:defRPr sz="1400" b="0" i="0" u="none" strike="noStrike" kern="1200" spc="0" baseline="0">
+              <a:solidFill>
+                <a:schemeClr val="tx1">
+                  <a:lumMod val="65000"/>
+                  <a:lumOff val="35000"/>
+                </a:schemeClr>
+              </a:solidFill>
+              <a:latin typeface="+mn-lt"/>
+              <a:ea typeface="+mn-ea"/>
+              <a:cs typeface="+mn-cs"/>
+            </a:defRPr>
+          </a:pPr>
+          <a:endParaRPr lang="en-US"/>
+        </a:p>
+      </c:txPr>
+    </c:title>
+    <c:autoTitleDeleted val="0"/>
+    <c:plotArea>
+      <c:layout/>
+      <c:barChart>
+        <c:barDir val="col"/>
+        <c:grouping val="clustered"/>
+        <c:varyColors val="0"/>
+        <c:ser>
+          <c:idx val="0"/>
+          <c:order val="0"/>
+          <c:tx>
+            <c:strRef>
+              <c:f>Sheet3!$N$64</c:f>
+              <c:strCache>
+                <c:ptCount val="1"/>
+                <c:pt idx="0">
+                  <c:v>t2 micro</c:v>
+                </c:pt>
+              </c:strCache>
+            </c:strRef>
+          </c:tx>
+          <c:spPr>
+            <a:solidFill>
+              <a:schemeClr val="accent1"/>
+            </a:solidFill>
+            <a:ln>
+              <a:noFill/>
+            </a:ln>
+            <a:effectLst/>
+          </c:spPr>
+          <c:invertIfNegative val="0"/>
+          <c:cat>
+            <c:numRef>
+              <c:f>Sheet3!$M$65:$M$67</c:f>
+              <c:numCache>
+                <c:formatCode>General</c:formatCode>
+                <c:ptCount val="3"/>
+                <c:pt idx="0">
+                  <c:v>512</c:v>
+                </c:pt>
+                <c:pt idx="1">
+                  <c:v>4096</c:v>
+                </c:pt>
+                <c:pt idx="2">
+                  <c:v>32678</c:v>
+                </c:pt>
+              </c:numCache>
+            </c:numRef>
+          </c:cat>
+          <c:val>
+            <c:numRef>
+              <c:f>Sheet3!$N$65:$N$67</c:f>
+              <c:numCache>
+                <c:formatCode>General</c:formatCode>
+                <c:ptCount val="3"/>
+                <c:pt idx="0">
+                  <c:v>5.5617999999999999</c:v>
+                </c:pt>
+                <c:pt idx="1">
+                  <c:v>5.4916</c:v>
+                </c:pt>
+                <c:pt idx="2">
+                  <c:v>5.1882000000000001</c:v>
+                </c:pt>
+              </c:numCache>
+            </c:numRef>
+          </c:val>
+          <c:extLst>
+            <c:ext xmlns:c16="http://schemas.microsoft.com/office/drawing/2014/chart" uri="{C3380CC4-5D6E-409C-BE32-E72D297353CC}">
+              <c16:uniqueId val="{00000000-DA3C-4CF4-8365-0ACFD8B880E3}"/>
+            </c:ext>
+          </c:extLst>
+        </c:ser>
+        <c:ser>
+          <c:idx val="1"/>
+          <c:order val="1"/>
+          <c:tx>
+            <c:strRef>
+              <c:f>Sheet3!$O$64</c:f>
+              <c:strCache>
+                <c:ptCount val="1"/>
+                <c:pt idx="0">
+                  <c:v>t3 large</c:v>
+                </c:pt>
+              </c:strCache>
+            </c:strRef>
+          </c:tx>
+          <c:spPr>
+            <a:solidFill>
+              <a:schemeClr val="accent2"/>
+            </a:solidFill>
+            <a:ln>
+              <a:noFill/>
+            </a:ln>
+            <a:effectLst/>
+          </c:spPr>
+          <c:invertIfNegative val="0"/>
+          <c:cat>
+            <c:numRef>
+              <c:f>Sheet3!$M$65:$M$67</c:f>
+              <c:numCache>
+                <c:formatCode>General</c:formatCode>
+                <c:ptCount val="3"/>
+                <c:pt idx="0">
+                  <c:v>512</c:v>
+                </c:pt>
+                <c:pt idx="1">
+                  <c:v>4096</c:v>
+                </c:pt>
+                <c:pt idx="2">
+                  <c:v>32678</c:v>
+                </c:pt>
+              </c:numCache>
+            </c:numRef>
+          </c:cat>
+          <c:val>
+            <c:numRef>
+              <c:f>Sheet3!$O$65:$O$67</c:f>
+              <c:numCache>
+                <c:formatCode>General</c:formatCode>
+                <c:ptCount val="3"/>
+                <c:pt idx="0">
+                  <c:v>4.5595400000000001</c:v>
+                </c:pt>
+                <c:pt idx="1">
+                  <c:v>4.5784000000000002</c:v>
+                </c:pt>
+                <c:pt idx="2">
+                  <c:v>4.5249999999999995</c:v>
+                </c:pt>
+              </c:numCache>
+            </c:numRef>
+          </c:val>
+          <c:extLst>
+            <c:ext xmlns:c16="http://schemas.microsoft.com/office/drawing/2014/chart" uri="{C3380CC4-5D6E-409C-BE32-E72D297353CC}">
+              <c16:uniqueId val="{00000001-DA3C-4CF4-8365-0ACFD8B880E3}"/>
+            </c:ext>
+          </c:extLst>
+        </c:ser>
+        <c:ser>
+          <c:idx val="2"/>
+          <c:order val="2"/>
+          <c:tx>
+            <c:strRef>
+              <c:f>Sheet3!$P$64</c:f>
+              <c:strCache>
+                <c:ptCount val="1"/>
+                <c:pt idx="0">
+                  <c:v>d3 xlarge</c:v>
+                </c:pt>
+              </c:strCache>
+            </c:strRef>
+          </c:tx>
+          <c:spPr>
+            <a:solidFill>
+              <a:schemeClr val="accent3"/>
+            </a:solidFill>
+            <a:ln>
+              <a:noFill/>
+            </a:ln>
+            <a:effectLst/>
+          </c:spPr>
+          <c:invertIfNegative val="0"/>
+          <c:cat>
+            <c:numRef>
+              <c:f>Sheet3!$M$65:$M$67</c:f>
+              <c:numCache>
+                <c:formatCode>General</c:formatCode>
+                <c:ptCount val="3"/>
+                <c:pt idx="0">
+                  <c:v>512</c:v>
+                </c:pt>
+                <c:pt idx="1">
+                  <c:v>4096</c:v>
+                </c:pt>
+                <c:pt idx="2">
+                  <c:v>32678</c:v>
+                </c:pt>
+              </c:numCache>
+            </c:numRef>
+          </c:cat>
+          <c:val>
+            <c:numRef>
+              <c:f>Sheet3!$P$65:$P$67</c:f>
+              <c:numCache>
+                <c:formatCode>General</c:formatCode>
+                <c:ptCount val="3"/>
+                <c:pt idx="0">
+                  <c:v>4.1179600000000001</c:v>
+                </c:pt>
+                <c:pt idx="1">
+                  <c:v>4.1031999999999993</c:v>
+                </c:pt>
+                <c:pt idx="2">
+                  <c:v>4.0879199999999996</c:v>
+                </c:pt>
+              </c:numCache>
+            </c:numRef>
+          </c:val>
+          <c:extLst>
+            <c:ext xmlns:c16="http://schemas.microsoft.com/office/drawing/2014/chart" uri="{C3380CC4-5D6E-409C-BE32-E72D297353CC}">
+              <c16:uniqueId val="{00000002-DA3C-4CF4-8365-0ACFD8B880E3}"/>
+            </c:ext>
+          </c:extLst>
+        </c:ser>
+        <c:dLbls>
+          <c:showLegendKey val="0"/>
+          <c:showVal val="0"/>
+          <c:showCatName val="0"/>
+          <c:showSerName val="0"/>
+          <c:showPercent val="0"/>
+          <c:showBubbleSize val="0"/>
+        </c:dLbls>
+        <c:gapWidth val="219"/>
+        <c:axId val="679547096"/>
+        <c:axId val="679547456"/>
+      </c:barChart>
+      <c:catAx>
+        <c:axId val="679547096"/>
+        <c:scaling>
+          <c:orientation val="minMax"/>
+        </c:scaling>
+        <c:delete val="0"/>
+        <c:axPos val="b"/>
+        <c:numFmt formatCode="General" sourceLinked="1"/>
+        <c:majorTickMark val="none"/>
+        <c:minorTickMark val="none"/>
+        <c:tickLblPos val="nextTo"/>
+        <c:spPr>
+          <a:noFill/>
+          <a:ln w="9525" cap="flat" cmpd="sng" algn="ctr">
+            <a:solidFill>
+              <a:schemeClr val="tx1">
+                <a:lumMod val="15000"/>
+                <a:lumOff val="85000"/>
+              </a:schemeClr>
+            </a:solidFill>
+            <a:round/>
+          </a:ln>
+          <a:effectLst/>
+        </c:spPr>
+        <c:txPr>
+          <a:bodyPr rot="-60000000" spcFirstLastPara="1" vertOverflow="ellipsis" vert="horz" wrap="square" anchor="ctr" anchorCtr="1"/>
+          <a:lstStyle/>
+          <a:p>
+            <a:pPr>
+              <a:defRPr sz="1100" b="0" i="0" u="none" strike="noStrike" kern="1200" baseline="0">
+                <a:solidFill>
+                  <a:schemeClr val="tx1">
+                    <a:lumMod val="65000"/>
+                    <a:lumOff val="35000"/>
+                  </a:schemeClr>
+                </a:solidFill>
+                <a:latin typeface="+mn-lt"/>
+                <a:ea typeface="+mn-ea"/>
+                <a:cs typeface="+mn-cs"/>
+              </a:defRPr>
+            </a:pPr>
+            <a:endParaRPr lang="en-US"/>
+          </a:p>
+        </c:txPr>
+        <c:crossAx val="679547456"/>
+        <c:crosses val="autoZero"/>
+        <c:auto val="1"/>
+        <c:lblAlgn val="ctr"/>
+        <c:lblOffset val="100"/>
+        <c:noMultiLvlLbl val="0"/>
+      </c:catAx>
+      <c:valAx>
+        <c:axId val="679547456"/>
+        <c:scaling>
+          <c:orientation val="minMax"/>
+        </c:scaling>
+        <c:delete val="0"/>
+        <c:axPos val="l"/>
+        <c:majorGridlines>
+          <c:spPr>
+            <a:ln w="9525" cap="flat" cmpd="sng" algn="ctr">
+              <a:solidFill>
+                <a:schemeClr val="tx1">
+                  <a:lumMod val="15000"/>
+                  <a:lumOff val="85000"/>
+                </a:schemeClr>
+              </a:solidFill>
+              <a:round/>
+            </a:ln>
+            <a:effectLst/>
+          </c:spPr>
+        </c:majorGridlines>
+        <c:numFmt formatCode="General" sourceLinked="1"/>
+        <c:majorTickMark val="none"/>
+        <c:minorTickMark val="none"/>
+        <c:tickLblPos val="nextTo"/>
+        <c:spPr>
+          <a:noFill/>
+          <a:ln>
+            <a:noFill/>
+          </a:ln>
+          <a:effectLst/>
+        </c:spPr>
+        <c:txPr>
+          <a:bodyPr rot="-60000000" spcFirstLastPara="1" vertOverflow="ellipsis" vert="horz" wrap="square" anchor="ctr" anchorCtr="1"/>
+          <a:lstStyle/>
+          <a:p>
+            <a:pPr>
+              <a:defRPr sz="900" b="0" i="0" u="none" strike="noStrike" kern="1200" baseline="0">
+                <a:solidFill>
+                  <a:schemeClr val="tx1">
+                    <a:lumMod val="65000"/>
+                    <a:lumOff val="35000"/>
+                  </a:schemeClr>
+                </a:solidFill>
+                <a:latin typeface="+mn-lt"/>
+                <a:ea typeface="+mn-ea"/>
+                <a:cs typeface="+mn-cs"/>
+              </a:defRPr>
+            </a:pPr>
+            <a:endParaRPr lang="en-US"/>
+          </a:p>
+        </c:txPr>
+        <c:crossAx val="679547096"/>
+        <c:crosses val="autoZero"/>
+        <c:crossBetween val="between"/>
+      </c:valAx>
+      <c:spPr>
+        <a:noFill/>
+        <a:ln>
+          <a:noFill/>
+        </a:ln>
+        <a:effectLst/>
+      </c:spPr>
+    </c:plotArea>
+    <c:legend>
+      <c:legendPos val="b"/>
+      <c:legendEntry>
+        <c:idx val="0"/>
+        <c:txPr>
+          <a:bodyPr rot="0" spcFirstLastPara="1" vertOverflow="ellipsis" vert="horz" wrap="square" anchor="ctr" anchorCtr="1"/>
+          <a:lstStyle/>
+          <a:p>
+            <a:pPr>
+              <a:defRPr sz="1100" b="0" i="0" u="none" strike="noStrike" kern="1200" baseline="0">
+                <a:solidFill>
+                  <a:schemeClr val="tx1">
+                    <a:lumMod val="65000"/>
+                    <a:lumOff val="35000"/>
+                  </a:schemeClr>
+                </a:solidFill>
+                <a:latin typeface="+mn-lt"/>
+                <a:ea typeface="+mn-ea"/>
+                <a:cs typeface="+mn-cs"/>
+              </a:defRPr>
+            </a:pPr>
+            <a:endParaRPr lang="en-US"/>
+          </a:p>
+        </c:txPr>
+      </c:legendEntry>
+      <c:legendEntry>
+        <c:idx val="1"/>
+        <c:txPr>
+          <a:bodyPr rot="0" spcFirstLastPara="1" vertOverflow="ellipsis" vert="horz" wrap="square" anchor="ctr" anchorCtr="1"/>
+          <a:lstStyle/>
+          <a:p>
+            <a:pPr>
+              <a:defRPr sz="1100" b="0" i="0" u="none" strike="noStrike" kern="1200" baseline="0">
+                <a:solidFill>
+                  <a:schemeClr val="tx1">
+                    <a:lumMod val="65000"/>
+                    <a:lumOff val="35000"/>
+                  </a:schemeClr>
+                </a:solidFill>
+                <a:latin typeface="+mn-lt"/>
+                <a:ea typeface="+mn-ea"/>
+                <a:cs typeface="+mn-cs"/>
+              </a:defRPr>
+            </a:pPr>
+            <a:endParaRPr lang="en-US"/>
+          </a:p>
+        </c:txPr>
+      </c:legendEntry>
+      <c:legendEntry>
+        <c:idx val="2"/>
+        <c:txPr>
+          <a:bodyPr rot="0" spcFirstLastPara="1" vertOverflow="ellipsis" vert="horz" wrap="square" anchor="ctr" anchorCtr="1"/>
+          <a:lstStyle/>
+          <a:p>
+            <a:pPr>
+              <a:defRPr sz="1100" b="0" i="0" u="none" strike="noStrike" kern="1200" baseline="0">
+                <a:solidFill>
+                  <a:schemeClr val="tx1">
+                    <a:lumMod val="65000"/>
+                    <a:lumOff val="35000"/>
+                  </a:schemeClr>
+                </a:solidFill>
+                <a:latin typeface="+mn-lt"/>
+                <a:ea typeface="+mn-ea"/>
+                <a:cs typeface="+mn-cs"/>
+              </a:defRPr>
+            </a:pPr>
+            <a:endParaRPr lang="en-US"/>
+          </a:p>
+        </c:txPr>
+      </c:legendEntry>
+      <c:overlay val="0"/>
+      <c:spPr>
+        <a:noFill/>
+        <a:ln>
+          <a:noFill/>
+        </a:ln>
+        <a:effectLst/>
+      </c:spPr>
+      <c:txPr>
+        <a:bodyPr rot="0" spcFirstLastPara="1" vertOverflow="ellipsis" vert="horz" wrap="square" anchor="ctr" anchorCtr="1"/>
+        <a:lstStyle/>
+        <a:p>
+          <a:pPr>
+            <a:defRPr sz="900" b="0" i="0" u="none" strike="noStrike" kern="1200" baseline="0">
+              <a:solidFill>
+                <a:schemeClr val="tx1">
+                  <a:lumMod val="65000"/>
+                  <a:lumOff val="35000"/>
+                </a:schemeClr>
+              </a:solidFill>
+              <a:latin typeface="+mn-lt"/>
+              <a:ea typeface="+mn-ea"/>
+              <a:cs typeface="+mn-cs"/>
+            </a:defRPr>
+          </a:pPr>
+          <a:endParaRPr lang="en-US"/>
+        </a:p>
+      </c:txPr>
+    </c:legend>
+    <c:plotVisOnly val="1"/>
+    <c:dispBlanksAs val="gap"/>
+    <c:extLst>
+      <c:ext xmlns:c16r3="http://schemas.microsoft.com/office/drawing/2017/03/chart" uri="{56B9EC1D-385E-4148-901F-78D8002777C0}">
+        <c16r3:dataDisplayOptions16>
+          <c16r3:dispNaAsBlank val="1"/>
+        </c16r3:dataDisplayOptions16>
+      </c:ext>
+    </c:extLst>
+    <c:showDLblsOverMax val="0"/>
+  </c:chart>
+  <c:spPr>
+    <a:noFill/>
+    <a:ln>
+      <a:noFill/>
+    </a:ln>
+    <a:effectLst/>
+  </c:spPr>
+  <c:txPr>
+    <a:bodyPr/>
+    <a:lstStyle/>
+    <a:p>
+      <a:pPr>
+        <a:defRPr/>
+      </a:pPr>
+      <a:endParaRPr lang="en-US"/>
+    </a:p>
+  </c:txPr>
+  <c:externalData r:id="rId3">
+    <c:autoUpdate val="0"/>
+  </c:externalData>
+</c:chartSpace>
+</file>
+
+<file path=ppt/charts/chart4.xml><?xml version="1.0" encoding="utf-8"?>
+<c:chartSpace xmlns:c="http://schemas.openxmlformats.org/drawingml/2006/chart" xmlns:a="http://schemas.openxmlformats.org/drawingml/2006/main" xmlns:r="http://schemas.openxmlformats.org/officeDocument/2006/relationships" xmlns:c16r2="http://schemas.microsoft.com/office/drawing/2015/06/chart">
+  <c:date1904 val="0"/>
+  <c:lang val="en-US"/>
+  <c:roundedCorners val="0"/>
+  <mc:AlternateContent xmlns:mc="http://schemas.openxmlformats.org/markup-compatibility/2006">
+    <mc:Choice xmlns:c14="http://schemas.microsoft.com/office/drawing/2007/8/2/chart" Requires="c14">
+      <c14:style val="102"/>
+    </mc:Choice>
+    <mc:Fallback>
+      <c:style val="2"/>
+    </mc:Fallback>
+  </mc:AlternateContent>
+  <c:chart>
+    <c:title>
+      <c:tx>
+        <c:rich>
+          <a:bodyPr rot="0" spcFirstLastPara="1" vertOverflow="ellipsis" vert="horz" wrap="square" anchor="ctr" anchorCtr="1"/>
+          <a:lstStyle/>
+          <a:p>
+            <a:pPr>
               <a:defRPr sz="1400" b="1" i="0" u="none" strike="noStrike" kern="1200" spc="0" baseline="0">
                 <a:solidFill>
                   <a:schemeClr val="tx1">
@@ -1983,7 +2525,17 @@
     </c:title>
     <c:autoTitleDeleted val="0"/>
     <c:plotArea>
-      <c:layout/>
+      <c:layout>
+        <c:manualLayout>
+          <c:layoutTarget val="inner"/>
+          <c:xMode val="edge"/>
+          <c:yMode val="edge"/>
+          <c:x val="7.5133720063918455E-2"/>
+          <c:y val="0.12332460103813604"/>
+          <c:w val="0.91321371501386195"/>
+          <c:h val="0.69290107861212535"/>
+        </c:manualLayout>
+      </c:layout>
       <c:barChart>
         <c:barDir val="col"/>
         <c:grouping val="clustered"/>
@@ -2003,9 +2555,29 @@
             </c:strRef>
           </c:tx>
           <c:spPr>
-            <a:solidFill>
-              <a:schemeClr val="accent1"/>
-            </a:solidFill>
+            <a:gradFill flip="none" rotWithShape="1">
+              <a:gsLst>
+                <a:gs pos="0">
+                  <a:schemeClr val="accent1">
+                    <a:lumMod val="67000"/>
+                  </a:schemeClr>
+                </a:gs>
+                <a:gs pos="48000">
+                  <a:schemeClr val="accent1">
+                    <a:lumMod val="97000"/>
+                    <a:lumOff val="3000"/>
+                  </a:schemeClr>
+                </a:gs>
+                <a:gs pos="100000">
+                  <a:schemeClr val="accent1">
+                    <a:lumMod val="60000"/>
+                    <a:lumOff val="40000"/>
+                  </a:schemeClr>
+                </a:gs>
+              </a:gsLst>
+              <a:lin ang="16200000" scaled="1"/>
+              <a:tileRect/>
+            </a:gradFill>
             <a:ln>
               <a:noFill/>
             </a:ln>
@@ -2050,7 +2622,7 @@
           </c:val>
           <c:extLst>
             <c:ext xmlns:c16="http://schemas.microsoft.com/office/drawing/2014/chart" uri="{C3380CC4-5D6E-409C-BE32-E72D297353CC}">
-              <c16:uniqueId val="{00000000-18B7-4BEB-AA38-938A65940641}"/>
+              <c16:uniqueId val="{00000000-02C4-4753-B56D-D3E0BD48A292}"/>
             </c:ext>
           </c:extLst>
         </c:ser>
@@ -2069,9 +2641,31 @@
             </c:strRef>
           </c:tx>
           <c:spPr>
-            <a:solidFill>
-              <a:srgbClr val="00B050"/>
-            </a:solidFill>
+            <a:gradFill flip="none" rotWithShape="1">
+              <a:gsLst>
+                <a:gs pos="0">
+                  <a:schemeClr val="accent6">
+                    <a:lumMod val="0"/>
+                    <a:lumOff val="100000"/>
+                  </a:schemeClr>
+                </a:gs>
+                <a:gs pos="35000">
+                  <a:schemeClr val="accent6">
+                    <a:lumMod val="0"/>
+                    <a:lumOff val="100000"/>
+                  </a:schemeClr>
+                </a:gs>
+                <a:gs pos="100000">
+                  <a:schemeClr val="accent6">
+                    <a:lumMod val="100000"/>
+                  </a:schemeClr>
+                </a:gs>
+              </a:gsLst>
+              <a:path path="circle">
+                <a:fillToRect l="50000" t="-80000" r="50000" b="180000"/>
+              </a:path>
+              <a:tileRect/>
+            </a:gradFill>
             <a:ln>
               <a:noFill/>
             </a:ln>
@@ -2116,7 +2710,7 @@
           </c:val>
           <c:extLst>
             <c:ext xmlns:c16="http://schemas.microsoft.com/office/drawing/2014/chart" uri="{C3380CC4-5D6E-409C-BE32-E72D297353CC}">
-              <c16:uniqueId val="{00000001-18B7-4BEB-AA38-938A65940641}"/>
+              <c16:uniqueId val="{00000001-02C4-4753-B56D-D3E0BD48A292}"/>
             </c:ext>
           </c:extLst>
         </c:ser>
@@ -2135,9 +2729,29 @@
             </c:strRef>
           </c:tx>
           <c:spPr>
-            <a:solidFill>
-              <a:srgbClr val="FF0000"/>
-            </a:solidFill>
+            <a:gradFill flip="none" rotWithShape="1">
+              <a:gsLst>
+                <a:gs pos="0">
+                  <a:schemeClr val="accent2">
+                    <a:lumMod val="67000"/>
+                  </a:schemeClr>
+                </a:gs>
+                <a:gs pos="48000">
+                  <a:schemeClr val="accent2">
+                    <a:lumMod val="97000"/>
+                    <a:lumOff val="3000"/>
+                  </a:schemeClr>
+                </a:gs>
+                <a:gs pos="100000">
+                  <a:schemeClr val="accent2">
+                    <a:lumMod val="60000"/>
+                    <a:lumOff val="40000"/>
+                  </a:schemeClr>
+                </a:gs>
+              </a:gsLst>
+              <a:lin ang="16200000" scaled="1"/>
+              <a:tileRect/>
+            </a:gradFill>
             <a:ln>
               <a:noFill/>
             </a:ln>
@@ -2182,7 +2796,7 @@
           </c:val>
           <c:extLst>
             <c:ext xmlns:c16="http://schemas.microsoft.com/office/drawing/2014/chart" uri="{C3380CC4-5D6E-409C-BE32-E72D297353CC}">
-              <c16:uniqueId val="{00000002-18B7-4BEB-AA38-938A65940641}"/>
+              <c16:uniqueId val="{00000002-02C4-4753-B56D-D3E0BD48A292}"/>
             </c:ext>
           </c:extLst>
         </c:ser>
@@ -2528,6 +3142,46 @@
 </file>
 
 <file path=ppt/charts/colors3.xml><?xml version="1.0" encoding="utf-8"?>
+<cs:colorStyle xmlns:cs="http://schemas.microsoft.com/office/drawing/2012/chartStyle" xmlns:a="http://schemas.openxmlformats.org/drawingml/2006/main" meth="cycle" id="10">
+  <a:schemeClr val="accent1"/>
+  <a:schemeClr val="accent2"/>
+  <a:schemeClr val="accent3"/>
+  <a:schemeClr val="accent4"/>
+  <a:schemeClr val="accent5"/>
+  <a:schemeClr val="accent6"/>
+  <cs:variation/>
+  <cs:variation>
+    <a:lumMod val="60000"/>
+  </cs:variation>
+  <cs:variation>
+    <a:lumMod val="80000"/>
+    <a:lumOff val="20000"/>
+  </cs:variation>
+  <cs:variation>
+    <a:lumMod val="80000"/>
+  </cs:variation>
+  <cs:variation>
+    <a:lumMod val="60000"/>
+    <a:lumOff val="40000"/>
+  </cs:variation>
+  <cs:variation>
+    <a:lumMod val="50000"/>
+  </cs:variation>
+  <cs:variation>
+    <a:lumMod val="70000"/>
+    <a:lumOff val="30000"/>
+  </cs:variation>
+  <cs:variation>
+    <a:lumMod val="70000"/>
+  </cs:variation>
+  <cs:variation>
+    <a:lumMod val="50000"/>
+    <a:lumOff val="50000"/>
+  </cs:variation>
+</cs:colorStyle>
+</file>
+
+<file path=ppt/charts/colors4.xml><?xml version="1.0" encoding="utf-8"?>
 <cs:colorStyle xmlns:cs="http://schemas.microsoft.com/office/drawing/2012/chartStyle" xmlns:a="http://schemas.openxmlformats.org/drawingml/2006/main" meth="cycle" id="10">
   <a:schemeClr val="accent1"/>
   <a:schemeClr val="accent2"/>
@@ -3574,6 +4228,509 @@
 </file>
 
 <file path=ppt/charts/style3.xml><?xml version="1.0" encoding="utf-8"?>
+<cs:chartStyle xmlns:cs="http://schemas.microsoft.com/office/drawing/2012/chartStyle" xmlns:a="http://schemas.openxmlformats.org/drawingml/2006/main" id="332">
+  <cs:axisTitle>
+    <cs:lnRef idx="0"/>
+    <cs:fillRef idx="0"/>
+    <cs:effectRef idx="0"/>
+    <cs:fontRef idx="minor">
+      <a:schemeClr val="tx1">
+        <a:lumMod val="65000"/>
+        <a:lumOff val="35000"/>
+      </a:schemeClr>
+    </cs:fontRef>
+    <cs:defRPr sz="1000" kern="1200"/>
+  </cs:axisTitle>
+  <cs:categoryAxis>
+    <cs:lnRef idx="0"/>
+    <cs:fillRef idx="0"/>
+    <cs:effectRef idx="0"/>
+    <cs:fontRef idx="minor">
+      <a:schemeClr val="tx1">
+        <a:lumMod val="65000"/>
+        <a:lumOff val="35000"/>
+      </a:schemeClr>
+    </cs:fontRef>
+    <cs:spPr>
+      <a:ln w="9525" cap="flat" cmpd="sng" algn="ctr">
+        <a:solidFill>
+          <a:schemeClr val="tx1">
+            <a:lumMod val="15000"/>
+            <a:lumOff val="85000"/>
+          </a:schemeClr>
+        </a:solidFill>
+        <a:round/>
+      </a:ln>
+    </cs:spPr>
+    <cs:defRPr sz="900" kern="1200"/>
+  </cs:categoryAxis>
+  <cs:chartArea mods="allowNoFillOverride allowNoLineOverride">
+    <cs:lnRef idx="0"/>
+    <cs:fillRef idx="0"/>
+    <cs:effectRef idx="0"/>
+    <cs:fontRef idx="minor">
+      <a:schemeClr val="tx1"/>
+    </cs:fontRef>
+    <cs:spPr>
+      <a:solidFill>
+        <a:schemeClr val="bg1"/>
+      </a:solidFill>
+      <a:ln w="9525" cap="flat" cmpd="sng" algn="ctr">
+        <a:solidFill>
+          <a:schemeClr val="tx1">
+            <a:lumMod val="15000"/>
+            <a:lumOff val="85000"/>
+          </a:schemeClr>
+        </a:solidFill>
+        <a:round/>
+      </a:ln>
+    </cs:spPr>
+    <cs:defRPr sz="1000" kern="1200"/>
+  </cs:chartArea>
+  <cs:dataLabel>
+    <cs:lnRef idx="0"/>
+    <cs:fillRef idx="0"/>
+    <cs:effectRef idx="0"/>
+    <cs:fontRef idx="minor">
+      <a:schemeClr val="tx1">
+        <a:lumMod val="75000"/>
+        <a:lumOff val="25000"/>
+      </a:schemeClr>
+    </cs:fontRef>
+    <cs:defRPr sz="900" kern="1200"/>
+  </cs:dataLabel>
+  <cs:dataLabelCallout>
+    <cs:lnRef idx="0"/>
+    <cs:fillRef idx="0"/>
+    <cs:effectRef idx="0"/>
+    <cs:fontRef idx="minor">
+      <a:schemeClr val="dk1">
+        <a:lumMod val="65000"/>
+        <a:lumOff val="35000"/>
+      </a:schemeClr>
+    </cs:fontRef>
+    <cs:spPr>
+      <a:solidFill>
+        <a:schemeClr val="lt1"/>
+      </a:solidFill>
+      <a:ln>
+        <a:solidFill>
+          <a:schemeClr val="dk1">
+            <a:lumMod val="25000"/>
+            <a:lumOff val="75000"/>
+          </a:schemeClr>
+        </a:solidFill>
+      </a:ln>
+    </cs:spPr>
+    <cs:defRPr sz="900" kern="1200"/>
+    <cs:bodyPr rot="0" spcFirstLastPara="1" vertOverflow="clip" horzOverflow="clip" vert="horz" wrap="square" lIns="36576" tIns="18288" rIns="36576" bIns="18288" anchor="ctr" anchorCtr="1">
+      <a:spAutoFit/>
+    </cs:bodyPr>
+  </cs:dataLabelCallout>
+  <cs:dataPoint>
+    <cs:lnRef idx="0"/>
+    <cs:fillRef idx="1">
+      <cs:styleClr val="auto"/>
+    </cs:fillRef>
+    <cs:effectRef idx="0"/>
+    <cs:fontRef idx="minor">
+      <a:schemeClr val="tx1"/>
+    </cs:fontRef>
+  </cs:dataPoint>
+  <cs:dataPoint3D>
+    <cs:lnRef idx="0"/>
+    <cs:fillRef idx="1">
+      <cs:styleClr val="auto"/>
+    </cs:fillRef>
+    <cs:effectRef idx="0"/>
+    <cs:fontRef idx="minor">
+      <a:schemeClr val="tx1"/>
+    </cs:fontRef>
+  </cs:dataPoint3D>
+  <cs:dataPointLine>
+    <cs:lnRef idx="0">
+      <cs:styleClr val="auto"/>
+    </cs:lnRef>
+    <cs:fillRef idx="1"/>
+    <cs:effectRef idx="0"/>
+    <cs:fontRef idx="minor">
+      <a:schemeClr val="tx1"/>
+    </cs:fontRef>
+    <cs:spPr>
+      <a:ln w="28575" cap="rnd">
+        <a:solidFill>
+          <a:schemeClr val="phClr"/>
+        </a:solidFill>
+        <a:round/>
+      </a:ln>
+    </cs:spPr>
+  </cs:dataPointLine>
+  <cs:dataPointMarker>
+    <cs:lnRef idx="0">
+      <cs:styleClr val="auto"/>
+    </cs:lnRef>
+    <cs:fillRef idx="1">
+      <cs:styleClr val="auto"/>
+    </cs:fillRef>
+    <cs:effectRef idx="0"/>
+    <cs:fontRef idx="minor">
+      <a:schemeClr val="tx1"/>
+    </cs:fontRef>
+    <cs:spPr>
+      <a:ln w="9525">
+        <a:solidFill>
+          <a:schemeClr val="phClr"/>
+        </a:solidFill>
+      </a:ln>
+    </cs:spPr>
+  </cs:dataPointMarker>
+  <cs:dataPointMarkerLayout symbol="circle" size="5"/>
+  <cs:dataPointWireframe>
+    <cs:lnRef idx="0">
+      <cs:styleClr val="auto"/>
+    </cs:lnRef>
+    <cs:fillRef idx="1"/>
+    <cs:effectRef idx="0"/>
+    <cs:fontRef idx="minor">
+      <a:schemeClr val="tx1"/>
+    </cs:fontRef>
+    <cs:spPr>
+      <a:ln w="9525" cap="rnd">
+        <a:solidFill>
+          <a:schemeClr val="phClr"/>
+        </a:solidFill>
+        <a:round/>
+      </a:ln>
+    </cs:spPr>
+  </cs:dataPointWireframe>
+  <cs:dataTable>
+    <cs:lnRef idx="0"/>
+    <cs:fillRef idx="0"/>
+    <cs:effectRef idx="0"/>
+    <cs:fontRef idx="minor">
+      <a:schemeClr val="tx1">
+        <a:lumMod val="65000"/>
+        <a:lumOff val="35000"/>
+      </a:schemeClr>
+    </cs:fontRef>
+    <cs:spPr>
+      <a:noFill/>
+      <a:ln w="9525" cap="flat" cmpd="sng" algn="ctr">
+        <a:solidFill>
+          <a:schemeClr val="tx1">
+            <a:lumMod val="15000"/>
+            <a:lumOff val="85000"/>
+          </a:schemeClr>
+        </a:solidFill>
+        <a:round/>
+      </a:ln>
+    </cs:spPr>
+    <cs:defRPr sz="900" kern="1200"/>
+  </cs:dataTable>
+  <cs:downBar>
+    <cs:lnRef idx="0"/>
+    <cs:fillRef idx="0"/>
+    <cs:effectRef idx="0"/>
+    <cs:fontRef idx="minor">
+      <a:schemeClr val="dk1"/>
+    </cs:fontRef>
+    <cs:spPr>
+      <a:solidFill>
+        <a:schemeClr val="dk1">
+          <a:lumMod val="65000"/>
+          <a:lumOff val="35000"/>
+        </a:schemeClr>
+      </a:solidFill>
+      <a:ln w="9525">
+        <a:solidFill>
+          <a:schemeClr val="tx1">
+            <a:lumMod val="65000"/>
+            <a:lumOff val="35000"/>
+          </a:schemeClr>
+        </a:solidFill>
+      </a:ln>
+    </cs:spPr>
+  </cs:downBar>
+  <cs:dropLine>
+    <cs:lnRef idx="0"/>
+    <cs:fillRef idx="0"/>
+    <cs:effectRef idx="0"/>
+    <cs:fontRef idx="minor">
+      <a:schemeClr val="tx1"/>
+    </cs:fontRef>
+    <cs:spPr>
+      <a:ln w="9525" cap="flat" cmpd="sng" algn="ctr">
+        <a:solidFill>
+          <a:schemeClr val="tx1">
+            <a:lumMod val="35000"/>
+            <a:lumOff val="65000"/>
+          </a:schemeClr>
+        </a:solidFill>
+        <a:round/>
+      </a:ln>
+    </cs:spPr>
+  </cs:dropLine>
+  <cs:errorBar>
+    <cs:lnRef idx="0"/>
+    <cs:fillRef idx="0"/>
+    <cs:effectRef idx="0"/>
+    <cs:fontRef idx="minor">
+      <a:schemeClr val="tx1"/>
+    </cs:fontRef>
+    <cs:spPr>
+      <a:ln w="9525" cap="flat" cmpd="sng" algn="ctr">
+        <a:solidFill>
+          <a:schemeClr val="tx1">
+            <a:lumMod val="65000"/>
+            <a:lumOff val="35000"/>
+          </a:schemeClr>
+        </a:solidFill>
+        <a:round/>
+      </a:ln>
+    </cs:spPr>
+  </cs:errorBar>
+  <cs:floor>
+    <cs:lnRef idx="0"/>
+    <cs:fillRef idx="0"/>
+    <cs:effectRef idx="0"/>
+    <cs:fontRef idx="minor">
+      <a:schemeClr val="tx1"/>
+    </cs:fontRef>
+    <cs:spPr>
+      <a:noFill/>
+      <a:ln>
+        <a:noFill/>
+      </a:ln>
+    </cs:spPr>
+  </cs:floor>
+  <cs:gridlineMajor>
+    <cs:lnRef idx="0"/>
+    <cs:fillRef idx="0"/>
+    <cs:effectRef idx="0"/>
+    <cs:fontRef idx="minor">
+      <a:schemeClr val="tx1"/>
+    </cs:fontRef>
+    <cs:spPr>
+      <a:ln w="9525" cap="flat" cmpd="sng" algn="ctr">
+        <a:solidFill>
+          <a:schemeClr val="tx1">
+            <a:lumMod val="15000"/>
+            <a:lumOff val="85000"/>
+          </a:schemeClr>
+        </a:solidFill>
+        <a:round/>
+      </a:ln>
+    </cs:spPr>
+  </cs:gridlineMajor>
+  <cs:gridlineMinor>
+    <cs:lnRef idx="0"/>
+    <cs:fillRef idx="0"/>
+    <cs:effectRef idx="0"/>
+    <cs:fontRef idx="minor">
+      <a:schemeClr val="tx1"/>
+    </cs:fontRef>
+    <cs:spPr>
+      <a:ln w="9525" cap="flat" cmpd="sng" algn="ctr">
+        <a:solidFill>
+          <a:schemeClr val="tx1">
+            <a:lumMod val="5000"/>
+            <a:lumOff val="95000"/>
+          </a:schemeClr>
+        </a:solidFill>
+        <a:round/>
+      </a:ln>
+    </cs:spPr>
+  </cs:gridlineMinor>
+  <cs:hiLoLine>
+    <cs:lnRef idx="0"/>
+    <cs:fillRef idx="0"/>
+    <cs:effectRef idx="0"/>
+    <cs:fontRef idx="minor">
+      <a:schemeClr val="tx1"/>
+    </cs:fontRef>
+    <cs:spPr>
+      <a:ln w="9525" cap="flat" cmpd="sng" algn="ctr">
+        <a:solidFill>
+          <a:schemeClr val="tx1">
+            <a:lumMod val="75000"/>
+            <a:lumOff val="25000"/>
+          </a:schemeClr>
+        </a:solidFill>
+        <a:round/>
+      </a:ln>
+    </cs:spPr>
+  </cs:hiLoLine>
+  <cs:leaderLine>
+    <cs:lnRef idx="0"/>
+    <cs:fillRef idx="0"/>
+    <cs:effectRef idx="0"/>
+    <cs:fontRef idx="minor">
+      <a:schemeClr val="tx1"/>
+    </cs:fontRef>
+    <cs:spPr>
+      <a:ln w="9525" cap="flat" cmpd="sng" algn="ctr">
+        <a:solidFill>
+          <a:schemeClr val="tx1">
+            <a:lumMod val="35000"/>
+            <a:lumOff val="65000"/>
+          </a:schemeClr>
+        </a:solidFill>
+        <a:round/>
+      </a:ln>
+    </cs:spPr>
+  </cs:leaderLine>
+  <cs:legend>
+    <cs:lnRef idx="0"/>
+    <cs:fillRef idx="0"/>
+    <cs:effectRef idx="0"/>
+    <cs:fontRef idx="minor">
+      <a:schemeClr val="tx1">
+        <a:lumMod val="65000"/>
+        <a:lumOff val="35000"/>
+      </a:schemeClr>
+    </cs:fontRef>
+    <cs:defRPr sz="900" kern="1200"/>
+  </cs:legend>
+  <cs:plotArea mods="allowNoFillOverride allowNoLineOverride">
+    <cs:lnRef idx="0"/>
+    <cs:fillRef idx="0"/>
+    <cs:effectRef idx="0"/>
+    <cs:fontRef idx="minor">
+      <a:schemeClr val="tx1"/>
+    </cs:fontRef>
+  </cs:plotArea>
+  <cs:plotArea3D mods="allowNoFillOverride allowNoLineOverride">
+    <cs:lnRef idx="0"/>
+    <cs:fillRef idx="0"/>
+    <cs:effectRef idx="0"/>
+    <cs:fontRef idx="minor">
+      <a:schemeClr val="tx1"/>
+    </cs:fontRef>
+  </cs:plotArea3D>
+  <cs:seriesAxis>
+    <cs:lnRef idx="0"/>
+    <cs:fillRef idx="0"/>
+    <cs:effectRef idx="0"/>
+    <cs:fontRef idx="minor">
+      <a:schemeClr val="tx1">
+        <a:lumMod val="65000"/>
+        <a:lumOff val="35000"/>
+      </a:schemeClr>
+    </cs:fontRef>
+    <cs:defRPr sz="900" kern="1200"/>
+  </cs:seriesAxis>
+  <cs:seriesLine>
+    <cs:lnRef idx="0"/>
+    <cs:fillRef idx="0"/>
+    <cs:effectRef idx="0"/>
+    <cs:fontRef idx="minor">
+      <a:schemeClr val="tx1"/>
+    </cs:fontRef>
+    <cs:spPr>
+      <a:ln w="9525" cap="flat" cmpd="sng" algn="ctr">
+        <a:solidFill>
+          <a:schemeClr val="tx1">
+            <a:lumMod val="35000"/>
+            <a:lumOff val="65000"/>
+          </a:schemeClr>
+        </a:solidFill>
+        <a:round/>
+      </a:ln>
+    </cs:spPr>
+  </cs:seriesLine>
+  <cs:title>
+    <cs:lnRef idx="0"/>
+    <cs:fillRef idx="0"/>
+    <cs:effectRef idx="0"/>
+    <cs:fontRef idx="minor">
+      <a:schemeClr val="tx1">
+        <a:lumMod val="65000"/>
+        <a:lumOff val="35000"/>
+      </a:schemeClr>
+    </cs:fontRef>
+    <cs:defRPr sz="1400" b="0" kern="1200" spc="0" baseline="0"/>
+  </cs:title>
+  <cs:trendline>
+    <cs:lnRef idx="0">
+      <cs:styleClr val="auto"/>
+    </cs:lnRef>
+    <cs:fillRef idx="0"/>
+    <cs:effectRef idx="0"/>
+    <cs:fontRef idx="minor">
+      <a:schemeClr val="tx1"/>
+    </cs:fontRef>
+    <cs:spPr>
+      <a:ln w="19050" cap="rnd">
+        <a:solidFill>
+          <a:schemeClr val="phClr"/>
+        </a:solidFill>
+        <a:prstDash val="sysDot"/>
+      </a:ln>
+    </cs:spPr>
+  </cs:trendline>
+  <cs:trendlineLabel>
+    <cs:lnRef idx="0"/>
+    <cs:fillRef idx="0"/>
+    <cs:effectRef idx="0"/>
+    <cs:fontRef idx="minor">
+      <a:schemeClr val="tx1">
+        <a:lumMod val="65000"/>
+        <a:lumOff val="35000"/>
+      </a:schemeClr>
+    </cs:fontRef>
+    <cs:defRPr sz="900" kern="1200"/>
+  </cs:trendlineLabel>
+  <cs:upBar>
+    <cs:lnRef idx="0"/>
+    <cs:fillRef idx="0"/>
+    <cs:effectRef idx="0"/>
+    <cs:fontRef idx="minor">
+      <a:schemeClr val="dk1"/>
+    </cs:fontRef>
+    <cs:spPr>
+      <a:solidFill>
+        <a:schemeClr val="lt1"/>
+      </a:solidFill>
+      <a:ln w="9525">
+        <a:solidFill>
+          <a:schemeClr val="tx1">
+            <a:lumMod val="15000"/>
+            <a:lumOff val="85000"/>
+          </a:schemeClr>
+        </a:solidFill>
+      </a:ln>
+    </cs:spPr>
+  </cs:upBar>
+  <cs:valueAxis>
+    <cs:lnRef idx="0"/>
+    <cs:fillRef idx="0"/>
+    <cs:effectRef idx="0"/>
+    <cs:fontRef idx="minor">
+      <a:schemeClr val="tx1">
+        <a:lumMod val="65000"/>
+        <a:lumOff val="35000"/>
+      </a:schemeClr>
+    </cs:fontRef>
+    <cs:defRPr sz="900" kern="1200"/>
+  </cs:valueAxis>
+  <cs:wall>
+    <cs:lnRef idx="0"/>
+    <cs:fillRef idx="0"/>
+    <cs:effectRef idx="0"/>
+    <cs:fontRef idx="minor">
+      <a:schemeClr val="tx1"/>
+    </cs:fontRef>
+    <cs:spPr>
+      <a:noFill/>
+      <a:ln>
+        <a:noFill/>
+      </a:ln>
+    </cs:spPr>
+  </cs:wall>
+</cs:chartStyle>
+</file>
+
+<file path=ppt/charts/style4.xml><?xml version="1.0" encoding="utf-8"?>
 <cs:chartStyle xmlns:cs="http://schemas.microsoft.com/office/drawing/2012/chartStyle" xmlns:a="http://schemas.openxmlformats.org/drawingml/2006/main" id="332">
   <cs:axisTitle>
     <cs:lnRef idx="0"/>
@@ -11502,7 +12659,7 @@
           <a:p>
             <a:fld id="{BE2A43AE-C781-437F-82F9-639F52CA20CD}" type="datetimeFigureOut">
               <a:rPr lang="en-US" smtClean="0"/>
-              <a:t>4/24/2023</a:t>
+              <a:t>4/25/2023</a:t>
             </a:fld>
             <a:endParaRPr lang="en-US"/>
           </a:p>
@@ -12263,6 +13420,12 @@
               <a:t>Fetch records in the database “according to our sample of 215,000 voters (that voted in 2021 Harris county election)”</a:t>
             </a:r>
           </a:p>
+          <a:p>
+            <a:r>
+              <a:rPr lang="en-US" dirty="0"/>
+              <a:t>Build Dictionary and read dictionary from file seem to be slow irrespective of disk speed, they are probably compute intensive due to creating hash codes</a:t>
+            </a:r>
+          </a:p>
         </p:txBody>
       </p:sp>
       <p:sp>
@@ -12292,6 +13455,90 @@
     <p:extLst>
       <p:ext uri="{BB962C8B-B14F-4D97-AF65-F5344CB8AC3E}">
         <p14:creationId xmlns:p14="http://schemas.microsoft.com/office/powerpoint/2010/main" val="1519796634"/>
+      </p:ext>
+    </p:extLst>
+  </p:cSld>
+  <p:clrMapOvr>
+    <a:masterClrMapping/>
+  </p:clrMapOvr>
+</p:notes>
+</file>
+
+<file path=ppt/notesSlides/notesSlide5.xml><?xml version="1.0" encoding="utf-8"?>
+<p:notes xmlns:a="http://schemas.openxmlformats.org/drawingml/2006/main" xmlns:r="http://schemas.openxmlformats.org/officeDocument/2006/relationships" xmlns:p="http://schemas.openxmlformats.org/presentationml/2006/main">
+  <p:cSld>
+    <p:spTree>
+      <p:nvGrpSpPr>
+        <p:cNvPr id="1" name=""/>
+        <p:cNvGrpSpPr/>
+        <p:nvPr/>
+      </p:nvGrpSpPr>
+      <p:grpSpPr>
+        <a:xfrm>
+          <a:off x="0" y="0"/>
+          <a:ext cx="0" cy="0"/>
+          <a:chOff x="0" y="0"/>
+          <a:chExt cx="0" cy="0"/>
+        </a:xfrm>
+      </p:grpSpPr>
+      <p:sp>
+        <p:nvSpPr>
+          <p:cNvPr id="2" name="Slide Image Placeholder 1"/>
+          <p:cNvSpPr>
+            <a:spLocks noGrp="1" noRot="1" noChangeAspect="1"/>
+          </p:cNvSpPr>
+          <p:nvPr>
+            <p:ph type="sldImg"/>
+          </p:nvPr>
+        </p:nvSpPr>
+        <p:spPr/>
+      </p:sp>
+      <p:sp>
+        <p:nvSpPr>
+          <p:cNvPr id="3" name="Notes Placeholder 2"/>
+          <p:cNvSpPr>
+            <a:spLocks noGrp="1"/>
+          </p:cNvSpPr>
+          <p:nvPr>
+            <p:ph type="body" idx="1"/>
+          </p:nvPr>
+        </p:nvSpPr>
+        <p:spPr/>
+        <p:txBody>
+          <a:bodyPr/>
+          <a:lstStyle/>
+          <a:p>
+            <a:endParaRPr lang="en-US" dirty="0"/>
+          </a:p>
+        </p:txBody>
+      </p:sp>
+      <p:sp>
+        <p:nvSpPr>
+          <p:cNvPr id="4" name="Slide Number Placeholder 3"/>
+          <p:cNvSpPr>
+            <a:spLocks noGrp="1"/>
+          </p:cNvSpPr>
+          <p:nvPr>
+            <p:ph type="sldNum" sz="quarter" idx="5"/>
+          </p:nvPr>
+        </p:nvSpPr>
+        <p:spPr/>
+        <p:txBody>
+          <a:bodyPr/>
+          <a:lstStyle/>
+          <a:p>
+            <a:fld id="{1BFF8EC0-4E85-4B5B-B1AE-D39CEADE6519}" type="slidenum">
+              <a:rPr lang="en-US" smtClean="0"/>
+              <a:t>9</a:t>
+            </a:fld>
+            <a:endParaRPr lang="en-US"/>
+          </a:p>
+        </p:txBody>
+      </p:sp>
+    </p:spTree>
+    <p:extLst>
+      <p:ext uri="{BB962C8B-B14F-4D97-AF65-F5344CB8AC3E}">
+        <p14:creationId xmlns:p14="http://schemas.microsoft.com/office/powerpoint/2010/main" val="2899586045"/>
       </p:ext>
     </p:extLst>
   </p:cSld>
@@ -12448,7 +13695,7 @@
           <a:p>
             <a:fld id="{65DDBF0C-176C-41A2-A7B0-D55ED202E141}" type="datetimeFigureOut">
               <a:rPr lang="en-US" smtClean="0"/>
-              <a:t>4/24/2023</a:t>
+              <a:t>4/25/2023</a:t>
             </a:fld>
             <a:endParaRPr lang="en-US"/>
           </a:p>
@@ -12646,7 +13893,7 @@
           <a:p>
             <a:fld id="{65DDBF0C-176C-41A2-A7B0-D55ED202E141}" type="datetimeFigureOut">
               <a:rPr lang="en-US" smtClean="0"/>
-              <a:t>4/24/2023</a:t>
+              <a:t>4/25/2023</a:t>
             </a:fld>
             <a:endParaRPr lang="en-US"/>
           </a:p>
@@ -12854,7 +14101,7 @@
           <a:p>
             <a:fld id="{65DDBF0C-176C-41A2-A7B0-D55ED202E141}" type="datetimeFigureOut">
               <a:rPr lang="en-US" smtClean="0"/>
-              <a:t>4/24/2023</a:t>
+              <a:t>4/25/2023</a:t>
             </a:fld>
             <a:endParaRPr lang="en-US"/>
           </a:p>
@@ -13052,7 +14299,7 @@
           <a:p>
             <a:fld id="{65DDBF0C-176C-41A2-A7B0-D55ED202E141}" type="datetimeFigureOut">
               <a:rPr lang="en-US" smtClean="0"/>
-              <a:t>4/24/2023</a:t>
+              <a:t>4/25/2023</a:t>
             </a:fld>
             <a:endParaRPr lang="en-US"/>
           </a:p>
@@ -13327,7 +14574,7 @@
           <a:p>
             <a:fld id="{65DDBF0C-176C-41A2-A7B0-D55ED202E141}" type="datetimeFigureOut">
               <a:rPr lang="en-US" smtClean="0"/>
-              <a:t>4/24/2023</a:t>
+              <a:t>4/25/2023</a:t>
             </a:fld>
             <a:endParaRPr lang="en-US"/>
           </a:p>
@@ -13592,7 +14839,7 @@
           <a:p>
             <a:fld id="{65DDBF0C-176C-41A2-A7B0-D55ED202E141}" type="datetimeFigureOut">
               <a:rPr lang="en-US" smtClean="0"/>
-              <a:t>4/24/2023</a:t>
+              <a:t>4/25/2023</a:t>
             </a:fld>
             <a:endParaRPr lang="en-US"/>
           </a:p>
@@ -14004,7 +15251,7 @@
           <a:p>
             <a:fld id="{65DDBF0C-176C-41A2-A7B0-D55ED202E141}" type="datetimeFigureOut">
               <a:rPr lang="en-US" smtClean="0"/>
-              <a:t>4/24/2023</a:t>
+              <a:t>4/25/2023</a:t>
             </a:fld>
             <a:endParaRPr lang="en-US"/>
           </a:p>
@@ -14145,7 +15392,7 @@
           <a:p>
             <a:fld id="{65DDBF0C-176C-41A2-A7B0-D55ED202E141}" type="datetimeFigureOut">
               <a:rPr lang="en-US" smtClean="0"/>
-              <a:t>4/24/2023</a:t>
+              <a:t>4/25/2023</a:t>
             </a:fld>
             <a:endParaRPr lang="en-US"/>
           </a:p>
@@ -14258,7 +15505,7 @@
           <a:p>
             <a:fld id="{65DDBF0C-176C-41A2-A7B0-D55ED202E141}" type="datetimeFigureOut">
               <a:rPr lang="en-US" smtClean="0"/>
-              <a:t>4/24/2023</a:t>
+              <a:t>4/25/2023</a:t>
             </a:fld>
             <a:endParaRPr lang="en-US"/>
           </a:p>
@@ -14569,7 +15816,7 @@
           <a:p>
             <a:fld id="{65DDBF0C-176C-41A2-A7B0-D55ED202E141}" type="datetimeFigureOut">
               <a:rPr lang="en-US" smtClean="0"/>
-              <a:t>4/24/2023</a:t>
+              <a:t>4/25/2023</a:t>
             </a:fld>
             <a:endParaRPr lang="en-US"/>
           </a:p>
@@ -14857,7 +16104,7 @@
           <a:p>
             <a:fld id="{65DDBF0C-176C-41A2-A7B0-D55ED202E141}" type="datetimeFigureOut">
               <a:rPr lang="en-US" smtClean="0"/>
-              <a:t>4/24/2023</a:t>
+              <a:t>4/25/2023</a:t>
             </a:fld>
             <a:endParaRPr lang="en-US"/>
           </a:p>
@@ -15098,7 +16345,7 @@
           <a:p>
             <a:fld id="{65DDBF0C-176C-41A2-A7B0-D55ED202E141}" type="datetimeFigureOut">
               <a:rPr lang="en-US" smtClean="0"/>
-              <a:t>4/24/2023</a:t>
+              <a:t>4/25/2023</a:t>
             </a:fld>
             <a:endParaRPr lang="en-US"/>
           </a:p>
@@ -16162,6 +17409,360 @@
     <p:extLst>
       <p:ext uri="{BB962C8B-B14F-4D97-AF65-F5344CB8AC3E}">
         <p14:creationId xmlns:p14="http://schemas.microsoft.com/office/powerpoint/2010/main" val="3924128203"/>
+      </p:ext>
+    </p:extLst>
+  </p:cSld>
+  <p:clrMapOvr>
+    <a:masterClrMapping/>
+  </p:clrMapOvr>
+</p:sld>
+</file>
+
+<file path=ppt/slides/slide10.xml><?xml version="1.0" encoding="utf-8"?>
+<p:sld xmlns:a="http://schemas.openxmlformats.org/drawingml/2006/main" xmlns:r="http://schemas.openxmlformats.org/officeDocument/2006/relationships" xmlns:p="http://schemas.openxmlformats.org/presentationml/2006/main">
+  <p:cSld>
+    <p:spTree>
+      <p:nvGrpSpPr>
+        <p:cNvPr id="1" name=""/>
+        <p:cNvGrpSpPr/>
+        <p:nvPr/>
+      </p:nvGrpSpPr>
+      <p:grpSpPr>
+        <a:xfrm>
+          <a:off x="0" y="0"/>
+          <a:ext cx="0" cy="0"/>
+          <a:chOff x="0" y="0"/>
+          <a:chExt cx="0" cy="0"/>
+        </a:xfrm>
+      </p:grpSpPr>
+      <p:sp>
+        <p:nvSpPr>
+          <p:cNvPr id="2" name="Title 1">
+            <a:extLst>
+              <a:ext uri="{FF2B5EF4-FFF2-40B4-BE49-F238E27FC236}">
+                <a16:creationId xmlns:a16="http://schemas.microsoft.com/office/drawing/2014/main" id="{D0B87F8E-5D83-4513-9285-8A122C4A62CB}"/>
+              </a:ext>
+            </a:extLst>
+          </p:cNvPr>
+          <p:cNvSpPr>
+            <a:spLocks noGrp="1"/>
+          </p:cNvSpPr>
+          <p:nvPr>
+            <p:ph type="title"/>
+          </p:nvPr>
+        </p:nvSpPr>
+        <p:spPr>
+          <a:xfrm>
+            <a:off x="838200" y="308428"/>
+            <a:ext cx="10515600" cy="745218"/>
+          </a:xfrm>
+        </p:spPr>
+        <p:txBody>
+          <a:bodyPr/>
+          <a:lstStyle/>
+          <a:p>
+            <a:r>
+              <a:rPr lang="en-US" dirty="0"/>
+              <a:t>Different Instance Types</a:t>
+            </a:r>
+          </a:p>
+        </p:txBody>
+      </p:sp>
+      <p:cxnSp>
+        <p:nvCxnSpPr>
+          <p:cNvPr id="5" name="Straight Connector 4">
+            <a:extLst>
+              <a:ext uri="{FF2B5EF4-FFF2-40B4-BE49-F238E27FC236}">
+                <a16:creationId xmlns:a16="http://schemas.microsoft.com/office/drawing/2014/main" id="{86EF85BD-B585-F4FA-AB4B-371C19D22622}"/>
+              </a:ext>
+            </a:extLst>
+          </p:cNvPr>
+          <p:cNvCxnSpPr/>
+          <p:nvPr/>
+        </p:nvCxnSpPr>
+        <p:spPr>
+          <a:xfrm>
+            <a:off x="615820" y="1287624"/>
+            <a:ext cx="10954139" cy="0"/>
+          </a:xfrm>
+          <a:prstGeom prst="line">
+            <a:avLst/>
+          </a:prstGeom>
+          <a:ln w="19050">
+            <a:solidFill>
+              <a:schemeClr val="bg1">
+                <a:lumMod val="50000"/>
+              </a:schemeClr>
+            </a:solidFill>
+            <a:prstDash val="sysDash"/>
+          </a:ln>
+        </p:spPr>
+        <p:style>
+          <a:lnRef idx="1">
+            <a:schemeClr val="accent1"/>
+          </a:lnRef>
+          <a:fillRef idx="0">
+            <a:schemeClr val="accent1"/>
+          </a:fillRef>
+          <a:effectRef idx="0">
+            <a:schemeClr val="accent1"/>
+          </a:effectRef>
+          <a:fontRef idx="minor">
+            <a:schemeClr val="tx1"/>
+          </a:fontRef>
+        </p:style>
+      </p:cxnSp>
+      <p:sp>
+        <p:nvSpPr>
+          <p:cNvPr id="3" name="TextBox 2">
+            <a:extLst>
+              <a:ext uri="{FF2B5EF4-FFF2-40B4-BE49-F238E27FC236}">
+                <a16:creationId xmlns:a16="http://schemas.microsoft.com/office/drawing/2014/main" id="{88BB732B-99AF-21B0-EB10-A46AAD81C772}"/>
+              </a:ext>
+            </a:extLst>
+          </p:cNvPr>
+          <p:cNvSpPr txBox="1"/>
+          <p:nvPr/>
+        </p:nvSpPr>
+        <p:spPr>
+          <a:xfrm>
+            <a:off x="3348842" y="5570374"/>
+            <a:ext cx="5617027" cy="1107996"/>
+          </a:xfrm>
+          <a:prstGeom prst="rect">
+            <a:avLst/>
+          </a:prstGeom>
+          <a:noFill/>
+        </p:spPr>
+        <p:txBody>
+          <a:bodyPr wrap="square" rtlCol="0">
+            <a:spAutoFit/>
+          </a:bodyPr>
+          <a:lstStyle/>
+          <a:p>
+            <a:pPr algn="ctr"/>
+            <a:r>
+              <a:rPr lang="en-US" sz="2400" dirty="0"/>
+              <a:t>These are the most compute intensive task for various instance types </a:t>
+            </a:r>
+          </a:p>
+          <a:p>
+            <a:pPr algn="ctr"/>
+            <a:r>
+              <a:rPr lang="en-US" dirty="0"/>
+              <a:t>This is physical record size 4096</a:t>
+            </a:r>
+          </a:p>
+        </p:txBody>
+      </p:sp>
+      <p:graphicFrame>
+        <p:nvGraphicFramePr>
+          <p:cNvPr id="4" name="Chart 3">
+            <a:extLst>
+              <a:ext uri="{FF2B5EF4-FFF2-40B4-BE49-F238E27FC236}">
+                <a16:creationId xmlns:a16="http://schemas.microsoft.com/office/drawing/2014/main" id="{E14C9B38-8B25-8CE4-973B-70C0B29407F6}"/>
+              </a:ext>
+            </a:extLst>
+          </p:cNvPr>
+          <p:cNvGraphicFramePr>
+            <a:graphicFrameLocks/>
+          </p:cNvGraphicFramePr>
+          <p:nvPr>
+            <p:extLst>
+              <p:ext uri="{D42A27DB-BD31-4B8C-83A1-F6EECF244321}">
+                <p14:modId xmlns:p14="http://schemas.microsoft.com/office/powerpoint/2010/main" val="1056938609"/>
+              </p:ext>
+            </p:extLst>
+          </p:nvPr>
+        </p:nvGraphicFramePr>
+        <p:xfrm>
+          <a:off x="3158835" y="1615045"/>
+          <a:ext cx="5807033" cy="3721350"/>
+        </p:xfrm>
+        <a:graphic>
+          <a:graphicData uri="http://schemas.openxmlformats.org/drawingml/2006/chart">
+            <c:chart xmlns:c="http://schemas.openxmlformats.org/drawingml/2006/chart" xmlns:r="http://schemas.openxmlformats.org/officeDocument/2006/relationships" r:id="rId2"/>
+          </a:graphicData>
+        </a:graphic>
+      </p:graphicFrame>
+    </p:spTree>
+    <p:extLst>
+      <p:ext uri="{BB962C8B-B14F-4D97-AF65-F5344CB8AC3E}">
+        <p14:creationId xmlns:p14="http://schemas.microsoft.com/office/powerpoint/2010/main" val="2014356018"/>
+      </p:ext>
+    </p:extLst>
+  </p:cSld>
+  <p:clrMapOvr>
+    <a:masterClrMapping/>
+  </p:clrMapOvr>
+</p:sld>
+</file>
+
+<file path=ppt/slides/slide11.xml><?xml version="1.0" encoding="utf-8"?>
+<p:sld xmlns:a="http://schemas.openxmlformats.org/drawingml/2006/main" xmlns:r="http://schemas.openxmlformats.org/officeDocument/2006/relationships" xmlns:p="http://schemas.openxmlformats.org/presentationml/2006/main">
+  <p:cSld>
+    <p:spTree>
+      <p:nvGrpSpPr>
+        <p:cNvPr id="1" name=""/>
+        <p:cNvGrpSpPr/>
+        <p:nvPr/>
+      </p:nvGrpSpPr>
+      <p:grpSpPr>
+        <a:xfrm>
+          <a:off x="0" y="0"/>
+          <a:ext cx="0" cy="0"/>
+          <a:chOff x="0" y="0"/>
+          <a:chExt cx="0" cy="0"/>
+        </a:xfrm>
+      </p:grpSpPr>
+      <p:sp>
+        <p:nvSpPr>
+          <p:cNvPr id="2" name="Title 1">
+            <a:extLst>
+              <a:ext uri="{FF2B5EF4-FFF2-40B4-BE49-F238E27FC236}">
+                <a16:creationId xmlns:a16="http://schemas.microsoft.com/office/drawing/2014/main" id="{D0B87F8E-5D83-4513-9285-8A122C4A62CB}"/>
+              </a:ext>
+            </a:extLst>
+          </p:cNvPr>
+          <p:cNvSpPr>
+            <a:spLocks noGrp="1"/>
+          </p:cNvSpPr>
+          <p:nvPr>
+            <p:ph type="title"/>
+          </p:nvPr>
+        </p:nvSpPr>
+        <p:spPr>
+          <a:xfrm>
+            <a:off x="838200" y="308428"/>
+            <a:ext cx="10515600" cy="745218"/>
+          </a:xfrm>
+        </p:spPr>
+        <p:txBody>
+          <a:bodyPr/>
+          <a:lstStyle/>
+          <a:p>
+            <a:r>
+              <a:rPr lang="en-US" dirty="0"/>
+              <a:t>Different Disk Types</a:t>
+            </a:r>
+          </a:p>
+        </p:txBody>
+      </p:sp>
+      <p:cxnSp>
+        <p:nvCxnSpPr>
+          <p:cNvPr id="5" name="Straight Connector 4">
+            <a:extLst>
+              <a:ext uri="{FF2B5EF4-FFF2-40B4-BE49-F238E27FC236}">
+                <a16:creationId xmlns:a16="http://schemas.microsoft.com/office/drawing/2014/main" id="{86EF85BD-B585-F4FA-AB4B-371C19D22622}"/>
+              </a:ext>
+            </a:extLst>
+          </p:cNvPr>
+          <p:cNvCxnSpPr/>
+          <p:nvPr/>
+        </p:nvCxnSpPr>
+        <p:spPr>
+          <a:xfrm>
+            <a:off x="615820" y="1287624"/>
+            <a:ext cx="10954139" cy="0"/>
+          </a:xfrm>
+          <a:prstGeom prst="line">
+            <a:avLst/>
+          </a:prstGeom>
+          <a:ln w="19050">
+            <a:solidFill>
+              <a:schemeClr val="bg1">
+                <a:lumMod val="50000"/>
+              </a:schemeClr>
+            </a:solidFill>
+            <a:prstDash val="sysDash"/>
+          </a:ln>
+        </p:spPr>
+        <p:style>
+          <a:lnRef idx="1">
+            <a:schemeClr val="accent1"/>
+          </a:lnRef>
+          <a:fillRef idx="0">
+            <a:schemeClr val="accent1"/>
+          </a:fillRef>
+          <a:effectRef idx="0">
+            <a:schemeClr val="accent1"/>
+          </a:effectRef>
+          <a:fontRef idx="minor">
+            <a:schemeClr val="tx1"/>
+          </a:fontRef>
+        </p:style>
+      </p:cxnSp>
+      <p:sp>
+        <p:nvSpPr>
+          <p:cNvPr id="3" name="TextBox 2">
+            <a:extLst>
+              <a:ext uri="{FF2B5EF4-FFF2-40B4-BE49-F238E27FC236}">
+                <a16:creationId xmlns:a16="http://schemas.microsoft.com/office/drawing/2014/main" id="{88BB732B-99AF-21B0-EB10-A46AAD81C772}"/>
+              </a:ext>
+            </a:extLst>
+          </p:cNvPr>
+          <p:cNvSpPr txBox="1"/>
+          <p:nvPr/>
+        </p:nvSpPr>
+        <p:spPr>
+          <a:xfrm>
+            <a:off x="3348842" y="5570374"/>
+            <a:ext cx="5617027" cy="738664"/>
+          </a:xfrm>
+          <a:prstGeom prst="rect">
+            <a:avLst/>
+          </a:prstGeom>
+          <a:noFill/>
+        </p:spPr>
+        <p:txBody>
+          <a:bodyPr wrap="square" rtlCol="0">
+            <a:spAutoFit/>
+          </a:bodyPr>
+          <a:lstStyle/>
+          <a:p>
+            <a:pPr algn="ctr"/>
+            <a:r>
+              <a:rPr lang="en-US" sz="2400" dirty="0"/>
+              <a:t>This is randomly retrieving the records. </a:t>
+            </a:r>
+          </a:p>
+          <a:p>
+            <a:pPr algn="ctr"/>
+            <a:r>
+              <a:rPr lang="en-US" dirty="0"/>
+              <a:t>The keys are stored in an array, so there is no other IO</a:t>
+            </a:r>
+          </a:p>
+        </p:txBody>
+      </p:sp>
+      <p:graphicFrame>
+        <p:nvGraphicFramePr>
+          <p:cNvPr id="4" name="Chart 3">
+            <a:extLst>
+              <a:ext uri="{FF2B5EF4-FFF2-40B4-BE49-F238E27FC236}">
+                <a16:creationId xmlns:a16="http://schemas.microsoft.com/office/drawing/2014/main" id="{4BD97189-4C05-7F80-5590-75833079239B}"/>
+              </a:ext>
+            </a:extLst>
+          </p:cNvPr>
+          <p:cNvGraphicFramePr>
+            <a:graphicFrameLocks/>
+          </p:cNvGraphicFramePr>
+          <p:nvPr/>
+        </p:nvGraphicFramePr>
+        <p:xfrm>
+          <a:off x="3182587" y="1516856"/>
+          <a:ext cx="5783282" cy="3922037"/>
+        </p:xfrm>
+        <a:graphic>
+          <a:graphicData uri="http://schemas.openxmlformats.org/drawingml/2006/chart">
+            <c:chart xmlns:c="http://schemas.openxmlformats.org/drawingml/2006/chart" xmlns:r="http://schemas.openxmlformats.org/officeDocument/2006/relationships" r:id="rId2"/>
+          </a:graphicData>
+        </a:graphic>
+      </p:graphicFrame>
+    </p:spTree>
+    <p:extLst>
+      <p:ext uri="{BB962C8B-B14F-4D97-AF65-F5344CB8AC3E}">
+        <p14:creationId xmlns:p14="http://schemas.microsoft.com/office/powerpoint/2010/main" val="2837903251"/>
       </p:ext>
     </p:extLst>
   </p:cSld>
@@ -19199,7 +20800,7 @@
           <a:p>
             <a:r>
               <a:rPr lang="en-US" dirty="0"/>
-              <a:t>Different Disk Types</a:t>
+              <a:t>Instance Types and Disk Types Tested</a:t>
             </a:r>
           </a:p>
         </p:txBody>
@@ -19250,32 +20851,297 @@
       </p:cxnSp>
       <p:graphicFrame>
         <p:nvGraphicFramePr>
-          <p:cNvPr id="6" name="Chart 5">
+          <p:cNvPr id="7" name="Table 7">
             <a:extLst>
               <a:ext uri="{FF2B5EF4-FFF2-40B4-BE49-F238E27FC236}">
-                <a16:creationId xmlns:a16="http://schemas.microsoft.com/office/drawing/2014/main" id="{4BD97189-4C05-7F80-5590-75833079239B}"/>
+                <a16:creationId xmlns:a16="http://schemas.microsoft.com/office/drawing/2014/main" id="{84ACA5BC-BDE2-913E-314A-3878CE2332A3}"/>
               </a:ext>
             </a:extLst>
           </p:cNvPr>
           <p:cNvGraphicFramePr>
-            <a:graphicFrameLocks/>
+            <a:graphicFrameLocks noGrp="1"/>
           </p:cNvGraphicFramePr>
-          <p:nvPr/>
+          <p:nvPr>
+            <p:extLst>
+              <p:ext uri="{D42A27DB-BD31-4B8C-83A1-F6EECF244321}">
+                <p14:modId xmlns:p14="http://schemas.microsoft.com/office/powerpoint/2010/main" val="3259557444"/>
+              </p:ext>
+            </p:extLst>
+          </p:nvPr>
         </p:nvGraphicFramePr>
         <p:xfrm>
-          <a:off x="3559969" y="1516856"/>
-          <a:ext cx="5072062" cy="3824287"/>
+          <a:off x="2493818" y="1752820"/>
+          <a:ext cx="8122722" cy="1497258"/>
         </p:xfrm>
         <a:graphic>
-          <a:graphicData uri="http://schemas.openxmlformats.org/drawingml/2006/chart">
-            <c:chart xmlns:c="http://schemas.openxmlformats.org/drawingml/2006/chart" xmlns:r="http://schemas.openxmlformats.org/officeDocument/2006/relationships" r:id="rId2"/>
+          <a:graphicData uri="http://schemas.openxmlformats.org/drawingml/2006/table">
+            <a:tbl>
+              <a:tblPr firstRow="1">
+                <a:tableStyleId>{7DF18680-E054-41AD-8BC1-D1AEF772440D}</a:tableStyleId>
+              </a:tblPr>
+              <a:tblGrid>
+                <a:gridCol w="1688312">
+                  <a:extLst>
+                    <a:ext uri="{9D8B030D-6E8A-4147-A177-3AD203B41FA5}">
+                      <a16:colId xmlns:a16="http://schemas.microsoft.com/office/drawing/2014/main" val="3637802696"/>
+                    </a:ext>
+                  </a:extLst>
+                </a:gridCol>
+                <a:gridCol w="4308727">
+                  <a:extLst>
+                    <a:ext uri="{9D8B030D-6E8A-4147-A177-3AD203B41FA5}">
+                      <a16:colId xmlns:a16="http://schemas.microsoft.com/office/drawing/2014/main" val="2471651903"/>
+                    </a:ext>
+                  </a:extLst>
+                </a:gridCol>
+                <a:gridCol w="2125683">
+                  <a:extLst>
+                    <a:ext uri="{9D8B030D-6E8A-4147-A177-3AD203B41FA5}">
+                      <a16:colId xmlns:a16="http://schemas.microsoft.com/office/drawing/2014/main" val="2856192351"/>
+                    </a:ext>
+                  </a:extLst>
+                </a:gridCol>
+              </a:tblGrid>
+              <a:tr h="384738">
+                <a:tc>
+                  <a:txBody>
+                    <a:bodyPr/>
+                    <a:lstStyle/>
+                    <a:p>
+                      <a:pPr algn="ctr"/>
+                      <a:r>
+                        <a:rPr lang="en-US" dirty="0">
+                          <a:solidFill>
+                            <a:schemeClr val="tx1"/>
+                          </a:solidFill>
+                        </a:rPr>
+                        <a:t>Designation</a:t>
+                      </a:r>
+                    </a:p>
+                  </a:txBody>
+                  <a:tcPr>
+                    <a:solidFill>
+                      <a:schemeClr val="accent5">
+                        <a:alpha val="40000"/>
+                      </a:schemeClr>
+                    </a:solidFill>
+                  </a:tcPr>
+                </a:tc>
+                <a:tc>
+                  <a:txBody>
+                    <a:bodyPr/>
+                    <a:lstStyle/>
+                    <a:p>
+                      <a:pPr algn="ctr"/>
+                      <a:r>
+                        <a:rPr lang="en-US" dirty="0">
+                          <a:solidFill>
+                            <a:schemeClr val="tx1"/>
+                          </a:solidFill>
+                        </a:rPr>
+                        <a:t>Characteristics</a:t>
+                      </a:r>
+                    </a:p>
+                  </a:txBody>
+                  <a:tcPr>
+                    <a:solidFill>
+                      <a:schemeClr val="accent5">
+                        <a:alpha val="40000"/>
+                      </a:schemeClr>
+                    </a:solidFill>
+                  </a:tcPr>
+                </a:tc>
+                <a:tc>
+                  <a:txBody>
+                    <a:bodyPr/>
+                    <a:lstStyle/>
+                    <a:p>
+                      <a:pPr algn="ctr"/>
+                      <a:r>
+                        <a:rPr lang="en-US" dirty="0">
+                          <a:solidFill>
+                            <a:schemeClr val="tx1"/>
+                          </a:solidFill>
+                        </a:rPr>
+                        <a:t>Cost</a:t>
+                      </a:r>
+                    </a:p>
+                  </a:txBody>
+                  <a:tcPr>
+                    <a:solidFill>
+                      <a:schemeClr val="accent5">
+                        <a:alpha val="40000"/>
+                      </a:schemeClr>
+                    </a:solidFill>
+                  </a:tcPr>
+                </a:tc>
+                <a:extLst>
+                  <a:ext uri="{0D108BD9-81ED-4DB2-BD59-A6C34878D82A}">
+                    <a16:rowId xmlns:a16="http://schemas.microsoft.com/office/drawing/2014/main" val="1086210387"/>
+                  </a:ext>
+                </a:extLst>
+              </a:tr>
+              <a:tr h="370840">
+                <a:tc>
+                  <a:txBody>
+                    <a:bodyPr/>
+                    <a:lstStyle/>
+                    <a:p>
+                      <a:r>
+                        <a:rPr lang="en-US" dirty="0"/>
+                        <a:t>t2 micro</a:t>
+                      </a:r>
+                    </a:p>
+                  </a:txBody>
+                  <a:tcPr/>
+                </a:tc>
+                <a:tc>
+                  <a:txBody>
+                    <a:bodyPr/>
+                    <a:lstStyle/>
+                    <a:p>
+                      <a:r>
+                        <a:rPr lang="en-US" dirty="0"/>
+                        <a:t>1 v Cores,  1 thread,1 GB , 2.5 GHz</a:t>
+                      </a:r>
+                    </a:p>
+                  </a:txBody>
+                  <a:tcPr/>
+                </a:tc>
+                <a:tc>
+                  <a:txBody>
+                    <a:bodyPr/>
+                    <a:lstStyle/>
+                    <a:p>
+                      <a:r>
+                        <a:rPr lang="en-US" dirty="0"/>
+                        <a:t>Free</a:t>
+                      </a:r>
+                    </a:p>
+                  </a:txBody>
+                  <a:tcPr/>
+                </a:tc>
+                <a:extLst>
+                  <a:ext uri="{0D108BD9-81ED-4DB2-BD59-A6C34878D82A}">
+                    <a16:rowId xmlns:a16="http://schemas.microsoft.com/office/drawing/2014/main" val="3424524635"/>
+                  </a:ext>
+                </a:extLst>
+              </a:tr>
+              <a:tr h="370840">
+                <a:tc>
+                  <a:txBody>
+                    <a:bodyPr/>
+                    <a:lstStyle/>
+                    <a:p>
+                      <a:r>
+                        <a:rPr lang="en-US" dirty="0"/>
+                        <a:t>t3 large</a:t>
+                      </a:r>
+                    </a:p>
+                  </a:txBody>
+                  <a:tcPr/>
+                </a:tc>
+                <a:tc>
+                  <a:txBody>
+                    <a:bodyPr/>
+                    <a:lstStyle/>
+                    <a:p>
+                      <a:r>
+                        <a:rPr lang="en-US" dirty="0"/>
+                        <a:t>1 core, 2 threads</a:t>
+                      </a:r>
+                    </a:p>
+                  </a:txBody>
+                  <a:tcPr/>
+                </a:tc>
+                <a:tc>
+                  <a:txBody>
+                    <a:bodyPr/>
+                    <a:lstStyle/>
+                    <a:p>
+                      <a:r>
+                        <a:rPr lang="en-US" dirty="0"/>
+                        <a:t>$0.0832 /</a:t>
+                      </a:r>
+                      <a:r>
+                        <a:rPr lang="en-US" dirty="0" err="1"/>
+                        <a:t>hr</a:t>
+                      </a:r>
+                      <a:endParaRPr lang="en-US" dirty="0"/>
+                    </a:p>
+                  </a:txBody>
+                  <a:tcPr/>
+                </a:tc>
+                <a:extLst>
+                  <a:ext uri="{0D108BD9-81ED-4DB2-BD59-A6C34878D82A}">
+                    <a16:rowId xmlns:a16="http://schemas.microsoft.com/office/drawing/2014/main" val="215558811"/>
+                  </a:ext>
+                </a:extLst>
+              </a:tr>
+              <a:tr h="370840">
+                <a:tc>
+                  <a:txBody>
+                    <a:bodyPr/>
+                    <a:lstStyle/>
+                    <a:p>
+                      <a:r>
+                        <a:rPr lang="en-US" dirty="0"/>
+                        <a:t>d3 </a:t>
+                      </a:r>
+                      <a:r>
+                        <a:rPr lang="en-US" dirty="0" err="1"/>
+                        <a:t>xlarge</a:t>
+                      </a:r>
+                      <a:endParaRPr lang="en-US" dirty="0"/>
+                    </a:p>
+                  </a:txBody>
+                  <a:tcPr/>
+                </a:tc>
+                <a:tc>
+                  <a:txBody>
+                    <a:bodyPr/>
+                    <a:lstStyle/>
+                    <a:p>
+                      <a:r>
+                        <a:rPr lang="en-US" dirty="0"/>
+                        <a:t>2 cores, 4 threads, 32 GB, 2.5 GHz</a:t>
+                      </a:r>
+                    </a:p>
+                  </a:txBody>
+                  <a:tcPr/>
+                </a:tc>
+                <a:tc>
+                  <a:txBody>
+                    <a:bodyPr/>
+                    <a:lstStyle/>
+                    <a:p>
+                      <a:r>
+                        <a:rPr lang="en-US" dirty="0"/>
+                        <a:t>$0.499 / </a:t>
+                      </a:r>
+                      <a:r>
+                        <a:rPr lang="en-US" dirty="0" err="1"/>
+                        <a:t>hr</a:t>
+                      </a:r>
+                      <a:endParaRPr lang="en-US" dirty="0"/>
+                    </a:p>
+                  </a:txBody>
+                  <a:tcPr/>
+                </a:tc>
+                <a:extLst>
+                  <a:ext uri="{0D108BD9-81ED-4DB2-BD59-A6C34878D82A}">
+                    <a16:rowId xmlns:a16="http://schemas.microsoft.com/office/drawing/2014/main" val="3253797614"/>
+                  </a:ext>
+                </a:extLst>
+              </a:tr>
+            </a:tbl>
           </a:graphicData>
         </a:graphic>
       </p:graphicFrame>
     </p:spTree>
     <p:extLst>
       <p:ext uri="{BB962C8B-B14F-4D97-AF65-F5344CB8AC3E}">
-        <p14:creationId xmlns:p14="http://schemas.microsoft.com/office/powerpoint/2010/main" val="2014356018"/>
+        <p14:creationId xmlns:p14="http://schemas.microsoft.com/office/powerpoint/2010/main" val="2852510956"/>
       </p:ext>
     </p:extLst>
   </p:cSld>

--- a/Proj_presentation.pptx
+++ b/Proj_presentation.pptx
@@ -146,12 +146,9 @@
           <a:lstStyle/>
           <a:p>
             <a:pPr>
-              <a:defRPr sz="1400" b="0" i="0" u="none" strike="noStrike" kern="1200" spc="0" baseline="0">
+              <a:defRPr sz="2000" b="1" i="0" u="none" strike="noStrike" kern="1200" spc="0" baseline="0">
                 <a:solidFill>
-                  <a:schemeClr val="tx1">
-                    <a:lumMod val="65000"/>
-                    <a:lumOff val="35000"/>
-                  </a:schemeClr>
+                  <a:schemeClr val="tx1"/>
                 </a:solidFill>
                 <a:latin typeface="+mn-lt"/>
                 <a:ea typeface="+mn-ea"/>
@@ -159,23 +156,43 @@
               </a:defRPr>
             </a:pPr>
             <a:r>
-              <a:rPr lang="en-US"/>
+              <a:rPr lang="en-US" sz="2000" b="1">
+                <a:solidFill>
+                  <a:schemeClr val="tx1"/>
+                </a:solidFill>
+              </a:rPr>
               <a:t>WSL Test Run</a:t>
             </a:r>
           </a:p>
           <a:p>
             <a:pPr>
-              <a:defRPr/>
+              <a:defRPr sz="2000" b="1">
+                <a:solidFill>
+                  <a:schemeClr val="tx1"/>
+                </a:solidFill>
+              </a:defRPr>
             </a:pPr>
             <a:r>
-              <a:rPr lang="en-US"/>
+              <a:rPr lang="en-US" sz="2000" b="1">
+                <a:solidFill>
+                  <a:schemeClr val="tx1"/>
+                </a:solidFill>
+              </a:rPr>
               <a:t>Times</a:t>
             </a:r>
             <a:r>
-              <a:rPr lang="en-US" baseline="0"/>
+              <a:rPr lang="en-US" sz="2000" b="1" baseline="0">
+                <a:solidFill>
+                  <a:schemeClr val="tx1"/>
+                </a:solidFill>
+              </a:rPr>
               <a:t> in seconds</a:t>
             </a:r>
-            <a:endParaRPr lang="en-US"/>
+            <a:endParaRPr lang="en-US" sz="2000" b="1">
+              <a:solidFill>
+                <a:schemeClr val="tx1"/>
+              </a:solidFill>
+            </a:endParaRPr>
           </a:p>
         </c:rich>
       </c:tx>
@@ -192,12 +209,9 @@
         <a:lstStyle/>
         <a:p>
           <a:pPr>
-            <a:defRPr sz="1400" b="0" i="0" u="none" strike="noStrike" kern="1200" spc="0" baseline="0">
+            <a:defRPr sz="2000" b="1" i="0" u="none" strike="noStrike" kern="1200" spc="0" baseline="0">
               <a:solidFill>
-                <a:schemeClr val="tx1">
-                  <a:lumMod val="65000"/>
-                  <a:lumOff val="35000"/>
-                </a:schemeClr>
+                <a:schemeClr val="tx1"/>
               </a:solidFill>
               <a:latin typeface="+mn-lt"/>
               <a:ea typeface="+mn-ea"/>
@@ -751,12 +765,9 @@
           <a:lstStyle/>
           <a:p>
             <a:pPr>
-              <a:defRPr sz="1050" b="0" i="0" u="none" strike="noStrike" kern="1200" baseline="0">
+              <a:defRPr sz="1400" b="0" i="0" u="none" strike="noStrike" kern="1200" baseline="0">
                 <a:solidFill>
-                  <a:schemeClr val="tx1">
-                    <a:lumMod val="65000"/>
-                    <a:lumOff val="35000"/>
-                  </a:schemeClr>
+                  <a:schemeClr val="tx1"/>
                 </a:solidFill>
                 <a:latin typeface="+mn-lt"/>
                 <a:ea typeface="+mn-ea"/>
@@ -810,12 +821,9 @@
           <a:lstStyle/>
           <a:p>
             <a:pPr>
-              <a:defRPr sz="900" b="0" i="0" u="none" strike="noStrike" kern="1200" baseline="0">
+              <a:defRPr sz="1400" b="0" i="0" u="none" strike="noStrike" kern="1200" baseline="0">
                 <a:solidFill>
-                  <a:schemeClr val="tx1">
-                    <a:lumMod val="65000"/>
-                    <a:lumOff val="35000"/>
-                  </a:schemeClr>
+                  <a:schemeClr val="tx1"/>
                 </a:solidFill>
                 <a:latin typeface="+mn-lt"/>
                 <a:ea typeface="+mn-ea"/>
@@ -846,12 +854,9 @@
           <a:lstStyle/>
           <a:p>
             <a:pPr>
-              <a:defRPr sz="1100" b="0" i="0" u="none" strike="noStrike" kern="1200" baseline="0">
+              <a:defRPr sz="1400" b="0" i="0" u="none" strike="noStrike" kern="1200" baseline="0">
                 <a:solidFill>
-                  <a:schemeClr val="tx1">
-                    <a:lumMod val="65000"/>
-                    <a:lumOff val="35000"/>
-                  </a:schemeClr>
+                  <a:schemeClr val="tx1"/>
                 </a:solidFill>
                 <a:latin typeface="+mn-lt"/>
                 <a:ea typeface="+mn-ea"/>
@@ -869,12 +874,9 @@
           <a:lstStyle/>
           <a:p>
             <a:pPr>
-              <a:defRPr sz="1100" b="0" i="0" u="none" strike="noStrike" kern="1200" baseline="0">
+              <a:defRPr sz="1400" b="0" i="0" u="none" strike="noStrike" kern="1200" baseline="0">
                 <a:solidFill>
-                  <a:schemeClr val="tx1">
-                    <a:lumMod val="65000"/>
-                    <a:lumOff val="35000"/>
-                  </a:schemeClr>
+                  <a:schemeClr val="tx1"/>
                 </a:solidFill>
                 <a:latin typeface="+mn-lt"/>
                 <a:ea typeface="+mn-ea"/>
@@ -892,12 +894,9 @@
           <a:lstStyle/>
           <a:p>
             <a:pPr>
-              <a:defRPr sz="1100" b="0" i="0" u="none" strike="noStrike" kern="1200" baseline="0">
+              <a:defRPr sz="1400" b="0" i="0" u="none" strike="noStrike" kern="1200" baseline="0">
                 <a:solidFill>
-                  <a:schemeClr val="tx1">
-                    <a:lumMod val="65000"/>
-                    <a:lumOff val="35000"/>
-                  </a:schemeClr>
+                  <a:schemeClr val="tx1"/>
                 </a:solidFill>
                 <a:latin typeface="+mn-lt"/>
                 <a:ea typeface="+mn-ea"/>
@@ -915,12 +914,9 @@
           <a:lstStyle/>
           <a:p>
             <a:pPr>
-              <a:defRPr sz="1100" b="0" i="0" u="none" strike="noStrike" kern="1200" baseline="0">
+              <a:defRPr sz="1400" b="0" i="0" u="none" strike="noStrike" kern="1200" baseline="0">
                 <a:solidFill>
-                  <a:schemeClr val="tx1">
-                    <a:lumMod val="65000"/>
-                    <a:lumOff val="35000"/>
-                  </a:schemeClr>
+                  <a:schemeClr val="tx1"/>
                 </a:solidFill>
                 <a:latin typeface="+mn-lt"/>
                 <a:ea typeface="+mn-ea"/>
@@ -938,12 +934,9 @@
           <a:lstStyle/>
           <a:p>
             <a:pPr>
-              <a:defRPr sz="1100" b="0" i="0" u="none" strike="noStrike" kern="1200" baseline="0">
+              <a:defRPr sz="1400" b="0" i="0" u="none" strike="noStrike" kern="1200" baseline="0">
                 <a:solidFill>
-                  <a:schemeClr val="tx1">
-                    <a:lumMod val="65000"/>
-                    <a:lumOff val="35000"/>
-                  </a:schemeClr>
+                  <a:schemeClr val="tx1"/>
                 </a:solidFill>
                 <a:latin typeface="+mn-lt"/>
                 <a:ea typeface="+mn-ea"/>
@@ -967,12 +960,9 @@
         <a:lstStyle/>
         <a:p>
           <a:pPr>
-            <a:defRPr sz="900" b="0" i="0" u="none" strike="noStrike" kern="1200" baseline="0">
+            <a:defRPr sz="1400" b="0" i="0" u="none" strike="noStrike" kern="1200" baseline="0">
               <a:solidFill>
-                <a:schemeClr val="tx1">
-                  <a:lumMod val="65000"/>
-                  <a:lumOff val="35000"/>
-                </a:schemeClr>
+                <a:schemeClr val="tx1"/>
               </a:solidFill>
               <a:latin typeface="+mn-lt"/>
               <a:ea typeface="+mn-ea"/>
@@ -1038,12 +1028,9 @@
           <a:lstStyle/>
           <a:p>
             <a:pPr>
-              <a:defRPr sz="1400" b="0" i="0" u="none" strike="noStrike" kern="1200" spc="0" baseline="0">
+              <a:defRPr sz="2000" b="1" i="0" u="none" strike="noStrike" kern="1200" spc="0" baseline="0">
                 <a:solidFill>
-                  <a:schemeClr val="tx1">
-                    <a:lumMod val="65000"/>
-                    <a:lumOff val="35000"/>
-                  </a:schemeClr>
+                  <a:schemeClr val="tx1"/>
                 </a:solidFill>
                 <a:latin typeface="+mn-lt"/>
                 <a:ea typeface="+mn-ea"/>
@@ -1051,23 +1038,43 @@
               </a:defRPr>
             </a:pPr>
             <a:r>
-              <a:rPr lang="en-US"/>
+              <a:rPr lang="en-US" sz="2000" b="1">
+                <a:solidFill>
+                  <a:schemeClr val="tx1"/>
+                </a:solidFill>
+              </a:rPr>
               <a:t>T2</a:t>
             </a:r>
             <a:r>
-              <a:rPr lang="en-US" baseline="0"/>
+              <a:rPr lang="en-US" sz="2000" b="1" baseline="0">
+                <a:solidFill>
+                  <a:schemeClr val="tx1"/>
+                </a:solidFill>
+              </a:rPr>
               <a:t> Micro</a:t>
             </a:r>
           </a:p>
           <a:p>
             <a:pPr>
-              <a:defRPr/>
+              <a:defRPr sz="2000" b="1">
+                <a:solidFill>
+                  <a:schemeClr val="tx1"/>
+                </a:solidFill>
+              </a:defRPr>
             </a:pPr>
             <a:r>
-              <a:rPr lang="en-US" baseline="0"/>
+              <a:rPr lang="en-US" sz="2000" b="1" baseline="0">
+                <a:solidFill>
+                  <a:schemeClr val="tx1"/>
+                </a:solidFill>
+              </a:rPr>
               <a:t>Times in Seconds</a:t>
             </a:r>
-            <a:endParaRPr lang="en-US"/>
+            <a:endParaRPr lang="en-US" sz="2000" b="1">
+              <a:solidFill>
+                <a:schemeClr val="tx1"/>
+              </a:solidFill>
+            </a:endParaRPr>
           </a:p>
         </c:rich>
       </c:tx>
@@ -1084,12 +1091,9 @@
         <a:lstStyle/>
         <a:p>
           <a:pPr>
-            <a:defRPr sz="1400" b="0" i="0" u="none" strike="noStrike" kern="1200" spc="0" baseline="0">
+            <a:defRPr sz="2000" b="1" i="0" u="none" strike="noStrike" kern="1200" spc="0" baseline="0">
               <a:solidFill>
-                <a:schemeClr val="tx1">
-                  <a:lumMod val="65000"/>
-                  <a:lumOff val="35000"/>
-                </a:schemeClr>
+                <a:schemeClr val="tx1"/>
               </a:solidFill>
               <a:latin typeface="+mn-lt"/>
               <a:ea typeface="+mn-ea"/>
@@ -1643,12 +1647,9 @@
           <a:lstStyle/>
           <a:p>
             <a:pPr>
-              <a:defRPr sz="1050" b="0" i="0" u="none" strike="noStrike" kern="1200" baseline="0">
+              <a:defRPr sz="1400" b="0" i="0" u="none" strike="noStrike" kern="1200" baseline="0">
                 <a:solidFill>
-                  <a:schemeClr val="tx1">
-                    <a:lumMod val="65000"/>
-                    <a:lumOff val="35000"/>
-                  </a:schemeClr>
+                  <a:schemeClr val="tx1"/>
                 </a:solidFill>
                 <a:latin typeface="+mn-lt"/>
                 <a:ea typeface="+mn-ea"/>
@@ -1702,12 +1703,9 @@
           <a:lstStyle/>
           <a:p>
             <a:pPr>
-              <a:defRPr sz="900" b="0" i="0" u="none" strike="noStrike" kern="1200" baseline="0">
+              <a:defRPr sz="1400" b="0" i="0" u="none" strike="noStrike" kern="1200" baseline="0">
                 <a:solidFill>
-                  <a:schemeClr val="tx1">
-                    <a:lumMod val="65000"/>
-                    <a:lumOff val="35000"/>
-                  </a:schemeClr>
+                  <a:schemeClr val="tx1"/>
                 </a:solidFill>
                 <a:latin typeface="+mn-lt"/>
                 <a:ea typeface="+mn-ea"/>
@@ -1738,12 +1736,9 @@
           <a:lstStyle/>
           <a:p>
             <a:pPr>
-              <a:defRPr sz="1100" b="0" i="0" u="none" strike="noStrike" kern="1200" baseline="0">
+              <a:defRPr sz="1400" b="0" i="0" u="none" strike="noStrike" kern="1200" baseline="0">
                 <a:solidFill>
-                  <a:schemeClr val="tx1">
-                    <a:lumMod val="65000"/>
-                    <a:lumOff val="35000"/>
-                  </a:schemeClr>
+                  <a:schemeClr val="tx1"/>
                 </a:solidFill>
                 <a:latin typeface="+mn-lt"/>
                 <a:ea typeface="+mn-ea"/>
@@ -1761,12 +1756,9 @@
           <a:lstStyle/>
           <a:p>
             <a:pPr>
-              <a:defRPr sz="1100" b="0" i="0" u="none" strike="noStrike" kern="1200" baseline="0">
+              <a:defRPr sz="1400" b="0" i="0" u="none" strike="noStrike" kern="1200" baseline="0">
                 <a:solidFill>
-                  <a:schemeClr val="tx1">
-                    <a:lumMod val="65000"/>
-                    <a:lumOff val="35000"/>
-                  </a:schemeClr>
+                  <a:schemeClr val="tx1"/>
                 </a:solidFill>
                 <a:latin typeface="+mn-lt"/>
                 <a:ea typeface="+mn-ea"/>
@@ -1784,12 +1776,9 @@
           <a:lstStyle/>
           <a:p>
             <a:pPr>
-              <a:defRPr sz="1100" b="0" i="0" u="none" strike="noStrike" kern="1200" baseline="0">
+              <a:defRPr sz="1400" b="0" i="0" u="none" strike="noStrike" kern="1200" baseline="0">
                 <a:solidFill>
-                  <a:schemeClr val="tx1">
-                    <a:lumMod val="65000"/>
-                    <a:lumOff val="35000"/>
-                  </a:schemeClr>
+                  <a:schemeClr val="tx1"/>
                 </a:solidFill>
                 <a:latin typeface="+mn-lt"/>
                 <a:ea typeface="+mn-ea"/>
@@ -1807,12 +1796,9 @@
           <a:lstStyle/>
           <a:p>
             <a:pPr>
-              <a:defRPr sz="1100" b="0" i="0" u="none" strike="noStrike" kern="1200" baseline="0">
+              <a:defRPr sz="1400" b="0" i="0" u="none" strike="noStrike" kern="1200" baseline="0">
                 <a:solidFill>
-                  <a:schemeClr val="tx1">
-                    <a:lumMod val="65000"/>
-                    <a:lumOff val="35000"/>
-                  </a:schemeClr>
+                  <a:schemeClr val="tx1"/>
                 </a:solidFill>
                 <a:latin typeface="+mn-lt"/>
                 <a:ea typeface="+mn-ea"/>
@@ -1830,12 +1816,9 @@
           <a:lstStyle/>
           <a:p>
             <a:pPr>
-              <a:defRPr sz="1100" b="0" i="0" u="none" strike="noStrike" kern="1200" baseline="0">
+              <a:defRPr sz="1400" b="0" i="0" u="none" strike="noStrike" kern="1200" baseline="0">
                 <a:solidFill>
-                  <a:schemeClr val="tx1">
-                    <a:lumMod val="65000"/>
-                    <a:lumOff val="35000"/>
-                  </a:schemeClr>
+                  <a:schemeClr val="tx1"/>
                 </a:solidFill>
                 <a:latin typeface="+mn-lt"/>
                 <a:ea typeface="+mn-ea"/>
@@ -1859,12 +1842,9 @@
         <a:lstStyle/>
         <a:p>
           <a:pPr>
-            <a:defRPr sz="900" b="0" i="0" u="none" strike="noStrike" kern="1200" baseline="0">
+            <a:defRPr sz="1400" b="0" i="0" u="none" strike="noStrike" kern="1200" baseline="0">
               <a:solidFill>
-                <a:schemeClr val="tx1">
-                  <a:lumMod val="65000"/>
-                  <a:lumOff val="35000"/>
-                </a:schemeClr>
+                <a:schemeClr val="tx1"/>
               </a:solidFill>
               <a:latin typeface="+mn-lt"/>
               <a:ea typeface="+mn-ea"/>
@@ -1930,27 +1910,28 @@
           <a:lstStyle/>
           <a:p>
             <a:pPr>
-              <a:defRPr sz="1400" b="0" i="0" u="none" strike="noStrike" kern="1200" spc="0" baseline="0">
+              <a:defRPr sz="2400" b="1" i="0" u="none" strike="noStrike" kern="1200" spc="100" baseline="0">
                 <a:solidFill>
-                  <a:schemeClr val="tx1">
-                    <a:lumMod val="65000"/>
-                    <a:lumOff val="35000"/>
+                  <a:schemeClr val="lt1">
+                    <a:lumMod val="95000"/>
                   </a:schemeClr>
                 </a:solidFill>
+                <a:effectLst>
+                  <a:outerShdw blurRad="50800" dist="38100" dir="5400000" algn="t" rotWithShape="0">
+                    <a:prstClr val="black">
+                      <a:alpha val="40000"/>
+                    </a:prstClr>
+                  </a:outerShdw>
+                </a:effectLst>
                 <a:latin typeface="+mn-lt"/>
                 <a:ea typeface="+mn-ea"/>
                 <a:cs typeface="+mn-cs"/>
               </a:defRPr>
             </a:pPr>
             <a:r>
-              <a:rPr lang="en-US"/>
-              <a:t>Processing</a:t>
+              <a:rPr lang="en-US" sz="2400"/>
+              <a:t>Processing Time To Build Dictionary</a:t>
             </a:r>
-            <a:r>
-              <a:rPr lang="en-US" baseline="0"/>
-              <a:t> Time To Build Dictionary</a:t>
-            </a:r>
-            <a:endParaRPr lang="en-US"/>
           </a:p>
         </c:rich>
       </c:tx>
@@ -1967,13 +1948,19 @@
         <a:lstStyle/>
         <a:p>
           <a:pPr>
-            <a:defRPr sz="1400" b="0" i="0" u="none" strike="noStrike" kern="1200" spc="0" baseline="0">
+            <a:defRPr sz="2400" b="1" i="0" u="none" strike="noStrike" kern="1200" spc="100" baseline="0">
               <a:solidFill>
-                <a:schemeClr val="tx1">
-                  <a:lumMod val="65000"/>
-                  <a:lumOff val="35000"/>
+                <a:schemeClr val="lt1">
+                  <a:lumMod val="95000"/>
                 </a:schemeClr>
               </a:solidFill>
+              <a:effectLst>
+                <a:outerShdw blurRad="50800" dist="38100" dir="5400000" algn="t" rotWithShape="0">
+                  <a:prstClr val="black">
+                    <a:alpha val="40000"/>
+                  </a:prstClr>
+                </a:outerShdw>
+              </a:effectLst>
               <a:latin typeface="+mn-lt"/>
               <a:ea typeface="+mn-ea"/>
               <a:cs typeface="+mn-cs"/>
@@ -2005,13 +1992,42 @@
             </c:strRef>
           </c:tx>
           <c:spPr>
-            <a:solidFill>
-              <a:schemeClr val="accent1"/>
-            </a:solidFill>
+            <a:gradFill rotWithShape="1">
+              <a:gsLst>
+                <a:gs pos="0">
+                  <a:schemeClr val="accent1">
+                    <a:satMod val="103000"/>
+                    <a:lumMod val="102000"/>
+                    <a:tint val="94000"/>
+                  </a:schemeClr>
+                </a:gs>
+                <a:gs pos="50000">
+                  <a:schemeClr val="accent1">
+                    <a:satMod val="110000"/>
+                    <a:lumMod val="100000"/>
+                    <a:shade val="100000"/>
+                  </a:schemeClr>
+                </a:gs>
+                <a:gs pos="100000">
+                  <a:schemeClr val="accent1">
+                    <a:lumMod val="99000"/>
+                    <a:satMod val="120000"/>
+                    <a:shade val="78000"/>
+                  </a:schemeClr>
+                </a:gs>
+              </a:gsLst>
+              <a:lin ang="5400000" scaled="0"/>
+            </a:gradFill>
             <a:ln>
               <a:noFill/>
             </a:ln>
-            <a:effectLst/>
+            <a:effectLst>
+              <a:outerShdw blurRad="57150" dist="19050" dir="5400000" algn="ctr" rotWithShape="0">
+                <a:srgbClr val="000000">
+                  <a:alpha val="63000"/>
+                </a:srgbClr>
+              </a:outerShdw>
+            </a:effectLst>
           </c:spPr>
           <c:invertIfNegative val="0"/>
           <c:cat>
@@ -2071,13 +2087,42 @@
             </c:strRef>
           </c:tx>
           <c:spPr>
-            <a:solidFill>
-              <a:schemeClr val="accent2"/>
-            </a:solidFill>
+            <a:gradFill rotWithShape="1">
+              <a:gsLst>
+                <a:gs pos="0">
+                  <a:schemeClr val="accent2">
+                    <a:satMod val="103000"/>
+                    <a:lumMod val="102000"/>
+                    <a:tint val="94000"/>
+                  </a:schemeClr>
+                </a:gs>
+                <a:gs pos="50000">
+                  <a:schemeClr val="accent2">
+                    <a:satMod val="110000"/>
+                    <a:lumMod val="100000"/>
+                    <a:shade val="100000"/>
+                  </a:schemeClr>
+                </a:gs>
+                <a:gs pos="100000">
+                  <a:schemeClr val="accent2">
+                    <a:lumMod val="99000"/>
+                    <a:satMod val="120000"/>
+                    <a:shade val="78000"/>
+                  </a:schemeClr>
+                </a:gs>
+              </a:gsLst>
+              <a:lin ang="5400000" scaled="0"/>
+            </a:gradFill>
             <a:ln>
               <a:noFill/>
             </a:ln>
-            <a:effectLst/>
+            <a:effectLst>
+              <a:outerShdw blurRad="57150" dist="19050" dir="5400000" algn="ctr" rotWithShape="0">
+                <a:srgbClr val="000000">
+                  <a:alpha val="63000"/>
+                </a:srgbClr>
+              </a:outerShdw>
+            </a:effectLst>
           </c:spPr>
           <c:invertIfNegative val="0"/>
           <c:cat>
@@ -2137,13 +2182,42 @@
             </c:strRef>
           </c:tx>
           <c:spPr>
-            <a:solidFill>
-              <a:schemeClr val="accent3"/>
-            </a:solidFill>
+            <a:gradFill rotWithShape="1">
+              <a:gsLst>
+                <a:gs pos="0">
+                  <a:schemeClr val="accent3">
+                    <a:satMod val="103000"/>
+                    <a:lumMod val="102000"/>
+                    <a:tint val="94000"/>
+                  </a:schemeClr>
+                </a:gs>
+                <a:gs pos="50000">
+                  <a:schemeClr val="accent3">
+                    <a:satMod val="110000"/>
+                    <a:lumMod val="100000"/>
+                    <a:shade val="100000"/>
+                  </a:schemeClr>
+                </a:gs>
+                <a:gs pos="100000">
+                  <a:schemeClr val="accent3">
+                    <a:lumMod val="99000"/>
+                    <a:satMod val="120000"/>
+                    <a:shade val="78000"/>
+                  </a:schemeClr>
+                </a:gs>
+              </a:gsLst>
+              <a:lin ang="5400000" scaled="0"/>
+            </a:gradFill>
             <a:ln>
               <a:noFill/>
             </a:ln>
-            <a:effectLst/>
+            <a:effectLst>
+              <a:outerShdw blurRad="57150" dist="19050" dir="5400000" algn="ctr" rotWithShape="0">
+                <a:srgbClr val="000000">
+                  <a:alpha val="63000"/>
+                </a:srgbClr>
+              </a:outerShdw>
+            </a:effectLst>
           </c:spPr>
           <c:invertIfNegative val="0"/>
           <c:cat>
@@ -2196,7 +2270,8 @@
           <c:showPercent val="0"/>
           <c:showBubbleSize val="0"/>
         </c:dLbls>
-        <c:gapWidth val="219"/>
+        <c:gapWidth val="100"/>
+        <c:overlap val="-24"/>
         <c:axId val="679547096"/>
         <c:axId val="679547456"/>
       </c:barChart>
@@ -2213,11 +2288,11 @@
         <c:tickLblPos val="nextTo"/>
         <c:spPr>
           <a:noFill/>
-          <a:ln w="9525" cap="flat" cmpd="sng" algn="ctr">
+          <a:ln w="12700" cap="flat" cmpd="sng" algn="ctr">
             <a:solidFill>
-              <a:schemeClr val="tx1">
-                <a:lumMod val="15000"/>
-                <a:lumOff val="85000"/>
+              <a:schemeClr val="lt1">
+                <a:lumMod val="95000"/>
+                <a:alpha val="54000"/>
               </a:schemeClr>
             </a:solidFill>
             <a:round/>
@@ -2229,11 +2304,10 @@
           <a:lstStyle/>
           <a:p>
             <a:pPr>
-              <a:defRPr sz="1100" b="0" i="0" u="none" strike="noStrike" kern="1200" baseline="0">
+              <a:defRPr sz="1400" b="0" i="0" u="none" strike="noStrike" kern="1200" baseline="0">
                 <a:solidFill>
-                  <a:schemeClr val="tx1">
-                    <a:lumMod val="65000"/>
-                    <a:lumOff val="35000"/>
+                  <a:schemeClr val="lt1">
+                    <a:lumMod val="85000"/>
                   </a:schemeClr>
                 </a:solidFill>
                 <a:latin typeface="+mn-lt"/>
@@ -2262,9 +2336,9 @@
           <c:spPr>
             <a:ln w="9525" cap="flat" cmpd="sng" algn="ctr">
               <a:solidFill>
-                <a:schemeClr val="tx1">
-                  <a:lumMod val="15000"/>
-                  <a:lumOff val="85000"/>
+                <a:schemeClr val="lt1">
+                  <a:lumMod val="95000"/>
+                  <a:alpha val="10000"/>
                 </a:schemeClr>
               </a:solidFill>
               <a:round/>
@@ -2288,11 +2362,10 @@
           <a:lstStyle/>
           <a:p>
             <a:pPr>
-              <a:defRPr sz="900" b="0" i="0" u="none" strike="noStrike" kern="1200" baseline="0">
+              <a:defRPr sz="1400" b="0" i="0" u="none" strike="noStrike" kern="1200" baseline="0">
                 <a:solidFill>
-                  <a:schemeClr val="tx1">
-                    <a:lumMod val="65000"/>
-                    <a:lumOff val="35000"/>
+                  <a:schemeClr val="lt1">
+                    <a:lumMod val="85000"/>
                   </a:schemeClr>
                 </a:solidFill>
                 <a:latin typeface="+mn-lt"/>
@@ -2324,11 +2397,10 @@
           <a:lstStyle/>
           <a:p>
             <a:pPr>
-              <a:defRPr sz="1100" b="0" i="0" u="none" strike="noStrike" kern="1200" baseline="0">
+              <a:defRPr sz="1400" b="0" i="0" u="none" strike="noStrike" kern="1200" baseline="0">
                 <a:solidFill>
-                  <a:schemeClr val="tx1">
-                    <a:lumMod val="65000"/>
-                    <a:lumOff val="35000"/>
+                  <a:schemeClr val="lt1">
+                    <a:lumMod val="85000"/>
                   </a:schemeClr>
                 </a:solidFill>
                 <a:latin typeface="+mn-lt"/>
@@ -2347,11 +2419,10 @@
           <a:lstStyle/>
           <a:p>
             <a:pPr>
-              <a:defRPr sz="1100" b="0" i="0" u="none" strike="noStrike" kern="1200" baseline="0">
+              <a:defRPr sz="1400" b="0" i="0" u="none" strike="noStrike" kern="1200" baseline="0">
                 <a:solidFill>
-                  <a:schemeClr val="tx1">
-                    <a:lumMod val="65000"/>
-                    <a:lumOff val="35000"/>
+                  <a:schemeClr val="lt1">
+                    <a:lumMod val="85000"/>
                   </a:schemeClr>
                 </a:solidFill>
                 <a:latin typeface="+mn-lt"/>
@@ -2370,11 +2441,10 @@
           <a:lstStyle/>
           <a:p>
             <a:pPr>
-              <a:defRPr sz="1100" b="0" i="0" u="none" strike="noStrike" kern="1200" baseline="0">
+              <a:defRPr sz="1400" b="0" i="0" u="none" strike="noStrike" kern="1200" baseline="0">
                 <a:solidFill>
-                  <a:schemeClr val="tx1">
-                    <a:lumMod val="65000"/>
-                    <a:lumOff val="35000"/>
+                  <a:schemeClr val="lt1">
+                    <a:lumMod val="85000"/>
                   </a:schemeClr>
                 </a:solidFill>
                 <a:latin typeface="+mn-lt"/>
@@ -2399,11 +2469,10 @@
         <a:lstStyle/>
         <a:p>
           <a:pPr>
-            <a:defRPr sz="900" b="0" i="0" u="none" strike="noStrike" kern="1200" baseline="0">
+            <a:defRPr sz="1400" b="0" i="0" u="none" strike="noStrike" kern="1200" baseline="0">
               <a:solidFill>
-                <a:schemeClr val="tx1">
-                  <a:lumMod val="65000"/>
-                  <a:lumOff val="35000"/>
+                <a:schemeClr val="lt1">
+                  <a:lumMod val="85000"/>
                 </a:schemeClr>
               </a:solidFill>
               <a:latin typeface="+mn-lt"/>
@@ -2427,7 +2496,26 @@
     <c:showDLblsOverMax val="0"/>
   </c:chart>
   <c:spPr>
-    <a:noFill/>
+    <a:gradFill flip="none" rotWithShape="1">
+      <a:gsLst>
+        <a:gs pos="0">
+          <a:schemeClr val="dk1">
+            <a:lumMod val="65000"/>
+            <a:lumOff val="35000"/>
+          </a:schemeClr>
+        </a:gs>
+        <a:gs pos="100000">
+          <a:schemeClr val="dk1">
+            <a:lumMod val="85000"/>
+            <a:lumOff val="15000"/>
+          </a:schemeClr>
+        </a:gs>
+      </a:gsLst>
+      <a:path path="circle">
+        <a:fillToRect l="50000" t="50000" r="50000" b="50000"/>
+      </a:path>
+      <a:tileRect/>
+    </a:gradFill>
     <a:ln>
       <a:noFill/>
     </a:ln>
@@ -2470,27 +2558,28 @@
           <a:lstStyle/>
           <a:p>
             <a:pPr>
-              <a:defRPr sz="1400" b="1" i="0" u="none" strike="noStrike" kern="1200" spc="0" baseline="0">
+              <a:defRPr sz="2400" b="1" i="0" u="none" strike="noStrike" kern="1200" spc="100" baseline="0">
                 <a:solidFill>
-                  <a:schemeClr val="tx1">
-                    <a:lumMod val="65000"/>
-                    <a:lumOff val="35000"/>
+                  <a:schemeClr val="lt1">
+                    <a:lumMod val="95000"/>
                   </a:schemeClr>
                 </a:solidFill>
+                <a:effectLst>
+                  <a:outerShdw blurRad="50800" dist="38100" dir="5400000" algn="t" rotWithShape="0">
+                    <a:prstClr val="black">
+                      <a:alpha val="40000"/>
+                    </a:prstClr>
+                  </a:outerShdw>
+                </a:effectLst>
                 <a:latin typeface="+mn-lt"/>
                 <a:ea typeface="+mn-ea"/>
                 <a:cs typeface="+mn-cs"/>
               </a:defRPr>
             </a:pPr>
             <a:r>
-              <a:rPr lang="en-US" b="1"/>
-              <a:t>Random</a:t>
+              <a:rPr lang="en-US" sz="2400"/>
+              <a:t>Random Access IO</a:t>
             </a:r>
-            <a:r>
-              <a:rPr lang="en-US" b="1" baseline="0"/>
-              <a:t> Access IO</a:t>
-            </a:r>
-            <a:endParaRPr lang="en-US" b="1"/>
           </a:p>
         </c:rich>
       </c:tx>
@@ -2507,13 +2596,19 @@
         <a:lstStyle/>
         <a:p>
           <a:pPr>
-            <a:defRPr sz="1400" b="1" i="0" u="none" strike="noStrike" kern="1200" spc="0" baseline="0">
+            <a:defRPr sz="2400" b="1" i="0" u="none" strike="noStrike" kern="1200" spc="100" baseline="0">
               <a:solidFill>
-                <a:schemeClr val="tx1">
-                  <a:lumMod val="65000"/>
-                  <a:lumOff val="35000"/>
+                <a:schemeClr val="lt1">
+                  <a:lumMod val="95000"/>
                 </a:schemeClr>
               </a:solidFill>
+              <a:effectLst>
+                <a:outerShdw blurRad="50800" dist="38100" dir="5400000" algn="t" rotWithShape="0">
+                  <a:prstClr val="black">
+                    <a:alpha val="40000"/>
+                  </a:prstClr>
+                </a:outerShdw>
+              </a:effectLst>
               <a:latin typeface="+mn-lt"/>
               <a:ea typeface="+mn-ea"/>
               <a:cs typeface="+mn-cs"/>
@@ -2555,33 +2650,42 @@
             </c:strRef>
           </c:tx>
           <c:spPr>
-            <a:gradFill flip="none" rotWithShape="1">
+            <a:gradFill rotWithShape="1">
               <a:gsLst>
                 <a:gs pos="0">
                   <a:schemeClr val="accent1">
-                    <a:lumMod val="67000"/>
+                    <a:satMod val="103000"/>
+                    <a:lumMod val="102000"/>
+                    <a:tint val="94000"/>
                   </a:schemeClr>
                 </a:gs>
-                <a:gs pos="48000">
+                <a:gs pos="50000">
                   <a:schemeClr val="accent1">
-                    <a:lumMod val="97000"/>
-                    <a:lumOff val="3000"/>
+                    <a:satMod val="110000"/>
+                    <a:lumMod val="100000"/>
+                    <a:shade val="100000"/>
                   </a:schemeClr>
                 </a:gs>
                 <a:gs pos="100000">
                   <a:schemeClr val="accent1">
-                    <a:lumMod val="60000"/>
-                    <a:lumOff val="40000"/>
+                    <a:lumMod val="99000"/>
+                    <a:satMod val="120000"/>
+                    <a:shade val="78000"/>
                   </a:schemeClr>
                 </a:gs>
               </a:gsLst>
-              <a:lin ang="16200000" scaled="1"/>
-              <a:tileRect/>
+              <a:lin ang="5400000" scaled="0"/>
             </a:gradFill>
             <a:ln>
               <a:noFill/>
             </a:ln>
-            <a:effectLst/>
+            <a:effectLst>
+              <a:outerShdw blurRad="57150" dist="19050" dir="5400000" algn="ctr" rotWithShape="0">
+                <a:srgbClr val="000000">
+                  <a:alpha val="63000"/>
+                </a:srgbClr>
+              </a:outerShdw>
+            </a:effectLst>
           </c:spPr>
           <c:invertIfNegative val="0"/>
           <c:cat>
@@ -2641,35 +2745,42 @@
             </c:strRef>
           </c:tx>
           <c:spPr>
-            <a:gradFill flip="none" rotWithShape="1">
+            <a:gradFill rotWithShape="1">
               <a:gsLst>
                 <a:gs pos="0">
-                  <a:schemeClr val="accent6">
-                    <a:lumMod val="0"/>
-                    <a:lumOff val="100000"/>
+                  <a:schemeClr val="accent2">
+                    <a:satMod val="103000"/>
+                    <a:lumMod val="102000"/>
+                    <a:tint val="94000"/>
                   </a:schemeClr>
                 </a:gs>
-                <a:gs pos="35000">
-                  <a:schemeClr val="accent6">
-                    <a:lumMod val="0"/>
-                    <a:lumOff val="100000"/>
+                <a:gs pos="50000">
+                  <a:schemeClr val="accent2">
+                    <a:satMod val="110000"/>
+                    <a:lumMod val="100000"/>
+                    <a:shade val="100000"/>
                   </a:schemeClr>
                 </a:gs>
                 <a:gs pos="100000">
-                  <a:schemeClr val="accent6">
-                    <a:lumMod val="100000"/>
+                  <a:schemeClr val="accent2">
+                    <a:lumMod val="99000"/>
+                    <a:satMod val="120000"/>
+                    <a:shade val="78000"/>
                   </a:schemeClr>
                 </a:gs>
               </a:gsLst>
-              <a:path path="circle">
-                <a:fillToRect l="50000" t="-80000" r="50000" b="180000"/>
-              </a:path>
-              <a:tileRect/>
+              <a:lin ang="5400000" scaled="0"/>
             </a:gradFill>
             <a:ln>
               <a:noFill/>
             </a:ln>
-            <a:effectLst/>
+            <a:effectLst>
+              <a:outerShdw blurRad="57150" dist="19050" dir="5400000" algn="ctr" rotWithShape="0">
+                <a:srgbClr val="000000">
+                  <a:alpha val="63000"/>
+                </a:srgbClr>
+              </a:outerShdw>
+            </a:effectLst>
           </c:spPr>
           <c:invertIfNegative val="0"/>
           <c:cat>
@@ -2729,33 +2840,42 @@
             </c:strRef>
           </c:tx>
           <c:spPr>
-            <a:gradFill flip="none" rotWithShape="1">
+            <a:gradFill rotWithShape="1">
               <a:gsLst>
                 <a:gs pos="0">
-                  <a:schemeClr val="accent2">
-                    <a:lumMod val="67000"/>
+                  <a:schemeClr val="accent3">
+                    <a:satMod val="103000"/>
+                    <a:lumMod val="102000"/>
+                    <a:tint val="94000"/>
                   </a:schemeClr>
                 </a:gs>
-                <a:gs pos="48000">
-                  <a:schemeClr val="accent2">
-                    <a:lumMod val="97000"/>
-                    <a:lumOff val="3000"/>
+                <a:gs pos="50000">
+                  <a:schemeClr val="accent3">
+                    <a:satMod val="110000"/>
+                    <a:lumMod val="100000"/>
+                    <a:shade val="100000"/>
                   </a:schemeClr>
                 </a:gs>
                 <a:gs pos="100000">
-                  <a:schemeClr val="accent2">
-                    <a:lumMod val="60000"/>
-                    <a:lumOff val="40000"/>
+                  <a:schemeClr val="accent3">
+                    <a:lumMod val="99000"/>
+                    <a:satMod val="120000"/>
+                    <a:shade val="78000"/>
                   </a:schemeClr>
                 </a:gs>
               </a:gsLst>
-              <a:lin ang="16200000" scaled="1"/>
-              <a:tileRect/>
+              <a:lin ang="5400000" scaled="0"/>
             </a:gradFill>
             <a:ln>
               <a:noFill/>
             </a:ln>
-            <a:effectLst/>
+            <a:effectLst>
+              <a:outerShdw blurRad="57150" dist="19050" dir="5400000" algn="ctr" rotWithShape="0">
+                <a:srgbClr val="000000">
+                  <a:alpha val="63000"/>
+                </a:srgbClr>
+              </a:outerShdw>
+            </a:effectLst>
           </c:spPr>
           <c:invertIfNegative val="0"/>
           <c:cat>
@@ -2808,7 +2928,8 @@
           <c:showPercent val="0"/>
           <c:showBubbleSize val="0"/>
         </c:dLbls>
-        <c:gapWidth val="219"/>
+        <c:gapWidth val="100"/>
+        <c:overlap val="-24"/>
         <c:axId val="582589432"/>
         <c:axId val="582594112"/>
       </c:barChart>
@@ -2825,11 +2946,11 @@
         <c:tickLblPos val="nextTo"/>
         <c:spPr>
           <a:noFill/>
-          <a:ln w="9525" cap="flat" cmpd="sng" algn="ctr">
+          <a:ln w="12700" cap="flat" cmpd="sng" algn="ctr">
             <a:solidFill>
-              <a:schemeClr val="tx1">
-                <a:lumMod val="15000"/>
-                <a:lumOff val="85000"/>
+              <a:schemeClr val="lt1">
+                <a:lumMod val="95000"/>
+                <a:alpha val="54000"/>
               </a:schemeClr>
             </a:solidFill>
             <a:round/>
@@ -2841,11 +2962,10 @@
           <a:lstStyle/>
           <a:p>
             <a:pPr>
-              <a:defRPr sz="1200" b="0" i="0" u="none" strike="noStrike" kern="1200" baseline="0">
+              <a:defRPr sz="1400" b="0" i="0" u="none" strike="noStrike" kern="1200" baseline="0">
                 <a:solidFill>
-                  <a:schemeClr val="tx1">
-                    <a:lumMod val="65000"/>
-                    <a:lumOff val="35000"/>
+                  <a:schemeClr val="lt1">
+                    <a:lumMod val="85000"/>
                   </a:schemeClr>
                 </a:solidFill>
                 <a:latin typeface="+mn-lt"/>
@@ -2874,9 +2994,9 @@
           <c:spPr>
             <a:ln w="9525" cap="flat" cmpd="sng" algn="ctr">
               <a:solidFill>
-                <a:schemeClr val="tx1">
-                  <a:lumMod val="15000"/>
-                  <a:lumOff val="85000"/>
+                <a:schemeClr val="lt1">
+                  <a:lumMod val="95000"/>
+                  <a:alpha val="10000"/>
                 </a:schemeClr>
               </a:solidFill>
               <a:round/>
@@ -2900,11 +3020,10 @@
           <a:lstStyle/>
           <a:p>
             <a:pPr>
-              <a:defRPr sz="900" b="0" i="0" u="none" strike="noStrike" kern="1200" baseline="0">
+              <a:defRPr sz="1400" b="0" i="0" u="none" strike="noStrike" kern="1200" baseline="0">
                 <a:solidFill>
-                  <a:schemeClr val="tx1">
-                    <a:lumMod val="65000"/>
-                    <a:lumOff val="35000"/>
+                  <a:schemeClr val="lt1">
+                    <a:lumMod val="85000"/>
                   </a:schemeClr>
                 </a:solidFill>
                 <a:latin typeface="+mn-lt"/>
@@ -2936,11 +3055,10 @@
           <a:lstStyle/>
           <a:p>
             <a:pPr>
-              <a:defRPr sz="1200" b="1" i="0" u="none" strike="noStrike" kern="1200" baseline="0">
+              <a:defRPr sz="1400" b="0" i="0" u="none" strike="noStrike" kern="1200" baseline="0">
                 <a:solidFill>
-                  <a:schemeClr val="tx1">
-                    <a:lumMod val="65000"/>
-                    <a:lumOff val="35000"/>
+                  <a:schemeClr val="lt1">
+                    <a:lumMod val="85000"/>
                   </a:schemeClr>
                 </a:solidFill>
                 <a:latin typeface="+mn-lt"/>
@@ -2959,11 +3077,10 @@
           <a:lstStyle/>
           <a:p>
             <a:pPr>
-              <a:defRPr sz="1200" b="1" i="0" u="none" strike="noStrike" kern="1200" baseline="0">
+              <a:defRPr sz="1400" b="0" i="0" u="none" strike="noStrike" kern="1200" baseline="0">
                 <a:solidFill>
-                  <a:schemeClr val="tx1">
-                    <a:lumMod val="65000"/>
-                    <a:lumOff val="35000"/>
+                  <a:schemeClr val="lt1">
+                    <a:lumMod val="85000"/>
                   </a:schemeClr>
                 </a:solidFill>
                 <a:latin typeface="+mn-lt"/>
@@ -2982,11 +3099,10 @@
           <a:lstStyle/>
           <a:p>
             <a:pPr>
-              <a:defRPr sz="1200" b="1" i="0" u="none" strike="noStrike" kern="1200" baseline="0">
+              <a:defRPr sz="1400" b="0" i="0" u="none" strike="noStrike" kern="1200" baseline="0">
                 <a:solidFill>
-                  <a:schemeClr val="tx1">
-                    <a:lumMod val="65000"/>
-                    <a:lumOff val="35000"/>
+                  <a:schemeClr val="lt1">
+                    <a:lumMod val="85000"/>
                   </a:schemeClr>
                 </a:solidFill>
                 <a:latin typeface="+mn-lt"/>
@@ -3011,11 +3127,10 @@
         <a:lstStyle/>
         <a:p>
           <a:pPr>
-            <a:defRPr sz="900" b="0" i="0" u="none" strike="noStrike" kern="1200" baseline="0">
+            <a:defRPr sz="1400" b="0" i="0" u="none" strike="noStrike" kern="1200" baseline="0">
               <a:solidFill>
-                <a:schemeClr val="tx1">
-                  <a:lumMod val="65000"/>
-                  <a:lumOff val="35000"/>
+                <a:schemeClr val="lt1">
+                  <a:lumMod val="85000"/>
                 </a:schemeClr>
               </a:solidFill>
               <a:latin typeface="+mn-lt"/>
@@ -3039,7 +3154,26 @@
     <c:showDLblsOverMax val="0"/>
   </c:chart>
   <c:spPr>
-    <a:noFill/>
+    <a:gradFill flip="none" rotWithShape="1">
+      <a:gsLst>
+        <a:gs pos="0">
+          <a:schemeClr val="dk1">
+            <a:lumMod val="65000"/>
+            <a:lumOff val="35000"/>
+          </a:schemeClr>
+        </a:gs>
+        <a:gs pos="100000">
+          <a:schemeClr val="dk1">
+            <a:lumMod val="85000"/>
+            <a:lumOff val="15000"/>
+          </a:schemeClr>
+        </a:gs>
+      </a:gsLst>
+      <a:path path="circle">
+        <a:fillToRect l="50000" t="50000" r="50000" b="50000"/>
+      </a:path>
+      <a:tileRect/>
+    </a:gradFill>
     <a:ln>
       <a:noFill/>
     </a:ln>
@@ -4228,76 +4362,81 @@
 </file>
 
 <file path=ppt/charts/style3.xml><?xml version="1.0" encoding="utf-8"?>
-<cs:chartStyle xmlns:cs="http://schemas.microsoft.com/office/drawing/2012/chartStyle" xmlns:a="http://schemas.openxmlformats.org/drawingml/2006/main" id="332">
+<cs:chartStyle xmlns:cs="http://schemas.microsoft.com/office/drawing/2012/chartStyle" xmlns:a="http://schemas.openxmlformats.org/drawingml/2006/main" id="209">
   <cs:axisTitle>
     <cs:lnRef idx="0"/>
     <cs:fillRef idx="0"/>
     <cs:effectRef idx="0"/>
     <cs:fontRef idx="minor">
-      <a:schemeClr val="tx1">
-        <a:lumMod val="65000"/>
-        <a:lumOff val="35000"/>
+      <a:schemeClr val="lt1">
+        <a:lumMod val="85000"/>
       </a:schemeClr>
     </cs:fontRef>
-    <cs:defRPr sz="1000" kern="1200"/>
+    <cs:defRPr sz="1197" b="1" kern="1200" cap="all"/>
   </cs:axisTitle>
   <cs:categoryAxis>
     <cs:lnRef idx="0"/>
     <cs:fillRef idx="0"/>
     <cs:effectRef idx="0"/>
     <cs:fontRef idx="minor">
-      <a:schemeClr val="tx1">
-        <a:lumMod val="65000"/>
-        <a:lumOff val="35000"/>
+      <a:schemeClr val="lt1">
+        <a:lumMod val="85000"/>
       </a:schemeClr>
     </cs:fontRef>
     <cs:spPr>
-      <a:ln w="9525" cap="flat" cmpd="sng" algn="ctr">
+      <a:ln w="12700" cap="flat" cmpd="sng" algn="ctr">
         <a:solidFill>
-          <a:schemeClr val="tx1">
-            <a:lumMod val="15000"/>
-            <a:lumOff val="85000"/>
+          <a:schemeClr val="lt1">
+            <a:lumMod val="95000"/>
+            <a:alpha val="54000"/>
           </a:schemeClr>
         </a:solidFill>
         <a:round/>
       </a:ln>
     </cs:spPr>
-    <cs:defRPr sz="900" kern="1200"/>
+    <cs:defRPr sz="1197" kern="1200"/>
   </cs:categoryAxis>
-  <cs:chartArea mods="allowNoFillOverride allowNoLineOverride">
+  <cs:chartArea>
     <cs:lnRef idx="0"/>
     <cs:fillRef idx="0"/>
     <cs:effectRef idx="0"/>
     <cs:fontRef idx="minor">
-      <a:schemeClr val="tx1"/>
+      <a:schemeClr val="dk1"/>
     </cs:fontRef>
     <cs:spPr>
-      <a:solidFill>
-        <a:schemeClr val="bg1"/>
-      </a:solidFill>
-      <a:ln w="9525" cap="flat" cmpd="sng" algn="ctr">
-        <a:solidFill>
-          <a:schemeClr val="tx1">
-            <a:lumMod val="15000"/>
-            <a:lumOff val="85000"/>
-          </a:schemeClr>
-        </a:solidFill>
-        <a:round/>
-      </a:ln>
+      <a:gradFill flip="none" rotWithShape="1">
+        <a:gsLst>
+          <a:gs pos="0">
+            <a:schemeClr val="dk1">
+              <a:lumMod val="65000"/>
+              <a:lumOff val="35000"/>
+            </a:schemeClr>
+          </a:gs>
+          <a:gs pos="100000">
+            <a:schemeClr val="dk1">
+              <a:lumMod val="85000"/>
+              <a:lumOff val="15000"/>
+            </a:schemeClr>
+          </a:gs>
+        </a:gsLst>
+        <a:path path="circle">
+          <a:fillToRect l="50000" t="50000" r="50000" b="50000"/>
+        </a:path>
+        <a:tileRect/>
+      </a:gradFill>
     </cs:spPr>
-    <cs:defRPr sz="1000" kern="1200"/>
+    <cs:defRPr sz="1330" kern="1200"/>
   </cs:chartArea>
   <cs:dataLabel>
     <cs:lnRef idx="0"/>
     <cs:fillRef idx="0"/>
     <cs:effectRef idx="0"/>
     <cs:fontRef idx="minor">
-      <a:schemeClr val="tx1">
-        <a:lumMod val="75000"/>
-        <a:lumOff val="25000"/>
+      <a:schemeClr val="lt1">
+        <a:lumMod val="85000"/>
       </a:schemeClr>
     </cs:fontRef>
-    <cs:defRPr sz="900" kern="1200"/>
+    <cs:defRPr sz="1197" kern="1200"/>
   </cs:dataLabel>
   <cs:dataLabelCallout>
     <cs:lnRef idx="0"/>
@@ -4313,51 +4452,43 @@
       <a:solidFill>
         <a:schemeClr val="lt1"/>
       </a:solidFill>
-      <a:ln>
-        <a:solidFill>
-          <a:schemeClr val="dk1">
-            <a:lumMod val="25000"/>
-            <a:lumOff val="75000"/>
-          </a:schemeClr>
-        </a:solidFill>
-      </a:ln>
     </cs:spPr>
-    <cs:defRPr sz="900" kern="1200"/>
+    <cs:defRPr sz="1197" kern="1200"/>
     <cs:bodyPr rot="0" spcFirstLastPara="1" vertOverflow="clip" horzOverflow="clip" vert="horz" wrap="square" lIns="36576" tIns="18288" rIns="36576" bIns="18288" anchor="ctr" anchorCtr="1">
       <a:spAutoFit/>
     </cs:bodyPr>
   </cs:dataLabelCallout>
   <cs:dataPoint>
     <cs:lnRef idx="0"/>
-    <cs:fillRef idx="1">
+    <cs:fillRef idx="3">
       <cs:styleClr val="auto"/>
     </cs:fillRef>
-    <cs:effectRef idx="0"/>
+    <cs:effectRef idx="3"/>
     <cs:fontRef idx="minor">
-      <a:schemeClr val="tx1"/>
+      <a:schemeClr val="lt1"/>
     </cs:fontRef>
   </cs:dataPoint>
   <cs:dataPoint3D>
     <cs:lnRef idx="0"/>
-    <cs:fillRef idx="1">
+    <cs:fillRef idx="3">
       <cs:styleClr val="auto"/>
     </cs:fillRef>
-    <cs:effectRef idx="0"/>
+    <cs:effectRef idx="3"/>
     <cs:fontRef idx="minor">
-      <a:schemeClr val="tx1"/>
+      <a:schemeClr val="lt1"/>
     </cs:fontRef>
   </cs:dataPoint3D>
   <cs:dataPointLine>
     <cs:lnRef idx="0">
       <cs:styleClr val="auto"/>
     </cs:lnRef>
-    <cs:fillRef idx="1"/>
-    <cs:effectRef idx="0"/>
+    <cs:fillRef idx="3"/>
+    <cs:effectRef idx="3"/>
     <cs:fontRef idx="minor">
-      <a:schemeClr val="tx1"/>
+      <a:schemeClr val="lt1"/>
     </cs:fontRef>
     <cs:spPr>
-      <a:ln w="28575" cap="rnd">
+      <a:ln w="34925" cap="rnd">
         <a:solidFill>
           <a:schemeClr val="phClr"/>
         </a:solidFill>
@@ -4369,30 +4500,31 @@
     <cs:lnRef idx="0">
       <cs:styleClr val="auto"/>
     </cs:lnRef>
-    <cs:fillRef idx="1">
+    <cs:fillRef idx="3">
       <cs:styleClr val="auto"/>
     </cs:fillRef>
-    <cs:effectRef idx="0"/>
+    <cs:effectRef idx="3"/>
     <cs:fontRef idx="minor">
-      <a:schemeClr val="tx1"/>
+      <a:schemeClr val="lt1"/>
     </cs:fontRef>
     <cs:spPr>
       <a:ln w="9525">
         <a:solidFill>
           <a:schemeClr val="phClr"/>
         </a:solidFill>
+        <a:round/>
       </a:ln>
     </cs:spPr>
   </cs:dataPointMarker>
-  <cs:dataPointMarkerLayout symbol="circle" size="5"/>
+  <cs:dataPointMarkerLayout symbol="circle" size="6"/>
   <cs:dataPointWireframe>
     <cs:lnRef idx="0">
       <cs:styleClr val="auto"/>
     </cs:lnRef>
-    <cs:fillRef idx="1"/>
-    <cs:effectRef idx="0"/>
+    <cs:fillRef idx="3"/>
+    <cs:effectRef idx="3"/>
     <cs:fontRef idx="minor">
-      <a:schemeClr val="tx1"/>
+      <a:schemeClr val="lt1"/>
     </cs:fontRef>
     <cs:spPr>
       <a:ln w="9525" cap="rnd">
@@ -4408,44 +4540,41 @@
     <cs:fillRef idx="0"/>
     <cs:effectRef idx="0"/>
     <cs:fontRef idx="minor">
-      <a:schemeClr val="tx1">
-        <a:lumMod val="65000"/>
-        <a:lumOff val="35000"/>
+      <a:schemeClr val="lt1">
+        <a:lumMod val="85000"/>
       </a:schemeClr>
     </cs:fontRef>
     <cs:spPr>
-      <a:noFill/>
-      <a:ln w="9525" cap="flat" cmpd="sng" algn="ctr">
+      <a:ln w="9525">
         <a:solidFill>
-          <a:schemeClr val="tx1">
-            <a:lumMod val="15000"/>
-            <a:lumOff val="85000"/>
+          <a:schemeClr val="lt1">
+            <a:lumMod val="95000"/>
+            <a:alpha val="54000"/>
           </a:schemeClr>
         </a:solidFill>
-        <a:round/>
       </a:ln>
     </cs:spPr>
-    <cs:defRPr sz="900" kern="1200"/>
+    <cs:defRPr sz="1197" kern="1200"/>
   </cs:dataTable>
   <cs:downBar>
     <cs:lnRef idx="0"/>
     <cs:fillRef idx="0"/>
     <cs:effectRef idx="0"/>
     <cs:fontRef idx="minor">
-      <a:schemeClr val="dk1"/>
+      <a:schemeClr val="lt1"/>
     </cs:fontRef>
     <cs:spPr>
       <a:solidFill>
         <a:schemeClr val="dk1">
-          <a:lumMod val="65000"/>
-          <a:lumOff val="35000"/>
+          <a:lumMod val="75000"/>
+          <a:lumOff val="25000"/>
         </a:schemeClr>
       </a:solidFill>
       <a:ln w="9525">
         <a:solidFill>
-          <a:schemeClr val="tx1">
-            <a:lumMod val="65000"/>
-            <a:lumOff val="35000"/>
+          <a:schemeClr val="lt1">
+            <a:lumMod val="95000"/>
+            <a:alpha val="54000"/>
           </a:schemeClr>
         </a:solidFill>
       </a:ln>
@@ -4456,17 +4585,17 @@
     <cs:fillRef idx="0"/>
     <cs:effectRef idx="0"/>
     <cs:fontRef idx="minor">
-      <a:schemeClr val="tx1"/>
+      <a:schemeClr val="lt1"/>
     </cs:fontRef>
     <cs:spPr>
-      <a:ln w="9525" cap="flat" cmpd="sng" algn="ctr">
+      <a:ln w="9525">
         <a:solidFill>
-          <a:schemeClr val="tx1">
-            <a:lumMod val="35000"/>
-            <a:lumOff val="65000"/>
+          <a:schemeClr val="lt1">
+            <a:lumMod val="95000"/>
+            <a:alpha val="54000"/>
           </a:schemeClr>
         </a:solidFill>
-        <a:round/>
+        <a:prstDash val="dash"/>
       </a:ln>
     </cs:spPr>
   </cs:dropLine>
@@ -4475,14 +4604,13 @@
     <cs:fillRef idx="0"/>
     <cs:effectRef idx="0"/>
     <cs:fontRef idx="minor">
-      <a:schemeClr val="tx1"/>
+      <a:schemeClr val="lt1"/>
     </cs:fontRef>
     <cs:spPr>
       <a:ln w="9525" cap="flat" cmpd="sng" algn="ctr">
         <a:solidFill>
-          <a:schemeClr val="tx1">
-            <a:lumMod val="65000"/>
-            <a:lumOff val="35000"/>
+          <a:schemeClr val="lt1">
+            <a:lumMod val="95000"/>
           </a:schemeClr>
         </a:solidFill>
         <a:round/>
@@ -4494,28 +4622,22 @@
     <cs:fillRef idx="0"/>
     <cs:effectRef idx="0"/>
     <cs:fontRef idx="minor">
-      <a:schemeClr val="tx1"/>
+      <a:schemeClr val="lt1"/>
     </cs:fontRef>
-    <cs:spPr>
-      <a:noFill/>
-      <a:ln>
-        <a:noFill/>
-      </a:ln>
-    </cs:spPr>
   </cs:floor>
   <cs:gridlineMajor>
     <cs:lnRef idx="0"/>
     <cs:fillRef idx="0"/>
     <cs:effectRef idx="0"/>
     <cs:fontRef idx="minor">
-      <a:schemeClr val="tx1"/>
+      <a:schemeClr val="lt1"/>
     </cs:fontRef>
     <cs:spPr>
       <a:ln w="9525" cap="flat" cmpd="sng" algn="ctr">
         <a:solidFill>
-          <a:schemeClr val="tx1">
-            <a:lumMod val="15000"/>
-            <a:lumOff val="85000"/>
+          <a:schemeClr val="lt1">
+            <a:lumMod val="95000"/>
+            <a:alpha val="10000"/>
           </a:schemeClr>
         </a:solidFill>
         <a:round/>
@@ -4527,17 +4649,16 @@
     <cs:fillRef idx="0"/>
     <cs:effectRef idx="0"/>
     <cs:fontRef idx="minor">
-      <a:schemeClr val="tx1"/>
+      <a:schemeClr val="lt1"/>
     </cs:fontRef>
     <cs:spPr>
-      <a:ln w="9525" cap="flat" cmpd="sng" algn="ctr">
+      <a:ln>
         <a:solidFill>
-          <a:schemeClr val="tx1">
-            <a:lumMod val="5000"/>
-            <a:lumOff val="95000"/>
+          <a:schemeClr val="lt1">
+            <a:lumMod val="95000"/>
+            <a:alpha val="5000"/>
           </a:schemeClr>
         </a:solidFill>
-        <a:round/>
       </a:ln>
     </cs:spPr>
   </cs:gridlineMinor>
@@ -4546,17 +4667,17 @@
     <cs:fillRef idx="0"/>
     <cs:effectRef idx="0"/>
     <cs:fontRef idx="minor">
-      <a:schemeClr val="tx1"/>
+      <a:schemeClr val="lt1"/>
     </cs:fontRef>
     <cs:spPr>
-      <a:ln w="9525" cap="flat" cmpd="sng" algn="ctr">
+      <a:ln w="9525">
         <a:solidFill>
-          <a:schemeClr val="tx1">
-            <a:lumMod val="75000"/>
-            <a:lumOff val="25000"/>
+          <a:schemeClr val="lt1">
+            <a:lumMod val="95000"/>
+            <a:alpha val="54000"/>
           </a:schemeClr>
         </a:solidFill>
-        <a:round/>
+        <a:prstDash val="dash"/>
       </a:ln>
     </cs:spPr>
   </cs:hiLoLine>
@@ -4565,17 +4686,16 @@
     <cs:fillRef idx="0"/>
     <cs:effectRef idx="0"/>
     <cs:fontRef idx="minor">
-      <a:schemeClr val="tx1"/>
+      <a:schemeClr val="lt1"/>
     </cs:fontRef>
     <cs:spPr>
-      <a:ln w="9525" cap="flat" cmpd="sng" algn="ctr">
+      <a:ln w="9525">
         <a:solidFill>
-          <a:schemeClr val="tx1">
-            <a:lumMod val="35000"/>
-            <a:lumOff val="65000"/>
+          <a:schemeClr val="lt1">
+            <a:lumMod val="95000"/>
+            <a:alpha val="54000"/>
           </a:schemeClr>
         </a:solidFill>
-        <a:round/>
       </a:ln>
     </cs:spPr>
   </cs:leaderLine>
@@ -4584,27 +4704,26 @@
     <cs:fillRef idx="0"/>
     <cs:effectRef idx="0"/>
     <cs:fontRef idx="minor">
-      <a:schemeClr val="tx1">
-        <a:lumMod val="65000"/>
-        <a:lumOff val="35000"/>
+      <a:schemeClr val="lt1">
+        <a:lumMod val="85000"/>
       </a:schemeClr>
     </cs:fontRef>
-    <cs:defRPr sz="900" kern="1200"/>
+    <cs:defRPr sz="1197" kern="1200"/>
   </cs:legend>
-  <cs:plotArea mods="allowNoFillOverride allowNoLineOverride">
+  <cs:plotArea>
     <cs:lnRef idx="0"/>
     <cs:fillRef idx="0"/>
     <cs:effectRef idx="0"/>
     <cs:fontRef idx="minor">
-      <a:schemeClr val="tx1"/>
+      <a:schemeClr val="lt1"/>
     </cs:fontRef>
   </cs:plotArea>
-  <cs:plotArea3D mods="allowNoFillOverride allowNoLineOverride">
+  <cs:plotArea3D>
     <cs:lnRef idx="0"/>
     <cs:fillRef idx="0"/>
     <cs:effectRef idx="0"/>
     <cs:fontRef idx="minor">
-      <a:schemeClr val="tx1"/>
+      <a:schemeClr val="lt1"/>
     </cs:fontRef>
   </cs:plotArea3D>
   <cs:seriesAxis>
@@ -4612,26 +4731,36 @@
     <cs:fillRef idx="0"/>
     <cs:effectRef idx="0"/>
     <cs:fontRef idx="minor">
-      <a:schemeClr val="tx1">
-        <a:lumMod val="65000"/>
-        <a:lumOff val="35000"/>
+      <a:schemeClr val="lt1">
+        <a:lumMod val="85000"/>
       </a:schemeClr>
     </cs:fontRef>
-    <cs:defRPr sz="900" kern="1200"/>
+    <cs:spPr>
+      <a:ln w="12700" cap="flat" cmpd="sng" algn="ctr">
+        <a:solidFill>
+          <a:schemeClr val="lt1">
+            <a:lumMod val="95000"/>
+            <a:alpha val="54000"/>
+          </a:schemeClr>
+        </a:solidFill>
+        <a:round/>
+      </a:ln>
+    </cs:spPr>
+    <cs:defRPr sz="1197" kern="1200"/>
   </cs:seriesAxis>
   <cs:seriesLine>
     <cs:lnRef idx="0"/>
     <cs:fillRef idx="0"/>
     <cs:effectRef idx="0"/>
     <cs:fontRef idx="minor">
-      <a:schemeClr val="tx1"/>
+      <a:schemeClr val="lt1"/>
     </cs:fontRef>
     <cs:spPr>
       <a:ln w="9525" cap="flat" cmpd="sng" algn="ctr">
         <a:solidFill>
-          <a:schemeClr val="tx1">
-            <a:lumMod val="35000"/>
-            <a:lumOff val="65000"/>
+          <a:schemeClr val="lt1">
+            <a:lumMod val="95000"/>
+            <a:alpha val="54000"/>
           </a:schemeClr>
         </a:solidFill>
         <a:round/>
@@ -4643,12 +4772,19 @@
     <cs:fillRef idx="0"/>
     <cs:effectRef idx="0"/>
     <cs:fontRef idx="minor">
-      <a:schemeClr val="tx1">
-        <a:lumMod val="65000"/>
-        <a:lumOff val="35000"/>
+      <a:schemeClr val="lt1">
+        <a:lumMod val="95000"/>
       </a:schemeClr>
     </cs:fontRef>
-    <cs:defRPr sz="1400" b="0" kern="1200" spc="0" baseline="0"/>
+    <cs:defRPr sz="2128" b="1" kern="1200" spc="100" baseline="0">
+      <a:effectLst>
+        <a:outerShdw blurRad="50800" dist="38100" dir="5400000" algn="t" rotWithShape="0">
+          <a:prstClr val="black">
+            <a:alpha val="40000"/>
+          </a:prstClr>
+        </a:outerShdw>
+      </a:effectLst>
+    </cs:defRPr>
   </cs:title>
   <cs:trendline>
     <cs:lnRef idx="0">
@@ -4657,14 +4793,13 @@
     <cs:fillRef idx="0"/>
     <cs:effectRef idx="0"/>
     <cs:fontRef idx="minor">
-      <a:schemeClr val="tx1"/>
+      <a:schemeClr val="lt1"/>
     </cs:fontRef>
     <cs:spPr>
       <a:ln w="19050" cap="rnd">
         <a:solidFill>
           <a:schemeClr val="phClr"/>
         </a:solidFill>
-        <a:prstDash val="sysDot"/>
       </a:ln>
     </cs:spPr>
   </cs:trendline>
@@ -4673,19 +4808,18 @@
     <cs:fillRef idx="0"/>
     <cs:effectRef idx="0"/>
     <cs:fontRef idx="minor">
-      <a:schemeClr val="tx1">
-        <a:lumMod val="65000"/>
-        <a:lumOff val="35000"/>
+      <a:schemeClr val="lt1">
+        <a:lumMod val="85000"/>
       </a:schemeClr>
     </cs:fontRef>
-    <cs:defRPr sz="900" kern="1200"/>
+    <cs:defRPr sz="1197" kern="1200"/>
   </cs:trendlineLabel>
   <cs:upBar>
     <cs:lnRef idx="0"/>
     <cs:fillRef idx="0"/>
     <cs:effectRef idx="0"/>
     <cs:fontRef idx="minor">
-      <a:schemeClr val="dk1"/>
+      <a:schemeClr val="lt1"/>
     </cs:fontRef>
     <cs:spPr>
       <a:solidFill>
@@ -4693,9 +4827,9 @@
       </a:solidFill>
       <a:ln w="9525">
         <a:solidFill>
-          <a:schemeClr val="tx1">
-            <a:lumMod val="15000"/>
-            <a:lumOff val="85000"/>
+          <a:schemeClr val="lt1">
+            <a:lumMod val="95000"/>
+            <a:alpha val="54000"/>
           </a:schemeClr>
         </a:solidFill>
       </a:ln>
@@ -4706,101 +4840,99 @@
     <cs:fillRef idx="0"/>
     <cs:effectRef idx="0"/>
     <cs:fontRef idx="minor">
-      <a:schemeClr val="tx1">
-        <a:lumMod val="65000"/>
-        <a:lumOff val="35000"/>
+      <a:schemeClr val="lt1">
+        <a:lumMod val="85000"/>
       </a:schemeClr>
     </cs:fontRef>
-    <cs:defRPr sz="900" kern="1200"/>
+    <cs:defRPr sz="1197" kern="1200"/>
   </cs:valueAxis>
   <cs:wall>
     <cs:lnRef idx="0"/>
     <cs:fillRef idx="0"/>
     <cs:effectRef idx="0"/>
     <cs:fontRef idx="minor">
-      <a:schemeClr val="tx1"/>
+      <a:schemeClr val="lt1"/>
     </cs:fontRef>
-    <cs:spPr>
-      <a:noFill/>
-      <a:ln>
-        <a:noFill/>
-      </a:ln>
-    </cs:spPr>
   </cs:wall>
 </cs:chartStyle>
 </file>
 
 <file path=ppt/charts/style4.xml><?xml version="1.0" encoding="utf-8"?>
-<cs:chartStyle xmlns:cs="http://schemas.microsoft.com/office/drawing/2012/chartStyle" xmlns:a="http://schemas.openxmlformats.org/drawingml/2006/main" id="332">
+<cs:chartStyle xmlns:cs="http://schemas.microsoft.com/office/drawing/2012/chartStyle" xmlns:a="http://schemas.openxmlformats.org/drawingml/2006/main" id="209">
   <cs:axisTitle>
     <cs:lnRef idx="0"/>
     <cs:fillRef idx="0"/>
     <cs:effectRef idx="0"/>
     <cs:fontRef idx="minor">
-      <a:schemeClr val="tx1">
-        <a:lumMod val="65000"/>
-        <a:lumOff val="35000"/>
+      <a:schemeClr val="lt1">
+        <a:lumMod val="85000"/>
       </a:schemeClr>
     </cs:fontRef>
-    <cs:defRPr sz="1000" kern="1200"/>
+    <cs:defRPr sz="1197" b="1" kern="1200" cap="all"/>
   </cs:axisTitle>
   <cs:categoryAxis>
     <cs:lnRef idx="0"/>
     <cs:fillRef idx="0"/>
     <cs:effectRef idx="0"/>
     <cs:fontRef idx="minor">
-      <a:schemeClr val="tx1">
-        <a:lumMod val="65000"/>
-        <a:lumOff val="35000"/>
+      <a:schemeClr val="lt1">
+        <a:lumMod val="85000"/>
       </a:schemeClr>
     </cs:fontRef>
     <cs:spPr>
-      <a:ln w="9525" cap="flat" cmpd="sng" algn="ctr">
+      <a:ln w="12700" cap="flat" cmpd="sng" algn="ctr">
         <a:solidFill>
-          <a:schemeClr val="tx1">
-            <a:lumMod val="15000"/>
-            <a:lumOff val="85000"/>
+          <a:schemeClr val="lt1">
+            <a:lumMod val="95000"/>
+            <a:alpha val="54000"/>
           </a:schemeClr>
         </a:solidFill>
         <a:round/>
       </a:ln>
     </cs:spPr>
-    <cs:defRPr sz="900" kern="1200"/>
+    <cs:defRPr sz="1197" kern="1200"/>
   </cs:categoryAxis>
-  <cs:chartArea mods="allowNoFillOverride allowNoLineOverride">
+  <cs:chartArea>
     <cs:lnRef idx="0"/>
     <cs:fillRef idx="0"/>
     <cs:effectRef idx="0"/>
     <cs:fontRef idx="minor">
-      <a:schemeClr val="tx1"/>
+      <a:schemeClr val="dk1"/>
     </cs:fontRef>
     <cs:spPr>
-      <a:solidFill>
-        <a:schemeClr val="bg1"/>
-      </a:solidFill>
-      <a:ln w="9525" cap="flat" cmpd="sng" algn="ctr">
-        <a:solidFill>
-          <a:schemeClr val="tx1">
-            <a:lumMod val="15000"/>
-            <a:lumOff val="85000"/>
-          </a:schemeClr>
-        </a:solidFill>
-        <a:round/>
-      </a:ln>
+      <a:gradFill flip="none" rotWithShape="1">
+        <a:gsLst>
+          <a:gs pos="0">
+            <a:schemeClr val="dk1">
+              <a:lumMod val="65000"/>
+              <a:lumOff val="35000"/>
+            </a:schemeClr>
+          </a:gs>
+          <a:gs pos="100000">
+            <a:schemeClr val="dk1">
+              <a:lumMod val="85000"/>
+              <a:lumOff val="15000"/>
+            </a:schemeClr>
+          </a:gs>
+        </a:gsLst>
+        <a:path path="circle">
+          <a:fillToRect l="50000" t="50000" r="50000" b="50000"/>
+        </a:path>
+        <a:tileRect/>
+      </a:gradFill>
     </cs:spPr>
-    <cs:defRPr sz="1000" kern="1200"/>
+    <cs:defRPr sz="1330" kern="1200"/>
   </cs:chartArea>
   <cs:dataLabel>
     <cs:lnRef idx="0"/>
     <cs:fillRef idx="0"/>
     <cs:effectRef idx="0"/>
     <cs:fontRef idx="minor">
-      <a:schemeClr val="tx1">
-        <a:lumMod val="75000"/>
-        <a:lumOff val="25000"/>
+      <a:schemeClr val="lt1">
+        <a:lumMod val="85000"/>
       </a:schemeClr>
     </cs:fontRef>
-    <cs:defRPr sz="900" kern="1200"/>
+    <cs:defRPr sz="1197" kern="1200"/>
   </cs:dataLabel>
   <cs:dataLabelCallout>
     <cs:lnRef idx="0"/>
@@ -4816,51 +4948,43 @@
       <a:solidFill>
         <a:schemeClr val="lt1"/>
       </a:solidFill>
-      <a:ln>
-        <a:solidFill>
-          <a:schemeClr val="dk1">
-            <a:lumMod val="25000"/>
-            <a:lumOff val="75000"/>
-          </a:schemeClr>
-        </a:solidFill>
-      </a:ln>
     </cs:spPr>
-    <cs:defRPr sz="900" kern="1200"/>
+    <cs:defRPr sz="1197" kern="1200"/>
     <cs:bodyPr rot="0" spcFirstLastPara="1" vertOverflow="clip" horzOverflow="clip" vert="horz" wrap="square" lIns="36576" tIns="18288" rIns="36576" bIns="18288" anchor="ctr" anchorCtr="1">
       <a:spAutoFit/>
     </cs:bodyPr>
   </cs:dataLabelCallout>
   <cs:dataPoint>
     <cs:lnRef idx="0"/>
-    <cs:fillRef idx="1">
+    <cs:fillRef idx="3">
       <cs:styleClr val="auto"/>
     </cs:fillRef>
-    <cs:effectRef idx="0"/>
+    <cs:effectRef idx="3"/>
     <cs:fontRef idx="minor">
-      <a:schemeClr val="tx1"/>
+      <a:schemeClr val="lt1"/>
     </cs:fontRef>
   </cs:dataPoint>
   <cs:dataPoint3D>
     <cs:lnRef idx="0"/>
-    <cs:fillRef idx="1">
+    <cs:fillRef idx="3">
       <cs:styleClr val="auto"/>
     </cs:fillRef>
-    <cs:effectRef idx="0"/>
+    <cs:effectRef idx="3"/>
     <cs:fontRef idx="minor">
-      <a:schemeClr val="tx1"/>
+      <a:schemeClr val="lt1"/>
     </cs:fontRef>
   </cs:dataPoint3D>
   <cs:dataPointLine>
     <cs:lnRef idx="0">
       <cs:styleClr val="auto"/>
     </cs:lnRef>
-    <cs:fillRef idx="1"/>
-    <cs:effectRef idx="0"/>
+    <cs:fillRef idx="3"/>
+    <cs:effectRef idx="3"/>
     <cs:fontRef idx="minor">
-      <a:schemeClr val="tx1"/>
+      <a:schemeClr val="lt1"/>
     </cs:fontRef>
     <cs:spPr>
-      <a:ln w="28575" cap="rnd">
+      <a:ln w="34925" cap="rnd">
         <a:solidFill>
           <a:schemeClr val="phClr"/>
         </a:solidFill>
@@ -4872,30 +4996,31 @@
     <cs:lnRef idx="0">
       <cs:styleClr val="auto"/>
     </cs:lnRef>
-    <cs:fillRef idx="1">
+    <cs:fillRef idx="3">
       <cs:styleClr val="auto"/>
     </cs:fillRef>
-    <cs:effectRef idx="0"/>
+    <cs:effectRef idx="3"/>
     <cs:fontRef idx="minor">
-      <a:schemeClr val="tx1"/>
+      <a:schemeClr val="lt1"/>
     </cs:fontRef>
     <cs:spPr>
       <a:ln w="9525">
         <a:solidFill>
           <a:schemeClr val="phClr"/>
         </a:solidFill>
+        <a:round/>
       </a:ln>
     </cs:spPr>
   </cs:dataPointMarker>
-  <cs:dataPointMarkerLayout symbol="circle" size="5"/>
+  <cs:dataPointMarkerLayout symbol="circle" size="6"/>
   <cs:dataPointWireframe>
     <cs:lnRef idx="0">
       <cs:styleClr val="auto"/>
     </cs:lnRef>
-    <cs:fillRef idx="1"/>
-    <cs:effectRef idx="0"/>
+    <cs:fillRef idx="3"/>
+    <cs:effectRef idx="3"/>
     <cs:fontRef idx="minor">
-      <a:schemeClr val="tx1"/>
+      <a:schemeClr val="lt1"/>
     </cs:fontRef>
     <cs:spPr>
       <a:ln w="9525" cap="rnd">
@@ -4911,44 +5036,41 @@
     <cs:fillRef idx="0"/>
     <cs:effectRef idx="0"/>
     <cs:fontRef idx="minor">
-      <a:schemeClr val="tx1">
-        <a:lumMod val="65000"/>
-        <a:lumOff val="35000"/>
+      <a:schemeClr val="lt1">
+        <a:lumMod val="85000"/>
       </a:schemeClr>
     </cs:fontRef>
     <cs:spPr>
-      <a:noFill/>
-      <a:ln w="9525" cap="flat" cmpd="sng" algn="ctr">
+      <a:ln w="9525">
         <a:solidFill>
-          <a:schemeClr val="tx1">
-            <a:lumMod val="15000"/>
-            <a:lumOff val="85000"/>
+          <a:schemeClr val="lt1">
+            <a:lumMod val="95000"/>
+            <a:alpha val="54000"/>
           </a:schemeClr>
         </a:solidFill>
-        <a:round/>
       </a:ln>
     </cs:spPr>
-    <cs:defRPr sz="900" kern="1200"/>
+    <cs:defRPr sz="1197" kern="1200"/>
   </cs:dataTable>
   <cs:downBar>
     <cs:lnRef idx="0"/>
     <cs:fillRef idx="0"/>
     <cs:effectRef idx="0"/>
     <cs:fontRef idx="minor">
-      <a:schemeClr val="dk1"/>
+      <a:schemeClr val="lt1"/>
     </cs:fontRef>
     <cs:spPr>
       <a:solidFill>
         <a:schemeClr val="dk1">
-          <a:lumMod val="65000"/>
-          <a:lumOff val="35000"/>
+          <a:lumMod val="75000"/>
+          <a:lumOff val="25000"/>
         </a:schemeClr>
       </a:solidFill>
       <a:ln w="9525">
         <a:solidFill>
-          <a:schemeClr val="tx1">
-            <a:lumMod val="65000"/>
-            <a:lumOff val="35000"/>
+          <a:schemeClr val="lt1">
+            <a:lumMod val="95000"/>
+            <a:alpha val="54000"/>
           </a:schemeClr>
         </a:solidFill>
       </a:ln>
@@ -4959,17 +5081,17 @@
     <cs:fillRef idx="0"/>
     <cs:effectRef idx="0"/>
     <cs:fontRef idx="minor">
-      <a:schemeClr val="tx1"/>
+      <a:schemeClr val="lt1"/>
     </cs:fontRef>
     <cs:spPr>
-      <a:ln w="9525" cap="flat" cmpd="sng" algn="ctr">
+      <a:ln w="9525">
         <a:solidFill>
-          <a:schemeClr val="tx1">
-            <a:lumMod val="35000"/>
-            <a:lumOff val="65000"/>
+          <a:schemeClr val="lt1">
+            <a:lumMod val="95000"/>
+            <a:alpha val="54000"/>
           </a:schemeClr>
         </a:solidFill>
-        <a:round/>
+        <a:prstDash val="dash"/>
       </a:ln>
     </cs:spPr>
   </cs:dropLine>
@@ -4978,14 +5100,13 @@
     <cs:fillRef idx="0"/>
     <cs:effectRef idx="0"/>
     <cs:fontRef idx="minor">
-      <a:schemeClr val="tx1"/>
+      <a:schemeClr val="lt1"/>
     </cs:fontRef>
     <cs:spPr>
       <a:ln w="9525" cap="flat" cmpd="sng" algn="ctr">
         <a:solidFill>
-          <a:schemeClr val="tx1">
-            <a:lumMod val="65000"/>
-            <a:lumOff val="35000"/>
+          <a:schemeClr val="lt1">
+            <a:lumMod val="95000"/>
           </a:schemeClr>
         </a:solidFill>
         <a:round/>
@@ -4997,28 +5118,22 @@
     <cs:fillRef idx="0"/>
     <cs:effectRef idx="0"/>
     <cs:fontRef idx="minor">
-      <a:schemeClr val="tx1"/>
+      <a:schemeClr val="lt1"/>
     </cs:fontRef>
-    <cs:spPr>
-      <a:noFill/>
-      <a:ln>
-        <a:noFill/>
-      </a:ln>
-    </cs:spPr>
   </cs:floor>
   <cs:gridlineMajor>
     <cs:lnRef idx="0"/>
     <cs:fillRef idx="0"/>
     <cs:effectRef idx="0"/>
     <cs:fontRef idx="minor">
-      <a:schemeClr val="tx1"/>
+      <a:schemeClr val="lt1"/>
     </cs:fontRef>
     <cs:spPr>
       <a:ln w="9525" cap="flat" cmpd="sng" algn="ctr">
         <a:solidFill>
-          <a:schemeClr val="tx1">
-            <a:lumMod val="15000"/>
-            <a:lumOff val="85000"/>
+          <a:schemeClr val="lt1">
+            <a:lumMod val="95000"/>
+            <a:alpha val="10000"/>
           </a:schemeClr>
         </a:solidFill>
         <a:round/>
@@ -5030,17 +5145,16 @@
     <cs:fillRef idx="0"/>
     <cs:effectRef idx="0"/>
     <cs:fontRef idx="minor">
-      <a:schemeClr val="tx1"/>
+      <a:schemeClr val="lt1"/>
     </cs:fontRef>
     <cs:spPr>
-      <a:ln w="9525" cap="flat" cmpd="sng" algn="ctr">
+      <a:ln>
         <a:solidFill>
-          <a:schemeClr val="tx1">
-            <a:lumMod val="5000"/>
-            <a:lumOff val="95000"/>
+          <a:schemeClr val="lt1">
+            <a:lumMod val="95000"/>
+            <a:alpha val="5000"/>
           </a:schemeClr>
         </a:solidFill>
-        <a:round/>
       </a:ln>
     </cs:spPr>
   </cs:gridlineMinor>
@@ -5049,17 +5163,17 @@
     <cs:fillRef idx="0"/>
     <cs:effectRef idx="0"/>
     <cs:fontRef idx="minor">
-      <a:schemeClr val="tx1"/>
+      <a:schemeClr val="lt1"/>
     </cs:fontRef>
     <cs:spPr>
-      <a:ln w="9525" cap="flat" cmpd="sng" algn="ctr">
+      <a:ln w="9525">
         <a:solidFill>
-          <a:schemeClr val="tx1">
-            <a:lumMod val="75000"/>
-            <a:lumOff val="25000"/>
+          <a:schemeClr val="lt1">
+            <a:lumMod val="95000"/>
+            <a:alpha val="54000"/>
           </a:schemeClr>
         </a:solidFill>
-        <a:round/>
+        <a:prstDash val="dash"/>
       </a:ln>
     </cs:spPr>
   </cs:hiLoLine>
@@ -5068,17 +5182,16 @@
     <cs:fillRef idx="0"/>
     <cs:effectRef idx="0"/>
     <cs:fontRef idx="minor">
-      <a:schemeClr val="tx1"/>
+      <a:schemeClr val="lt1"/>
     </cs:fontRef>
     <cs:spPr>
-      <a:ln w="9525" cap="flat" cmpd="sng" algn="ctr">
+      <a:ln w="9525">
         <a:solidFill>
-          <a:schemeClr val="tx1">
-            <a:lumMod val="35000"/>
-            <a:lumOff val="65000"/>
+          <a:schemeClr val="lt1">
+            <a:lumMod val="95000"/>
+            <a:alpha val="54000"/>
           </a:schemeClr>
         </a:solidFill>
-        <a:round/>
       </a:ln>
     </cs:spPr>
   </cs:leaderLine>
@@ -5087,27 +5200,26 @@
     <cs:fillRef idx="0"/>
     <cs:effectRef idx="0"/>
     <cs:fontRef idx="minor">
-      <a:schemeClr val="tx1">
-        <a:lumMod val="65000"/>
-        <a:lumOff val="35000"/>
+      <a:schemeClr val="lt1">
+        <a:lumMod val="85000"/>
       </a:schemeClr>
     </cs:fontRef>
-    <cs:defRPr sz="900" kern="1200"/>
+    <cs:defRPr sz="1197" kern="1200"/>
   </cs:legend>
-  <cs:plotArea mods="allowNoFillOverride allowNoLineOverride">
+  <cs:plotArea>
     <cs:lnRef idx="0"/>
     <cs:fillRef idx="0"/>
     <cs:effectRef idx="0"/>
     <cs:fontRef idx="minor">
-      <a:schemeClr val="tx1"/>
+      <a:schemeClr val="lt1"/>
     </cs:fontRef>
   </cs:plotArea>
-  <cs:plotArea3D mods="allowNoFillOverride allowNoLineOverride">
+  <cs:plotArea3D>
     <cs:lnRef idx="0"/>
     <cs:fillRef idx="0"/>
     <cs:effectRef idx="0"/>
     <cs:fontRef idx="minor">
-      <a:schemeClr val="tx1"/>
+      <a:schemeClr val="lt1"/>
     </cs:fontRef>
   </cs:plotArea3D>
   <cs:seriesAxis>
@@ -5115,26 +5227,36 @@
     <cs:fillRef idx="0"/>
     <cs:effectRef idx="0"/>
     <cs:fontRef idx="minor">
-      <a:schemeClr val="tx1">
-        <a:lumMod val="65000"/>
-        <a:lumOff val="35000"/>
+      <a:schemeClr val="lt1">
+        <a:lumMod val="85000"/>
       </a:schemeClr>
     </cs:fontRef>
-    <cs:defRPr sz="900" kern="1200"/>
+    <cs:spPr>
+      <a:ln w="12700" cap="flat" cmpd="sng" algn="ctr">
+        <a:solidFill>
+          <a:schemeClr val="lt1">
+            <a:lumMod val="95000"/>
+            <a:alpha val="54000"/>
+          </a:schemeClr>
+        </a:solidFill>
+        <a:round/>
+      </a:ln>
+    </cs:spPr>
+    <cs:defRPr sz="1197" kern="1200"/>
   </cs:seriesAxis>
   <cs:seriesLine>
     <cs:lnRef idx="0"/>
     <cs:fillRef idx="0"/>
     <cs:effectRef idx="0"/>
     <cs:fontRef idx="minor">
-      <a:schemeClr val="tx1"/>
+      <a:schemeClr val="lt1"/>
     </cs:fontRef>
     <cs:spPr>
       <a:ln w="9525" cap="flat" cmpd="sng" algn="ctr">
         <a:solidFill>
-          <a:schemeClr val="tx1">
-            <a:lumMod val="35000"/>
-            <a:lumOff val="65000"/>
+          <a:schemeClr val="lt1">
+            <a:lumMod val="95000"/>
+            <a:alpha val="54000"/>
           </a:schemeClr>
         </a:solidFill>
         <a:round/>
@@ -5146,12 +5268,19 @@
     <cs:fillRef idx="0"/>
     <cs:effectRef idx="0"/>
     <cs:fontRef idx="minor">
-      <a:schemeClr val="tx1">
-        <a:lumMod val="65000"/>
-        <a:lumOff val="35000"/>
+      <a:schemeClr val="lt1">
+        <a:lumMod val="95000"/>
       </a:schemeClr>
     </cs:fontRef>
-    <cs:defRPr sz="1400" b="0" kern="1200" spc="0" baseline="0"/>
+    <cs:defRPr sz="2128" b="1" kern="1200" spc="100" baseline="0">
+      <a:effectLst>
+        <a:outerShdw blurRad="50800" dist="38100" dir="5400000" algn="t" rotWithShape="0">
+          <a:prstClr val="black">
+            <a:alpha val="40000"/>
+          </a:prstClr>
+        </a:outerShdw>
+      </a:effectLst>
+    </cs:defRPr>
   </cs:title>
   <cs:trendline>
     <cs:lnRef idx="0">
@@ -5160,14 +5289,13 @@
     <cs:fillRef idx="0"/>
     <cs:effectRef idx="0"/>
     <cs:fontRef idx="minor">
-      <a:schemeClr val="tx1"/>
+      <a:schemeClr val="lt1"/>
     </cs:fontRef>
     <cs:spPr>
       <a:ln w="19050" cap="rnd">
         <a:solidFill>
           <a:schemeClr val="phClr"/>
         </a:solidFill>
-        <a:prstDash val="sysDot"/>
       </a:ln>
     </cs:spPr>
   </cs:trendline>
@@ -5176,19 +5304,18 @@
     <cs:fillRef idx="0"/>
     <cs:effectRef idx="0"/>
     <cs:fontRef idx="minor">
-      <a:schemeClr val="tx1">
-        <a:lumMod val="65000"/>
-        <a:lumOff val="35000"/>
+      <a:schemeClr val="lt1">
+        <a:lumMod val="85000"/>
       </a:schemeClr>
     </cs:fontRef>
-    <cs:defRPr sz="900" kern="1200"/>
+    <cs:defRPr sz="1197" kern="1200"/>
   </cs:trendlineLabel>
   <cs:upBar>
     <cs:lnRef idx="0"/>
     <cs:fillRef idx="0"/>
     <cs:effectRef idx="0"/>
     <cs:fontRef idx="minor">
-      <a:schemeClr val="dk1"/>
+      <a:schemeClr val="lt1"/>
     </cs:fontRef>
     <cs:spPr>
       <a:solidFill>
@@ -5196,9 +5323,9 @@
       </a:solidFill>
       <a:ln w="9525">
         <a:solidFill>
-          <a:schemeClr val="tx1">
-            <a:lumMod val="15000"/>
-            <a:lumOff val="85000"/>
+          <a:schemeClr val="lt1">
+            <a:lumMod val="95000"/>
+            <a:alpha val="54000"/>
           </a:schemeClr>
         </a:solidFill>
       </a:ln>
@@ -5209,26 +5336,19 @@
     <cs:fillRef idx="0"/>
     <cs:effectRef idx="0"/>
     <cs:fontRef idx="minor">
-      <a:schemeClr val="tx1">
-        <a:lumMod val="65000"/>
-        <a:lumOff val="35000"/>
+      <a:schemeClr val="lt1">
+        <a:lumMod val="85000"/>
       </a:schemeClr>
     </cs:fontRef>
-    <cs:defRPr sz="900" kern="1200"/>
+    <cs:defRPr sz="1197" kern="1200"/>
   </cs:valueAxis>
   <cs:wall>
     <cs:lnRef idx="0"/>
     <cs:fillRef idx="0"/>
     <cs:effectRef idx="0"/>
     <cs:fontRef idx="minor">
-      <a:schemeClr val="tx1"/>
+      <a:schemeClr val="lt1"/>
     </cs:fontRef>
-    <cs:spPr>
-      <a:noFill/>
-      <a:ln>
-        <a:noFill/>
-      </a:ln>
-    </cs:spPr>
   </cs:wall>
 </cs:chartStyle>
 </file>
@@ -17550,7 +17670,7 @@
             <a:pPr algn="ctr"/>
             <a:r>
               <a:rPr lang="en-US" dirty="0"/>
-              <a:t>This is physical record size 4096</a:t>
+              <a:t>* With a physical record size of 4096</a:t>
             </a:r>
           </a:p>
         </p:txBody>
@@ -17570,14 +17690,14 @@
           <p:nvPr>
             <p:extLst>
               <p:ext uri="{D42A27DB-BD31-4B8C-83A1-F6EECF244321}">
-                <p14:modId xmlns:p14="http://schemas.microsoft.com/office/powerpoint/2010/main" val="1056938609"/>
+                <p14:modId xmlns:p14="http://schemas.microsoft.com/office/powerpoint/2010/main" val="1796511011"/>
               </p:ext>
             </p:extLst>
           </p:nvPr>
         </p:nvGraphicFramePr>
         <p:xfrm>
-          <a:off x="3158835" y="1615045"/>
-          <a:ext cx="5807033" cy="3721350"/>
+          <a:off x="2892489" y="1371599"/>
+          <a:ext cx="6400800" cy="4114800"/>
         </p:xfrm>
         <a:graphic>
           <a:graphicData uri="http://schemas.openxmlformats.org/drawingml/2006/chart">
@@ -17747,11 +17867,17 @@
           <p:cNvGraphicFramePr>
             <a:graphicFrameLocks/>
           </p:cNvGraphicFramePr>
-          <p:nvPr/>
+          <p:nvPr>
+            <p:extLst>
+              <p:ext uri="{D42A27DB-BD31-4B8C-83A1-F6EECF244321}">
+                <p14:modId xmlns:p14="http://schemas.microsoft.com/office/powerpoint/2010/main" val="4119521761"/>
+              </p:ext>
+            </p:extLst>
+          </p:nvPr>
         </p:nvGraphicFramePr>
         <p:xfrm>
-          <a:off x="3182587" y="1516856"/>
-          <a:ext cx="5783282" cy="3922037"/>
+          <a:off x="2892489" y="1371599"/>
+          <a:ext cx="6400800" cy="4114800"/>
         </p:xfrm>
         <a:graphic>
           <a:graphicData uri="http://schemas.openxmlformats.org/drawingml/2006/chart">
@@ -20697,14 +20823,14 @@
           <p:nvPr>
             <p:extLst>
               <p:ext uri="{D42A27DB-BD31-4B8C-83A1-F6EECF244321}">
-                <p14:modId xmlns:p14="http://schemas.microsoft.com/office/powerpoint/2010/main" val="3876237696"/>
+                <p14:modId xmlns:p14="http://schemas.microsoft.com/office/powerpoint/2010/main" val="647681923"/>
               </p:ext>
             </p:extLst>
           </p:nvPr>
         </p:nvGraphicFramePr>
         <p:xfrm>
-          <a:off x="615821" y="1686304"/>
-          <a:ext cx="5480180" cy="3884071"/>
+          <a:off x="615820" y="1686303"/>
+          <a:ext cx="5486400" cy="4572000"/>
         </p:xfrm>
         <a:graphic>
           <a:graphicData uri="http://schemas.openxmlformats.org/drawingml/2006/chart">
@@ -20727,14 +20853,14 @@
           <p:nvPr>
             <p:extLst>
               <p:ext uri="{D42A27DB-BD31-4B8C-83A1-F6EECF244321}">
-                <p14:modId xmlns:p14="http://schemas.microsoft.com/office/powerpoint/2010/main" val="1804255460"/>
+                <p14:modId xmlns:p14="http://schemas.microsoft.com/office/powerpoint/2010/main" val="4202395464"/>
               </p:ext>
             </p:extLst>
           </p:nvPr>
         </p:nvGraphicFramePr>
         <p:xfrm>
           <a:off x="6096001" y="1686304"/>
-          <a:ext cx="5473958" cy="3884066"/>
+          <a:ext cx="5486400" cy="4572000"/>
         </p:xfrm>
         <a:graphic>
           <a:graphicData uri="http://schemas.openxmlformats.org/drawingml/2006/chart">
@@ -20864,14 +20990,14 @@
           <p:nvPr>
             <p:extLst>
               <p:ext uri="{D42A27DB-BD31-4B8C-83A1-F6EECF244321}">
-                <p14:modId xmlns:p14="http://schemas.microsoft.com/office/powerpoint/2010/main" val="3259557444"/>
+                <p14:modId xmlns:p14="http://schemas.microsoft.com/office/powerpoint/2010/main" val="190651254"/>
               </p:ext>
             </p:extLst>
           </p:nvPr>
         </p:nvGraphicFramePr>
         <p:xfrm>
-          <a:off x="2493818" y="1752820"/>
-          <a:ext cx="8122722" cy="1497258"/>
+          <a:off x="2031528" y="1722120"/>
+          <a:ext cx="8122722" cy="1706880"/>
         </p:xfrm>
         <a:graphic>
           <a:graphicData uri="http://schemas.openxmlformats.org/drawingml/2006/table">
@@ -20910,7 +21036,7 @@
                     <a:p>
                       <a:pPr algn="ctr"/>
                       <a:r>
-                        <a:rPr lang="en-US" dirty="0">
+                        <a:rPr lang="en-US" sz="2200" dirty="0">
                           <a:solidFill>
                             <a:schemeClr val="tx1"/>
                           </a:solidFill>
@@ -20934,7 +21060,7 @@
                     <a:p>
                       <a:pPr algn="ctr"/>
                       <a:r>
-                        <a:rPr lang="en-US" dirty="0">
+                        <a:rPr lang="en-US" sz="2200" dirty="0">
                           <a:solidFill>
                             <a:schemeClr val="tx1"/>
                           </a:solidFill>
@@ -20958,7 +21084,7 @@
                     <a:p>
                       <a:pPr algn="ctr"/>
                       <a:r>
-                        <a:rPr lang="en-US" dirty="0">
+                        <a:rPr lang="en-US" sz="2200" dirty="0">
                           <a:solidFill>
                             <a:schemeClr val="tx1"/>
                           </a:solidFill>
@@ -20988,7 +21114,7 @@
                     <a:lstStyle/>
                     <a:p>
                       <a:r>
-                        <a:rPr lang="en-US" dirty="0"/>
+                        <a:rPr lang="en-US" sz="2200" dirty="0"/>
                         <a:t>t2 micro</a:t>
                       </a:r>
                     </a:p>
@@ -21001,7 +21127,7 @@
                     <a:lstStyle/>
                     <a:p>
                       <a:r>
-                        <a:rPr lang="en-US" dirty="0"/>
+                        <a:rPr lang="en-US" sz="2200" dirty="0"/>
                         <a:t>1 v Cores,  1 thread,1 GB , 2.5 GHz</a:t>
                       </a:r>
                     </a:p>
@@ -21014,7 +21140,7 @@
                     <a:lstStyle/>
                     <a:p>
                       <a:r>
-                        <a:rPr lang="en-US" dirty="0"/>
+                        <a:rPr lang="en-US" sz="2200" dirty="0"/>
                         <a:t>Free</a:t>
                       </a:r>
                     </a:p>
@@ -21034,7 +21160,7 @@
                     <a:lstStyle/>
                     <a:p>
                       <a:r>
-                        <a:rPr lang="en-US" dirty="0"/>
+                        <a:rPr lang="en-US" sz="2200" dirty="0"/>
                         <a:t>t3 large</a:t>
                       </a:r>
                     </a:p>
@@ -21047,7 +21173,7 @@
                     <a:lstStyle/>
                     <a:p>
                       <a:r>
-                        <a:rPr lang="en-US" dirty="0"/>
+                        <a:rPr lang="en-US" sz="2200" dirty="0"/>
                         <a:t>1 core, 2 threads</a:t>
                       </a:r>
                     </a:p>
@@ -21060,14 +21186,14 @@
                     <a:lstStyle/>
                     <a:p>
                       <a:r>
-                        <a:rPr lang="en-US" dirty="0"/>
+                        <a:rPr lang="en-US" sz="2200" dirty="0"/>
                         <a:t>$0.0832 /</a:t>
                       </a:r>
                       <a:r>
-                        <a:rPr lang="en-US" dirty="0" err="1"/>
+                        <a:rPr lang="en-US" sz="2200" dirty="0" err="1"/>
                         <a:t>hr</a:t>
                       </a:r>
-                      <a:endParaRPr lang="en-US" dirty="0"/>
+                      <a:endParaRPr lang="en-US" sz="2200" dirty="0"/>
                     </a:p>
                   </a:txBody>
                   <a:tcPr/>
@@ -21085,14 +21211,14 @@
                     <a:lstStyle/>
                     <a:p>
                       <a:r>
-                        <a:rPr lang="en-US" dirty="0"/>
+                        <a:rPr lang="en-US" sz="2200" dirty="0"/>
                         <a:t>d3 </a:t>
                       </a:r>
                       <a:r>
-                        <a:rPr lang="en-US" dirty="0" err="1"/>
+                        <a:rPr lang="en-US" sz="2200" dirty="0" err="1"/>
                         <a:t>xlarge</a:t>
                       </a:r>
-                      <a:endParaRPr lang="en-US" dirty="0"/>
+                      <a:endParaRPr lang="en-US" sz="2200" dirty="0"/>
                     </a:p>
                   </a:txBody>
                   <a:tcPr/>
@@ -21103,7 +21229,7 @@
                     <a:lstStyle/>
                     <a:p>
                       <a:r>
-                        <a:rPr lang="en-US" dirty="0"/>
+                        <a:rPr lang="en-US" sz="2200" dirty="0"/>
                         <a:t>2 cores, 4 threads, 32 GB, 2.5 GHz</a:t>
                       </a:r>
                     </a:p>
@@ -21116,14 +21242,14 @@
                     <a:lstStyle/>
                     <a:p>
                       <a:r>
-                        <a:rPr lang="en-US" dirty="0"/>
+                        <a:rPr lang="en-US" sz="2200" dirty="0"/>
                         <a:t>$0.499 / </a:t>
                       </a:r>
                       <a:r>
-                        <a:rPr lang="en-US" dirty="0" err="1"/>
+                        <a:rPr lang="en-US" sz="2200" dirty="0" err="1"/>
                         <a:t>hr</a:t>
                       </a:r>
-                      <a:endParaRPr lang="en-US" dirty="0"/>
+                      <a:endParaRPr lang="en-US" sz="2200" dirty="0"/>
                     </a:p>
                   </a:txBody>
                   <a:tcPr/>

--- a/Proj_presentation.pptx
+++ b/Proj_presentation.pptx
@@ -5,7 +5,7 @@
     <p:sldMasterId id="2147483648" r:id="rId1"/>
   </p:sldMasterIdLst>
   <p:notesMasterIdLst>
-    <p:notesMasterId r:id="rId13"/>
+    <p:notesMasterId r:id="rId15"/>
   </p:notesMasterIdLst>
   <p:sldIdLst>
     <p:sldId id="256" r:id="rId2"/>
@@ -18,7 +18,9 @@
     <p:sldId id="265" r:id="rId9"/>
     <p:sldId id="268" r:id="rId10"/>
     <p:sldId id="266" r:id="rId11"/>
-    <p:sldId id="267" r:id="rId12"/>
+    <p:sldId id="270" r:id="rId12"/>
+    <p:sldId id="267" r:id="rId13"/>
+    <p:sldId id="269" r:id="rId14"/>
   </p:sldIdLst>
   <p:sldSz cx="12192000" cy="6858000"/>
   <p:notesSz cx="6858000" cy="9144000"/>
@@ -146,9 +148,12 @@
           <a:lstStyle/>
           <a:p>
             <a:pPr>
-              <a:defRPr sz="2000" b="1" i="0" u="none" strike="noStrike" kern="1200" spc="0" baseline="0">
+              <a:defRPr sz="1400" b="0" i="0" u="none" strike="noStrike" kern="1200" spc="0" baseline="0">
                 <a:solidFill>
-                  <a:schemeClr val="tx1"/>
+                  <a:schemeClr val="tx1">
+                    <a:lumMod val="65000"/>
+                    <a:lumOff val="35000"/>
+                  </a:schemeClr>
                 </a:solidFill>
                 <a:latin typeface="+mn-lt"/>
                 <a:ea typeface="+mn-ea"/>
@@ -156,46 +161,34 @@
               </a:defRPr>
             </a:pPr>
             <a:r>
-              <a:rPr lang="en-US" sz="2000" b="1">
-                <a:solidFill>
-                  <a:schemeClr val="tx1"/>
-                </a:solidFill>
-              </a:rPr>
+              <a:rPr lang="en-US" dirty="0"/>
               <a:t>WSL Test Run</a:t>
             </a:r>
           </a:p>
           <a:p>
             <a:pPr>
-              <a:defRPr sz="2000" b="1">
-                <a:solidFill>
-                  <a:schemeClr val="tx1"/>
-                </a:solidFill>
-              </a:defRPr>
+              <a:defRPr/>
             </a:pPr>
             <a:r>
-              <a:rPr lang="en-US" sz="2000" b="1">
-                <a:solidFill>
-                  <a:schemeClr val="tx1"/>
-                </a:solidFill>
-              </a:rPr>
+              <a:rPr lang="en-US" dirty="0"/>
               <a:t>Times</a:t>
             </a:r>
             <a:r>
-              <a:rPr lang="en-US" sz="2000" b="1" baseline="0">
-                <a:solidFill>
-                  <a:schemeClr val="tx1"/>
-                </a:solidFill>
-              </a:rPr>
+              <a:rPr lang="en-US" baseline="0" dirty="0"/>
               <a:t> in seconds</a:t>
             </a:r>
-            <a:endParaRPr lang="en-US" sz="2000" b="1">
-              <a:solidFill>
-                <a:schemeClr val="tx1"/>
-              </a:solidFill>
-            </a:endParaRPr>
+            <a:endParaRPr lang="en-US" dirty="0"/>
           </a:p>
         </c:rich>
       </c:tx>
+      <c:layout>
+        <c:manualLayout>
+          <c:xMode val="edge"/>
+          <c:yMode val="edge"/>
+          <c:x val="0.37182767284481488"/>
+          <c:y val="2.810715465408558E-2"/>
+        </c:manualLayout>
+      </c:layout>
       <c:overlay val="0"/>
       <c:spPr>
         <a:noFill/>
@@ -209,9 +202,12 @@
         <a:lstStyle/>
         <a:p>
           <a:pPr>
-            <a:defRPr sz="2000" b="1" i="0" u="none" strike="noStrike" kern="1200" spc="0" baseline="0">
+            <a:defRPr sz="1400" b="0" i="0" u="none" strike="noStrike" kern="1200" spc="0" baseline="0">
               <a:solidFill>
-                <a:schemeClr val="tx1"/>
+                <a:schemeClr val="tx1">
+                  <a:lumMod val="65000"/>
+                  <a:lumOff val="35000"/>
+                </a:schemeClr>
               </a:solidFill>
               <a:latin typeface="+mn-lt"/>
               <a:ea typeface="+mn-ea"/>
@@ -323,7 +319,7 @@
           <c:smooth val="0"/>
           <c:extLst>
             <c:ext xmlns:c16="http://schemas.microsoft.com/office/drawing/2014/chart" uri="{C3380CC4-5D6E-409C-BE32-E72D297353CC}">
-              <c16:uniqueId val="{00000000-2636-4E1A-9C52-D3812D4D85B0}"/>
+              <c16:uniqueId val="{00000000-99D2-4E2B-9EA4-14F638CD01F0}"/>
             </c:ext>
           </c:extLst>
         </c:ser>
@@ -422,7 +418,7 @@
           <c:smooth val="0"/>
           <c:extLst>
             <c:ext xmlns:c16="http://schemas.microsoft.com/office/drawing/2014/chart" uri="{C3380CC4-5D6E-409C-BE32-E72D297353CC}">
-              <c16:uniqueId val="{00000001-2636-4E1A-9C52-D3812D4D85B0}"/>
+              <c16:uniqueId val="{00000001-99D2-4E2B-9EA4-14F638CD01F0}"/>
             </c:ext>
           </c:extLst>
         </c:ser>
@@ -521,7 +517,7 @@
           <c:smooth val="0"/>
           <c:extLst>
             <c:ext xmlns:c16="http://schemas.microsoft.com/office/drawing/2014/chart" uri="{C3380CC4-5D6E-409C-BE32-E72D297353CC}">
-              <c16:uniqueId val="{00000002-2636-4E1A-9C52-D3812D4D85B0}"/>
+              <c16:uniqueId val="{00000002-99D2-4E2B-9EA4-14F638CD01F0}"/>
             </c:ext>
           </c:extLst>
         </c:ser>
@@ -542,7 +538,7 @@
           <c:spPr>
             <a:ln w="28575" cap="rnd">
               <a:solidFill>
-                <a:schemeClr val="accent4"/>
+                <a:srgbClr val="7030A0"/>
               </a:solidFill>
               <a:round/>
             </a:ln>
@@ -620,7 +616,7 @@
           <c:smooth val="0"/>
           <c:extLst>
             <c:ext xmlns:c16="http://schemas.microsoft.com/office/drawing/2014/chart" uri="{C3380CC4-5D6E-409C-BE32-E72D297353CC}">
-              <c16:uniqueId val="{00000003-2636-4E1A-9C52-D3812D4D85B0}"/>
+              <c16:uniqueId val="{00000003-99D2-4E2B-9EA4-14F638CD01F0}"/>
             </c:ext>
           </c:extLst>
         </c:ser>
@@ -719,7 +715,7 @@
           <c:smooth val="0"/>
           <c:extLst>
             <c:ext xmlns:c16="http://schemas.microsoft.com/office/drawing/2014/chart" uri="{C3380CC4-5D6E-409C-BE32-E72D297353CC}">
-              <c16:uniqueId val="{00000004-2636-4E1A-9C52-D3812D4D85B0}"/>
+              <c16:uniqueId val="{00000004-99D2-4E2B-9EA4-14F638CD01F0}"/>
             </c:ext>
           </c:extLst>
         </c:ser>
@@ -765,9 +761,12 @@
           <a:lstStyle/>
           <a:p>
             <a:pPr>
-              <a:defRPr sz="1400" b="0" i="0" u="none" strike="noStrike" kern="1200" baseline="0">
+              <a:defRPr sz="1100" b="0" i="0" u="none" strike="noStrike" kern="1200" baseline="0">
                 <a:solidFill>
-                  <a:schemeClr val="tx1"/>
+                  <a:schemeClr val="tx1">
+                    <a:lumMod val="65000"/>
+                    <a:lumOff val="35000"/>
+                  </a:schemeClr>
                 </a:solidFill>
                 <a:latin typeface="+mn-lt"/>
                 <a:ea typeface="+mn-ea"/>
@@ -805,7 +804,7 @@
             <a:effectLst/>
           </c:spPr>
         </c:majorGridlines>
-        <c:numFmt formatCode="General" sourceLinked="1"/>
+        <c:numFmt formatCode="#,##0.00" sourceLinked="0"/>
         <c:majorTickMark val="none"/>
         <c:minorTickMark val="none"/>
         <c:tickLblPos val="nextTo"/>
@@ -821,9 +820,12 @@
           <a:lstStyle/>
           <a:p>
             <a:pPr>
-              <a:defRPr sz="1400" b="0" i="0" u="none" strike="noStrike" kern="1200" baseline="0">
+              <a:defRPr sz="1050" b="0" i="0" u="none" strike="noStrike" kern="1200" baseline="0">
                 <a:solidFill>
-                  <a:schemeClr val="tx1"/>
+                  <a:schemeClr val="tx1">
+                    <a:lumMod val="65000"/>
+                    <a:lumOff val="35000"/>
+                  </a:schemeClr>
                 </a:solidFill>
                 <a:latin typeface="+mn-lt"/>
                 <a:ea typeface="+mn-ea"/>
@@ -854,9 +856,12 @@
           <a:lstStyle/>
           <a:p>
             <a:pPr>
-              <a:defRPr sz="1400" b="0" i="0" u="none" strike="noStrike" kern="1200" baseline="0">
+              <a:defRPr sz="1100" b="0" i="0" u="none" strike="noStrike" kern="1200" baseline="0">
                 <a:solidFill>
-                  <a:schemeClr val="tx1"/>
+                  <a:schemeClr val="tx1">
+                    <a:lumMod val="65000"/>
+                    <a:lumOff val="35000"/>
+                  </a:schemeClr>
                 </a:solidFill>
                 <a:latin typeface="+mn-lt"/>
                 <a:ea typeface="+mn-ea"/>
@@ -874,9 +879,12 @@
           <a:lstStyle/>
           <a:p>
             <a:pPr>
-              <a:defRPr sz="1400" b="0" i="0" u="none" strike="noStrike" kern="1200" baseline="0">
+              <a:defRPr sz="1100" b="0" i="0" u="none" strike="noStrike" kern="1200" baseline="0">
                 <a:solidFill>
-                  <a:schemeClr val="tx1"/>
+                  <a:schemeClr val="tx1">
+                    <a:lumMod val="65000"/>
+                    <a:lumOff val="35000"/>
+                  </a:schemeClr>
                 </a:solidFill>
                 <a:latin typeface="+mn-lt"/>
                 <a:ea typeface="+mn-ea"/>
@@ -894,9 +902,12 @@
           <a:lstStyle/>
           <a:p>
             <a:pPr>
-              <a:defRPr sz="1400" b="0" i="0" u="none" strike="noStrike" kern="1200" baseline="0">
+              <a:defRPr sz="1100" b="0" i="0" u="none" strike="noStrike" kern="1200" baseline="0">
                 <a:solidFill>
-                  <a:schemeClr val="tx1"/>
+                  <a:schemeClr val="tx1">
+                    <a:lumMod val="65000"/>
+                    <a:lumOff val="35000"/>
+                  </a:schemeClr>
                 </a:solidFill>
                 <a:latin typeface="+mn-lt"/>
                 <a:ea typeface="+mn-ea"/>
@@ -914,9 +925,12 @@
           <a:lstStyle/>
           <a:p>
             <a:pPr>
-              <a:defRPr sz="1400" b="0" i="0" u="none" strike="noStrike" kern="1200" baseline="0">
+              <a:defRPr sz="1100" b="0" i="0" u="none" strike="noStrike" kern="1200" baseline="0">
                 <a:solidFill>
-                  <a:schemeClr val="tx1"/>
+                  <a:schemeClr val="tx1">
+                    <a:lumMod val="65000"/>
+                    <a:lumOff val="35000"/>
+                  </a:schemeClr>
                 </a:solidFill>
                 <a:latin typeface="+mn-lt"/>
                 <a:ea typeface="+mn-ea"/>
@@ -934,9 +948,12 @@
           <a:lstStyle/>
           <a:p>
             <a:pPr>
-              <a:defRPr sz="1400" b="0" i="0" u="none" strike="noStrike" kern="1200" baseline="0">
+              <a:defRPr sz="1100" b="0" i="0" u="none" strike="noStrike" kern="1200" baseline="0">
                 <a:solidFill>
-                  <a:schemeClr val="tx1"/>
+                  <a:schemeClr val="tx1">
+                    <a:lumMod val="65000"/>
+                    <a:lumOff val="35000"/>
+                  </a:schemeClr>
                 </a:solidFill>
                 <a:latin typeface="+mn-lt"/>
                 <a:ea typeface="+mn-ea"/>
@@ -960,9 +977,12 @@
         <a:lstStyle/>
         <a:p>
           <a:pPr>
-            <a:defRPr sz="1400" b="0" i="0" u="none" strike="noStrike" kern="1200" baseline="0">
+            <a:defRPr sz="900" b="0" i="0" u="none" strike="noStrike" kern="1200" baseline="0">
               <a:solidFill>
-                <a:schemeClr val="tx1"/>
+                <a:schemeClr val="tx1">
+                  <a:lumMod val="65000"/>
+                  <a:lumOff val="35000"/>
+                </a:schemeClr>
               </a:solidFill>
               <a:latin typeface="+mn-lt"/>
               <a:ea typeface="+mn-ea"/>
@@ -1028,9 +1048,12 @@
           <a:lstStyle/>
           <a:p>
             <a:pPr>
-              <a:defRPr sz="2000" b="1" i="0" u="none" strike="noStrike" kern="1200" spc="0" baseline="0">
+              <a:defRPr sz="1400" b="0" i="0" u="none" strike="noStrike" kern="1200" spc="0" baseline="0">
                 <a:solidFill>
-                  <a:schemeClr val="tx1"/>
+                  <a:schemeClr val="tx1">
+                    <a:lumMod val="65000"/>
+                    <a:lumOff val="35000"/>
+                  </a:schemeClr>
                 </a:solidFill>
                 <a:latin typeface="+mn-lt"/>
                 <a:ea typeface="+mn-ea"/>
@@ -1038,43 +1061,23 @@
               </a:defRPr>
             </a:pPr>
             <a:r>
-              <a:rPr lang="en-US" sz="2000" b="1">
-                <a:solidFill>
-                  <a:schemeClr val="tx1"/>
-                </a:solidFill>
-              </a:rPr>
+              <a:rPr lang="en-US"/>
               <a:t>T2</a:t>
             </a:r>
             <a:r>
-              <a:rPr lang="en-US" sz="2000" b="1" baseline="0">
-                <a:solidFill>
-                  <a:schemeClr val="tx1"/>
-                </a:solidFill>
-              </a:rPr>
+              <a:rPr lang="en-US" baseline="0"/>
               <a:t> Micro</a:t>
             </a:r>
           </a:p>
           <a:p>
             <a:pPr>
-              <a:defRPr sz="2000" b="1">
-                <a:solidFill>
-                  <a:schemeClr val="tx1"/>
-                </a:solidFill>
-              </a:defRPr>
+              <a:defRPr/>
             </a:pPr>
             <a:r>
-              <a:rPr lang="en-US" sz="2000" b="1" baseline="0">
-                <a:solidFill>
-                  <a:schemeClr val="tx1"/>
-                </a:solidFill>
-              </a:rPr>
+              <a:rPr lang="en-US" baseline="0"/>
               <a:t>Times in Seconds</a:t>
             </a:r>
-            <a:endParaRPr lang="en-US" sz="2000" b="1">
-              <a:solidFill>
-                <a:schemeClr val="tx1"/>
-              </a:solidFill>
-            </a:endParaRPr>
+            <a:endParaRPr lang="en-US"/>
           </a:p>
         </c:rich>
       </c:tx>
@@ -1091,9 +1094,12 @@
         <a:lstStyle/>
         <a:p>
           <a:pPr>
-            <a:defRPr sz="2000" b="1" i="0" u="none" strike="noStrike" kern="1200" spc="0" baseline="0">
+            <a:defRPr sz="1400" b="0" i="0" u="none" strike="noStrike" kern="1200" spc="0" baseline="0">
               <a:solidFill>
-                <a:schemeClr val="tx1"/>
+                <a:schemeClr val="tx1">
+                  <a:lumMod val="65000"/>
+                  <a:lumOff val="35000"/>
+                </a:schemeClr>
               </a:solidFill>
               <a:latin typeface="+mn-lt"/>
               <a:ea typeface="+mn-ea"/>
@@ -1205,7 +1211,7 @@
           <c:smooth val="0"/>
           <c:extLst>
             <c:ext xmlns:c16="http://schemas.microsoft.com/office/drawing/2014/chart" uri="{C3380CC4-5D6E-409C-BE32-E72D297353CC}">
-              <c16:uniqueId val="{00000000-BEA0-4D03-B777-43C3D5171F58}"/>
+              <c16:uniqueId val="{00000000-EF27-4547-A2C2-4DEC8E076164}"/>
             </c:ext>
           </c:extLst>
         </c:ser>
@@ -1304,7 +1310,7 @@
           <c:smooth val="0"/>
           <c:extLst>
             <c:ext xmlns:c16="http://schemas.microsoft.com/office/drawing/2014/chart" uri="{C3380CC4-5D6E-409C-BE32-E72D297353CC}">
-              <c16:uniqueId val="{00000001-BEA0-4D03-B777-43C3D5171F58}"/>
+              <c16:uniqueId val="{00000001-EF27-4547-A2C2-4DEC8E076164}"/>
             </c:ext>
           </c:extLst>
         </c:ser>
@@ -1403,7 +1409,7 @@
           <c:smooth val="0"/>
           <c:extLst>
             <c:ext xmlns:c16="http://schemas.microsoft.com/office/drawing/2014/chart" uri="{C3380CC4-5D6E-409C-BE32-E72D297353CC}">
-              <c16:uniqueId val="{00000002-BEA0-4D03-B777-43C3D5171F58}"/>
+              <c16:uniqueId val="{00000002-EF27-4547-A2C2-4DEC8E076164}"/>
             </c:ext>
           </c:extLst>
         </c:ser>
@@ -1424,7 +1430,7 @@
           <c:spPr>
             <a:ln w="28575" cap="rnd">
               <a:solidFill>
-                <a:schemeClr val="accent4"/>
+                <a:srgbClr val="7030A0"/>
               </a:solidFill>
               <a:round/>
             </a:ln>
@@ -1502,7 +1508,7 @@
           <c:smooth val="0"/>
           <c:extLst>
             <c:ext xmlns:c16="http://schemas.microsoft.com/office/drawing/2014/chart" uri="{C3380CC4-5D6E-409C-BE32-E72D297353CC}">
-              <c16:uniqueId val="{00000003-BEA0-4D03-B777-43C3D5171F58}"/>
+              <c16:uniqueId val="{00000003-EF27-4547-A2C2-4DEC8E076164}"/>
             </c:ext>
           </c:extLst>
         </c:ser>
@@ -1601,7 +1607,7 @@
           <c:smooth val="0"/>
           <c:extLst>
             <c:ext xmlns:c16="http://schemas.microsoft.com/office/drawing/2014/chart" uri="{C3380CC4-5D6E-409C-BE32-E72D297353CC}">
-              <c16:uniqueId val="{00000004-BEA0-4D03-B777-43C3D5171F58}"/>
+              <c16:uniqueId val="{00000004-EF27-4547-A2C2-4DEC8E076164}"/>
             </c:ext>
           </c:extLst>
         </c:ser>
@@ -1647,9 +1653,12 @@
           <a:lstStyle/>
           <a:p>
             <a:pPr>
-              <a:defRPr sz="1400" b="0" i="0" u="none" strike="noStrike" kern="1200" baseline="0">
+              <a:defRPr sz="1050" b="0" i="0" u="none" strike="noStrike" kern="1200" baseline="0">
                 <a:solidFill>
-                  <a:schemeClr val="tx1"/>
+                  <a:schemeClr val="tx1">
+                    <a:lumMod val="65000"/>
+                    <a:lumOff val="35000"/>
+                  </a:schemeClr>
                 </a:solidFill>
                 <a:latin typeface="+mn-lt"/>
                 <a:ea typeface="+mn-ea"/>
@@ -1687,7 +1696,7 @@
             <a:effectLst/>
           </c:spPr>
         </c:majorGridlines>
-        <c:numFmt formatCode="General" sourceLinked="1"/>
+        <c:numFmt formatCode="#,##0.00" sourceLinked="0"/>
         <c:majorTickMark val="none"/>
         <c:minorTickMark val="none"/>
         <c:tickLblPos val="nextTo"/>
@@ -1703,9 +1712,12 @@
           <a:lstStyle/>
           <a:p>
             <a:pPr>
-              <a:defRPr sz="1400" b="0" i="0" u="none" strike="noStrike" kern="1200" baseline="0">
+              <a:defRPr sz="1050" b="0" i="0" u="none" strike="noStrike" kern="1200" baseline="0">
                 <a:solidFill>
-                  <a:schemeClr val="tx1"/>
+                  <a:schemeClr val="tx1">
+                    <a:lumMod val="65000"/>
+                    <a:lumOff val="35000"/>
+                  </a:schemeClr>
                 </a:solidFill>
                 <a:latin typeface="+mn-lt"/>
                 <a:ea typeface="+mn-ea"/>
@@ -1736,9 +1748,12 @@
           <a:lstStyle/>
           <a:p>
             <a:pPr>
-              <a:defRPr sz="1400" b="0" i="0" u="none" strike="noStrike" kern="1200" baseline="0">
+              <a:defRPr sz="1100" b="0" i="0" u="none" strike="noStrike" kern="1200" baseline="0">
                 <a:solidFill>
-                  <a:schemeClr val="tx1"/>
+                  <a:schemeClr val="tx1">
+                    <a:lumMod val="65000"/>
+                    <a:lumOff val="35000"/>
+                  </a:schemeClr>
                 </a:solidFill>
                 <a:latin typeface="+mn-lt"/>
                 <a:ea typeface="+mn-ea"/>
@@ -1756,9 +1771,12 @@
           <a:lstStyle/>
           <a:p>
             <a:pPr>
-              <a:defRPr sz="1400" b="0" i="0" u="none" strike="noStrike" kern="1200" baseline="0">
+              <a:defRPr sz="1100" b="0" i="0" u="none" strike="noStrike" kern="1200" baseline="0">
                 <a:solidFill>
-                  <a:schemeClr val="tx1"/>
+                  <a:schemeClr val="tx1">
+                    <a:lumMod val="65000"/>
+                    <a:lumOff val="35000"/>
+                  </a:schemeClr>
                 </a:solidFill>
                 <a:latin typeface="+mn-lt"/>
                 <a:ea typeface="+mn-ea"/>
@@ -1776,9 +1794,12 @@
           <a:lstStyle/>
           <a:p>
             <a:pPr>
-              <a:defRPr sz="1400" b="0" i="0" u="none" strike="noStrike" kern="1200" baseline="0">
+              <a:defRPr sz="1100" b="0" i="0" u="none" strike="noStrike" kern="1200" baseline="0">
                 <a:solidFill>
-                  <a:schemeClr val="tx1"/>
+                  <a:schemeClr val="tx1">
+                    <a:lumMod val="65000"/>
+                    <a:lumOff val="35000"/>
+                  </a:schemeClr>
                 </a:solidFill>
                 <a:latin typeface="+mn-lt"/>
                 <a:ea typeface="+mn-ea"/>
@@ -1796,9 +1817,12 @@
           <a:lstStyle/>
           <a:p>
             <a:pPr>
-              <a:defRPr sz="1400" b="0" i="0" u="none" strike="noStrike" kern="1200" baseline="0">
+              <a:defRPr sz="1100" b="0" i="0" u="none" strike="noStrike" kern="1200" baseline="0">
                 <a:solidFill>
-                  <a:schemeClr val="tx1"/>
+                  <a:schemeClr val="tx1">
+                    <a:lumMod val="65000"/>
+                    <a:lumOff val="35000"/>
+                  </a:schemeClr>
                 </a:solidFill>
                 <a:latin typeface="+mn-lt"/>
                 <a:ea typeface="+mn-ea"/>
@@ -1816,9 +1840,12 @@
           <a:lstStyle/>
           <a:p>
             <a:pPr>
-              <a:defRPr sz="1400" b="0" i="0" u="none" strike="noStrike" kern="1200" baseline="0">
+              <a:defRPr sz="1100" b="0" i="0" u="none" strike="noStrike" kern="1200" baseline="0">
                 <a:solidFill>
-                  <a:schemeClr val="tx1"/>
+                  <a:schemeClr val="tx1">
+                    <a:lumMod val="65000"/>
+                    <a:lumOff val="35000"/>
+                  </a:schemeClr>
                 </a:solidFill>
                 <a:latin typeface="+mn-lt"/>
                 <a:ea typeface="+mn-ea"/>
@@ -1842,9 +1869,12 @@
         <a:lstStyle/>
         <a:p>
           <a:pPr>
-            <a:defRPr sz="1400" b="0" i="0" u="none" strike="noStrike" kern="1200" baseline="0">
+            <a:defRPr sz="900" b="0" i="0" u="none" strike="noStrike" kern="1200" baseline="0">
               <a:solidFill>
-                <a:schemeClr val="tx1"/>
+                <a:schemeClr val="tx1">
+                  <a:lumMod val="65000"/>
+                  <a:lumOff val="35000"/>
+                </a:schemeClr>
               </a:solidFill>
               <a:latin typeface="+mn-lt"/>
               <a:ea typeface="+mn-ea"/>
@@ -1910,27 +1940,18 @@
           <a:lstStyle/>
           <a:p>
             <a:pPr>
-              <a:defRPr sz="2400" b="1" i="0" u="none" strike="noStrike" kern="1200" spc="100" baseline="0">
+              <a:defRPr sz="1600" b="0" i="0" u="none" strike="noStrike" kern="1200" spc="0" baseline="0">
                 <a:solidFill>
-                  <a:schemeClr val="lt1">
-                    <a:lumMod val="95000"/>
-                  </a:schemeClr>
+                  <a:schemeClr val="bg1"/>
                 </a:solidFill>
-                <a:effectLst>
-                  <a:outerShdw blurRad="50800" dist="38100" dir="5400000" algn="t" rotWithShape="0">
-                    <a:prstClr val="black">
-                      <a:alpha val="40000"/>
-                    </a:prstClr>
-                  </a:outerShdw>
-                </a:effectLst>
                 <a:latin typeface="+mn-lt"/>
                 <a:ea typeface="+mn-ea"/>
                 <a:cs typeface="+mn-cs"/>
               </a:defRPr>
             </a:pPr>
             <a:r>
-              <a:rPr lang="en-US" sz="2400"/>
-              <a:t>Processing Time To Build Dictionary</a:t>
+              <a:rPr lang="en-US" sz="2400" b="1" dirty="0"/>
+              <a:t>Time to Build Dictionary</a:t>
             </a:r>
           </a:p>
         </c:rich>
@@ -1948,19 +1969,10 @@
         <a:lstStyle/>
         <a:p>
           <a:pPr>
-            <a:defRPr sz="2400" b="1" i="0" u="none" strike="noStrike" kern="1200" spc="100" baseline="0">
+            <a:defRPr sz="1600" b="0" i="0" u="none" strike="noStrike" kern="1200" spc="0" baseline="0">
               <a:solidFill>
-                <a:schemeClr val="lt1">
-                  <a:lumMod val="95000"/>
-                </a:schemeClr>
+                <a:schemeClr val="bg1"/>
               </a:solidFill>
-              <a:effectLst>
-                <a:outerShdw blurRad="50800" dist="38100" dir="5400000" algn="t" rotWithShape="0">
-                  <a:prstClr val="black">
-                    <a:alpha val="40000"/>
-                  </a:prstClr>
-                </a:outerShdw>
-              </a:effectLst>
               <a:latin typeface="+mn-lt"/>
               <a:ea typeface="+mn-ea"/>
               <a:cs typeface="+mn-cs"/>
@@ -1992,42 +2004,13 @@
             </c:strRef>
           </c:tx>
           <c:spPr>
-            <a:gradFill rotWithShape="1">
-              <a:gsLst>
-                <a:gs pos="0">
-                  <a:schemeClr val="accent1">
-                    <a:satMod val="103000"/>
-                    <a:lumMod val="102000"/>
-                    <a:tint val="94000"/>
-                  </a:schemeClr>
-                </a:gs>
-                <a:gs pos="50000">
-                  <a:schemeClr val="accent1">
-                    <a:satMod val="110000"/>
-                    <a:lumMod val="100000"/>
-                    <a:shade val="100000"/>
-                  </a:schemeClr>
-                </a:gs>
-                <a:gs pos="100000">
-                  <a:schemeClr val="accent1">
-                    <a:lumMod val="99000"/>
-                    <a:satMod val="120000"/>
-                    <a:shade val="78000"/>
-                  </a:schemeClr>
-                </a:gs>
-              </a:gsLst>
-              <a:lin ang="5400000" scaled="0"/>
-            </a:gradFill>
+            <a:solidFill>
+              <a:schemeClr val="accent1"/>
+            </a:solidFill>
             <a:ln>
               <a:noFill/>
             </a:ln>
-            <a:effectLst>
-              <a:outerShdw blurRad="57150" dist="19050" dir="5400000" algn="ctr" rotWithShape="0">
-                <a:srgbClr val="000000">
-                  <a:alpha val="63000"/>
-                </a:srgbClr>
-              </a:outerShdw>
-            </a:effectLst>
+            <a:effectLst/>
           </c:spPr>
           <c:invertIfNegative val="0"/>
           <c:cat>
@@ -2068,7 +2051,7 @@
           </c:val>
           <c:extLst>
             <c:ext xmlns:c16="http://schemas.microsoft.com/office/drawing/2014/chart" uri="{C3380CC4-5D6E-409C-BE32-E72D297353CC}">
-              <c16:uniqueId val="{00000000-DA3C-4CF4-8365-0ACFD8B880E3}"/>
+              <c16:uniqueId val="{00000000-FF0A-450C-9320-985DF61CFFFC}"/>
             </c:ext>
           </c:extLst>
         </c:ser>
@@ -2087,42 +2070,13 @@
             </c:strRef>
           </c:tx>
           <c:spPr>
-            <a:gradFill rotWithShape="1">
-              <a:gsLst>
-                <a:gs pos="0">
-                  <a:schemeClr val="accent2">
-                    <a:satMod val="103000"/>
-                    <a:lumMod val="102000"/>
-                    <a:tint val="94000"/>
-                  </a:schemeClr>
-                </a:gs>
-                <a:gs pos="50000">
-                  <a:schemeClr val="accent2">
-                    <a:satMod val="110000"/>
-                    <a:lumMod val="100000"/>
-                    <a:shade val="100000"/>
-                  </a:schemeClr>
-                </a:gs>
-                <a:gs pos="100000">
-                  <a:schemeClr val="accent2">
-                    <a:lumMod val="99000"/>
-                    <a:satMod val="120000"/>
-                    <a:shade val="78000"/>
-                  </a:schemeClr>
-                </a:gs>
-              </a:gsLst>
-              <a:lin ang="5400000" scaled="0"/>
-            </a:gradFill>
+            <a:solidFill>
+              <a:schemeClr val="accent2"/>
+            </a:solidFill>
             <a:ln>
               <a:noFill/>
             </a:ln>
-            <a:effectLst>
-              <a:outerShdw blurRad="57150" dist="19050" dir="5400000" algn="ctr" rotWithShape="0">
-                <a:srgbClr val="000000">
-                  <a:alpha val="63000"/>
-                </a:srgbClr>
-              </a:outerShdw>
-            </a:effectLst>
+            <a:effectLst/>
           </c:spPr>
           <c:invertIfNegative val="0"/>
           <c:cat>
@@ -2163,7 +2117,7 @@
           </c:val>
           <c:extLst>
             <c:ext xmlns:c16="http://schemas.microsoft.com/office/drawing/2014/chart" uri="{C3380CC4-5D6E-409C-BE32-E72D297353CC}">
-              <c16:uniqueId val="{00000001-DA3C-4CF4-8365-0ACFD8B880E3}"/>
+              <c16:uniqueId val="{00000001-FF0A-450C-9320-985DF61CFFFC}"/>
             </c:ext>
           </c:extLst>
         </c:ser>
@@ -2182,42 +2136,13 @@
             </c:strRef>
           </c:tx>
           <c:spPr>
-            <a:gradFill rotWithShape="1">
-              <a:gsLst>
-                <a:gs pos="0">
-                  <a:schemeClr val="accent3">
-                    <a:satMod val="103000"/>
-                    <a:lumMod val="102000"/>
-                    <a:tint val="94000"/>
-                  </a:schemeClr>
-                </a:gs>
-                <a:gs pos="50000">
-                  <a:schemeClr val="accent3">
-                    <a:satMod val="110000"/>
-                    <a:lumMod val="100000"/>
-                    <a:shade val="100000"/>
-                  </a:schemeClr>
-                </a:gs>
-                <a:gs pos="100000">
-                  <a:schemeClr val="accent3">
-                    <a:lumMod val="99000"/>
-                    <a:satMod val="120000"/>
-                    <a:shade val="78000"/>
-                  </a:schemeClr>
-                </a:gs>
-              </a:gsLst>
-              <a:lin ang="5400000" scaled="0"/>
-            </a:gradFill>
+            <a:solidFill>
+              <a:schemeClr val="accent3"/>
+            </a:solidFill>
             <a:ln>
               <a:noFill/>
             </a:ln>
-            <a:effectLst>
-              <a:outerShdw blurRad="57150" dist="19050" dir="5400000" algn="ctr" rotWithShape="0">
-                <a:srgbClr val="000000">
-                  <a:alpha val="63000"/>
-                </a:srgbClr>
-              </a:outerShdw>
-            </a:effectLst>
+            <a:effectLst/>
           </c:spPr>
           <c:invertIfNegative val="0"/>
           <c:cat>
@@ -2258,7 +2183,73 @@
           </c:val>
           <c:extLst>
             <c:ext xmlns:c16="http://schemas.microsoft.com/office/drawing/2014/chart" uri="{C3380CC4-5D6E-409C-BE32-E72D297353CC}">
-              <c16:uniqueId val="{00000002-DA3C-4CF4-8365-0ACFD8B880E3}"/>
+              <c16:uniqueId val="{00000002-FF0A-450C-9320-985DF61CFFFC}"/>
+            </c:ext>
+          </c:extLst>
+        </c:ser>
+        <c:ser>
+          <c:idx val="3"/>
+          <c:order val="3"/>
+          <c:tx>
+            <c:strRef>
+              <c:f>Sheet3!$Q$64</c:f>
+              <c:strCache>
+                <c:ptCount val="1"/>
+                <c:pt idx="0">
+                  <c:v>i4 xlarge</c:v>
+                </c:pt>
+              </c:strCache>
+            </c:strRef>
+          </c:tx>
+          <c:spPr>
+            <a:solidFill>
+              <a:schemeClr val="accent4"/>
+            </a:solidFill>
+            <a:ln>
+              <a:noFill/>
+            </a:ln>
+            <a:effectLst/>
+          </c:spPr>
+          <c:invertIfNegative val="0"/>
+          <c:cat>
+            <c:numRef>
+              <c:f>Sheet3!$M$65:$M$67</c:f>
+              <c:numCache>
+                <c:formatCode>General</c:formatCode>
+                <c:ptCount val="3"/>
+                <c:pt idx="0">
+                  <c:v>512</c:v>
+                </c:pt>
+                <c:pt idx="1">
+                  <c:v>4096</c:v>
+                </c:pt>
+                <c:pt idx="2">
+                  <c:v>32678</c:v>
+                </c:pt>
+              </c:numCache>
+            </c:numRef>
+          </c:cat>
+          <c:val>
+            <c:numRef>
+              <c:f>Sheet3!$Q$65:$Q$67</c:f>
+              <c:numCache>
+                <c:formatCode>General</c:formatCode>
+                <c:ptCount val="3"/>
+                <c:pt idx="0">
+                  <c:v>3.27128</c:v>
+                </c:pt>
+                <c:pt idx="1">
+                  <c:v>3.2439799999999996</c:v>
+                </c:pt>
+                <c:pt idx="2">
+                  <c:v>3.25298</c:v>
+                </c:pt>
+              </c:numCache>
+            </c:numRef>
+          </c:val>
+          <c:extLst>
+            <c:ext xmlns:c16="http://schemas.microsoft.com/office/drawing/2014/chart" uri="{C3380CC4-5D6E-409C-BE32-E72D297353CC}">
+              <c16:uniqueId val="{00000003-FF0A-450C-9320-985DF61CFFFC}"/>
             </c:ext>
           </c:extLst>
         </c:ser>
@@ -2270,13 +2261,12 @@
           <c:showPercent val="0"/>
           <c:showBubbleSize val="0"/>
         </c:dLbls>
-        <c:gapWidth val="100"/>
-        <c:overlap val="-24"/>
-        <c:axId val="679547096"/>
-        <c:axId val="679547456"/>
+        <c:gapWidth val="219"/>
+        <c:axId val="620035448"/>
+        <c:axId val="620034728"/>
       </c:barChart>
       <c:catAx>
-        <c:axId val="679547096"/>
+        <c:axId val="620035448"/>
         <c:scaling>
           <c:orientation val="minMax"/>
         </c:scaling>
@@ -2288,11 +2278,11 @@
         <c:tickLblPos val="nextTo"/>
         <c:spPr>
           <a:noFill/>
-          <a:ln w="12700" cap="flat" cmpd="sng" algn="ctr">
+          <a:ln w="9525" cap="flat" cmpd="sng" algn="ctr">
             <a:solidFill>
-              <a:schemeClr val="lt1">
-                <a:lumMod val="95000"/>
-                <a:alpha val="54000"/>
+              <a:schemeClr val="tx1">
+                <a:lumMod val="15000"/>
+                <a:lumOff val="85000"/>
               </a:schemeClr>
             </a:solidFill>
             <a:round/>
@@ -2304,11 +2294,9 @@
           <a:lstStyle/>
           <a:p>
             <a:pPr>
-              <a:defRPr sz="1400" b="0" i="0" u="none" strike="noStrike" kern="1200" baseline="0">
+              <a:defRPr sz="900" b="0" i="0" u="none" strike="noStrike" kern="1200" baseline="0">
                 <a:solidFill>
-                  <a:schemeClr val="lt1">
-                    <a:lumMod val="85000"/>
-                  </a:schemeClr>
+                  <a:schemeClr val="bg1"/>
                 </a:solidFill>
                 <a:latin typeface="+mn-lt"/>
                 <a:ea typeface="+mn-ea"/>
@@ -2318,7 +2306,7 @@
             <a:endParaRPr lang="en-US"/>
           </a:p>
         </c:txPr>
-        <c:crossAx val="679547456"/>
+        <c:crossAx val="620034728"/>
         <c:crosses val="autoZero"/>
         <c:auto val="1"/>
         <c:lblAlgn val="ctr"/>
@@ -2326,7 +2314,7 @@
         <c:noMultiLvlLbl val="0"/>
       </c:catAx>
       <c:valAx>
-        <c:axId val="679547456"/>
+        <c:axId val="620034728"/>
         <c:scaling>
           <c:orientation val="minMax"/>
         </c:scaling>
@@ -2336,9 +2324,9 @@
           <c:spPr>
             <a:ln w="9525" cap="flat" cmpd="sng" algn="ctr">
               <a:solidFill>
-                <a:schemeClr val="lt1">
-                  <a:lumMod val="95000"/>
-                  <a:alpha val="10000"/>
+                <a:schemeClr val="tx1">
+                  <a:lumMod val="15000"/>
+                  <a:lumOff val="85000"/>
                 </a:schemeClr>
               </a:solidFill>
               <a:round/>
@@ -2346,7 +2334,7 @@
             <a:effectLst/>
           </c:spPr>
         </c:majorGridlines>
-        <c:numFmt formatCode="General" sourceLinked="1"/>
+        <c:numFmt formatCode="#,##0.00" sourceLinked="0"/>
         <c:majorTickMark val="none"/>
         <c:minorTickMark val="none"/>
         <c:tickLblPos val="nextTo"/>
@@ -2362,11 +2350,9 @@
           <a:lstStyle/>
           <a:p>
             <a:pPr>
-              <a:defRPr sz="1400" b="0" i="0" u="none" strike="noStrike" kern="1200" baseline="0">
+              <a:defRPr sz="1100" b="0" i="0" u="none" strike="noStrike" kern="1200" baseline="0">
                 <a:solidFill>
-                  <a:schemeClr val="lt1">
-                    <a:lumMod val="85000"/>
-                  </a:schemeClr>
+                  <a:schemeClr val="bg1"/>
                 </a:solidFill>
                 <a:latin typeface="+mn-lt"/>
                 <a:ea typeface="+mn-ea"/>
@@ -2376,12 +2362,14 @@
             <a:endParaRPr lang="en-US"/>
           </a:p>
         </c:txPr>
-        <c:crossAx val="679547096"/>
+        <c:crossAx val="620035448"/>
         <c:crosses val="autoZero"/>
         <c:crossBetween val="between"/>
       </c:valAx>
       <c:spPr>
-        <a:noFill/>
+        <a:solidFill>
+          <a:schemeClr val="tx1"/>
+        </a:solidFill>
         <a:ln>
           <a:noFill/>
         </a:ln>
@@ -2390,72 +2378,6 @@
     </c:plotArea>
     <c:legend>
       <c:legendPos val="b"/>
-      <c:legendEntry>
-        <c:idx val="0"/>
-        <c:txPr>
-          <a:bodyPr rot="0" spcFirstLastPara="1" vertOverflow="ellipsis" vert="horz" wrap="square" anchor="ctr" anchorCtr="1"/>
-          <a:lstStyle/>
-          <a:p>
-            <a:pPr>
-              <a:defRPr sz="1400" b="0" i="0" u="none" strike="noStrike" kern="1200" baseline="0">
-                <a:solidFill>
-                  <a:schemeClr val="lt1">
-                    <a:lumMod val="85000"/>
-                  </a:schemeClr>
-                </a:solidFill>
-                <a:latin typeface="+mn-lt"/>
-                <a:ea typeface="+mn-ea"/>
-                <a:cs typeface="+mn-cs"/>
-              </a:defRPr>
-            </a:pPr>
-            <a:endParaRPr lang="en-US"/>
-          </a:p>
-        </c:txPr>
-      </c:legendEntry>
-      <c:legendEntry>
-        <c:idx val="1"/>
-        <c:txPr>
-          <a:bodyPr rot="0" spcFirstLastPara="1" vertOverflow="ellipsis" vert="horz" wrap="square" anchor="ctr" anchorCtr="1"/>
-          <a:lstStyle/>
-          <a:p>
-            <a:pPr>
-              <a:defRPr sz="1400" b="0" i="0" u="none" strike="noStrike" kern="1200" baseline="0">
-                <a:solidFill>
-                  <a:schemeClr val="lt1">
-                    <a:lumMod val="85000"/>
-                  </a:schemeClr>
-                </a:solidFill>
-                <a:latin typeface="+mn-lt"/>
-                <a:ea typeface="+mn-ea"/>
-                <a:cs typeface="+mn-cs"/>
-              </a:defRPr>
-            </a:pPr>
-            <a:endParaRPr lang="en-US"/>
-          </a:p>
-        </c:txPr>
-      </c:legendEntry>
-      <c:legendEntry>
-        <c:idx val="2"/>
-        <c:txPr>
-          <a:bodyPr rot="0" spcFirstLastPara="1" vertOverflow="ellipsis" vert="horz" wrap="square" anchor="ctr" anchorCtr="1"/>
-          <a:lstStyle/>
-          <a:p>
-            <a:pPr>
-              <a:defRPr sz="1400" b="0" i="0" u="none" strike="noStrike" kern="1200" baseline="0">
-                <a:solidFill>
-                  <a:schemeClr val="lt1">
-                    <a:lumMod val="85000"/>
-                  </a:schemeClr>
-                </a:solidFill>
-                <a:latin typeface="+mn-lt"/>
-                <a:ea typeface="+mn-ea"/>
-                <a:cs typeface="+mn-cs"/>
-              </a:defRPr>
-            </a:pPr>
-            <a:endParaRPr lang="en-US"/>
-          </a:p>
-        </c:txPr>
-      </c:legendEntry>
       <c:overlay val="0"/>
       <c:spPr>
         <a:noFill/>
@@ -2471,9 +2393,7 @@
           <a:pPr>
             <a:defRPr sz="1400" b="0" i="0" u="none" strike="noStrike" kern="1200" baseline="0">
               <a:solidFill>
-                <a:schemeClr val="lt1">
-                  <a:lumMod val="85000"/>
-                </a:schemeClr>
+                <a:schemeClr val="bg1"/>
               </a:solidFill>
               <a:latin typeface="+mn-lt"/>
               <a:ea typeface="+mn-ea"/>
@@ -2496,28 +2416,17 @@
     <c:showDLblsOverMax val="0"/>
   </c:chart>
   <c:spPr>
-    <a:gradFill flip="none" rotWithShape="1">
-      <a:gsLst>
-        <a:gs pos="0">
-          <a:schemeClr val="dk1">
-            <a:lumMod val="65000"/>
-            <a:lumOff val="35000"/>
-          </a:schemeClr>
-        </a:gs>
-        <a:gs pos="100000">
-          <a:schemeClr val="dk1">
-            <a:lumMod val="85000"/>
-            <a:lumOff val="15000"/>
-          </a:schemeClr>
-        </a:gs>
-      </a:gsLst>
-      <a:path path="circle">
-        <a:fillToRect l="50000" t="50000" r="50000" b="50000"/>
-      </a:path>
-      <a:tileRect/>
-    </a:gradFill>
-    <a:ln>
-      <a:noFill/>
+    <a:solidFill>
+      <a:schemeClr val="tx1"/>
+    </a:solidFill>
+    <a:ln w="9525" cap="flat" cmpd="sng" algn="ctr">
+      <a:solidFill>
+        <a:schemeClr val="tx1">
+          <a:lumMod val="15000"/>
+          <a:lumOff val="85000"/>
+        </a:schemeClr>
+      </a:solidFill>
+      <a:round/>
     </a:ln>
     <a:effectLst/>
   </c:spPr>
@@ -2526,7 +2435,11 @@
     <a:lstStyle/>
     <a:p>
       <a:pPr>
-        <a:defRPr/>
+        <a:defRPr>
+          <a:solidFill>
+            <a:schemeClr val="bg1"/>
+          </a:solidFill>
+        </a:defRPr>
       </a:pPr>
       <a:endParaRPr lang="en-US"/>
     </a:p>
@@ -3154,26 +3067,9 @@
     <c:showDLblsOverMax val="0"/>
   </c:chart>
   <c:spPr>
-    <a:gradFill flip="none" rotWithShape="1">
-      <a:gsLst>
-        <a:gs pos="0">
-          <a:schemeClr val="dk1">
-            <a:lumMod val="65000"/>
-            <a:lumOff val="35000"/>
-          </a:schemeClr>
-        </a:gs>
-        <a:gs pos="100000">
-          <a:schemeClr val="dk1">
-            <a:lumMod val="85000"/>
-            <a:lumOff val="15000"/>
-          </a:schemeClr>
-        </a:gs>
-      </a:gsLst>
-      <a:path path="circle">
-        <a:fillToRect l="50000" t="50000" r="50000" b="50000"/>
-      </a:path>
-      <a:tileRect/>
-    </a:gradFill>
+    <a:solidFill>
+      <a:schemeClr val="tx1"/>
+    </a:solidFill>
     <a:ln>
       <a:noFill/>
     </a:ln>
@@ -3185,6 +3081,469 @@
     <a:p>
       <a:pPr>
         <a:defRPr/>
+      </a:pPr>
+      <a:endParaRPr lang="en-US"/>
+    </a:p>
+  </c:txPr>
+  <c:externalData r:id="rId3">
+    <c:autoUpdate val="0"/>
+  </c:externalData>
+</c:chartSpace>
+</file>
+
+<file path=ppt/charts/chart5.xml><?xml version="1.0" encoding="utf-8"?>
+<c:chartSpace xmlns:c="http://schemas.openxmlformats.org/drawingml/2006/chart" xmlns:a="http://schemas.openxmlformats.org/drawingml/2006/main" xmlns:r="http://schemas.openxmlformats.org/officeDocument/2006/relationships" xmlns:c16r2="http://schemas.microsoft.com/office/drawing/2015/06/chart">
+  <c:date1904 val="0"/>
+  <c:lang val="en-US"/>
+  <c:roundedCorners val="0"/>
+  <mc:AlternateContent xmlns:mc="http://schemas.openxmlformats.org/markup-compatibility/2006">
+    <mc:Choice xmlns:c14="http://schemas.microsoft.com/office/drawing/2007/8/2/chart" Requires="c14">
+      <c14:style val="102"/>
+    </mc:Choice>
+    <mc:Fallback>
+      <c:style val="2"/>
+    </mc:Fallback>
+  </mc:AlternateContent>
+  <c:chart>
+    <c:title>
+      <c:tx>
+        <c:rich>
+          <a:bodyPr rot="0" spcFirstLastPara="1" vertOverflow="ellipsis" vert="horz" wrap="square" anchor="ctr" anchorCtr="1"/>
+          <a:lstStyle/>
+          <a:p>
+            <a:pPr>
+              <a:defRPr sz="1400" b="0" i="0" u="none" strike="noStrike" kern="1200" spc="0" baseline="0">
+                <a:solidFill>
+                  <a:schemeClr val="bg1"/>
+                </a:solidFill>
+                <a:latin typeface="+mn-lt"/>
+                <a:ea typeface="+mn-ea"/>
+                <a:cs typeface="+mn-cs"/>
+              </a:defRPr>
+            </a:pPr>
+            <a:r>
+              <a:rPr lang="en-US" sz="2400" b="1" dirty="0"/>
+              <a:t>Random IO while reading keys</a:t>
+            </a:r>
+          </a:p>
+        </c:rich>
+      </c:tx>
+      <c:overlay val="0"/>
+      <c:spPr>
+        <a:noFill/>
+        <a:ln>
+          <a:noFill/>
+        </a:ln>
+        <a:effectLst/>
+      </c:spPr>
+      <c:txPr>
+        <a:bodyPr rot="0" spcFirstLastPara="1" vertOverflow="ellipsis" vert="horz" wrap="square" anchor="ctr" anchorCtr="1"/>
+        <a:lstStyle/>
+        <a:p>
+          <a:pPr>
+            <a:defRPr sz="1400" b="0" i="0" u="none" strike="noStrike" kern="1200" spc="0" baseline="0">
+              <a:solidFill>
+                <a:schemeClr val="bg1"/>
+              </a:solidFill>
+              <a:latin typeface="+mn-lt"/>
+              <a:ea typeface="+mn-ea"/>
+              <a:cs typeface="+mn-cs"/>
+            </a:defRPr>
+          </a:pPr>
+          <a:endParaRPr lang="en-US"/>
+        </a:p>
+      </c:txPr>
+    </c:title>
+    <c:autoTitleDeleted val="0"/>
+    <c:plotArea>
+      <c:layout/>
+      <c:barChart>
+        <c:barDir val="col"/>
+        <c:grouping val="clustered"/>
+        <c:varyColors val="0"/>
+        <c:ser>
+          <c:idx val="0"/>
+          <c:order val="0"/>
+          <c:tx>
+            <c:strRef>
+              <c:f>Sheet3!$B$60</c:f>
+              <c:strCache>
+                <c:ptCount val="1"/>
+                <c:pt idx="0">
+                  <c:v>t3 io2</c:v>
+                </c:pt>
+              </c:strCache>
+            </c:strRef>
+          </c:tx>
+          <c:spPr>
+            <a:solidFill>
+              <a:schemeClr val="accent1"/>
+            </a:solidFill>
+            <a:ln>
+              <a:noFill/>
+            </a:ln>
+            <a:effectLst/>
+          </c:spPr>
+          <c:invertIfNegative val="0"/>
+          <c:cat>
+            <c:numRef>
+              <c:f>Sheet3!$A$61:$A$63</c:f>
+              <c:numCache>
+                <c:formatCode>General</c:formatCode>
+                <c:ptCount val="3"/>
+                <c:pt idx="0">
+                  <c:v>512</c:v>
+                </c:pt>
+                <c:pt idx="1">
+                  <c:v>4096</c:v>
+                </c:pt>
+                <c:pt idx="2">
+                  <c:v>32768</c:v>
+                </c:pt>
+              </c:numCache>
+            </c:numRef>
+          </c:cat>
+          <c:val>
+            <c:numRef>
+              <c:f>Sheet3!$B$61:$B$63</c:f>
+              <c:numCache>
+                <c:formatCode>General</c:formatCode>
+                <c:ptCount val="3"/>
+                <c:pt idx="0">
+                  <c:v>1.0904800000000001</c:v>
+                </c:pt>
+                <c:pt idx="1">
+                  <c:v>1.2574999999999998</c:v>
+                </c:pt>
+                <c:pt idx="2">
+                  <c:v>2.0150399999999999</c:v>
+                </c:pt>
+              </c:numCache>
+            </c:numRef>
+          </c:val>
+          <c:extLst>
+            <c:ext xmlns:c16="http://schemas.microsoft.com/office/drawing/2014/chart" uri="{C3380CC4-5D6E-409C-BE32-E72D297353CC}">
+              <c16:uniqueId val="{00000000-A7FD-435A-96A4-41B3B86754CC}"/>
+            </c:ext>
+          </c:extLst>
+        </c:ser>
+        <c:ser>
+          <c:idx val="1"/>
+          <c:order val="1"/>
+          <c:tx>
+            <c:strRef>
+              <c:f>Sheet3!$C$60</c:f>
+              <c:strCache>
+                <c:ptCount val="1"/>
+                <c:pt idx="0">
+                  <c:v>D3</c:v>
+                </c:pt>
+              </c:strCache>
+            </c:strRef>
+          </c:tx>
+          <c:spPr>
+            <a:solidFill>
+              <a:schemeClr val="accent2"/>
+            </a:solidFill>
+            <a:ln>
+              <a:noFill/>
+            </a:ln>
+            <a:effectLst/>
+          </c:spPr>
+          <c:invertIfNegative val="0"/>
+          <c:cat>
+            <c:numRef>
+              <c:f>Sheet3!$A$61:$A$63</c:f>
+              <c:numCache>
+                <c:formatCode>General</c:formatCode>
+                <c:ptCount val="3"/>
+                <c:pt idx="0">
+                  <c:v>512</c:v>
+                </c:pt>
+                <c:pt idx="1">
+                  <c:v>4096</c:v>
+                </c:pt>
+                <c:pt idx="2">
+                  <c:v>32768</c:v>
+                </c:pt>
+              </c:numCache>
+            </c:numRef>
+          </c:cat>
+          <c:val>
+            <c:numRef>
+              <c:f>Sheet3!$C$61:$C$63</c:f>
+              <c:numCache>
+                <c:formatCode>General</c:formatCode>
+                <c:ptCount val="3"/>
+                <c:pt idx="0">
+                  <c:v>1.23508</c:v>
+                </c:pt>
+                <c:pt idx="1">
+                  <c:v>1.2037200000000001</c:v>
+                </c:pt>
+                <c:pt idx="2">
+                  <c:v>2.1371199999999999</c:v>
+                </c:pt>
+              </c:numCache>
+            </c:numRef>
+          </c:val>
+          <c:extLst>
+            <c:ext xmlns:c16="http://schemas.microsoft.com/office/drawing/2014/chart" uri="{C3380CC4-5D6E-409C-BE32-E72D297353CC}">
+              <c16:uniqueId val="{00000001-A7FD-435A-96A4-41B3B86754CC}"/>
+            </c:ext>
+          </c:extLst>
+        </c:ser>
+        <c:ser>
+          <c:idx val="2"/>
+          <c:order val="2"/>
+          <c:tx>
+            <c:strRef>
+              <c:f>Sheet3!$D$60</c:f>
+              <c:strCache>
+                <c:ptCount val="1"/>
+                <c:pt idx="0">
+                  <c:v>i4 (nitro)</c:v>
+                </c:pt>
+              </c:strCache>
+            </c:strRef>
+          </c:tx>
+          <c:spPr>
+            <a:solidFill>
+              <a:schemeClr val="accent3"/>
+            </a:solidFill>
+            <a:ln>
+              <a:noFill/>
+            </a:ln>
+            <a:effectLst/>
+          </c:spPr>
+          <c:invertIfNegative val="0"/>
+          <c:cat>
+            <c:numRef>
+              <c:f>Sheet3!$A$61:$A$63</c:f>
+              <c:numCache>
+                <c:formatCode>General</c:formatCode>
+                <c:ptCount val="3"/>
+                <c:pt idx="0">
+                  <c:v>512</c:v>
+                </c:pt>
+                <c:pt idx="1">
+                  <c:v>4096</c:v>
+                </c:pt>
+                <c:pt idx="2">
+                  <c:v>32768</c:v>
+                </c:pt>
+              </c:numCache>
+            </c:numRef>
+          </c:cat>
+          <c:val>
+            <c:numRef>
+              <c:f>Sheet3!$D$61:$D$63</c:f>
+              <c:numCache>
+                <c:formatCode>General</c:formatCode>
+                <c:ptCount val="3"/>
+                <c:pt idx="0">
+                  <c:v>0.75616000000000005</c:v>
+                </c:pt>
+                <c:pt idx="1">
+                  <c:v>0.85816000000000003</c:v>
+                </c:pt>
+                <c:pt idx="2">
+                  <c:v>1.4287599999999998</c:v>
+                </c:pt>
+              </c:numCache>
+            </c:numRef>
+          </c:val>
+          <c:extLst>
+            <c:ext xmlns:c16="http://schemas.microsoft.com/office/drawing/2014/chart" uri="{C3380CC4-5D6E-409C-BE32-E72D297353CC}">
+              <c16:uniqueId val="{00000002-A7FD-435A-96A4-41B3B86754CC}"/>
+            </c:ext>
+          </c:extLst>
+        </c:ser>
+        <c:dLbls>
+          <c:showLegendKey val="0"/>
+          <c:showVal val="0"/>
+          <c:showCatName val="0"/>
+          <c:showSerName val="0"/>
+          <c:showPercent val="0"/>
+          <c:showBubbleSize val="0"/>
+        </c:dLbls>
+        <c:gapWidth val="219"/>
+        <c:axId val="620177192"/>
+        <c:axId val="620178632"/>
+      </c:barChart>
+      <c:catAx>
+        <c:axId val="620177192"/>
+        <c:scaling>
+          <c:orientation val="minMax"/>
+        </c:scaling>
+        <c:delete val="0"/>
+        <c:axPos val="b"/>
+        <c:numFmt formatCode="General" sourceLinked="1"/>
+        <c:majorTickMark val="none"/>
+        <c:minorTickMark val="none"/>
+        <c:tickLblPos val="nextTo"/>
+        <c:spPr>
+          <a:noFill/>
+          <a:ln w="9525" cap="flat" cmpd="sng" algn="ctr">
+            <a:solidFill>
+              <a:schemeClr val="tx1">
+                <a:lumMod val="15000"/>
+                <a:lumOff val="85000"/>
+              </a:schemeClr>
+            </a:solidFill>
+            <a:round/>
+          </a:ln>
+          <a:effectLst/>
+        </c:spPr>
+        <c:txPr>
+          <a:bodyPr rot="-60000000" spcFirstLastPara="1" vertOverflow="ellipsis" vert="horz" wrap="square" anchor="ctr" anchorCtr="1"/>
+          <a:lstStyle/>
+          <a:p>
+            <a:pPr>
+              <a:defRPr sz="900" b="0" i="0" u="none" strike="noStrike" kern="1200" baseline="0">
+                <a:solidFill>
+                  <a:schemeClr val="bg1"/>
+                </a:solidFill>
+                <a:latin typeface="+mn-lt"/>
+                <a:ea typeface="+mn-ea"/>
+                <a:cs typeface="+mn-cs"/>
+              </a:defRPr>
+            </a:pPr>
+            <a:endParaRPr lang="en-US"/>
+          </a:p>
+        </c:txPr>
+        <c:crossAx val="620178632"/>
+        <c:crosses val="autoZero"/>
+        <c:auto val="1"/>
+        <c:lblAlgn val="ctr"/>
+        <c:lblOffset val="100"/>
+        <c:noMultiLvlLbl val="0"/>
+      </c:catAx>
+      <c:valAx>
+        <c:axId val="620178632"/>
+        <c:scaling>
+          <c:orientation val="minMax"/>
+        </c:scaling>
+        <c:delete val="0"/>
+        <c:axPos val="l"/>
+        <c:majorGridlines>
+          <c:spPr>
+            <a:ln w="9525" cap="flat" cmpd="sng" algn="ctr">
+              <a:solidFill>
+                <a:schemeClr val="tx1">
+                  <a:lumMod val="15000"/>
+                  <a:lumOff val="85000"/>
+                </a:schemeClr>
+              </a:solidFill>
+              <a:round/>
+            </a:ln>
+            <a:effectLst/>
+          </c:spPr>
+        </c:majorGridlines>
+        <c:numFmt formatCode="General" sourceLinked="1"/>
+        <c:majorTickMark val="none"/>
+        <c:minorTickMark val="none"/>
+        <c:tickLblPos val="nextTo"/>
+        <c:spPr>
+          <a:noFill/>
+          <a:ln>
+            <a:noFill/>
+          </a:ln>
+          <a:effectLst/>
+        </c:spPr>
+        <c:txPr>
+          <a:bodyPr rot="-60000000" spcFirstLastPara="1" vertOverflow="ellipsis" vert="horz" wrap="square" anchor="ctr" anchorCtr="1"/>
+          <a:lstStyle/>
+          <a:p>
+            <a:pPr>
+              <a:defRPr sz="1200" b="0" i="0" u="none" strike="noStrike" kern="1200" baseline="0">
+                <a:solidFill>
+                  <a:schemeClr val="bg1"/>
+                </a:solidFill>
+                <a:latin typeface="+mn-lt"/>
+                <a:ea typeface="+mn-ea"/>
+                <a:cs typeface="+mn-cs"/>
+              </a:defRPr>
+            </a:pPr>
+            <a:endParaRPr lang="en-US"/>
+          </a:p>
+        </c:txPr>
+        <c:crossAx val="620177192"/>
+        <c:crosses val="autoZero"/>
+        <c:crossBetween val="between"/>
+      </c:valAx>
+      <c:spPr>
+        <a:noFill/>
+        <a:ln>
+          <a:noFill/>
+        </a:ln>
+        <a:effectLst/>
+      </c:spPr>
+    </c:plotArea>
+    <c:legend>
+      <c:legendPos val="b"/>
+      <c:overlay val="0"/>
+      <c:spPr>
+        <a:noFill/>
+        <a:ln>
+          <a:noFill/>
+        </a:ln>
+        <a:effectLst/>
+      </c:spPr>
+      <c:txPr>
+        <a:bodyPr rot="0" spcFirstLastPara="1" vertOverflow="ellipsis" vert="horz" wrap="square" anchor="ctr" anchorCtr="1"/>
+        <a:lstStyle/>
+        <a:p>
+          <a:pPr>
+            <a:defRPr sz="1400" b="0" i="0" u="none" strike="noStrike" kern="1200" baseline="0">
+              <a:solidFill>
+                <a:schemeClr val="bg1"/>
+              </a:solidFill>
+              <a:latin typeface="+mn-lt"/>
+              <a:ea typeface="+mn-ea"/>
+              <a:cs typeface="+mn-cs"/>
+            </a:defRPr>
+          </a:pPr>
+          <a:endParaRPr lang="en-US"/>
+        </a:p>
+      </c:txPr>
+    </c:legend>
+    <c:plotVisOnly val="1"/>
+    <c:dispBlanksAs val="gap"/>
+    <c:extLst>
+      <c:ext xmlns:c16r3="http://schemas.microsoft.com/office/drawing/2017/03/chart" uri="{56B9EC1D-385E-4148-901F-78D8002777C0}">
+        <c16r3:dataDisplayOptions16>
+          <c16r3:dispNaAsBlank val="1"/>
+        </c16r3:dataDisplayOptions16>
+      </c:ext>
+    </c:extLst>
+    <c:showDLblsOverMax val="0"/>
+  </c:chart>
+  <c:spPr>
+    <a:solidFill>
+      <a:schemeClr val="tx1"/>
+    </a:solidFill>
+    <a:ln w="9525" cap="flat" cmpd="sng" algn="ctr">
+      <a:solidFill>
+        <a:schemeClr val="tx1">
+          <a:lumMod val="15000"/>
+          <a:lumOff val="85000"/>
+        </a:schemeClr>
+      </a:solidFill>
+      <a:round/>
+    </a:ln>
+    <a:effectLst/>
+  </c:spPr>
+  <c:txPr>
+    <a:bodyPr/>
+    <a:lstStyle/>
+    <a:p>
+      <a:pPr>
+        <a:defRPr>
+          <a:solidFill>
+            <a:schemeClr val="bg1"/>
+          </a:solidFill>
+        </a:defRPr>
       </a:pPr>
       <a:endParaRPr lang="en-US"/>
     </a:p>
@@ -3316,6 +3675,46 @@
 </file>
 
 <file path=ppt/charts/colors4.xml><?xml version="1.0" encoding="utf-8"?>
+<cs:colorStyle xmlns:cs="http://schemas.microsoft.com/office/drawing/2012/chartStyle" xmlns:a="http://schemas.openxmlformats.org/drawingml/2006/main" meth="cycle" id="10">
+  <a:schemeClr val="accent1"/>
+  <a:schemeClr val="accent2"/>
+  <a:schemeClr val="accent3"/>
+  <a:schemeClr val="accent4"/>
+  <a:schemeClr val="accent5"/>
+  <a:schemeClr val="accent6"/>
+  <cs:variation/>
+  <cs:variation>
+    <a:lumMod val="60000"/>
+  </cs:variation>
+  <cs:variation>
+    <a:lumMod val="80000"/>
+    <a:lumOff val="20000"/>
+  </cs:variation>
+  <cs:variation>
+    <a:lumMod val="80000"/>
+  </cs:variation>
+  <cs:variation>
+    <a:lumMod val="60000"/>
+    <a:lumOff val="40000"/>
+  </cs:variation>
+  <cs:variation>
+    <a:lumMod val="50000"/>
+  </cs:variation>
+  <cs:variation>
+    <a:lumMod val="70000"/>
+    <a:lumOff val="30000"/>
+  </cs:variation>
+  <cs:variation>
+    <a:lumMod val="70000"/>
+  </cs:variation>
+  <cs:variation>
+    <a:lumMod val="50000"/>
+    <a:lumOff val="50000"/>
+  </cs:variation>
+</cs:colorStyle>
+</file>
+
+<file path=ppt/charts/colors5.xml><?xml version="1.0" encoding="utf-8"?>
 <cs:colorStyle xmlns:cs="http://schemas.microsoft.com/office/drawing/2012/chartStyle" xmlns:a="http://schemas.openxmlformats.org/drawingml/2006/main" meth="cycle" id="10">
   <a:schemeClr val="accent1"/>
   <a:schemeClr val="accent2"/>
@@ -4362,81 +4761,76 @@
 </file>
 
 <file path=ppt/charts/style3.xml><?xml version="1.0" encoding="utf-8"?>
-<cs:chartStyle xmlns:cs="http://schemas.microsoft.com/office/drawing/2012/chartStyle" xmlns:a="http://schemas.openxmlformats.org/drawingml/2006/main" id="209">
+<cs:chartStyle xmlns:cs="http://schemas.microsoft.com/office/drawing/2012/chartStyle" xmlns:a="http://schemas.openxmlformats.org/drawingml/2006/main" id="332">
   <cs:axisTitle>
     <cs:lnRef idx="0"/>
     <cs:fillRef idx="0"/>
     <cs:effectRef idx="0"/>
     <cs:fontRef idx="minor">
-      <a:schemeClr val="lt1">
-        <a:lumMod val="85000"/>
+      <a:schemeClr val="tx1">
+        <a:lumMod val="65000"/>
+        <a:lumOff val="35000"/>
       </a:schemeClr>
     </cs:fontRef>
-    <cs:defRPr sz="1197" b="1" kern="1200" cap="all"/>
+    <cs:defRPr sz="1000" kern="1200"/>
   </cs:axisTitle>
   <cs:categoryAxis>
     <cs:lnRef idx="0"/>
     <cs:fillRef idx="0"/>
     <cs:effectRef idx="0"/>
     <cs:fontRef idx="minor">
-      <a:schemeClr val="lt1">
-        <a:lumMod val="85000"/>
+      <a:schemeClr val="tx1">
+        <a:lumMod val="65000"/>
+        <a:lumOff val="35000"/>
       </a:schemeClr>
     </cs:fontRef>
     <cs:spPr>
-      <a:ln w="12700" cap="flat" cmpd="sng" algn="ctr">
+      <a:ln w="9525" cap="flat" cmpd="sng" algn="ctr">
         <a:solidFill>
-          <a:schemeClr val="lt1">
-            <a:lumMod val="95000"/>
-            <a:alpha val="54000"/>
+          <a:schemeClr val="tx1">
+            <a:lumMod val="15000"/>
+            <a:lumOff val="85000"/>
           </a:schemeClr>
         </a:solidFill>
         <a:round/>
       </a:ln>
     </cs:spPr>
-    <cs:defRPr sz="1197" kern="1200"/>
+    <cs:defRPr sz="900" kern="1200"/>
   </cs:categoryAxis>
-  <cs:chartArea>
+  <cs:chartArea mods="allowNoFillOverride allowNoLineOverride">
     <cs:lnRef idx="0"/>
     <cs:fillRef idx="0"/>
     <cs:effectRef idx="0"/>
     <cs:fontRef idx="minor">
-      <a:schemeClr val="dk1"/>
+      <a:schemeClr val="tx1"/>
     </cs:fontRef>
     <cs:spPr>
-      <a:gradFill flip="none" rotWithShape="1">
-        <a:gsLst>
-          <a:gs pos="0">
-            <a:schemeClr val="dk1">
-              <a:lumMod val="65000"/>
-              <a:lumOff val="35000"/>
-            </a:schemeClr>
-          </a:gs>
-          <a:gs pos="100000">
-            <a:schemeClr val="dk1">
-              <a:lumMod val="85000"/>
-              <a:lumOff val="15000"/>
-            </a:schemeClr>
-          </a:gs>
-        </a:gsLst>
-        <a:path path="circle">
-          <a:fillToRect l="50000" t="50000" r="50000" b="50000"/>
-        </a:path>
-        <a:tileRect/>
-      </a:gradFill>
+      <a:solidFill>
+        <a:schemeClr val="bg1"/>
+      </a:solidFill>
+      <a:ln w="9525" cap="flat" cmpd="sng" algn="ctr">
+        <a:solidFill>
+          <a:schemeClr val="tx1">
+            <a:lumMod val="15000"/>
+            <a:lumOff val="85000"/>
+          </a:schemeClr>
+        </a:solidFill>
+        <a:round/>
+      </a:ln>
     </cs:spPr>
-    <cs:defRPr sz="1330" kern="1200"/>
+    <cs:defRPr sz="1000" kern="1200"/>
   </cs:chartArea>
   <cs:dataLabel>
     <cs:lnRef idx="0"/>
     <cs:fillRef idx="0"/>
     <cs:effectRef idx="0"/>
     <cs:fontRef idx="minor">
-      <a:schemeClr val="lt1">
-        <a:lumMod val="85000"/>
+      <a:schemeClr val="tx1">
+        <a:lumMod val="75000"/>
+        <a:lumOff val="25000"/>
       </a:schemeClr>
     </cs:fontRef>
-    <cs:defRPr sz="1197" kern="1200"/>
+    <cs:defRPr sz="900" kern="1200"/>
   </cs:dataLabel>
   <cs:dataLabelCallout>
     <cs:lnRef idx="0"/>
@@ -4452,43 +4846,51 @@
       <a:solidFill>
         <a:schemeClr val="lt1"/>
       </a:solidFill>
+      <a:ln>
+        <a:solidFill>
+          <a:schemeClr val="dk1">
+            <a:lumMod val="25000"/>
+            <a:lumOff val="75000"/>
+          </a:schemeClr>
+        </a:solidFill>
+      </a:ln>
     </cs:spPr>
-    <cs:defRPr sz="1197" kern="1200"/>
+    <cs:defRPr sz="900" kern="1200"/>
     <cs:bodyPr rot="0" spcFirstLastPara="1" vertOverflow="clip" horzOverflow="clip" vert="horz" wrap="square" lIns="36576" tIns="18288" rIns="36576" bIns="18288" anchor="ctr" anchorCtr="1">
       <a:spAutoFit/>
     </cs:bodyPr>
   </cs:dataLabelCallout>
   <cs:dataPoint>
     <cs:lnRef idx="0"/>
-    <cs:fillRef idx="3">
+    <cs:fillRef idx="1">
       <cs:styleClr val="auto"/>
     </cs:fillRef>
-    <cs:effectRef idx="3"/>
+    <cs:effectRef idx="0"/>
     <cs:fontRef idx="minor">
-      <a:schemeClr val="lt1"/>
+      <a:schemeClr val="tx1"/>
     </cs:fontRef>
   </cs:dataPoint>
   <cs:dataPoint3D>
     <cs:lnRef idx="0"/>
-    <cs:fillRef idx="3">
+    <cs:fillRef idx="1">
       <cs:styleClr val="auto"/>
     </cs:fillRef>
-    <cs:effectRef idx="3"/>
+    <cs:effectRef idx="0"/>
     <cs:fontRef idx="minor">
-      <a:schemeClr val="lt1"/>
+      <a:schemeClr val="tx1"/>
     </cs:fontRef>
   </cs:dataPoint3D>
   <cs:dataPointLine>
     <cs:lnRef idx="0">
       <cs:styleClr val="auto"/>
     </cs:lnRef>
-    <cs:fillRef idx="3"/>
-    <cs:effectRef idx="3"/>
+    <cs:fillRef idx="1"/>
+    <cs:effectRef idx="0"/>
     <cs:fontRef idx="minor">
-      <a:schemeClr val="lt1"/>
+      <a:schemeClr val="tx1"/>
     </cs:fontRef>
     <cs:spPr>
-      <a:ln w="34925" cap="rnd">
+      <a:ln w="28575" cap="rnd">
         <a:solidFill>
           <a:schemeClr val="phClr"/>
         </a:solidFill>
@@ -4500,31 +4902,30 @@
     <cs:lnRef idx="0">
       <cs:styleClr val="auto"/>
     </cs:lnRef>
-    <cs:fillRef idx="3">
+    <cs:fillRef idx="1">
       <cs:styleClr val="auto"/>
     </cs:fillRef>
-    <cs:effectRef idx="3"/>
+    <cs:effectRef idx="0"/>
     <cs:fontRef idx="minor">
-      <a:schemeClr val="lt1"/>
+      <a:schemeClr val="tx1"/>
     </cs:fontRef>
     <cs:spPr>
       <a:ln w="9525">
         <a:solidFill>
           <a:schemeClr val="phClr"/>
         </a:solidFill>
-        <a:round/>
       </a:ln>
     </cs:spPr>
   </cs:dataPointMarker>
-  <cs:dataPointMarkerLayout symbol="circle" size="6"/>
+  <cs:dataPointMarkerLayout symbol="circle" size="5"/>
   <cs:dataPointWireframe>
     <cs:lnRef idx="0">
       <cs:styleClr val="auto"/>
     </cs:lnRef>
-    <cs:fillRef idx="3"/>
-    <cs:effectRef idx="3"/>
+    <cs:fillRef idx="1"/>
+    <cs:effectRef idx="0"/>
     <cs:fontRef idx="minor">
-      <a:schemeClr val="lt1"/>
+      <a:schemeClr val="tx1"/>
     </cs:fontRef>
     <cs:spPr>
       <a:ln w="9525" cap="rnd">
@@ -4540,41 +4941,44 @@
     <cs:fillRef idx="0"/>
     <cs:effectRef idx="0"/>
     <cs:fontRef idx="minor">
-      <a:schemeClr val="lt1">
-        <a:lumMod val="85000"/>
+      <a:schemeClr val="tx1">
+        <a:lumMod val="65000"/>
+        <a:lumOff val="35000"/>
       </a:schemeClr>
     </cs:fontRef>
     <cs:spPr>
-      <a:ln w="9525">
+      <a:noFill/>
+      <a:ln w="9525" cap="flat" cmpd="sng" algn="ctr">
         <a:solidFill>
-          <a:schemeClr val="lt1">
-            <a:lumMod val="95000"/>
-            <a:alpha val="54000"/>
+          <a:schemeClr val="tx1">
+            <a:lumMod val="15000"/>
+            <a:lumOff val="85000"/>
           </a:schemeClr>
         </a:solidFill>
+        <a:round/>
       </a:ln>
     </cs:spPr>
-    <cs:defRPr sz="1197" kern="1200"/>
+    <cs:defRPr sz="900" kern="1200"/>
   </cs:dataTable>
   <cs:downBar>
     <cs:lnRef idx="0"/>
     <cs:fillRef idx="0"/>
     <cs:effectRef idx="0"/>
     <cs:fontRef idx="minor">
-      <a:schemeClr val="lt1"/>
+      <a:schemeClr val="dk1"/>
     </cs:fontRef>
     <cs:spPr>
       <a:solidFill>
         <a:schemeClr val="dk1">
-          <a:lumMod val="75000"/>
-          <a:lumOff val="25000"/>
+          <a:lumMod val="65000"/>
+          <a:lumOff val="35000"/>
         </a:schemeClr>
       </a:solidFill>
       <a:ln w="9525">
         <a:solidFill>
-          <a:schemeClr val="lt1">
-            <a:lumMod val="95000"/>
-            <a:alpha val="54000"/>
+          <a:schemeClr val="tx1">
+            <a:lumMod val="65000"/>
+            <a:lumOff val="35000"/>
           </a:schemeClr>
         </a:solidFill>
       </a:ln>
@@ -4585,17 +4989,17 @@
     <cs:fillRef idx="0"/>
     <cs:effectRef idx="0"/>
     <cs:fontRef idx="minor">
-      <a:schemeClr val="lt1"/>
+      <a:schemeClr val="tx1"/>
     </cs:fontRef>
     <cs:spPr>
-      <a:ln w="9525">
+      <a:ln w="9525" cap="flat" cmpd="sng" algn="ctr">
         <a:solidFill>
-          <a:schemeClr val="lt1">
-            <a:lumMod val="95000"/>
-            <a:alpha val="54000"/>
+          <a:schemeClr val="tx1">
+            <a:lumMod val="35000"/>
+            <a:lumOff val="65000"/>
           </a:schemeClr>
         </a:solidFill>
-        <a:prstDash val="dash"/>
+        <a:round/>
       </a:ln>
     </cs:spPr>
   </cs:dropLine>
@@ -4604,13 +5008,14 @@
     <cs:fillRef idx="0"/>
     <cs:effectRef idx="0"/>
     <cs:fontRef idx="minor">
-      <a:schemeClr val="lt1"/>
+      <a:schemeClr val="tx1"/>
     </cs:fontRef>
     <cs:spPr>
       <a:ln w="9525" cap="flat" cmpd="sng" algn="ctr">
         <a:solidFill>
-          <a:schemeClr val="lt1">
-            <a:lumMod val="95000"/>
+          <a:schemeClr val="tx1">
+            <a:lumMod val="65000"/>
+            <a:lumOff val="35000"/>
           </a:schemeClr>
         </a:solidFill>
         <a:round/>
@@ -4622,22 +5027,28 @@
     <cs:fillRef idx="0"/>
     <cs:effectRef idx="0"/>
     <cs:fontRef idx="minor">
-      <a:schemeClr val="lt1"/>
+      <a:schemeClr val="tx1"/>
     </cs:fontRef>
+    <cs:spPr>
+      <a:noFill/>
+      <a:ln>
+        <a:noFill/>
+      </a:ln>
+    </cs:spPr>
   </cs:floor>
   <cs:gridlineMajor>
     <cs:lnRef idx="0"/>
     <cs:fillRef idx="0"/>
     <cs:effectRef idx="0"/>
     <cs:fontRef idx="minor">
-      <a:schemeClr val="lt1"/>
+      <a:schemeClr val="tx1"/>
     </cs:fontRef>
     <cs:spPr>
       <a:ln w="9525" cap="flat" cmpd="sng" algn="ctr">
         <a:solidFill>
-          <a:schemeClr val="lt1">
-            <a:lumMod val="95000"/>
-            <a:alpha val="10000"/>
+          <a:schemeClr val="tx1">
+            <a:lumMod val="15000"/>
+            <a:lumOff val="85000"/>
           </a:schemeClr>
         </a:solidFill>
         <a:round/>
@@ -4649,16 +5060,17 @@
     <cs:fillRef idx="0"/>
     <cs:effectRef idx="0"/>
     <cs:fontRef idx="minor">
-      <a:schemeClr val="lt1"/>
+      <a:schemeClr val="tx1"/>
     </cs:fontRef>
     <cs:spPr>
-      <a:ln>
+      <a:ln w="9525" cap="flat" cmpd="sng" algn="ctr">
         <a:solidFill>
-          <a:schemeClr val="lt1">
-            <a:lumMod val="95000"/>
-            <a:alpha val="5000"/>
+          <a:schemeClr val="tx1">
+            <a:lumMod val="5000"/>
+            <a:lumOff val="95000"/>
           </a:schemeClr>
         </a:solidFill>
+        <a:round/>
       </a:ln>
     </cs:spPr>
   </cs:gridlineMinor>
@@ -4667,17 +5079,17 @@
     <cs:fillRef idx="0"/>
     <cs:effectRef idx="0"/>
     <cs:fontRef idx="minor">
-      <a:schemeClr val="lt1"/>
+      <a:schemeClr val="tx1"/>
     </cs:fontRef>
     <cs:spPr>
-      <a:ln w="9525">
+      <a:ln w="9525" cap="flat" cmpd="sng" algn="ctr">
         <a:solidFill>
-          <a:schemeClr val="lt1">
-            <a:lumMod val="95000"/>
-            <a:alpha val="54000"/>
+          <a:schemeClr val="tx1">
+            <a:lumMod val="75000"/>
+            <a:lumOff val="25000"/>
           </a:schemeClr>
         </a:solidFill>
-        <a:prstDash val="dash"/>
+        <a:round/>
       </a:ln>
     </cs:spPr>
   </cs:hiLoLine>
@@ -4686,16 +5098,17 @@
     <cs:fillRef idx="0"/>
     <cs:effectRef idx="0"/>
     <cs:fontRef idx="minor">
-      <a:schemeClr val="lt1"/>
+      <a:schemeClr val="tx1"/>
     </cs:fontRef>
     <cs:spPr>
-      <a:ln w="9525">
+      <a:ln w="9525" cap="flat" cmpd="sng" algn="ctr">
         <a:solidFill>
-          <a:schemeClr val="lt1">
-            <a:lumMod val="95000"/>
-            <a:alpha val="54000"/>
+          <a:schemeClr val="tx1">
+            <a:lumMod val="35000"/>
+            <a:lumOff val="65000"/>
           </a:schemeClr>
         </a:solidFill>
+        <a:round/>
       </a:ln>
     </cs:spPr>
   </cs:leaderLine>
@@ -4704,26 +5117,27 @@
     <cs:fillRef idx="0"/>
     <cs:effectRef idx="0"/>
     <cs:fontRef idx="minor">
-      <a:schemeClr val="lt1">
-        <a:lumMod val="85000"/>
+      <a:schemeClr val="tx1">
+        <a:lumMod val="65000"/>
+        <a:lumOff val="35000"/>
       </a:schemeClr>
     </cs:fontRef>
-    <cs:defRPr sz="1197" kern="1200"/>
+    <cs:defRPr sz="900" kern="1200"/>
   </cs:legend>
-  <cs:plotArea>
+  <cs:plotArea mods="allowNoFillOverride allowNoLineOverride">
     <cs:lnRef idx="0"/>
     <cs:fillRef idx="0"/>
     <cs:effectRef idx="0"/>
     <cs:fontRef idx="minor">
-      <a:schemeClr val="lt1"/>
+      <a:schemeClr val="tx1"/>
     </cs:fontRef>
   </cs:plotArea>
-  <cs:plotArea3D>
+  <cs:plotArea3D mods="allowNoFillOverride allowNoLineOverride">
     <cs:lnRef idx="0"/>
     <cs:fillRef idx="0"/>
     <cs:effectRef idx="0"/>
     <cs:fontRef idx="minor">
-      <a:schemeClr val="lt1"/>
+      <a:schemeClr val="tx1"/>
     </cs:fontRef>
   </cs:plotArea3D>
   <cs:seriesAxis>
@@ -4731,36 +5145,26 @@
     <cs:fillRef idx="0"/>
     <cs:effectRef idx="0"/>
     <cs:fontRef idx="minor">
-      <a:schemeClr val="lt1">
-        <a:lumMod val="85000"/>
+      <a:schemeClr val="tx1">
+        <a:lumMod val="65000"/>
+        <a:lumOff val="35000"/>
       </a:schemeClr>
     </cs:fontRef>
-    <cs:spPr>
-      <a:ln w="12700" cap="flat" cmpd="sng" algn="ctr">
-        <a:solidFill>
-          <a:schemeClr val="lt1">
-            <a:lumMod val="95000"/>
-            <a:alpha val="54000"/>
-          </a:schemeClr>
-        </a:solidFill>
-        <a:round/>
-      </a:ln>
-    </cs:spPr>
-    <cs:defRPr sz="1197" kern="1200"/>
+    <cs:defRPr sz="900" kern="1200"/>
   </cs:seriesAxis>
   <cs:seriesLine>
     <cs:lnRef idx="0"/>
     <cs:fillRef idx="0"/>
     <cs:effectRef idx="0"/>
     <cs:fontRef idx="minor">
-      <a:schemeClr val="lt1"/>
+      <a:schemeClr val="tx1"/>
     </cs:fontRef>
     <cs:spPr>
       <a:ln w="9525" cap="flat" cmpd="sng" algn="ctr">
         <a:solidFill>
-          <a:schemeClr val="lt1">
-            <a:lumMod val="95000"/>
-            <a:alpha val="54000"/>
+          <a:schemeClr val="tx1">
+            <a:lumMod val="35000"/>
+            <a:lumOff val="65000"/>
           </a:schemeClr>
         </a:solidFill>
         <a:round/>
@@ -4772,19 +5176,12 @@
     <cs:fillRef idx="0"/>
     <cs:effectRef idx="0"/>
     <cs:fontRef idx="minor">
-      <a:schemeClr val="lt1">
-        <a:lumMod val="95000"/>
+      <a:schemeClr val="tx1">
+        <a:lumMod val="65000"/>
+        <a:lumOff val="35000"/>
       </a:schemeClr>
     </cs:fontRef>
-    <cs:defRPr sz="2128" b="1" kern="1200" spc="100" baseline="0">
-      <a:effectLst>
-        <a:outerShdw blurRad="50800" dist="38100" dir="5400000" algn="t" rotWithShape="0">
-          <a:prstClr val="black">
-            <a:alpha val="40000"/>
-          </a:prstClr>
-        </a:outerShdw>
-      </a:effectLst>
-    </cs:defRPr>
+    <cs:defRPr sz="1400" b="0" kern="1200" spc="0" baseline="0"/>
   </cs:title>
   <cs:trendline>
     <cs:lnRef idx="0">
@@ -4793,13 +5190,14 @@
     <cs:fillRef idx="0"/>
     <cs:effectRef idx="0"/>
     <cs:fontRef idx="minor">
-      <a:schemeClr val="lt1"/>
+      <a:schemeClr val="tx1"/>
     </cs:fontRef>
     <cs:spPr>
       <a:ln w="19050" cap="rnd">
         <a:solidFill>
           <a:schemeClr val="phClr"/>
         </a:solidFill>
+        <a:prstDash val="sysDot"/>
       </a:ln>
     </cs:spPr>
   </cs:trendline>
@@ -4808,18 +5206,19 @@
     <cs:fillRef idx="0"/>
     <cs:effectRef idx="0"/>
     <cs:fontRef idx="minor">
-      <a:schemeClr val="lt1">
-        <a:lumMod val="85000"/>
+      <a:schemeClr val="tx1">
+        <a:lumMod val="65000"/>
+        <a:lumOff val="35000"/>
       </a:schemeClr>
     </cs:fontRef>
-    <cs:defRPr sz="1197" kern="1200"/>
+    <cs:defRPr sz="900" kern="1200"/>
   </cs:trendlineLabel>
   <cs:upBar>
     <cs:lnRef idx="0"/>
     <cs:fillRef idx="0"/>
     <cs:effectRef idx="0"/>
     <cs:fontRef idx="minor">
-      <a:schemeClr val="lt1"/>
+      <a:schemeClr val="dk1"/>
     </cs:fontRef>
     <cs:spPr>
       <a:solidFill>
@@ -4827,9 +5226,9 @@
       </a:solidFill>
       <a:ln w="9525">
         <a:solidFill>
-          <a:schemeClr val="lt1">
-            <a:lumMod val="95000"/>
-            <a:alpha val="54000"/>
+          <a:schemeClr val="tx1">
+            <a:lumMod val="15000"/>
+            <a:lumOff val="85000"/>
           </a:schemeClr>
         </a:solidFill>
       </a:ln>
@@ -4840,19 +5239,26 @@
     <cs:fillRef idx="0"/>
     <cs:effectRef idx="0"/>
     <cs:fontRef idx="minor">
-      <a:schemeClr val="lt1">
-        <a:lumMod val="85000"/>
+      <a:schemeClr val="tx1">
+        <a:lumMod val="65000"/>
+        <a:lumOff val="35000"/>
       </a:schemeClr>
     </cs:fontRef>
-    <cs:defRPr sz="1197" kern="1200"/>
+    <cs:defRPr sz="900" kern="1200"/>
   </cs:valueAxis>
   <cs:wall>
     <cs:lnRef idx="0"/>
     <cs:fillRef idx="0"/>
     <cs:effectRef idx="0"/>
     <cs:fontRef idx="minor">
-      <a:schemeClr val="lt1"/>
+      <a:schemeClr val="tx1"/>
     </cs:fontRef>
+    <cs:spPr>
+      <a:noFill/>
+      <a:ln>
+        <a:noFill/>
+      </a:ln>
+    </cs:spPr>
   </cs:wall>
 </cs:chartStyle>
 </file>
@@ -5349,6 +5755,509 @@
     <cs:fontRef idx="minor">
       <a:schemeClr val="lt1"/>
     </cs:fontRef>
+  </cs:wall>
+</cs:chartStyle>
+</file>
+
+<file path=ppt/charts/style5.xml><?xml version="1.0" encoding="utf-8"?>
+<cs:chartStyle xmlns:cs="http://schemas.microsoft.com/office/drawing/2012/chartStyle" xmlns:a="http://schemas.openxmlformats.org/drawingml/2006/main" id="332">
+  <cs:axisTitle>
+    <cs:lnRef idx="0"/>
+    <cs:fillRef idx="0"/>
+    <cs:effectRef idx="0"/>
+    <cs:fontRef idx="minor">
+      <a:schemeClr val="tx1">
+        <a:lumMod val="65000"/>
+        <a:lumOff val="35000"/>
+      </a:schemeClr>
+    </cs:fontRef>
+    <cs:defRPr sz="1000" kern="1200"/>
+  </cs:axisTitle>
+  <cs:categoryAxis>
+    <cs:lnRef idx="0"/>
+    <cs:fillRef idx="0"/>
+    <cs:effectRef idx="0"/>
+    <cs:fontRef idx="minor">
+      <a:schemeClr val="tx1">
+        <a:lumMod val="65000"/>
+        <a:lumOff val="35000"/>
+      </a:schemeClr>
+    </cs:fontRef>
+    <cs:spPr>
+      <a:ln w="9525" cap="flat" cmpd="sng" algn="ctr">
+        <a:solidFill>
+          <a:schemeClr val="tx1">
+            <a:lumMod val="15000"/>
+            <a:lumOff val="85000"/>
+          </a:schemeClr>
+        </a:solidFill>
+        <a:round/>
+      </a:ln>
+    </cs:spPr>
+    <cs:defRPr sz="900" kern="1200"/>
+  </cs:categoryAxis>
+  <cs:chartArea mods="allowNoFillOverride allowNoLineOverride">
+    <cs:lnRef idx="0"/>
+    <cs:fillRef idx="0"/>
+    <cs:effectRef idx="0"/>
+    <cs:fontRef idx="minor">
+      <a:schemeClr val="tx1"/>
+    </cs:fontRef>
+    <cs:spPr>
+      <a:solidFill>
+        <a:schemeClr val="bg1"/>
+      </a:solidFill>
+      <a:ln w="9525" cap="flat" cmpd="sng" algn="ctr">
+        <a:solidFill>
+          <a:schemeClr val="tx1">
+            <a:lumMod val="15000"/>
+            <a:lumOff val="85000"/>
+          </a:schemeClr>
+        </a:solidFill>
+        <a:round/>
+      </a:ln>
+    </cs:spPr>
+    <cs:defRPr sz="1000" kern="1200"/>
+  </cs:chartArea>
+  <cs:dataLabel>
+    <cs:lnRef idx="0"/>
+    <cs:fillRef idx="0"/>
+    <cs:effectRef idx="0"/>
+    <cs:fontRef idx="minor">
+      <a:schemeClr val="tx1">
+        <a:lumMod val="75000"/>
+        <a:lumOff val="25000"/>
+      </a:schemeClr>
+    </cs:fontRef>
+    <cs:defRPr sz="900" kern="1200"/>
+  </cs:dataLabel>
+  <cs:dataLabelCallout>
+    <cs:lnRef idx="0"/>
+    <cs:fillRef idx="0"/>
+    <cs:effectRef idx="0"/>
+    <cs:fontRef idx="minor">
+      <a:schemeClr val="dk1">
+        <a:lumMod val="65000"/>
+        <a:lumOff val="35000"/>
+      </a:schemeClr>
+    </cs:fontRef>
+    <cs:spPr>
+      <a:solidFill>
+        <a:schemeClr val="lt1"/>
+      </a:solidFill>
+      <a:ln>
+        <a:solidFill>
+          <a:schemeClr val="dk1">
+            <a:lumMod val="25000"/>
+            <a:lumOff val="75000"/>
+          </a:schemeClr>
+        </a:solidFill>
+      </a:ln>
+    </cs:spPr>
+    <cs:defRPr sz="900" kern="1200"/>
+    <cs:bodyPr rot="0" spcFirstLastPara="1" vertOverflow="clip" horzOverflow="clip" vert="horz" wrap="square" lIns="36576" tIns="18288" rIns="36576" bIns="18288" anchor="ctr" anchorCtr="1">
+      <a:spAutoFit/>
+    </cs:bodyPr>
+  </cs:dataLabelCallout>
+  <cs:dataPoint>
+    <cs:lnRef idx="0"/>
+    <cs:fillRef idx="1">
+      <cs:styleClr val="auto"/>
+    </cs:fillRef>
+    <cs:effectRef idx="0"/>
+    <cs:fontRef idx="minor">
+      <a:schemeClr val="tx1"/>
+    </cs:fontRef>
+  </cs:dataPoint>
+  <cs:dataPoint3D>
+    <cs:lnRef idx="0"/>
+    <cs:fillRef idx="1">
+      <cs:styleClr val="auto"/>
+    </cs:fillRef>
+    <cs:effectRef idx="0"/>
+    <cs:fontRef idx="minor">
+      <a:schemeClr val="tx1"/>
+    </cs:fontRef>
+  </cs:dataPoint3D>
+  <cs:dataPointLine>
+    <cs:lnRef idx="0">
+      <cs:styleClr val="auto"/>
+    </cs:lnRef>
+    <cs:fillRef idx="1"/>
+    <cs:effectRef idx="0"/>
+    <cs:fontRef idx="minor">
+      <a:schemeClr val="tx1"/>
+    </cs:fontRef>
+    <cs:spPr>
+      <a:ln w="28575" cap="rnd">
+        <a:solidFill>
+          <a:schemeClr val="phClr"/>
+        </a:solidFill>
+        <a:round/>
+      </a:ln>
+    </cs:spPr>
+  </cs:dataPointLine>
+  <cs:dataPointMarker>
+    <cs:lnRef idx="0">
+      <cs:styleClr val="auto"/>
+    </cs:lnRef>
+    <cs:fillRef idx="1">
+      <cs:styleClr val="auto"/>
+    </cs:fillRef>
+    <cs:effectRef idx="0"/>
+    <cs:fontRef idx="minor">
+      <a:schemeClr val="tx1"/>
+    </cs:fontRef>
+    <cs:spPr>
+      <a:ln w="9525">
+        <a:solidFill>
+          <a:schemeClr val="phClr"/>
+        </a:solidFill>
+      </a:ln>
+    </cs:spPr>
+  </cs:dataPointMarker>
+  <cs:dataPointMarkerLayout symbol="circle" size="5"/>
+  <cs:dataPointWireframe>
+    <cs:lnRef idx="0">
+      <cs:styleClr val="auto"/>
+    </cs:lnRef>
+    <cs:fillRef idx="1"/>
+    <cs:effectRef idx="0"/>
+    <cs:fontRef idx="minor">
+      <a:schemeClr val="tx1"/>
+    </cs:fontRef>
+    <cs:spPr>
+      <a:ln w="9525" cap="rnd">
+        <a:solidFill>
+          <a:schemeClr val="phClr"/>
+        </a:solidFill>
+        <a:round/>
+      </a:ln>
+    </cs:spPr>
+  </cs:dataPointWireframe>
+  <cs:dataTable>
+    <cs:lnRef idx="0"/>
+    <cs:fillRef idx="0"/>
+    <cs:effectRef idx="0"/>
+    <cs:fontRef idx="minor">
+      <a:schemeClr val="tx1">
+        <a:lumMod val="65000"/>
+        <a:lumOff val="35000"/>
+      </a:schemeClr>
+    </cs:fontRef>
+    <cs:spPr>
+      <a:noFill/>
+      <a:ln w="9525" cap="flat" cmpd="sng" algn="ctr">
+        <a:solidFill>
+          <a:schemeClr val="tx1">
+            <a:lumMod val="15000"/>
+            <a:lumOff val="85000"/>
+          </a:schemeClr>
+        </a:solidFill>
+        <a:round/>
+      </a:ln>
+    </cs:spPr>
+    <cs:defRPr sz="900" kern="1200"/>
+  </cs:dataTable>
+  <cs:downBar>
+    <cs:lnRef idx="0"/>
+    <cs:fillRef idx="0"/>
+    <cs:effectRef idx="0"/>
+    <cs:fontRef idx="minor">
+      <a:schemeClr val="dk1"/>
+    </cs:fontRef>
+    <cs:spPr>
+      <a:solidFill>
+        <a:schemeClr val="dk1">
+          <a:lumMod val="65000"/>
+          <a:lumOff val="35000"/>
+        </a:schemeClr>
+      </a:solidFill>
+      <a:ln w="9525">
+        <a:solidFill>
+          <a:schemeClr val="tx1">
+            <a:lumMod val="65000"/>
+            <a:lumOff val="35000"/>
+          </a:schemeClr>
+        </a:solidFill>
+      </a:ln>
+    </cs:spPr>
+  </cs:downBar>
+  <cs:dropLine>
+    <cs:lnRef idx="0"/>
+    <cs:fillRef idx="0"/>
+    <cs:effectRef idx="0"/>
+    <cs:fontRef idx="minor">
+      <a:schemeClr val="tx1"/>
+    </cs:fontRef>
+    <cs:spPr>
+      <a:ln w="9525" cap="flat" cmpd="sng" algn="ctr">
+        <a:solidFill>
+          <a:schemeClr val="tx1">
+            <a:lumMod val="35000"/>
+            <a:lumOff val="65000"/>
+          </a:schemeClr>
+        </a:solidFill>
+        <a:round/>
+      </a:ln>
+    </cs:spPr>
+  </cs:dropLine>
+  <cs:errorBar>
+    <cs:lnRef idx="0"/>
+    <cs:fillRef idx="0"/>
+    <cs:effectRef idx="0"/>
+    <cs:fontRef idx="minor">
+      <a:schemeClr val="tx1"/>
+    </cs:fontRef>
+    <cs:spPr>
+      <a:ln w="9525" cap="flat" cmpd="sng" algn="ctr">
+        <a:solidFill>
+          <a:schemeClr val="tx1">
+            <a:lumMod val="65000"/>
+            <a:lumOff val="35000"/>
+          </a:schemeClr>
+        </a:solidFill>
+        <a:round/>
+      </a:ln>
+    </cs:spPr>
+  </cs:errorBar>
+  <cs:floor>
+    <cs:lnRef idx="0"/>
+    <cs:fillRef idx="0"/>
+    <cs:effectRef idx="0"/>
+    <cs:fontRef idx="minor">
+      <a:schemeClr val="tx1"/>
+    </cs:fontRef>
+    <cs:spPr>
+      <a:noFill/>
+      <a:ln>
+        <a:noFill/>
+      </a:ln>
+    </cs:spPr>
+  </cs:floor>
+  <cs:gridlineMajor>
+    <cs:lnRef idx="0"/>
+    <cs:fillRef idx="0"/>
+    <cs:effectRef idx="0"/>
+    <cs:fontRef idx="minor">
+      <a:schemeClr val="tx1"/>
+    </cs:fontRef>
+    <cs:spPr>
+      <a:ln w="9525" cap="flat" cmpd="sng" algn="ctr">
+        <a:solidFill>
+          <a:schemeClr val="tx1">
+            <a:lumMod val="15000"/>
+            <a:lumOff val="85000"/>
+          </a:schemeClr>
+        </a:solidFill>
+        <a:round/>
+      </a:ln>
+    </cs:spPr>
+  </cs:gridlineMajor>
+  <cs:gridlineMinor>
+    <cs:lnRef idx="0"/>
+    <cs:fillRef idx="0"/>
+    <cs:effectRef idx="0"/>
+    <cs:fontRef idx="minor">
+      <a:schemeClr val="tx1"/>
+    </cs:fontRef>
+    <cs:spPr>
+      <a:ln w="9525" cap="flat" cmpd="sng" algn="ctr">
+        <a:solidFill>
+          <a:schemeClr val="tx1">
+            <a:lumMod val="5000"/>
+            <a:lumOff val="95000"/>
+          </a:schemeClr>
+        </a:solidFill>
+        <a:round/>
+      </a:ln>
+    </cs:spPr>
+  </cs:gridlineMinor>
+  <cs:hiLoLine>
+    <cs:lnRef idx="0"/>
+    <cs:fillRef idx="0"/>
+    <cs:effectRef idx="0"/>
+    <cs:fontRef idx="minor">
+      <a:schemeClr val="tx1"/>
+    </cs:fontRef>
+    <cs:spPr>
+      <a:ln w="9525" cap="flat" cmpd="sng" algn="ctr">
+        <a:solidFill>
+          <a:schemeClr val="tx1">
+            <a:lumMod val="75000"/>
+            <a:lumOff val="25000"/>
+          </a:schemeClr>
+        </a:solidFill>
+        <a:round/>
+      </a:ln>
+    </cs:spPr>
+  </cs:hiLoLine>
+  <cs:leaderLine>
+    <cs:lnRef idx="0"/>
+    <cs:fillRef idx="0"/>
+    <cs:effectRef idx="0"/>
+    <cs:fontRef idx="minor">
+      <a:schemeClr val="tx1"/>
+    </cs:fontRef>
+    <cs:spPr>
+      <a:ln w="9525" cap="flat" cmpd="sng" algn="ctr">
+        <a:solidFill>
+          <a:schemeClr val="tx1">
+            <a:lumMod val="35000"/>
+            <a:lumOff val="65000"/>
+          </a:schemeClr>
+        </a:solidFill>
+        <a:round/>
+      </a:ln>
+    </cs:spPr>
+  </cs:leaderLine>
+  <cs:legend>
+    <cs:lnRef idx="0"/>
+    <cs:fillRef idx="0"/>
+    <cs:effectRef idx="0"/>
+    <cs:fontRef idx="minor">
+      <a:schemeClr val="tx1">
+        <a:lumMod val="65000"/>
+        <a:lumOff val="35000"/>
+      </a:schemeClr>
+    </cs:fontRef>
+    <cs:defRPr sz="900" kern="1200"/>
+  </cs:legend>
+  <cs:plotArea mods="allowNoFillOverride allowNoLineOverride">
+    <cs:lnRef idx="0"/>
+    <cs:fillRef idx="0"/>
+    <cs:effectRef idx="0"/>
+    <cs:fontRef idx="minor">
+      <a:schemeClr val="tx1"/>
+    </cs:fontRef>
+  </cs:plotArea>
+  <cs:plotArea3D mods="allowNoFillOverride allowNoLineOverride">
+    <cs:lnRef idx="0"/>
+    <cs:fillRef idx="0"/>
+    <cs:effectRef idx="0"/>
+    <cs:fontRef idx="minor">
+      <a:schemeClr val="tx1"/>
+    </cs:fontRef>
+  </cs:plotArea3D>
+  <cs:seriesAxis>
+    <cs:lnRef idx="0"/>
+    <cs:fillRef idx="0"/>
+    <cs:effectRef idx="0"/>
+    <cs:fontRef idx="minor">
+      <a:schemeClr val="tx1">
+        <a:lumMod val="65000"/>
+        <a:lumOff val="35000"/>
+      </a:schemeClr>
+    </cs:fontRef>
+    <cs:defRPr sz="900" kern="1200"/>
+  </cs:seriesAxis>
+  <cs:seriesLine>
+    <cs:lnRef idx="0"/>
+    <cs:fillRef idx="0"/>
+    <cs:effectRef idx="0"/>
+    <cs:fontRef idx="minor">
+      <a:schemeClr val="tx1"/>
+    </cs:fontRef>
+    <cs:spPr>
+      <a:ln w="9525" cap="flat" cmpd="sng" algn="ctr">
+        <a:solidFill>
+          <a:schemeClr val="tx1">
+            <a:lumMod val="35000"/>
+            <a:lumOff val="65000"/>
+          </a:schemeClr>
+        </a:solidFill>
+        <a:round/>
+      </a:ln>
+    </cs:spPr>
+  </cs:seriesLine>
+  <cs:title>
+    <cs:lnRef idx="0"/>
+    <cs:fillRef idx="0"/>
+    <cs:effectRef idx="0"/>
+    <cs:fontRef idx="minor">
+      <a:schemeClr val="tx1">
+        <a:lumMod val="65000"/>
+        <a:lumOff val="35000"/>
+      </a:schemeClr>
+    </cs:fontRef>
+    <cs:defRPr sz="1400" b="0" kern="1200" spc="0" baseline="0"/>
+  </cs:title>
+  <cs:trendline>
+    <cs:lnRef idx="0">
+      <cs:styleClr val="auto"/>
+    </cs:lnRef>
+    <cs:fillRef idx="0"/>
+    <cs:effectRef idx="0"/>
+    <cs:fontRef idx="minor">
+      <a:schemeClr val="tx1"/>
+    </cs:fontRef>
+    <cs:spPr>
+      <a:ln w="19050" cap="rnd">
+        <a:solidFill>
+          <a:schemeClr val="phClr"/>
+        </a:solidFill>
+        <a:prstDash val="sysDot"/>
+      </a:ln>
+    </cs:spPr>
+  </cs:trendline>
+  <cs:trendlineLabel>
+    <cs:lnRef idx="0"/>
+    <cs:fillRef idx="0"/>
+    <cs:effectRef idx="0"/>
+    <cs:fontRef idx="minor">
+      <a:schemeClr val="tx1">
+        <a:lumMod val="65000"/>
+        <a:lumOff val="35000"/>
+      </a:schemeClr>
+    </cs:fontRef>
+    <cs:defRPr sz="900" kern="1200"/>
+  </cs:trendlineLabel>
+  <cs:upBar>
+    <cs:lnRef idx="0"/>
+    <cs:fillRef idx="0"/>
+    <cs:effectRef idx="0"/>
+    <cs:fontRef idx="minor">
+      <a:schemeClr val="dk1"/>
+    </cs:fontRef>
+    <cs:spPr>
+      <a:solidFill>
+        <a:schemeClr val="lt1"/>
+      </a:solidFill>
+      <a:ln w="9525">
+        <a:solidFill>
+          <a:schemeClr val="tx1">
+            <a:lumMod val="15000"/>
+            <a:lumOff val="85000"/>
+          </a:schemeClr>
+        </a:solidFill>
+      </a:ln>
+    </cs:spPr>
+  </cs:upBar>
+  <cs:valueAxis>
+    <cs:lnRef idx="0"/>
+    <cs:fillRef idx="0"/>
+    <cs:effectRef idx="0"/>
+    <cs:fontRef idx="minor">
+      <a:schemeClr val="tx1">
+        <a:lumMod val="65000"/>
+        <a:lumOff val="35000"/>
+      </a:schemeClr>
+    </cs:fontRef>
+    <cs:defRPr sz="900" kern="1200"/>
+  </cs:valueAxis>
+  <cs:wall>
+    <cs:lnRef idx="0"/>
+    <cs:fillRef idx="0"/>
+    <cs:effectRef idx="0"/>
+    <cs:fontRef idx="minor">
+      <a:schemeClr val="tx1"/>
+    </cs:fontRef>
+    <cs:spPr>
+      <a:noFill/>
+      <a:ln>
+        <a:noFill/>
+      </a:ln>
+    </cs:spPr>
   </cs:wall>
 </cs:chartStyle>
 </file>
@@ -12779,7 +13688,7 @@
           <a:p>
             <a:fld id="{BE2A43AE-C781-437F-82F9-639F52CA20CD}" type="datetimeFigureOut">
               <a:rPr lang="en-US" smtClean="0"/>
-              <a:t>4/25/2023</a:t>
+              <a:t>4/26/2023</a:t>
             </a:fld>
             <a:endParaRPr lang="en-US"/>
           </a:p>
@@ -13628,6 +14537,97 @@
           <a:bodyPr/>
           <a:lstStyle/>
           <a:p>
+            <a:r>
+              <a:rPr lang="en-US" dirty="0"/>
+              <a:t>What </a:t>
+            </a:r>
+            <a:r>
+              <a:rPr lang="en-US"/>
+              <a:t>to beat</a:t>
+            </a:r>
+          </a:p>
+        </p:txBody>
+      </p:sp>
+      <p:sp>
+        <p:nvSpPr>
+          <p:cNvPr id="4" name="Slide Number Placeholder 3"/>
+          <p:cNvSpPr>
+            <a:spLocks noGrp="1"/>
+          </p:cNvSpPr>
+          <p:nvPr>
+            <p:ph type="sldNum" sz="quarter" idx="5"/>
+          </p:nvPr>
+        </p:nvSpPr>
+        <p:spPr/>
+        <p:txBody>
+          <a:bodyPr/>
+          <a:lstStyle/>
+          <a:p>
+            <a:fld id="{1BFF8EC0-4E85-4B5B-B1AE-D39CEADE6519}" type="slidenum">
+              <a:rPr lang="en-US" smtClean="0"/>
+              <a:t>8</a:t>
+            </a:fld>
+            <a:endParaRPr lang="en-US"/>
+          </a:p>
+        </p:txBody>
+      </p:sp>
+    </p:spTree>
+    <p:extLst>
+      <p:ext uri="{BB962C8B-B14F-4D97-AF65-F5344CB8AC3E}">
+        <p14:creationId xmlns:p14="http://schemas.microsoft.com/office/powerpoint/2010/main" val="42855071"/>
+      </p:ext>
+    </p:extLst>
+  </p:cSld>
+  <p:clrMapOvr>
+    <a:masterClrMapping/>
+  </p:clrMapOvr>
+</p:notes>
+</file>
+
+<file path=ppt/notesSlides/notesSlide6.xml><?xml version="1.0" encoding="utf-8"?>
+<p:notes xmlns:a="http://schemas.openxmlformats.org/drawingml/2006/main" xmlns:r="http://schemas.openxmlformats.org/officeDocument/2006/relationships" xmlns:p="http://schemas.openxmlformats.org/presentationml/2006/main">
+  <p:cSld>
+    <p:spTree>
+      <p:nvGrpSpPr>
+        <p:cNvPr id="1" name=""/>
+        <p:cNvGrpSpPr/>
+        <p:nvPr/>
+      </p:nvGrpSpPr>
+      <p:grpSpPr>
+        <a:xfrm>
+          <a:off x="0" y="0"/>
+          <a:ext cx="0" cy="0"/>
+          <a:chOff x="0" y="0"/>
+          <a:chExt cx="0" cy="0"/>
+        </a:xfrm>
+      </p:grpSpPr>
+      <p:sp>
+        <p:nvSpPr>
+          <p:cNvPr id="2" name="Slide Image Placeholder 1"/>
+          <p:cNvSpPr>
+            <a:spLocks noGrp="1" noRot="1" noChangeAspect="1"/>
+          </p:cNvSpPr>
+          <p:nvPr>
+            <p:ph type="sldImg"/>
+          </p:nvPr>
+        </p:nvSpPr>
+        <p:spPr/>
+      </p:sp>
+      <p:sp>
+        <p:nvSpPr>
+          <p:cNvPr id="3" name="Notes Placeholder 2"/>
+          <p:cNvSpPr>
+            <a:spLocks noGrp="1"/>
+          </p:cNvSpPr>
+          <p:nvPr>
+            <p:ph type="body" idx="1"/>
+          </p:nvPr>
+        </p:nvSpPr>
+        <p:spPr/>
+        <p:txBody>
+          <a:bodyPr/>
+          <a:lstStyle/>
+          <a:p>
             <a:endParaRPr lang="en-US" dirty="0"/>
           </a:p>
         </p:txBody>
@@ -13659,6 +14659,90 @@
     <p:extLst>
       <p:ext uri="{BB962C8B-B14F-4D97-AF65-F5344CB8AC3E}">
         <p14:creationId xmlns:p14="http://schemas.microsoft.com/office/powerpoint/2010/main" val="2899586045"/>
+      </p:ext>
+    </p:extLst>
+  </p:cSld>
+  <p:clrMapOvr>
+    <a:masterClrMapping/>
+  </p:clrMapOvr>
+</p:notes>
+</file>
+
+<file path=ppt/notesSlides/notesSlide7.xml><?xml version="1.0" encoding="utf-8"?>
+<p:notes xmlns:a="http://schemas.openxmlformats.org/drawingml/2006/main" xmlns:r="http://schemas.openxmlformats.org/officeDocument/2006/relationships" xmlns:p="http://schemas.openxmlformats.org/presentationml/2006/main">
+  <p:cSld>
+    <p:spTree>
+      <p:nvGrpSpPr>
+        <p:cNvPr id="1" name=""/>
+        <p:cNvGrpSpPr/>
+        <p:nvPr/>
+      </p:nvGrpSpPr>
+      <p:grpSpPr>
+        <a:xfrm>
+          <a:off x="0" y="0"/>
+          <a:ext cx="0" cy="0"/>
+          <a:chOff x="0" y="0"/>
+          <a:chExt cx="0" cy="0"/>
+        </a:xfrm>
+      </p:grpSpPr>
+      <p:sp>
+        <p:nvSpPr>
+          <p:cNvPr id="2" name="Slide Image Placeholder 1"/>
+          <p:cNvSpPr>
+            <a:spLocks noGrp="1" noRot="1" noChangeAspect="1"/>
+          </p:cNvSpPr>
+          <p:nvPr>
+            <p:ph type="sldImg"/>
+          </p:nvPr>
+        </p:nvSpPr>
+        <p:spPr/>
+      </p:sp>
+      <p:sp>
+        <p:nvSpPr>
+          <p:cNvPr id="3" name="Notes Placeholder 2"/>
+          <p:cNvSpPr>
+            <a:spLocks noGrp="1"/>
+          </p:cNvSpPr>
+          <p:nvPr>
+            <p:ph type="body" idx="1"/>
+          </p:nvPr>
+        </p:nvSpPr>
+        <p:spPr/>
+        <p:txBody>
+          <a:bodyPr/>
+          <a:lstStyle/>
+          <a:p>
+            <a:endParaRPr lang="en-US" dirty="0"/>
+          </a:p>
+        </p:txBody>
+      </p:sp>
+      <p:sp>
+        <p:nvSpPr>
+          <p:cNvPr id="4" name="Slide Number Placeholder 3"/>
+          <p:cNvSpPr>
+            <a:spLocks noGrp="1"/>
+          </p:cNvSpPr>
+          <p:nvPr>
+            <p:ph type="sldNum" sz="quarter" idx="5"/>
+          </p:nvPr>
+        </p:nvSpPr>
+        <p:spPr/>
+        <p:txBody>
+          <a:bodyPr/>
+          <a:lstStyle/>
+          <a:p>
+            <a:fld id="{1BFF8EC0-4E85-4B5B-B1AE-D39CEADE6519}" type="slidenum">
+              <a:rPr lang="en-US" smtClean="0"/>
+              <a:t>11</a:t>
+            </a:fld>
+            <a:endParaRPr lang="en-US"/>
+          </a:p>
+        </p:txBody>
+      </p:sp>
+    </p:spTree>
+    <p:extLst>
+      <p:ext uri="{BB962C8B-B14F-4D97-AF65-F5344CB8AC3E}">
+        <p14:creationId xmlns:p14="http://schemas.microsoft.com/office/powerpoint/2010/main" val="3047772127"/>
       </p:ext>
     </p:extLst>
   </p:cSld>
@@ -13815,7 +14899,7 @@
           <a:p>
             <a:fld id="{65DDBF0C-176C-41A2-A7B0-D55ED202E141}" type="datetimeFigureOut">
               <a:rPr lang="en-US" smtClean="0"/>
-              <a:t>4/25/2023</a:t>
+              <a:t>4/26/2023</a:t>
             </a:fld>
             <a:endParaRPr lang="en-US"/>
           </a:p>
@@ -14013,7 +15097,7 @@
           <a:p>
             <a:fld id="{65DDBF0C-176C-41A2-A7B0-D55ED202E141}" type="datetimeFigureOut">
               <a:rPr lang="en-US" smtClean="0"/>
-              <a:t>4/25/2023</a:t>
+              <a:t>4/26/2023</a:t>
             </a:fld>
             <a:endParaRPr lang="en-US"/>
           </a:p>
@@ -14221,7 +15305,7 @@
           <a:p>
             <a:fld id="{65DDBF0C-176C-41A2-A7B0-D55ED202E141}" type="datetimeFigureOut">
               <a:rPr lang="en-US" smtClean="0"/>
-              <a:t>4/25/2023</a:t>
+              <a:t>4/26/2023</a:t>
             </a:fld>
             <a:endParaRPr lang="en-US"/>
           </a:p>
@@ -14419,7 +15503,7 @@
           <a:p>
             <a:fld id="{65DDBF0C-176C-41A2-A7B0-D55ED202E141}" type="datetimeFigureOut">
               <a:rPr lang="en-US" smtClean="0"/>
-              <a:t>4/25/2023</a:t>
+              <a:t>4/26/2023</a:t>
             </a:fld>
             <a:endParaRPr lang="en-US"/>
           </a:p>
@@ -14694,7 +15778,7 @@
           <a:p>
             <a:fld id="{65DDBF0C-176C-41A2-A7B0-D55ED202E141}" type="datetimeFigureOut">
               <a:rPr lang="en-US" smtClean="0"/>
-              <a:t>4/25/2023</a:t>
+              <a:t>4/26/2023</a:t>
             </a:fld>
             <a:endParaRPr lang="en-US"/>
           </a:p>
@@ -14959,7 +16043,7 @@
           <a:p>
             <a:fld id="{65DDBF0C-176C-41A2-A7B0-D55ED202E141}" type="datetimeFigureOut">
               <a:rPr lang="en-US" smtClean="0"/>
-              <a:t>4/25/2023</a:t>
+              <a:t>4/26/2023</a:t>
             </a:fld>
             <a:endParaRPr lang="en-US"/>
           </a:p>
@@ -15371,7 +16455,7 @@
           <a:p>
             <a:fld id="{65DDBF0C-176C-41A2-A7B0-D55ED202E141}" type="datetimeFigureOut">
               <a:rPr lang="en-US" smtClean="0"/>
-              <a:t>4/25/2023</a:t>
+              <a:t>4/26/2023</a:t>
             </a:fld>
             <a:endParaRPr lang="en-US"/>
           </a:p>
@@ -15512,7 +16596,7 @@
           <a:p>
             <a:fld id="{65DDBF0C-176C-41A2-A7B0-D55ED202E141}" type="datetimeFigureOut">
               <a:rPr lang="en-US" smtClean="0"/>
-              <a:t>4/25/2023</a:t>
+              <a:t>4/26/2023</a:t>
             </a:fld>
             <a:endParaRPr lang="en-US"/>
           </a:p>
@@ -15625,7 +16709,7 @@
           <a:p>
             <a:fld id="{65DDBF0C-176C-41A2-A7B0-D55ED202E141}" type="datetimeFigureOut">
               <a:rPr lang="en-US" smtClean="0"/>
-              <a:t>4/25/2023</a:t>
+              <a:t>4/26/2023</a:t>
             </a:fld>
             <a:endParaRPr lang="en-US"/>
           </a:p>
@@ -15936,7 +17020,7 @@
           <a:p>
             <a:fld id="{65DDBF0C-176C-41A2-A7B0-D55ED202E141}" type="datetimeFigureOut">
               <a:rPr lang="en-US" smtClean="0"/>
-              <a:t>4/25/2023</a:t>
+              <a:t>4/26/2023</a:t>
             </a:fld>
             <a:endParaRPr lang="en-US"/>
           </a:p>
@@ -16224,7 +17308,7 @@
           <a:p>
             <a:fld id="{65DDBF0C-176C-41A2-A7B0-D55ED202E141}" type="datetimeFigureOut">
               <a:rPr lang="en-US" smtClean="0"/>
-              <a:t>4/25/2023</a:t>
+              <a:t>4/26/2023</a:t>
             </a:fld>
             <a:endParaRPr lang="en-US"/>
           </a:p>
@@ -16465,7 +17549,7 @@
           <a:p>
             <a:fld id="{65DDBF0C-176C-41A2-A7B0-D55ED202E141}" type="datetimeFigureOut">
               <a:rPr lang="en-US" smtClean="0"/>
-              <a:t>4/25/2023</a:t>
+              <a:t>4/26/2023</a:t>
             </a:fld>
             <a:endParaRPr lang="en-US"/>
           </a:p>
@@ -17663,7 +18747,7 @@
             <a:pPr algn="ctr"/>
             <a:r>
               <a:rPr lang="en-US" sz="2400" dirty="0"/>
-              <a:t>These are the most compute intensive task for various instance types </a:t>
+              <a:t>This is the most compute intensive task for various instance types </a:t>
             </a:r>
           </a:p>
           <a:p>
@@ -17677,10 +18761,10 @@
       </p:sp>
       <p:graphicFrame>
         <p:nvGraphicFramePr>
-          <p:cNvPr id="4" name="Chart 3">
+          <p:cNvPr id="7" name="Chart 6">
             <a:extLst>
               <a:ext uri="{FF2B5EF4-FFF2-40B4-BE49-F238E27FC236}">
-                <a16:creationId xmlns:a16="http://schemas.microsoft.com/office/drawing/2014/main" id="{E14C9B38-8B25-8CE4-973B-70C0B29407F6}"/>
+                <a16:creationId xmlns:a16="http://schemas.microsoft.com/office/drawing/2014/main" id="{CE3DB3EA-9359-4C64-9B8E-EEA0C4598F10}"/>
               </a:ext>
             </a:extLst>
           </p:cNvPr>
@@ -17690,14 +18774,14 @@
           <p:nvPr>
             <p:extLst>
               <p:ext uri="{D42A27DB-BD31-4B8C-83A1-F6EECF244321}">
-                <p14:modId xmlns:p14="http://schemas.microsoft.com/office/powerpoint/2010/main" val="1796511011"/>
+                <p14:modId xmlns:p14="http://schemas.microsoft.com/office/powerpoint/2010/main" val="3107733128"/>
               </p:ext>
             </p:extLst>
           </p:nvPr>
         </p:nvGraphicFramePr>
         <p:xfrm>
-          <a:off x="2892489" y="1371599"/>
-          <a:ext cx="6400800" cy="4114800"/>
+          <a:off x="2434442" y="1287624"/>
+          <a:ext cx="7315200" cy="4048767"/>
         </p:xfrm>
         <a:graphic>
           <a:graphicData uri="http://schemas.openxmlformats.org/drawingml/2006/chart">
@@ -17719,6 +18803,481 @@
 </file>
 
 <file path=ppt/slides/slide11.xml><?xml version="1.0" encoding="utf-8"?>
+<p:sld xmlns:a="http://schemas.openxmlformats.org/drawingml/2006/main" xmlns:r="http://schemas.openxmlformats.org/officeDocument/2006/relationships" xmlns:p="http://schemas.openxmlformats.org/presentationml/2006/main">
+  <p:cSld>
+    <p:spTree>
+      <p:nvGrpSpPr>
+        <p:cNvPr id="1" name=""/>
+        <p:cNvGrpSpPr/>
+        <p:nvPr/>
+      </p:nvGrpSpPr>
+      <p:grpSpPr>
+        <a:xfrm>
+          <a:off x="0" y="0"/>
+          <a:ext cx="0" cy="0"/>
+          <a:chOff x="0" y="0"/>
+          <a:chExt cx="0" cy="0"/>
+        </a:xfrm>
+      </p:grpSpPr>
+      <p:sp>
+        <p:nvSpPr>
+          <p:cNvPr id="2" name="Title 1">
+            <a:extLst>
+              <a:ext uri="{FF2B5EF4-FFF2-40B4-BE49-F238E27FC236}">
+                <a16:creationId xmlns:a16="http://schemas.microsoft.com/office/drawing/2014/main" id="{D0B87F8E-5D83-4513-9285-8A122C4A62CB}"/>
+              </a:ext>
+            </a:extLst>
+          </p:cNvPr>
+          <p:cNvSpPr>
+            <a:spLocks noGrp="1"/>
+          </p:cNvSpPr>
+          <p:nvPr>
+            <p:ph type="title"/>
+          </p:nvPr>
+        </p:nvSpPr>
+        <p:spPr>
+          <a:xfrm>
+            <a:off x="838200" y="308428"/>
+            <a:ext cx="10515600" cy="745218"/>
+          </a:xfrm>
+        </p:spPr>
+        <p:txBody>
+          <a:bodyPr/>
+          <a:lstStyle/>
+          <a:p>
+            <a:r>
+              <a:rPr lang="en-US" dirty="0"/>
+              <a:t>Disk Types Tested</a:t>
+            </a:r>
+          </a:p>
+        </p:txBody>
+      </p:sp>
+      <p:cxnSp>
+        <p:nvCxnSpPr>
+          <p:cNvPr id="5" name="Straight Connector 4">
+            <a:extLst>
+              <a:ext uri="{FF2B5EF4-FFF2-40B4-BE49-F238E27FC236}">
+                <a16:creationId xmlns:a16="http://schemas.microsoft.com/office/drawing/2014/main" id="{86EF85BD-B585-F4FA-AB4B-371C19D22622}"/>
+              </a:ext>
+            </a:extLst>
+          </p:cNvPr>
+          <p:cNvCxnSpPr/>
+          <p:nvPr/>
+        </p:nvCxnSpPr>
+        <p:spPr>
+          <a:xfrm>
+            <a:off x="615820" y="1287624"/>
+            <a:ext cx="10954139" cy="0"/>
+          </a:xfrm>
+          <a:prstGeom prst="line">
+            <a:avLst/>
+          </a:prstGeom>
+          <a:ln w="19050">
+            <a:solidFill>
+              <a:schemeClr val="bg1">
+                <a:lumMod val="50000"/>
+              </a:schemeClr>
+            </a:solidFill>
+            <a:prstDash val="sysDash"/>
+          </a:ln>
+        </p:spPr>
+        <p:style>
+          <a:lnRef idx="1">
+            <a:schemeClr val="accent1"/>
+          </a:lnRef>
+          <a:fillRef idx="0">
+            <a:schemeClr val="accent1"/>
+          </a:fillRef>
+          <a:effectRef idx="0">
+            <a:schemeClr val="accent1"/>
+          </a:effectRef>
+          <a:fontRef idx="minor">
+            <a:schemeClr val="tx1"/>
+          </a:fontRef>
+        </p:style>
+      </p:cxnSp>
+      <p:graphicFrame>
+        <p:nvGraphicFramePr>
+          <p:cNvPr id="7" name="Table 7">
+            <a:extLst>
+              <a:ext uri="{FF2B5EF4-FFF2-40B4-BE49-F238E27FC236}">
+                <a16:creationId xmlns:a16="http://schemas.microsoft.com/office/drawing/2014/main" id="{84ACA5BC-BDE2-913E-314A-3878CE2332A3}"/>
+              </a:ext>
+            </a:extLst>
+          </p:cNvPr>
+          <p:cNvGraphicFramePr>
+            <a:graphicFrameLocks noGrp="1"/>
+          </p:cNvGraphicFramePr>
+          <p:nvPr>
+            <p:extLst>
+              <p:ext uri="{D42A27DB-BD31-4B8C-83A1-F6EECF244321}">
+                <p14:modId xmlns:p14="http://schemas.microsoft.com/office/powerpoint/2010/main" val="277800252"/>
+              </p:ext>
+            </p:extLst>
+          </p:nvPr>
+        </p:nvGraphicFramePr>
+        <p:xfrm>
+          <a:off x="2031528" y="1722120"/>
+          <a:ext cx="9012525" cy="2560320"/>
+        </p:xfrm>
+        <a:graphic>
+          <a:graphicData uri="http://schemas.openxmlformats.org/drawingml/2006/table">
+            <a:tbl>
+              <a:tblPr firstRow="1">
+                <a:tableStyleId>{7DF18680-E054-41AD-8BC1-D1AEF772440D}</a:tableStyleId>
+              </a:tblPr>
+              <a:tblGrid>
+                <a:gridCol w="1873258">
+                  <a:extLst>
+                    <a:ext uri="{9D8B030D-6E8A-4147-A177-3AD203B41FA5}">
+                      <a16:colId xmlns:a16="http://schemas.microsoft.com/office/drawing/2014/main" val="3637802696"/>
+                    </a:ext>
+                  </a:extLst>
+                </a:gridCol>
+                <a:gridCol w="4780726">
+                  <a:extLst>
+                    <a:ext uri="{9D8B030D-6E8A-4147-A177-3AD203B41FA5}">
+                      <a16:colId xmlns:a16="http://schemas.microsoft.com/office/drawing/2014/main" val="2471651903"/>
+                    </a:ext>
+                  </a:extLst>
+                </a:gridCol>
+                <a:gridCol w="2358541">
+                  <a:extLst>
+                    <a:ext uri="{9D8B030D-6E8A-4147-A177-3AD203B41FA5}">
+                      <a16:colId xmlns:a16="http://schemas.microsoft.com/office/drawing/2014/main" val="2856192351"/>
+                    </a:ext>
+                  </a:extLst>
+                </a:gridCol>
+              </a:tblGrid>
+              <a:tr h="384738">
+                <a:tc>
+                  <a:txBody>
+                    <a:bodyPr/>
+                    <a:lstStyle/>
+                    <a:p>
+                      <a:pPr algn="ctr"/>
+                      <a:r>
+                        <a:rPr lang="en-US" sz="2200" dirty="0">
+                          <a:solidFill>
+                            <a:schemeClr val="tx1"/>
+                          </a:solidFill>
+                        </a:rPr>
+                        <a:t>Designation</a:t>
+                      </a:r>
+                    </a:p>
+                  </a:txBody>
+                  <a:tcPr>
+                    <a:solidFill>
+                      <a:schemeClr val="accent5">
+                        <a:alpha val="40000"/>
+                      </a:schemeClr>
+                    </a:solidFill>
+                  </a:tcPr>
+                </a:tc>
+                <a:tc>
+                  <a:txBody>
+                    <a:bodyPr/>
+                    <a:lstStyle/>
+                    <a:p>
+                      <a:pPr algn="ctr"/>
+                      <a:r>
+                        <a:rPr lang="en-US" sz="2200" dirty="0">
+                          <a:solidFill>
+                            <a:schemeClr val="tx1"/>
+                          </a:solidFill>
+                        </a:rPr>
+                        <a:t>Measured Speed</a:t>
+                      </a:r>
+                    </a:p>
+                  </a:txBody>
+                  <a:tcPr>
+                    <a:solidFill>
+                      <a:schemeClr val="accent5">
+                        <a:alpha val="40000"/>
+                      </a:schemeClr>
+                    </a:solidFill>
+                  </a:tcPr>
+                </a:tc>
+                <a:tc>
+                  <a:txBody>
+                    <a:bodyPr/>
+                    <a:lstStyle/>
+                    <a:p>
+                      <a:pPr algn="ctr"/>
+                      <a:r>
+                        <a:rPr lang="en-US" sz="2200" dirty="0">
+                          <a:solidFill>
+                            <a:schemeClr val="tx1"/>
+                          </a:solidFill>
+                        </a:rPr>
+                        <a:t>Size</a:t>
+                      </a:r>
+                    </a:p>
+                  </a:txBody>
+                  <a:tcPr>
+                    <a:solidFill>
+                      <a:schemeClr val="accent5">
+                        <a:alpha val="40000"/>
+                      </a:schemeClr>
+                    </a:solidFill>
+                  </a:tcPr>
+                </a:tc>
+                <a:extLst>
+                  <a:ext uri="{0D108BD9-81ED-4DB2-BD59-A6C34878D82A}">
+                    <a16:rowId xmlns:a16="http://schemas.microsoft.com/office/drawing/2014/main" val="1086210387"/>
+                  </a:ext>
+                </a:extLst>
+              </a:tr>
+              <a:tr h="370840">
+                <a:tc>
+                  <a:txBody>
+                    <a:bodyPr/>
+                    <a:lstStyle/>
+                    <a:p>
+                      <a:r>
+                        <a:rPr lang="en-US" sz="2200" dirty="0"/>
+                        <a:t>GP2</a:t>
+                      </a:r>
+                    </a:p>
+                  </a:txBody>
+                  <a:tcPr/>
+                </a:tc>
+                <a:tc>
+                  <a:txBody>
+                    <a:bodyPr/>
+                    <a:lstStyle/>
+                    <a:p>
+                      <a:r>
+                        <a:rPr lang="en-US" sz="2200" dirty="0"/>
+                        <a:t>81.3 MB /sec</a:t>
+                      </a:r>
+                    </a:p>
+                  </a:txBody>
+                  <a:tcPr/>
+                </a:tc>
+                <a:tc>
+                  <a:txBody>
+                    <a:bodyPr/>
+                    <a:lstStyle/>
+                    <a:p>
+                      <a:r>
+                        <a:rPr lang="en-US" sz="2200" dirty="0"/>
+                        <a:t>8 GB</a:t>
+                      </a:r>
+                    </a:p>
+                  </a:txBody>
+                  <a:tcPr/>
+                </a:tc>
+                <a:extLst>
+                  <a:ext uri="{0D108BD9-81ED-4DB2-BD59-A6C34878D82A}">
+                    <a16:rowId xmlns:a16="http://schemas.microsoft.com/office/drawing/2014/main" val="3424524635"/>
+                  </a:ext>
+                </a:extLst>
+              </a:tr>
+              <a:tr h="370840">
+                <a:tc>
+                  <a:txBody>
+                    <a:bodyPr/>
+                    <a:lstStyle/>
+                    <a:p>
+                      <a:r>
+                        <a:rPr lang="en-US" sz="2200" dirty="0"/>
+                        <a:t>GP3</a:t>
+                      </a:r>
+                    </a:p>
+                  </a:txBody>
+                  <a:tcPr/>
+                </a:tc>
+                <a:tc>
+                  <a:txBody>
+                    <a:bodyPr/>
+                    <a:lstStyle/>
+                    <a:p>
+                      <a:r>
+                        <a:rPr lang="en-US" sz="2200" dirty="0"/>
+                        <a:t>260 MB /sec</a:t>
+                      </a:r>
+                    </a:p>
+                  </a:txBody>
+                  <a:tcPr/>
+                </a:tc>
+                <a:tc>
+                  <a:txBody>
+                    <a:bodyPr/>
+                    <a:lstStyle/>
+                    <a:p>
+                      <a:endParaRPr lang="en-US" sz="2200" dirty="0"/>
+                    </a:p>
+                  </a:txBody>
+                  <a:tcPr/>
+                </a:tc>
+                <a:extLst>
+                  <a:ext uri="{0D108BD9-81ED-4DB2-BD59-A6C34878D82A}">
+                    <a16:rowId xmlns:a16="http://schemas.microsoft.com/office/drawing/2014/main" val="215558811"/>
+                  </a:ext>
+                </a:extLst>
+              </a:tr>
+              <a:tr h="370840">
+                <a:tc>
+                  <a:txBody>
+                    <a:bodyPr/>
+                    <a:lstStyle/>
+                    <a:p>
+                      <a:r>
+                        <a:rPr lang="en-US" sz="2200" dirty="0"/>
+                        <a:t>IO2</a:t>
+                      </a:r>
+                    </a:p>
+                  </a:txBody>
+                  <a:tcPr/>
+                </a:tc>
+                <a:tc>
+                  <a:txBody>
+                    <a:bodyPr/>
+                    <a:lstStyle/>
+                    <a:p>
+                      <a:r>
+                        <a:rPr lang="en-US" sz="2200" dirty="0"/>
+                        <a:t>330 MB /sec</a:t>
+                      </a:r>
+                    </a:p>
+                  </a:txBody>
+                  <a:tcPr/>
+                </a:tc>
+                <a:tc>
+                  <a:txBody>
+                    <a:bodyPr/>
+                    <a:lstStyle/>
+                    <a:p>
+                      <a:r>
+                        <a:rPr lang="en-US" sz="2200" dirty="0"/>
+                        <a:t>10 GB*</a:t>
+                      </a:r>
+                    </a:p>
+                  </a:txBody>
+                  <a:tcPr/>
+                </a:tc>
+                <a:extLst>
+                  <a:ext uri="{0D108BD9-81ED-4DB2-BD59-A6C34878D82A}">
+                    <a16:rowId xmlns:a16="http://schemas.microsoft.com/office/drawing/2014/main" val="951036050"/>
+                  </a:ext>
+                </a:extLst>
+              </a:tr>
+              <a:tr h="370840">
+                <a:tc>
+                  <a:txBody>
+                    <a:bodyPr/>
+                    <a:lstStyle/>
+                    <a:p>
+                      <a:r>
+                        <a:rPr lang="en-US" sz="2200" dirty="0"/>
+                        <a:t>D3</a:t>
+                      </a:r>
+                    </a:p>
+                  </a:txBody>
+                  <a:tcPr/>
+                </a:tc>
+                <a:tc>
+                  <a:txBody>
+                    <a:bodyPr/>
+                    <a:lstStyle/>
+                    <a:p>
+                      <a:r>
+                        <a:rPr lang="en-US" sz="2200" dirty="0"/>
+                        <a:t>181 MB /sec</a:t>
+                      </a:r>
+                    </a:p>
+                  </a:txBody>
+                  <a:tcPr/>
+                </a:tc>
+                <a:tc>
+                  <a:txBody>
+                    <a:bodyPr/>
+                    <a:lstStyle/>
+                    <a:p>
+                      <a:r>
+                        <a:rPr lang="en-US" sz="2200" dirty="0"/>
+                        <a:t>1.8 TB**</a:t>
+                      </a:r>
+                    </a:p>
+                  </a:txBody>
+                  <a:tcPr/>
+                </a:tc>
+                <a:extLst>
+                  <a:ext uri="{0D108BD9-81ED-4DB2-BD59-A6C34878D82A}">
+                    <a16:rowId xmlns:a16="http://schemas.microsoft.com/office/drawing/2014/main" val="3253797614"/>
+                  </a:ext>
+                </a:extLst>
+              </a:tr>
+              <a:tr h="370840">
+                <a:tc>
+                  <a:txBody>
+                    <a:bodyPr/>
+                    <a:lstStyle/>
+                    <a:p>
+                      <a:r>
+                        <a:rPr lang="en-US" sz="2200" dirty="0"/>
+                        <a:t>I4 </a:t>
+                      </a:r>
+                      <a:r>
+                        <a:rPr lang="en-US" sz="2200" dirty="0" err="1"/>
+                        <a:t>xlarge</a:t>
+                      </a:r>
+                      <a:endParaRPr lang="en-US" sz="2200" dirty="0"/>
+                    </a:p>
+                  </a:txBody>
+                  <a:tcPr/>
+                </a:tc>
+                <a:tc>
+                  <a:txBody>
+                    <a:bodyPr/>
+                    <a:lstStyle/>
+                    <a:p>
+                      <a:r>
+                        <a:rPr lang="en-US" sz="2200" dirty="0"/>
+                        <a:t>1050 MB / sec</a:t>
+                      </a:r>
+                    </a:p>
+                  </a:txBody>
+                  <a:tcPr/>
+                </a:tc>
+                <a:tc>
+                  <a:txBody>
+                    <a:bodyPr/>
+                    <a:lstStyle/>
+                    <a:p>
+                      <a:r>
+                        <a:rPr lang="en-US" sz="2200" dirty="0"/>
+                        <a:t>800 GB**</a:t>
+                      </a:r>
+                    </a:p>
+                  </a:txBody>
+                  <a:tcPr/>
+                </a:tc>
+                <a:extLst>
+                  <a:ext uri="{0D108BD9-81ED-4DB2-BD59-A6C34878D82A}">
+                    <a16:rowId xmlns:a16="http://schemas.microsoft.com/office/drawing/2014/main" val="2931539327"/>
+                  </a:ext>
+                </a:extLst>
+              </a:tr>
+            </a:tbl>
+          </a:graphicData>
+        </a:graphic>
+      </p:graphicFrame>
+    </p:spTree>
+    <p:extLst>
+      <p:ext uri="{BB962C8B-B14F-4D97-AF65-F5344CB8AC3E}">
+        <p14:creationId xmlns:p14="http://schemas.microsoft.com/office/powerpoint/2010/main" val="1712309537"/>
+      </p:ext>
+    </p:extLst>
+  </p:cSld>
+  <p:clrMapOvr>
+    <a:masterClrMapping/>
+  </p:clrMapOvr>
+</p:sld>
+</file>
+
+<file path=ppt/slides/slide12.xml><?xml version="1.0" encoding="utf-8"?>
 <p:sld xmlns:a="http://schemas.openxmlformats.org/drawingml/2006/main" xmlns:r="http://schemas.openxmlformats.org/officeDocument/2006/relationships" xmlns:p="http://schemas.openxmlformats.org/presentationml/2006/main">
   <p:cSld>
     <p:spTree>
@@ -17826,8 +19385,8 @@
         </p:nvSpPr>
         <p:spPr>
           <a:xfrm>
-            <a:off x="3348842" y="5570374"/>
-            <a:ext cx="5617027" cy="738664"/>
+            <a:off x="2809362" y="5559343"/>
+            <a:ext cx="6567054" cy="738664"/>
           </a:xfrm>
           <a:prstGeom prst="rect">
             <a:avLst/>
@@ -17843,7 +19402,7 @@
             <a:pPr algn="ctr"/>
             <a:r>
               <a:rPr lang="en-US" sz="2400" dirty="0"/>
-              <a:t>This is randomly retrieving the records. </a:t>
+              <a:t>This is randomly retrieving the records T3 large </a:t>
             </a:r>
           </a:p>
           <a:p>
@@ -17870,14 +19429,14 @@
           <p:nvPr>
             <p:extLst>
               <p:ext uri="{D42A27DB-BD31-4B8C-83A1-F6EECF244321}">
-                <p14:modId xmlns:p14="http://schemas.microsoft.com/office/powerpoint/2010/main" val="4119521761"/>
+                <p14:modId xmlns:p14="http://schemas.microsoft.com/office/powerpoint/2010/main" val="949694825"/>
               </p:ext>
             </p:extLst>
           </p:nvPr>
         </p:nvGraphicFramePr>
         <p:xfrm>
-          <a:off x="2892489" y="1371599"/>
-          <a:ext cx="6400800" cy="4114800"/>
+          <a:off x="2458192" y="1287625"/>
+          <a:ext cx="7315199" cy="4037740"/>
         </p:xfrm>
         <a:graphic>
           <a:graphicData uri="http://schemas.openxmlformats.org/drawingml/2006/chart">
@@ -17889,6 +19448,186 @@
     <p:extLst>
       <p:ext uri="{BB962C8B-B14F-4D97-AF65-F5344CB8AC3E}">
         <p14:creationId xmlns:p14="http://schemas.microsoft.com/office/powerpoint/2010/main" val="2837903251"/>
+      </p:ext>
+    </p:extLst>
+  </p:cSld>
+  <p:clrMapOvr>
+    <a:masterClrMapping/>
+  </p:clrMapOvr>
+</p:sld>
+</file>
+
+<file path=ppt/slides/slide13.xml><?xml version="1.0" encoding="utf-8"?>
+<p:sld xmlns:a="http://schemas.openxmlformats.org/drawingml/2006/main" xmlns:r="http://schemas.openxmlformats.org/officeDocument/2006/relationships" xmlns:p="http://schemas.openxmlformats.org/presentationml/2006/main">
+  <p:cSld>
+    <p:spTree>
+      <p:nvGrpSpPr>
+        <p:cNvPr id="1" name=""/>
+        <p:cNvGrpSpPr/>
+        <p:nvPr/>
+      </p:nvGrpSpPr>
+      <p:grpSpPr>
+        <a:xfrm>
+          <a:off x="0" y="0"/>
+          <a:ext cx="0" cy="0"/>
+          <a:chOff x="0" y="0"/>
+          <a:chExt cx="0" cy="0"/>
+        </a:xfrm>
+      </p:grpSpPr>
+      <p:sp>
+        <p:nvSpPr>
+          <p:cNvPr id="2" name="Title 1">
+            <a:extLst>
+              <a:ext uri="{FF2B5EF4-FFF2-40B4-BE49-F238E27FC236}">
+                <a16:creationId xmlns:a16="http://schemas.microsoft.com/office/drawing/2014/main" id="{D0B87F8E-5D83-4513-9285-8A122C4A62CB}"/>
+              </a:ext>
+            </a:extLst>
+          </p:cNvPr>
+          <p:cNvSpPr>
+            <a:spLocks noGrp="1"/>
+          </p:cNvSpPr>
+          <p:nvPr>
+            <p:ph type="title"/>
+          </p:nvPr>
+        </p:nvSpPr>
+        <p:spPr>
+          <a:xfrm>
+            <a:off x="838200" y="308428"/>
+            <a:ext cx="10515600" cy="745218"/>
+          </a:xfrm>
+        </p:spPr>
+        <p:txBody>
+          <a:bodyPr/>
+          <a:lstStyle/>
+          <a:p>
+            <a:r>
+              <a:rPr lang="en-US" dirty="0"/>
+              <a:t>Different Disk Types</a:t>
+            </a:r>
+          </a:p>
+        </p:txBody>
+      </p:sp>
+      <p:cxnSp>
+        <p:nvCxnSpPr>
+          <p:cNvPr id="5" name="Straight Connector 4">
+            <a:extLst>
+              <a:ext uri="{FF2B5EF4-FFF2-40B4-BE49-F238E27FC236}">
+                <a16:creationId xmlns:a16="http://schemas.microsoft.com/office/drawing/2014/main" id="{86EF85BD-B585-F4FA-AB4B-371C19D22622}"/>
+              </a:ext>
+            </a:extLst>
+          </p:cNvPr>
+          <p:cNvCxnSpPr/>
+          <p:nvPr/>
+        </p:nvCxnSpPr>
+        <p:spPr>
+          <a:xfrm>
+            <a:off x="615820" y="1287624"/>
+            <a:ext cx="10954139" cy="0"/>
+          </a:xfrm>
+          <a:prstGeom prst="line">
+            <a:avLst/>
+          </a:prstGeom>
+          <a:ln w="19050">
+            <a:solidFill>
+              <a:schemeClr val="bg1">
+                <a:lumMod val="50000"/>
+              </a:schemeClr>
+            </a:solidFill>
+            <a:prstDash val="sysDash"/>
+          </a:ln>
+        </p:spPr>
+        <p:style>
+          <a:lnRef idx="1">
+            <a:schemeClr val="accent1"/>
+          </a:lnRef>
+          <a:fillRef idx="0">
+            <a:schemeClr val="accent1"/>
+          </a:fillRef>
+          <a:effectRef idx="0">
+            <a:schemeClr val="accent1"/>
+          </a:effectRef>
+          <a:fontRef idx="minor">
+            <a:schemeClr val="tx1"/>
+          </a:fontRef>
+        </p:style>
+      </p:cxnSp>
+      <p:sp>
+        <p:nvSpPr>
+          <p:cNvPr id="3" name="TextBox 2">
+            <a:extLst>
+              <a:ext uri="{FF2B5EF4-FFF2-40B4-BE49-F238E27FC236}">
+                <a16:creationId xmlns:a16="http://schemas.microsoft.com/office/drawing/2014/main" id="{88BB732B-99AF-21B0-EB10-A46AAD81C772}"/>
+              </a:ext>
+            </a:extLst>
+          </p:cNvPr>
+          <p:cNvSpPr txBox="1"/>
+          <p:nvPr/>
+        </p:nvSpPr>
+        <p:spPr>
+          <a:xfrm>
+            <a:off x="2809362" y="5559343"/>
+            <a:ext cx="6567054" cy="738664"/>
+          </a:xfrm>
+          <a:prstGeom prst="rect">
+            <a:avLst/>
+          </a:prstGeom>
+          <a:noFill/>
+        </p:spPr>
+        <p:txBody>
+          <a:bodyPr wrap="square" rtlCol="0">
+            <a:spAutoFit/>
+          </a:bodyPr>
+          <a:lstStyle/>
+          <a:p>
+            <a:pPr algn="ctr"/>
+            <a:r>
+              <a:rPr lang="en-US" sz="2400" dirty="0"/>
+              <a:t>This is randomly retrieving the records  </a:t>
+            </a:r>
+          </a:p>
+          <a:p>
+            <a:pPr algn="ctr"/>
+            <a:r>
+              <a:rPr lang="en-US" dirty="0"/>
+              <a:t>This reading key file</a:t>
+            </a:r>
+          </a:p>
+        </p:txBody>
+      </p:sp>
+      <p:graphicFrame>
+        <p:nvGraphicFramePr>
+          <p:cNvPr id="6" name="Chart 5">
+            <a:extLst>
+              <a:ext uri="{FF2B5EF4-FFF2-40B4-BE49-F238E27FC236}">
+                <a16:creationId xmlns:a16="http://schemas.microsoft.com/office/drawing/2014/main" id="{0B8DD9C1-F4B7-D0BC-5DE6-B2C87FA104BB}"/>
+              </a:ext>
+            </a:extLst>
+          </p:cNvPr>
+          <p:cNvGraphicFramePr>
+            <a:graphicFrameLocks/>
+          </p:cNvGraphicFramePr>
+          <p:nvPr>
+            <p:extLst>
+              <p:ext uri="{D42A27DB-BD31-4B8C-83A1-F6EECF244321}">
+                <p14:modId xmlns:p14="http://schemas.microsoft.com/office/powerpoint/2010/main" val="3393563807"/>
+              </p:ext>
+            </p:extLst>
+          </p:nvPr>
+        </p:nvGraphicFramePr>
+        <p:xfrm>
+          <a:off x="2422567" y="1365664"/>
+          <a:ext cx="7327076" cy="3959697"/>
+        </p:xfrm>
+        <a:graphic>
+          <a:graphicData uri="http://schemas.openxmlformats.org/drawingml/2006/chart">
+            <c:chart xmlns:c="http://schemas.openxmlformats.org/drawingml/2006/chart" xmlns:r="http://schemas.openxmlformats.org/officeDocument/2006/relationships" r:id="rId2"/>
+          </a:graphicData>
+        </a:graphic>
+      </p:graphicFrame>
+    </p:spTree>
+    <p:extLst>
+      <p:ext uri="{BB962C8B-B14F-4D97-AF65-F5344CB8AC3E}">
+        <p14:creationId xmlns:p14="http://schemas.microsoft.com/office/powerpoint/2010/main" val="4250569131"/>
       </p:ext>
     </p:extLst>
   </p:cSld>
@@ -18102,7 +19841,12 @@
             <p:ph idx="1"/>
           </p:nvPr>
         </p:nvSpPr>
-        <p:spPr/>
+        <p:spPr>
+          <a:xfrm>
+            <a:off x="838200" y="1635620"/>
+            <a:ext cx="10515600" cy="4351338"/>
+          </a:xfrm>
+        </p:spPr>
         <p:txBody>
           <a:bodyPr>
             <a:normAutofit/>
@@ -18110,44 +19854,39 @@
           <a:lstStyle/>
           <a:p>
             <a:r>
-              <a:rPr lang="en-US" dirty="0"/>
+              <a:rPr lang="en-US" sz="3200" dirty="0"/>
               <a:t>Simulate actual work conditions</a:t>
             </a:r>
           </a:p>
           <a:p>
             <a:r>
-              <a:rPr lang="en-US" dirty="0"/>
+              <a:rPr lang="en-US" sz="3200" dirty="0"/>
               <a:t>Fairly large amount of IO operations</a:t>
             </a:r>
           </a:p>
           <a:p>
             <a:r>
-              <a:rPr lang="en-US" dirty="0"/>
-              <a:t>Control over the record size</a:t>
+              <a:rPr lang="en-US" sz="3200" dirty="0"/>
+              <a:t>Control over the record size. </a:t>
             </a:r>
-            <a:r>
-              <a:rPr lang="en-US"/>
-              <a:t>. </a:t>
-            </a:r>
-            <a:endParaRPr lang="en-US" dirty="0"/>
           </a:p>
           <a:p>
             <a:r>
-              <a:rPr lang="en-US" dirty="0"/>
+              <a:rPr lang="en-US" sz="3200" dirty="0"/>
               <a:t>File systems on most computers are block devices.  </a:t>
             </a:r>
           </a:p>
           <a:p>
             <a:pPr lvl="1"/>
             <a:r>
-              <a:rPr lang="en-US" dirty="0"/>
+              <a:rPr lang="en-US" sz="2800" dirty="0"/>
               <a:t>Naïve: Hoped that EBS may offer some additional IO capability.</a:t>
             </a:r>
           </a:p>
           <a:p>
             <a:pPr lvl="1"/>
             <a:r>
-              <a:rPr lang="en-US" dirty="0"/>
+              <a:rPr lang="en-US" sz="2800" dirty="0"/>
               <a:t>Additionally, retrieving blocks of storage, as objects, by an identifier seems appealing.</a:t>
             </a:r>
           </a:p>
@@ -18279,7 +20018,12 @@
             <p:ph idx="1"/>
           </p:nvPr>
         </p:nvSpPr>
-        <p:spPr/>
+        <p:spPr>
+          <a:xfrm>
+            <a:off x="835089" y="1635619"/>
+            <a:ext cx="10515600" cy="4351338"/>
+          </a:xfrm>
+        </p:spPr>
         <p:txBody>
           <a:bodyPr>
             <a:normAutofit/>
@@ -18287,21 +20031,21 @@
           <a:lstStyle/>
           <a:p>
             <a:r>
-              <a:rPr lang="en-US" dirty="0"/>
+              <a:rPr lang="en-US" sz="3200" dirty="0"/>
               <a:t>List of registered voters in Harris County (obtained via FOIA request)</a:t>
             </a:r>
           </a:p>
           <a:p>
             <a:pPr lvl="1"/>
             <a:r>
-              <a:rPr lang="en-US" dirty="0"/>
+              <a:rPr lang="en-US" sz="2800" dirty="0"/>
               <a:t>2.48 Million records</a:t>
             </a:r>
           </a:p>
           <a:p>
             <a:pPr lvl="1"/>
             <a:r>
-              <a:rPr lang="en-US" dirty="0"/>
+              <a:rPr lang="en-US" sz="2800" dirty="0"/>
               <a:t>In apparent random order</a:t>
             </a:r>
           </a:p>
@@ -18311,28 +20055,28 @@
           </a:p>
           <a:p>
             <a:r>
-              <a:rPr lang="en-US" dirty="0"/>
+              <a:rPr lang="en-US" sz="3200" dirty="0"/>
               <a:t>List of voters in the county election of 2021</a:t>
             </a:r>
           </a:p>
           <a:p>
             <a:pPr lvl="1"/>
             <a:r>
-              <a:rPr lang="en-US" dirty="0"/>
+              <a:rPr lang="en-US" sz="2800" dirty="0"/>
               <a:t>In-person &amp; Mail-in voting</a:t>
             </a:r>
           </a:p>
           <a:p>
             <a:pPr lvl="1"/>
             <a:r>
-              <a:rPr lang="en-US" dirty="0"/>
+              <a:rPr lang="en-US" sz="2800" dirty="0"/>
               <a:t>Data in order of votes received (apparent random order)</a:t>
             </a:r>
           </a:p>
           <a:p>
             <a:pPr lvl="1"/>
             <a:r>
-              <a:rPr lang="en-US" dirty="0"/>
+              <a:rPr lang="en-US" sz="2800" dirty="0"/>
               <a:t>Used a sample of 215,000 of these voters.</a:t>
             </a:r>
           </a:p>
@@ -18613,7 +20357,7 @@
         <p:spPr>
           <a:xfrm>
             <a:off x="8337444" y="1359063"/>
-            <a:ext cx="2271945" cy="369332"/>
+            <a:ext cx="2271945" cy="400110"/>
           </a:xfrm>
           <a:prstGeom prst="rect">
             <a:avLst/>
@@ -18627,8 +20371,12 @@
           <a:lstStyle/>
           <a:p>
             <a:r>
+              <a:rPr lang="en-US" sz="2000" dirty="0"/>
+              <a:t>Dictionary</a:t>
+            </a:r>
+            <a:r>
               <a:rPr lang="en-US" dirty="0"/>
-              <a:t>Dictionary Entries</a:t>
+              <a:t> Entries</a:t>
             </a:r>
           </a:p>
         </p:txBody>
@@ -20810,7 +22558,7 @@
       </p:cxnSp>
       <p:graphicFrame>
         <p:nvGraphicFramePr>
-          <p:cNvPr id="3" name="Chart 2">
+          <p:cNvPr id="6" name="Chart 5">
             <a:extLst>
               <a:ext uri="{FF2B5EF4-FFF2-40B4-BE49-F238E27FC236}">
                 <a16:creationId xmlns:a16="http://schemas.microsoft.com/office/drawing/2014/main" id="{3DB1F2D7-BA63-0045-3768-D9856A54D0A3}"/>
@@ -20823,24 +22571,24 @@
           <p:nvPr>
             <p:extLst>
               <p:ext uri="{D42A27DB-BD31-4B8C-83A1-F6EECF244321}">
-                <p14:modId xmlns:p14="http://schemas.microsoft.com/office/powerpoint/2010/main" val="647681923"/>
+                <p14:modId xmlns:p14="http://schemas.microsoft.com/office/powerpoint/2010/main" val="486059058"/>
               </p:ext>
             </p:extLst>
           </p:nvPr>
         </p:nvGraphicFramePr>
         <p:xfrm>
-          <a:off x="615820" y="1686303"/>
-          <a:ext cx="5486400" cy="4572000"/>
+          <a:off x="609599" y="1686304"/>
+          <a:ext cx="5486401" cy="3614735"/>
         </p:xfrm>
         <a:graphic>
           <a:graphicData uri="http://schemas.openxmlformats.org/drawingml/2006/chart">
-            <c:chart xmlns:c="http://schemas.openxmlformats.org/drawingml/2006/chart" xmlns:r="http://schemas.openxmlformats.org/officeDocument/2006/relationships" r:id="rId2"/>
+            <c:chart xmlns:c="http://schemas.openxmlformats.org/drawingml/2006/chart" xmlns:r="http://schemas.openxmlformats.org/officeDocument/2006/relationships" r:id="rId3"/>
           </a:graphicData>
         </a:graphic>
       </p:graphicFrame>
       <p:graphicFrame>
         <p:nvGraphicFramePr>
-          <p:cNvPr id="4" name="Chart 3">
+          <p:cNvPr id="7" name="Chart 6">
             <a:extLst>
               <a:ext uri="{FF2B5EF4-FFF2-40B4-BE49-F238E27FC236}">
                 <a16:creationId xmlns:a16="http://schemas.microsoft.com/office/drawing/2014/main" id="{D89C6C12-49E3-8819-78A6-9B6998F8CFD0}"/>
@@ -20853,18 +22601,18 @@
           <p:nvPr>
             <p:extLst>
               <p:ext uri="{D42A27DB-BD31-4B8C-83A1-F6EECF244321}">
-                <p14:modId xmlns:p14="http://schemas.microsoft.com/office/powerpoint/2010/main" val="4202395464"/>
+                <p14:modId xmlns:p14="http://schemas.microsoft.com/office/powerpoint/2010/main" val="2804641899"/>
               </p:ext>
             </p:extLst>
           </p:nvPr>
         </p:nvGraphicFramePr>
         <p:xfrm>
-          <a:off x="6096001" y="1686304"/>
-          <a:ext cx="5486400" cy="4572000"/>
+          <a:off x="6096000" y="1686304"/>
+          <a:ext cx="5473959" cy="3614735"/>
         </p:xfrm>
         <a:graphic>
           <a:graphicData uri="http://schemas.openxmlformats.org/drawingml/2006/chart">
-            <c:chart xmlns:c="http://schemas.openxmlformats.org/drawingml/2006/chart" xmlns:r="http://schemas.openxmlformats.org/officeDocument/2006/relationships" r:id="rId3"/>
+            <c:chart xmlns:c="http://schemas.openxmlformats.org/drawingml/2006/chart" xmlns:r="http://schemas.openxmlformats.org/officeDocument/2006/relationships" r:id="rId4"/>
           </a:graphicData>
         </a:graphic>
       </p:graphicFrame>
@@ -20926,7 +22674,7 @@
           <a:p>
             <a:r>
               <a:rPr lang="en-US" dirty="0"/>
-              <a:t>Instance Types and Disk Types Tested</a:t>
+              <a:t>Instance Types Tested</a:t>
             </a:r>
           </a:p>
         </p:txBody>
@@ -20990,14 +22738,14 @@
           <p:nvPr>
             <p:extLst>
               <p:ext uri="{D42A27DB-BD31-4B8C-83A1-F6EECF244321}">
-                <p14:modId xmlns:p14="http://schemas.microsoft.com/office/powerpoint/2010/main" val="190651254"/>
+                <p14:modId xmlns:p14="http://schemas.microsoft.com/office/powerpoint/2010/main" val="555742764"/>
               </p:ext>
             </p:extLst>
           </p:nvPr>
         </p:nvGraphicFramePr>
         <p:xfrm>
           <a:off x="2031528" y="1722120"/>
-          <a:ext cx="8122722" cy="1706880"/>
+          <a:ext cx="9012525" cy="2133600"/>
         </p:xfrm>
         <a:graphic>
           <a:graphicData uri="http://schemas.openxmlformats.org/drawingml/2006/table">
@@ -21006,21 +22754,21 @@
                 <a:tableStyleId>{7DF18680-E054-41AD-8BC1-D1AEF772440D}</a:tableStyleId>
               </a:tblPr>
               <a:tblGrid>
-                <a:gridCol w="1688312">
+                <a:gridCol w="1873258">
                   <a:extLst>
                     <a:ext uri="{9D8B030D-6E8A-4147-A177-3AD203B41FA5}">
                       <a16:colId xmlns:a16="http://schemas.microsoft.com/office/drawing/2014/main" val="3637802696"/>
                     </a:ext>
                   </a:extLst>
                 </a:gridCol>
-                <a:gridCol w="4308727">
+                <a:gridCol w="4780726">
                   <a:extLst>
                     <a:ext uri="{9D8B030D-6E8A-4147-A177-3AD203B41FA5}">
                       <a16:colId xmlns:a16="http://schemas.microsoft.com/office/drawing/2014/main" val="2471651903"/>
                     </a:ext>
                   </a:extLst>
                 </a:gridCol>
-                <a:gridCol w="2125683">
+                <a:gridCol w="2358541">
                   <a:extLst>
                     <a:ext uri="{9D8B030D-6E8A-4147-A177-3AD203B41FA5}">
                       <a16:colId xmlns:a16="http://schemas.microsoft.com/office/drawing/2014/main" val="2856192351"/>
@@ -21128,7 +22876,7 @@
                     <a:p>
                       <a:r>
                         <a:rPr lang="en-US" sz="2200" dirty="0"/>
-                        <a:t>1 v Cores,  1 thread,1 GB , 2.5 GHz</a:t>
+                        <a:t>1 Core,  1 thread,1 GB , 2.5 GHz, 1 MB</a:t>
                       </a:r>
                     </a:p>
                   </a:txBody>
@@ -21174,7 +22922,7 @@
                     <a:p>
                       <a:r>
                         <a:rPr lang="en-US" sz="2200" dirty="0"/>
-                        <a:t>1 core, 2 threads</a:t>
+                        <a:t>1 core, 2 threads, 8 GB, 2.5 GHz, </a:t>
                       </a:r>
                     </a:p>
                   </a:txBody>
@@ -21257,6 +23005,62 @@
                 <a:extLst>
                   <a:ext uri="{0D108BD9-81ED-4DB2-BD59-A6C34878D82A}">
                     <a16:rowId xmlns:a16="http://schemas.microsoft.com/office/drawing/2014/main" val="3253797614"/>
+                  </a:ext>
+                </a:extLst>
+              </a:tr>
+              <a:tr h="370840">
+                <a:tc>
+                  <a:txBody>
+                    <a:bodyPr/>
+                    <a:lstStyle/>
+                    <a:p>
+                      <a:r>
+                        <a:rPr lang="en-US" sz="2200" dirty="0"/>
+                        <a:t>I4 </a:t>
+                      </a:r>
+                      <a:r>
+                        <a:rPr lang="en-US" sz="2200" dirty="0" err="1"/>
+                        <a:t>xlarge</a:t>
+                      </a:r>
+                      <a:endParaRPr lang="en-US" sz="2200" dirty="0"/>
+                    </a:p>
+                  </a:txBody>
+                  <a:tcPr/>
+                </a:tc>
+                <a:tc>
+                  <a:txBody>
+                    <a:bodyPr/>
+                    <a:lstStyle/>
+                    <a:p>
+                      <a:r>
+                        <a:rPr lang="en-US" sz="2200" dirty="0"/>
+                        <a:t>2 cores, 4 threads, 32 GB, 2.9 GHz</a:t>
+                      </a:r>
+                    </a:p>
+                  </a:txBody>
+                  <a:tcPr/>
+                </a:tc>
+                <a:tc>
+                  <a:txBody>
+                    <a:bodyPr/>
+                    <a:lstStyle/>
+                    <a:p>
+                      <a:r>
+                        <a:rPr lang="en-US" sz="2200" dirty="0"/>
+                        <a:t>$0.343 / </a:t>
+                      </a:r>
+                      <a:r>
+                        <a:rPr lang="en-US" sz="2200" dirty="0" err="1"/>
+                        <a:t>hr</a:t>
+                      </a:r>
+                      <a:endParaRPr lang="en-US" sz="2200" dirty="0"/>
+                    </a:p>
+                  </a:txBody>
+                  <a:tcPr/>
+                </a:tc>
+                <a:extLst>
+                  <a:ext uri="{0D108BD9-81ED-4DB2-BD59-A6C34878D82A}">
+                    <a16:rowId xmlns:a16="http://schemas.microsoft.com/office/drawing/2014/main" val="2931539327"/>
                   </a:ext>
                 </a:extLst>
               </a:tr>

--- a/Proj_presentation.pptx
+++ b/Proj_presentation.pptx
@@ -5,7 +5,7 @@
     <p:sldMasterId id="2147483648" r:id="rId1"/>
   </p:sldMasterIdLst>
   <p:notesMasterIdLst>
-    <p:notesMasterId r:id="rId15"/>
+    <p:notesMasterId r:id="rId19"/>
   </p:notesMasterIdLst>
   <p:sldIdLst>
     <p:sldId id="256" r:id="rId2"/>
@@ -21,6 +21,10 @@
     <p:sldId id="270" r:id="rId12"/>
     <p:sldId id="267" r:id="rId13"/>
     <p:sldId id="269" r:id="rId14"/>
+    <p:sldId id="271" r:id="rId15"/>
+    <p:sldId id="273" r:id="rId16"/>
+    <p:sldId id="274" r:id="rId17"/>
+    <p:sldId id="272" r:id="rId18"/>
   </p:sldIdLst>
   <p:sldSz cx="12192000" cy="6858000"/>
   <p:notesSz cx="6858000" cy="9144000"/>
@@ -2907,10 +2911,7 @@
           <c:spPr>
             <a:ln w="9525" cap="flat" cmpd="sng" algn="ctr">
               <a:solidFill>
-                <a:schemeClr val="lt1">
-                  <a:lumMod val="95000"/>
-                  <a:alpha val="10000"/>
-                </a:schemeClr>
+                <a:schemeClr val="bg1"/>
               </a:solidFill>
               <a:round/>
             </a:ln>
@@ -19429,7 +19430,7 @@
           <p:nvPr>
             <p:extLst>
               <p:ext uri="{D42A27DB-BD31-4B8C-83A1-F6EECF244321}">
-                <p14:modId xmlns:p14="http://schemas.microsoft.com/office/powerpoint/2010/main" val="949694825"/>
+                <p14:modId xmlns:p14="http://schemas.microsoft.com/office/powerpoint/2010/main" val="2704173708"/>
               </p:ext>
             </p:extLst>
           </p:nvPr>
@@ -19628,6 +19629,403 @@
     <p:extLst>
       <p:ext uri="{BB962C8B-B14F-4D97-AF65-F5344CB8AC3E}">
         <p14:creationId xmlns:p14="http://schemas.microsoft.com/office/powerpoint/2010/main" val="4250569131"/>
+      </p:ext>
+    </p:extLst>
+  </p:cSld>
+  <p:clrMapOvr>
+    <a:masterClrMapping/>
+  </p:clrMapOvr>
+</p:sld>
+</file>
+
+<file path=ppt/slides/slide14.xml><?xml version="1.0" encoding="utf-8"?>
+<p:sld xmlns:a="http://schemas.openxmlformats.org/drawingml/2006/main" xmlns:r="http://schemas.openxmlformats.org/officeDocument/2006/relationships" xmlns:p="http://schemas.openxmlformats.org/presentationml/2006/main">
+  <p:cSld>
+    <p:spTree>
+      <p:nvGrpSpPr>
+        <p:cNvPr id="1" name=""/>
+        <p:cNvGrpSpPr/>
+        <p:nvPr/>
+      </p:nvGrpSpPr>
+      <p:grpSpPr>
+        <a:xfrm>
+          <a:off x="0" y="0"/>
+          <a:ext cx="0" cy="0"/>
+          <a:chOff x="0" y="0"/>
+          <a:chExt cx="0" cy="0"/>
+        </a:xfrm>
+      </p:grpSpPr>
+      <p:sp>
+        <p:nvSpPr>
+          <p:cNvPr id="2" name="Title 1">
+            <a:extLst>
+              <a:ext uri="{FF2B5EF4-FFF2-40B4-BE49-F238E27FC236}">
+                <a16:creationId xmlns:a16="http://schemas.microsoft.com/office/drawing/2014/main" id="{0F9BF145-4E41-CCA3-E21E-5F8E64340952}"/>
+              </a:ext>
+            </a:extLst>
+          </p:cNvPr>
+          <p:cNvSpPr>
+            <a:spLocks noGrp="1"/>
+          </p:cNvSpPr>
+          <p:nvPr>
+            <p:ph type="title"/>
+          </p:nvPr>
+        </p:nvSpPr>
+        <p:spPr/>
+        <p:txBody>
+          <a:bodyPr/>
+          <a:lstStyle/>
+          <a:p>
+            <a:r>
+              <a:rPr lang="en-US" dirty="0"/>
+              <a:t>AWSCLI Setup</a:t>
+            </a:r>
+          </a:p>
+        </p:txBody>
+      </p:sp>
+      <p:sp>
+        <p:nvSpPr>
+          <p:cNvPr id="3" name="Content Placeholder 2">
+            <a:extLst>
+              <a:ext uri="{FF2B5EF4-FFF2-40B4-BE49-F238E27FC236}">
+                <a16:creationId xmlns:a16="http://schemas.microsoft.com/office/drawing/2014/main" id="{EFDF7721-9FC4-B9A3-3579-DD29F92D6DD0}"/>
+              </a:ext>
+            </a:extLst>
+          </p:cNvPr>
+          <p:cNvSpPr>
+            <a:spLocks noGrp="1"/>
+          </p:cNvSpPr>
+          <p:nvPr>
+            <p:ph idx="1"/>
+          </p:nvPr>
+        </p:nvSpPr>
+        <p:spPr/>
+        <p:txBody>
+          <a:bodyPr/>
+          <a:lstStyle/>
+          <a:p>
+            <a:endParaRPr lang="en-US" dirty="0"/>
+          </a:p>
+        </p:txBody>
+      </p:sp>
+      <p:pic>
+        <p:nvPicPr>
+          <p:cNvPr id="9" name="Picture 8">
+            <a:extLst>
+              <a:ext uri="{FF2B5EF4-FFF2-40B4-BE49-F238E27FC236}">
+                <a16:creationId xmlns:a16="http://schemas.microsoft.com/office/drawing/2014/main" id="{286E93B9-9B94-6D60-44DB-395E85EB8493}"/>
+              </a:ext>
+            </a:extLst>
+          </p:cNvPr>
+          <p:cNvPicPr>
+            <a:picLocks noChangeAspect="1"/>
+          </p:cNvPicPr>
+          <p:nvPr/>
+        </p:nvPicPr>
+        <p:blipFill>
+          <a:blip r:embed="rId2"/>
+          <a:stretch>
+            <a:fillRect/>
+          </a:stretch>
+        </p:blipFill>
+        <p:spPr>
+          <a:xfrm>
+            <a:off x="1618859" y="2282881"/>
+            <a:ext cx="5601482" cy="1267002"/>
+          </a:xfrm>
+          <a:prstGeom prst="rect">
+            <a:avLst/>
+          </a:prstGeom>
+        </p:spPr>
+      </p:pic>
+    </p:spTree>
+    <p:extLst>
+      <p:ext uri="{BB962C8B-B14F-4D97-AF65-F5344CB8AC3E}">
+        <p14:creationId xmlns:p14="http://schemas.microsoft.com/office/powerpoint/2010/main" val="4253140725"/>
+      </p:ext>
+    </p:extLst>
+  </p:cSld>
+  <p:clrMapOvr>
+    <a:masterClrMapping/>
+  </p:clrMapOvr>
+</p:sld>
+</file>
+
+<file path=ppt/slides/slide15.xml><?xml version="1.0" encoding="utf-8"?>
+<p:sld xmlns:a="http://schemas.openxmlformats.org/drawingml/2006/main" xmlns:r="http://schemas.openxmlformats.org/officeDocument/2006/relationships" xmlns:p="http://schemas.openxmlformats.org/presentationml/2006/main">
+  <p:cSld>
+    <p:spTree>
+      <p:nvGrpSpPr>
+        <p:cNvPr id="1" name=""/>
+        <p:cNvGrpSpPr/>
+        <p:nvPr/>
+      </p:nvGrpSpPr>
+      <p:grpSpPr>
+        <a:xfrm>
+          <a:off x="0" y="0"/>
+          <a:ext cx="0" cy="0"/>
+          <a:chOff x="0" y="0"/>
+          <a:chExt cx="0" cy="0"/>
+        </a:xfrm>
+      </p:grpSpPr>
+      <p:sp>
+        <p:nvSpPr>
+          <p:cNvPr id="2" name="Title 1">
+            <a:extLst>
+              <a:ext uri="{FF2B5EF4-FFF2-40B4-BE49-F238E27FC236}">
+                <a16:creationId xmlns:a16="http://schemas.microsoft.com/office/drawing/2014/main" id="{0F9BF145-4E41-CCA3-E21E-5F8E64340952}"/>
+              </a:ext>
+            </a:extLst>
+          </p:cNvPr>
+          <p:cNvSpPr>
+            <a:spLocks noGrp="1"/>
+          </p:cNvSpPr>
+          <p:nvPr>
+            <p:ph type="title"/>
+          </p:nvPr>
+        </p:nvSpPr>
+        <p:spPr/>
+        <p:txBody>
+          <a:bodyPr/>
+          <a:lstStyle/>
+          <a:p>
+            <a:r>
+              <a:rPr lang="en-US" dirty="0"/>
+              <a:t>EBS Challenges</a:t>
+            </a:r>
+          </a:p>
+        </p:txBody>
+      </p:sp>
+      <p:sp>
+        <p:nvSpPr>
+          <p:cNvPr id="10" name="Content Placeholder 9">
+            <a:extLst>
+              <a:ext uri="{FF2B5EF4-FFF2-40B4-BE49-F238E27FC236}">
+                <a16:creationId xmlns:a16="http://schemas.microsoft.com/office/drawing/2014/main" id="{8072EA56-F9C8-9D47-5D35-C289A08544C8}"/>
+              </a:ext>
+            </a:extLst>
+          </p:cNvPr>
+          <p:cNvSpPr>
+            <a:spLocks noGrp="1"/>
+          </p:cNvSpPr>
+          <p:nvPr>
+            <p:ph idx="1"/>
+          </p:nvPr>
+        </p:nvSpPr>
+        <p:spPr/>
+        <p:txBody>
+          <a:bodyPr/>
+          <a:lstStyle/>
+          <a:p>
+            <a:endParaRPr lang="en-US" dirty="0"/>
+          </a:p>
+        </p:txBody>
+      </p:sp>
+    </p:spTree>
+    <p:extLst>
+      <p:ext uri="{BB962C8B-B14F-4D97-AF65-F5344CB8AC3E}">
+        <p14:creationId xmlns:p14="http://schemas.microsoft.com/office/powerpoint/2010/main" val="1879456329"/>
+      </p:ext>
+    </p:extLst>
+  </p:cSld>
+  <p:clrMapOvr>
+    <a:masterClrMapping/>
+  </p:clrMapOvr>
+</p:sld>
+</file>
+
+<file path=ppt/slides/slide16.xml><?xml version="1.0" encoding="utf-8"?>
+<p:sld xmlns:a="http://schemas.openxmlformats.org/drawingml/2006/main" xmlns:r="http://schemas.openxmlformats.org/officeDocument/2006/relationships" xmlns:p="http://schemas.openxmlformats.org/presentationml/2006/main">
+  <p:cSld>
+    <p:spTree>
+      <p:nvGrpSpPr>
+        <p:cNvPr id="1" name=""/>
+        <p:cNvGrpSpPr/>
+        <p:nvPr/>
+      </p:nvGrpSpPr>
+      <p:grpSpPr>
+        <a:xfrm>
+          <a:off x="0" y="0"/>
+          <a:ext cx="0" cy="0"/>
+          <a:chOff x="0" y="0"/>
+          <a:chExt cx="0" cy="0"/>
+        </a:xfrm>
+      </p:grpSpPr>
+      <p:sp>
+        <p:nvSpPr>
+          <p:cNvPr id="2" name="Title 1">
+            <a:extLst>
+              <a:ext uri="{FF2B5EF4-FFF2-40B4-BE49-F238E27FC236}">
+                <a16:creationId xmlns:a16="http://schemas.microsoft.com/office/drawing/2014/main" id="{0F9BF145-4E41-CCA3-E21E-5F8E64340952}"/>
+              </a:ext>
+            </a:extLst>
+          </p:cNvPr>
+          <p:cNvSpPr>
+            <a:spLocks noGrp="1"/>
+          </p:cNvSpPr>
+          <p:nvPr>
+            <p:ph type="title"/>
+          </p:nvPr>
+        </p:nvSpPr>
+        <p:spPr/>
+        <p:txBody>
+          <a:bodyPr/>
+          <a:lstStyle/>
+          <a:p>
+            <a:r>
+              <a:rPr lang="en-US"/>
+              <a:t>S3 Challenges</a:t>
+            </a:r>
+            <a:endParaRPr lang="en-US" dirty="0"/>
+          </a:p>
+        </p:txBody>
+      </p:sp>
+      <p:pic>
+        <p:nvPicPr>
+          <p:cNvPr id="8" name="Content Placeholder 7">
+            <a:extLst>
+              <a:ext uri="{FF2B5EF4-FFF2-40B4-BE49-F238E27FC236}">
+                <a16:creationId xmlns:a16="http://schemas.microsoft.com/office/drawing/2014/main" id="{4509D799-C46A-AFB4-33F7-21C13EC55E8B}"/>
+              </a:ext>
+            </a:extLst>
+          </p:cNvPr>
+          <p:cNvPicPr>
+            <a:picLocks noGrp="1" noChangeAspect="1"/>
+          </p:cNvPicPr>
+          <p:nvPr>
+            <p:ph idx="1"/>
+          </p:nvPr>
+        </p:nvPicPr>
+        <p:blipFill>
+          <a:blip r:embed="rId2"/>
+          <a:stretch>
+            <a:fillRect/>
+          </a:stretch>
+        </p:blipFill>
+        <p:spPr>
+          <a:xfrm>
+            <a:off x="671945" y="2809788"/>
+            <a:ext cx="4725059" cy="1238423"/>
+          </a:xfrm>
+        </p:spPr>
+      </p:pic>
+      <p:pic>
+        <p:nvPicPr>
+          <p:cNvPr id="5" name="Picture 4">
+            <a:extLst>
+              <a:ext uri="{FF2B5EF4-FFF2-40B4-BE49-F238E27FC236}">
+                <a16:creationId xmlns:a16="http://schemas.microsoft.com/office/drawing/2014/main" id="{3BEDB7C5-480A-F49E-EA70-F21DEEE5A37A}"/>
+              </a:ext>
+            </a:extLst>
+          </p:cNvPr>
+          <p:cNvPicPr>
+            <a:picLocks noChangeAspect="1"/>
+          </p:cNvPicPr>
+          <p:nvPr/>
+        </p:nvPicPr>
+        <p:blipFill>
+          <a:blip r:embed="rId3"/>
+          <a:stretch>
+            <a:fillRect/>
+          </a:stretch>
+        </p:blipFill>
+        <p:spPr>
+          <a:xfrm>
+            <a:off x="6162685" y="1354827"/>
+            <a:ext cx="5534797" cy="4591691"/>
+          </a:xfrm>
+          <a:prstGeom prst="rect">
+            <a:avLst/>
+          </a:prstGeom>
+        </p:spPr>
+      </p:pic>
+    </p:spTree>
+    <p:extLst>
+      <p:ext uri="{BB962C8B-B14F-4D97-AF65-F5344CB8AC3E}">
+        <p14:creationId xmlns:p14="http://schemas.microsoft.com/office/powerpoint/2010/main" val="450485215"/>
+      </p:ext>
+    </p:extLst>
+  </p:cSld>
+  <p:clrMapOvr>
+    <a:masterClrMapping/>
+  </p:clrMapOvr>
+</p:sld>
+</file>
+
+<file path=ppt/slides/slide17.xml><?xml version="1.0" encoding="utf-8"?>
+<p:sld xmlns:a="http://schemas.openxmlformats.org/drawingml/2006/main" xmlns:r="http://schemas.openxmlformats.org/officeDocument/2006/relationships" xmlns:p="http://schemas.openxmlformats.org/presentationml/2006/main">
+  <p:cSld>
+    <p:spTree>
+      <p:nvGrpSpPr>
+        <p:cNvPr id="1" name=""/>
+        <p:cNvGrpSpPr/>
+        <p:nvPr/>
+      </p:nvGrpSpPr>
+      <p:grpSpPr>
+        <a:xfrm>
+          <a:off x="0" y="0"/>
+          <a:ext cx="0" cy="0"/>
+          <a:chOff x="0" y="0"/>
+          <a:chExt cx="0" cy="0"/>
+        </a:xfrm>
+      </p:grpSpPr>
+      <p:sp>
+        <p:nvSpPr>
+          <p:cNvPr id="2" name="Title 1">
+            <a:extLst>
+              <a:ext uri="{FF2B5EF4-FFF2-40B4-BE49-F238E27FC236}">
+                <a16:creationId xmlns:a16="http://schemas.microsoft.com/office/drawing/2014/main" id="{0F9BF145-4E41-CCA3-E21E-5F8E64340952}"/>
+              </a:ext>
+            </a:extLst>
+          </p:cNvPr>
+          <p:cNvSpPr>
+            <a:spLocks noGrp="1"/>
+          </p:cNvSpPr>
+          <p:nvPr>
+            <p:ph type="title"/>
+          </p:nvPr>
+        </p:nvSpPr>
+        <p:spPr/>
+        <p:txBody>
+          <a:bodyPr/>
+          <a:lstStyle/>
+          <a:p>
+            <a:r>
+              <a:rPr lang="en-US" dirty="0"/>
+              <a:t>Contributions</a:t>
+            </a:r>
+          </a:p>
+        </p:txBody>
+      </p:sp>
+      <p:sp>
+        <p:nvSpPr>
+          <p:cNvPr id="3" name="Content Placeholder 2">
+            <a:extLst>
+              <a:ext uri="{FF2B5EF4-FFF2-40B4-BE49-F238E27FC236}">
+                <a16:creationId xmlns:a16="http://schemas.microsoft.com/office/drawing/2014/main" id="{EFDF7721-9FC4-B9A3-3579-DD29F92D6DD0}"/>
+              </a:ext>
+            </a:extLst>
+          </p:cNvPr>
+          <p:cNvSpPr>
+            <a:spLocks noGrp="1"/>
+          </p:cNvSpPr>
+          <p:nvPr>
+            <p:ph idx="1"/>
+          </p:nvPr>
+        </p:nvSpPr>
+        <p:spPr/>
+        <p:txBody>
+          <a:bodyPr/>
+          <a:lstStyle/>
+          <a:p>
+            <a:endParaRPr lang="en-US" dirty="0"/>
+          </a:p>
+        </p:txBody>
+      </p:sp>
+    </p:spTree>
+    <p:extLst>
+      <p:ext uri="{BB962C8B-B14F-4D97-AF65-F5344CB8AC3E}">
+        <p14:creationId xmlns:p14="http://schemas.microsoft.com/office/powerpoint/2010/main" val="3157130171"/>
       </p:ext>
     </p:extLst>
   </p:cSld>

--- a/Proj_presentation.pptx
+++ b/Proj_presentation.pptx
@@ -5,7 +5,7 @@
     <p:sldMasterId id="2147483648" r:id="rId1"/>
   </p:sldMasterIdLst>
   <p:notesMasterIdLst>
-    <p:notesMasterId r:id="rId19"/>
+    <p:notesMasterId r:id="rId22"/>
   </p:notesMasterIdLst>
   <p:sldIdLst>
     <p:sldId id="256" r:id="rId2"/>
@@ -21,10 +21,13 @@
     <p:sldId id="270" r:id="rId12"/>
     <p:sldId id="267" r:id="rId13"/>
     <p:sldId id="269" r:id="rId14"/>
-    <p:sldId id="271" r:id="rId15"/>
-    <p:sldId id="273" r:id="rId16"/>
-    <p:sldId id="274" r:id="rId17"/>
-    <p:sldId id="272" r:id="rId18"/>
+    <p:sldId id="275" r:id="rId15"/>
+    <p:sldId id="271" r:id="rId16"/>
+    <p:sldId id="273" r:id="rId17"/>
+    <p:sldId id="276" r:id="rId18"/>
+    <p:sldId id="274" r:id="rId19"/>
+    <p:sldId id="272" r:id="rId20"/>
+    <p:sldId id="277" r:id="rId21"/>
   </p:sldIdLst>
   <p:sldSz cx="12192000" cy="6858000"/>
   <p:notesSz cx="6858000" cy="9144000"/>
@@ -152,7 +155,7 @@
           <a:lstStyle/>
           <a:p>
             <a:pPr>
-              <a:defRPr sz="1400" b="0" i="0" u="none" strike="noStrike" kern="1200" spc="0" baseline="0">
+              <a:defRPr sz="1600" b="0" i="0" u="none" strike="noStrike" kern="1200" spc="0" baseline="0">
                 <a:solidFill>
                   <a:schemeClr val="tx1">
                     <a:lumMod val="65000"/>
@@ -165,23 +168,23 @@
               </a:defRPr>
             </a:pPr>
             <a:r>
-              <a:rPr lang="en-US" dirty="0"/>
+              <a:rPr lang="en-US" sz="1600" dirty="0"/>
               <a:t>WSL Test Run</a:t>
             </a:r>
           </a:p>
           <a:p>
             <a:pPr>
-              <a:defRPr/>
+              <a:defRPr sz="1600"/>
             </a:pPr>
             <a:r>
-              <a:rPr lang="en-US" dirty="0"/>
+              <a:rPr lang="en-US" sz="1600" dirty="0"/>
               <a:t>Times</a:t>
             </a:r>
             <a:r>
-              <a:rPr lang="en-US" baseline="0" dirty="0"/>
+              <a:rPr lang="en-US" sz="1600" baseline="0" dirty="0"/>
               <a:t> in seconds</a:t>
             </a:r>
-            <a:endParaRPr lang="en-US" dirty="0"/>
+            <a:endParaRPr lang="en-US" sz="1600" dirty="0"/>
           </a:p>
         </c:rich>
       </c:tx>
@@ -206,7 +209,7 @@
         <a:lstStyle/>
         <a:p>
           <a:pPr>
-            <a:defRPr sz="1400" b="0" i="0" u="none" strike="noStrike" kern="1200" spc="0" baseline="0">
+            <a:defRPr sz="1600" b="0" i="0" u="none" strike="noStrike" kern="1200" spc="0" baseline="0">
               <a:solidFill>
                 <a:schemeClr val="tx1">
                   <a:lumMod val="65000"/>
@@ -765,7 +768,7 @@
           <a:lstStyle/>
           <a:p>
             <a:pPr>
-              <a:defRPr sz="1100" b="0" i="0" u="none" strike="noStrike" kern="1200" baseline="0">
+              <a:defRPr sz="1200" b="0" i="0" u="none" strike="noStrike" kern="1200" baseline="0">
                 <a:solidFill>
                   <a:schemeClr val="tx1">
                     <a:lumMod val="65000"/>
@@ -824,7 +827,7 @@
           <a:lstStyle/>
           <a:p>
             <a:pPr>
-              <a:defRPr sz="1050" b="0" i="0" u="none" strike="noStrike" kern="1200" baseline="0">
+              <a:defRPr sz="1100" b="0" i="0" u="none" strike="noStrike" kern="1200" baseline="0">
                 <a:solidFill>
                   <a:schemeClr val="tx1">
                     <a:lumMod val="65000"/>
@@ -860,7 +863,7 @@
           <a:lstStyle/>
           <a:p>
             <a:pPr>
-              <a:defRPr sz="1100" b="0" i="0" u="none" strike="noStrike" kern="1200" baseline="0">
+              <a:defRPr sz="1400" b="0" i="0" u="none" strike="noStrike" kern="1200" baseline="0">
                 <a:solidFill>
                   <a:schemeClr val="tx1">
                     <a:lumMod val="65000"/>
@@ -883,7 +886,7 @@
           <a:lstStyle/>
           <a:p>
             <a:pPr>
-              <a:defRPr sz="1100" b="0" i="0" u="none" strike="noStrike" kern="1200" baseline="0">
+              <a:defRPr sz="1400" b="0" i="0" u="none" strike="noStrike" kern="1200" baseline="0">
                 <a:solidFill>
                   <a:schemeClr val="tx1">
                     <a:lumMod val="65000"/>
@@ -906,7 +909,7 @@
           <a:lstStyle/>
           <a:p>
             <a:pPr>
-              <a:defRPr sz="1100" b="0" i="0" u="none" strike="noStrike" kern="1200" baseline="0">
+              <a:defRPr sz="1400" b="0" i="0" u="none" strike="noStrike" kern="1200" baseline="0">
                 <a:solidFill>
                   <a:schemeClr val="tx1">
                     <a:lumMod val="65000"/>
@@ -929,7 +932,7 @@
           <a:lstStyle/>
           <a:p>
             <a:pPr>
-              <a:defRPr sz="1100" b="0" i="0" u="none" strike="noStrike" kern="1200" baseline="0">
+              <a:defRPr sz="1400" b="0" i="0" u="none" strike="noStrike" kern="1200" baseline="0">
                 <a:solidFill>
                   <a:schemeClr val="tx1">
                     <a:lumMod val="65000"/>
@@ -952,7 +955,7 @@
           <a:lstStyle/>
           <a:p>
             <a:pPr>
-              <a:defRPr sz="1100" b="0" i="0" u="none" strike="noStrike" kern="1200" baseline="0">
+              <a:defRPr sz="1400" b="0" i="0" u="none" strike="noStrike" kern="1200" baseline="0">
                 <a:solidFill>
                   <a:schemeClr val="tx1">
                     <a:lumMod val="65000"/>
@@ -981,7 +984,7 @@
         <a:lstStyle/>
         <a:p>
           <a:pPr>
-            <a:defRPr sz="900" b="0" i="0" u="none" strike="noStrike" kern="1200" baseline="0">
+            <a:defRPr sz="1400" b="0" i="0" u="none" strike="noStrike" kern="1200" baseline="0">
               <a:solidFill>
                 <a:schemeClr val="tx1">
                   <a:lumMod val="65000"/>
@@ -1052,7 +1055,7 @@
           <a:lstStyle/>
           <a:p>
             <a:pPr>
-              <a:defRPr sz="1400" b="0" i="0" u="none" strike="noStrike" kern="1200" spc="0" baseline="0">
+              <a:defRPr sz="1600" b="0" i="0" u="none" strike="noStrike" kern="1200" spc="0" baseline="0">
                 <a:solidFill>
                   <a:schemeClr val="tx1">
                     <a:lumMod val="65000"/>
@@ -1065,23 +1068,23 @@
               </a:defRPr>
             </a:pPr>
             <a:r>
-              <a:rPr lang="en-US"/>
+              <a:rPr lang="en-US" sz="1600"/>
               <a:t>T2</a:t>
             </a:r>
             <a:r>
-              <a:rPr lang="en-US" baseline="0"/>
+              <a:rPr lang="en-US" sz="1600" baseline="0"/>
               <a:t> Micro</a:t>
             </a:r>
           </a:p>
           <a:p>
             <a:pPr>
-              <a:defRPr/>
+              <a:defRPr sz="1600"/>
             </a:pPr>
             <a:r>
-              <a:rPr lang="en-US" baseline="0"/>
+              <a:rPr lang="en-US" sz="1600" baseline="0"/>
               <a:t>Times in Seconds</a:t>
             </a:r>
-            <a:endParaRPr lang="en-US"/>
+            <a:endParaRPr lang="en-US" sz="1600"/>
           </a:p>
         </c:rich>
       </c:tx>
@@ -1098,7 +1101,7 @@
         <a:lstStyle/>
         <a:p>
           <a:pPr>
-            <a:defRPr sz="1400" b="0" i="0" u="none" strike="noStrike" kern="1200" spc="0" baseline="0">
+            <a:defRPr sz="1600" b="0" i="0" u="none" strike="noStrike" kern="1200" spc="0" baseline="0">
               <a:solidFill>
                 <a:schemeClr val="tx1">
                   <a:lumMod val="65000"/>
@@ -1657,7 +1660,7 @@
           <a:lstStyle/>
           <a:p>
             <a:pPr>
-              <a:defRPr sz="1050" b="0" i="0" u="none" strike="noStrike" kern="1200" baseline="0">
+              <a:defRPr sz="1200" b="0" i="0" u="none" strike="noStrike" kern="1200" baseline="0">
                 <a:solidFill>
                   <a:schemeClr val="tx1">
                     <a:lumMod val="65000"/>
@@ -1716,7 +1719,7 @@
           <a:lstStyle/>
           <a:p>
             <a:pPr>
-              <a:defRPr sz="1050" b="0" i="0" u="none" strike="noStrike" kern="1200" baseline="0">
+              <a:defRPr sz="1100" b="0" i="0" u="none" strike="noStrike" kern="1200" baseline="0">
                 <a:solidFill>
                   <a:schemeClr val="tx1">
                     <a:lumMod val="65000"/>
@@ -1752,7 +1755,7 @@
           <a:lstStyle/>
           <a:p>
             <a:pPr>
-              <a:defRPr sz="1100" b="0" i="0" u="none" strike="noStrike" kern="1200" baseline="0">
+              <a:defRPr sz="1400" b="0" i="0" u="none" strike="noStrike" kern="1200" baseline="0">
                 <a:solidFill>
                   <a:schemeClr val="tx1">
                     <a:lumMod val="65000"/>
@@ -1775,7 +1778,7 @@
           <a:lstStyle/>
           <a:p>
             <a:pPr>
-              <a:defRPr sz="1100" b="0" i="0" u="none" strike="noStrike" kern="1200" baseline="0">
+              <a:defRPr sz="1400" b="0" i="0" u="none" strike="noStrike" kern="1200" baseline="0">
                 <a:solidFill>
                   <a:schemeClr val="tx1">
                     <a:lumMod val="65000"/>
@@ -1798,7 +1801,7 @@
           <a:lstStyle/>
           <a:p>
             <a:pPr>
-              <a:defRPr sz="1100" b="0" i="0" u="none" strike="noStrike" kern="1200" baseline="0">
+              <a:defRPr sz="1400" b="0" i="0" u="none" strike="noStrike" kern="1200" baseline="0">
                 <a:solidFill>
                   <a:schemeClr val="tx1">
                     <a:lumMod val="65000"/>
@@ -1821,7 +1824,7 @@
           <a:lstStyle/>
           <a:p>
             <a:pPr>
-              <a:defRPr sz="1100" b="0" i="0" u="none" strike="noStrike" kern="1200" baseline="0">
+              <a:defRPr sz="1400" b="0" i="0" u="none" strike="noStrike" kern="1200" baseline="0">
                 <a:solidFill>
                   <a:schemeClr val="tx1">
                     <a:lumMod val="65000"/>
@@ -1844,7 +1847,7 @@
           <a:lstStyle/>
           <a:p>
             <a:pPr>
-              <a:defRPr sz="1100" b="0" i="0" u="none" strike="noStrike" kern="1200" baseline="0">
+              <a:defRPr sz="1400" b="0" i="0" u="none" strike="noStrike" kern="1200" baseline="0">
                 <a:solidFill>
                   <a:schemeClr val="tx1">
                     <a:lumMod val="65000"/>
@@ -1873,7 +1876,7 @@
         <a:lstStyle/>
         <a:p>
           <a:pPr>
-            <a:defRPr sz="900" b="0" i="0" u="none" strike="noStrike" kern="1200" baseline="0">
+            <a:defRPr sz="1400" b="0" i="0" u="none" strike="noStrike" kern="1200" baseline="0">
               <a:solidFill>
                 <a:schemeClr val="tx1">
                   <a:lumMod val="65000"/>
@@ -3555,6 +3558,1807 @@
 </c:chartSpace>
 </file>
 
+<file path=ppt/charts/chart6.xml><?xml version="1.0" encoding="utf-8"?>
+<c:chartSpace xmlns:c="http://schemas.openxmlformats.org/drawingml/2006/chart" xmlns:a="http://schemas.openxmlformats.org/drawingml/2006/main" xmlns:r="http://schemas.openxmlformats.org/officeDocument/2006/relationships" xmlns:c16r2="http://schemas.microsoft.com/office/drawing/2015/06/chart">
+  <c:date1904 val="0"/>
+  <c:lang val="en-US"/>
+  <c:roundedCorners val="0"/>
+  <mc:AlternateContent xmlns:mc="http://schemas.openxmlformats.org/markup-compatibility/2006">
+    <mc:Choice xmlns:c14="http://schemas.microsoft.com/office/drawing/2007/8/2/chart" Requires="c14">
+      <c14:style val="102"/>
+    </mc:Choice>
+    <mc:Fallback>
+      <c:style val="2"/>
+    </mc:Fallback>
+  </mc:AlternateContent>
+  <c:chart>
+    <c:title>
+      <c:tx>
+        <c:rich>
+          <a:bodyPr rot="0" spcFirstLastPara="1" vertOverflow="ellipsis" vert="horz" wrap="square" anchor="ctr" anchorCtr="1"/>
+          <a:lstStyle/>
+          <a:p>
+            <a:pPr>
+              <a:defRPr sz="1600" b="0" i="0" u="none" strike="noStrike" kern="1200" spc="0" baseline="0">
+                <a:solidFill>
+                  <a:schemeClr val="tx1">
+                    <a:lumMod val="65000"/>
+                    <a:lumOff val="35000"/>
+                  </a:schemeClr>
+                </a:solidFill>
+                <a:latin typeface="+mn-lt"/>
+                <a:ea typeface="+mn-ea"/>
+                <a:cs typeface="+mn-cs"/>
+              </a:defRPr>
+            </a:pPr>
+            <a:r>
+              <a:rPr lang="en-US" sz="1600" dirty="0"/>
+              <a:t>WSL Test Run</a:t>
+            </a:r>
+          </a:p>
+          <a:p>
+            <a:pPr>
+              <a:defRPr sz="1600"/>
+            </a:pPr>
+            <a:r>
+              <a:rPr lang="en-US" sz="1600" dirty="0"/>
+              <a:t>Times</a:t>
+            </a:r>
+            <a:r>
+              <a:rPr lang="en-US" sz="1600" baseline="0" dirty="0"/>
+              <a:t> in seconds</a:t>
+            </a:r>
+            <a:endParaRPr lang="en-US" sz="1600" dirty="0"/>
+          </a:p>
+        </c:rich>
+      </c:tx>
+      <c:layout>
+        <c:manualLayout>
+          <c:xMode val="edge"/>
+          <c:yMode val="edge"/>
+          <c:x val="0.37182767284481488"/>
+          <c:y val="2.810715465408558E-2"/>
+        </c:manualLayout>
+      </c:layout>
+      <c:overlay val="0"/>
+      <c:spPr>
+        <a:noFill/>
+        <a:ln>
+          <a:noFill/>
+        </a:ln>
+        <a:effectLst/>
+      </c:spPr>
+      <c:txPr>
+        <a:bodyPr rot="0" spcFirstLastPara="1" vertOverflow="ellipsis" vert="horz" wrap="square" anchor="ctr" anchorCtr="1"/>
+        <a:lstStyle/>
+        <a:p>
+          <a:pPr>
+            <a:defRPr sz="1600" b="0" i="0" u="none" strike="noStrike" kern="1200" spc="0" baseline="0">
+              <a:solidFill>
+                <a:schemeClr val="tx1">
+                  <a:lumMod val="65000"/>
+                  <a:lumOff val="35000"/>
+                </a:schemeClr>
+              </a:solidFill>
+              <a:latin typeface="+mn-lt"/>
+              <a:ea typeface="+mn-ea"/>
+              <a:cs typeface="+mn-cs"/>
+            </a:defRPr>
+          </a:pPr>
+          <a:endParaRPr lang="en-US"/>
+        </a:p>
+      </c:txPr>
+    </c:title>
+    <c:autoTitleDeleted val="0"/>
+    <c:plotArea>
+      <c:layout/>
+      <c:lineChart>
+        <c:grouping val="standard"/>
+        <c:varyColors val="0"/>
+        <c:ser>
+          <c:idx val="0"/>
+          <c:order val="0"/>
+          <c:tx>
+            <c:strRef>
+              <c:f>Sheet3!$B$3</c:f>
+              <c:strCache>
+                <c:ptCount val="1"/>
+                <c:pt idx="0">
+                  <c:v>build dict</c:v>
+                </c:pt>
+              </c:strCache>
+            </c:strRef>
+          </c:tx>
+          <c:spPr>
+            <a:ln w="28575" cap="rnd">
+              <a:solidFill>
+                <a:schemeClr val="accent1"/>
+              </a:solidFill>
+              <a:round/>
+            </a:ln>
+            <a:effectLst/>
+          </c:spPr>
+          <c:marker>
+            <c:symbol val="circle"/>
+            <c:size val="5"/>
+            <c:spPr>
+              <a:solidFill>
+                <a:schemeClr val="accent1"/>
+              </a:solidFill>
+              <a:ln w="9525">
+                <a:solidFill>
+                  <a:schemeClr val="accent1"/>
+                </a:solidFill>
+              </a:ln>
+              <a:effectLst/>
+            </c:spPr>
+          </c:marker>
+          <c:cat>
+            <c:numRef>
+              <c:f>Sheet3!$A$4:$A$9</c:f>
+              <c:numCache>
+                <c:formatCode>General</c:formatCode>
+                <c:ptCount val="6"/>
+                <c:pt idx="0">
+                  <c:v>512</c:v>
+                </c:pt>
+                <c:pt idx="1">
+                  <c:v>2048</c:v>
+                </c:pt>
+                <c:pt idx="2">
+                  <c:v>4096</c:v>
+                </c:pt>
+                <c:pt idx="3">
+                  <c:v>8192</c:v>
+                </c:pt>
+                <c:pt idx="4">
+                  <c:v>16384</c:v>
+                </c:pt>
+                <c:pt idx="5">
+                  <c:v>32768</c:v>
+                </c:pt>
+              </c:numCache>
+            </c:numRef>
+          </c:cat>
+          <c:val>
+            <c:numRef>
+              <c:f>Sheet3!$B$4:$B$9</c:f>
+              <c:numCache>
+                <c:formatCode>General</c:formatCode>
+                <c:ptCount val="6"/>
+                <c:pt idx="0">
+                  <c:v>2.6898000000000004</c:v>
+                </c:pt>
+                <c:pt idx="1">
+                  <c:v>2.6915999999999998</c:v>
+                </c:pt>
+                <c:pt idx="2">
+                  <c:v>2.6766000000000001</c:v>
+                </c:pt>
+                <c:pt idx="3">
+                  <c:v>2.6698</c:v>
+                </c:pt>
+                <c:pt idx="4">
+                  <c:v>2.6982000000000004</c:v>
+                </c:pt>
+                <c:pt idx="5">
+                  <c:v>2.6692</c:v>
+                </c:pt>
+              </c:numCache>
+            </c:numRef>
+          </c:val>
+          <c:smooth val="0"/>
+          <c:extLst>
+            <c:ext xmlns:c16="http://schemas.microsoft.com/office/drawing/2014/chart" uri="{C3380CC4-5D6E-409C-BE32-E72D297353CC}">
+              <c16:uniqueId val="{00000000-99D2-4E2B-9EA4-14F638CD01F0}"/>
+            </c:ext>
+          </c:extLst>
+        </c:ser>
+        <c:ser>
+          <c:idx val="1"/>
+          <c:order val="1"/>
+          <c:tx>
+            <c:strRef>
+              <c:f>Sheet3!$C$3</c:f>
+              <c:strCache>
+                <c:ptCount val="1"/>
+                <c:pt idx="0">
+                  <c:v>write dict</c:v>
+                </c:pt>
+              </c:strCache>
+            </c:strRef>
+          </c:tx>
+          <c:spPr>
+            <a:ln w="28575" cap="rnd">
+              <a:solidFill>
+                <a:schemeClr val="accent2"/>
+              </a:solidFill>
+              <a:round/>
+            </a:ln>
+            <a:effectLst/>
+          </c:spPr>
+          <c:marker>
+            <c:symbol val="circle"/>
+            <c:size val="5"/>
+            <c:spPr>
+              <a:solidFill>
+                <a:schemeClr val="accent2"/>
+              </a:solidFill>
+              <a:ln w="9525">
+                <a:solidFill>
+                  <a:schemeClr val="accent2"/>
+                </a:solidFill>
+              </a:ln>
+              <a:effectLst/>
+            </c:spPr>
+          </c:marker>
+          <c:cat>
+            <c:numRef>
+              <c:f>Sheet3!$A$4:$A$9</c:f>
+              <c:numCache>
+                <c:formatCode>General</c:formatCode>
+                <c:ptCount val="6"/>
+                <c:pt idx="0">
+                  <c:v>512</c:v>
+                </c:pt>
+                <c:pt idx="1">
+                  <c:v>2048</c:v>
+                </c:pt>
+                <c:pt idx="2">
+                  <c:v>4096</c:v>
+                </c:pt>
+                <c:pt idx="3">
+                  <c:v>8192</c:v>
+                </c:pt>
+                <c:pt idx="4">
+                  <c:v>16384</c:v>
+                </c:pt>
+                <c:pt idx="5">
+                  <c:v>32768</c:v>
+                </c:pt>
+              </c:numCache>
+            </c:numRef>
+          </c:cat>
+          <c:val>
+            <c:numRef>
+              <c:f>Sheet3!$C$4:$C$9</c:f>
+              <c:numCache>
+                <c:formatCode>General</c:formatCode>
+                <c:ptCount val="6"/>
+                <c:pt idx="0">
+                  <c:v>2.7733999999999996</c:v>
+                </c:pt>
+                <c:pt idx="1">
+                  <c:v>2.7367999999999997</c:v>
+                </c:pt>
+                <c:pt idx="2">
+                  <c:v>2.7734000000000001</c:v>
+                </c:pt>
+                <c:pt idx="3">
+                  <c:v>2.758</c:v>
+                </c:pt>
+                <c:pt idx="4">
+                  <c:v>2.7496</c:v>
+                </c:pt>
+                <c:pt idx="5">
+                  <c:v>2.6420000000000003</c:v>
+                </c:pt>
+              </c:numCache>
+            </c:numRef>
+          </c:val>
+          <c:smooth val="0"/>
+          <c:extLst>
+            <c:ext xmlns:c16="http://schemas.microsoft.com/office/drawing/2014/chart" uri="{C3380CC4-5D6E-409C-BE32-E72D297353CC}">
+              <c16:uniqueId val="{00000001-99D2-4E2B-9EA4-14F638CD01F0}"/>
+            </c:ext>
+          </c:extLst>
+        </c:ser>
+        <c:ser>
+          <c:idx val="2"/>
+          <c:order val="2"/>
+          <c:tx>
+            <c:strRef>
+              <c:f>Sheet3!$D$3</c:f>
+              <c:strCache>
+                <c:ptCount val="1"/>
+                <c:pt idx="0">
+                  <c:v>build database</c:v>
+                </c:pt>
+              </c:strCache>
+            </c:strRef>
+          </c:tx>
+          <c:spPr>
+            <a:ln w="28575" cap="rnd">
+              <a:solidFill>
+                <a:schemeClr val="accent3"/>
+              </a:solidFill>
+              <a:round/>
+            </a:ln>
+            <a:effectLst/>
+          </c:spPr>
+          <c:marker>
+            <c:symbol val="circle"/>
+            <c:size val="5"/>
+            <c:spPr>
+              <a:solidFill>
+                <a:schemeClr val="accent3"/>
+              </a:solidFill>
+              <a:ln w="9525">
+                <a:solidFill>
+                  <a:schemeClr val="accent3"/>
+                </a:solidFill>
+              </a:ln>
+              <a:effectLst/>
+            </c:spPr>
+          </c:marker>
+          <c:cat>
+            <c:numRef>
+              <c:f>Sheet3!$A$4:$A$9</c:f>
+              <c:numCache>
+                <c:formatCode>General</c:formatCode>
+                <c:ptCount val="6"/>
+                <c:pt idx="0">
+                  <c:v>512</c:v>
+                </c:pt>
+                <c:pt idx="1">
+                  <c:v>2048</c:v>
+                </c:pt>
+                <c:pt idx="2">
+                  <c:v>4096</c:v>
+                </c:pt>
+                <c:pt idx="3">
+                  <c:v>8192</c:v>
+                </c:pt>
+                <c:pt idx="4">
+                  <c:v>16384</c:v>
+                </c:pt>
+                <c:pt idx="5">
+                  <c:v>32768</c:v>
+                </c:pt>
+              </c:numCache>
+            </c:numRef>
+          </c:cat>
+          <c:val>
+            <c:numRef>
+              <c:f>Sheet3!$D$4:$D$9</c:f>
+              <c:numCache>
+                <c:formatCode>General</c:formatCode>
+                <c:ptCount val="6"/>
+                <c:pt idx="0">
+                  <c:v>2.4561999999999999</c:v>
+                </c:pt>
+                <c:pt idx="1">
+                  <c:v>2.3323999999999998</c:v>
+                </c:pt>
+                <c:pt idx="2">
+                  <c:v>2.3308</c:v>
+                </c:pt>
+                <c:pt idx="3">
+                  <c:v>2.246</c:v>
+                </c:pt>
+                <c:pt idx="4">
+                  <c:v>2.2152000000000003</c:v>
+                </c:pt>
+                <c:pt idx="5">
+                  <c:v>2.1701999999999999</c:v>
+                </c:pt>
+              </c:numCache>
+            </c:numRef>
+          </c:val>
+          <c:smooth val="0"/>
+          <c:extLst>
+            <c:ext xmlns:c16="http://schemas.microsoft.com/office/drawing/2014/chart" uri="{C3380CC4-5D6E-409C-BE32-E72D297353CC}">
+              <c16:uniqueId val="{00000002-99D2-4E2B-9EA4-14F638CD01F0}"/>
+            </c:ext>
+          </c:extLst>
+        </c:ser>
+        <c:ser>
+          <c:idx val="3"/>
+          <c:order val="3"/>
+          <c:tx>
+            <c:strRef>
+              <c:f>Sheet3!$E$3</c:f>
+              <c:strCache>
+                <c:ptCount val="1"/>
+                <c:pt idx="0">
+                  <c:v>read dict from file</c:v>
+                </c:pt>
+              </c:strCache>
+            </c:strRef>
+          </c:tx>
+          <c:spPr>
+            <a:ln w="28575" cap="rnd">
+              <a:solidFill>
+                <a:srgbClr val="7030A0"/>
+              </a:solidFill>
+              <a:round/>
+            </a:ln>
+            <a:effectLst/>
+          </c:spPr>
+          <c:marker>
+            <c:symbol val="circle"/>
+            <c:size val="5"/>
+            <c:spPr>
+              <a:solidFill>
+                <a:schemeClr val="accent4"/>
+              </a:solidFill>
+              <a:ln w="9525">
+                <a:solidFill>
+                  <a:schemeClr val="accent4"/>
+                </a:solidFill>
+              </a:ln>
+              <a:effectLst/>
+            </c:spPr>
+          </c:marker>
+          <c:cat>
+            <c:numRef>
+              <c:f>Sheet3!$A$4:$A$9</c:f>
+              <c:numCache>
+                <c:formatCode>General</c:formatCode>
+                <c:ptCount val="6"/>
+                <c:pt idx="0">
+                  <c:v>512</c:v>
+                </c:pt>
+                <c:pt idx="1">
+                  <c:v>2048</c:v>
+                </c:pt>
+                <c:pt idx="2">
+                  <c:v>4096</c:v>
+                </c:pt>
+                <c:pt idx="3">
+                  <c:v>8192</c:v>
+                </c:pt>
+                <c:pt idx="4">
+                  <c:v>16384</c:v>
+                </c:pt>
+                <c:pt idx="5">
+                  <c:v>32768</c:v>
+                </c:pt>
+              </c:numCache>
+            </c:numRef>
+          </c:cat>
+          <c:val>
+            <c:numRef>
+              <c:f>Sheet3!$E$4:$E$9</c:f>
+              <c:numCache>
+                <c:formatCode>General</c:formatCode>
+                <c:ptCount val="6"/>
+                <c:pt idx="0">
+                  <c:v>2.9254000000000002</c:v>
+                </c:pt>
+                <c:pt idx="1">
+                  <c:v>2.8711999999999995</c:v>
+                </c:pt>
+                <c:pt idx="2">
+                  <c:v>2.88</c:v>
+                </c:pt>
+                <c:pt idx="3">
+                  <c:v>2.9171999999999998</c:v>
+                </c:pt>
+                <c:pt idx="4">
+                  <c:v>2.9119999999999999</c:v>
+                </c:pt>
+                <c:pt idx="5">
+                  <c:v>2.9095999999999997</c:v>
+                </c:pt>
+              </c:numCache>
+            </c:numRef>
+          </c:val>
+          <c:smooth val="0"/>
+          <c:extLst>
+            <c:ext xmlns:c16="http://schemas.microsoft.com/office/drawing/2014/chart" uri="{C3380CC4-5D6E-409C-BE32-E72D297353CC}">
+              <c16:uniqueId val="{00000003-99D2-4E2B-9EA4-14F638CD01F0}"/>
+            </c:ext>
+          </c:extLst>
+        </c:ser>
+        <c:ser>
+          <c:idx val="4"/>
+          <c:order val="4"/>
+          <c:tx>
+            <c:strRef>
+              <c:f>Sheet3!$F$3</c:f>
+              <c:strCache>
+                <c:ptCount val="1"/>
+                <c:pt idx="0">
+                  <c:v>fetch records</c:v>
+                </c:pt>
+              </c:strCache>
+            </c:strRef>
+          </c:tx>
+          <c:spPr>
+            <a:ln w="28575" cap="rnd">
+              <a:solidFill>
+                <a:schemeClr val="accent5"/>
+              </a:solidFill>
+              <a:round/>
+            </a:ln>
+            <a:effectLst/>
+          </c:spPr>
+          <c:marker>
+            <c:symbol val="circle"/>
+            <c:size val="5"/>
+            <c:spPr>
+              <a:solidFill>
+                <a:schemeClr val="accent5"/>
+              </a:solidFill>
+              <a:ln w="9525">
+                <a:solidFill>
+                  <a:schemeClr val="accent5"/>
+                </a:solidFill>
+              </a:ln>
+              <a:effectLst/>
+            </c:spPr>
+          </c:marker>
+          <c:cat>
+            <c:numRef>
+              <c:f>Sheet3!$A$4:$A$9</c:f>
+              <c:numCache>
+                <c:formatCode>General</c:formatCode>
+                <c:ptCount val="6"/>
+                <c:pt idx="0">
+                  <c:v>512</c:v>
+                </c:pt>
+                <c:pt idx="1">
+                  <c:v>2048</c:v>
+                </c:pt>
+                <c:pt idx="2">
+                  <c:v>4096</c:v>
+                </c:pt>
+                <c:pt idx="3">
+                  <c:v>8192</c:v>
+                </c:pt>
+                <c:pt idx="4">
+                  <c:v>16384</c:v>
+                </c:pt>
+                <c:pt idx="5">
+                  <c:v>32768</c:v>
+                </c:pt>
+              </c:numCache>
+            </c:numRef>
+          </c:cat>
+          <c:val>
+            <c:numRef>
+              <c:f>Sheet3!$F$4:$F$9</c:f>
+              <c:numCache>
+                <c:formatCode>General</c:formatCode>
+                <c:ptCount val="6"/>
+                <c:pt idx="0">
+                  <c:v>0.83779999999999999</c:v>
+                </c:pt>
+                <c:pt idx="1">
+                  <c:v>0.86060000000000014</c:v>
+                </c:pt>
+                <c:pt idx="2">
+                  <c:v>0.8256</c:v>
+                </c:pt>
+                <c:pt idx="3">
+                  <c:v>0.88840000000000008</c:v>
+                </c:pt>
+                <c:pt idx="4">
+                  <c:v>1.0272000000000001</c:v>
+                </c:pt>
+                <c:pt idx="5">
+                  <c:v>1.2809999999999999</c:v>
+                </c:pt>
+              </c:numCache>
+            </c:numRef>
+          </c:val>
+          <c:smooth val="0"/>
+          <c:extLst>
+            <c:ext xmlns:c16="http://schemas.microsoft.com/office/drawing/2014/chart" uri="{C3380CC4-5D6E-409C-BE32-E72D297353CC}">
+              <c16:uniqueId val="{00000004-99D2-4E2B-9EA4-14F638CD01F0}"/>
+            </c:ext>
+          </c:extLst>
+        </c:ser>
+        <c:dLbls>
+          <c:showLegendKey val="0"/>
+          <c:showVal val="0"/>
+          <c:showCatName val="0"/>
+          <c:showSerName val="0"/>
+          <c:showPercent val="0"/>
+          <c:showBubbleSize val="0"/>
+        </c:dLbls>
+        <c:marker val="1"/>
+        <c:smooth val="0"/>
+        <c:axId val="627170152"/>
+        <c:axId val="460801560"/>
+      </c:lineChart>
+      <c:catAx>
+        <c:axId val="627170152"/>
+        <c:scaling>
+          <c:orientation val="minMax"/>
+        </c:scaling>
+        <c:delete val="0"/>
+        <c:axPos val="b"/>
+        <c:numFmt formatCode="General" sourceLinked="1"/>
+        <c:majorTickMark val="none"/>
+        <c:minorTickMark val="none"/>
+        <c:tickLblPos val="nextTo"/>
+        <c:spPr>
+          <a:noFill/>
+          <a:ln w="9525" cap="flat" cmpd="sng" algn="ctr">
+            <a:solidFill>
+              <a:schemeClr val="tx1">
+                <a:lumMod val="15000"/>
+                <a:lumOff val="85000"/>
+              </a:schemeClr>
+            </a:solidFill>
+            <a:round/>
+          </a:ln>
+          <a:effectLst/>
+        </c:spPr>
+        <c:txPr>
+          <a:bodyPr rot="-60000000" spcFirstLastPara="1" vertOverflow="ellipsis" vert="horz" wrap="square" anchor="ctr" anchorCtr="1"/>
+          <a:lstStyle/>
+          <a:p>
+            <a:pPr>
+              <a:defRPr sz="1200" b="0" i="0" u="none" strike="noStrike" kern="1200" baseline="0">
+                <a:solidFill>
+                  <a:schemeClr val="tx1">
+                    <a:lumMod val="65000"/>
+                    <a:lumOff val="35000"/>
+                  </a:schemeClr>
+                </a:solidFill>
+                <a:latin typeface="+mn-lt"/>
+                <a:ea typeface="+mn-ea"/>
+                <a:cs typeface="+mn-cs"/>
+              </a:defRPr>
+            </a:pPr>
+            <a:endParaRPr lang="en-US"/>
+          </a:p>
+        </c:txPr>
+        <c:crossAx val="460801560"/>
+        <c:crosses val="autoZero"/>
+        <c:auto val="1"/>
+        <c:lblAlgn val="ctr"/>
+        <c:lblOffset val="100"/>
+        <c:noMultiLvlLbl val="0"/>
+      </c:catAx>
+      <c:valAx>
+        <c:axId val="460801560"/>
+        <c:scaling>
+          <c:orientation val="minMax"/>
+          <c:max val="4"/>
+        </c:scaling>
+        <c:delete val="0"/>
+        <c:axPos val="l"/>
+        <c:majorGridlines>
+          <c:spPr>
+            <a:ln w="9525" cap="flat" cmpd="sng" algn="ctr">
+              <a:solidFill>
+                <a:schemeClr val="tx1">
+                  <a:lumMod val="15000"/>
+                  <a:lumOff val="85000"/>
+                </a:schemeClr>
+              </a:solidFill>
+              <a:round/>
+            </a:ln>
+            <a:effectLst/>
+          </c:spPr>
+        </c:majorGridlines>
+        <c:numFmt formatCode="#,##0.0" sourceLinked="0"/>
+        <c:majorTickMark val="none"/>
+        <c:minorTickMark val="none"/>
+        <c:tickLblPos val="nextTo"/>
+        <c:spPr>
+          <a:noFill/>
+          <a:ln>
+            <a:noFill/>
+          </a:ln>
+          <a:effectLst/>
+        </c:spPr>
+        <c:txPr>
+          <a:bodyPr rot="-60000000" spcFirstLastPara="1" vertOverflow="ellipsis" vert="horz" wrap="square" anchor="ctr" anchorCtr="1"/>
+          <a:lstStyle/>
+          <a:p>
+            <a:pPr>
+              <a:defRPr sz="1100" b="0" i="0" u="none" strike="noStrike" kern="1200" baseline="0">
+                <a:solidFill>
+                  <a:schemeClr val="tx1">
+                    <a:lumMod val="65000"/>
+                    <a:lumOff val="35000"/>
+                  </a:schemeClr>
+                </a:solidFill>
+                <a:latin typeface="+mn-lt"/>
+                <a:ea typeface="+mn-ea"/>
+                <a:cs typeface="+mn-cs"/>
+              </a:defRPr>
+            </a:pPr>
+            <a:endParaRPr lang="en-US"/>
+          </a:p>
+        </c:txPr>
+        <c:crossAx val="627170152"/>
+        <c:crosses val="autoZero"/>
+        <c:crossBetween val="between"/>
+      </c:valAx>
+      <c:spPr>
+        <a:noFill/>
+        <a:ln>
+          <a:noFill/>
+        </a:ln>
+        <a:effectLst/>
+      </c:spPr>
+    </c:plotArea>
+    <c:legend>
+      <c:legendPos val="b"/>
+      <c:legendEntry>
+        <c:idx val="0"/>
+        <c:txPr>
+          <a:bodyPr rot="0" spcFirstLastPara="1" vertOverflow="ellipsis" vert="horz" wrap="square" anchor="ctr" anchorCtr="1"/>
+          <a:lstStyle/>
+          <a:p>
+            <a:pPr>
+              <a:defRPr sz="1400" b="0" i="0" u="none" strike="noStrike" kern="1200" baseline="0">
+                <a:solidFill>
+                  <a:schemeClr val="tx1">
+                    <a:lumMod val="65000"/>
+                    <a:lumOff val="35000"/>
+                  </a:schemeClr>
+                </a:solidFill>
+                <a:latin typeface="+mn-lt"/>
+                <a:ea typeface="+mn-ea"/>
+                <a:cs typeface="+mn-cs"/>
+              </a:defRPr>
+            </a:pPr>
+            <a:endParaRPr lang="en-US"/>
+          </a:p>
+        </c:txPr>
+      </c:legendEntry>
+      <c:legendEntry>
+        <c:idx val="1"/>
+        <c:txPr>
+          <a:bodyPr rot="0" spcFirstLastPara="1" vertOverflow="ellipsis" vert="horz" wrap="square" anchor="ctr" anchorCtr="1"/>
+          <a:lstStyle/>
+          <a:p>
+            <a:pPr>
+              <a:defRPr sz="1400" b="0" i="0" u="none" strike="noStrike" kern="1200" baseline="0">
+                <a:solidFill>
+                  <a:schemeClr val="tx1">
+                    <a:lumMod val="65000"/>
+                    <a:lumOff val="35000"/>
+                  </a:schemeClr>
+                </a:solidFill>
+                <a:latin typeface="+mn-lt"/>
+                <a:ea typeface="+mn-ea"/>
+                <a:cs typeface="+mn-cs"/>
+              </a:defRPr>
+            </a:pPr>
+            <a:endParaRPr lang="en-US"/>
+          </a:p>
+        </c:txPr>
+      </c:legendEntry>
+      <c:legendEntry>
+        <c:idx val="2"/>
+        <c:txPr>
+          <a:bodyPr rot="0" spcFirstLastPara="1" vertOverflow="ellipsis" vert="horz" wrap="square" anchor="ctr" anchorCtr="1"/>
+          <a:lstStyle/>
+          <a:p>
+            <a:pPr>
+              <a:defRPr sz="1400" b="0" i="0" u="none" strike="noStrike" kern="1200" baseline="0">
+                <a:solidFill>
+                  <a:schemeClr val="tx1">
+                    <a:lumMod val="65000"/>
+                    <a:lumOff val="35000"/>
+                  </a:schemeClr>
+                </a:solidFill>
+                <a:latin typeface="+mn-lt"/>
+                <a:ea typeface="+mn-ea"/>
+                <a:cs typeface="+mn-cs"/>
+              </a:defRPr>
+            </a:pPr>
+            <a:endParaRPr lang="en-US"/>
+          </a:p>
+        </c:txPr>
+      </c:legendEntry>
+      <c:legendEntry>
+        <c:idx val="3"/>
+        <c:txPr>
+          <a:bodyPr rot="0" spcFirstLastPara="1" vertOverflow="ellipsis" vert="horz" wrap="square" anchor="ctr" anchorCtr="1"/>
+          <a:lstStyle/>
+          <a:p>
+            <a:pPr>
+              <a:defRPr sz="1400" b="0" i="0" u="none" strike="noStrike" kern="1200" baseline="0">
+                <a:solidFill>
+                  <a:schemeClr val="tx1">
+                    <a:lumMod val="65000"/>
+                    <a:lumOff val="35000"/>
+                  </a:schemeClr>
+                </a:solidFill>
+                <a:latin typeface="+mn-lt"/>
+                <a:ea typeface="+mn-ea"/>
+                <a:cs typeface="+mn-cs"/>
+              </a:defRPr>
+            </a:pPr>
+            <a:endParaRPr lang="en-US"/>
+          </a:p>
+        </c:txPr>
+      </c:legendEntry>
+      <c:legendEntry>
+        <c:idx val="4"/>
+        <c:txPr>
+          <a:bodyPr rot="0" spcFirstLastPara="1" vertOverflow="ellipsis" vert="horz" wrap="square" anchor="ctr" anchorCtr="1"/>
+          <a:lstStyle/>
+          <a:p>
+            <a:pPr>
+              <a:defRPr sz="1400" b="0" i="0" u="none" strike="noStrike" kern="1200" baseline="0">
+                <a:solidFill>
+                  <a:schemeClr val="tx1">
+                    <a:lumMod val="65000"/>
+                    <a:lumOff val="35000"/>
+                  </a:schemeClr>
+                </a:solidFill>
+                <a:latin typeface="+mn-lt"/>
+                <a:ea typeface="+mn-ea"/>
+                <a:cs typeface="+mn-cs"/>
+              </a:defRPr>
+            </a:pPr>
+            <a:endParaRPr lang="en-US"/>
+          </a:p>
+        </c:txPr>
+      </c:legendEntry>
+      <c:overlay val="0"/>
+      <c:spPr>
+        <a:noFill/>
+        <a:ln>
+          <a:noFill/>
+        </a:ln>
+        <a:effectLst/>
+      </c:spPr>
+      <c:txPr>
+        <a:bodyPr rot="0" spcFirstLastPara="1" vertOverflow="ellipsis" vert="horz" wrap="square" anchor="ctr" anchorCtr="1"/>
+        <a:lstStyle/>
+        <a:p>
+          <a:pPr>
+            <a:defRPr sz="1400" b="0" i="0" u="none" strike="noStrike" kern="1200" baseline="0">
+              <a:solidFill>
+                <a:schemeClr val="tx1">
+                  <a:lumMod val="65000"/>
+                  <a:lumOff val="35000"/>
+                </a:schemeClr>
+              </a:solidFill>
+              <a:latin typeface="+mn-lt"/>
+              <a:ea typeface="+mn-ea"/>
+              <a:cs typeface="+mn-cs"/>
+            </a:defRPr>
+          </a:pPr>
+          <a:endParaRPr lang="en-US"/>
+        </a:p>
+      </c:txPr>
+    </c:legend>
+    <c:plotVisOnly val="1"/>
+    <c:dispBlanksAs val="gap"/>
+    <c:extLst>
+      <c:ext xmlns:c16r3="http://schemas.microsoft.com/office/drawing/2017/03/chart" uri="{56B9EC1D-385E-4148-901F-78D8002777C0}">
+        <c16r3:dataDisplayOptions16>
+          <c16r3:dispNaAsBlank val="1"/>
+        </c16r3:dataDisplayOptions16>
+      </c:ext>
+    </c:extLst>
+    <c:showDLblsOverMax val="0"/>
+  </c:chart>
+  <c:spPr>
+    <a:noFill/>
+    <a:ln>
+      <a:noFill/>
+    </a:ln>
+    <a:effectLst/>
+  </c:spPr>
+  <c:txPr>
+    <a:bodyPr/>
+    <a:lstStyle/>
+    <a:p>
+      <a:pPr>
+        <a:defRPr/>
+      </a:pPr>
+      <a:endParaRPr lang="en-US"/>
+    </a:p>
+  </c:txPr>
+  <c:externalData r:id="rId3">
+    <c:autoUpdate val="0"/>
+  </c:externalData>
+</c:chartSpace>
+</file>
+
+<file path=ppt/charts/chart7.xml><?xml version="1.0" encoding="utf-8"?>
+<c:chartSpace xmlns:c="http://schemas.openxmlformats.org/drawingml/2006/chart" xmlns:a="http://schemas.openxmlformats.org/drawingml/2006/main" xmlns:r="http://schemas.openxmlformats.org/officeDocument/2006/relationships" xmlns:c16r2="http://schemas.microsoft.com/office/drawing/2015/06/chart">
+  <c:date1904 val="0"/>
+  <c:lang val="en-US"/>
+  <c:roundedCorners val="0"/>
+  <mc:AlternateContent xmlns:mc="http://schemas.openxmlformats.org/markup-compatibility/2006">
+    <mc:Choice xmlns:c14="http://schemas.microsoft.com/office/drawing/2007/8/2/chart" Requires="c14">
+      <c14:style val="102"/>
+    </mc:Choice>
+    <mc:Fallback>
+      <c:style val="2"/>
+    </mc:Fallback>
+  </mc:AlternateContent>
+  <c:chart>
+    <c:title>
+      <c:tx>
+        <c:rich>
+          <a:bodyPr rot="0" spcFirstLastPara="1" vertOverflow="ellipsis" vert="horz" wrap="square" anchor="ctr" anchorCtr="1"/>
+          <a:lstStyle/>
+          <a:p>
+            <a:pPr>
+              <a:defRPr sz="1600" b="0" i="0" u="none" strike="noStrike" kern="1200" spc="0" baseline="0">
+                <a:solidFill>
+                  <a:schemeClr val="tx1">
+                    <a:lumMod val="65000"/>
+                    <a:lumOff val="35000"/>
+                  </a:schemeClr>
+                </a:solidFill>
+                <a:latin typeface="+mn-lt"/>
+                <a:ea typeface="+mn-ea"/>
+                <a:cs typeface="+mn-cs"/>
+              </a:defRPr>
+            </a:pPr>
+            <a:r>
+              <a:rPr lang="en-US" sz="1600" dirty="0"/>
+              <a:t>I4 </a:t>
+            </a:r>
+            <a:r>
+              <a:rPr lang="en-US" sz="1600" dirty="0" err="1"/>
+              <a:t>Xlarge</a:t>
+            </a:r>
+            <a:endParaRPr lang="en-US" sz="1600" dirty="0"/>
+          </a:p>
+          <a:p>
+            <a:pPr>
+              <a:defRPr sz="1600"/>
+            </a:pPr>
+            <a:r>
+              <a:rPr lang="en-US" sz="1600" dirty="0"/>
+              <a:t>Time in Seconds</a:t>
+            </a:r>
+          </a:p>
+        </c:rich>
+      </c:tx>
+      <c:layout>
+        <c:manualLayout>
+          <c:xMode val="edge"/>
+          <c:yMode val="edge"/>
+          <c:x val="0.42719692040019308"/>
+          <c:y val="4.0220940185363568E-2"/>
+        </c:manualLayout>
+      </c:layout>
+      <c:overlay val="0"/>
+      <c:spPr>
+        <a:noFill/>
+        <a:ln>
+          <a:noFill/>
+        </a:ln>
+        <a:effectLst/>
+      </c:spPr>
+      <c:txPr>
+        <a:bodyPr rot="0" spcFirstLastPara="1" vertOverflow="ellipsis" vert="horz" wrap="square" anchor="ctr" anchorCtr="1"/>
+        <a:lstStyle/>
+        <a:p>
+          <a:pPr>
+            <a:defRPr sz="1600" b="0" i="0" u="none" strike="noStrike" kern="1200" spc="0" baseline="0">
+              <a:solidFill>
+                <a:schemeClr val="tx1">
+                  <a:lumMod val="65000"/>
+                  <a:lumOff val="35000"/>
+                </a:schemeClr>
+              </a:solidFill>
+              <a:latin typeface="+mn-lt"/>
+              <a:ea typeface="+mn-ea"/>
+              <a:cs typeface="+mn-cs"/>
+            </a:defRPr>
+          </a:pPr>
+          <a:endParaRPr lang="en-US"/>
+        </a:p>
+      </c:txPr>
+    </c:title>
+    <c:autoTitleDeleted val="0"/>
+    <c:plotArea>
+      <c:layout/>
+      <c:lineChart>
+        <c:grouping val="standard"/>
+        <c:varyColors val="0"/>
+        <c:ser>
+          <c:idx val="0"/>
+          <c:order val="0"/>
+          <c:tx>
+            <c:strRef>
+              <c:f>Sheet3!$W$4</c:f>
+              <c:strCache>
+                <c:ptCount val="1"/>
+                <c:pt idx="0">
+                  <c:v>Build Dict</c:v>
+                </c:pt>
+              </c:strCache>
+            </c:strRef>
+          </c:tx>
+          <c:spPr>
+            <a:ln w="28575" cap="rnd">
+              <a:solidFill>
+                <a:schemeClr val="accent1"/>
+              </a:solidFill>
+              <a:round/>
+            </a:ln>
+            <a:effectLst/>
+          </c:spPr>
+          <c:marker>
+            <c:symbol val="circle"/>
+            <c:size val="5"/>
+            <c:spPr>
+              <a:solidFill>
+                <a:schemeClr val="accent1"/>
+              </a:solidFill>
+              <a:ln w="9525">
+                <a:solidFill>
+                  <a:schemeClr val="accent1"/>
+                </a:solidFill>
+              </a:ln>
+              <a:effectLst/>
+            </c:spPr>
+          </c:marker>
+          <c:cat>
+            <c:numRef>
+              <c:f>Sheet3!$V$5:$V$10</c:f>
+              <c:numCache>
+                <c:formatCode>General</c:formatCode>
+                <c:ptCount val="6"/>
+                <c:pt idx="0">
+                  <c:v>512</c:v>
+                </c:pt>
+                <c:pt idx="1">
+                  <c:v>2048</c:v>
+                </c:pt>
+                <c:pt idx="2">
+                  <c:v>4096</c:v>
+                </c:pt>
+                <c:pt idx="3">
+                  <c:v>8192</c:v>
+                </c:pt>
+                <c:pt idx="4">
+                  <c:v>16384</c:v>
+                </c:pt>
+                <c:pt idx="5">
+                  <c:v>32768</c:v>
+                </c:pt>
+              </c:numCache>
+            </c:numRef>
+          </c:cat>
+          <c:val>
+            <c:numRef>
+              <c:f>Sheet3!$W$5:$W$10</c:f>
+              <c:numCache>
+                <c:formatCode>General</c:formatCode>
+                <c:ptCount val="6"/>
+                <c:pt idx="0">
+                  <c:v>3.27128</c:v>
+                </c:pt>
+                <c:pt idx="1">
+                  <c:v>3.2580399999999998</c:v>
+                </c:pt>
+                <c:pt idx="2">
+                  <c:v>3.2439799999999996</c:v>
+                </c:pt>
+                <c:pt idx="3">
+                  <c:v>3.2311799999999997</c:v>
+                </c:pt>
+                <c:pt idx="4">
+                  <c:v>3.2535000000000003</c:v>
+                </c:pt>
+                <c:pt idx="5">
+                  <c:v>3.25298</c:v>
+                </c:pt>
+              </c:numCache>
+            </c:numRef>
+          </c:val>
+          <c:smooth val="0"/>
+          <c:extLst>
+            <c:ext xmlns:c16="http://schemas.microsoft.com/office/drawing/2014/chart" uri="{C3380CC4-5D6E-409C-BE32-E72D297353CC}">
+              <c16:uniqueId val="{00000000-BEEB-45A1-9DD2-FE6ED67EBD12}"/>
+            </c:ext>
+          </c:extLst>
+        </c:ser>
+        <c:ser>
+          <c:idx val="1"/>
+          <c:order val="1"/>
+          <c:tx>
+            <c:strRef>
+              <c:f>Sheet3!$X$4</c:f>
+              <c:strCache>
+                <c:ptCount val="1"/>
+                <c:pt idx="0">
+                  <c:v>Write dict</c:v>
+                </c:pt>
+              </c:strCache>
+            </c:strRef>
+          </c:tx>
+          <c:spPr>
+            <a:ln w="28575" cap="rnd">
+              <a:solidFill>
+                <a:schemeClr val="accent2"/>
+              </a:solidFill>
+              <a:round/>
+            </a:ln>
+            <a:effectLst/>
+          </c:spPr>
+          <c:marker>
+            <c:symbol val="circle"/>
+            <c:size val="5"/>
+            <c:spPr>
+              <a:solidFill>
+                <a:schemeClr val="accent2"/>
+              </a:solidFill>
+              <a:ln w="9525">
+                <a:solidFill>
+                  <a:schemeClr val="accent2"/>
+                </a:solidFill>
+              </a:ln>
+              <a:effectLst/>
+            </c:spPr>
+          </c:marker>
+          <c:cat>
+            <c:numRef>
+              <c:f>Sheet3!$V$5:$V$10</c:f>
+              <c:numCache>
+                <c:formatCode>General</c:formatCode>
+                <c:ptCount val="6"/>
+                <c:pt idx="0">
+                  <c:v>512</c:v>
+                </c:pt>
+                <c:pt idx="1">
+                  <c:v>2048</c:v>
+                </c:pt>
+                <c:pt idx="2">
+                  <c:v>4096</c:v>
+                </c:pt>
+                <c:pt idx="3">
+                  <c:v>8192</c:v>
+                </c:pt>
+                <c:pt idx="4">
+                  <c:v>16384</c:v>
+                </c:pt>
+                <c:pt idx="5">
+                  <c:v>32768</c:v>
+                </c:pt>
+              </c:numCache>
+            </c:numRef>
+          </c:cat>
+          <c:val>
+            <c:numRef>
+              <c:f>Sheet3!$X$5:$X$10</c:f>
+              <c:numCache>
+                <c:formatCode>General</c:formatCode>
+                <c:ptCount val="6"/>
+                <c:pt idx="0">
+                  <c:v>2.9648600000000003</c:v>
+                </c:pt>
+                <c:pt idx="1">
+                  <c:v>3.3477599999999996</c:v>
+                </c:pt>
+                <c:pt idx="2">
+                  <c:v>3.0391199999999996</c:v>
+                </c:pt>
+                <c:pt idx="3">
+                  <c:v>3.0519400000000001</c:v>
+                </c:pt>
+                <c:pt idx="4">
+                  <c:v>3.0275399999999997</c:v>
+                </c:pt>
+                <c:pt idx="5">
+                  <c:v>3.0285600000000001</c:v>
+                </c:pt>
+              </c:numCache>
+            </c:numRef>
+          </c:val>
+          <c:smooth val="0"/>
+          <c:extLst>
+            <c:ext xmlns:c16="http://schemas.microsoft.com/office/drawing/2014/chart" uri="{C3380CC4-5D6E-409C-BE32-E72D297353CC}">
+              <c16:uniqueId val="{00000001-BEEB-45A1-9DD2-FE6ED67EBD12}"/>
+            </c:ext>
+          </c:extLst>
+        </c:ser>
+        <c:ser>
+          <c:idx val="2"/>
+          <c:order val="2"/>
+          <c:tx>
+            <c:strRef>
+              <c:f>Sheet3!$Y$4</c:f>
+              <c:strCache>
+                <c:ptCount val="1"/>
+                <c:pt idx="0">
+                  <c:v>Build Database</c:v>
+                </c:pt>
+              </c:strCache>
+            </c:strRef>
+          </c:tx>
+          <c:spPr>
+            <a:ln w="28575" cap="rnd">
+              <a:solidFill>
+                <a:schemeClr val="accent3"/>
+              </a:solidFill>
+              <a:round/>
+            </a:ln>
+            <a:effectLst/>
+          </c:spPr>
+          <c:marker>
+            <c:symbol val="circle"/>
+            <c:size val="5"/>
+            <c:spPr>
+              <a:solidFill>
+                <a:schemeClr val="accent3"/>
+              </a:solidFill>
+              <a:ln w="9525">
+                <a:solidFill>
+                  <a:schemeClr val="accent3"/>
+                </a:solidFill>
+              </a:ln>
+              <a:effectLst/>
+            </c:spPr>
+          </c:marker>
+          <c:cat>
+            <c:numRef>
+              <c:f>Sheet3!$V$5:$V$10</c:f>
+              <c:numCache>
+                <c:formatCode>General</c:formatCode>
+                <c:ptCount val="6"/>
+                <c:pt idx="0">
+                  <c:v>512</c:v>
+                </c:pt>
+                <c:pt idx="1">
+                  <c:v>2048</c:v>
+                </c:pt>
+                <c:pt idx="2">
+                  <c:v>4096</c:v>
+                </c:pt>
+                <c:pt idx="3">
+                  <c:v>8192</c:v>
+                </c:pt>
+                <c:pt idx="4">
+                  <c:v>16384</c:v>
+                </c:pt>
+                <c:pt idx="5">
+                  <c:v>32768</c:v>
+                </c:pt>
+              </c:numCache>
+            </c:numRef>
+          </c:cat>
+          <c:val>
+            <c:numRef>
+              <c:f>Sheet3!$Y$5:$Y$10</c:f>
+              <c:numCache>
+                <c:formatCode>General</c:formatCode>
+                <c:ptCount val="6"/>
+                <c:pt idx="0">
+                  <c:v>2.7697600000000002</c:v>
+                </c:pt>
+                <c:pt idx="1">
+                  <c:v>2.5453199999999998</c:v>
+                </c:pt>
+                <c:pt idx="2">
+                  <c:v>2.5150399999999999</c:v>
+                </c:pt>
+                <c:pt idx="3">
+                  <c:v>2.46862</c:v>
+                </c:pt>
+                <c:pt idx="4">
+                  <c:v>2.4354799999999996</c:v>
+                </c:pt>
+                <c:pt idx="5">
+                  <c:v>2.4087400000000003</c:v>
+                </c:pt>
+              </c:numCache>
+            </c:numRef>
+          </c:val>
+          <c:smooth val="0"/>
+          <c:extLst>
+            <c:ext xmlns:c16="http://schemas.microsoft.com/office/drawing/2014/chart" uri="{C3380CC4-5D6E-409C-BE32-E72D297353CC}">
+              <c16:uniqueId val="{00000002-BEEB-45A1-9DD2-FE6ED67EBD12}"/>
+            </c:ext>
+          </c:extLst>
+        </c:ser>
+        <c:ser>
+          <c:idx val="3"/>
+          <c:order val="3"/>
+          <c:tx>
+            <c:strRef>
+              <c:f>Sheet3!$Z$4</c:f>
+              <c:strCache>
+                <c:ptCount val="1"/>
+                <c:pt idx="0">
+                  <c:v>Read Dict</c:v>
+                </c:pt>
+              </c:strCache>
+            </c:strRef>
+          </c:tx>
+          <c:spPr>
+            <a:ln w="28575" cap="rnd">
+              <a:solidFill>
+                <a:schemeClr val="accent4"/>
+              </a:solidFill>
+              <a:round/>
+            </a:ln>
+            <a:effectLst/>
+          </c:spPr>
+          <c:marker>
+            <c:symbol val="circle"/>
+            <c:size val="5"/>
+            <c:spPr>
+              <a:solidFill>
+                <a:schemeClr val="accent4"/>
+              </a:solidFill>
+              <a:ln w="9525">
+                <a:solidFill>
+                  <a:schemeClr val="accent4"/>
+                </a:solidFill>
+              </a:ln>
+              <a:effectLst/>
+            </c:spPr>
+          </c:marker>
+          <c:cat>
+            <c:numRef>
+              <c:f>Sheet3!$V$5:$V$10</c:f>
+              <c:numCache>
+                <c:formatCode>General</c:formatCode>
+                <c:ptCount val="6"/>
+                <c:pt idx="0">
+                  <c:v>512</c:v>
+                </c:pt>
+                <c:pt idx="1">
+                  <c:v>2048</c:v>
+                </c:pt>
+                <c:pt idx="2">
+                  <c:v>4096</c:v>
+                </c:pt>
+                <c:pt idx="3">
+                  <c:v>8192</c:v>
+                </c:pt>
+                <c:pt idx="4">
+                  <c:v>16384</c:v>
+                </c:pt>
+                <c:pt idx="5">
+                  <c:v>32768</c:v>
+                </c:pt>
+              </c:numCache>
+            </c:numRef>
+          </c:cat>
+          <c:val>
+            <c:numRef>
+              <c:f>Sheet3!$Z$5:$Z$10</c:f>
+              <c:numCache>
+                <c:formatCode>General</c:formatCode>
+                <c:ptCount val="6"/>
+                <c:pt idx="0">
+                  <c:v>3.7330399999999999</c:v>
+                </c:pt>
+                <c:pt idx="1">
+                  <c:v>3.5632199999999998</c:v>
+                </c:pt>
+                <c:pt idx="2">
+                  <c:v>3.66608</c:v>
+                </c:pt>
+                <c:pt idx="3">
+                  <c:v>3.6358200000000003</c:v>
+                </c:pt>
+                <c:pt idx="4">
+                  <c:v>3.6492999999999993</c:v>
+                </c:pt>
+                <c:pt idx="5">
+                  <c:v>3.6267200000000002</c:v>
+                </c:pt>
+              </c:numCache>
+            </c:numRef>
+          </c:val>
+          <c:smooth val="0"/>
+          <c:extLst>
+            <c:ext xmlns:c16="http://schemas.microsoft.com/office/drawing/2014/chart" uri="{C3380CC4-5D6E-409C-BE32-E72D297353CC}">
+              <c16:uniqueId val="{00000003-BEEB-45A1-9DD2-FE6ED67EBD12}"/>
+            </c:ext>
+          </c:extLst>
+        </c:ser>
+        <c:ser>
+          <c:idx val="4"/>
+          <c:order val="4"/>
+          <c:tx>
+            <c:strRef>
+              <c:f>Sheet3!$AA$4</c:f>
+              <c:strCache>
+                <c:ptCount val="1"/>
+                <c:pt idx="0">
+                  <c:v>Fetch Records</c:v>
+                </c:pt>
+              </c:strCache>
+            </c:strRef>
+          </c:tx>
+          <c:spPr>
+            <a:ln w="28575" cap="rnd">
+              <a:solidFill>
+                <a:schemeClr val="accent5"/>
+              </a:solidFill>
+              <a:round/>
+            </a:ln>
+            <a:effectLst/>
+          </c:spPr>
+          <c:marker>
+            <c:symbol val="circle"/>
+            <c:size val="5"/>
+            <c:spPr>
+              <a:solidFill>
+                <a:schemeClr val="accent5"/>
+              </a:solidFill>
+              <a:ln w="9525">
+                <a:solidFill>
+                  <a:schemeClr val="accent5"/>
+                </a:solidFill>
+              </a:ln>
+              <a:effectLst/>
+            </c:spPr>
+          </c:marker>
+          <c:cat>
+            <c:numRef>
+              <c:f>Sheet3!$V$5:$V$10</c:f>
+              <c:numCache>
+                <c:formatCode>General</c:formatCode>
+                <c:ptCount val="6"/>
+                <c:pt idx="0">
+                  <c:v>512</c:v>
+                </c:pt>
+                <c:pt idx="1">
+                  <c:v>2048</c:v>
+                </c:pt>
+                <c:pt idx="2">
+                  <c:v>4096</c:v>
+                </c:pt>
+                <c:pt idx="3">
+                  <c:v>8192</c:v>
+                </c:pt>
+                <c:pt idx="4">
+                  <c:v>16384</c:v>
+                </c:pt>
+                <c:pt idx="5">
+                  <c:v>32768</c:v>
+                </c:pt>
+              </c:numCache>
+            </c:numRef>
+          </c:cat>
+          <c:val>
+            <c:numRef>
+              <c:f>Sheet3!$AA$5:$AA$10</c:f>
+              <c:numCache>
+                <c:formatCode>General</c:formatCode>
+                <c:ptCount val="6"/>
+                <c:pt idx="0">
+                  <c:v>0.75616000000000005</c:v>
+                </c:pt>
+                <c:pt idx="1">
+                  <c:v>0.80831999999999993</c:v>
+                </c:pt>
+                <c:pt idx="2">
+                  <c:v>0.85816000000000003</c:v>
+                </c:pt>
+                <c:pt idx="3">
+                  <c:v>0.93990000000000007</c:v>
+                </c:pt>
+                <c:pt idx="4">
+                  <c:v>1.0983000000000001</c:v>
+                </c:pt>
+                <c:pt idx="5">
+                  <c:v>1.4287599999999998</c:v>
+                </c:pt>
+              </c:numCache>
+            </c:numRef>
+          </c:val>
+          <c:smooth val="0"/>
+          <c:extLst>
+            <c:ext xmlns:c16="http://schemas.microsoft.com/office/drawing/2014/chart" uri="{C3380CC4-5D6E-409C-BE32-E72D297353CC}">
+              <c16:uniqueId val="{00000004-BEEB-45A1-9DD2-FE6ED67EBD12}"/>
+            </c:ext>
+          </c:extLst>
+        </c:ser>
+        <c:dLbls>
+          <c:showLegendKey val="0"/>
+          <c:showVal val="0"/>
+          <c:showCatName val="0"/>
+          <c:showSerName val="0"/>
+          <c:showPercent val="0"/>
+          <c:showBubbleSize val="0"/>
+        </c:dLbls>
+        <c:marker val="1"/>
+        <c:smooth val="0"/>
+        <c:axId val="273476352"/>
+        <c:axId val="273482472"/>
+      </c:lineChart>
+      <c:catAx>
+        <c:axId val="273476352"/>
+        <c:scaling>
+          <c:orientation val="minMax"/>
+        </c:scaling>
+        <c:delete val="0"/>
+        <c:axPos val="b"/>
+        <c:numFmt formatCode="General" sourceLinked="1"/>
+        <c:majorTickMark val="none"/>
+        <c:minorTickMark val="none"/>
+        <c:tickLblPos val="nextTo"/>
+        <c:spPr>
+          <a:noFill/>
+          <a:ln w="9525" cap="flat" cmpd="sng" algn="ctr">
+            <a:solidFill>
+              <a:schemeClr val="tx1">
+                <a:lumMod val="15000"/>
+                <a:lumOff val="85000"/>
+              </a:schemeClr>
+            </a:solidFill>
+            <a:round/>
+          </a:ln>
+          <a:effectLst/>
+        </c:spPr>
+        <c:txPr>
+          <a:bodyPr rot="-60000000" spcFirstLastPara="1" vertOverflow="ellipsis" vert="horz" wrap="square" anchor="ctr" anchorCtr="1"/>
+          <a:lstStyle/>
+          <a:p>
+            <a:pPr>
+              <a:defRPr sz="1200" b="0" i="0" u="none" strike="noStrike" kern="1200" baseline="0">
+                <a:solidFill>
+                  <a:schemeClr val="tx1">
+                    <a:lumMod val="65000"/>
+                    <a:lumOff val="35000"/>
+                  </a:schemeClr>
+                </a:solidFill>
+                <a:latin typeface="+mn-lt"/>
+                <a:ea typeface="+mn-ea"/>
+                <a:cs typeface="+mn-cs"/>
+              </a:defRPr>
+            </a:pPr>
+            <a:endParaRPr lang="en-US"/>
+          </a:p>
+        </c:txPr>
+        <c:crossAx val="273482472"/>
+        <c:crosses val="autoZero"/>
+        <c:auto val="1"/>
+        <c:lblAlgn val="ctr"/>
+        <c:lblOffset val="100"/>
+        <c:noMultiLvlLbl val="0"/>
+      </c:catAx>
+      <c:valAx>
+        <c:axId val="273482472"/>
+        <c:scaling>
+          <c:orientation val="minMax"/>
+        </c:scaling>
+        <c:delete val="0"/>
+        <c:axPos val="l"/>
+        <c:majorGridlines>
+          <c:spPr>
+            <a:ln w="9525" cap="flat" cmpd="sng" algn="ctr">
+              <a:solidFill>
+                <a:schemeClr val="tx1">
+                  <a:lumMod val="15000"/>
+                  <a:lumOff val="85000"/>
+                </a:schemeClr>
+              </a:solidFill>
+              <a:round/>
+            </a:ln>
+            <a:effectLst/>
+          </c:spPr>
+        </c:majorGridlines>
+        <c:numFmt formatCode="#,##0.0" sourceLinked="0"/>
+        <c:majorTickMark val="none"/>
+        <c:minorTickMark val="none"/>
+        <c:tickLblPos val="nextTo"/>
+        <c:spPr>
+          <a:noFill/>
+          <a:ln>
+            <a:noFill/>
+          </a:ln>
+          <a:effectLst/>
+        </c:spPr>
+        <c:txPr>
+          <a:bodyPr rot="-60000000" spcFirstLastPara="1" vertOverflow="ellipsis" vert="horz" wrap="square" anchor="ctr" anchorCtr="1"/>
+          <a:lstStyle/>
+          <a:p>
+            <a:pPr>
+              <a:defRPr sz="900" b="0" i="0" u="none" strike="noStrike" kern="1200" baseline="0">
+                <a:solidFill>
+                  <a:schemeClr val="tx1">
+                    <a:lumMod val="65000"/>
+                    <a:lumOff val="35000"/>
+                  </a:schemeClr>
+                </a:solidFill>
+                <a:latin typeface="+mn-lt"/>
+                <a:ea typeface="+mn-ea"/>
+                <a:cs typeface="+mn-cs"/>
+              </a:defRPr>
+            </a:pPr>
+            <a:endParaRPr lang="en-US"/>
+          </a:p>
+        </c:txPr>
+        <c:crossAx val="273476352"/>
+        <c:crosses val="autoZero"/>
+        <c:crossBetween val="between"/>
+      </c:valAx>
+      <c:spPr>
+        <a:noFill/>
+        <a:ln>
+          <a:noFill/>
+        </a:ln>
+        <a:effectLst/>
+      </c:spPr>
+    </c:plotArea>
+    <c:legend>
+      <c:legendPos val="b"/>
+      <c:legendEntry>
+        <c:idx val="0"/>
+        <c:txPr>
+          <a:bodyPr rot="0" spcFirstLastPara="1" vertOverflow="ellipsis" vert="horz" wrap="square" anchor="ctr" anchorCtr="1"/>
+          <a:lstStyle/>
+          <a:p>
+            <a:pPr>
+              <a:defRPr sz="1400" b="0" i="0" u="none" strike="noStrike" kern="1200" baseline="0">
+                <a:solidFill>
+                  <a:schemeClr val="tx1">
+                    <a:lumMod val="65000"/>
+                    <a:lumOff val="35000"/>
+                  </a:schemeClr>
+                </a:solidFill>
+                <a:latin typeface="+mn-lt"/>
+                <a:ea typeface="+mn-ea"/>
+                <a:cs typeface="+mn-cs"/>
+              </a:defRPr>
+            </a:pPr>
+            <a:endParaRPr lang="en-US"/>
+          </a:p>
+        </c:txPr>
+      </c:legendEntry>
+      <c:legendEntry>
+        <c:idx val="1"/>
+        <c:txPr>
+          <a:bodyPr rot="0" spcFirstLastPara="1" vertOverflow="ellipsis" vert="horz" wrap="square" anchor="ctr" anchorCtr="1"/>
+          <a:lstStyle/>
+          <a:p>
+            <a:pPr>
+              <a:defRPr sz="1400" b="0" i="0" u="none" strike="noStrike" kern="1200" baseline="0">
+                <a:solidFill>
+                  <a:schemeClr val="tx1">
+                    <a:lumMod val="65000"/>
+                    <a:lumOff val="35000"/>
+                  </a:schemeClr>
+                </a:solidFill>
+                <a:latin typeface="+mn-lt"/>
+                <a:ea typeface="+mn-ea"/>
+                <a:cs typeface="+mn-cs"/>
+              </a:defRPr>
+            </a:pPr>
+            <a:endParaRPr lang="en-US"/>
+          </a:p>
+        </c:txPr>
+      </c:legendEntry>
+      <c:legendEntry>
+        <c:idx val="2"/>
+        <c:txPr>
+          <a:bodyPr rot="0" spcFirstLastPara="1" vertOverflow="ellipsis" vert="horz" wrap="square" anchor="ctr" anchorCtr="1"/>
+          <a:lstStyle/>
+          <a:p>
+            <a:pPr>
+              <a:defRPr sz="1400" b="0" i="0" u="none" strike="noStrike" kern="1200" baseline="0">
+                <a:solidFill>
+                  <a:schemeClr val="tx1">
+                    <a:lumMod val="65000"/>
+                    <a:lumOff val="35000"/>
+                  </a:schemeClr>
+                </a:solidFill>
+                <a:latin typeface="+mn-lt"/>
+                <a:ea typeface="+mn-ea"/>
+                <a:cs typeface="+mn-cs"/>
+              </a:defRPr>
+            </a:pPr>
+            <a:endParaRPr lang="en-US"/>
+          </a:p>
+        </c:txPr>
+      </c:legendEntry>
+      <c:legendEntry>
+        <c:idx val="3"/>
+        <c:txPr>
+          <a:bodyPr rot="0" spcFirstLastPara="1" vertOverflow="ellipsis" vert="horz" wrap="square" anchor="ctr" anchorCtr="1"/>
+          <a:lstStyle/>
+          <a:p>
+            <a:pPr>
+              <a:defRPr sz="1400" b="0" i="0" u="none" strike="noStrike" kern="1200" baseline="0">
+                <a:solidFill>
+                  <a:schemeClr val="tx1">
+                    <a:lumMod val="65000"/>
+                    <a:lumOff val="35000"/>
+                  </a:schemeClr>
+                </a:solidFill>
+                <a:latin typeface="+mn-lt"/>
+                <a:ea typeface="+mn-ea"/>
+                <a:cs typeface="+mn-cs"/>
+              </a:defRPr>
+            </a:pPr>
+            <a:endParaRPr lang="en-US"/>
+          </a:p>
+        </c:txPr>
+      </c:legendEntry>
+      <c:legendEntry>
+        <c:idx val="4"/>
+        <c:txPr>
+          <a:bodyPr rot="0" spcFirstLastPara="1" vertOverflow="ellipsis" vert="horz" wrap="square" anchor="ctr" anchorCtr="1"/>
+          <a:lstStyle/>
+          <a:p>
+            <a:pPr>
+              <a:defRPr sz="1400" b="0" i="0" u="none" strike="noStrike" kern="1200" baseline="0">
+                <a:solidFill>
+                  <a:schemeClr val="tx1">
+                    <a:lumMod val="65000"/>
+                    <a:lumOff val="35000"/>
+                  </a:schemeClr>
+                </a:solidFill>
+                <a:latin typeface="+mn-lt"/>
+                <a:ea typeface="+mn-ea"/>
+                <a:cs typeface="+mn-cs"/>
+              </a:defRPr>
+            </a:pPr>
+            <a:endParaRPr lang="en-US"/>
+          </a:p>
+        </c:txPr>
+      </c:legendEntry>
+      <c:overlay val="0"/>
+      <c:spPr>
+        <a:noFill/>
+        <a:ln>
+          <a:noFill/>
+        </a:ln>
+        <a:effectLst/>
+      </c:spPr>
+      <c:txPr>
+        <a:bodyPr rot="0" spcFirstLastPara="1" vertOverflow="ellipsis" vert="horz" wrap="square" anchor="ctr" anchorCtr="1"/>
+        <a:lstStyle/>
+        <a:p>
+          <a:pPr>
+            <a:defRPr sz="1400" b="0" i="0" u="none" strike="noStrike" kern="1200" baseline="0">
+              <a:solidFill>
+                <a:schemeClr val="tx1">
+                  <a:lumMod val="65000"/>
+                  <a:lumOff val="35000"/>
+                </a:schemeClr>
+              </a:solidFill>
+              <a:latin typeface="+mn-lt"/>
+              <a:ea typeface="+mn-ea"/>
+              <a:cs typeface="+mn-cs"/>
+            </a:defRPr>
+          </a:pPr>
+          <a:endParaRPr lang="en-US"/>
+        </a:p>
+      </c:txPr>
+    </c:legend>
+    <c:plotVisOnly val="1"/>
+    <c:dispBlanksAs val="gap"/>
+    <c:extLst>
+      <c:ext xmlns:c16r3="http://schemas.microsoft.com/office/drawing/2017/03/chart" uri="{56B9EC1D-385E-4148-901F-78D8002777C0}">
+        <c16r3:dataDisplayOptions16>
+          <c16r3:dispNaAsBlank val="1"/>
+        </c16r3:dataDisplayOptions16>
+      </c:ext>
+    </c:extLst>
+    <c:showDLblsOverMax val="0"/>
+  </c:chart>
+  <c:spPr>
+    <a:noFill/>
+    <a:ln>
+      <a:noFill/>
+    </a:ln>
+    <a:effectLst/>
+  </c:spPr>
+  <c:txPr>
+    <a:bodyPr/>
+    <a:lstStyle/>
+    <a:p>
+      <a:pPr>
+        <a:defRPr/>
+      </a:pPr>
+      <a:endParaRPr lang="en-US"/>
+    </a:p>
+  </c:txPr>
+  <c:externalData r:id="rId3">
+    <c:autoUpdate val="0"/>
+  </c:externalData>
+</c:chartSpace>
+</file>
+
 <file path=ppt/charts/colors1.xml><?xml version="1.0" encoding="utf-8"?>
 <cs:colorStyle xmlns:cs="http://schemas.microsoft.com/office/drawing/2012/chartStyle" xmlns:a="http://schemas.openxmlformats.org/drawingml/2006/main" meth="cycle" id="10">
   <a:schemeClr val="accent1"/>
@@ -3716,6 +5520,86 @@
 </file>
 
 <file path=ppt/charts/colors5.xml><?xml version="1.0" encoding="utf-8"?>
+<cs:colorStyle xmlns:cs="http://schemas.microsoft.com/office/drawing/2012/chartStyle" xmlns:a="http://schemas.openxmlformats.org/drawingml/2006/main" meth="cycle" id="10">
+  <a:schemeClr val="accent1"/>
+  <a:schemeClr val="accent2"/>
+  <a:schemeClr val="accent3"/>
+  <a:schemeClr val="accent4"/>
+  <a:schemeClr val="accent5"/>
+  <a:schemeClr val="accent6"/>
+  <cs:variation/>
+  <cs:variation>
+    <a:lumMod val="60000"/>
+  </cs:variation>
+  <cs:variation>
+    <a:lumMod val="80000"/>
+    <a:lumOff val="20000"/>
+  </cs:variation>
+  <cs:variation>
+    <a:lumMod val="80000"/>
+  </cs:variation>
+  <cs:variation>
+    <a:lumMod val="60000"/>
+    <a:lumOff val="40000"/>
+  </cs:variation>
+  <cs:variation>
+    <a:lumMod val="50000"/>
+  </cs:variation>
+  <cs:variation>
+    <a:lumMod val="70000"/>
+    <a:lumOff val="30000"/>
+  </cs:variation>
+  <cs:variation>
+    <a:lumMod val="70000"/>
+  </cs:variation>
+  <cs:variation>
+    <a:lumMod val="50000"/>
+    <a:lumOff val="50000"/>
+  </cs:variation>
+</cs:colorStyle>
+</file>
+
+<file path=ppt/charts/colors6.xml><?xml version="1.0" encoding="utf-8"?>
+<cs:colorStyle xmlns:cs="http://schemas.microsoft.com/office/drawing/2012/chartStyle" xmlns:a="http://schemas.openxmlformats.org/drawingml/2006/main" meth="cycle" id="10">
+  <a:schemeClr val="accent1"/>
+  <a:schemeClr val="accent2"/>
+  <a:schemeClr val="accent3"/>
+  <a:schemeClr val="accent4"/>
+  <a:schemeClr val="accent5"/>
+  <a:schemeClr val="accent6"/>
+  <cs:variation/>
+  <cs:variation>
+    <a:lumMod val="60000"/>
+  </cs:variation>
+  <cs:variation>
+    <a:lumMod val="80000"/>
+    <a:lumOff val="20000"/>
+  </cs:variation>
+  <cs:variation>
+    <a:lumMod val="80000"/>
+  </cs:variation>
+  <cs:variation>
+    <a:lumMod val="60000"/>
+    <a:lumOff val="40000"/>
+  </cs:variation>
+  <cs:variation>
+    <a:lumMod val="50000"/>
+  </cs:variation>
+  <cs:variation>
+    <a:lumMod val="70000"/>
+    <a:lumOff val="30000"/>
+  </cs:variation>
+  <cs:variation>
+    <a:lumMod val="70000"/>
+  </cs:variation>
+  <cs:variation>
+    <a:lumMod val="50000"/>
+    <a:lumOff val="50000"/>
+  </cs:variation>
+</cs:colorStyle>
+</file>
+
+<file path=ppt/charts/colors7.xml><?xml version="1.0" encoding="utf-8"?>
 <cs:colorStyle xmlns:cs="http://schemas.microsoft.com/office/drawing/2012/chartStyle" xmlns:a="http://schemas.openxmlformats.org/drawingml/2006/main" meth="cycle" id="10">
   <a:schemeClr val="accent1"/>
   <a:schemeClr val="accent2"/>
@@ -5761,6 +7645,1012 @@
 </file>
 
 <file path=ppt/charts/style5.xml><?xml version="1.0" encoding="utf-8"?>
+<cs:chartStyle xmlns:cs="http://schemas.microsoft.com/office/drawing/2012/chartStyle" xmlns:a="http://schemas.openxmlformats.org/drawingml/2006/main" id="332">
+  <cs:axisTitle>
+    <cs:lnRef idx="0"/>
+    <cs:fillRef idx="0"/>
+    <cs:effectRef idx="0"/>
+    <cs:fontRef idx="minor">
+      <a:schemeClr val="tx1">
+        <a:lumMod val="65000"/>
+        <a:lumOff val="35000"/>
+      </a:schemeClr>
+    </cs:fontRef>
+    <cs:defRPr sz="1000" kern="1200"/>
+  </cs:axisTitle>
+  <cs:categoryAxis>
+    <cs:lnRef idx="0"/>
+    <cs:fillRef idx="0"/>
+    <cs:effectRef idx="0"/>
+    <cs:fontRef idx="minor">
+      <a:schemeClr val="tx1">
+        <a:lumMod val="65000"/>
+        <a:lumOff val="35000"/>
+      </a:schemeClr>
+    </cs:fontRef>
+    <cs:spPr>
+      <a:ln w="9525" cap="flat" cmpd="sng" algn="ctr">
+        <a:solidFill>
+          <a:schemeClr val="tx1">
+            <a:lumMod val="15000"/>
+            <a:lumOff val="85000"/>
+          </a:schemeClr>
+        </a:solidFill>
+        <a:round/>
+      </a:ln>
+    </cs:spPr>
+    <cs:defRPr sz="900" kern="1200"/>
+  </cs:categoryAxis>
+  <cs:chartArea mods="allowNoFillOverride allowNoLineOverride">
+    <cs:lnRef idx="0"/>
+    <cs:fillRef idx="0"/>
+    <cs:effectRef idx="0"/>
+    <cs:fontRef idx="minor">
+      <a:schemeClr val="tx1"/>
+    </cs:fontRef>
+    <cs:spPr>
+      <a:solidFill>
+        <a:schemeClr val="bg1"/>
+      </a:solidFill>
+      <a:ln w="9525" cap="flat" cmpd="sng" algn="ctr">
+        <a:solidFill>
+          <a:schemeClr val="tx1">
+            <a:lumMod val="15000"/>
+            <a:lumOff val="85000"/>
+          </a:schemeClr>
+        </a:solidFill>
+        <a:round/>
+      </a:ln>
+    </cs:spPr>
+    <cs:defRPr sz="1000" kern="1200"/>
+  </cs:chartArea>
+  <cs:dataLabel>
+    <cs:lnRef idx="0"/>
+    <cs:fillRef idx="0"/>
+    <cs:effectRef idx="0"/>
+    <cs:fontRef idx="minor">
+      <a:schemeClr val="tx1">
+        <a:lumMod val="75000"/>
+        <a:lumOff val="25000"/>
+      </a:schemeClr>
+    </cs:fontRef>
+    <cs:defRPr sz="900" kern="1200"/>
+  </cs:dataLabel>
+  <cs:dataLabelCallout>
+    <cs:lnRef idx="0"/>
+    <cs:fillRef idx="0"/>
+    <cs:effectRef idx="0"/>
+    <cs:fontRef idx="minor">
+      <a:schemeClr val="dk1">
+        <a:lumMod val="65000"/>
+        <a:lumOff val="35000"/>
+      </a:schemeClr>
+    </cs:fontRef>
+    <cs:spPr>
+      <a:solidFill>
+        <a:schemeClr val="lt1"/>
+      </a:solidFill>
+      <a:ln>
+        <a:solidFill>
+          <a:schemeClr val="dk1">
+            <a:lumMod val="25000"/>
+            <a:lumOff val="75000"/>
+          </a:schemeClr>
+        </a:solidFill>
+      </a:ln>
+    </cs:spPr>
+    <cs:defRPr sz="900" kern="1200"/>
+    <cs:bodyPr rot="0" spcFirstLastPara="1" vertOverflow="clip" horzOverflow="clip" vert="horz" wrap="square" lIns="36576" tIns="18288" rIns="36576" bIns="18288" anchor="ctr" anchorCtr="1">
+      <a:spAutoFit/>
+    </cs:bodyPr>
+  </cs:dataLabelCallout>
+  <cs:dataPoint>
+    <cs:lnRef idx="0"/>
+    <cs:fillRef idx="1">
+      <cs:styleClr val="auto"/>
+    </cs:fillRef>
+    <cs:effectRef idx="0"/>
+    <cs:fontRef idx="minor">
+      <a:schemeClr val="tx1"/>
+    </cs:fontRef>
+  </cs:dataPoint>
+  <cs:dataPoint3D>
+    <cs:lnRef idx="0"/>
+    <cs:fillRef idx="1">
+      <cs:styleClr val="auto"/>
+    </cs:fillRef>
+    <cs:effectRef idx="0"/>
+    <cs:fontRef idx="minor">
+      <a:schemeClr val="tx1"/>
+    </cs:fontRef>
+  </cs:dataPoint3D>
+  <cs:dataPointLine>
+    <cs:lnRef idx="0">
+      <cs:styleClr val="auto"/>
+    </cs:lnRef>
+    <cs:fillRef idx="1"/>
+    <cs:effectRef idx="0"/>
+    <cs:fontRef idx="minor">
+      <a:schemeClr val="tx1"/>
+    </cs:fontRef>
+    <cs:spPr>
+      <a:ln w="28575" cap="rnd">
+        <a:solidFill>
+          <a:schemeClr val="phClr"/>
+        </a:solidFill>
+        <a:round/>
+      </a:ln>
+    </cs:spPr>
+  </cs:dataPointLine>
+  <cs:dataPointMarker>
+    <cs:lnRef idx="0">
+      <cs:styleClr val="auto"/>
+    </cs:lnRef>
+    <cs:fillRef idx="1">
+      <cs:styleClr val="auto"/>
+    </cs:fillRef>
+    <cs:effectRef idx="0"/>
+    <cs:fontRef idx="minor">
+      <a:schemeClr val="tx1"/>
+    </cs:fontRef>
+    <cs:spPr>
+      <a:ln w="9525">
+        <a:solidFill>
+          <a:schemeClr val="phClr"/>
+        </a:solidFill>
+      </a:ln>
+    </cs:spPr>
+  </cs:dataPointMarker>
+  <cs:dataPointMarkerLayout symbol="circle" size="5"/>
+  <cs:dataPointWireframe>
+    <cs:lnRef idx="0">
+      <cs:styleClr val="auto"/>
+    </cs:lnRef>
+    <cs:fillRef idx="1"/>
+    <cs:effectRef idx="0"/>
+    <cs:fontRef idx="minor">
+      <a:schemeClr val="tx1"/>
+    </cs:fontRef>
+    <cs:spPr>
+      <a:ln w="9525" cap="rnd">
+        <a:solidFill>
+          <a:schemeClr val="phClr"/>
+        </a:solidFill>
+        <a:round/>
+      </a:ln>
+    </cs:spPr>
+  </cs:dataPointWireframe>
+  <cs:dataTable>
+    <cs:lnRef idx="0"/>
+    <cs:fillRef idx="0"/>
+    <cs:effectRef idx="0"/>
+    <cs:fontRef idx="minor">
+      <a:schemeClr val="tx1">
+        <a:lumMod val="65000"/>
+        <a:lumOff val="35000"/>
+      </a:schemeClr>
+    </cs:fontRef>
+    <cs:spPr>
+      <a:noFill/>
+      <a:ln w="9525" cap="flat" cmpd="sng" algn="ctr">
+        <a:solidFill>
+          <a:schemeClr val="tx1">
+            <a:lumMod val="15000"/>
+            <a:lumOff val="85000"/>
+          </a:schemeClr>
+        </a:solidFill>
+        <a:round/>
+      </a:ln>
+    </cs:spPr>
+    <cs:defRPr sz="900" kern="1200"/>
+  </cs:dataTable>
+  <cs:downBar>
+    <cs:lnRef idx="0"/>
+    <cs:fillRef idx="0"/>
+    <cs:effectRef idx="0"/>
+    <cs:fontRef idx="minor">
+      <a:schemeClr val="dk1"/>
+    </cs:fontRef>
+    <cs:spPr>
+      <a:solidFill>
+        <a:schemeClr val="dk1">
+          <a:lumMod val="65000"/>
+          <a:lumOff val="35000"/>
+        </a:schemeClr>
+      </a:solidFill>
+      <a:ln w="9525">
+        <a:solidFill>
+          <a:schemeClr val="tx1">
+            <a:lumMod val="65000"/>
+            <a:lumOff val="35000"/>
+          </a:schemeClr>
+        </a:solidFill>
+      </a:ln>
+    </cs:spPr>
+  </cs:downBar>
+  <cs:dropLine>
+    <cs:lnRef idx="0"/>
+    <cs:fillRef idx="0"/>
+    <cs:effectRef idx="0"/>
+    <cs:fontRef idx="minor">
+      <a:schemeClr val="tx1"/>
+    </cs:fontRef>
+    <cs:spPr>
+      <a:ln w="9525" cap="flat" cmpd="sng" algn="ctr">
+        <a:solidFill>
+          <a:schemeClr val="tx1">
+            <a:lumMod val="35000"/>
+            <a:lumOff val="65000"/>
+          </a:schemeClr>
+        </a:solidFill>
+        <a:round/>
+      </a:ln>
+    </cs:spPr>
+  </cs:dropLine>
+  <cs:errorBar>
+    <cs:lnRef idx="0"/>
+    <cs:fillRef idx="0"/>
+    <cs:effectRef idx="0"/>
+    <cs:fontRef idx="minor">
+      <a:schemeClr val="tx1"/>
+    </cs:fontRef>
+    <cs:spPr>
+      <a:ln w="9525" cap="flat" cmpd="sng" algn="ctr">
+        <a:solidFill>
+          <a:schemeClr val="tx1">
+            <a:lumMod val="65000"/>
+            <a:lumOff val="35000"/>
+          </a:schemeClr>
+        </a:solidFill>
+        <a:round/>
+      </a:ln>
+    </cs:spPr>
+  </cs:errorBar>
+  <cs:floor>
+    <cs:lnRef idx="0"/>
+    <cs:fillRef idx="0"/>
+    <cs:effectRef idx="0"/>
+    <cs:fontRef idx="minor">
+      <a:schemeClr val="tx1"/>
+    </cs:fontRef>
+    <cs:spPr>
+      <a:noFill/>
+      <a:ln>
+        <a:noFill/>
+      </a:ln>
+    </cs:spPr>
+  </cs:floor>
+  <cs:gridlineMajor>
+    <cs:lnRef idx="0"/>
+    <cs:fillRef idx="0"/>
+    <cs:effectRef idx="0"/>
+    <cs:fontRef idx="minor">
+      <a:schemeClr val="tx1"/>
+    </cs:fontRef>
+    <cs:spPr>
+      <a:ln w="9525" cap="flat" cmpd="sng" algn="ctr">
+        <a:solidFill>
+          <a:schemeClr val="tx1">
+            <a:lumMod val="15000"/>
+            <a:lumOff val="85000"/>
+          </a:schemeClr>
+        </a:solidFill>
+        <a:round/>
+      </a:ln>
+    </cs:spPr>
+  </cs:gridlineMajor>
+  <cs:gridlineMinor>
+    <cs:lnRef idx="0"/>
+    <cs:fillRef idx="0"/>
+    <cs:effectRef idx="0"/>
+    <cs:fontRef idx="minor">
+      <a:schemeClr val="tx1"/>
+    </cs:fontRef>
+    <cs:spPr>
+      <a:ln w="9525" cap="flat" cmpd="sng" algn="ctr">
+        <a:solidFill>
+          <a:schemeClr val="tx1">
+            <a:lumMod val="5000"/>
+            <a:lumOff val="95000"/>
+          </a:schemeClr>
+        </a:solidFill>
+        <a:round/>
+      </a:ln>
+    </cs:spPr>
+  </cs:gridlineMinor>
+  <cs:hiLoLine>
+    <cs:lnRef idx="0"/>
+    <cs:fillRef idx="0"/>
+    <cs:effectRef idx="0"/>
+    <cs:fontRef idx="minor">
+      <a:schemeClr val="tx1"/>
+    </cs:fontRef>
+    <cs:spPr>
+      <a:ln w="9525" cap="flat" cmpd="sng" algn="ctr">
+        <a:solidFill>
+          <a:schemeClr val="tx1">
+            <a:lumMod val="75000"/>
+            <a:lumOff val="25000"/>
+          </a:schemeClr>
+        </a:solidFill>
+        <a:round/>
+      </a:ln>
+    </cs:spPr>
+  </cs:hiLoLine>
+  <cs:leaderLine>
+    <cs:lnRef idx="0"/>
+    <cs:fillRef idx="0"/>
+    <cs:effectRef idx="0"/>
+    <cs:fontRef idx="minor">
+      <a:schemeClr val="tx1"/>
+    </cs:fontRef>
+    <cs:spPr>
+      <a:ln w="9525" cap="flat" cmpd="sng" algn="ctr">
+        <a:solidFill>
+          <a:schemeClr val="tx1">
+            <a:lumMod val="35000"/>
+            <a:lumOff val="65000"/>
+          </a:schemeClr>
+        </a:solidFill>
+        <a:round/>
+      </a:ln>
+    </cs:spPr>
+  </cs:leaderLine>
+  <cs:legend>
+    <cs:lnRef idx="0"/>
+    <cs:fillRef idx="0"/>
+    <cs:effectRef idx="0"/>
+    <cs:fontRef idx="minor">
+      <a:schemeClr val="tx1">
+        <a:lumMod val="65000"/>
+        <a:lumOff val="35000"/>
+      </a:schemeClr>
+    </cs:fontRef>
+    <cs:defRPr sz="900" kern="1200"/>
+  </cs:legend>
+  <cs:plotArea mods="allowNoFillOverride allowNoLineOverride">
+    <cs:lnRef idx="0"/>
+    <cs:fillRef idx="0"/>
+    <cs:effectRef idx="0"/>
+    <cs:fontRef idx="minor">
+      <a:schemeClr val="tx1"/>
+    </cs:fontRef>
+  </cs:plotArea>
+  <cs:plotArea3D mods="allowNoFillOverride allowNoLineOverride">
+    <cs:lnRef idx="0"/>
+    <cs:fillRef idx="0"/>
+    <cs:effectRef idx="0"/>
+    <cs:fontRef idx="minor">
+      <a:schemeClr val="tx1"/>
+    </cs:fontRef>
+  </cs:plotArea3D>
+  <cs:seriesAxis>
+    <cs:lnRef idx="0"/>
+    <cs:fillRef idx="0"/>
+    <cs:effectRef idx="0"/>
+    <cs:fontRef idx="minor">
+      <a:schemeClr val="tx1">
+        <a:lumMod val="65000"/>
+        <a:lumOff val="35000"/>
+      </a:schemeClr>
+    </cs:fontRef>
+    <cs:defRPr sz="900" kern="1200"/>
+  </cs:seriesAxis>
+  <cs:seriesLine>
+    <cs:lnRef idx="0"/>
+    <cs:fillRef idx="0"/>
+    <cs:effectRef idx="0"/>
+    <cs:fontRef idx="minor">
+      <a:schemeClr val="tx1"/>
+    </cs:fontRef>
+    <cs:spPr>
+      <a:ln w="9525" cap="flat" cmpd="sng" algn="ctr">
+        <a:solidFill>
+          <a:schemeClr val="tx1">
+            <a:lumMod val="35000"/>
+            <a:lumOff val="65000"/>
+          </a:schemeClr>
+        </a:solidFill>
+        <a:round/>
+      </a:ln>
+    </cs:spPr>
+  </cs:seriesLine>
+  <cs:title>
+    <cs:lnRef idx="0"/>
+    <cs:fillRef idx="0"/>
+    <cs:effectRef idx="0"/>
+    <cs:fontRef idx="minor">
+      <a:schemeClr val="tx1">
+        <a:lumMod val="65000"/>
+        <a:lumOff val="35000"/>
+      </a:schemeClr>
+    </cs:fontRef>
+    <cs:defRPr sz="1400" b="0" kern="1200" spc="0" baseline="0"/>
+  </cs:title>
+  <cs:trendline>
+    <cs:lnRef idx="0">
+      <cs:styleClr val="auto"/>
+    </cs:lnRef>
+    <cs:fillRef idx="0"/>
+    <cs:effectRef idx="0"/>
+    <cs:fontRef idx="minor">
+      <a:schemeClr val="tx1"/>
+    </cs:fontRef>
+    <cs:spPr>
+      <a:ln w="19050" cap="rnd">
+        <a:solidFill>
+          <a:schemeClr val="phClr"/>
+        </a:solidFill>
+        <a:prstDash val="sysDot"/>
+      </a:ln>
+    </cs:spPr>
+  </cs:trendline>
+  <cs:trendlineLabel>
+    <cs:lnRef idx="0"/>
+    <cs:fillRef idx="0"/>
+    <cs:effectRef idx="0"/>
+    <cs:fontRef idx="minor">
+      <a:schemeClr val="tx1">
+        <a:lumMod val="65000"/>
+        <a:lumOff val="35000"/>
+      </a:schemeClr>
+    </cs:fontRef>
+    <cs:defRPr sz="900" kern="1200"/>
+  </cs:trendlineLabel>
+  <cs:upBar>
+    <cs:lnRef idx="0"/>
+    <cs:fillRef idx="0"/>
+    <cs:effectRef idx="0"/>
+    <cs:fontRef idx="minor">
+      <a:schemeClr val="dk1"/>
+    </cs:fontRef>
+    <cs:spPr>
+      <a:solidFill>
+        <a:schemeClr val="lt1"/>
+      </a:solidFill>
+      <a:ln w="9525">
+        <a:solidFill>
+          <a:schemeClr val="tx1">
+            <a:lumMod val="15000"/>
+            <a:lumOff val="85000"/>
+          </a:schemeClr>
+        </a:solidFill>
+      </a:ln>
+    </cs:spPr>
+  </cs:upBar>
+  <cs:valueAxis>
+    <cs:lnRef idx="0"/>
+    <cs:fillRef idx="0"/>
+    <cs:effectRef idx="0"/>
+    <cs:fontRef idx="minor">
+      <a:schemeClr val="tx1">
+        <a:lumMod val="65000"/>
+        <a:lumOff val="35000"/>
+      </a:schemeClr>
+    </cs:fontRef>
+    <cs:defRPr sz="900" kern="1200"/>
+  </cs:valueAxis>
+  <cs:wall>
+    <cs:lnRef idx="0"/>
+    <cs:fillRef idx="0"/>
+    <cs:effectRef idx="0"/>
+    <cs:fontRef idx="minor">
+      <a:schemeClr val="tx1"/>
+    </cs:fontRef>
+    <cs:spPr>
+      <a:noFill/>
+      <a:ln>
+        <a:noFill/>
+      </a:ln>
+    </cs:spPr>
+  </cs:wall>
+</cs:chartStyle>
+</file>
+
+<file path=ppt/charts/style6.xml><?xml version="1.0" encoding="utf-8"?>
+<cs:chartStyle xmlns:cs="http://schemas.microsoft.com/office/drawing/2012/chartStyle" xmlns:a="http://schemas.openxmlformats.org/drawingml/2006/main" id="332">
+  <cs:axisTitle>
+    <cs:lnRef idx="0"/>
+    <cs:fillRef idx="0"/>
+    <cs:effectRef idx="0"/>
+    <cs:fontRef idx="minor">
+      <a:schemeClr val="tx1">
+        <a:lumMod val="65000"/>
+        <a:lumOff val="35000"/>
+      </a:schemeClr>
+    </cs:fontRef>
+    <cs:defRPr sz="1000" kern="1200"/>
+  </cs:axisTitle>
+  <cs:categoryAxis>
+    <cs:lnRef idx="0"/>
+    <cs:fillRef idx="0"/>
+    <cs:effectRef idx="0"/>
+    <cs:fontRef idx="minor">
+      <a:schemeClr val="tx1">
+        <a:lumMod val="65000"/>
+        <a:lumOff val="35000"/>
+      </a:schemeClr>
+    </cs:fontRef>
+    <cs:spPr>
+      <a:ln w="9525" cap="flat" cmpd="sng" algn="ctr">
+        <a:solidFill>
+          <a:schemeClr val="tx1">
+            <a:lumMod val="15000"/>
+            <a:lumOff val="85000"/>
+          </a:schemeClr>
+        </a:solidFill>
+        <a:round/>
+      </a:ln>
+    </cs:spPr>
+    <cs:defRPr sz="900" kern="1200"/>
+  </cs:categoryAxis>
+  <cs:chartArea mods="allowNoFillOverride allowNoLineOverride">
+    <cs:lnRef idx="0"/>
+    <cs:fillRef idx="0"/>
+    <cs:effectRef idx="0"/>
+    <cs:fontRef idx="minor">
+      <a:schemeClr val="tx1"/>
+    </cs:fontRef>
+    <cs:spPr>
+      <a:solidFill>
+        <a:schemeClr val="bg1"/>
+      </a:solidFill>
+      <a:ln w="9525" cap="flat" cmpd="sng" algn="ctr">
+        <a:solidFill>
+          <a:schemeClr val="tx1">
+            <a:lumMod val="15000"/>
+            <a:lumOff val="85000"/>
+          </a:schemeClr>
+        </a:solidFill>
+        <a:round/>
+      </a:ln>
+    </cs:spPr>
+    <cs:defRPr sz="1000" kern="1200"/>
+  </cs:chartArea>
+  <cs:dataLabel>
+    <cs:lnRef idx="0"/>
+    <cs:fillRef idx="0"/>
+    <cs:effectRef idx="0"/>
+    <cs:fontRef idx="minor">
+      <a:schemeClr val="tx1">
+        <a:lumMod val="75000"/>
+        <a:lumOff val="25000"/>
+      </a:schemeClr>
+    </cs:fontRef>
+    <cs:defRPr sz="900" kern="1200"/>
+  </cs:dataLabel>
+  <cs:dataLabelCallout>
+    <cs:lnRef idx="0"/>
+    <cs:fillRef idx="0"/>
+    <cs:effectRef idx="0"/>
+    <cs:fontRef idx="minor">
+      <a:schemeClr val="dk1">
+        <a:lumMod val="65000"/>
+        <a:lumOff val="35000"/>
+      </a:schemeClr>
+    </cs:fontRef>
+    <cs:spPr>
+      <a:solidFill>
+        <a:schemeClr val="lt1"/>
+      </a:solidFill>
+      <a:ln>
+        <a:solidFill>
+          <a:schemeClr val="dk1">
+            <a:lumMod val="25000"/>
+            <a:lumOff val="75000"/>
+          </a:schemeClr>
+        </a:solidFill>
+      </a:ln>
+    </cs:spPr>
+    <cs:defRPr sz="900" kern="1200"/>
+    <cs:bodyPr rot="0" spcFirstLastPara="1" vertOverflow="clip" horzOverflow="clip" vert="horz" wrap="square" lIns="36576" tIns="18288" rIns="36576" bIns="18288" anchor="ctr" anchorCtr="1">
+      <a:spAutoFit/>
+    </cs:bodyPr>
+  </cs:dataLabelCallout>
+  <cs:dataPoint>
+    <cs:lnRef idx="0"/>
+    <cs:fillRef idx="1">
+      <cs:styleClr val="auto"/>
+    </cs:fillRef>
+    <cs:effectRef idx="0"/>
+    <cs:fontRef idx="minor">
+      <a:schemeClr val="tx1"/>
+    </cs:fontRef>
+  </cs:dataPoint>
+  <cs:dataPoint3D>
+    <cs:lnRef idx="0"/>
+    <cs:fillRef idx="1">
+      <cs:styleClr val="auto"/>
+    </cs:fillRef>
+    <cs:effectRef idx="0"/>
+    <cs:fontRef idx="minor">
+      <a:schemeClr val="tx1"/>
+    </cs:fontRef>
+  </cs:dataPoint3D>
+  <cs:dataPointLine>
+    <cs:lnRef idx="0">
+      <cs:styleClr val="auto"/>
+    </cs:lnRef>
+    <cs:fillRef idx="1"/>
+    <cs:effectRef idx="0"/>
+    <cs:fontRef idx="minor">
+      <a:schemeClr val="tx1"/>
+    </cs:fontRef>
+    <cs:spPr>
+      <a:ln w="28575" cap="rnd">
+        <a:solidFill>
+          <a:schemeClr val="phClr"/>
+        </a:solidFill>
+        <a:round/>
+      </a:ln>
+    </cs:spPr>
+  </cs:dataPointLine>
+  <cs:dataPointMarker>
+    <cs:lnRef idx="0">
+      <cs:styleClr val="auto"/>
+    </cs:lnRef>
+    <cs:fillRef idx="1">
+      <cs:styleClr val="auto"/>
+    </cs:fillRef>
+    <cs:effectRef idx="0"/>
+    <cs:fontRef idx="minor">
+      <a:schemeClr val="tx1"/>
+    </cs:fontRef>
+    <cs:spPr>
+      <a:ln w="9525">
+        <a:solidFill>
+          <a:schemeClr val="phClr"/>
+        </a:solidFill>
+      </a:ln>
+    </cs:spPr>
+  </cs:dataPointMarker>
+  <cs:dataPointMarkerLayout symbol="circle" size="5"/>
+  <cs:dataPointWireframe>
+    <cs:lnRef idx="0">
+      <cs:styleClr val="auto"/>
+    </cs:lnRef>
+    <cs:fillRef idx="1"/>
+    <cs:effectRef idx="0"/>
+    <cs:fontRef idx="minor">
+      <a:schemeClr val="tx1"/>
+    </cs:fontRef>
+    <cs:spPr>
+      <a:ln w="9525" cap="rnd">
+        <a:solidFill>
+          <a:schemeClr val="phClr"/>
+        </a:solidFill>
+        <a:round/>
+      </a:ln>
+    </cs:spPr>
+  </cs:dataPointWireframe>
+  <cs:dataTable>
+    <cs:lnRef idx="0"/>
+    <cs:fillRef idx="0"/>
+    <cs:effectRef idx="0"/>
+    <cs:fontRef idx="minor">
+      <a:schemeClr val="tx1">
+        <a:lumMod val="65000"/>
+        <a:lumOff val="35000"/>
+      </a:schemeClr>
+    </cs:fontRef>
+    <cs:spPr>
+      <a:noFill/>
+      <a:ln w="9525" cap="flat" cmpd="sng" algn="ctr">
+        <a:solidFill>
+          <a:schemeClr val="tx1">
+            <a:lumMod val="15000"/>
+            <a:lumOff val="85000"/>
+          </a:schemeClr>
+        </a:solidFill>
+        <a:round/>
+      </a:ln>
+    </cs:spPr>
+    <cs:defRPr sz="900" kern="1200"/>
+  </cs:dataTable>
+  <cs:downBar>
+    <cs:lnRef idx="0"/>
+    <cs:fillRef idx="0"/>
+    <cs:effectRef idx="0"/>
+    <cs:fontRef idx="minor">
+      <a:schemeClr val="dk1"/>
+    </cs:fontRef>
+    <cs:spPr>
+      <a:solidFill>
+        <a:schemeClr val="dk1">
+          <a:lumMod val="65000"/>
+          <a:lumOff val="35000"/>
+        </a:schemeClr>
+      </a:solidFill>
+      <a:ln w="9525">
+        <a:solidFill>
+          <a:schemeClr val="tx1">
+            <a:lumMod val="65000"/>
+            <a:lumOff val="35000"/>
+          </a:schemeClr>
+        </a:solidFill>
+      </a:ln>
+    </cs:spPr>
+  </cs:downBar>
+  <cs:dropLine>
+    <cs:lnRef idx="0"/>
+    <cs:fillRef idx="0"/>
+    <cs:effectRef idx="0"/>
+    <cs:fontRef idx="minor">
+      <a:schemeClr val="tx1"/>
+    </cs:fontRef>
+    <cs:spPr>
+      <a:ln w="9525" cap="flat" cmpd="sng" algn="ctr">
+        <a:solidFill>
+          <a:schemeClr val="tx1">
+            <a:lumMod val="35000"/>
+            <a:lumOff val="65000"/>
+          </a:schemeClr>
+        </a:solidFill>
+        <a:round/>
+      </a:ln>
+    </cs:spPr>
+  </cs:dropLine>
+  <cs:errorBar>
+    <cs:lnRef idx="0"/>
+    <cs:fillRef idx="0"/>
+    <cs:effectRef idx="0"/>
+    <cs:fontRef idx="minor">
+      <a:schemeClr val="tx1"/>
+    </cs:fontRef>
+    <cs:spPr>
+      <a:ln w="9525" cap="flat" cmpd="sng" algn="ctr">
+        <a:solidFill>
+          <a:schemeClr val="tx1">
+            <a:lumMod val="65000"/>
+            <a:lumOff val="35000"/>
+          </a:schemeClr>
+        </a:solidFill>
+        <a:round/>
+      </a:ln>
+    </cs:spPr>
+  </cs:errorBar>
+  <cs:floor>
+    <cs:lnRef idx="0"/>
+    <cs:fillRef idx="0"/>
+    <cs:effectRef idx="0"/>
+    <cs:fontRef idx="minor">
+      <a:schemeClr val="tx1"/>
+    </cs:fontRef>
+    <cs:spPr>
+      <a:noFill/>
+      <a:ln>
+        <a:noFill/>
+      </a:ln>
+    </cs:spPr>
+  </cs:floor>
+  <cs:gridlineMajor>
+    <cs:lnRef idx="0"/>
+    <cs:fillRef idx="0"/>
+    <cs:effectRef idx="0"/>
+    <cs:fontRef idx="minor">
+      <a:schemeClr val="tx1"/>
+    </cs:fontRef>
+    <cs:spPr>
+      <a:ln w="9525" cap="flat" cmpd="sng" algn="ctr">
+        <a:solidFill>
+          <a:schemeClr val="tx1">
+            <a:lumMod val="15000"/>
+            <a:lumOff val="85000"/>
+          </a:schemeClr>
+        </a:solidFill>
+        <a:round/>
+      </a:ln>
+    </cs:spPr>
+  </cs:gridlineMajor>
+  <cs:gridlineMinor>
+    <cs:lnRef idx="0"/>
+    <cs:fillRef idx="0"/>
+    <cs:effectRef idx="0"/>
+    <cs:fontRef idx="minor">
+      <a:schemeClr val="tx1"/>
+    </cs:fontRef>
+    <cs:spPr>
+      <a:ln w="9525" cap="flat" cmpd="sng" algn="ctr">
+        <a:solidFill>
+          <a:schemeClr val="tx1">
+            <a:lumMod val="5000"/>
+            <a:lumOff val="95000"/>
+          </a:schemeClr>
+        </a:solidFill>
+        <a:round/>
+      </a:ln>
+    </cs:spPr>
+  </cs:gridlineMinor>
+  <cs:hiLoLine>
+    <cs:lnRef idx="0"/>
+    <cs:fillRef idx="0"/>
+    <cs:effectRef idx="0"/>
+    <cs:fontRef idx="minor">
+      <a:schemeClr val="tx1"/>
+    </cs:fontRef>
+    <cs:spPr>
+      <a:ln w="9525" cap="flat" cmpd="sng" algn="ctr">
+        <a:solidFill>
+          <a:schemeClr val="tx1">
+            <a:lumMod val="75000"/>
+            <a:lumOff val="25000"/>
+          </a:schemeClr>
+        </a:solidFill>
+        <a:round/>
+      </a:ln>
+    </cs:spPr>
+  </cs:hiLoLine>
+  <cs:leaderLine>
+    <cs:lnRef idx="0"/>
+    <cs:fillRef idx="0"/>
+    <cs:effectRef idx="0"/>
+    <cs:fontRef idx="minor">
+      <a:schemeClr val="tx1"/>
+    </cs:fontRef>
+    <cs:spPr>
+      <a:ln w="9525" cap="flat" cmpd="sng" algn="ctr">
+        <a:solidFill>
+          <a:schemeClr val="tx1">
+            <a:lumMod val="35000"/>
+            <a:lumOff val="65000"/>
+          </a:schemeClr>
+        </a:solidFill>
+        <a:round/>
+      </a:ln>
+    </cs:spPr>
+  </cs:leaderLine>
+  <cs:legend>
+    <cs:lnRef idx="0"/>
+    <cs:fillRef idx="0"/>
+    <cs:effectRef idx="0"/>
+    <cs:fontRef idx="minor">
+      <a:schemeClr val="tx1">
+        <a:lumMod val="65000"/>
+        <a:lumOff val="35000"/>
+      </a:schemeClr>
+    </cs:fontRef>
+    <cs:defRPr sz="900" kern="1200"/>
+  </cs:legend>
+  <cs:plotArea mods="allowNoFillOverride allowNoLineOverride">
+    <cs:lnRef idx="0"/>
+    <cs:fillRef idx="0"/>
+    <cs:effectRef idx="0"/>
+    <cs:fontRef idx="minor">
+      <a:schemeClr val="tx1"/>
+    </cs:fontRef>
+  </cs:plotArea>
+  <cs:plotArea3D mods="allowNoFillOverride allowNoLineOverride">
+    <cs:lnRef idx="0"/>
+    <cs:fillRef idx="0"/>
+    <cs:effectRef idx="0"/>
+    <cs:fontRef idx="minor">
+      <a:schemeClr val="tx1"/>
+    </cs:fontRef>
+  </cs:plotArea3D>
+  <cs:seriesAxis>
+    <cs:lnRef idx="0"/>
+    <cs:fillRef idx="0"/>
+    <cs:effectRef idx="0"/>
+    <cs:fontRef idx="minor">
+      <a:schemeClr val="tx1">
+        <a:lumMod val="65000"/>
+        <a:lumOff val="35000"/>
+      </a:schemeClr>
+    </cs:fontRef>
+    <cs:defRPr sz="900" kern="1200"/>
+  </cs:seriesAxis>
+  <cs:seriesLine>
+    <cs:lnRef idx="0"/>
+    <cs:fillRef idx="0"/>
+    <cs:effectRef idx="0"/>
+    <cs:fontRef idx="minor">
+      <a:schemeClr val="tx1"/>
+    </cs:fontRef>
+    <cs:spPr>
+      <a:ln w="9525" cap="flat" cmpd="sng" algn="ctr">
+        <a:solidFill>
+          <a:schemeClr val="tx1">
+            <a:lumMod val="35000"/>
+            <a:lumOff val="65000"/>
+          </a:schemeClr>
+        </a:solidFill>
+        <a:round/>
+      </a:ln>
+    </cs:spPr>
+  </cs:seriesLine>
+  <cs:title>
+    <cs:lnRef idx="0"/>
+    <cs:fillRef idx="0"/>
+    <cs:effectRef idx="0"/>
+    <cs:fontRef idx="minor">
+      <a:schemeClr val="tx1">
+        <a:lumMod val="65000"/>
+        <a:lumOff val="35000"/>
+      </a:schemeClr>
+    </cs:fontRef>
+    <cs:defRPr sz="1400" b="0" kern="1200" spc="0" baseline="0"/>
+  </cs:title>
+  <cs:trendline>
+    <cs:lnRef idx="0">
+      <cs:styleClr val="auto"/>
+    </cs:lnRef>
+    <cs:fillRef idx="0"/>
+    <cs:effectRef idx="0"/>
+    <cs:fontRef idx="minor">
+      <a:schemeClr val="tx1"/>
+    </cs:fontRef>
+    <cs:spPr>
+      <a:ln w="19050" cap="rnd">
+        <a:solidFill>
+          <a:schemeClr val="phClr"/>
+        </a:solidFill>
+        <a:prstDash val="sysDot"/>
+      </a:ln>
+    </cs:spPr>
+  </cs:trendline>
+  <cs:trendlineLabel>
+    <cs:lnRef idx="0"/>
+    <cs:fillRef idx="0"/>
+    <cs:effectRef idx="0"/>
+    <cs:fontRef idx="minor">
+      <a:schemeClr val="tx1">
+        <a:lumMod val="65000"/>
+        <a:lumOff val="35000"/>
+      </a:schemeClr>
+    </cs:fontRef>
+    <cs:defRPr sz="900" kern="1200"/>
+  </cs:trendlineLabel>
+  <cs:upBar>
+    <cs:lnRef idx="0"/>
+    <cs:fillRef idx="0"/>
+    <cs:effectRef idx="0"/>
+    <cs:fontRef idx="minor">
+      <a:schemeClr val="dk1"/>
+    </cs:fontRef>
+    <cs:spPr>
+      <a:solidFill>
+        <a:schemeClr val="lt1"/>
+      </a:solidFill>
+      <a:ln w="9525">
+        <a:solidFill>
+          <a:schemeClr val="tx1">
+            <a:lumMod val="15000"/>
+            <a:lumOff val="85000"/>
+          </a:schemeClr>
+        </a:solidFill>
+      </a:ln>
+    </cs:spPr>
+  </cs:upBar>
+  <cs:valueAxis>
+    <cs:lnRef idx="0"/>
+    <cs:fillRef idx="0"/>
+    <cs:effectRef idx="0"/>
+    <cs:fontRef idx="minor">
+      <a:schemeClr val="tx1">
+        <a:lumMod val="65000"/>
+        <a:lumOff val="35000"/>
+      </a:schemeClr>
+    </cs:fontRef>
+    <cs:defRPr sz="900" kern="1200"/>
+  </cs:valueAxis>
+  <cs:wall>
+    <cs:lnRef idx="0"/>
+    <cs:fillRef idx="0"/>
+    <cs:effectRef idx="0"/>
+    <cs:fontRef idx="minor">
+      <a:schemeClr val="tx1"/>
+    </cs:fontRef>
+    <cs:spPr>
+      <a:noFill/>
+      <a:ln>
+        <a:noFill/>
+      </a:ln>
+    </cs:spPr>
+  </cs:wall>
+</cs:chartStyle>
+</file>
+
+<file path=ppt/charts/style7.xml><?xml version="1.0" encoding="utf-8"?>
 <cs:chartStyle xmlns:cs="http://schemas.microsoft.com/office/drawing/2012/chartStyle" xmlns:a="http://schemas.openxmlformats.org/drawingml/2006/main" id="332">
   <cs:axisTitle>
     <cs:lnRef idx="0"/>
@@ -14753,6 +17643,177 @@
 </p:notes>
 </file>
 
+<file path=ppt/notesSlides/notesSlide8.xml><?xml version="1.0" encoding="utf-8"?>
+<p:notes xmlns:a="http://schemas.openxmlformats.org/drawingml/2006/main" xmlns:r="http://schemas.openxmlformats.org/officeDocument/2006/relationships" xmlns:p="http://schemas.openxmlformats.org/presentationml/2006/main">
+  <p:cSld>
+    <p:spTree>
+      <p:nvGrpSpPr>
+        <p:cNvPr id="1" name=""/>
+        <p:cNvGrpSpPr/>
+        <p:nvPr/>
+      </p:nvGrpSpPr>
+      <p:grpSpPr>
+        <a:xfrm>
+          <a:off x="0" y="0"/>
+          <a:ext cx="0" cy="0"/>
+          <a:chOff x="0" y="0"/>
+          <a:chExt cx="0" cy="0"/>
+        </a:xfrm>
+      </p:grpSpPr>
+      <p:sp>
+        <p:nvSpPr>
+          <p:cNvPr id="2" name="Slide Image Placeholder 1"/>
+          <p:cNvSpPr>
+            <a:spLocks noGrp="1" noRot="1" noChangeAspect="1"/>
+          </p:cNvSpPr>
+          <p:nvPr>
+            <p:ph type="sldImg"/>
+          </p:nvPr>
+        </p:nvSpPr>
+        <p:spPr/>
+      </p:sp>
+      <p:sp>
+        <p:nvSpPr>
+          <p:cNvPr id="3" name="Notes Placeholder 2"/>
+          <p:cNvSpPr>
+            <a:spLocks noGrp="1"/>
+          </p:cNvSpPr>
+          <p:nvPr>
+            <p:ph type="body" idx="1"/>
+          </p:nvPr>
+        </p:nvSpPr>
+        <p:spPr/>
+        <p:txBody>
+          <a:bodyPr/>
+          <a:lstStyle/>
+          <a:p>
+            <a:r>
+              <a:rPr lang="en-US" dirty="0"/>
+              <a:t>What to beat</a:t>
+            </a:r>
+          </a:p>
+        </p:txBody>
+      </p:sp>
+      <p:sp>
+        <p:nvSpPr>
+          <p:cNvPr id="4" name="Slide Number Placeholder 3"/>
+          <p:cNvSpPr>
+            <a:spLocks noGrp="1"/>
+          </p:cNvSpPr>
+          <p:nvPr>
+            <p:ph type="sldNum" sz="quarter" idx="5"/>
+          </p:nvPr>
+        </p:nvSpPr>
+        <p:spPr/>
+        <p:txBody>
+          <a:bodyPr/>
+          <a:lstStyle/>
+          <a:p>
+            <a:fld id="{1BFF8EC0-4E85-4B5B-B1AE-D39CEADE6519}" type="slidenum">
+              <a:rPr lang="en-US" smtClean="0"/>
+              <a:t>14</a:t>
+            </a:fld>
+            <a:endParaRPr lang="en-US"/>
+          </a:p>
+        </p:txBody>
+      </p:sp>
+    </p:spTree>
+    <p:extLst>
+      <p:ext uri="{BB962C8B-B14F-4D97-AF65-F5344CB8AC3E}">
+        <p14:creationId xmlns:p14="http://schemas.microsoft.com/office/powerpoint/2010/main" val="530825859"/>
+      </p:ext>
+    </p:extLst>
+  </p:cSld>
+  <p:clrMapOvr>
+    <a:masterClrMapping/>
+  </p:clrMapOvr>
+</p:notes>
+</file>
+
+<file path=ppt/notesSlides/notesSlide9.xml><?xml version="1.0" encoding="utf-8"?>
+<p:notes xmlns:a="http://schemas.openxmlformats.org/drawingml/2006/main" xmlns:r="http://schemas.openxmlformats.org/officeDocument/2006/relationships" xmlns:p="http://schemas.openxmlformats.org/presentationml/2006/main">
+  <p:cSld>
+    <p:spTree>
+      <p:nvGrpSpPr>
+        <p:cNvPr id="1" name=""/>
+        <p:cNvGrpSpPr/>
+        <p:nvPr/>
+      </p:nvGrpSpPr>
+      <p:grpSpPr>
+        <a:xfrm>
+          <a:off x="0" y="0"/>
+          <a:ext cx="0" cy="0"/>
+          <a:chOff x="0" y="0"/>
+          <a:chExt cx="0" cy="0"/>
+        </a:xfrm>
+      </p:grpSpPr>
+      <p:sp>
+        <p:nvSpPr>
+          <p:cNvPr id="2" name="Slide Image Placeholder 1"/>
+          <p:cNvSpPr>
+            <a:spLocks noGrp="1" noRot="1" noChangeAspect="1"/>
+          </p:cNvSpPr>
+          <p:nvPr>
+            <p:ph type="sldImg"/>
+          </p:nvPr>
+        </p:nvSpPr>
+        <p:spPr/>
+      </p:sp>
+      <p:sp>
+        <p:nvSpPr>
+          <p:cNvPr id="3" name="Notes Placeholder 2"/>
+          <p:cNvSpPr>
+            <a:spLocks noGrp="1"/>
+          </p:cNvSpPr>
+          <p:nvPr>
+            <p:ph type="body" idx="1"/>
+          </p:nvPr>
+        </p:nvSpPr>
+        <p:spPr/>
+        <p:txBody>
+          <a:bodyPr/>
+          <a:lstStyle/>
+          <a:p>
+            <a:endParaRPr lang="en-US" dirty="0"/>
+          </a:p>
+        </p:txBody>
+      </p:sp>
+      <p:sp>
+        <p:nvSpPr>
+          <p:cNvPr id="4" name="Slide Number Placeholder 3"/>
+          <p:cNvSpPr>
+            <a:spLocks noGrp="1"/>
+          </p:cNvSpPr>
+          <p:nvPr>
+            <p:ph type="sldNum" sz="quarter" idx="5"/>
+          </p:nvPr>
+        </p:nvSpPr>
+        <p:spPr/>
+        <p:txBody>
+          <a:bodyPr/>
+          <a:lstStyle/>
+          <a:p>
+            <a:fld id="{1BFF8EC0-4E85-4B5B-B1AE-D39CEADE6519}" type="slidenum">
+              <a:rPr lang="en-US" smtClean="0"/>
+              <a:t>20</a:t>
+            </a:fld>
+            <a:endParaRPr lang="en-US"/>
+          </a:p>
+        </p:txBody>
+      </p:sp>
+    </p:spTree>
+    <p:extLst>
+      <p:ext uri="{BB962C8B-B14F-4D97-AF65-F5344CB8AC3E}">
+        <p14:creationId xmlns:p14="http://schemas.microsoft.com/office/powerpoint/2010/main" val="2087738692"/>
+      </p:ext>
+    </p:extLst>
+  </p:cSld>
+  <p:clrMapOvr>
+    <a:masterClrMapping/>
+  </p:clrMapOvr>
+</p:notes>
+</file>
+
 <file path=ppt/slideLayouts/slideLayout1.xml><?xml version="1.0" encoding="utf-8"?>
 <p:sldLayout xmlns:a="http://schemas.openxmlformats.org/drawingml/2006/main" xmlns:r="http://schemas.openxmlformats.org/officeDocument/2006/relationships" xmlns:p="http://schemas.openxmlformats.org/presentationml/2006/main" type="title" preserve="1">
   <p:cSld name="Title Slide">
@@ -18912,7 +21973,7 @@
           <p:nvPr>
             <p:extLst>
               <p:ext uri="{D42A27DB-BD31-4B8C-83A1-F6EECF244321}">
-                <p14:modId xmlns:p14="http://schemas.microsoft.com/office/powerpoint/2010/main" val="277800252"/>
+                <p14:modId xmlns:p14="http://schemas.microsoft.com/office/powerpoint/2010/main" val="2565580693"/>
               </p:ext>
             </p:extLst>
           </p:nvPr>
@@ -18928,14 +21989,14 @@
                 <a:tableStyleId>{7DF18680-E054-41AD-8BC1-D1AEF772440D}</a:tableStyleId>
               </a:tblPr>
               <a:tblGrid>
-                <a:gridCol w="1873258">
+                <a:gridCol w="2516721">
                   <a:extLst>
                     <a:ext uri="{9D8B030D-6E8A-4147-A177-3AD203B41FA5}">
                       <a16:colId xmlns:a16="http://schemas.microsoft.com/office/drawing/2014/main" val="3637802696"/>
                     </a:ext>
                   </a:extLst>
                 </a:gridCol>
-                <a:gridCol w="4780726">
+                <a:gridCol w="4137263">
                   <a:extLst>
                     <a:ext uri="{9D8B030D-6E8A-4147-A177-3AD203B41FA5}">
                       <a16:colId xmlns:a16="http://schemas.microsoft.com/office/drawing/2014/main" val="2471651903"/>
@@ -19224,7 +22285,10 @@
                         <a:rPr lang="en-US" sz="2200" dirty="0" err="1"/>
                         <a:t>xlarge</a:t>
                       </a:r>
-                      <a:endParaRPr lang="en-US" sz="2200" dirty="0"/>
+                      <a:r>
+                        <a:rPr lang="en-US" sz="2200" dirty="0"/>
+                        <a:t> (Nitro)</a:t>
+                      </a:r>
                     </a:p>
                   </a:txBody>
                   <a:tcPr/>
@@ -19265,6 +22329,61 @@
           </a:graphicData>
         </a:graphic>
       </p:graphicFrame>
+      <p:sp>
+        <p:nvSpPr>
+          <p:cNvPr id="3" name="TextBox 2">
+            <a:extLst>
+              <a:ext uri="{FF2B5EF4-FFF2-40B4-BE49-F238E27FC236}">
+                <a16:creationId xmlns:a16="http://schemas.microsoft.com/office/drawing/2014/main" id="{F6C8A126-D49A-6B3A-7DBF-357D4D490498}"/>
+              </a:ext>
+            </a:extLst>
+          </p:cNvPr>
+          <p:cNvSpPr txBox="1"/>
+          <p:nvPr/>
+        </p:nvSpPr>
+        <p:spPr>
+          <a:xfrm>
+            <a:off x="2173184" y="4716935"/>
+            <a:ext cx="8431481" cy="1569660"/>
+          </a:xfrm>
+          <a:prstGeom prst="rect">
+            <a:avLst/>
+          </a:prstGeom>
+          <a:noFill/>
+        </p:spPr>
+        <p:txBody>
+          <a:bodyPr wrap="square" rtlCol="0">
+            <a:spAutoFit/>
+          </a:bodyPr>
+          <a:lstStyle/>
+          <a:p>
+            <a:r>
+              <a:rPr lang="en-US" sz="2400" dirty="0"/>
+              <a:t>When Creating an instance the size and type of volume to go with it are selectable with these exceptions</a:t>
+            </a:r>
+          </a:p>
+          <a:p>
+            <a:pPr marL="342900" indent="-342900">
+              <a:buFont typeface="Arial" panose="020B0604020202020204" pitchFamily="34" charset="0"/>
+              <a:buChar char="•"/>
+            </a:pPr>
+            <a:r>
+              <a:rPr lang="en-US" sz="2400" dirty="0"/>
+              <a:t>* The 1.8 TB disk is added automatically</a:t>
+            </a:r>
+          </a:p>
+          <a:p>
+            <a:pPr marL="342900" indent="-342900">
+              <a:buFont typeface="Arial" panose="020B0604020202020204" pitchFamily="34" charset="0"/>
+              <a:buChar char="•"/>
+            </a:pPr>
+            <a:r>
+              <a:rPr lang="en-US" sz="2400" dirty="0"/>
+              <a:t>**This is a secondary disk automatically added</a:t>
+            </a:r>
+          </a:p>
+        </p:txBody>
+      </p:sp>
     </p:spTree>
     <p:extLst>
       <p:ext uri="{BB962C8B-B14F-4D97-AF65-F5344CB8AC3E}">
@@ -19430,13 +22549,13 @@
           <p:nvPr>
             <p:extLst>
               <p:ext uri="{D42A27DB-BD31-4B8C-83A1-F6EECF244321}">
-                <p14:modId xmlns:p14="http://schemas.microsoft.com/office/powerpoint/2010/main" val="2704173708"/>
+                <p14:modId xmlns:p14="http://schemas.microsoft.com/office/powerpoint/2010/main" val="2960574599"/>
               </p:ext>
             </p:extLst>
           </p:nvPr>
         </p:nvGraphicFramePr>
         <p:xfrm>
-          <a:off x="2458192" y="1287625"/>
+          <a:off x="2435289" y="1404614"/>
           <a:ext cx="7315199" cy="4037740"/>
         </p:xfrm>
         <a:graphic>
@@ -19660,6 +22779,167 @@
           <p:cNvPr id="2" name="Title 1">
             <a:extLst>
               <a:ext uri="{FF2B5EF4-FFF2-40B4-BE49-F238E27FC236}">
+                <a16:creationId xmlns:a16="http://schemas.microsoft.com/office/drawing/2014/main" id="{D0B87F8E-5D83-4513-9285-8A122C4A62CB}"/>
+              </a:ext>
+            </a:extLst>
+          </p:cNvPr>
+          <p:cNvSpPr>
+            <a:spLocks noGrp="1"/>
+          </p:cNvSpPr>
+          <p:nvPr>
+            <p:ph type="title"/>
+          </p:nvPr>
+        </p:nvSpPr>
+        <p:spPr>
+          <a:xfrm>
+            <a:off x="838200" y="308428"/>
+            <a:ext cx="10515600" cy="745218"/>
+          </a:xfrm>
+        </p:spPr>
+        <p:txBody>
+          <a:bodyPr/>
+          <a:lstStyle/>
+          <a:p>
+            <a:r>
+              <a:rPr lang="en-US" dirty="0"/>
+              <a:t>Best Results </a:t>
+            </a:r>
+          </a:p>
+        </p:txBody>
+      </p:sp>
+      <p:cxnSp>
+        <p:nvCxnSpPr>
+          <p:cNvPr id="5" name="Straight Connector 4">
+            <a:extLst>
+              <a:ext uri="{FF2B5EF4-FFF2-40B4-BE49-F238E27FC236}">
+                <a16:creationId xmlns:a16="http://schemas.microsoft.com/office/drawing/2014/main" id="{86EF85BD-B585-F4FA-AB4B-371C19D22622}"/>
+              </a:ext>
+            </a:extLst>
+          </p:cNvPr>
+          <p:cNvCxnSpPr/>
+          <p:nvPr/>
+        </p:nvCxnSpPr>
+        <p:spPr>
+          <a:xfrm>
+            <a:off x="615820" y="1287624"/>
+            <a:ext cx="10954139" cy="0"/>
+          </a:xfrm>
+          <a:prstGeom prst="line">
+            <a:avLst/>
+          </a:prstGeom>
+          <a:ln w="19050">
+            <a:solidFill>
+              <a:schemeClr val="bg1">
+                <a:lumMod val="50000"/>
+              </a:schemeClr>
+            </a:solidFill>
+            <a:prstDash val="sysDash"/>
+          </a:ln>
+        </p:spPr>
+        <p:style>
+          <a:lnRef idx="1">
+            <a:schemeClr val="accent1"/>
+          </a:lnRef>
+          <a:fillRef idx="0">
+            <a:schemeClr val="accent1"/>
+          </a:fillRef>
+          <a:effectRef idx="0">
+            <a:schemeClr val="accent1"/>
+          </a:effectRef>
+          <a:fontRef idx="minor">
+            <a:schemeClr val="tx1"/>
+          </a:fontRef>
+        </p:style>
+      </p:cxnSp>
+      <p:graphicFrame>
+        <p:nvGraphicFramePr>
+          <p:cNvPr id="6" name="Chart 5">
+            <a:extLst>
+              <a:ext uri="{FF2B5EF4-FFF2-40B4-BE49-F238E27FC236}">
+                <a16:creationId xmlns:a16="http://schemas.microsoft.com/office/drawing/2014/main" id="{3DB1F2D7-BA63-0045-3768-D9856A54D0A3}"/>
+              </a:ext>
+            </a:extLst>
+          </p:cNvPr>
+          <p:cNvGraphicFramePr>
+            <a:graphicFrameLocks/>
+          </p:cNvGraphicFramePr>
+          <p:nvPr/>
+        </p:nvGraphicFramePr>
+        <p:xfrm>
+          <a:off x="609599" y="1686304"/>
+          <a:ext cx="5486401" cy="3614735"/>
+        </p:xfrm>
+        <a:graphic>
+          <a:graphicData uri="http://schemas.openxmlformats.org/drawingml/2006/chart">
+            <c:chart xmlns:c="http://schemas.openxmlformats.org/drawingml/2006/chart" xmlns:r="http://schemas.openxmlformats.org/officeDocument/2006/relationships" r:id="rId3"/>
+          </a:graphicData>
+        </a:graphic>
+      </p:graphicFrame>
+      <p:graphicFrame>
+        <p:nvGraphicFramePr>
+          <p:cNvPr id="3" name="Chart 2">
+            <a:extLst>
+              <a:ext uri="{FF2B5EF4-FFF2-40B4-BE49-F238E27FC236}">
+                <a16:creationId xmlns:a16="http://schemas.microsoft.com/office/drawing/2014/main" id="{6272D14D-E54C-57A6-1567-B9D4F5C3B9AD}"/>
+              </a:ext>
+            </a:extLst>
+          </p:cNvPr>
+          <p:cNvGraphicFramePr>
+            <a:graphicFrameLocks/>
+          </p:cNvGraphicFramePr>
+          <p:nvPr>
+            <p:extLst>
+              <p:ext uri="{D42A27DB-BD31-4B8C-83A1-F6EECF244321}">
+                <p14:modId xmlns:p14="http://schemas.microsoft.com/office/powerpoint/2010/main" val="2715661533"/>
+              </p:ext>
+            </p:extLst>
+          </p:nvPr>
+        </p:nvGraphicFramePr>
+        <p:xfrm>
+          <a:off x="6108443" y="1686304"/>
+          <a:ext cx="5473958" cy="3614734"/>
+        </p:xfrm>
+        <a:graphic>
+          <a:graphicData uri="http://schemas.openxmlformats.org/drawingml/2006/chart">
+            <c:chart xmlns:c="http://schemas.openxmlformats.org/drawingml/2006/chart" xmlns:r="http://schemas.openxmlformats.org/officeDocument/2006/relationships" r:id="rId4"/>
+          </a:graphicData>
+        </a:graphic>
+      </p:graphicFrame>
+    </p:spTree>
+    <p:extLst>
+      <p:ext uri="{BB962C8B-B14F-4D97-AF65-F5344CB8AC3E}">
+        <p14:creationId xmlns:p14="http://schemas.microsoft.com/office/powerpoint/2010/main" val="3978991054"/>
+      </p:ext>
+    </p:extLst>
+  </p:cSld>
+  <p:clrMapOvr>
+    <a:masterClrMapping/>
+  </p:clrMapOvr>
+</p:sld>
+</file>
+
+<file path=ppt/slides/slide15.xml><?xml version="1.0" encoding="utf-8"?>
+<p:sld xmlns:a="http://schemas.openxmlformats.org/drawingml/2006/main" xmlns:r="http://schemas.openxmlformats.org/officeDocument/2006/relationships" xmlns:p="http://schemas.openxmlformats.org/presentationml/2006/main">
+  <p:cSld>
+    <p:spTree>
+      <p:nvGrpSpPr>
+        <p:cNvPr id="1" name=""/>
+        <p:cNvGrpSpPr/>
+        <p:nvPr/>
+      </p:nvGrpSpPr>
+      <p:grpSpPr>
+        <a:xfrm>
+          <a:off x="0" y="0"/>
+          <a:ext cx="0" cy="0"/>
+          <a:chOff x="0" y="0"/>
+          <a:chExt cx="0" cy="0"/>
+        </a:xfrm>
+      </p:grpSpPr>
+      <p:sp>
+        <p:nvSpPr>
+          <p:cNvPr id="2" name="Title 1">
+            <a:extLst>
+              <a:ext uri="{FF2B5EF4-FFF2-40B4-BE49-F238E27FC236}">
                 <a16:creationId xmlns:a16="http://schemas.microsoft.com/office/drawing/2014/main" id="{0F9BF145-4E41-CCA3-E21E-5F8E64340952}"/>
               </a:ext>
             </a:extLst>
@@ -19738,93 +23018,54 @@
           </a:prstGeom>
         </p:spPr>
       </p:pic>
+      <p:cxnSp>
+        <p:nvCxnSpPr>
+          <p:cNvPr id="4" name="Straight Connector 3">
+            <a:extLst>
+              <a:ext uri="{FF2B5EF4-FFF2-40B4-BE49-F238E27FC236}">
+                <a16:creationId xmlns:a16="http://schemas.microsoft.com/office/drawing/2014/main" id="{A477010C-646F-2AB7-997A-09139AC13A6B}"/>
+              </a:ext>
+            </a:extLst>
+          </p:cNvPr>
+          <p:cNvCxnSpPr/>
+          <p:nvPr/>
+        </p:nvCxnSpPr>
+        <p:spPr>
+          <a:xfrm>
+            <a:off x="618930" y="1418253"/>
+            <a:ext cx="10954139" cy="0"/>
+          </a:xfrm>
+          <a:prstGeom prst="line">
+            <a:avLst/>
+          </a:prstGeom>
+          <a:ln w="19050">
+            <a:solidFill>
+              <a:schemeClr val="bg1">
+                <a:lumMod val="50000"/>
+              </a:schemeClr>
+            </a:solidFill>
+            <a:prstDash val="sysDash"/>
+          </a:ln>
+        </p:spPr>
+        <p:style>
+          <a:lnRef idx="1">
+            <a:schemeClr val="accent1"/>
+          </a:lnRef>
+          <a:fillRef idx="0">
+            <a:schemeClr val="accent1"/>
+          </a:fillRef>
+          <a:effectRef idx="0">
+            <a:schemeClr val="accent1"/>
+          </a:effectRef>
+          <a:fontRef idx="minor">
+            <a:schemeClr val="tx1"/>
+          </a:fontRef>
+        </p:style>
+      </p:cxnSp>
     </p:spTree>
     <p:extLst>
       <p:ext uri="{BB962C8B-B14F-4D97-AF65-F5344CB8AC3E}">
         <p14:creationId xmlns:p14="http://schemas.microsoft.com/office/powerpoint/2010/main" val="4253140725"/>
-      </p:ext>
-    </p:extLst>
-  </p:cSld>
-  <p:clrMapOvr>
-    <a:masterClrMapping/>
-  </p:clrMapOvr>
-</p:sld>
-</file>
-
-<file path=ppt/slides/slide15.xml><?xml version="1.0" encoding="utf-8"?>
-<p:sld xmlns:a="http://schemas.openxmlformats.org/drawingml/2006/main" xmlns:r="http://schemas.openxmlformats.org/officeDocument/2006/relationships" xmlns:p="http://schemas.openxmlformats.org/presentationml/2006/main">
-  <p:cSld>
-    <p:spTree>
-      <p:nvGrpSpPr>
-        <p:cNvPr id="1" name=""/>
-        <p:cNvGrpSpPr/>
-        <p:nvPr/>
-      </p:nvGrpSpPr>
-      <p:grpSpPr>
-        <a:xfrm>
-          <a:off x="0" y="0"/>
-          <a:ext cx="0" cy="0"/>
-          <a:chOff x="0" y="0"/>
-          <a:chExt cx="0" cy="0"/>
-        </a:xfrm>
-      </p:grpSpPr>
-      <p:sp>
-        <p:nvSpPr>
-          <p:cNvPr id="2" name="Title 1">
-            <a:extLst>
-              <a:ext uri="{FF2B5EF4-FFF2-40B4-BE49-F238E27FC236}">
-                <a16:creationId xmlns:a16="http://schemas.microsoft.com/office/drawing/2014/main" id="{0F9BF145-4E41-CCA3-E21E-5F8E64340952}"/>
-              </a:ext>
-            </a:extLst>
-          </p:cNvPr>
-          <p:cNvSpPr>
-            <a:spLocks noGrp="1"/>
-          </p:cNvSpPr>
-          <p:nvPr>
-            <p:ph type="title"/>
-          </p:nvPr>
-        </p:nvSpPr>
-        <p:spPr/>
-        <p:txBody>
-          <a:bodyPr/>
-          <a:lstStyle/>
-          <a:p>
-            <a:r>
-              <a:rPr lang="en-US" dirty="0"/>
-              <a:t>EBS Challenges</a:t>
-            </a:r>
-          </a:p>
-        </p:txBody>
-      </p:sp>
-      <p:sp>
-        <p:nvSpPr>
-          <p:cNvPr id="10" name="Content Placeholder 9">
-            <a:extLst>
-              <a:ext uri="{FF2B5EF4-FFF2-40B4-BE49-F238E27FC236}">
-                <a16:creationId xmlns:a16="http://schemas.microsoft.com/office/drawing/2014/main" id="{8072EA56-F9C8-9D47-5D35-C289A08544C8}"/>
-              </a:ext>
-            </a:extLst>
-          </p:cNvPr>
-          <p:cNvSpPr>
-            <a:spLocks noGrp="1"/>
-          </p:cNvSpPr>
-          <p:nvPr>
-            <p:ph idx="1"/>
-          </p:nvPr>
-        </p:nvSpPr>
-        <p:spPr/>
-        <p:txBody>
-          <a:bodyPr/>
-          <a:lstStyle/>
-          <a:p>
-            <a:endParaRPr lang="en-US" dirty="0"/>
-          </a:p>
-        </p:txBody>
-      </p:sp>
-    </p:spTree>
-    <p:extLst>
-      <p:ext uri="{BB962C8B-B14F-4D97-AF65-F5344CB8AC3E}">
-        <p14:creationId xmlns:p14="http://schemas.microsoft.com/office/powerpoint/2010/main" val="1879456329"/>
       </p:ext>
     </p:extLst>
   </p:cSld>
@@ -19867,16 +23108,349 @@
             <p:ph type="title"/>
           </p:nvPr>
         </p:nvSpPr>
+        <p:spPr>
+          <a:xfrm>
+            <a:off x="838200" y="365125"/>
+            <a:ext cx="10515600" cy="1012413"/>
+          </a:xfrm>
+        </p:spPr>
+        <p:txBody>
+          <a:bodyPr/>
+          <a:lstStyle/>
+          <a:p>
+            <a:r>
+              <a:rPr lang="en-US" dirty="0"/>
+              <a:t>EBS Challenges</a:t>
+            </a:r>
+          </a:p>
+        </p:txBody>
+      </p:sp>
+      <p:sp>
+        <p:nvSpPr>
+          <p:cNvPr id="5" name="Content Placeholder 4">
+            <a:extLst>
+              <a:ext uri="{FF2B5EF4-FFF2-40B4-BE49-F238E27FC236}">
+                <a16:creationId xmlns:a16="http://schemas.microsoft.com/office/drawing/2014/main" id="{6C513494-BF2A-D5B3-BD43-D11006FC4E10}"/>
+              </a:ext>
+            </a:extLst>
+          </p:cNvPr>
+          <p:cNvSpPr>
+            <a:spLocks noGrp="1"/>
+          </p:cNvSpPr>
+          <p:nvPr>
+            <p:ph idx="1"/>
+          </p:nvPr>
+        </p:nvSpPr>
+        <p:spPr/>
+        <p:txBody>
+          <a:bodyPr>
+            <a:normAutofit/>
+          </a:bodyPr>
+          <a:lstStyle/>
+          <a:p>
+            <a:r>
+              <a:rPr lang="en-US" dirty="0"/>
+              <a:t>We didn’t see a lot of difference in the GP2 GP3 and IO2 disks.  The disks used in the “I” family are faster.  </a:t>
+            </a:r>
+          </a:p>
+          <a:p>
+            <a:r>
+              <a:rPr lang="en-US" dirty="0"/>
+              <a:t>The expense is non-trivial.  Daily use for a single user would rival or surpass purchase of a desktop computer. </a:t>
+            </a:r>
+          </a:p>
+        </p:txBody>
+      </p:sp>
+      <p:cxnSp>
+        <p:nvCxnSpPr>
+          <p:cNvPr id="6" name="Straight Connector 5">
+            <a:extLst>
+              <a:ext uri="{FF2B5EF4-FFF2-40B4-BE49-F238E27FC236}">
+                <a16:creationId xmlns:a16="http://schemas.microsoft.com/office/drawing/2014/main" id="{62316E6B-E45C-9648-5EEE-3291F4307A5D}"/>
+              </a:ext>
+            </a:extLst>
+          </p:cNvPr>
+          <p:cNvCxnSpPr/>
+          <p:nvPr/>
+        </p:nvCxnSpPr>
+        <p:spPr>
+          <a:xfrm>
+            <a:off x="615820" y="1287624"/>
+            <a:ext cx="10954139" cy="0"/>
+          </a:xfrm>
+          <a:prstGeom prst="line">
+            <a:avLst/>
+          </a:prstGeom>
+          <a:ln w="19050">
+            <a:solidFill>
+              <a:schemeClr val="bg1">
+                <a:lumMod val="50000"/>
+              </a:schemeClr>
+            </a:solidFill>
+            <a:prstDash val="sysDash"/>
+          </a:ln>
+        </p:spPr>
+        <p:style>
+          <a:lnRef idx="1">
+            <a:schemeClr val="accent1"/>
+          </a:lnRef>
+          <a:fillRef idx="0">
+            <a:schemeClr val="accent1"/>
+          </a:fillRef>
+          <a:effectRef idx="0">
+            <a:schemeClr val="accent1"/>
+          </a:effectRef>
+          <a:fontRef idx="minor">
+            <a:schemeClr val="tx1"/>
+          </a:fontRef>
+        </p:style>
+      </p:cxnSp>
+    </p:spTree>
+    <p:extLst>
+      <p:ext uri="{BB962C8B-B14F-4D97-AF65-F5344CB8AC3E}">
+        <p14:creationId xmlns:p14="http://schemas.microsoft.com/office/powerpoint/2010/main" val="1879456329"/>
+      </p:ext>
+    </p:extLst>
+  </p:cSld>
+  <p:clrMapOvr>
+    <a:masterClrMapping/>
+  </p:clrMapOvr>
+</p:sld>
+</file>
+
+<file path=ppt/slides/slide17.xml><?xml version="1.0" encoding="utf-8"?>
+<p:sld xmlns:a="http://schemas.openxmlformats.org/drawingml/2006/main" xmlns:r="http://schemas.openxmlformats.org/officeDocument/2006/relationships" xmlns:p="http://schemas.openxmlformats.org/presentationml/2006/main">
+  <p:cSld>
+    <p:spTree>
+      <p:nvGrpSpPr>
+        <p:cNvPr id="1" name=""/>
+        <p:cNvGrpSpPr/>
+        <p:nvPr/>
+      </p:nvGrpSpPr>
+      <p:grpSpPr>
+        <a:xfrm>
+          <a:off x="0" y="0"/>
+          <a:ext cx="0" cy="0"/>
+          <a:chOff x="0" y="0"/>
+          <a:chExt cx="0" cy="0"/>
+        </a:xfrm>
+      </p:grpSpPr>
+      <p:sp>
+        <p:nvSpPr>
+          <p:cNvPr id="2" name="Title 1">
+            <a:extLst>
+              <a:ext uri="{FF2B5EF4-FFF2-40B4-BE49-F238E27FC236}">
+                <a16:creationId xmlns:a16="http://schemas.microsoft.com/office/drawing/2014/main" id="{0F9BF145-4E41-CCA3-E21E-5F8E64340952}"/>
+              </a:ext>
+            </a:extLst>
+          </p:cNvPr>
+          <p:cNvSpPr>
+            <a:spLocks noGrp="1"/>
+          </p:cNvSpPr>
+          <p:nvPr>
+            <p:ph type="title"/>
+          </p:nvPr>
+        </p:nvSpPr>
         <p:spPr/>
         <p:txBody>
           <a:bodyPr/>
           <a:lstStyle/>
           <a:p>
             <a:r>
-              <a:rPr lang="en-US"/>
+              <a:rPr lang="en-US" dirty="0"/>
+              <a:t>EBS Challenges in Testing</a:t>
+            </a:r>
+          </a:p>
+        </p:txBody>
+      </p:sp>
+      <p:pic>
+        <p:nvPicPr>
+          <p:cNvPr id="3" name="Content Placeholder 2">
+            <a:extLst>
+              <a:ext uri="{FF2B5EF4-FFF2-40B4-BE49-F238E27FC236}">
+                <a16:creationId xmlns:a16="http://schemas.microsoft.com/office/drawing/2014/main" id="{5D986174-4687-54D4-2E1A-964B4E6EAEE1}"/>
+              </a:ext>
+            </a:extLst>
+          </p:cNvPr>
+          <p:cNvPicPr>
+            <a:picLocks noGrp="1" noChangeAspect="1" noChangeArrowheads="1"/>
+          </p:cNvPicPr>
+          <p:nvPr>
+            <p:ph idx="1"/>
+          </p:nvPr>
+        </p:nvPicPr>
+        <p:blipFill>
+          <a:blip r:embed="rId2">
+            <a:extLst>
+              <a:ext uri="{28A0092B-C50C-407E-A947-70E740481C1C}">
+                <a14:useLocalDpi xmlns:a14="http://schemas.microsoft.com/office/drawing/2010/main" val="0"/>
+              </a:ext>
+            </a:extLst>
+          </a:blip>
+          <a:srcRect/>
+          <a:stretch>
+            <a:fillRect/>
+          </a:stretch>
+        </p:blipFill>
+        <p:spPr bwMode="auto">
+          <a:xfrm>
+            <a:off x="6457552" y="1690688"/>
+            <a:ext cx="4810796" cy="2638793"/>
+          </a:xfrm>
+          <a:prstGeom prst="rect">
+            <a:avLst/>
+          </a:prstGeom>
+          <a:noFill/>
+          <a:extLst>
+            <a:ext uri="{909E8E84-426E-40DD-AFC4-6F175D3DCCD1}">
+              <a14:hiddenFill xmlns:a14="http://schemas.microsoft.com/office/drawing/2010/main">
+                <a:solidFill>
+                  <a:srgbClr val="FFFFFF"/>
+                </a:solidFill>
+              </a14:hiddenFill>
+            </a:ext>
+          </a:extLst>
+        </p:spPr>
+      </p:pic>
+      <p:sp>
+        <p:nvSpPr>
+          <p:cNvPr id="4" name="TextBox 3">
+            <a:extLst>
+              <a:ext uri="{FF2B5EF4-FFF2-40B4-BE49-F238E27FC236}">
+                <a16:creationId xmlns:a16="http://schemas.microsoft.com/office/drawing/2014/main" id="{7524BF92-1F91-71EE-7B49-BDD24A60E372}"/>
+              </a:ext>
+            </a:extLst>
+          </p:cNvPr>
+          <p:cNvSpPr txBox="1"/>
+          <p:nvPr/>
+        </p:nvSpPr>
+        <p:spPr>
+          <a:xfrm>
+            <a:off x="1211283" y="1971304"/>
+            <a:ext cx="4884717" cy="2308324"/>
+          </a:xfrm>
+          <a:prstGeom prst="rect">
+            <a:avLst/>
+          </a:prstGeom>
+          <a:noFill/>
+        </p:spPr>
+        <p:txBody>
+          <a:bodyPr wrap="square" rtlCol="0">
+            <a:spAutoFit/>
+          </a:bodyPr>
+          <a:lstStyle/>
+          <a:p>
+            <a:r>
+              <a:rPr lang="en-US" sz="2400" dirty="0"/>
+              <a:t>When creating an instance the region may be selected but the Availability zone is not.  Volumes may be selected in an Availability zone.  A volume created may not be made available to another instance.</a:t>
+            </a:r>
+          </a:p>
+        </p:txBody>
+      </p:sp>
+      <p:cxnSp>
+        <p:nvCxnSpPr>
+          <p:cNvPr id="5" name="Straight Connector 4">
+            <a:extLst>
+              <a:ext uri="{FF2B5EF4-FFF2-40B4-BE49-F238E27FC236}">
+                <a16:creationId xmlns:a16="http://schemas.microsoft.com/office/drawing/2014/main" id="{3F758423-27B4-7556-FE20-C0C995EA1A8E}"/>
+              </a:ext>
+            </a:extLst>
+          </p:cNvPr>
+          <p:cNvCxnSpPr/>
+          <p:nvPr/>
+        </p:nvCxnSpPr>
+        <p:spPr>
+          <a:xfrm>
+            <a:off x="615820" y="1287624"/>
+            <a:ext cx="10954139" cy="0"/>
+          </a:xfrm>
+          <a:prstGeom prst="line">
+            <a:avLst/>
+          </a:prstGeom>
+          <a:ln w="19050">
+            <a:solidFill>
+              <a:schemeClr val="bg1">
+                <a:lumMod val="50000"/>
+              </a:schemeClr>
+            </a:solidFill>
+            <a:prstDash val="sysDash"/>
+          </a:ln>
+        </p:spPr>
+        <p:style>
+          <a:lnRef idx="1">
+            <a:schemeClr val="accent1"/>
+          </a:lnRef>
+          <a:fillRef idx="0">
+            <a:schemeClr val="accent1"/>
+          </a:fillRef>
+          <a:effectRef idx="0">
+            <a:schemeClr val="accent1"/>
+          </a:effectRef>
+          <a:fontRef idx="minor">
+            <a:schemeClr val="tx1"/>
+          </a:fontRef>
+        </p:style>
+      </p:cxnSp>
+    </p:spTree>
+    <p:extLst>
+      <p:ext uri="{BB962C8B-B14F-4D97-AF65-F5344CB8AC3E}">
+        <p14:creationId xmlns:p14="http://schemas.microsoft.com/office/powerpoint/2010/main" val="933280548"/>
+      </p:ext>
+    </p:extLst>
+  </p:cSld>
+  <p:clrMapOvr>
+    <a:masterClrMapping/>
+  </p:clrMapOvr>
+</p:sld>
+</file>
+
+<file path=ppt/slides/slide18.xml><?xml version="1.0" encoding="utf-8"?>
+<p:sld xmlns:a="http://schemas.openxmlformats.org/drawingml/2006/main" xmlns:r="http://schemas.openxmlformats.org/officeDocument/2006/relationships" xmlns:p="http://schemas.openxmlformats.org/presentationml/2006/main">
+  <p:cSld>
+    <p:spTree>
+      <p:nvGrpSpPr>
+        <p:cNvPr id="1" name=""/>
+        <p:cNvGrpSpPr/>
+        <p:nvPr/>
+      </p:nvGrpSpPr>
+      <p:grpSpPr>
+        <a:xfrm>
+          <a:off x="0" y="0"/>
+          <a:ext cx="0" cy="0"/>
+          <a:chOff x="0" y="0"/>
+          <a:chExt cx="0" cy="0"/>
+        </a:xfrm>
+      </p:grpSpPr>
+      <p:sp>
+        <p:nvSpPr>
+          <p:cNvPr id="2" name="Title 1">
+            <a:extLst>
+              <a:ext uri="{FF2B5EF4-FFF2-40B4-BE49-F238E27FC236}">
+                <a16:creationId xmlns:a16="http://schemas.microsoft.com/office/drawing/2014/main" id="{0F9BF145-4E41-CCA3-E21E-5F8E64340952}"/>
+              </a:ext>
+            </a:extLst>
+          </p:cNvPr>
+          <p:cNvSpPr>
+            <a:spLocks noGrp="1"/>
+          </p:cNvSpPr>
+          <p:nvPr>
+            <p:ph type="title"/>
+          </p:nvPr>
+        </p:nvSpPr>
+        <p:spPr>
+          <a:xfrm>
+            <a:off x="838200" y="365126"/>
+            <a:ext cx="10515600" cy="715530"/>
+          </a:xfrm>
+        </p:spPr>
+        <p:txBody>
+          <a:bodyPr/>
+          <a:lstStyle/>
+          <a:p>
+            <a:r>
+              <a:rPr lang="en-US" dirty="0"/>
               <a:t>S3 Challenges</a:t>
             </a:r>
-            <a:endParaRPr lang="en-US" dirty="0"/>
           </a:p>
         </p:txBody>
       </p:sp>
@@ -19931,7 +23505,7 @@
         </p:blipFill>
         <p:spPr>
           <a:xfrm>
-            <a:off x="6162685" y="1354827"/>
+            <a:off x="6269563" y="1509206"/>
             <a:ext cx="5534797" cy="4591691"/>
           </a:xfrm>
           <a:prstGeom prst="rect">
@@ -19939,6 +23513,50 @@
           </a:prstGeom>
         </p:spPr>
       </p:pic>
+      <p:cxnSp>
+        <p:nvCxnSpPr>
+          <p:cNvPr id="3" name="Straight Connector 2">
+            <a:extLst>
+              <a:ext uri="{FF2B5EF4-FFF2-40B4-BE49-F238E27FC236}">
+                <a16:creationId xmlns:a16="http://schemas.microsoft.com/office/drawing/2014/main" id="{12D45638-97DD-DA02-7719-58E281AE6F96}"/>
+              </a:ext>
+            </a:extLst>
+          </p:cNvPr>
+          <p:cNvCxnSpPr/>
+          <p:nvPr/>
+        </p:nvCxnSpPr>
+        <p:spPr>
+          <a:xfrm>
+            <a:off x="615820" y="1287624"/>
+            <a:ext cx="10954139" cy="0"/>
+          </a:xfrm>
+          <a:prstGeom prst="line">
+            <a:avLst/>
+          </a:prstGeom>
+          <a:ln w="19050">
+            <a:solidFill>
+              <a:schemeClr val="bg1">
+                <a:lumMod val="50000"/>
+              </a:schemeClr>
+            </a:solidFill>
+            <a:prstDash val="sysDash"/>
+          </a:ln>
+        </p:spPr>
+        <p:style>
+          <a:lnRef idx="1">
+            <a:schemeClr val="accent1"/>
+          </a:lnRef>
+          <a:fillRef idx="0">
+            <a:schemeClr val="accent1"/>
+          </a:fillRef>
+          <a:effectRef idx="0">
+            <a:schemeClr val="accent1"/>
+          </a:effectRef>
+          <a:fontRef idx="minor">
+            <a:schemeClr val="tx1"/>
+          </a:fontRef>
+        </p:style>
+      </p:cxnSp>
     </p:spTree>
     <p:extLst>
       <p:ext uri="{BB962C8B-B14F-4D97-AF65-F5344CB8AC3E}">
@@ -19952,7 +23570,7 @@
 </p:sld>
 </file>
 
-<file path=ppt/slides/slide17.xml><?xml version="1.0" encoding="utf-8"?>
+<file path=ppt/slides/slide19.xml><?xml version="1.0" encoding="utf-8"?>
 <p:sld xmlns:a="http://schemas.openxmlformats.org/drawingml/2006/main" xmlns:r="http://schemas.openxmlformats.org/officeDocument/2006/relationships" xmlns:p="http://schemas.openxmlformats.org/presentationml/2006/main">
   <p:cSld>
     <p:spTree>
@@ -19985,7 +23603,12 @@
             <p:ph type="title"/>
           </p:nvPr>
         </p:nvSpPr>
-        <p:spPr/>
+        <p:spPr>
+          <a:xfrm>
+            <a:off x="838200" y="365126"/>
+            <a:ext cx="10515600" cy="846158"/>
+          </a:xfrm>
+        </p:spPr>
         <p:txBody>
           <a:bodyPr/>
           <a:lstStyle/>
@@ -20022,6 +23645,50 @@
           </a:p>
         </p:txBody>
       </p:sp>
+      <p:cxnSp>
+        <p:nvCxnSpPr>
+          <p:cNvPr id="4" name="Straight Connector 3">
+            <a:extLst>
+              <a:ext uri="{FF2B5EF4-FFF2-40B4-BE49-F238E27FC236}">
+                <a16:creationId xmlns:a16="http://schemas.microsoft.com/office/drawing/2014/main" id="{B1A9A5F3-98E9-EB76-948A-1215FDAD7066}"/>
+              </a:ext>
+            </a:extLst>
+          </p:cNvPr>
+          <p:cNvCxnSpPr/>
+          <p:nvPr/>
+        </p:nvCxnSpPr>
+        <p:spPr>
+          <a:xfrm>
+            <a:off x="615820" y="1287624"/>
+            <a:ext cx="10954139" cy="0"/>
+          </a:xfrm>
+          <a:prstGeom prst="line">
+            <a:avLst/>
+          </a:prstGeom>
+          <a:ln w="19050">
+            <a:solidFill>
+              <a:schemeClr val="bg1">
+                <a:lumMod val="50000"/>
+              </a:schemeClr>
+            </a:solidFill>
+            <a:prstDash val="sysDash"/>
+          </a:ln>
+        </p:spPr>
+        <p:style>
+          <a:lnRef idx="1">
+            <a:schemeClr val="accent1"/>
+          </a:lnRef>
+          <a:fillRef idx="0">
+            <a:schemeClr val="accent1"/>
+          </a:fillRef>
+          <a:effectRef idx="0">
+            <a:schemeClr val="accent1"/>
+          </a:effectRef>
+          <a:fontRef idx="minor">
+            <a:schemeClr val="tx1"/>
+          </a:fontRef>
+        </p:style>
+      </p:cxnSp>
     </p:spTree>
     <p:extLst>
       <p:ext uri="{BB962C8B-B14F-4D97-AF65-F5344CB8AC3E}">
@@ -20164,6 +23831,197 @@
     <p:extLst>
       <p:ext uri="{BB962C8B-B14F-4D97-AF65-F5344CB8AC3E}">
         <p14:creationId xmlns:p14="http://schemas.microsoft.com/office/powerpoint/2010/main" val="838582685"/>
+      </p:ext>
+    </p:extLst>
+  </p:cSld>
+  <p:clrMapOvr>
+    <a:masterClrMapping/>
+  </p:clrMapOvr>
+</p:sld>
+</file>
+
+<file path=ppt/slides/slide20.xml><?xml version="1.0" encoding="utf-8"?>
+<p:sld xmlns:a="http://schemas.openxmlformats.org/drawingml/2006/main" xmlns:r="http://schemas.openxmlformats.org/officeDocument/2006/relationships" xmlns:p="http://schemas.openxmlformats.org/presentationml/2006/main">
+  <p:cSld>
+    <p:spTree>
+      <p:nvGrpSpPr>
+        <p:cNvPr id="1" name=""/>
+        <p:cNvGrpSpPr/>
+        <p:nvPr/>
+      </p:nvGrpSpPr>
+      <p:grpSpPr>
+        <a:xfrm>
+          <a:off x="0" y="0"/>
+          <a:ext cx="0" cy="0"/>
+          <a:chOff x="0" y="0"/>
+          <a:chExt cx="0" cy="0"/>
+        </a:xfrm>
+      </p:grpSpPr>
+      <p:pic>
+        <p:nvPicPr>
+          <p:cNvPr id="7" name="Picture 6">
+            <a:extLst>
+              <a:ext uri="{FF2B5EF4-FFF2-40B4-BE49-F238E27FC236}">
+                <a16:creationId xmlns:a16="http://schemas.microsoft.com/office/drawing/2014/main" id="{5063E3CA-F4EB-8787-88D2-1C2EF441E058}"/>
+              </a:ext>
+            </a:extLst>
+          </p:cNvPr>
+          <p:cNvPicPr>
+            <a:picLocks noChangeAspect="1"/>
+          </p:cNvPicPr>
+          <p:nvPr/>
+        </p:nvPicPr>
+        <p:blipFill>
+          <a:blip r:embed="rId3"/>
+          <a:stretch>
+            <a:fillRect/>
+          </a:stretch>
+        </p:blipFill>
+        <p:spPr>
+          <a:xfrm>
+            <a:off x="625434" y="310615"/>
+            <a:ext cx="5263182" cy="3418545"/>
+          </a:xfrm>
+          <a:prstGeom prst="rect">
+            <a:avLst/>
+          </a:prstGeom>
+        </p:spPr>
+      </p:pic>
+      <p:pic>
+        <p:nvPicPr>
+          <p:cNvPr id="9" name="Picture 8">
+            <a:extLst>
+              <a:ext uri="{FF2B5EF4-FFF2-40B4-BE49-F238E27FC236}">
+                <a16:creationId xmlns:a16="http://schemas.microsoft.com/office/drawing/2014/main" id="{8B42DF85-EEC2-C418-E03C-A6A87842D928}"/>
+              </a:ext>
+            </a:extLst>
+          </p:cNvPr>
+          <p:cNvPicPr>
+            <a:picLocks noChangeAspect="1"/>
+          </p:cNvPicPr>
+          <p:nvPr/>
+        </p:nvPicPr>
+        <p:blipFill>
+          <a:blip r:embed="rId4"/>
+          <a:stretch>
+            <a:fillRect/>
+          </a:stretch>
+        </p:blipFill>
+        <p:spPr>
+          <a:xfrm>
+            <a:off x="6515597" y="310615"/>
+            <a:ext cx="5050969" cy="3418544"/>
+          </a:xfrm>
+          <a:prstGeom prst="rect">
+            <a:avLst/>
+          </a:prstGeom>
+        </p:spPr>
+      </p:pic>
+      <p:pic>
+        <p:nvPicPr>
+          <p:cNvPr id="11" name="Picture 10">
+            <a:extLst>
+              <a:ext uri="{FF2B5EF4-FFF2-40B4-BE49-F238E27FC236}">
+                <a16:creationId xmlns:a16="http://schemas.microsoft.com/office/drawing/2014/main" id="{47CD8CEF-A0EF-134C-57C3-D165E6AA5473}"/>
+              </a:ext>
+            </a:extLst>
+          </p:cNvPr>
+          <p:cNvPicPr>
+            <a:picLocks noChangeAspect="1"/>
+          </p:cNvPicPr>
+          <p:nvPr/>
+        </p:nvPicPr>
+        <p:blipFill>
+          <a:blip r:embed="rId5"/>
+          <a:stretch>
+            <a:fillRect/>
+          </a:stretch>
+        </p:blipFill>
+        <p:spPr>
+          <a:xfrm>
+            <a:off x="625434" y="3429000"/>
+            <a:ext cx="4276725" cy="3276600"/>
+          </a:xfrm>
+          <a:prstGeom prst="rect">
+            <a:avLst/>
+          </a:prstGeom>
+        </p:spPr>
+      </p:pic>
+      <p:pic>
+        <p:nvPicPr>
+          <p:cNvPr id="13" name="Picture 12">
+            <a:extLst>
+              <a:ext uri="{FF2B5EF4-FFF2-40B4-BE49-F238E27FC236}">
+                <a16:creationId xmlns:a16="http://schemas.microsoft.com/office/drawing/2014/main" id="{1389C7BA-6BAF-8C3C-5EA4-62EAE88E5708}"/>
+              </a:ext>
+            </a:extLst>
+          </p:cNvPr>
+          <p:cNvPicPr>
+            <a:picLocks noChangeAspect="1"/>
+          </p:cNvPicPr>
+          <p:nvPr/>
+        </p:nvPicPr>
+        <p:blipFill>
+          <a:blip r:embed="rId6"/>
+          <a:stretch>
+            <a:fillRect/>
+          </a:stretch>
+        </p:blipFill>
+        <p:spPr>
+          <a:xfrm>
+            <a:off x="6095999" y="3562350"/>
+            <a:ext cx="5050969" cy="3143250"/>
+          </a:xfrm>
+          <a:prstGeom prst="rect">
+            <a:avLst/>
+          </a:prstGeom>
+        </p:spPr>
+      </p:pic>
+      <p:sp>
+        <p:nvSpPr>
+          <p:cNvPr id="14" name="TextBox 13">
+            <a:extLst>
+              <a:ext uri="{FF2B5EF4-FFF2-40B4-BE49-F238E27FC236}">
+                <a16:creationId xmlns:a16="http://schemas.microsoft.com/office/drawing/2014/main" id="{317B9201-7D3A-3767-CE27-B0F62BD3758D}"/>
+              </a:ext>
+            </a:extLst>
+          </p:cNvPr>
+          <p:cNvSpPr txBox="1"/>
+          <p:nvPr/>
+        </p:nvSpPr>
+        <p:spPr>
+          <a:xfrm rot="1584945">
+            <a:off x="3882525" y="3090267"/>
+            <a:ext cx="4727016" cy="1323439"/>
+          </a:xfrm>
+          <a:prstGeom prst="rect">
+            <a:avLst/>
+          </a:prstGeom>
+          <a:noFill/>
+        </p:spPr>
+        <p:txBody>
+          <a:bodyPr wrap="square" rtlCol="0">
+            <a:spAutoFit/>
+          </a:bodyPr>
+          <a:lstStyle/>
+          <a:p>
+            <a:r>
+              <a:rPr lang="en-US" sz="8000" dirty="0">
+                <a:solidFill>
+                  <a:schemeClr val="accent1">
+                    <a:alpha val="72000"/>
+                  </a:schemeClr>
+                </a:solidFill>
+              </a:rPr>
+              <a:t>Thank You</a:t>
+            </a:r>
+          </a:p>
+        </p:txBody>
+      </p:sp>
+    </p:spTree>
+    <p:extLst>
+      <p:ext uri="{BB962C8B-B14F-4D97-AF65-F5344CB8AC3E}">
+        <p14:creationId xmlns:p14="http://schemas.microsoft.com/office/powerpoint/2010/main" val="2735215884"/>
       </p:ext>
     </p:extLst>
   </p:cSld>
@@ -22969,7 +26827,7 @@
           <p:nvPr>
             <p:extLst>
               <p:ext uri="{D42A27DB-BD31-4B8C-83A1-F6EECF244321}">
-                <p14:modId xmlns:p14="http://schemas.microsoft.com/office/powerpoint/2010/main" val="486059058"/>
+                <p14:modId xmlns:p14="http://schemas.microsoft.com/office/powerpoint/2010/main" val="1084596593"/>
               </p:ext>
             </p:extLst>
           </p:nvPr>
@@ -22999,7 +26857,7 @@
           <p:nvPr>
             <p:extLst>
               <p:ext uri="{D42A27DB-BD31-4B8C-83A1-F6EECF244321}">
-                <p14:modId xmlns:p14="http://schemas.microsoft.com/office/powerpoint/2010/main" val="2804641899"/>
+                <p14:modId xmlns:p14="http://schemas.microsoft.com/office/powerpoint/2010/main" val="1523575030"/>
               </p:ext>
             </p:extLst>
           </p:nvPr>

--- a/Proj_presentation.pptx
+++ b/Proj_presentation.pptx
@@ -5,7 +5,7 @@
     <p:sldMasterId id="2147483648" r:id="rId1"/>
   </p:sldMasterIdLst>
   <p:notesMasterIdLst>
-    <p:notesMasterId r:id="rId22"/>
+    <p:notesMasterId r:id="rId23"/>
   </p:notesMasterIdLst>
   <p:sldIdLst>
     <p:sldId id="256" r:id="rId2"/>
@@ -23,11 +23,12 @@
     <p:sldId id="269" r:id="rId14"/>
     <p:sldId id="275" r:id="rId15"/>
     <p:sldId id="271" r:id="rId16"/>
-    <p:sldId id="273" r:id="rId17"/>
-    <p:sldId id="276" r:id="rId18"/>
-    <p:sldId id="274" r:id="rId19"/>
+    <p:sldId id="274" r:id="rId17"/>
+    <p:sldId id="273" r:id="rId18"/>
+    <p:sldId id="278" r:id="rId19"/>
     <p:sldId id="272" r:id="rId20"/>
     <p:sldId id="277" r:id="rId21"/>
+    <p:sldId id="276" r:id="rId22"/>
   </p:sldIdLst>
   <p:sldSz cx="12192000" cy="6858000"/>
   <p:notesSz cx="6858000" cy="9144000"/>
@@ -811,7 +812,7 @@
             <a:effectLst/>
           </c:spPr>
         </c:majorGridlines>
-        <c:numFmt formatCode="#,##0.00" sourceLinked="0"/>
+        <c:numFmt formatCode="#,##0.0" sourceLinked="0"/>
         <c:majorTickMark val="none"/>
         <c:minorTickMark val="none"/>
         <c:tickLblPos val="nextTo"/>
@@ -827,7 +828,7 @@
           <a:lstStyle/>
           <a:p>
             <a:pPr>
-              <a:defRPr sz="1100" b="0" i="0" u="none" strike="noStrike" kern="1200" baseline="0">
+              <a:defRPr sz="1400" b="0" i="0" u="none" strike="noStrike" kern="1200" baseline="0">
                 <a:solidFill>
                   <a:schemeClr val="tx1">
                     <a:lumMod val="65000"/>
@@ -1703,7 +1704,7 @@
             <a:effectLst/>
           </c:spPr>
         </c:majorGridlines>
-        <c:numFmt formatCode="#,##0.00" sourceLinked="0"/>
+        <c:numFmt formatCode="#,##0.0" sourceLinked="0"/>
         <c:majorTickMark val="none"/>
         <c:minorTickMark val="none"/>
         <c:tickLblPos val="nextTo"/>
@@ -1719,7 +1720,7 @@
           <a:lstStyle/>
           <a:p>
             <a:pPr>
-              <a:defRPr sz="1100" b="0" i="0" u="none" strike="noStrike" kern="1200" baseline="0">
+              <a:defRPr sz="1400" b="0" i="0" u="none" strike="noStrike" kern="1200" baseline="0">
                 <a:solidFill>
                   <a:schemeClr val="tx1">
                     <a:lumMod val="65000"/>
@@ -4252,7 +4253,7 @@
           <a:lstStyle/>
           <a:p>
             <a:pPr>
-              <a:defRPr sz="1100" b="0" i="0" u="none" strike="noStrike" kern="1200" baseline="0">
+              <a:defRPr sz="1400" b="0" i="0" u="none" strike="noStrike" kern="1200" baseline="0">
                 <a:solidFill>
                   <a:schemeClr val="tx1">
                     <a:lumMod val="65000"/>
@@ -5152,7 +5153,7 @@
           <a:lstStyle/>
           <a:p>
             <a:pPr>
-              <a:defRPr sz="900" b="0" i="0" u="none" strike="noStrike" kern="1200" baseline="0">
+              <a:defRPr sz="1400" b="0" i="0" u="none" strike="noStrike" kern="1200" baseline="0">
                 <a:solidFill>
                   <a:schemeClr val="tx1">
                     <a:lumMod val="65000"/>
@@ -17430,11 +17431,7 @@
           <a:p>
             <a:r>
               <a:rPr lang="en-US" dirty="0"/>
-              <a:t>What </a:t>
-            </a:r>
-            <a:r>
-              <a:rPr lang="en-US"/>
-              <a:t>to beat</a:t>
+              <a:t>What to beat</a:t>
             </a:r>
           </a:p>
         </p:txBody>
@@ -21973,7 +21970,7 @@
           <p:nvPr>
             <p:extLst>
               <p:ext uri="{D42A27DB-BD31-4B8C-83A1-F6EECF244321}">
-                <p14:modId xmlns:p14="http://schemas.microsoft.com/office/powerpoint/2010/main" val="2565580693"/>
+                <p14:modId xmlns:p14="http://schemas.microsoft.com/office/powerpoint/2010/main" val="1283861854"/>
               </p:ext>
             </p:extLst>
           </p:nvPr>
@@ -22048,7 +22045,7 @@
                             <a:schemeClr val="tx1"/>
                           </a:solidFill>
                         </a:rPr>
-                        <a:t>Measured Speed</a:t>
+                        <a:t>Measured Speed (buffered read)</a:t>
                       </a:r>
                     </a:p>
                   </a:txBody>
@@ -22343,8 +22340,8 @@
         </p:nvSpPr>
         <p:spPr>
           <a:xfrm>
-            <a:off x="2173184" y="4716935"/>
-            <a:ext cx="8431481" cy="1569660"/>
+            <a:off x="1877148" y="4716935"/>
+            <a:ext cx="8431481" cy="1938992"/>
           </a:xfrm>
           <a:prstGeom prst="rect">
             <a:avLst/>
@@ -22356,6 +22353,24 @@
             <a:spAutoFit/>
           </a:bodyPr>
           <a:lstStyle/>
+          <a:p>
+            <a:r>
+              <a:rPr lang="en-US" sz="2400" dirty="0"/>
+              <a:t>Speeds determined with the command </a:t>
+            </a:r>
+            <a:r>
+              <a:rPr lang="en-US" sz="2400" dirty="0" err="1">
+                <a:latin typeface="Consolas" panose="020B0609020204030204" pitchFamily="49" charset="0"/>
+              </a:rPr>
+              <a:t>hdparm</a:t>
+            </a:r>
+            <a:r>
+              <a:rPr lang="en-US" sz="2400" dirty="0">
+                <a:latin typeface="Consolas" panose="020B0609020204030204" pitchFamily="49" charset="0"/>
+              </a:rPr>
+              <a:t> –Tt</a:t>
+            </a:r>
+          </a:p>
           <a:p>
             <a:r>
               <a:rPr lang="en-US" sz="2400" dirty="0"/>
@@ -22863,7 +22878,13 @@
           <p:cNvGraphicFramePr>
             <a:graphicFrameLocks/>
           </p:cNvGraphicFramePr>
-          <p:nvPr/>
+          <p:nvPr>
+            <p:extLst>
+              <p:ext uri="{D42A27DB-BD31-4B8C-83A1-F6EECF244321}">
+                <p14:modId xmlns:p14="http://schemas.microsoft.com/office/powerpoint/2010/main" val="3900181783"/>
+              </p:ext>
+            </p:extLst>
+          </p:nvPr>
         </p:nvGraphicFramePr>
         <p:xfrm>
           <a:off x="609599" y="1686304"/>
@@ -22890,7 +22911,7 @@
           <p:nvPr>
             <p:extLst>
               <p:ext uri="{D42A27DB-BD31-4B8C-83A1-F6EECF244321}">
-                <p14:modId xmlns:p14="http://schemas.microsoft.com/office/powerpoint/2010/main" val="2715661533"/>
+                <p14:modId xmlns:p14="http://schemas.microsoft.com/office/powerpoint/2010/main" val="415163502"/>
               </p:ext>
             </p:extLst>
           </p:nvPr>
@@ -23110,335 +23131,6 @@
         </p:nvSpPr>
         <p:spPr>
           <a:xfrm>
-            <a:off x="838200" y="365125"/>
-            <a:ext cx="10515600" cy="1012413"/>
-          </a:xfrm>
-        </p:spPr>
-        <p:txBody>
-          <a:bodyPr/>
-          <a:lstStyle/>
-          <a:p>
-            <a:r>
-              <a:rPr lang="en-US" dirty="0"/>
-              <a:t>EBS Challenges</a:t>
-            </a:r>
-          </a:p>
-        </p:txBody>
-      </p:sp>
-      <p:sp>
-        <p:nvSpPr>
-          <p:cNvPr id="5" name="Content Placeholder 4">
-            <a:extLst>
-              <a:ext uri="{FF2B5EF4-FFF2-40B4-BE49-F238E27FC236}">
-                <a16:creationId xmlns:a16="http://schemas.microsoft.com/office/drawing/2014/main" id="{6C513494-BF2A-D5B3-BD43-D11006FC4E10}"/>
-              </a:ext>
-            </a:extLst>
-          </p:cNvPr>
-          <p:cNvSpPr>
-            <a:spLocks noGrp="1"/>
-          </p:cNvSpPr>
-          <p:nvPr>
-            <p:ph idx="1"/>
-          </p:nvPr>
-        </p:nvSpPr>
-        <p:spPr/>
-        <p:txBody>
-          <a:bodyPr>
-            <a:normAutofit/>
-          </a:bodyPr>
-          <a:lstStyle/>
-          <a:p>
-            <a:r>
-              <a:rPr lang="en-US" dirty="0"/>
-              <a:t>We didn’t see a lot of difference in the GP2 GP3 and IO2 disks.  The disks used in the “I” family are faster.  </a:t>
-            </a:r>
-          </a:p>
-          <a:p>
-            <a:r>
-              <a:rPr lang="en-US" dirty="0"/>
-              <a:t>The expense is non-trivial.  Daily use for a single user would rival or surpass purchase of a desktop computer. </a:t>
-            </a:r>
-          </a:p>
-        </p:txBody>
-      </p:sp>
-      <p:cxnSp>
-        <p:nvCxnSpPr>
-          <p:cNvPr id="6" name="Straight Connector 5">
-            <a:extLst>
-              <a:ext uri="{FF2B5EF4-FFF2-40B4-BE49-F238E27FC236}">
-                <a16:creationId xmlns:a16="http://schemas.microsoft.com/office/drawing/2014/main" id="{62316E6B-E45C-9648-5EEE-3291F4307A5D}"/>
-              </a:ext>
-            </a:extLst>
-          </p:cNvPr>
-          <p:cNvCxnSpPr/>
-          <p:nvPr/>
-        </p:nvCxnSpPr>
-        <p:spPr>
-          <a:xfrm>
-            <a:off x="615820" y="1287624"/>
-            <a:ext cx="10954139" cy="0"/>
-          </a:xfrm>
-          <a:prstGeom prst="line">
-            <a:avLst/>
-          </a:prstGeom>
-          <a:ln w="19050">
-            <a:solidFill>
-              <a:schemeClr val="bg1">
-                <a:lumMod val="50000"/>
-              </a:schemeClr>
-            </a:solidFill>
-            <a:prstDash val="sysDash"/>
-          </a:ln>
-        </p:spPr>
-        <p:style>
-          <a:lnRef idx="1">
-            <a:schemeClr val="accent1"/>
-          </a:lnRef>
-          <a:fillRef idx="0">
-            <a:schemeClr val="accent1"/>
-          </a:fillRef>
-          <a:effectRef idx="0">
-            <a:schemeClr val="accent1"/>
-          </a:effectRef>
-          <a:fontRef idx="minor">
-            <a:schemeClr val="tx1"/>
-          </a:fontRef>
-        </p:style>
-      </p:cxnSp>
-    </p:spTree>
-    <p:extLst>
-      <p:ext uri="{BB962C8B-B14F-4D97-AF65-F5344CB8AC3E}">
-        <p14:creationId xmlns:p14="http://schemas.microsoft.com/office/powerpoint/2010/main" val="1879456329"/>
-      </p:ext>
-    </p:extLst>
-  </p:cSld>
-  <p:clrMapOvr>
-    <a:masterClrMapping/>
-  </p:clrMapOvr>
-</p:sld>
-</file>
-
-<file path=ppt/slides/slide17.xml><?xml version="1.0" encoding="utf-8"?>
-<p:sld xmlns:a="http://schemas.openxmlformats.org/drawingml/2006/main" xmlns:r="http://schemas.openxmlformats.org/officeDocument/2006/relationships" xmlns:p="http://schemas.openxmlformats.org/presentationml/2006/main">
-  <p:cSld>
-    <p:spTree>
-      <p:nvGrpSpPr>
-        <p:cNvPr id="1" name=""/>
-        <p:cNvGrpSpPr/>
-        <p:nvPr/>
-      </p:nvGrpSpPr>
-      <p:grpSpPr>
-        <a:xfrm>
-          <a:off x="0" y="0"/>
-          <a:ext cx="0" cy="0"/>
-          <a:chOff x="0" y="0"/>
-          <a:chExt cx="0" cy="0"/>
-        </a:xfrm>
-      </p:grpSpPr>
-      <p:sp>
-        <p:nvSpPr>
-          <p:cNvPr id="2" name="Title 1">
-            <a:extLst>
-              <a:ext uri="{FF2B5EF4-FFF2-40B4-BE49-F238E27FC236}">
-                <a16:creationId xmlns:a16="http://schemas.microsoft.com/office/drawing/2014/main" id="{0F9BF145-4E41-CCA3-E21E-5F8E64340952}"/>
-              </a:ext>
-            </a:extLst>
-          </p:cNvPr>
-          <p:cNvSpPr>
-            <a:spLocks noGrp="1"/>
-          </p:cNvSpPr>
-          <p:nvPr>
-            <p:ph type="title"/>
-          </p:nvPr>
-        </p:nvSpPr>
-        <p:spPr/>
-        <p:txBody>
-          <a:bodyPr/>
-          <a:lstStyle/>
-          <a:p>
-            <a:r>
-              <a:rPr lang="en-US" dirty="0"/>
-              <a:t>EBS Challenges in Testing</a:t>
-            </a:r>
-          </a:p>
-        </p:txBody>
-      </p:sp>
-      <p:pic>
-        <p:nvPicPr>
-          <p:cNvPr id="3" name="Content Placeholder 2">
-            <a:extLst>
-              <a:ext uri="{FF2B5EF4-FFF2-40B4-BE49-F238E27FC236}">
-                <a16:creationId xmlns:a16="http://schemas.microsoft.com/office/drawing/2014/main" id="{5D986174-4687-54D4-2E1A-964B4E6EAEE1}"/>
-              </a:ext>
-            </a:extLst>
-          </p:cNvPr>
-          <p:cNvPicPr>
-            <a:picLocks noGrp="1" noChangeAspect="1" noChangeArrowheads="1"/>
-          </p:cNvPicPr>
-          <p:nvPr>
-            <p:ph idx="1"/>
-          </p:nvPr>
-        </p:nvPicPr>
-        <p:blipFill>
-          <a:blip r:embed="rId2">
-            <a:extLst>
-              <a:ext uri="{28A0092B-C50C-407E-A947-70E740481C1C}">
-                <a14:useLocalDpi xmlns:a14="http://schemas.microsoft.com/office/drawing/2010/main" val="0"/>
-              </a:ext>
-            </a:extLst>
-          </a:blip>
-          <a:srcRect/>
-          <a:stretch>
-            <a:fillRect/>
-          </a:stretch>
-        </p:blipFill>
-        <p:spPr bwMode="auto">
-          <a:xfrm>
-            <a:off x="6457552" y="1690688"/>
-            <a:ext cx="4810796" cy="2638793"/>
-          </a:xfrm>
-          <a:prstGeom prst="rect">
-            <a:avLst/>
-          </a:prstGeom>
-          <a:noFill/>
-          <a:extLst>
-            <a:ext uri="{909E8E84-426E-40DD-AFC4-6F175D3DCCD1}">
-              <a14:hiddenFill xmlns:a14="http://schemas.microsoft.com/office/drawing/2010/main">
-                <a:solidFill>
-                  <a:srgbClr val="FFFFFF"/>
-                </a:solidFill>
-              </a14:hiddenFill>
-            </a:ext>
-          </a:extLst>
-        </p:spPr>
-      </p:pic>
-      <p:sp>
-        <p:nvSpPr>
-          <p:cNvPr id="4" name="TextBox 3">
-            <a:extLst>
-              <a:ext uri="{FF2B5EF4-FFF2-40B4-BE49-F238E27FC236}">
-                <a16:creationId xmlns:a16="http://schemas.microsoft.com/office/drawing/2014/main" id="{7524BF92-1F91-71EE-7B49-BDD24A60E372}"/>
-              </a:ext>
-            </a:extLst>
-          </p:cNvPr>
-          <p:cNvSpPr txBox="1"/>
-          <p:nvPr/>
-        </p:nvSpPr>
-        <p:spPr>
-          <a:xfrm>
-            <a:off x="1211283" y="1971304"/>
-            <a:ext cx="4884717" cy="2308324"/>
-          </a:xfrm>
-          <a:prstGeom prst="rect">
-            <a:avLst/>
-          </a:prstGeom>
-          <a:noFill/>
-        </p:spPr>
-        <p:txBody>
-          <a:bodyPr wrap="square" rtlCol="0">
-            <a:spAutoFit/>
-          </a:bodyPr>
-          <a:lstStyle/>
-          <a:p>
-            <a:r>
-              <a:rPr lang="en-US" sz="2400" dirty="0"/>
-              <a:t>When creating an instance the region may be selected but the Availability zone is not.  Volumes may be selected in an Availability zone.  A volume created may not be made available to another instance.</a:t>
-            </a:r>
-          </a:p>
-        </p:txBody>
-      </p:sp>
-      <p:cxnSp>
-        <p:nvCxnSpPr>
-          <p:cNvPr id="5" name="Straight Connector 4">
-            <a:extLst>
-              <a:ext uri="{FF2B5EF4-FFF2-40B4-BE49-F238E27FC236}">
-                <a16:creationId xmlns:a16="http://schemas.microsoft.com/office/drawing/2014/main" id="{3F758423-27B4-7556-FE20-C0C995EA1A8E}"/>
-              </a:ext>
-            </a:extLst>
-          </p:cNvPr>
-          <p:cNvCxnSpPr/>
-          <p:nvPr/>
-        </p:nvCxnSpPr>
-        <p:spPr>
-          <a:xfrm>
-            <a:off x="615820" y="1287624"/>
-            <a:ext cx="10954139" cy="0"/>
-          </a:xfrm>
-          <a:prstGeom prst="line">
-            <a:avLst/>
-          </a:prstGeom>
-          <a:ln w="19050">
-            <a:solidFill>
-              <a:schemeClr val="bg1">
-                <a:lumMod val="50000"/>
-              </a:schemeClr>
-            </a:solidFill>
-            <a:prstDash val="sysDash"/>
-          </a:ln>
-        </p:spPr>
-        <p:style>
-          <a:lnRef idx="1">
-            <a:schemeClr val="accent1"/>
-          </a:lnRef>
-          <a:fillRef idx="0">
-            <a:schemeClr val="accent1"/>
-          </a:fillRef>
-          <a:effectRef idx="0">
-            <a:schemeClr val="accent1"/>
-          </a:effectRef>
-          <a:fontRef idx="minor">
-            <a:schemeClr val="tx1"/>
-          </a:fontRef>
-        </p:style>
-      </p:cxnSp>
-    </p:spTree>
-    <p:extLst>
-      <p:ext uri="{BB962C8B-B14F-4D97-AF65-F5344CB8AC3E}">
-        <p14:creationId xmlns:p14="http://schemas.microsoft.com/office/powerpoint/2010/main" val="933280548"/>
-      </p:ext>
-    </p:extLst>
-  </p:cSld>
-  <p:clrMapOvr>
-    <a:masterClrMapping/>
-  </p:clrMapOvr>
-</p:sld>
-</file>
-
-<file path=ppt/slides/slide18.xml><?xml version="1.0" encoding="utf-8"?>
-<p:sld xmlns:a="http://schemas.openxmlformats.org/drawingml/2006/main" xmlns:r="http://schemas.openxmlformats.org/officeDocument/2006/relationships" xmlns:p="http://schemas.openxmlformats.org/presentationml/2006/main">
-  <p:cSld>
-    <p:spTree>
-      <p:nvGrpSpPr>
-        <p:cNvPr id="1" name=""/>
-        <p:cNvGrpSpPr/>
-        <p:nvPr/>
-      </p:nvGrpSpPr>
-      <p:grpSpPr>
-        <a:xfrm>
-          <a:off x="0" y="0"/>
-          <a:ext cx="0" cy="0"/>
-          <a:chOff x="0" y="0"/>
-          <a:chExt cx="0" cy="0"/>
-        </a:xfrm>
-      </p:grpSpPr>
-      <p:sp>
-        <p:nvSpPr>
-          <p:cNvPr id="2" name="Title 1">
-            <a:extLst>
-              <a:ext uri="{FF2B5EF4-FFF2-40B4-BE49-F238E27FC236}">
-                <a16:creationId xmlns:a16="http://schemas.microsoft.com/office/drawing/2014/main" id="{0F9BF145-4E41-CCA3-E21E-5F8E64340952}"/>
-              </a:ext>
-            </a:extLst>
-          </p:cNvPr>
-          <p:cNvSpPr>
-            <a:spLocks noGrp="1"/>
-          </p:cNvSpPr>
-          <p:nvPr>
-            <p:ph type="title"/>
-          </p:nvPr>
-        </p:nvSpPr>
-        <p:spPr>
-          <a:xfrm>
             <a:off x="838200" y="365126"/>
             <a:ext cx="10515600" cy="715530"/>
           </a:xfrm>
@@ -23570,6 +23262,304 @@
 </p:sld>
 </file>
 
+<file path=ppt/slides/slide17.xml><?xml version="1.0" encoding="utf-8"?>
+<p:sld xmlns:a="http://schemas.openxmlformats.org/drawingml/2006/main" xmlns:r="http://schemas.openxmlformats.org/officeDocument/2006/relationships" xmlns:p="http://schemas.openxmlformats.org/presentationml/2006/main">
+  <p:cSld>
+    <p:spTree>
+      <p:nvGrpSpPr>
+        <p:cNvPr id="1" name=""/>
+        <p:cNvGrpSpPr/>
+        <p:nvPr/>
+      </p:nvGrpSpPr>
+      <p:grpSpPr>
+        <a:xfrm>
+          <a:off x="0" y="0"/>
+          <a:ext cx="0" cy="0"/>
+          <a:chOff x="0" y="0"/>
+          <a:chExt cx="0" cy="0"/>
+        </a:xfrm>
+      </p:grpSpPr>
+      <p:sp>
+        <p:nvSpPr>
+          <p:cNvPr id="2" name="Title 1">
+            <a:extLst>
+              <a:ext uri="{FF2B5EF4-FFF2-40B4-BE49-F238E27FC236}">
+                <a16:creationId xmlns:a16="http://schemas.microsoft.com/office/drawing/2014/main" id="{0F9BF145-4E41-CCA3-E21E-5F8E64340952}"/>
+              </a:ext>
+            </a:extLst>
+          </p:cNvPr>
+          <p:cNvSpPr>
+            <a:spLocks noGrp="1"/>
+          </p:cNvSpPr>
+          <p:nvPr>
+            <p:ph type="title"/>
+          </p:nvPr>
+        </p:nvSpPr>
+        <p:spPr>
+          <a:xfrm>
+            <a:off x="838200" y="365125"/>
+            <a:ext cx="10515600" cy="1012413"/>
+          </a:xfrm>
+        </p:spPr>
+        <p:txBody>
+          <a:bodyPr/>
+          <a:lstStyle/>
+          <a:p>
+            <a:r>
+              <a:rPr lang="en-US" dirty="0"/>
+              <a:t>Conclusions</a:t>
+            </a:r>
+          </a:p>
+        </p:txBody>
+      </p:sp>
+      <p:sp>
+        <p:nvSpPr>
+          <p:cNvPr id="5" name="Content Placeholder 4">
+            <a:extLst>
+              <a:ext uri="{FF2B5EF4-FFF2-40B4-BE49-F238E27FC236}">
+                <a16:creationId xmlns:a16="http://schemas.microsoft.com/office/drawing/2014/main" id="{6C513494-BF2A-D5B3-BD43-D11006FC4E10}"/>
+              </a:ext>
+            </a:extLst>
+          </p:cNvPr>
+          <p:cNvSpPr>
+            <a:spLocks noGrp="1"/>
+          </p:cNvSpPr>
+          <p:nvPr>
+            <p:ph idx="1"/>
+          </p:nvPr>
+        </p:nvSpPr>
+        <p:spPr/>
+        <p:txBody>
+          <a:bodyPr>
+            <a:normAutofit/>
+          </a:bodyPr>
+          <a:lstStyle/>
+          <a:p>
+            <a:r>
+              <a:rPr lang="en-US" dirty="0"/>
+              <a:t>We didn’t see a lot of difference in the GP2 GP3 and IO2 disks.  The disks used in the “I” family are faster.  </a:t>
+            </a:r>
+          </a:p>
+          <a:p>
+            <a:r>
+              <a:rPr lang="en-US" dirty="0"/>
+              <a:t>The expense is non-trivial.  Daily use for a single user would rival or surpass purchase of a desktop computer, of course the cloud instance is automatically upgradable without capitol investment.</a:t>
+            </a:r>
+          </a:p>
+          <a:p>
+            <a:r>
+              <a:rPr lang="en-US" dirty="0"/>
+              <a:t>S3 --</a:t>
+            </a:r>
+          </a:p>
+        </p:txBody>
+      </p:sp>
+      <p:cxnSp>
+        <p:nvCxnSpPr>
+          <p:cNvPr id="6" name="Straight Connector 5">
+            <a:extLst>
+              <a:ext uri="{FF2B5EF4-FFF2-40B4-BE49-F238E27FC236}">
+                <a16:creationId xmlns:a16="http://schemas.microsoft.com/office/drawing/2014/main" id="{62316E6B-E45C-9648-5EEE-3291F4307A5D}"/>
+              </a:ext>
+            </a:extLst>
+          </p:cNvPr>
+          <p:cNvCxnSpPr/>
+          <p:nvPr/>
+        </p:nvCxnSpPr>
+        <p:spPr>
+          <a:xfrm>
+            <a:off x="615820" y="1287624"/>
+            <a:ext cx="10954139" cy="0"/>
+          </a:xfrm>
+          <a:prstGeom prst="line">
+            <a:avLst/>
+          </a:prstGeom>
+          <a:ln w="19050">
+            <a:solidFill>
+              <a:schemeClr val="bg1">
+                <a:lumMod val="50000"/>
+              </a:schemeClr>
+            </a:solidFill>
+            <a:prstDash val="sysDash"/>
+          </a:ln>
+        </p:spPr>
+        <p:style>
+          <a:lnRef idx="1">
+            <a:schemeClr val="accent1"/>
+          </a:lnRef>
+          <a:fillRef idx="0">
+            <a:schemeClr val="accent1"/>
+          </a:fillRef>
+          <a:effectRef idx="0">
+            <a:schemeClr val="accent1"/>
+          </a:effectRef>
+          <a:fontRef idx="minor">
+            <a:schemeClr val="tx1"/>
+          </a:fontRef>
+        </p:style>
+      </p:cxnSp>
+    </p:spTree>
+    <p:extLst>
+      <p:ext uri="{BB962C8B-B14F-4D97-AF65-F5344CB8AC3E}">
+        <p14:creationId xmlns:p14="http://schemas.microsoft.com/office/powerpoint/2010/main" val="1879456329"/>
+      </p:ext>
+    </p:extLst>
+  </p:cSld>
+  <p:clrMapOvr>
+    <a:masterClrMapping/>
+  </p:clrMapOvr>
+</p:sld>
+</file>
+
+<file path=ppt/slides/slide18.xml><?xml version="1.0" encoding="utf-8"?>
+<p:sld xmlns:a="http://schemas.openxmlformats.org/drawingml/2006/main" xmlns:r="http://schemas.openxmlformats.org/officeDocument/2006/relationships" xmlns:p="http://schemas.openxmlformats.org/presentationml/2006/main">
+  <p:cSld>
+    <p:spTree>
+      <p:nvGrpSpPr>
+        <p:cNvPr id="1" name=""/>
+        <p:cNvGrpSpPr/>
+        <p:nvPr/>
+      </p:nvGrpSpPr>
+      <p:grpSpPr>
+        <a:xfrm>
+          <a:off x="0" y="0"/>
+          <a:ext cx="0" cy="0"/>
+          <a:chOff x="0" y="0"/>
+          <a:chExt cx="0" cy="0"/>
+        </a:xfrm>
+      </p:grpSpPr>
+      <p:sp>
+        <p:nvSpPr>
+          <p:cNvPr id="2" name="Title 1">
+            <a:extLst>
+              <a:ext uri="{FF2B5EF4-FFF2-40B4-BE49-F238E27FC236}">
+                <a16:creationId xmlns:a16="http://schemas.microsoft.com/office/drawing/2014/main" id="{0F9BF145-4E41-CCA3-E21E-5F8E64340952}"/>
+              </a:ext>
+            </a:extLst>
+          </p:cNvPr>
+          <p:cNvSpPr>
+            <a:spLocks noGrp="1"/>
+          </p:cNvSpPr>
+          <p:nvPr>
+            <p:ph type="title"/>
+          </p:nvPr>
+        </p:nvSpPr>
+        <p:spPr>
+          <a:xfrm>
+            <a:off x="838200" y="365125"/>
+            <a:ext cx="10515600" cy="1012413"/>
+          </a:xfrm>
+        </p:spPr>
+        <p:txBody>
+          <a:bodyPr/>
+          <a:lstStyle/>
+          <a:p>
+            <a:r>
+              <a:rPr lang="en-US" dirty="0"/>
+              <a:t>Future Work</a:t>
+            </a:r>
+          </a:p>
+        </p:txBody>
+      </p:sp>
+      <p:sp>
+        <p:nvSpPr>
+          <p:cNvPr id="5" name="Content Placeholder 4">
+            <a:extLst>
+              <a:ext uri="{FF2B5EF4-FFF2-40B4-BE49-F238E27FC236}">
+                <a16:creationId xmlns:a16="http://schemas.microsoft.com/office/drawing/2014/main" id="{6C513494-BF2A-D5B3-BD43-D11006FC4E10}"/>
+              </a:ext>
+            </a:extLst>
+          </p:cNvPr>
+          <p:cNvSpPr>
+            <a:spLocks noGrp="1"/>
+          </p:cNvSpPr>
+          <p:nvPr>
+            <p:ph idx="1"/>
+          </p:nvPr>
+        </p:nvSpPr>
+        <p:spPr/>
+        <p:txBody>
+          <a:bodyPr>
+            <a:normAutofit/>
+          </a:bodyPr>
+          <a:lstStyle/>
+          <a:p>
+            <a:r>
+              <a:rPr lang="en-US" dirty="0"/>
+              <a:t>We will install a free key-value database on the I4 instance and compare it’s results to the results so far.</a:t>
+            </a:r>
+          </a:p>
+          <a:p>
+            <a:r>
+              <a:rPr lang="en-US" dirty="0"/>
+              <a:t>If time permits we will rewrite the program in C++ to allow for easier and faster manipulation of the data.</a:t>
+            </a:r>
+          </a:p>
+          <a:p>
+            <a:r>
+              <a:rPr lang="en-US" dirty="0"/>
+              <a:t>S3 --</a:t>
+            </a:r>
+          </a:p>
+        </p:txBody>
+      </p:sp>
+      <p:cxnSp>
+        <p:nvCxnSpPr>
+          <p:cNvPr id="6" name="Straight Connector 5">
+            <a:extLst>
+              <a:ext uri="{FF2B5EF4-FFF2-40B4-BE49-F238E27FC236}">
+                <a16:creationId xmlns:a16="http://schemas.microsoft.com/office/drawing/2014/main" id="{62316E6B-E45C-9648-5EEE-3291F4307A5D}"/>
+              </a:ext>
+            </a:extLst>
+          </p:cNvPr>
+          <p:cNvCxnSpPr/>
+          <p:nvPr/>
+        </p:nvCxnSpPr>
+        <p:spPr>
+          <a:xfrm>
+            <a:off x="615820" y="1287624"/>
+            <a:ext cx="10954139" cy="0"/>
+          </a:xfrm>
+          <a:prstGeom prst="line">
+            <a:avLst/>
+          </a:prstGeom>
+          <a:ln w="19050">
+            <a:solidFill>
+              <a:schemeClr val="bg1">
+                <a:lumMod val="50000"/>
+              </a:schemeClr>
+            </a:solidFill>
+            <a:prstDash val="sysDash"/>
+          </a:ln>
+        </p:spPr>
+        <p:style>
+          <a:lnRef idx="1">
+            <a:schemeClr val="accent1"/>
+          </a:lnRef>
+          <a:fillRef idx="0">
+            <a:schemeClr val="accent1"/>
+          </a:fillRef>
+          <a:effectRef idx="0">
+            <a:schemeClr val="accent1"/>
+          </a:effectRef>
+          <a:fontRef idx="minor">
+            <a:schemeClr val="tx1"/>
+          </a:fontRef>
+        </p:style>
+      </p:cxnSp>
+    </p:spTree>
+    <p:extLst>
+      <p:ext uri="{BB962C8B-B14F-4D97-AF65-F5344CB8AC3E}">
+        <p14:creationId xmlns:p14="http://schemas.microsoft.com/office/powerpoint/2010/main" val="757425877"/>
+      </p:ext>
+    </p:extLst>
+  </p:cSld>
+  <p:clrMapOvr>
+    <a:masterClrMapping/>
+  </p:clrMapOvr>
+</p:sld>
+</file>
+
 <file path=ppt/slides/slide19.xml><?xml version="1.0" encoding="utf-8"?>
 <p:sld xmlns:a="http://schemas.openxmlformats.org/drawingml/2006/main" xmlns:r="http://schemas.openxmlformats.org/officeDocument/2006/relationships" xmlns:p="http://schemas.openxmlformats.org/presentationml/2006/main">
   <p:cSld>
@@ -23640,6 +23630,24 @@
         <p:txBody>
           <a:bodyPr/>
           <a:lstStyle/>
+          <a:p>
+            <a:r>
+              <a:rPr lang="en-US" dirty="0"/>
+              <a:t>Glenn – Program Architecture – rough draft – ran EC2 experiments</a:t>
+            </a:r>
+          </a:p>
+          <a:p>
+            <a:r>
+              <a:rPr lang="en-US" dirty="0"/>
+              <a:t>Daniel – Program refactoring, error checking, cleaned up global constants – ran S3 experiments</a:t>
+            </a:r>
+          </a:p>
+          <a:p>
+            <a:r>
+              <a:rPr lang="en-US" dirty="0"/>
+              <a:t>Both contributed to the slides for this presentation</a:t>
+            </a:r>
+          </a:p>
           <a:p>
             <a:endParaRPr lang="en-US" dirty="0"/>
           </a:p>
@@ -24022,6 +24030,192 @@
     <p:extLst>
       <p:ext uri="{BB962C8B-B14F-4D97-AF65-F5344CB8AC3E}">
         <p14:creationId xmlns:p14="http://schemas.microsoft.com/office/powerpoint/2010/main" val="2735215884"/>
+      </p:ext>
+    </p:extLst>
+  </p:cSld>
+  <p:clrMapOvr>
+    <a:masterClrMapping/>
+  </p:clrMapOvr>
+</p:sld>
+</file>
+
+<file path=ppt/slides/slide21.xml><?xml version="1.0" encoding="utf-8"?>
+<p:sld xmlns:a="http://schemas.openxmlformats.org/drawingml/2006/main" xmlns:r="http://schemas.openxmlformats.org/officeDocument/2006/relationships" xmlns:p="http://schemas.openxmlformats.org/presentationml/2006/main">
+  <p:cSld>
+    <p:spTree>
+      <p:nvGrpSpPr>
+        <p:cNvPr id="1" name=""/>
+        <p:cNvGrpSpPr/>
+        <p:nvPr/>
+      </p:nvGrpSpPr>
+      <p:grpSpPr>
+        <a:xfrm>
+          <a:off x="0" y="0"/>
+          <a:ext cx="0" cy="0"/>
+          <a:chOff x="0" y="0"/>
+          <a:chExt cx="0" cy="0"/>
+        </a:xfrm>
+      </p:grpSpPr>
+      <p:sp>
+        <p:nvSpPr>
+          <p:cNvPr id="2" name="Title 1">
+            <a:extLst>
+              <a:ext uri="{FF2B5EF4-FFF2-40B4-BE49-F238E27FC236}">
+                <a16:creationId xmlns:a16="http://schemas.microsoft.com/office/drawing/2014/main" id="{0F9BF145-4E41-CCA3-E21E-5F8E64340952}"/>
+              </a:ext>
+            </a:extLst>
+          </p:cNvPr>
+          <p:cNvSpPr>
+            <a:spLocks noGrp="1"/>
+          </p:cNvSpPr>
+          <p:nvPr>
+            <p:ph type="title"/>
+          </p:nvPr>
+        </p:nvSpPr>
+        <p:spPr/>
+        <p:txBody>
+          <a:bodyPr/>
+          <a:lstStyle/>
+          <a:p>
+            <a:r>
+              <a:rPr lang="en-US" dirty="0"/>
+              <a:t>EBS Challenges in Testing</a:t>
+            </a:r>
+          </a:p>
+        </p:txBody>
+      </p:sp>
+      <p:pic>
+        <p:nvPicPr>
+          <p:cNvPr id="3" name="Content Placeholder 2">
+            <a:extLst>
+              <a:ext uri="{FF2B5EF4-FFF2-40B4-BE49-F238E27FC236}">
+                <a16:creationId xmlns:a16="http://schemas.microsoft.com/office/drawing/2014/main" id="{5D986174-4687-54D4-2E1A-964B4E6EAEE1}"/>
+              </a:ext>
+            </a:extLst>
+          </p:cNvPr>
+          <p:cNvPicPr>
+            <a:picLocks noGrp="1" noChangeAspect="1" noChangeArrowheads="1"/>
+          </p:cNvPicPr>
+          <p:nvPr>
+            <p:ph idx="1"/>
+          </p:nvPr>
+        </p:nvPicPr>
+        <p:blipFill>
+          <a:blip r:embed="rId2">
+            <a:extLst>
+              <a:ext uri="{28A0092B-C50C-407E-A947-70E740481C1C}">
+                <a14:useLocalDpi xmlns:a14="http://schemas.microsoft.com/office/drawing/2010/main" val="0"/>
+              </a:ext>
+            </a:extLst>
+          </a:blip>
+          <a:srcRect/>
+          <a:stretch>
+            <a:fillRect/>
+          </a:stretch>
+        </p:blipFill>
+        <p:spPr bwMode="auto">
+          <a:xfrm>
+            <a:off x="6457552" y="1690688"/>
+            <a:ext cx="4810796" cy="2638793"/>
+          </a:xfrm>
+          <a:prstGeom prst="rect">
+            <a:avLst/>
+          </a:prstGeom>
+          <a:noFill/>
+          <a:extLst>
+            <a:ext uri="{909E8E84-426E-40DD-AFC4-6F175D3DCCD1}">
+              <a14:hiddenFill xmlns:a14="http://schemas.microsoft.com/office/drawing/2010/main">
+                <a:solidFill>
+                  <a:srgbClr val="FFFFFF"/>
+                </a:solidFill>
+              </a14:hiddenFill>
+            </a:ext>
+          </a:extLst>
+        </p:spPr>
+      </p:pic>
+      <p:sp>
+        <p:nvSpPr>
+          <p:cNvPr id="4" name="TextBox 3">
+            <a:extLst>
+              <a:ext uri="{FF2B5EF4-FFF2-40B4-BE49-F238E27FC236}">
+                <a16:creationId xmlns:a16="http://schemas.microsoft.com/office/drawing/2014/main" id="{7524BF92-1F91-71EE-7B49-BDD24A60E372}"/>
+              </a:ext>
+            </a:extLst>
+          </p:cNvPr>
+          <p:cNvSpPr txBox="1"/>
+          <p:nvPr/>
+        </p:nvSpPr>
+        <p:spPr>
+          <a:xfrm>
+            <a:off x="1211283" y="1971304"/>
+            <a:ext cx="4884717" cy="2308324"/>
+          </a:xfrm>
+          <a:prstGeom prst="rect">
+            <a:avLst/>
+          </a:prstGeom>
+          <a:noFill/>
+        </p:spPr>
+        <p:txBody>
+          <a:bodyPr wrap="square" rtlCol="0">
+            <a:spAutoFit/>
+          </a:bodyPr>
+          <a:lstStyle/>
+          <a:p>
+            <a:r>
+              <a:rPr lang="en-US" sz="2400" dirty="0"/>
+              <a:t>When creating an instance the region may be selected but the Availability zone is not.  Volumes may be selected in an Availability zone.  A volume created may not be made available to another instance.</a:t>
+            </a:r>
+          </a:p>
+        </p:txBody>
+      </p:sp>
+      <p:cxnSp>
+        <p:nvCxnSpPr>
+          <p:cNvPr id="5" name="Straight Connector 4">
+            <a:extLst>
+              <a:ext uri="{FF2B5EF4-FFF2-40B4-BE49-F238E27FC236}">
+                <a16:creationId xmlns:a16="http://schemas.microsoft.com/office/drawing/2014/main" id="{3F758423-27B4-7556-FE20-C0C995EA1A8E}"/>
+              </a:ext>
+            </a:extLst>
+          </p:cNvPr>
+          <p:cNvCxnSpPr/>
+          <p:nvPr/>
+        </p:nvCxnSpPr>
+        <p:spPr>
+          <a:xfrm>
+            <a:off x="615820" y="1287624"/>
+            <a:ext cx="10954139" cy="0"/>
+          </a:xfrm>
+          <a:prstGeom prst="line">
+            <a:avLst/>
+          </a:prstGeom>
+          <a:ln w="19050">
+            <a:solidFill>
+              <a:schemeClr val="bg1">
+                <a:lumMod val="50000"/>
+              </a:schemeClr>
+            </a:solidFill>
+            <a:prstDash val="sysDash"/>
+          </a:ln>
+        </p:spPr>
+        <p:style>
+          <a:lnRef idx="1">
+            <a:schemeClr val="accent1"/>
+          </a:lnRef>
+          <a:fillRef idx="0">
+            <a:schemeClr val="accent1"/>
+          </a:fillRef>
+          <a:effectRef idx="0">
+            <a:schemeClr val="accent1"/>
+          </a:effectRef>
+          <a:fontRef idx="minor">
+            <a:schemeClr val="tx1"/>
+          </a:fontRef>
+        </p:style>
+      </p:cxnSp>
+    </p:spTree>
+    <p:extLst>
+      <p:ext uri="{BB962C8B-B14F-4D97-AF65-F5344CB8AC3E}">
+        <p14:creationId xmlns:p14="http://schemas.microsoft.com/office/powerpoint/2010/main" val="933280548"/>
       </p:ext>
     </p:extLst>
   </p:cSld>
@@ -26705,6 +26899,331 @@
           </a:fontRef>
         </p:style>
       </p:cxnSp>
+      <p:sp>
+        <p:nvSpPr>
+          <p:cNvPr id="4" name="Right Brace 3">
+            <a:extLst>
+              <a:ext uri="{FF2B5EF4-FFF2-40B4-BE49-F238E27FC236}">
+                <a16:creationId xmlns:a16="http://schemas.microsoft.com/office/drawing/2014/main" id="{5CCA49EA-0B2A-C21F-E31A-DF137C6FBFC0}"/>
+              </a:ext>
+            </a:extLst>
+          </p:cNvPr>
+          <p:cNvSpPr/>
+          <p:nvPr/>
+        </p:nvSpPr>
+        <p:spPr>
+          <a:xfrm>
+            <a:off x="3809787" y="2384175"/>
+            <a:ext cx="932213" cy="832345"/>
+          </a:xfrm>
+          <a:prstGeom prst="rightBrace">
+            <a:avLst/>
+          </a:prstGeom>
+        </p:spPr>
+        <p:style>
+          <a:lnRef idx="1">
+            <a:schemeClr val="accent1"/>
+          </a:lnRef>
+          <a:fillRef idx="0">
+            <a:schemeClr val="accent1"/>
+          </a:fillRef>
+          <a:effectRef idx="0">
+            <a:schemeClr val="accent1"/>
+          </a:effectRef>
+          <a:fontRef idx="minor">
+            <a:schemeClr val="tx1"/>
+          </a:fontRef>
+        </p:style>
+        <p:txBody>
+          <a:bodyPr rtlCol="0" anchor="ctr"/>
+          <a:lstStyle/>
+          <a:p>
+            <a:pPr algn="ctr"/>
+            <a:endParaRPr lang="en-US"/>
+          </a:p>
+        </p:txBody>
+      </p:sp>
+      <p:sp>
+        <p:nvSpPr>
+          <p:cNvPr id="6" name="TextBox 5">
+            <a:extLst>
+              <a:ext uri="{FF2B5EF4-FFF2-40B4-BE49-F238E27FC236}">
+                <a16:creationId xmlns:a16="http://schemas.microsoft.com/office/drawing/2014/main" id="{C7238C59-4D79-E0C8-7272-C34BE7E7771D}"/>
+              </a:ext>
+            </a:extLst>
+          </p:cNvPr>
+          <p:cNvSpPr txBox="1"/>
+          <p:nvPr/>
+        </p:nvSpPr>
+        <p:spPr>
+          <a:xfrm>
+            <a:off x="4858987" y="2561111"/>
+            <a:ext cx="4932995" cy="471457"/>
+          </a:xfrm>
+          <a:prstGeom prst="rect">
+            <a:avLst/>
+          </a:prstGeom>
+          <a:noFill/>
+        </p:spPr>
+        <p:txBody>
+          <a:bodyPr wrap="square" rtlCol="0">
+            <a:spAutoFit/>
+          </a:bodyPr>
+          <a:lstStyle/>
+          <a:p>
+            <a:r>
+              <a:rPr lang="en-US" sz="2400" dirty="0">
+                <a:solidFill>
+                  <a:schemeClr val="accent1">
+                    <a:lumMod val="75000"/>
+                  </a:schemeClr>
+                </a:solidFill>
+              </a:rPr>
+              <a:t>Heavily dependent on compute power</a:t>
+            </a:r>
+          </a:p>
+        </p:txBody>
+      </p:sp>
+      <p:sp>
+        <p:nvSpPr>
+          <p:cNvPr id="7" name="TextBox 6">
+            <a:extLst>
+              <a:ext uri="{FF2B5EF4-FFF2-40B4-BE49-F238E27FC236}">
+                <a16:creationId xmlns:a16="http://schemas.microsoft.com/office/drawing/2014/main" id="{E86CF3E6-EE7F-B7FF-CA02-DF252BF6C805}"/>
+              </a:ext>
+            </a:extLst>
+          </p:cNvPr>
+          <p:cNvSpPr txBox="1"/>
+          <p:nvPr/>
+        </p:nvSpPr>
+        <p:spPr>
+          <a:xfrm>
+            <a:off x="5296395" y="3897581"/>
+            <a:ext cx="4932995" cy="471457"/>
+          </a:xfrm>
+          <a:prstGeom prst="rect">
+            <a:avLst/>
+          </a:prstGeom>
+          <a:noFill/>
+        </p:spPr>
+        <p:txBody>
+          <a:bodyPr wrap="square" rtlCol="0">
+            <a:spAutoFit/>
+          </a:bodyPr>
+          <a:lstStyle/>
+          <a:p>
+            <a:r>
+              <a:rPr lang="en-US" sz="2400" dirty="0">
+                <a:solidFill>
+                  <a:schemeClr val="accent1">
+                    <a:lumMod val="75000"/>
+                  </a:schemeClr>
+                </a:solidFill>
+              </a:rPr>
+              <a:t>Heavily dependent on compute power</a:t>
+            </a:r>
+          </a:p>
+        </p:txBody>
+      </p:sp>
+      <p:sp>
+        <p:nvSpPr>
+          <p:cNvPr id="8" name="TextBox 7">
+            <a:extLst>
+              <a:ext uri="{FF2B5EF4-FFF2-40B4-BE49-F238E27FC236}">
+                <a16:creationId xmlns:a16="http://schemas.microsoft.com/office/drawing/2014/main" id="{CFB9BC2F-80FE-9366-15CF-749E808D433D}"/>
+              </a:ext>
+            </a:extLst>
+          </p:cNvPr>
+          <p:cNvSpPr txBox="1"/>
+          <p:nvPr/>
+        </p:nvSpPr>
+        <p:spPr>
+          <a:xfrm>
+            <a:off x="5698177" y="4369038"/>
+            <a:ext cx="4932995" cy="471457"/>
+          </a:xfrm>
+          <a:prstGeom prst="rect">
+            <a:avLst/>
+          </a:prstGeom>
+          <a:noFill/>
+        </p:spPr>
+        <p:txBody>
+          <a:bodyPr wrap="square" rtlCol="0">
+            <a:spAutoFit/>
+          </a:bodyPr>
+          <a:lstStyle/>
+          <a:p>
+            <a:r>
+              <a:rPr lang="en-US" sz="2400" dirty="0">
+                <a:solidFill>
+                  <a:schemeClr val="accent1">
+                    <a:lumMod val="75000"/>
+                  </a:schemeClr>
+                </a:solidFill>
+              </a:rPr>
+              <a:t>Vastly influenced by IO time</a:t>
+            </a:r>
+          </a:p>
+        </p:txBody>
+      </p:sp>
+      <p:cxnSp>
+        <p:nvCxnSpPr>
+          <p:cNvPr id="10" name="Straight Connector 9">
+            <a:extLst>
+              <a:ext uri="{FF2B5EF4-FFF2-40B4-BE49-F238E27FC236}">
+                <a16:creationId xmlns:a16="http://schemas.microsoft.com/office/drawing/2014/main" id="{17CEA802-FBF6-DFB6-5509-12D8490DCD39}"/>
+              </a:ext>
+            </a:extLst>
+          </p:cNvPr>
+          <p:cNvCxnSpPr>
+            <a:cxnSpLocks/>
+          </p:cNvCxnSpPr>
+          <p:nvPr/>
+        </p:nvCxnSpPr>
+        <p:spPr>
+          <a:xfrm>
+            <a:off x="4858987" y="4133309"/>
+            <a:ext cx="308758" cy="1"/>
+          </a:xfrm>
+          <a:prstGeom prst="line">
+            <a:avLst/>
+          </a:prstGeom>
+          <a:ln w="28575"/>
+        </p:spPr>
+        <p:style>
+          <a:lnRef idx="1">
+            <a:schemeClr val="accent1"/>
+          </a:lnRef>
+          <a:fillRef idx="0">
+            <a:schemeClr val="accent1"/>
+          </a:fillRef>
+          <a:effectRef idx="0">
+            <a:schemeClr val="accent1"/>
+          </a:effectRef>
+          <a:fontRef idx="minor">
+            <a:schemeClr val="tx1"/>
+          </a:fontRef>
+        </p:style>
+      </p:cxnSp>
+      <p:cxnSp>
+        <p:nvCxnSpPr>
+          <p:cNvPr id="11" name="Straight Connector 10">
+            <a:extLst>
+              <a:ext uri="{FF2B5EF4-FFF2-40B4-BE49-F238E27FC236}">
+                <a16:creationId xmlns:a16="http://schemas.microsoft.com/office/drawing/2014/main" id="{87757A6E-0396-C2AA-C28B-929AD7647427}"/>
+              </a:ext>
+            </a:extLst>
+          </p:cNvPr>
+          <p:cNvCxnSpPr>
+            <a:cxnSpLocks/>
+          </p:cNvCxnSpPr>
+          <p:nvPr/>
+        </p:nvCxnSpPr>
+        <p:spPr>
+          <a:xfrm>
+            <a:off x="5320145" y="4604765"/>
+            <a:ext cx="308758" cy="1"/>
+          </a:xfrm>
+          <a:prstGeom prst="line">
+            <a:avLst/>
+          </a:prstGeom>
+          <a:ln w="28575"/>
+        </p:spPr>
+        <p:style>
+          <a:lnRef idx="1">
+            <a:schemeClr val="accent1"/>
+          </a:lnRef>
+          <a:fillRef idx="0">
+            <a:schemeClr val="accent1"/>
+          </a:fillRef>
+          <a:effectRef idx="0">
+            <a:schemeClr val="accent1"/>
+          </a:effectRef>
+          <a:fontRef idx="minor">
+            <a:schemeClr val="tx1"/>
+          </a:fontRef>
+        </p:style>
+      </p:cxnSp>
+      <p:cxnSp>
+        <p:nvCxnSpPr>
+          <p:cNvPr id="12" name="Straight Connector 11">
+            <a:extLst>
+              <a:ext uri="{FF2B5EF4-FFF2-40B4-BE49-F238E27FC236}">
+                <a16:creationId xmlns:a16="http://schemas.microsoft.com/office/drawing/2014/main" id="{D03D4026-4956-8CE6-0350-2C0536F95E3C}"/>
+              </a:ext>
+            </a:extLst>
+          </p:cNvPr>
+          <p:cNvCxnSpPr>
+            <a:cxnSpLocks/>
+          </p:cNvCxnSpPr>
+          <p:nvPr/>
+        </p:nvCxnSpPr>
+        <p:spPr>
+          <a:xfrm>
+            <a:off x="4174177" y="3775070"/>
+            <a:ext cx="308758" cy="1"/>
+          </a:xfrm>
+          <a:prstGeom prst="line">
+            <a:avLst/>
+          </a:prstGeom>
+          <a:ln w="28575"/>
+        </p:spPr>
+        <p:style>
+          <a:lnRef idx="1">
+            <a:schemeClr val="accent1"/>
+          </a:lnRef>
+          <a:fillRef idx="0">
+            <a:schemeClr val="accent1"/>
+          </a:fillRef>
+          <a:effectRef idx="0">
+            <a:schemeClr val="accent1"/>
+          </a:effectRef>
+          <a:fontRef idx="minor">
+            <a:schemeClr val="tx1"/>
+          </a:fontRef>
+        </p:style>
+      </p:cxnSp>
+      <p:sp>
+        <p:nvSpPr>
+          <p:cNvPr id="14" name="TextBox 13">
+            <a:extLst>
+              <a:ext uri="{FF2B5EF4-FFF2-40B4-BE49-F238E27FC236}">
+                <a16:creationId xmlns:a16="http://schemas.microsoft.com/office/drawing/2014/main" id="{B7CBC5C4-8E91-28B7-CD54-F78AB37AB461}"/>
+              </a:ext>
+            </a:extLst>
+          </p:cNvPr>
+          <p:cNvSpPr txBox="1"/>
+          <p:nvPr/>
+        </p:nvSpPr>
+        <p:spPr>
+          <a:xfrm>
+            <a:off x="4611585" y="3529837"/>
+            <a:ext cx="4932995" cy="471457"/>
+          </a:xfrm>
+          <a:prstGeom prst="rect">
+            <a:avLst/>
+          </a:prstGeom>
+          <a:noFill/>
+        </p:spPr>
+        <p:txBody>
+          <a:bodyPr wrap="square" rtlCol="0">
+            <a:spAutoFit/>
+          </a:bodyPr>
+          <a:lstStyle/>
+          <a:p>
+            <a:r>
+              <a:rPr lang="en-US" sz="2400" dirty="0">
+                <a:solidFill>
+                  <a:schemeClr val="accent1">
+                    <a:lumMod val="75000"/>
+                  </a:schemeClr>
+                </a:solidFill>
+              </a:rPr>
+              <a:t>Mix of compute and IO</a:t>
+            </a:r>
+          </a:p>
+        </p:txBody>
+      </p:sp>
     </p:spTree>
     <p:extLst>
       <p:ext uri="{BB962C8B-B14F-4D97-AF65-F5344CB8AC3E}">
@@ -26827,7 +27346,7 @@
           <p:nvPr>
             <p:extLst>
               <p:ext uri="{D42A27DB-BD31-4B8C-83A1-F6EECF244321}">
-                <p14:modId xmlns:p14="http://schemas.microsoft.com/office/powerpoint/2010/main" val="1084596593"/>
+                <p14:modId xmlns:p14="http://schemas.microsoft.com/office/powerpoint/2010/main" val="1055051849"/>
               </p:ext>
             </p:extLst>
           </p:nvPr>
@@ -26857,7 +27376,7 @@
           <p:nvPr>
             <p:extLst>
               <p:ext uri="{D42A27DB-BD31-4B8C-83A1-F6EECF244321}">
-                <p14:modId xmlns:p14="http://schemas.microsoft.com/office/powerpoint/2010/main" val="1523575030"/>
+                <p14:modId xmlns:p14="http://schemas.microsoft.com/office/powerpoint/2010/main" val="1280497308"/>
               </p:ext>
             </p:extLst>
           </p:nvPr>

--- a/Proj_presentation.pptx
+++ b/Proj_presentation.pptx
@@ -5,7 +5,7 @@
     <p:sldMasterId id="2147483648" r:id="rId1"/>
   </p:sldMasterIdLst>
   <p:notesMasterIdLst>
-    <p:notesMasterId r:id="rId23"/>
+    <p:notesMasterId r:id="rId29"/>
   </p:notesMasterIdLst>
   <p:sldIdLst>
     <p:sldId id="256" r:id="rId2"/>
@@ -23,12 +23,18 @@
     <p:sldId id="269" r:id="rId14"/>
     <p:sldId id="275" r:id="rId15"/>
     <p:sldId id="271" r:id="rId16"/>
-    <p:sldId id="274" r:id="rId17"/>
-    <p:sldId id="273" r:id="rId18"/>
-    <p:sldId id="278" r:id="rId19"/>
-    <p:sldId id="272" r:id="rId20"/>
-    <p:sldId id="277" r:id="rId21"/>
-    <p:sldId id="276" r:id="rId22"/>
+    <p:sldId id="284" r:id="rId17"/>
+    <p:sldId id="281" r:id="rId18"/>
+    <p:sldId id="286" r:id="rId19"/>
+    <p:sldId id="285" r:id="rId20"/>
+    <p:sldId id="283" r:id="rId21"/>
+    <p:sldId id="282" r:id="rId22"/>
+    <p:sldId id="274" r:id="rId23"/>
+    <p:sldId id="273" r:id="rId24"/>
+    <p:sldId id="278" r:id="rId25"/>
+    <p:sldId id="272" r:id="rId26"/>
+    <p:sldId id="277" r:id="rId27"/>
+    <p:sldId id="276" r:id="rId28"/>
   </p:sldIdLst>
   <p:sldSz cx="12192000" cy="6858000"/>
   <p:notesSz cx="6858000" cy="9144000"/>
@@ -1014,6 +1020,1193 @@
   </c:chart>
   <c:spPr>
     <a:noFill/>
+    <a:ln>
+      <a:noFill/>
+    </a:ln>
+    <a:effectLst/>
+  </c:spPr>
+  <c:txPr>
+    <a:bodyPr/>
+    <a:lstStyle/>
+    <a:p>
+      <a:pPr>
+        <a:defRPr/>
+      </a:pPr>
+      <a:endParaRPr lang="en-US"/>
+    </a:p>
+  </c:txPr>
+  <c:externalData r:id="rId3">
+    <c:autoUpdate val="0"/>
+  </c:externalData>
+</c:chartSpace>
+</file>
+
+<file path=ppt/charts/chart10.xml><?xml version="1.0" encoding="utf-8"?>
+<c:chartSpace xmlns:c="http://schemas.openxmlformats.org/drawingml/2006/chart" xmlns:a="http://schemas.openxmlformats.org/drawingml/2006/main" xmlns:r="http://schemas.openxmlformats.org/officeDocument/2006/relationships" xmlns:c16r2="http://schemas.microsoft.com/office/drawing/2015/06/chart">
+  <c:date1904 val="0"/>
+  <c:lang val="en-US"/>
+  <c:roundedCorners val="0"/>
+  <mc:AlternateContent xmlns:mc="http://schemas.openxmlformats.org/markup-compatibility/2006">
+    <mc:Choice xmlns:c14="http://schemas.microsoft.com/office/drawing/2007/8/2/chart" Requires="c14">
+      <c14:style val="102"/>
+    </mc:Choice>
+    <mc:Fallback>
+      <c:style val="2"/>
+    </mc:Fallback>
+  </mc:AlternateContent>
+  <c:chart>
+    <c:title>
+      <c:tx>
+        <c:rich>
+          <a:bodyPr rot="0" spcFirstLastPara="1" vertOverflow="ellipsis" vert="horz" wrap="square" anchor="ctr" anchorCtr="1"/>
+          <a:lstStyle/>
+          <a:p>
+            <a:pPr>
+              <a:defRPr sz="2400" b="1" i="0" u="none" strike="noStrike" kern="1200" spc="100" baseline="0">
+                <a:solidFill>
+                  <a:schemeClr val="lt1">
+                    <a:lumMod val="95000"/>
+                  </a:schemeClr>
+                </a:solidFill>
+                <a:effectLst>
+                  <a:outerShdw blurRad="50800" dist="38100" dir="5400000" algn="t" rotWithShape="0">
+                    <a:prstClr val="black">
+                      <a:alpha val="40000"/>
+                    </a:prstClr>
+                  </a:outerShdw>
+                </a:effectLst>
+                <a:latin typeface="+mn-lt"/>
+                <a:ea typeface="+mn-ea"/>
+                <a:cs typeface="+mn-cs"/>
+              </a:defRPr>
+            </a:pPr>
+            <a:r>
+              <a:rPr lang="en-US" sz="2400"/>
+              <a:t>S3 Actual Time</a:t>
+            </a:r>
+          </a:p>
+        </c:rich>
+      </c:tx>
+      <c:overlay val="0"/>
+      <c:spPr>
+        <a:noFill/>
+        <a:ln>
+          <a:noFill/>
+        </a:ln>
+        <a:effectLst/>
+      </c:spPr>
+      <c:txPr>
+        <a:bodyPr rot="0" spcFirstLastPara="1" vertOverflow="ellipsis" vert="horz" wrap="square" anchor="ctr" anchorCtr="1"/>
+        <a:lstStyle/>
+        <a:p>
+          <a:pPr>
+            <a:defRPr sz="2400" b="1" i="0" u="none" strike="noStrike" kern="1200" spc="100" baseline="0">
+              <a:solidFill>
+                <a:schemeClr val="lt1">
+                  <a:lumMod val="95000"/>
+                </a:schemeClr>
+              </a:solidFill>
+              <a:effectLst>
+                <a:outerShdw blurRad="50800" dist="38100" dir="5400000" algn="t" rotWithShape="0">
+                  <a:prstClr val="black">
+                    <a:alpha val="40000"/>
+                  </a:prstClr>
+                </a:outerShdw>
+              </a:effectLst>
+              <a:latin typeface="+mn-lt"/>
+              <a:ea typeface="+mn-ea"/>
+              <a:cs typeface="+mn-cs"/>
+            </a:defRPr>
+          </a:pPr>
+          <a:endParaRPr lang="en-US"/>
+        </a:p>
+      </c:txPr>
+    </c:title>
+    <c:autoTitleDeleted val="0"/>
+    <c:plotArea>
+      <c:layout/>
+      <c:barChart>
+        <c:barDir val="col"/>
+        <c:grouping val="clustered"/>
+        <c:varyColors val="0"/>
+        <c:ser>
+          <c:idx val="5"/>
+          <c:order val="5"/>
+          <c:tx>
+            <c:strRef>
+              <c:f>Sheet1!$H$15</c:f>
+              <c:strCache>
+                <c:ptCount val="1"/>
+                <c:pt idx="0">
+                  <c:v>Actual Build Time</c:v>
+                </c:pt>
+              </c:strCache>
+            </c:strRef>
+          </c:tx>
+          <c:spPr>
+            <a:gradFill rotWithShape="1">
+              <a:gsLst>
+                <a:gs pos="0">
+                  <a:schemeClr val="accent6">
+                    <a:satMod val="103000"/>
+                    <a:lumMod val="102000"/>
+                    <a:tint val="94000"/>
+                  </a:schemeClr>
+                </a:gs>
+                <a:gs pos="50000">
+                  <a:schemeClr val="accent6">
+                    <a:satMod val="110000"/>
+                    <a:lumMod val="100000"/>
+                    <a:shade val="100000"/>
+                  </a:schemeClr>
+                </a:gs>
+                <a:gs pos="100000">
+                  <a:schemeClr val="accent6">
+                    <a:lumMod val="99000"/>
+                    <a:satMod val="120000"/>
+                    <a:shade val="78000"/>
+                  </a:schemeClr>
+                </a:gs>
+              </a:gsLst>
+              <a:lin ang="5400000" scaled="0"/>
+            </a:gradFill>
+            <a:ln>
+              <a:noFill/>
+            </a:ln>
+            <a:effectLst>
+              <a:outerShdw blurRad="57150" dist="19050" dir="5400000" algn="ctr" rotWithShape="0">
+                <a:srgbClr val="000000">
+                  <a:alpha val="63000"/>
+                </a:srgbClr>
+              </a:outerShdw>
+            </a:effectLst>
+          </c:spPr>
+          <c:invertIfNegative val="0"/>
+          <c:cat>
+            <c:numRef>
+              <c:f>Sheet1!$B$16:$B$19</c:f>
+              <c:numCache>
+                <c:formatCode>General</c:formatCode>
+                <c:ptCount val="4"/>
+                <c:pt idx="0">
+                  <c:v>1</c:v>
+                </c:pt>
+                <c:pt idx="1">
+                  <c:v>10</c:v>
+                </c:pt>
+                <c:pt idx="2">
+                  <c:v>100</c:v>
+                </c:pt>
+                <c:pt idx="3">
+                  <c:v>1000</c:v>
+                </c:pt>
+              </c:numCache>
+            </c:numRef>
+          </c:cat>
+          <c:val>
+            <c:numRef>
+              <c:f>Sheet1!$H$16:$H$19</c:f>
+              <c:numCache>
+                <c:formatCode>General</c:formatCode>
+                <c:ptCount val="4"/>
+                <c:pt idx="0">
+                  <c:v>214.6</c:v>
+                </c:pt>
+                <c:pt idx="1">
+                  <c:v>230.3</c:v>
+                </c:pt>
+                <c:pt idx="2">
+                  <c:v>262</c:v>
+                </c:pt>
+                <c:pt idx="3">
+                  <c:v>413.9</c:v>
+                </c:pt>
+              </c:numCache>
+            </c:numRef>
+          </c:val>
+          <c:extLst>
+            <c:ext xmlns:c16="http://schemas.microsoft.com/office/drawing/2014/chart" uri="{C3380CC4-5D6E-409C-BE32-E72D297353CC}">
+              <c16:uniqueId val="{00000000-8E7D-4DFD-B32E-B2D94655403E}"/>
+            </c:ext>
+          </c:extLst>
+        </c:ser>
+        <c:ser>
+          <c:idx val="6"/>
+          <c:order val="6"/>
+          <c:tx>
+            <c:strRef>
+              <c:f>Sheet1!$I$15</c:f>
+              <c:strCache>
+                <c:ptCount val="1"/>
+                <c:pt idx="0">
+                  <c:v>Actual Read Time</c:v>
+                </c:pt>
+              </c:strCache>
+            </c:strRef>
+          </c:tx>
+          <c:spPr>
+            <a:gradFill rotWithShape="1">
+              <a:gsLst>
+                <a:gs pos="0">
+                  <a:schemeClr val="accent1">
+                    <a:lumMod val="60000"/>
+                    <a:satMod val="103000"/>
+                    <a:lumMod val="102000"/>
+                    <a:tint val="94000"/>
+                  </a:schemeClr>
+                </a:gs>
+                <a:gs pos="50000">
+                  <a:schemeClr val="accent1">
+                    <a:lumMod val="60000"/>
+                    <a:satMod val="110000"/>
+                    <a:lumMod val="100000"/>
+                    <a:shade val="100000"/>
+                  </a:schemeClr>
+                </a:gs>
+                <a:gs pos="100000">
+                  <a:schemeClr val="accent1">
+                    <a:lumMod val="60000"/>
+                    <a:lumMod val="99000"/>
+                    <a:satMod val="120000"/>
+                    <a:shade val="78000"/>
+                  </a:schemeClr>
+                </a:gs>
+              </a:gsLst>
+              <a:lin ang="5400000" scaled="0"/>
+            </a:gradFill>
+            <a:ln>
+              <a:noFill/>
+            </a:ln>
+            <a:effectLst>
+              <a:outerShdw blurRad="57150" dist="19050" dir="5400000" algn="ctr" rotWithShape="0">
+                <a:srgbClr val="000000">
+                  <a:alpha val="63000"/>
+                </a:srgbClr>
+              </a:outerShdw>
+            </a:effectLst>
+          </c:spPr>
+          <c:invertIfNegative val="0"/>
+          <c:cat>
+            <c:numRef>
+              <c:f>Sheet1!$B$16:$B$19</c:f>
+              <c:numCache>
+                <c:formatCode>General</c:formatCode>
+                <c:ptCount val="4"/>
+                <c:pt idx="0">
+                  <c:v>1</c:v>
+                </c:pt>
+                <c:pt idx="1">
+                  <c:v>10</c:v>
+                </c:pt>
+                <c:pt idx="2">
+                  <c:v>100</c:v>
+                </c:pt>
+                <c:pt idx="3">
+                  <c:v>1000</c:v>
+                </c:pt>
+              </c:numCache>
+            </c:numRef>
+          </c:cat>
+          <c:val>
+            <c:numRef>
+              <c:f>Sheet1!$I$16:$I$19</c:f>
+              <c:numCache>
+                <c:formatCode>General</c:formatCode>
+                <c:ptCount val="4"/>
+                <c:pt idx="0">
+                  <c:v>39.299999999999997</c:v>
+                </c:pt>
+                <c:pt idx="1">
+                  <c:v>77.7</c:v>
+                </c:pt>
+                <c:pt idx="2">
+                  <c:v>100.5</c:v>
+                </c:pt>
+                <c:pt idx="3">
+                  <c:v>264.2</c:v>
+                </c:pt>
+              </c:numCache>
+            </c:numRef>
+          </c:val>
+          <c:extLst>
+            <c:ext xmlns:c16="http://schemas.microsoft.com/office/drawing/2014/chart" uri="{C3380CC4-5D6E-409C-BE32-E72D297353CC}">
+              <c16:uniqueId val="{00000001-8E7D-4DFD-B32E-B2D94655403E}"/>
+            </c:ext>
+          </c:extLst>
+        </c:ser>
+        <c:dLbls>
+          <c:showLegendKey val="0"/>
+          <c:showVal val="0"/>
+          <c:showCatName val="0"/>
+          <c:showSerName val="0"/>
+          <c:showPercent val="0"/>
+          <c:showBubbleSize val="0"/>
+        </c:dLbls>
+        <c:gapWidth val="100"/>
+        <c:overlap val="-24"/>
+        <c:axId val="518993720"/>
+        <c:axId val="518994072"/>
+        <c:extLst>
+          <c:ext xmlns:c15="http://schemas.microsoft.com/office/drawing/2012/chart" uri="{02D57815-91ED-43cb-92C2-25804820EDAC}">
+            <c15:filteredBarSeries>
+              <c15:ser>
+                <c:idx val="0"/>
+                <c:order val="0"/>
+                <c:tx>
+                  <c:strRef>
+                    <c:extLst>
+                      <c:ext uri="{02D57815-91ED-43cb-92C2-25804820EDAC}">
+                        <c15:formulaRef>
+                          <c15:sqref>Sheet1!$C$15</c15:sqref>
+                        </c15:formulaRef>
+                      </c:ext>
+                    </c:extLst>
+                    <c:strCache>
+                      <c:ptCount val="1"/>
+                      <c:pt idx="0">
+                        <c:v>Build Time</c:v>
+                      </c:pt>
+                    </c:strCache>
+                  </c:strRef>
+                </c:tx>
+                <c:spPr>
+                  <a:gradFill rotWithShape="1">
+                    <a:gsLst>
+                      <a:gs pos="0">
+                        <a:schemeClr val="accent1">
+                          <a:satMod val="103000"/>
+                          <a:lumMod val="102000"/>
+                          <a:tint val="94000"/>
+                        </a:schemeClr>
+                      </a:gs>
+                      <a:gs pos="50000">
+                        <a:schemeClr val="accent1">
+                          <a:satMod val="110000"/>
+                          <a:lumMod val="100000"/>
+                          <a:shade val="100000"/>
+                        </a:schemeClr>
+                      </a:gs>
+                      <a:gs pos="100000">
+                        <a:schemeClr val="accent1">
+                          <a:lumMod val="99000"/>
+                          <a:satMod val="120000"/>
+                          <a:shade val="78000"/>
+                        </a:schemeClr>
+                      </a:gs>
+                    </a:gsLst>
+                    <a:lin ang="5400000" scaled="0"/>
+                  </a:gradFill>
+                  <a:ln>
+                    <a:noFill/>
+                  </a:ln>
+                  <a:effectLst>
+                    <a:outerShdw blurRad="57150" dist="19050" dir="5400000" algn="ctr" rotWithShape="0">
+                      <a:srgbClr val="000000">
+                        <a:alpha val="63000"/>
+                      </a:srgbClr>
+                    </a:outerShdw>
+                  </a:effectLst>
+                </c:spPr>
+                <c:invertIfNegative val="0"/>
+                <c:cat>
+                  <c:numRef>
+                    <c:extLst>
+                      <c:ext uri="{02D57815-91ED-43cb-92C2-25804820EDAC}">
+                        <c15:formulaRef>
+                          <c15:sqref>Sheet1!$B$16:$B$19</c15:sqref>
+                        </c15:formulaRef>
+                      </c:ext>
+                    </c:extLst>
+                    <c:numCache>
+                      <c:formatCode>General</c:formatCode>
+                      <c:ptCount val="4"/>
+                      <c:pt idx="0">
+                        <c:v>1</c:v>
+                      </c:pt>
+                      <c:pt idx="1">
+                        <c:v>10</c:v>
+                      </c:pt>
+                      <c:pt idx="2">
+                        <c:v>100</c:v>
+                      </c:pt>
+                      <c:pt idx="3">
+                        <c:v>1000</c:v>
+                      </c:pt>
+                    </c:numCache>
+                  </c:numRef>
+                </c:cat>
+                <c:val>
+                  <c:numRef>
+                    <c:extLst>
+                      <c:ext uri="{02D57815-91ED-43cb-92C2-25804820EDAC}">
+                        <c15:formulaRef>
+                          <c15:sqref>Sheet1!$C$16:$C$19</c15:sqref>
+                        </c15:formulaRef>
+                      </c:ext>
+                    </c:extLst>
+                    <c:numCache>
+                      <c:formatCode>General</c:formatCode>
+                      <c:ptCount val="4"/>
+                      <c:pt idx="0">
+                        <c:v>8</c:v>
+                      </c:pt>
+                      <c:pt idx="1">
+                        <c:v>8.9</c:v>
+                      </c:pt>
+                      <c:pt idx="2">
+                        <c:v>9.3000000000000007</c:v>
+                      </c:pt>
+                      <c:pt idx="3">
+                        <c:v>12.7</c:v>
+                      </c:pt>
+                    </c:numCache>
+                  </c:numRef>
+                </c:val>
+                <c:extLst>
+                  <c:ext xmlns:c16="http://schemas.microsoft.com/office/drawing/2014/chart" uri="{C3380CC4-5D6E-409C-BE32-E72D297353CC}">
+                    <c16:uniqueId val="{00000002-8E7D-4DFD-B32E-B2D94655403E}"/>
+                  </c:ext>
+                </c:extLst>
+              </c15:ser>
+            </c15:filteredBarSeries>
+            <c15:filteredBarSeries>
+              <c15:ser>
+                <c:idx val="1"/>
+                <c:order val="1"/>
+                <c:tx>
+                  <c:strRef>
+                    <c:extLst xmlns:c15="http://schemas.microsoft.com/office/drawing/2012/chart">
+                      <c:ext xmlns:c15="http://schemas.microsoft.com/office/drawing/2012/chart" uri="{02D57815-91ED-43cb-92C2-25804820EDAC}">
+                        <c15:formulaRef>
+                          <c15:sqref>Sheet1!$D$15</c15:sqref>
+                        </c15:formulaRef>
+                      </c:ext>
+                    </c:extLst>
+                    <c:strCache>
+                      <c:ptCount val="1"/>
+                      <c:pt idx="0">
+                        <c:v>Read Time (Buffer=1)</c:v>
+                      </c:pt>
+                    </c:strCache>
+                  </c:strRef>
+                </c:tx>
+                <c:spPr>
+                  <a:gradFill rotWithShape="1">
+                    <a:gsLst>
+                      <a:gs pos="0">
+                        <a:schemeClr val="accent2">
+                          <a:satMod val="103000"/>
+                          <a:lumMod val="102000"/>
+                          <a:tint val="94000"/>
+                        </a:schemeClr>
+                      </a:gs>
+                      <a:gs pos="50000">
+                        <a:schemeClr val="accent2">
+                          <a:satMod val="110000"/>
+                          <a:lumMod val="100000"/>
+                          <a:shade val="100000"/>
+                        </a:schemeClr>
+                      </a:gs>
+                      <a:gs pos="100000">
+                        <a:schemeClr val="accent2">
+                          <a:lumMod val="99000"/>
+                          <a:satMod val="120000"/>
+                          <a:shade val="78000"/>
+                        </a:schemeClr>
+                      </a:gs>
+                    </a:gsLst>
+                    <a:lin ang="5400000" scaled="0"/>
+                  </a:gradFill>
+                  <a:ln>
+                    <a:noFill/>
+                  </a:ln>
+                  <a:effectLst>
+                    <a:outerShdw blurRad="57150" dist="19050" dir="5400000" algn="ctr" rotWithShape="0">
+                      <a:srgbClr val="000000">
+                        <a:alpha val="63000"/>
+                      </a:srgbClr>
+                    </a:outerShdw>
+                  </a:effectLst>
+                </c:spPr>
+                <c:invertIfNegative val="0"/>
+                <c:cat>
+                  <c:numRef>
+                    <c:extLst xmlns:c15="http://schemas.microsoft.com/office/drawing/2012/chart">
+                      <c:ext xmlns:c15="http://schemas.microsoft.com/office/drawing/2012/chart" uri="{02D57815-91ED-43cb-92C2-25804820EDAC}">
+                        <c15:formulaRef>
+                          <c15:sqref>Sheet1!$B$16:$B$19</c15:sqref>
+                        </c15:formulaRef>
+                      </c:ext>
+                    </c:extLst>
+                    <c:numCache>
+                      <c:formatCode>General</c:formatCode>
+                      <c:ptCount val="4"/>
+                      <c:pt idx="0">
+                        <c:v>1</c:v>
+                      </c:pt>
+                      <c:pt idx="1">
+                        <c:v>10</c:v>
+                      </c:pt>
+                      <c:pt idx="2">
+                        <c:v>100</c:v>
+                      </c:pt>
+                      <c:pt idx="3">
+                        <c:v>1000</c:v>
+                      </c:pt>
+                    </c:numCache>
+                  </c:numRef>
+                </c:cat>
+                <c:val>
+                  <c:numRef>
+                    <c:extLst xmlns:c15="http://schemas.microsoft.com/office/drawing/2012/chart">
+                      <c:ext xmlns:c15="http://schemas.microsoft.com/office/drawing/2012/chart" uri="{02D57815-91ED-43cb-92C2-25804820EDAC}">
+                        <c15:formulaRef>
+                          <c15:sqref>Sheet1!$D$16:$D$19</c15:sqref>
+                        </c15:formulaRef>
+                      </c:ext>
+                    </c:extLst>
+                    <c:numCache>
+                      <c:formatCode>General</c:formatCode>
+                      <c:ptCount val="4"/>
+                    </c:numCache>
+                  </c:numRef>
+                </c:val>
+                <c:extLst>
+                  <c:ext xmlns:c16="http://schemas.microsoft.com/office/drawing/2014/chart" uri="{C3380CC4-5D6E-409C-BE32-E72D297353CC}">
+                    <c16:uniqueId val="{00000003-8E7D-4DFD-B32E-B2D94655403E}"/>
+                  </c:ext>
+                </c:extLst>
+              </c15:ser>
+            </c15:filteredBarSeries>
+            <c15:filteredBarSeries>
+              <c15:ser>
+                <c:idx val="2"/>
+                <c:order val="2"/>
+                <c:tx>
+                  <c:strRef>
+                    <c:extLst xmlns:c15="http://schemas.microsoft.com/office/drawing/2012/chart">
+                      <c:ext xmlns:c15="http://schemas.microsoft.com/office/drawing/2012/chart" uri="{02D57815-91ED-43cb-92C2-25804820EDAC}">
+                        <c15:formulaRef>
+                          <c15:sqref>Sheet1!$E$15</c15:sqref>
+                        </c15:formulaRef>
+                      </c:ext>
+                    </c:extLst>
+                    <c:strCache>
+                      <c:ptCount val="1"/>
+                      <c:pt idx="0">
+                        <c:v>Read Time</c:v>
+                      </c:pt>
+                    </c:strCache>
+                  </c:strRef>
+                </c:tx>
+                <c:spPr>
+                  <a:gradFill rotWithShape="1">
+                    <a:gsLst>
+                      <a:gs pos="0">
+                        <a:schemeClr val="accent3">
+                          <a:satMod val="103000"/>
+                          <a:lumMod val="102000"/>
+                          <a:tint val="94000"/>
+                        </a:schemeClr>
+                      </a:gs>
+                      <a:gs pos="50000">
+                        <a:schemeClr val="accent3">
+                          <a:satMod val="110000"/>
+                          <a:lumMod val="100000"/>
+                          <a:shade val="100000"/>
+                        </a:schemeClr>
+                      </a:gs>
+                      <a:gs pos="100000">
+                        <a:schemeClr val="accent3">
+                          <a:lumMod val="99000"/>
+                          <a:satMod val="120000"/>
+                          <a:shade val="78000"/>
+                        </a:schemeClr>
+                      </a:gs>
+                    </a:gsLst>
+                    <a:lin ang="5400000" scaled="0"/>
+                  </a:gradFill>
+                  <a:ln>
+                    <a:noFill/>
+                  </a:ln>
+                  <a:effectLst>
+                    <a:outerShdw blurRad="57150" dist="19050" dir="5400000" algn="ctr" rotWithShape="0">
+                      <a:srgbClr val="000000">
+                        <a:alpha val="63000"/>
+                      </a:srgbClr>
+                    </a:outerShdw>
+                  </a:effectLst>
+                </c:spPr>
+                <c:invertIfNegative val="0"/>
+                <c:cat>
+                  <c:numRef>
+                    <c:extLst xmlns:c15="http://schemas.microsoft.com/office/drawing/2012/chart">
+                      <c:ext xmlns:c15="http://schemas.microsoft.com/office/drawing/2012/chart" uri="{02D57815-91ED-43cb-92C2-25804820EDAC}">
+                        <c15:formulaRef>
+                          <c15:sqref>Sheet1!$B$16:$B$19</c15:sqref>
+                        </c15:formulaRef>
+                      </c:ext>
+                    </c:extLst>
+                    <c:numCache>
+                      <c:formatCode>General</c:formatCode>
+                      <c:ptCount val="4"/>
+                      <c:pt idx="0">
+                        <c:v>1</c:v>
+                      </c:pt>
+                      <c:pt idx="1">
+                        <c:v>10</c:v>
+                      </c:pt>
+                      <c:pt idx="2">
+                        <c:v>100</c:v>
+                      </c:pt>
+                      <c:pt idx="3">
+                        <c:v>1000</c:v>
+                      </c:pt>
+                    </c:numCache>
+                  </c:numRef>
+                </c:cat>
+                <c:val>
+                  <c:numRef>
+                    <c:extLst xmlns:c15="http://schemas.microsoft.com/office/drawing/2012/chart">
+                      <c:ext xmlns:c15="http://schemas.microsoft.com/office/drawing/2012/chart" uri="{02D57815-91ED-43cb-92C2-25804820EDAC}">
+                        <c15:formulaRef>
+                          <c15:sqref>Sheet1!$E$16:$E$19</c15:sqref>
+                        </c15:formulaRef>
+                      </c:ext>
+                    </c:extLst>
+                    <c:numCache>
+                      <c:formatCode>General</c:formatCode>
+                      <c:ptCount val="4"/>
+                      <c:pt idx="0">
+                        <c:v>4.4000000000000004</c:v>
+                      </c:pt>
+                      <c:pt idx="1">
+                        <c:v>4.8</c:v>
+                      </c:pt>
+                      <c:pt idx="2">
+                        <c:v>6.8</c:v>
+                      </c:pt>
+                      <c:pt idx="3">
+                        <c:v>17.3</c:v>
+                      </c:pt>
+                    </c:numCache>
+                  </c:numRef>
+                </c:val>
+                <c:extLst>
+                  <c:ext xmlns:c16="http://schemas.microsoft.com/office/drawing/2014/chart" uri="{C3380CC4-5D6E-409C-BE32-E72D297353CC}">
+                    <c16:uniqueId val="{00000004-8E7D-4DFD-B32E-B2D94655403E}"/>
+                  </c:ext>
+                </c:extLst>
+              </c15:ser>
+            </c15:filteredBarSeries>
+            <c15:filteredBarSeries>
+              <c15:ser>
+                <c:idx val="3"/>
+                <c:order val="3"/>
+                <c:tx>
+                  <c:strRef>
+                    <c:extLst xmlns:c15="http://schemas.microsoft.com/office/drawing/2012/chart">
+                      <c:ext xmlns:c15="http://schemas.microsoft.com/office/drawing/2012/chart" uri="{02D57815-91ED-43cb-92C2-25804820EDAC}">
+                        <c15:formulaRef>
+                          <c15:sqref>Sheet1!$F$15</c15:sqref>
+                        </c15:formulaRef>
+                      </c:ext>
+                    </c:extLst>
+                    <c:strCache>
+                      <c:ptCount val="1"/>
+                      <c:pt idx="0">
+                        <c:v>S3 Upload Time</c:v>
+                      </c:pt>
+                    </c:strCache>
+                  </c:strRef>
+                </c:tx>
+                <c:spPr>
+                  <a:gradFill rotWithShape="1">
+                    <a:gsLst>
+                      <a:gs pos="0">
+                        <a:schemeClr val="accent4">
+                          <a:satMod val="103000"/>
+                          <a:lumMod val="102000"/>
+                          <a:tint val="94000"/>
+                        </a:schemeClr>
+                      </a:gs>
+                      <a:gs pos="50000">
+                        <a:schemeClr val="accent4">
+                          <a:satMod val="110000"/>
+                          <a:lumMod val="100000"/>
+                          <a:shade val="100000"/>
+                        </a:schemeClr>
+                      </a:gs>
+                      <a:gs pos="100000">
+                        <a:schemeClr val="accent4">
+                          <a:lumMod val="99000"/>
+                          <a:satMod val="120000"/>
+                          <a:shade val="78000"/>
+                        </a:schemeClr>
+                      </a:gs>
+                    </a:gsLst>
+                    <a:lin ang="5400000" scaled="0"/>
+                  </a:gradFill>
+                  <a:ln>
+                    <a:noFill/>
+                  </a:ln>
+                  <a:effectLst>
+                    <a:outerShdw blurRad="57150" dist="19050" dir="5400000" algn="ctr" rotWithShape="0">
+                      <a:srgbClr val="000000">
+                        <a:alpha val="63000"/>
+                      </a:srgbClr>
+                    </a:outerShdw>
+                  </a:effectLst>
+                </c:spPr>
+                <c:invertIfNegative val="0"/>
+                <c:cat>
+                  <c:numRef>
+                    <c:extLst xmlns:c15="http://schemas.microsoft.com/office/drawing/2012/chart">
+                      <c:ext xmlns:c15="http://schemas.microsoft.com/office/drawing/2012/chart" uri="{02D57815-91ED-43cb-92C2-25804820EDAC}">
+                        <c15:formulaRef>
+                          <c15:sqref>Sheet1!$B$16:$B$19</c15:sqref>
+                        </c15:formulaRef>
+                      </c:ext>
+                    </c:extLst>
+                    <c:numCache>
+                      <c:formatCode>General</c:formatCode>
+                      <c:ptCount val="4"/>
+                      <c:pt idx="0">
+                        <c:v>1</c:v>
+                      </c:pt>
+                      <c:pt idx="1">
+                        <c:v>10</c:v>
+                      </c:pt>
+                      <c:pt idx="2">
+                        <c:v>100</c:v>
+                      </c:pt>
+                      <c:pt idx="3">
+                        <c:v>1000</c:v>
+                      </c:pt>
+                    </c:numCache>
+                  </c:numRef>
+                </c:cat>
+                <c:val>
+                  <c:numRef>
+                    <c:extLst xmlns:c15="http://schemas.microsoft.com/office/drawing/2012/chart">
+                      <c:ext xmlns:c15="http://schemas.microsoft.com/office/drawing/2012/chart" uri="{02D57815-91ED-43cb-92C2-25804820EDAC}">
+                        <c15:formulaRef>
+                          <c15:sqref>Sheet1!$F$16:$F$19</c15:sqref>
+                        </c15:formulaRef>
+                      </c:ext>
+                    </c:extLst>
+                    <c:numCache>
+                      <c:formatCode>General</c:formatCode>
+                      <c:ptCount val="4"/>
+                      <c:pt idx="0">
+                        <c:v>2.73</c:v>
+                      </c:pt>
+                      <c:pt idx="1">
+                        <c:v>3.5</c:v>
+                      </c:pt>
+                      <c:pt idx="2">
+                        <c:v>3.5</c:v>
+                      </c:pt>
+                      <c:pt idx="3">
+                        <c:v>5.7</c:v>
+                      </c:pt>
+                    </c:numCache>
+                  </c:numRef>
+                </c:val>
+                <c:extLst>
+                  <c:ext xmlns:c16="http://schemas.microsoft.com/office/drawing/2014/chart" uri="{C3380CC4-5D6E-409C-BE32-E72D297353CC}">
+                    <c16:uniqueId val="{00000005-8E7D-4DFD-B32E-B2D94655403E}"/>
+                  </c:ext>
+                </c:extLst>
+              </c15:ser>
+            </c15:filteredBarSeries>
+            <c15:filteredBarSeries>
+              <c15:ser>
+                <c:idx val="4"/>
+                <c:order val="4"/>
+                <c:tx>
+                  <c:strRef>
+                    <c:extLst xmlns:c15="http://schemas.microsoft.com/office/drawing/2012/chart">
+                      <c:ext xmlns:c15="http://schemas.microsoft.com/office/drawing/2012/chart" uri="{02D57815-91ED-43cb-92C2-25804820EDAC}">
+                        <c15:formulaRef>
+                          <c15:sqref>Sheet1!$G$15</c15:sqref>
+                        </c15:formulaRef>
+                      </c:ext>
+                    </c:extLst>
+                    <c:strCache>
+                      <c:ptCount val="1"/>
+                      <c:pt idx="0">
+                        <c:v>S3 Download Time</c:v>
+                      </c:pt>
+                    </c:strCache>
+                  </c:strRef>
+                </c:tx>
+                <c:spPr>
+                  <a:gradFill rotWithShape="1">
+                    <a:gsLst>
+                      <a:gs pos="0">
+                        <a:schemeClr val="accent5">
+                          <a:satMod val="103000"/>
+                          <a:lumMod val="102000"/>
+                          <a:tint val="94000"/>
+                        </a:schemeClr>
+                      </a:gs>
+                      <a:gs pos="50000">
+                        <a:schemeClr val="accent5">
+                          <a:satMod val="110000"/>
+                          <a:lumMod val="100000"/>
+                          <a:shade val="100000"/>
+                        </a:schemeClr>
+                      </a:gs>
+                      <a:gs pos="100000">
+                        <a:schemeClr val="accent5">
+                          <a:lumMod val="99000"/>
+                          <a:satMod val="120000"/>
+                          <a:shade val="78000"/>
+                        </a:schemeClr>
+                      </a:gs>
+                    </a:gsLst>
+                    <a:lin ang="5400000" scaled="0"/>
+                  </a:gradFill>
+                  <a:ln>
+                    <a:noFill/>
+                  </a:ln>
+                  <a:effectLst>
+                    <a:outerShdw blurRad="57150" dist="19050" dir="5400000" algn="ctr" rotWithShape="0">
+                      <a:srgbClr val="000000">
+                        <a:alpha val="63000"/>
+                      </a:srgbClr>
+                    </a:outerShdw>
+                  </a:effectLst>
+                </c:spPr>
+                <c:invertIfNegative val="0"/>
+                <c:cat>
+                  <c:numRef>
+                    <c:extLst xmlns:c15="http://schemas.microsoft.com/office/drawing/2012/chart">
+                      <c:ext xmlns:c15="http://schemas.microsoft.com/office/drawing/2012/chart" uri="{02D57815-91ED-43cb-92C2-25804820EDAC}">
+                        <c15:formulaRef>
+                          <c15:sqref>Sheet1!$B$16:$B$19</c15:sqref>
+                        </c15:formulaRef>
+                      </c:ext>
+                    </c:extLst>
+                    <c:numCache>
+                      <c:formatCode>General</c:formatCode>
+                      <c:ptCount val="4"/>
+                      <c:pt idx="0">
+                        <c:v>1</c:v>
+                      </c:pt>
+                      <c:pt idx="1">
+                        <c:v>10</c:v>
+                      </c:pt>
+                      <c:pt idx="2">
+                        <c:v>100</c:v>
+                      </c:pt>
+                      <c:pt idx="3">
+                        <c:v>1000</c:v>
+                      </c:pt>
+                    </c:numCache>
+                  </c:numRef>
+                </c:cat>
+                <c:val>
+                  <c:numRef>
+                    <c:extLst xmlns:c15="http://schemas.microsoft.com/office/drawing/2012/chart">
+                      <c:ext xmlns:c15="http://schemas.microsoft.com/office/drawing/2012/chart" uri="{02D57815-91ED-43cb-92C2-25804820EDAC}">
+                        <c15:formulaRef>
+                          <c15:sqref>Sheet1!$G$16:$G$19</c15:sqref>
+                        </c15:formulaRef>
+                      </c:ext>
+                    </c:extLst>
+                    <c:numCache>
+                      <c:formatCode>General</c:formatCode>
+                      <c:ptCount val="4"/>
+                      <c:pt idx="0">
+                        <c:v>2.9</c:v>
+                      </c:pt>
+                      <c:pt idx="1">
+                        <c:v>3.3</c:v>
+                      </c:pt>
+                      <c:pt idx="2">
+                        <c:v>3.9</c:v>
+                      </c:pt>
+                      <c:pt idx="3">
+                        <c:v>13.5</c:v>
+                      </c:pt>
+                    </c:numCache>
+                  </c:numRef>
+                </c:val>
+                <c:extLst>
+                  <c:ext xmlns:c16="http://schemas.microsoft.com/office/drawing/2014/chart" uri="{C3380CC4-5D6E-409C-BE32-E72D297353CC}">
+                    <c16:uniqueId val="{00000006-8E7D-4DFD-B32E-B2D94655403E}"/>
+                  </c:ext>
+                </c:extLst>
+              </c15:ser>
+            </c15:filteredBarSeries>
+          </c:ext>
+        </c:extLst>
+      </c:barChart>
+      <c:catAx>
+        <c:axId val="518993720"/>
+        <c:scaling>
+          <c:orientation val="minMax"/>
+        </c:scaling>
+        <c:delete val="0"/>
+        <c:axPos val="b"/>
+        <c:title>
+          <c:tx>
+            <c:rich>
+              <a:bodyPr rot="0" spcFirstLastPara="1" vertOverflow="ellipsis" vert="horz" wrap="square" anchor="ctr" anchorCtr="1"/>
+              <a:lstStyle/>
+              <a:p>
+                <a:pPr>
+                  <a:defRPr sz="1400" b="1" i="0" u="none" strike="noStrike" kern="1200" cap="all" baseline="0">
+                    <a:solidFill>
+                      <a:schemeClr val="lt1">
+                        <a:lumMod val="85000"/>
+                      </a:schemeClr>
+                    </a:solidFill>
+                    <a:latin typeface="+mn-lt"/>
+                    <a:ea typeface="+mn-ea"/>
+                    <a:cs typeface="+mn-cs"/>
+                  </a:defRPr>
+                </a:pPr>
+                <a:r>
+                  <a:rPr lang="en-US" sz="1400"/>
+                  <a:t>Number of Objects</a:t>
+                </a:r>
+              </a:p>
+            </c:rich>
+          </c:tx>
+          <c:overlay val="0"/>
+          <c:spPr>
+            <a:noFill/>
+            <a:ln>
+              <a:noFill/>
+            </a:ln>
+            <a:effectLst/>
+          </c:spPr>
+          <c:txPr>
+            <a:bodyPr rot="0" spcFirstLastPara="1" vertOverflow="ellipsis" vert="horz" wrap="square" anchor="ctr" anchorCtr="1"/>
+            <a:lstStyle/>
+            <a:p>
+              <a:pPr>
+                <a:defRPr sz="1400" b="1" i="0" u="none" strike="noStrike" kern="1200" cap="all" baseline="0">
+                  <a:solidFill>
+                    <a:schemeClr val="lt1">
+                      <a:lumMod val="85000"/>
+                    </a:schemeClr>
+                  </a:solidFill>
+                  <a:latin typeface="+mn-lt"/>
+                  <a:ea typeface="+mn-ea"/>
+                  <a:cs typeface="+mn-cs"/>
+                </a:defRPr>
+              </a:pPr>
+              <a:endParaRPr lang="en-US"/>
+            </a:p>
+          </c:txPr>
+        </c:title>
+        <c:numFmt formatCode="General" sourceLinked="1"/>
+        <c:majorTickMark val="none"/>
+        <c:minorTickMark val="none"/>
+        <c:tickLblPos val="nextTo"/>
+        <c:spPr>
+          <a:noFill/>
+          <a:ln w="12700" cap="flat" cmpd="sng" algn="ctr">
+            <a:solidFill>
+              <a:schemeClr val="lt1">
+                <a:lumMod val="95000"/>
+                <a:alpha val="54000"/>
+              </a:schemeClr>
+            </a:solidFill>
+            <a:round/>
+          </a:ln>
+          <a:effectLst/>
+        </c:spPr>
+        <c:txPr>
+          <a:bodyPr rot="-60000000" spcFirstLastPara="1" vertOverflow="ellipsis" vert="horz" wrap="square" anchor="ctr" anchorCtr="1"/>
+          <a:lstStyle/>
+          <a:p>
+            <a:pPr>
+              <a:defRPr sz="1400" b="0" i="0" u="none" strike="noStrike" kern="1200" baseline="0">
+                <a:solidFill>
+                  <a:schemeClr val="lt1">
+                    <a:lumMod val="85000"/>
+                  </a:schemeClr>
+                </a:solidFill>
+                <a:latin typeface="+mn-lt"/>
+                <a:ea typeface="+mn-ea"/>
+                <a:cs typeface="+mn-cs"/>
+              </a:defRPr>
+            </a:pPr>
+            <a:endParaRPr lang="en-US"/>
+          </a:p>
+        </c:txPr>
+        <c:crossAx val="518994072"/>
+        <c:crosses val="autoZero"/>
+        <c:auto val="1"/>
+        <c:lblAlgn val="ctr"/>
+        <c:lblOffset val="100"/>
+        <c:noMultiLvlLbl val="0"/>
+      </c:catAx>
+      <c:valAx>
+        <c:axId val="518994072"/>
+        <c:scaling>
+          <c:orientation val="minMax"/>
+        </c:scaling>
+        <c:delete val="0"/>
+        <c:axPos val="l"/>
+        <c:majorGridlines>
+          <c:spPr>
+            <a:ln w="9525" cap="flat" cmpd="sng" algn="ctr">
+              <a:solidFill>
+                <a:schemeClr val="bg1">
+                  <a:alpha val="70000"/>
+                </a:schemeClr>
+              </a:solidFill>
+              <a:round/>
+            </a:ln>
+            <a:effectLst/>
+          </c:spPr>
+        </c:majorGridlines>
+        <c:title>
+          <c:tx>
+            <c:rich>
+              <a:bodyPr rot="-5400000" spcFirstLastPara="1" vertOverflow="ellipsis" vert="horz" wrap="square" anchor="ctr" anchorCtr="1"/>
+              <a:lstStyle/>
+              <a:p>
+                <a:pPr>
+                  <a:defRPr sz="1400" b="1" i="0" u="none" strike="noStrike" kern="1200" cap="all" baseline="0">
+                    <a:solidFill>
+                      <a:schemeClr val="lt1">
+                        <a:lumMod val="85000"/>
+                      </a:schemeClr>
+                    </a:solidFill>
+                    <a:latin typeface="+mn-lt"/>
+                    <a:ea typeface="+mn-ea"/>
+                    <a:cs typeface="+mn-cs"/>
+                  </a:defRPr>
+                </a:pPr>
+                <a:r>
+                  <a:rPr lang="en-US" sz="1400"/>
+                  <a:t>Time (s)</a:t>
+                </a:r>
+              </a:p>
+            </c:rich>
+          </c:tx>
+          <c:overlay val="0"/>
+          <c:spPr>
+            <a:noFill/>
+            <a:ln>
+              <a:noFill/>
+            </a:ln>
+            <a:effectLst/>
+          </c:spPr>
+          <c:txPr>
+            <a:bodyPr rot="-5400000" spcFirstLastPara="1" vertOverflow="ellipsis" vert="horz" wrap="square" anchor="ctr" anchorCtr="1"/>
+            <a:lstStyle/>
+            <a:p>
+              <a:pPr>
+                <a:defRPr sz="1400" b="1" i="0" u="none" strike="noStrike" kern="1200" cap="all" baseline="0">
+                  <a:solidFill>
+                    <a:schemeClr val="lt1">
+                      <a:lumMod val="85000"/>
+                    </a:schemeClr>
+                  </a:solidFill>
+                  <a:latin typeface="+mn-lt"/>
+                  <a:ea typeface="+mn-ea"/>
+                  <a:cs typeface="+mn-cs"/>
+                </a:defRPr>
+              </a:pPr>
+              <a:endParaRPr lang="en-US"/>
+            </a:p>
+          </c:txPr>
+        </c:title>
+        <c:numFmt formatCode="General" sourceLinked="1"/>
+        <c:majorTickMark val="none"/>
+        <c:minorTickMark val="none"/>
+        <c:tickLblPos val="nextTo"/>
+        <c:spPr>
+          <a:noFill/>
+          <a:ln>
+            <a:noFill/>
+          </a:ln>
+          <a:effectLst/>
+        </c:spPr>
+        <c:txPr>
+          <a:bodyPr rot="-60000000" spcFirstLastPara="1" vertOverflow="ellipsis" vert="horz" wrap="square" anchor="ctr" anchorCtr="1"/>
+          <a:lstStyle/>
+          <a:p>
+            <a:pPr>
+              <a:defRPr sz="1400" b="0" i="0" u="none" strike="noStrike" kern="1200" baseline="0">
+                <a:solidFill>
+                  <a:schemeClr val="lt1">
+                    <a:lumMod val="85000"/>
+                  </a:schemeClr>
+                </a:solidFill>
+                <a:latin typeface="+mn-lt"/>
+                <a:ea typeface="+mn-ea"/>
+                <a:cs typeface="+mn-cs"/>
+              </a:defRPr>
+            </a:pPr>
+            <a:endParaRPr lang="en-US"/>
+          </a:p>
+        </c:txPr>
+        <c:crossAx val="518993720"/>
+        <c:crosses val="autoZero"/>
+        <c:crossBetween val="between"/>
+      </c:valAx>
+      <c:spPr>
+        <a:noFill/>
+        <a:ln>
+          <a:noFill/>
+        </a:ln>
+        <a:effectLst/>
+      </c:spPr>
+    </c:plotArea>
+    <c:legend>
+      <c:legendPos val="b"/>
+      <c:overlay val="0"/>
+      <c:spPr>
+        <a:noFill/>
+        <a:ln>
+          <a:noFill/>
+        </a:ln>
+        <a:effectLst/>
+      </c:spPr>
+      <c:txPr>
+        <a:bodyPr rot="0" spcFirstLastPara="1" vertOverflow="ellipsis" vert="horz" wrap="square" anchor="ctr" anchorCtr="1"/>
+        <a:lstStyle/>
+        <a:p>
+          <a:pPr>
+            <a:defRPr sz="1400" b="0" i="0" u="none" strike="noStrike" kern="1200" baseline="0">
+              <a:solidFill>
+                <a:schemeClr val="lt1">
+                  <a:lumMod val="85000"/>
+                </a:schemeClr>
+              </a:solidFill>
+              <a:latin typeface="+mn-lt"/>
+              <a:ea typeface="+mn-ea"/>
+              <a:cs typeface="+mn-cs"/>
+            </a:defRPr>
+          </a:pPr>
+          <a:endParaRPr lang="en-US"/>
+        </a:p>
+      </c:txPr>
+    </c:legend>
+    <c:plotVisOnly val="1"/>
+    <c:dispBlanksAs val="gap"/>
+    <c:extLst>
+      <c:ext xmlns:c16r3="http://schemas.microsoft.com/office/drawing/2017/03/chart" uri="{56B9EC1D-385E-4148-901F-78D8002777C0}">
+        <c16r3:dataDisplayOptions16>
+          <c16r3:dispNaAsBlank val="1"/>
+        </c16r3:dataDisplayOptions16>
+      </c:ext>
+    </c:extLst>
+    <c:showDLblsOverMax val="0"/>
+  </c:chart>
+  <c:spPr>
+    <a:solidFill>
+      <a:schemeClr val="tx1"/>
+    </a:solidFill>
     <a:ln>
       <a:noFill/>
     </a:ln>
@@ -5360,7 +6553,1589 @@
 </c:chartSpace>
 </file>
 
+<file path=ppt/charts/chart8.xml><?xml version="1.0" encoding="utf-8"?>
+<c:chartSpace xmlns:c="http://schemas.openxmlformats.org/drawingml/2006/chart" xmlns:a="http://schemas.openxmlformats.org/drawingml/2006/main" xmlns:r="http://schemas.openxmlformats.org/officeDocument/2006/relationships" xmlns:c16r2="http://schemas.microsoft.com/office/drawing/2015/06/chart">
+  <c:date1904 val="0"/>
+  <c:lang val="en-US"/>
+  <c:roundedCorners val="0"/>
+  <mc:AlternateContent xmlns:mc="http://schemas.openxmlformats.org/markup-compatibility/2006">
+    <mc:Choice xmlns:c14="http://schemas.microsoft.com/office/drawing/2007/8/2/chart" Requires="c14">
+      <c14:style val="102"/>
+    </mc:Choice>
+    <mc:Fallback>
+      <c:style val="2"/>
+    </mc:Fallback>
+  </mc:AlternateContent>
+  <c:chart>
+    <c:title>
+      <c:tx>
+        <c:rich>
+          <a:bodyPr rot="0" spcFirstLastPara="1" vertOverflow="ellipsis" vert="horz" wrap="square" anchor="ctr" anchorCtr="1"/>
+          <a:lstStyle/>
+          <a:p>
+            <a:pPr>
+              <a:defRPr sz="2400" b="1" i="0" u="none" strike="noStrike" kern="1200" spc="100" baseline="0">
+                <a:solidFill>
+                  <a:schemeClr val="lt1">
+                    <a:lumMod val="95000"/>
+                  </a:schemeClr>
+                </a:solidFill>
+                <a:effectLst>
+                  <a:outerShdw blurRad="50800" dist="38100" dir="5400000" algn="t" rotWithShape="0">
+                    <a:prstClr val="black">
+                      <a:alpha val="40000"/>
+                    </a:prstClr>
+                  </a:outerShdw>
+                </a:effectLst>
+                <a:latin typeface="+mn-lt"/>
+                <a:ea typeface="+mn-ea"/>
+                <a:cs typeface="+mn-cs"/>
+              </a:defRPr>
+            </a:pPr>
+            <a:r>
+              <a:rPr lang="en-US" sz="2400"/>
+              <a:t>Space</a:t>
+            </a:r>
+            <a:r>
+              <a:rPr lang="en-US" sz="2400" baseline="0"/>
+              <a:t> Used</a:t>
+            </a:r>
+            <a:endParaRPr lang="en-US" sz="2400"/>
+          </a:p>
+        </c:rich>
+      </c:tx>
+      <c:overlay val="0"/>
+      <c:spPr>
+        <a:noFill/>
+        <a:ln>
+          <a:noFill/>
+        </a:ln>
+        <a:effectLst/>
+      </c:spPr>
+      <c:txPr>
+        <a:bodyPr rot="0" spcFirstLastPara="1" vertOverflow="ellipsis" vert="horz" wrap="square" anchor="ctr" anchorCtr="1"/>
+        <a:lstStyle/>
+        <a:p>
+          <a:pPr>
+            <a:defRPr sz="2400" b="1" i="0" u="none" strike="noStrike" kern="1200" spc="100" baseline="0">
+              <a:solidFill>
+                <a:schemeClr val="lt1">
+                  <a:lumMod val="95000"/>
+                </a:schemeClr>
+              </a:solidFill>
+              <a:effectLst>
+                <a:outerShdw blurRad="50800" dist="38100" dir="5400000" algn="t" rotWithShape="0">
+                  <a:prstClr val="black">
+                    <a:alpha val="40000"/>
+                  </a:prstClr>
+                </a:outerShdw>
+              </a:effectLst>
+              <a:latin typeface="+mn-lt"/>
+              <a:ea typeface="+mn-ea"/>
+              <a:cs typeface="+mn-cs"/>
+            </a:defRPr>
+          </a:pPr>
+          <a:endParaRPr lang="en-US"/>
+        </a:p>
+      </c:txPr>
+    </c:title>
+    <c:autoTitleDeleted val="0"/>
+    <c:plotArea>
+      <c:layout/>
+      <c:barChart>
+        <c:barDir val="col"/>
+        <c:grouping val="clustered"/>
+        <c:varyColors val="0"/>
+        <c:ser>
+          <c:idx val="0"/>
+          <c:order val="0"/>
+          <c:spPr>
+            <a:gradFill rotWithShape="1">
+              <a:gsLst>
+                <a:gs pos="0">
+                  <a:schemeClr val="accent1">
+                    <a:satMod val="103000"/>
+                    <a:lumMod val="102000"/>
+                    <a:tint val="94000"/>
+                  </a:schemeClr>
+                </a:gs>
+                <a:gs pos="50000">
+                  <a:schemeClr val="accent1">
+                    <a:satMod val="110000"/>
+                    <a:lumMod val="100000"/>
+                    <a:shade val="100000"/>
+                  </a:schemeClr>
+                </a:gs>
+                <a:gs pos="100000">
+                  <a:schemeClr val="accent1">
+                    <a:lumMod val="99000"/>
+                    <a:satMod val="120000"/>
+                    <a:shade val="78000"/>
+                  </a:schemeClr>
+                </a:gs>
+              </a:gsLst>
+              <a:lin ang="5400000" scaled="0"/>
+            </a:gradFill>
+            <a:ln>
+              <a:noFill/>
+            </a:ln>
+            <a:effectLst>
+              <a:outerShdw blurRad="57150" dist="19050" dir="5400000" algn="ctr" rotWithShape="0">
+                <a:srgbClr val="000000">
+                  <a:alpha val="63000"/>
+                </a:srgbClr>
+              </a:outerShdw>
+            </a:effectLst>
+          </c:spPr>
+          <c:invertIfNegative val="0"/>
+          <c:cat>
+            <c:strRef>
+              <c:f>Sheet1!$A$47:$C$47</c:f>
+              <c:strCache>
+                <c:ptCount val="3"/>
+                <c:pt idx="0">
+                  <c:v>EBS </c:v>
+                </c:pt>
+                <c:pt idx="1">
+                  <c:v>CSV </c:v>
+                </c:pt>
+                <c:pt idx="2">
+                  <c:v>S3</c:v>
+                </c:pt>
+              </c:strCache>
+            </c:strRef>
+          </c:cat>
+          <c:val>
+            <c:numRef>
+              <c:f>Sheet1!$A$48:$C$48</c:f>
+              <c:numCache>
+                <c:formatCode>General</c:formatCode>
+                <c:ptCount val="3"/>
+                <c:pt idx="0">
+                  <c:v>303.7</c:v>
+                </c:pt>
+                <c:pt idx="1">
+                  <c:v>233.5</c:v>
+                </c:pt>
+                <c:pt idx="2">
+                  <c:v>231.1</c:v>
+                </c:pt>
+              </c:numCache>
+            </c:numRef>
+          </c:val>
+          <c:extLst>
+            <c:ext xmlns:c16="http://schemas.microsoft.com/office/drawing/2014/chart" uri="{C3380CC4-5D6E-409C-BE32-E72D297353CC}">
+              <c16:uniqueId val="{00000000-958A-4596-A7AF-A556B16671A1}"/>
+            </c:ext>
+          </c:extLst>
+        </c:ser>
+        <c:dLbls>
+          <c:showLegendKey val="0"/>
+          <c:showVal val="0"/>
+          <c:showCatName val="0"/>
+          <c:showSerName val="0"/>
+          <c:showPercent val="0"/>
+          <c:showBubbleSize val="0"/>
+        </c:dLbls>
+        <c:gapWidth val="100"/>
+        <c:overlap val="-24"/>
+        <c:axId val="538713720"/>
+        <c:axId val="538711960"/>
+      </c:barChart>
+      <c:catAx>
+        <c:axId val="538713720"/>
+        <c:scaling>
+          <c:orientation val="minMax"/>
+        </c:scaling>
+        <c:delete val="0"/>
+        <c:axPos val="b"/>
+        <c:numFmt formatCode="General" sourceLinked="1"/>
+        <c:majorTickMark val="none"/>
+        <c:minorTickMark val="none"/>
+        <c:tickLblPos val="nextTo"/>
+        <c:spPr>
+          <a:noFill/>
+          <a:ln w="12700" cap="flat" cmpd="sng" algn="ctr">
+            <a:solidFill>
+              <a:schemeClr val="lt1">
+                <a:lumMod val="95000"/>
+                <a:alpha val="54000"/>
+              </a:schemeClr>
+            </a:solidFill>
+            <a:round/>
+          </a:ln>
+          <a:effectLst/>
+        </c:spPr>
+        <c:txPr>
+          <a:bodyPr rot="-60000000" spcFirstLastPara="1" vertOverflow="ellipsis" vert="horz" wrap="square" anchor="ctr" anchorCtr="1"/>
+          <a:lstStyle/>
+          <a:p>
+            <a:pPr>
+              <a:defRPr sz="1400" b="0" i="0" u="none" strike="noStrike" kern="1200" baseline="0">
+                <a:solidFill>
+                  <a:schemeClr val="lt1">
+                    <a:lumMod val="85000"/>
+                  </a:schemeClr>
+                </a:solidFill>
+                <a:latin typeface="+mn-lt"/>
+                <a:ea typeface="+mn-ea"/>
+                <a:cs typeface="+mn-cs"/>
+              </a:defRPr>
+            </a:pPr>
+            <a:endParaRPr lang="en-US"/>
+          </a:p>
+        </c:txPr>
+        <c:crossAx val="538711960"/>
+        <c:crosses val="autoZero"/>
+        <c:auto val="1"/>
+        <c:lblAlgn val="ctr"/>
+        <c:lblOffset val="100"/>
+        <c:noMultiLvlLbl val="0"/>
+      </c:catAx>
+      <c:valAx>
+        <c:axId val="538711960"/>
+        <c:scaling>
+          <c:orientation val="minMax"/>
+        </c:scaling>
+        <c:delete val="0"/>
+        <c:axPos val="l"/>
+        <c:majorGridlines>
+          <c:spPr>
+            <a:ln w="9525" cap="flat" cmpd="sng" algn="ctr">
+              <a:solidFill>
+                <a:schemeClr val="bg1">
+                  <a:alpha val="70000"/>
+                </a:schemeClr>
+              </a:solidFill>
+              <a:round/>
+            </a:ln>
+            <a:effectLst/>
+          </c:spPr>
+        </c:majorGridlines>
+        <c:title>
+          <c:tx>
+            <c:rich>
+              <a:bodyPr rot="-5400000" spcFirstLastPara="1" vertOverflow="ellipsis" vert="horz" wrap="square" anchor="ctr" anchorCtr="1"/>
+              <a:lstStyle/>
+              <a:p>
+                <a:pPr>
+                  <a:defRPr sz="1400" b="1" i="0" u="none" strike="noStrike" kern="1200" cap="all" baseline="0">
+                    <a:solidFill>
+                      <a:schemeClr val="lt1">
+                        <a:lumMod val="85000"/>
+                      </a:schemeClr>
+                    </a:solidFill>
+                    <a:latin typeface="+mn-lt"/>
+                    <a:ea typeface="+mn-ea"/>
+                    <a:cs typeface="+mn-cs"/>
+                  </a:defRPr>
+                </a:pPr>
+                <a:r>
+                  <a:rPr lang="en-US" sz="1400"/>
+                  <a:t>Space</a:t>
+                </a:r>
+                <a:r>
+                  <a:rPr lang="en-US" sz="1400" baseline="0"/>
+                  <a:t> (MB)</a:t>
+                </a:r>
+                <a:endParaRPr lang="en-US" sz="1400"/>
+              </a:p>
+            </c:rich>
+          </c:tx>
+          <c:overlay val="0"/>
+          <c:spPr>
+            <a:noFill/>
+            <a:ln>
+              <a:noFill/>
+            </a:ln>
+            <a:effectLst/>
+          </c:spPr>
+          <c:txPr>
+            <a:bodyPr rot="-5400000" spcFirstLastPara="1" vertOverflow="ellipsis" vert="horz" wrap="square" anchor="ctr" anchorCtr="1"/>
+            <a:lstStyle/>
+            <a:p>
+              <a:pPr>
+                <a:defRPr sz="1400" b="1" i="0" u="none" strike="noStrike" kern="1200" cap="all" baseline="0">
+                  <a:solidFill>
+                    <a:schemeClr val="lt1">
+                      <a:lumMod val="85000"/>
+                    </a:schemeClr>
+                  </a:solidFill>
+                  <a:latin typeface="+mn-lt"/>
+                  <a:ea typeface="+mn-ea"/>
+                  <a:cs typeface="+mn-cs"/>
+                </a:defRPr>
+              </a:pPr>
+              <a:endParaRPr lang="en-US"/>
+            </a:p>
+          </c:txPr>
+        </c:title>
+        <c:numFmt formatCode="General" sourceLinked="1"/>
+        <c:majorTickMark val="none"/>
+        <c:minorTickMark val="none"/>
+        <c:tickLblPos val="nextTo"/>
+        <c:spPr>
+          <a:noFill/>
+          <a:ln>
+            <a:noFill/>
+          </a:ln>
+          <a:effectLst/>
+        </c:spPr>
+        <c:txPr>
+          <a:bodyPr rot="-60000000" spcFirstLastPara="1" vertOverflow="ellipsis" vert="horz" wrap="square" anchor="ctr" anchorCtr="1"/>
+          <a:lstStyle/>
+          <a:p>
+            <a:pPr>
+              <a:defRPr sz="1400" b="0" i="0" u="none" strike="noStrike" kern="1200" baseline="0">
+                <a:solidFill>
+                  <a:schemeClr val="lt1">
+                    <a:lumMod val="85000"/>
+                  </a:schemeClr>
+                </a:solidFill>
+                <a:latin typeface="+mn-lt"/>
+                <a:ea typeface="+mn-ea"/>
+                <a:cs typeface="+mn-cs"/>
+              </a:defRPr>
+            </a:pPr>
+            <a:endParaRPr lang="en-US"/>
+          </a:p>
+        </c:txPr>
+        <c:crossAx val="538713720"/>
+        <c:crosses val="autoZero"/>
+        <c:crossBetween val="between"/>
+      </c:valAx>
+      <c:spPr>
+        <a:noFill/>
+        <a:ln>
+          <a:noFill/>
+        </a:ln>
+        <a:effectLst/>
+      </c:spPr>
+    </c:plotArea>
+    <c:plotVisOnly val="1"/>
+    <c:dispBlanksAs val="gap"/>
+    <c:extLst>
+      <c:ext xmlns:c16r3="http://schemas.microsoft.com/office/drawing/2017/03/chart" uri="{56B9EC1D-385E-4148-901F-78D8002777C0}">
+        <c16r3:dataDisplayOptions16>
+          <c16r3:dispNaAsBlank val="1"/>
+        </c16r3:dataDisplayOptions16>
+      </c:ext>
+    </c:extLst>
+    <c:showDLblsOverMax val="0"/>
+  </c:chart>
+  <c:spPr>
+    <a:solidFill>
+      <a:schemeClr val="tx1"/>
+    </a:solidFill>
+    <a:ln>
+      <a:noFill/>
+    </a:ln>
+    <a:effectLst/>
+  </c:spPr>
+  <c:txPr>
+    <a:bodyPr/>
+    <a:lstStyle/>
+    <a:p>
+      <a:pPr>
+        <a:defRPr/>
+      </a:pPr>
+      <a:endParaRPr lang="en-US"/>
+    </a:p>
+  </c:txPr>
+  <c:externalData r:id="rId3">
+    <c:autoUpdate val="0"/>
+  </c:externalData>
+</c:chartSpace>
+</file>
+
+<file path=ppt/charts/chart9.xml><?xml version="1.0" encoding="utf-8"?>
+<c:chartSpace xmlns:c="http://schemas.openxmlformats.org/drawingml/2006/chart" xmlns:a="http://schemas.openxmlformats.org/drawingml/2006/main" xmlns:r="http://schemas.openxmlformats.org/officeDocument/2006/relationships" xmlns:c16r2="http://schemas.microsoft.com/office/drawing/2015/06/chart">
+  <c:date1904 val="0"/>
+  <c:lang val="en-US"/>
+  <c:roundedCorners val="0"/>
+  <mc:AlternateContent xmlns:mc="http://schemas.openxmlformats.org/markup-compatibility/2006">
+    <mc:Choice xmlns:c14="http://schemas.microsoft.com/office/drawing/2007/8/2/chart" Requires="c14">
+      <c14:style val="102"/>
+    </mc:Choice>
+    <mc:Fallback>
+      <c:style val="2"/>
+    </mc:Fallback>
+  </mc:AlternateContent>
+  <c:chart>
+    <c:title>
+      <c:tx>
+        <c:rich>
+          <a:bodyPr rot="0" spcFirstLastPara="1" vertOverflow="ellipsis" vert="horz" wrap="square" anchor="ctr" anchorCtr="1"/>
+          <a:lstStyle/>
+          <a:p>
+            <a:pPr>
+              <a:defRPr sz="2400" b="1" i="0" u="none" strike="noStrike" kern="1200" spc="100" baseline="0">
+                <a:solidFill>
+                  <a:schemeClr val="lt1">
+                    <a:lumMod val="95000"/>
+                  </a:schemeClr>
+                </a:solidFill>
+                <a:effectLst>
+                  <a:outerShdw blurRad="50800" dist="38100" dir="5400000" algn="t" rotWithShape="0">
+                    <a:prstClr val="black">
+                      <a:alpha val="40000"/>
+                    </a:prstClr>
+                  </a:outerShdw>
+                </a:effectLst>
+                <a:latin typeface="+mn-lt"/>
+                <a:ea typeface="+mn-ea"/>
+                <a:cs typeface="+mn-cs"/>
+              </a:defRPr>
+            </a:pPr>
+            <a:r>
+              <a:rPr lang="en-US" sz="2400"/>
+              <a:t>S3 Processing Time</a:t>
+            </a:r>
+          </a:p>
+        </c:rich>
+      </c:tx>
+      <c:overlay val="0"/>
+      <c:spPr>
+        <a:noFill/>
+        <a:ln>
+          <a:noFill/>
+        </a:ln>
+        <a:effectLst/>
+      </c:spPr>
+      <c:txPr>
+        <a:bodyPr rot="0" spcFirstLastPara="1" vertOverflow="ellipsis" vert="horz" wrap="square" anchor="ctr" anchorCtr="1"/>
+        <a:lstStyle/>
+        <a:p>
+          <a:pPr>
+            <a:defRPr sz="2400" b="1" i="0" u="none" strike="noStrike" kern="1200" spc="100" baseline="0">
+              <a:solidFill>
+                <a:schemeClr val="lt1">
+                  <a:lumMod val="95000"/>
+                </a:schemeClr>
+              </a:solidFill>
+              <a:effectLst>
+                <a:outerShdw blurRad="50800" dist="38100" dir="5400000" algn="t" rotWithShape="0">
+                  <a:prstClr val="black">
+                    <a:alpha val="40000"/>
+                  </a:prstClr>
+                </a:outerShdw>
+              </a:effectLst>
+              <a:latin typeface="+mn-lt"/>
+              <a:ea typeface="+mn-ea"/>
+              <a:cs typeface="+mn-cs"/>
+            </a:defRPr>
+          </a:pPr>
+          <a:endParaRPr lang="en-US"/>
+        </a:p>
+      </c:txPr>
+    </c:title>
+    <c:autoTitleDeleted val="0"/>
+    <c:plotArea>
+      <c:layout/>
+      <c:barChart>
+        <c:barDir val="col"/>
+        <c:grouping val="clustered"/>
+        <c:varyColors val="0"/>
+        <c:ser>
+          <c:idx val="0"/>
+          <c:order val="0"/>
+          <c:tx>
+            <c:strRef>
+              <c:f>Sheet1!$C$15</c:f>
+              <c:strCache>
+                <c:ptCount val="1"/>
+                <c:pt idx="0">
+                  <c:v>Build Time</c:v>
+                </c:pt>
+              </c:strCache>
+            </c:strRef>
+          </c:tx>
+          <c:spPr>
+            <a:gradFill rotWithShape="1">
+              <a:gsLst>
+                <a:gs pos="0">
+                  <a:schemeClr val="accent1">
+                    <a:satMod val="103000"/>
+                    <a:lumMod val="102000"/>
+                    <a:tint val="94000"/>
+                  </a:schemeClr>
+                </a:gs>
+                <a:gs pos="50000">
+                  <a:schemeClr val="accent1">
+                    <a:satMod val="110000"/>
+                    <a:lumMod val="100000"/>
+                    <a:shade val="100000"/>
+                  </a:schemeClr>
+                </a:gs>
+                <a:gs pos="100000">
+                  <a:schemeClr val="accent1">
+                    <a:lumMod val="99000"/>
+                    <a:satMod val="120000"/>
+                    <a:shade val="78000"/>
+                  </a:schemeClr>
+                </a:gs>
+              </a:gsLst>
+              <a:lin ang="5400000" scaled="0"/>
+            </a:gradFill>
+            <a:ln>
+              <a:noFill/>
+            </a:ln>
+            <a:effectLst>
+              <a:outerShdw blurRad="57150" dist="19050" dir="5400000" algn="ctr" rotWithShape="0">
+                <a:srgbClr val="000000">
+                  <a:alpha val="63000"/>
+                </a:srgbClr>
+              </a:outerShdw>
+            </a:effectLst>
+          </c:spPr>
+          <c:invertIfNegative val="0"/>
+          <c:cat>
+            <c:numRef>
+              <c:f>Sheet1!$B$16:$B$19</c:f>
+              <c:numCache>
+                <c:formatCode>General</c:formatCode>
+                <c:ptCount val="4"/>
+                <c:pt idx="0">
+                  <c:v>1</c:v>
+                </c:pt>
+                <c:pt idx="1">
+                  <c:v>10</c:v>
+                </c:pt>
+                <c:pt idx="2">
+                  <c:v>100</c:v>
+                </c:pt>
+                <c:pt idx="3">
+                  <c:v>1000</c:v>
+                </c:pt>
+              </c:numCache>
+            </c:numRef>
+          </c:cat>
+          <c:val>
+            <c:numRef>
+              <c:f>Sheet1!$C$16:$C$19</c:f>
+              <c:numCache>
+                <c:formatCode>General</c:formatCode>
+                <c:ptCount val="4"/>
+                <c:pt idx="0">
+                  <c:v>8</c:v>
+                </c:pt>
+                <c:pt idx="1">
+                  <c:v>8.9</c:v>
+                </c:pt>
+                <c:pt idx="2">
+                  <c:v>9.3000000000000007</c:v>
+                </c:pt>
+                <c:pt idx="3">
+                  <c:v>12.7</c:v>
+                </c:pt>
+              </c:numCache>
+            </c:numRef>
+          </c:val>
+          <c:extLst>
+            <c:ext xmlns:c16="http://schemas.microsoft.com/office/drawing/2014/chart" uri="{C3380CC4-5D6E-409C-BE32-E72D297353CC}">
+              <c16:uniqueId val="{00000000-1719-45BF-882D-7F57AB9C0B6C}"/>
+            </c:ext>
+          </c:extLst>
+        </c:ser>
+        <c:ser>
+          <c:idx val="2"/>
+          <c:order val="2"/>
+          <c:tx>
+            <c:strRef>
+              <c:f>Sheet1!$E$15</c:f>
+              <c:strCache>
+                <c:ptCount val="1"/>
+                <c:pt idx="0">
+                  <c:v>Read Time</c:v>
+                </c:pt>
+              </c:strCache>
+            </c:strRef>
+          </c:tx>
+          <c:spPr>
+            <a:gradFill rotWithShape="1">
+              <a:gsLst>
+                <a:gs pos="0">
+                  <a:schemeClr val="accent3">
+                    <a:satMod val="103000"/>
+                    <a:lumMod val="102000"/>
+                    <a:tint val="94000"/>
+                  </a:schemeClr>
+                </a:gs>
+                <a:gs pos="50000">
+                  <a:schemeClr val="accent3">
+                    <a:satMod val="110000"/>
+                    <a:lumMod val="100000"/>
+                    <a:shade val="100000"/>
+                  </a:schemeClr>
+                </a:gs>
+                <a:gs pos="100000">
+                  <a:schemeClr val="accent3">
+                    <a:lumMod val="99000"/>
+                    <a:satMod val="120000"/>
+                    <a:shade val="78000"/>
+                  </a:schemeClr>
+                </a:gs>
+              </a:gsLst>
+              <a:lin ang="5400000" scaled="0"/>
+            </a:gradFill>
+            <a:ln>
+              <a:noFill/>
+            </a:ln>
+            <a:effectLst>
+              <a:outerShdw blurRad="57150" dist="19050" dir="5400000" algn="ctr" rotWithShape="0">
+                <a:srgbClr val="000000">
+                  <a:alpha val="63000"/>
+                </a:srgbClr>
+              </a:outerShdw>
+            </a:effectLst>
+          </c:spPr>
+          <c:invertIfNegative val="0"/>
+          <c:cat>
+            <c:numRef>
+              <c:f>Sheet1!$B$16:$B$19</c:f>
+              <c:numCache>
+                <c:formatCode>General</c:formatCode>
+                <c:ptCount val="4"/>
+                <c:pt idx="0">
+                  <c:v>1</c:v>
+                </c:pt>
+                <c:pt idx="1">
+                  <c:v>10</c:v>
+                </c:pt>
+                <c:pt idx="2">
+                  <c:v>100</c:v>
+                </c:pt>
+                <c:pt idx="3">
+                  <c:v>1000</c:v>
+                </c:pt>
+              </c:numCache>
+            </c:numRef>
+          </c:cat>
+          <c:val>
+            <c:numRef>
+              <c:f>Sheet1!$E$16:$E$19</c:f>
+              <c:numCache>
+                <c:formatCode>General</c:formatCode>
+                <c:ptCount val="4"/>
+                <c:pt idx="0">
+                  <c:v>4.4000000000000004</c:v>
+                </c:pt>
+                <c:pt idx="1">
+                  <c:v>4.8</c:v>
+                </c:pt>
+                <c:pt idx="2">
+                  <c:v>6.8</c:v>
+                </c:pt>
+                <c:pt idx="3">
+                  <c:v>17.3</c:v>
+                </c:pt>
+              </c:numCache>
+            </c:numRef>
+          </c:val>
+          <c:extLst>
+            <c:ext xmlns:c16="http://schemas.microsoft.com/office/drawing/2014/chart" uri="{C3380CC4-5D6E-409C-BE32-E72D297353CC}">
+              <c16:uniqueId val="{00000001-1719-45BF-882D-7F57AB9C0B6C}"/>
+            </c:ext>
+          </c:extLst>
+        </c:ser>
+        <c:ser>
+          <c:idx val="3"/>
+          <c:order val="3"/>
+          <c:tx>
+            <c:strRef>
+              <c:f>Sheet1!$F$15</c:f>
+              <c:strCache>
+                <c:ptCount val="1"/>
+                <c:pt idx="0">
+                  <c:v>S3 Upload Time</c:v>
+                </c:pt>
+              </c:strCache>
+            </c:strRef>
+          </c:tx>
+          <c:spPr>
+            <a:gradFill rotWithShape="1">
+              <a:gsLst>
+                <a:gs pos="0">
+                  <a:schemeClr val="accent4">
+                    <a:satMod val="103000"/>
+                    <a:lumMod val="102000"/>
+                    <a:tint val="94000"/>
+                  </a:schemeClr>
+                </a:gs>
+                <a:gs pos="50000">
+                  <a:schemeClr val="accent4">
+                    <a:satMod val="110000"/>
+                    <a:lumMod val="100000"/>
+                    <a:shade val="100000"/>
+                  </a:schemeClr>
+                </a:gs>
+                <a:gs pos="100000">
+                  <a:schemeClr val="accent4">
+                    <a:lumMod val="99000"/>
+                    <a:satMod val="120000"/>
+                    <a:shade val="78000"/>
+                  </a:schemeClr>
+                </a:gs>
+              </a:gsLst>
+              <a:lin ang="5400000" scaled="0"/>
+            </a:gradFill>
+            <a:ln>
+              <a:noFill/>
+            </a:ln>
+            <a:effectLst>
+              <a:outerShdw blurRad="57150" dist="19050" dir="5400000" algn="ctr" rotWithShape="0">
+                <a:srgbClr val="000000">
+                  <a:alpha val="63000"/>
+                </a:srgbClr>
+              </a:outerShdw>
+            </a:effectLst>
+          </c:spPr>
+          <c:invertIfNegative val="0"/>
+          <c:cat>
+            <c:numRef>
+              <c:f>Sheet1!$B$16:$B$19</c:f>
+              <c:numCache>
+                <c:formatCode>General</c:formatCode>
+                <c:ptCount val="4"/>
+                <c:pt idx="0">
+                  <c:v>1</c:v>
+                </c:pt>
+                <c:pt idx="1">
+                  <c:v>10</c:v>
+                </c:pt>
+                <c:pt idx="2">
+                  <c:v>100</c:v>
+                </c:pt>
+                <c:pt idx="3">
+                  <c:v>1000</c:v>
+                </c:pt>
+              </c:numCache>
+            </c:numRef>
+          </c:cat>
+          <c:val>
+            <c:numRef>
+              <c:f>Sheet1!$F$16:$F$19</c:f>
+              <c:numCache>
+                <c:formatCode>General</c:formatCode>
+                <c:ptCount val="4"/>
+                <c:pt idx="0">
+                  <c:v>2.73</c:v>
+                </c:pt>
+                <c:pt idx="1">
+                  <c:v>3.5</c:v>
+                </c:pt>
+                <c:pt idx="2">
+                  <c:v>3.5</c:v>
+                </c:pt>
+                <c:pt idx="3">
+                  <c:v>5.7</c:v>
+                </c:pt>
+              </c:numCache>
+            </c:numRef>
+          </c:val>
+          <c:extLst>
+            <c:ext xmlns:c16="http://schemas.microsoft.com/office/drawing/2014/chart" uri="{C3380CC4-5D6E-409C-BE32-E72D297353CC}">
+              <c16:uniqueId val="{00000002-1719-45BF-882D-7F57AB9C0B6C}"/>
+            </c:ext>
+          </c:extLst>
+        </c:ser>
+        <c:ser>
+          <c:idx val="4"/>
+          <c:order val="4"/>
+          <c:tx>
+            <c:strRef>
+              <c:f>Sheet1!$G$15</c:f>
+              <c:strCache>
+                <c:ptCount val="1"/>
+                <c:pt idx="0">
+                  <c:v>S3 Download Time</c:v>
+                </c:pt>
+              </c:strCache>
+            </c:strRef>
+          </c:tx>
+          <c:spPr>
+            <a:gradFill rotWithShape="1">
+              <a:gsLst>
+                <a:gs pos="0">
+                  <a:schemeClr val="accent5">
+                    <a:satMod val="103000"/>
+                    <a:lumMod val="102000"/>
+                    <a:tint val="94000"/>
+                  </a:schemeClr>
+                </a:gs>
+                <a:gs pos="50000">
+                  <a:schemeClr val="accent5">
+                    <a:satMod val="110000"/>
+                    <a:lumMod val="100000"/>
+                    <a:shade val="100000"/>
+                  </a:schemeClr>
+                </a:gs>
+                <a:gs pos="100000">
+                  <a:schemeClr val="accent5">
+                    <a:lumMod val="99000"/>
+                    <a:satMod val="120000"/>
+                    <a:shade val="78000"/>
+                  </a:schemeClr>
+                </a:gs>
+              </a:gsLst>
+              <a:lin ang="5400000" scaled="0"/>
+            </a:gradFill>
+            <a:ln>
+              <a:noFill/>
+            </a:ln>
+            <a:effectLst>
+              <a:outerShdw blurRad="57150" dist="19050" dir="5400000" algn="ctr" rotWithShape="0">
+                <a:srgbClr val="000000">
+                  <a:alpha val="63000"/>
+                </a:srgbClr>
+              </a:outerShdw>
+            </a:effectLst>
+          </c:spPr>
+          <c:invertIfNegative val="0"/>
+          <c:cat>
+            <c:numRef>
+              <c:f>Sheet1!$B$16:$B$19</c:f>
+              <c:numCache>
+                <c:formatCode>General</c:formatCode>
+                <c:ptCount val="4"/>
+                <c:pt idx="0">
+                  <c:v>1</c:v>
+                </c:pt>
+                <c:pt idx="1">
+                  <c:v>10</c:v>
+                </c:pt>
+                <c:pt idx="2">
+                  <c:v>100</c:v>
+                </c:pt>
+                <c:pt idx="3">
+                  <c:v>1000</c:v>
+                </c:pt>
+              </c:numCache>
+            </c:numRef>
+          </c:cat>
+          <c:val>
+            <c:numRef>
+              <c:f>Sheet1!$G$16:$G$19</c:f>
+              <c:numCache>
+                <c:formatCode>General</c:formatCode>
+                <c:ptCount val="4"/>
+                <c:pt idx="0">
+                  <c:v>2.9</c:v>
+                </c:pt>
+                <c:pt idx="1">
+                  <c:v>3.3</c:v>
+                </c:pt>
+                <c:pt idx="2">
+                  <c:v>3.9</c:v>
+                </c:pt>
+                <c:pt idx="3">
+                  <c:v>13.5</c:v>
+                </c:pt>
+              </c:numCache>
+            </c:numRef>
+          </c:val>
+          <c:extLst>
+            <c:ext xmlns:c16="http://schemas.microsoft.com/office/drawing/2014/chart" uri="{C3380CC4-5D6E-409C-BE32-E72D297353CC}">
+              <c16:uniqueId val="{00000003-1719-45BF-882D-7F57AB9C0B6C}"/>
+            </c:ext>
+          </c:extLst>
+        </c:ser>
+        <c:dLbls>
+          <c:showLegendKey val="0"/>
+          <c:showVal val="0"/>
+          <c:showCatName val="0"/>
+          <c:showSerName val="0"/>
+          <c:showPercent val="0"/>
+          <c:showBubbleSize val="0"/>
+        </c:dLbls>
+        <c:gapWidth val="100"/>
+        <c:overlap val="-24"/>
+        <c:axId val="518993720"/>
+        <c:axId val="518994072"/>
+        <c:extLst>
+          <c:ext xmlns:c15="http://schemas.microsoft.com/office/drawing/2012/chart" uri="{02D57815-91ED-43cb-92C2-25804820EDAC}">
+            <c15:filteredBarSeries>
+              <c15:ser>
+                <c:idx val="1"/>
+                <c:order val="1"/>
+                <c:tx>
+                  <c:strRef>
+                    <c:extLst>
+                      <c:ext uri="{02D57815-91ED-43cb-92C2-25804820EDAC}">
+                        <c15:formulaRef>
+                          <c15:sqref>Sheet1!$D$15</c15:sqref>
+                        </c15:formulaRef>
+                      </c:ext>
+                    </c:extLst>
+                    <c:strCache>
+                      <c:ptCount val="1"/>
+                      <c:pt idx="0">
+                        <c:v>Read Time (Buffer=1)</c:v>
+                      </c:pt>
+                    </c:strCache>
+                  </c:strRef>
+                </c:tx>
+                <c:spPr>
+                  <a:gradFill rotWithShape="1">
+                    <a:gsLst>
+                      <a:gs pos="0">
+                        <a:schemeClr val="accent2">
+                          <a:satMod val="103000"/>
+                          <a:lumMod val="102000"/>
+                          <a:tint val="94000"/>
+                        </a:schemeClr>
+                      </a:gs>
+                      <a:gs pos="50000">
+                        <a:schemeClr val="accent2">
+                          <a:satMod val="110000"/>
+                          <a:lumMod val="100000"/>
+                          <a:shade val="100000"/>
+                        </a:schemeClr>
+                      </a:gs>
+                      <a:gs pos="100000">
+                        <a:schemeClr val="accent2">
+                          <a:lumMod val="99000"/>
+                          <a:satMod val="120000"/>
+                          <a:shade val="78000"/>
+                        </a:schemeClr>
+                      </a:gs>
+                    </a:gsLst>
+                    <a:lin ang="5400000" scaled="0"/>
+                  </a:gradFill>
+                  <a:ln>
+                    <a:noFill/>
+                  </a:ln>
+                  <a:effectLst>
+                    <a:outerShdw blurRad="57150" dist="19050" dir="5400000" algn="ctr" rotWithShape="0">
+                      <a:srgbClr val="000000">
+                        <a:alpha val="63000"/>
+                      </a:srgbClr>
+                    </a:outerShdw>
+                  </a:effectLst>
+                </c:spPr>
+                <c:invertIfNegative val="0"/>
+                <c:cat>
+                  <c:numRef>
+                    <c:extLst>
+                      <c:ext uri="{02D57815-91ED-43cb-92C2-25804820EDAC}">
+                        <c15:formulaRef>
+                          <c15:sqref>Sheet1!$B$16:$B$19</c15:sqref>
+                        </c15:formulaRef>
+                      </c:ext>
+                    </c:extLst>
+                    <c:numCache>
+                      <c:formatCode>General</c:formatCode>
+                      <c:ptCount val="4"/>
+                      <c:pt idx="0">
+                        <c:v>1</c:v>
+                      </c:pt>
+                      <c:pt idx="1">
+                        <c:v>10</c:v>
+                      </c:pt>
+                      <c:pt idx="2">
+                        <c:v>100</c:v>
+                      </c:pt>
+                      <c:pt idx="3">
+                        <c:v>1000</c:v>
+                      </c:pt>
+                    </c:numCache>
+                  </c:numRef>
+                </c:cat>
+                <c:val>
+                  <c:numRef>
+                    <c:extLst>
+                      <c:ext uri="{02D57815-91ED-43cb-92C2-25804820EDAC}">
+                        <c15:formulaRef>
+                          <c15:sqref>Sheet1!$D$16:$D$19</c15:sqref>
+                        </c15:formulaRef>
+                      </c:ext>
+                    </c:extLst>
+                    <c:numCache>
+                      <c:formatCode>General</c:formatCode>
+                      <c:ptCount val="4"/>
+                    </c:numCache>
+                  </c:numRef>
+                </c:val>
+                <c:extLst>
+                  <c:ext xmlns:c16="http://schemas.microsoft.com/office/drawing/2014/chart" uri="{C3380CC4-5D6E-409C-BE32-E72D297353CC}">
+                    <c16:uniqueId val="{00000004-1719-45BF-882D-7F57AB9C0B6C}"/>
+                  </c:ext>
+                </c:extLst>
+              </c15:ser>
+            </c15:filteredBarSeries>
+            <c15:filteredBarSeries>
+              <c15:ser>
+                <c:idx val="5"/>
+                <c:order val="5"/>
+                <c:tx>
+                  <c:strRef>
+                    <c:extLst xmlns:c15="http://schemas.microsoft.com/office/drawing/2012/chart">
+                      <c:ext xmlns:c15="http://schemas.microsoft.com/office/drawing/2012/chart" uri="{02D57815-91ED-43cb-92C2-25804820EDAC}">
+                        <c15:formulaRef>
+                          <c15:sqref>Sheet1!$H$15</c15:sqref>
+                        </c15:formulaRef>
+                      </c:ext>
+                    </c:extLst>
+                    <c:strCache>
+                      <c:ptCount val="1"/>
+                      <c:pt idx="0">
+                        <c:v>Actual Build Time</c:v>
+                      </c:pt>
+                    </c:strCache>
+                  </c:strRef>
+                </c:tx>
+                <c:spPr>
+                  <a:gradFill rotWithShape="1">
+                    <a:gsLst>
+                      <a:gs pos="0">
+                        <a:schemeClr val="accent6">
+                          <a:satMod val="103000"/>
+                          <a:lumMod val="102000"/>
+                          <a:tint val="94000"/>
+                        </a:schemeClr>
+                      </a:gs>
+                      <a:gs pos="50000">
+                        <a:schemeClr val="accent6">
+                          <a:satMod val="110000"/>
+                          <a:lumMod val="100000"/>
+                          <a:shade val="100000"/>
+                        </a:schemeClr>
+                      </a:gs>
+                      <a:gs pos="100000">
+                        <a:schemeClr val="accent6">
+                          <a:lumMod val="99000"/>
+                          <a:satMod val="120000"/>
+                          <a:shade val="78000"/>
+                        </a:schemeClr>
+                      </a:gs>
+                    </a:gsLst>
+                    <a:lin ang="5400000" scaled="0"/>
+                  </a:gradFill>
+                  <a:ln>
+                    <a:noFill/>
+                  </a:ln>
+                  <a:effectLst>
+                    <a:outerShdw blurRad="57150" dist="19050" dir="5400000" algn="ctr" rotWithShape="0">
+                      <a:srgbClr val="000000">
+                        <a:alpha val="63000"/>
+                      </a:srgbClr>
+                    </a:outerShdw>
+                  </a:effectLst>
+                </c:spPr>
+                <c:invertIfNegative val="0"/>
+                <c:cat>
+                  <c:numRef>
+                    <c:extLst xmlns:c15="http://schemas.microsoft.com/office/drawing/2012/chart">
+                      <c:ext xmlns:c15="http://schemas.microsoft.com/office/drawing/2012/chart" uri="{02D57815-91ED-43cb-92C2-25804820EDAC}">
+                        <c15:formulaRef>
+                          <c15:sqref>Sheet1!$B$16:$B$19</c15:sqref>
+                        </c15:formulaRef>
+                      </c:ext>
+                    </c:extLst>
+                    <c:numCache>
+                      <c:formatCode>General</c:formatCode>
+                      <c:ptCount val="4"/>
+                      <c:pt idx="0">
+                        <c:v>1</c:v>
+                      </c:pt>
+                      <c:pt idx="1">
+                        <c:v>10</c:v>
+                      </c:pt>
+                      <c:pt idx="2">
+                        <c:v>100</c:v>
+                      </c:pt>
+                      <c:pt idx="3">
+                        <c:v>1000</c:v>
+                      </c:pt>
+                    </c:numCache>
+                  </c:numRef>
+                </c:cat>
+                <c:val>
+                  <c:numRef>
+                    <c:extLst xmlns:c15="http://schemas.microsoft.com/office/drawing/2012/chart">
+                      <c:ext xmlns:c15="http://schemas.microsoft.com/office/drawing/2012/chart" uri="{02D57815-91ED-43cb-92C2-25804820EDAC}">
+                        <c15:formulaRef>
+                          <c15:sqref>Sheet1!$H$16:$H$19</c15:sqref>
+                        </c15:formulaRef>
+                      </c:ext>
+                    </c:extLst>
+                    <c:numCache>
+                      <c:formatCode>General</c:formatCode>
+                      <c:ptCount val="4"/>
+                      <c:pt idx="0">
+                        <c:v>214.6</c:v>
+                      </c:pt>
+                      <c:pt idx="1">
+                        <c:v>230.3</c:v>
+                      </c:pt>
+                      <c:pt idx="2">
+                        <c:v>262</c:v>
+                      </c:pt>
+                      <c:pt idx="3">
+                        <c:v>413.9</c:v>
+                      </c:pt>
+                    </c:numCache>
+                  </c:numRef>
+                </c:val>
+                <c:extLst>
+                  <c:ext xmlns:c16="http://schemas.microsoft.com/office/drawing/2014/chart" uri="{C3380CC4-5D6E-409C-BE32-E72D297353CC}">
+                    <c16:uniqueId val="{00000005-1719-45BF-882D-7F57AB9C0B6C}"/>
+                  </c:ext>
+                </c:extLst>
+              </c15:ser>
+            </c15:filteredBarSeries>
+            <c15:filteredBarSeries>
+              <c15:ser>
+                <c:idx val="6"/>
+                <c:order val="6"/>
+                <c:tx>
+                  <c:strRef>
+                    <c:extLst xmlns:c15="http://schemas.microsoft.com/office/drawing/2012/chart">
+                      <c:ext xmlns:c15="http://schemas.microsoft.com/office/drawing/2012/chart" uri="{02D57815-91ED-43cb-92C2-25804820EDAC}">
+                        <c15:formulaRef>
+                          <c15:sqref>Sheet1!$I$15</c15:sqref>
+                        </c15:formulaRef>
+                      </c:ext>
+                    </c:extLst>
+                    <c:strCache>
+                      <c:ptCount val="1"/>
+                      <c:pt idx="0">
+                        <c:v>Actual Read Time</c:v>
+                      </c:pt>
+                    </c:strCache>
+                  </c:strRef>
+                </c:tx>
+                <c:spPr>
+                  <a:gradFill rotWithShape="1">
+                    <a:gsLst>
+                      <a:gs pos="0">
+                        <a:schemeClr val="accent1">
+                          <a:lumMod val="60000"/>
+                          <a:satMod val="103000"/>
+                          <a:lumMod val="102000"/>
+                          <a:tint val="94000"/>
+                        </a:schemeClr>
+                      </a:gs>
+                      <a:gs pos="50000">
+                        <a:schemeClr val="accent1">
+                          <a:lumMod val="60000"/>
+                          <a:satMod val="110000"/>
+                          <a:lumMod val="100000"/>
+                          <a:shade val="100000"/>
+                        </a:schemeClr>
+                      </a:gs>
+                      <a:gs pos="100000">
+                        <a:schemeClr val="accent1">
+                          <a:lumMod val="60000"/>
+                          <a:lumMod val="99000"/>
+                          <a:satMod val="120000"/>
+                          <a:shade val="78000"/>
+                        </a:schemeClr>
+                      </a:gs>
+                    </a:gsLst>
+                    <a:lin ang="5400000" scaled="0"/>
+                  </a:gradFill>
+                  <a:ln>
+                    <a:noFill/>
+                  </a:ln>
+                  <a:effectLst>
+                    <a:outerShdw blurRad="57150" dist="19050" dir="5400000" algn="ctr" rotWithShape="0">
+                      <a:srgbClr val="000000">
+                        <a:alpha val="63000"/>
+                      </a:srgbClr>
+                    </a:outerShdw>
+                  </a:effectLst>
+                </c:spPr>
+                <c:invertIfNegative val="0"/>
+                <c:cat>
+                  <c:numRef>
+                    <c:extLst xmlns:c15="http://schemas.microsoft.com/office/drawing/2012/chart">
+                      <c:ext xmlns:c15="http://schemas.microsoft.com/office/drawing/2012/chart" uri="{02D57815-91ED-43cb-92C2-25804820EDAC}">
+                        <c15:formulaRef>
+                          <c15:sqref>Sheet1!$B$16:$B$19</c15:sqref>
+                        </c15:formulaRef>
+                      </c:ext>
+                    </c:extLst>
+                    <c:numCache>
+                      <c:formatCode>General</c:formatCode>
+                      <c:ptCount val="4"/>
+                      <c:pt idx="0">
+                        <c:v>1</c:v>
+                      </c:pt>
+                      <c:pt idx="1">
+                        <c:v>10</c:v>
+                      </c:pt>
+                      <c:pt idx="2">
+                        <c:v>100</c:v>
+                      </c:pt>
+                      <c:pt idx="3">
+                        <c:v>1000</c:v>
+                      </c:pt>
+                    </c:numCache>
+                  </c:numRef>
+                </c:cat>
+                <c:val>
+                  <c:numRef>
+                    <c:extLst xmlns:c15="http://schemas.microsoft.com/office/drawing/2012/chart">
+                      <c:ext xmlns:c15="http://schemas.microsoft.com/office/drawing/2012/chart" uri="{02D57815-91ED-43cb-92C2-25804820EDAC}">
+                        <c15:formulaRef>
+                          <c15:sqref>Sheet1!$I$16:$I$19</c15:sqref>
+                        </c15:formulaRef>
+                      </c:ext>
+                    </c:extLst>
+                    <c:numCache>
+                      <c:formatCode>General</c:formatCode>
+                      <c:ptCount val="4"/>
+                      <c:pt idx="0">
+                        <c:v>39.299999999999997</c:v>
+                      </c:pt>
+                      <c:pt idx="1">
+                        <c:v>77.7</c:v>
+                      </c:pt>
+                      <c:pt idx="2">
+                        <c:v>100.5</c:v>
+                      </c:pt>
+                      <c:pt idx="3">
+                        <c:v>264.2</c:v>
+                      </c:pt>
+                    </c:numCache>
+                  </c:numRef>
+                </c:val>
+                <c:extLst>
+                  <c:ext xmlns:c16="http://schemas.microsoft.com/office/drawing/2014/chart" uri="{C3380CC4-5D6E-409C-BE32-E72D297353CC}">
+                    <c16:uniqueId val="{00000006-1719-45BF-882D-7F57AB9C0B6C}"/>
+                  </c:ext>
+                </c:extLst>
+              </c15:ser>
+            </c15:filteredBarSeries>
+          </c:ext>
+        </c:extLst>
+      </c:barChart>
+      <c:catAx>
+        <c:axId val="518993720"/>
+        <c:scaling>
+          <c:orientation val="minMax"/>
+        </c:scaling>
+        <c:delete val="0"/>
+        <c:axPos val="b"/>
+        <c:title>
+          <c:tx>
+            <c:rich>
+              <a:bodyPr rot="0" spcFirstLastPara="1" vertOverflow="ellipsis" vert="horz" wrap="square" anchor="ctr" anchorCtr="1"/>
+              <a:lstStyle/>
+              <a:p>
+                <a:pPr>
+                  <a:defRPr sz="1400" b="1" i="0" u="none" strike="noStrike" kern="1200" cap="all" baseline="0">
+                    <a:solidFill>
+                      <a:schemeClr val="lt1">
+                        <a:lumMod val="85000"/>
+                      </a:schemeClr>
+                    </a:solidFill>
+                    <a:latin typeface="+mn-lt"/>
+                    <a:ea typeface="+mn-ea"/>
+                    <a:cs typeface="+mn-cs"/>
+                  </a:defRPr>
+                </a:pPr>
+                <a:r>
+                  <a:rPr lang="en-US" sz="1400"/>
+                  <a:t>Number of Objects</a:t>
+                </a:r>
+              </a:p>
+            </c:rich>
+          </c:tx>
+          <c:overlay val="0"/>
+          <c:spPr>
+            <a:noFill/>
+            <a:ln>
+              <a:noFill/>
+            </a:ln>
+            <a:effectLst/>
+          </c:spPr>
+          <c:txPr>
+            <a:bodyPr rot="0" spcFirstLastPara="1" vertOverflow="ellipsis" vert="horz" wrap="square" anchor="ctr" anchorCtr="1"/>
+            <a:lstStyle/>
+            <a:p>
+              <a:pPr>
+                <a:defRPr sz="1400" b="1" i="0" u="none" strike="noStrike" kern="1200" cap="all" baseline="0">
+                  <a:solidFill>
+                    <a:schemeClr val="lt1">
+                      <a:lumMod val="85000"/>
+                    </a:schemeClr>
+                  </a:solidFill>
+                  <a:latin typeface="+mn-lt"/>
+                  <a:ea typeface="+mn-ea"/>
+                  <a:cs typeface="+mn-cs"/>
+                </a:defRPr>
+              </a:pPr>
+              <a:endParaRPr lang="en-US"/>
+            </a:p>
+          </c:txPr>
+        </c:title>
+        <c:numFmt formatCode="General" sourceLinked="1"/>
+        <c:majorTickMark val="none"/>
+        <c:minorTickMark val="none"/>
+        <c:tickLblPos val="nextTo"/>
+        <c:spPr>
+          <a:noFill/>
+          <a:ln w="12700" cap="flat" cmpd="sng" algn="ctr">
+            <a:solidFill>
+              <a:schemeClr val="lt1">
+                <a:lumMod val="95000"/>
+                <a:alpha val="54000"/>
+              </a:schemeClr>
+            </a:solidFill>
+            <a:round/>
+          </a:ln>
+          <a:effectLst/>
+        </c:spPr>
+        <c:txPr>
+          <a:bodyPr rot="-60000000" spcFirstLastPara="1" vertOverflow="ellipsis" vert="horz" wrap="square" anchor="ctr" anchorCtr="1"/>
+          <a:lstStyle/>
+          <a:p>
+            <a:pPr>
+              <a:defRPr sz="1400" b="0" i="0" u="none" strike="noStrike" kern="1200" baseline="0">
+                <a:solidFill>
+                  <a:schemeClr val="lt1">
+                    <a:lumMod val="85000"/>
+                  </a:schemeClr>
+                </a:solidFill>
+                <a:latin typeface="+mn-lt"/>
+                <a:ea typeface="+mn-ea"/>
+                <a:cs typeface="+mn-cs"/>
+              </a:defRPr>
+            </a:pPr>
+            <a:endParaRPr lang="en-US"/>
+          </a:p>
+        </c:txPr>
+        <c:crossAx val="518994072"/>
+        <c:crosses val="autoZero"/>
+        <c:auto val="1"/>
+        <c:lblAlgn val="ctr"/>
+        <c:lblOffset val="100"/>
+        <c:noMultiLvlLbl val="0"/>
+      </c:catAx>
+      <c:valAx>
+        <c:axId val="518994072"/>
+        <c:scaling>
+          <c:orientation val="minMax"/>
+        </c:scaling>
+        <c:delete val="0"/>
+        <c:axPos val="l"/>
+        <c:majorGridlines>
+          <c:spPr>
+            <a:ln w="9525" cap="flat" cmpd="sng" algn="ctr">
+              <a:solidFill>
+                <a:schemeClr val="bg1">
+                  <a:alpha val="70000"/>
+                </a:schemeClr>
+              </a:solidFill>
+              <a:round/>
+            </a:ln>
+            <a:effectLst/>
+          </c:spPr>
+        </c:majorGridlines>
+        <c:title>
+          <c:tx>
+            <c:rich>
+              <a:bodyPr rot="-5400000" spcFirstLastPara="1" vertOverflow="ellipsis" vert="horz" wrap="square" anchor="ctr" anchorCtr="1"/>
+              <a:lstStyle/>
+              <a:p>
+                <a:pPr>
+                  <a:defRPr sz="1400" b="1" i="0" u="none" strike="noStrike" kern="1200" cap="all" baseline="0">
+                    <a:solidFill>
+                      <a:schemeClr val="lt1">
+                        <a:lumMod val="85000"/>
+                      </a:schemeClr>
+                    </a:solidFill>
+                    <a:latin typeface="+mn-lt"/>
+                    <a:ea typeface="+mn-ea"/>
+                    <a:cs typeface="+mn-cs"/>
+                  </a:defRPr>
+                </a:pPr>
+                <a:r>
+                  <a:rPr lang="en-US" sz="1400"/>
+                  <a:t>Time (s)</a:t>
+                </a:r>
+              </a:p>
+            </c:rich>
+          </c:tx>
+          <c:overlay val="0"/>
+          <c:spPr>
+            <a:noFill/>
+            <a:ln>
+              <a:noFill/>
+            </a:ln>
+            <a:effectLst/>
+          </c:spPr>
+          <c:txPr>
+            <a:bodyPr rot="-5400000" spcFirstLastPara="1" vertOverflow="ellipsis" vert="horz" wrap="square" anchor="ctr" anchorCtr="1"/>
+            <a:lstStyle/>
+            <a:p>
+              <a:pPr>
+                <a:defRPr sz="1400" b="1" i="0" u="none" strike="noStrike" kern="1200" cap="all" baseline="0">
+                  <a:solidFill>
+                    <a:schemeClr val="lt1">
+                      <a:lumMod val="85000"/>
+                    </a:schemeClr>
+                  </a:solidFill>
+                  <a:latin typeface="+mn-lt"/>
+                  <a:ea typeface="+mn-ea"/>
+                  <a:cs typeface="+mn-cs"/>
+                </a:defRPr>
+              </a:pPr>
+              <a:endParaRPr lang="en-US"/>
+            </a:p>
+          </c:txPr>
+        </c:title>
+        <c:numFmt formatCode="General" sourceLinked="1"/>
+        <c:majorTickMark val="none"/>
+        <c:minorTickMark val="none"/>
+        <c:tickLblPos val="nextTo"/>
+        <c:spPr>
+          <a:noFill/>
+          <a:ln>
+            <a:noFill/>
+          </a:ln>
+          <a:effectLst/>
+        </c:spPr>
+        <c:txPr>
+          <a:bodyPr rot="-60000000" spcFirstLastPara="1" vertOverflow="ellipsis" vert="horz" wrap="square" anchor="ctr" anchorCtr="1"/>
+          <a:lstStyle/>
+          <a:p>
+            <a:pPr>
+              <a:defRPr sz="1400" b="0" i="0" u="none" strike="noStrike" kern="1200" baseline="0">
+                <a:solidFill>
+                  <a:schemeClr val="lt1">
+                    <a:lumMod val="85000"/>
+                  </a:schemeClr>
+                </a:solidFill>
+                <a:latin typeface="+mn-lt"/>
+                <a:ea typeface="+mn-ea"/>
+                <a:cs typeface="+mn-cs"/>
+              </a:defRPr>
+            </a:pPr>
+            <a:endParaRPr lang="en-US"/>
+          </a:p>
+        </c:txPr>
+        <c:crossAx val="518993720"/>
+        <c:crosses val="autoZero"/>
+        <c:crossBetween val="between"/>
+      </c:valAx>
+      <c:spPr>
+        <a:noFill/>
+        <a:ln>
+          <a:noFill/>
+        </a:ln>
+        <a:effectLst/>
+      </c:spPr>
+    </c:plotArea>
+    <c:legend>
+      <c:legendPos val="b"/>
+      <c:overlay val="0"/>
+      <c:spPr>
+        <a:noFill/>
+        <a:ln>
+          <a:noFill/>
+        </a:ln>
+        <a:effectLst/>
+      </c:spPr>
+      <c:txPr>
+        <a:bodyPr rot="0" spcFirstLastPara="1" vertOverflow="ellipsis" vert="horz" wrap="square" anchor="ctr" anchorCtr="1"/>
+        <a:lstStyle/>
+        <a:p>
+          <a:pPr>
+            <a:defRPr sz="1400" b="0" i="0" u="none" strike="noStrike" kern="1200" baseline="0">
+              <a:solidFill>
+                <a:schemeClr val="lt1">
+                  <a:lumMod val="85000"/>
+                </a:schemeClr>
+              </a:solidFill>
+              <a:latin typeface="+mn-lt"/>
+              <a:ea typeface="+mn-ea"/>
+              <a:cs typeface="+mn-cs"/>
+            </a:defRPr>
+          </a:pPr>
+          <a:endParaRPr lang="en-US"/>
+        </a:p>
+      </c:txPr>
+    </c:legend>
+    <c:plotVisOnly val="1"/>
+    <c:dispBlanksAs val="gap"/>
+    <c:extLst>
+      <c:ext xmlns:c16r3="http://schemas.microsoft.com/office/drawing/2017/03/chart" uri="{56B9EC1D-385E-4148-901F-78D8002777C0}">
+        <c16r3:dataDisplayOptions16>
+          <c16r3:dispNaAsBlank val="1"/>
+        </c16r3:dataDisplayOptions16>
+      </c:ext>
+    </c:extLst>
+    <c:showDLblsOverMax val="0"/>
+  </c:chart>
+  <c:spPr>
+    <a:solidFill>
+      <a:schemeClr val="tx1"/>
+    </a:solidFill>
+    <a:ln>
+      <a:noFill/>
+    </a:ln>
+    <a:effectLst/>
+  </c:spPr>
+  <c:txPr>
+    <a:bodyPr/>
+    <a:lstStyle/>
+    <a:p>
+      <a:pPr>
+        <a:defRPr/>
+      </a:pPr>
+      <a:endParaRPr lang="en-US"/>
+    </a:p>
+  </c:txPr>
+  <c:externalData r:id="rId3">
+    <c:autoUpdate val="0"/>
+  </c:externalData>
+</c:chartSpace>
+</file>
+
 <file path=ppt/charts/colors1.xml><?xml version="1.0" encoding="utf-8"?>
+<cs:colorStyle xmlns:cs="http://schemas.microsoft.com/office/drawing/2012/chartStyle" xmlns:a="http://schemas.openxmlformats.org/drawingml/2006/main" meth="cycle" id="10">
+  <a:schemeClr val="accent1"/>
+  <a:schemeClr val="accent2"/>
+  <a:schemeClr val="accent3"/>
+  <a:schemeClr val="accent4"/>
+  <a:schemeClr val="accent5"/>
+  <a:schemeClr val="accent6"/>
+  <cs:variation/>
+  <cs:variation>
+    <a:lumMod val="60000"/>
+  </cs:variation>
+  <cs:variation>
+    <a:lumMod val="80000"/>
+    <a:lumOff val="20000"/>
+  </cs:variation>
+  <cs:variation>
+    <a:lumMod val="80000"/>
+  </cs:variation>
+  <cs:variation>
+    <a:lumMod val="60000"/>
+    <a:lumOff val="40000"/>
+  </cs:variation>
+  <cs:variation>
+    <a:lumMod val="50000"/>
+  </cs:variation>
+  <cs:variation>
+    <a:lumMod val="70000"/>
+    <a:lumOff val="30000"/>
+  </cs:variation>
+  <cs:variation>
+    <a:lumMod val="70000"/>
+  </cs:variation>
+  <cs:variation>
+    <a:lumMod val="50000"/>
+    <a:lumOff val="50000"/>
+  </cs:variation>
+</cs:colorStyle>
+</file>
+
+<file path=ppt/charts/colors10.xml><?xml version="1.0" encoding="utf-8"?>
 <cs:colorStyle xmlns:cs="http://schemas.microsoft.com/office/drawing/2012/chartStyle" xmlns:a="http://schemas.openxmlformats.org/drawingml/2006/main" meth="cycle" id="10">
   <a:schemeClr val="accent1"/>
   <a:schemeClr val="accent2"/>
@@ -5601,6 +8376,86 @@
 </file>
 
 <file path=ppt/charts/colors7.xml><?xml version="1.0" encoding="utf-8"?>
+<cs:colorStyle xmlns:cs="http://schemas.microsoft.com/office/drawing/2012/chartStyle" xmlns:a="http://schemas.openxmlformats.org/drawingml/2006/main" meth="cycle" id="10">
+  <a:schemeClr val="accent1"/>
+  <a:schemeClr val="accent2"/>
+  <a:schemeClr val="accent3"/>
+  <a:schemeClr val="accent4"/>
+  <a:schemeClr val="accent5"/>
+  <a:schemeClr val="accent6"/>
+  <cs:variation/>
+  <cs:variation>
+    <a:lumMod val="60000"/>
+  </cs:variation>
+  <cs:variation>
+    <a:lumMod val="80000"/>
+    <a:lumOff val="20000"/>
+  </cs:variation>
+  <cs:variation>
+    <a:lumMod val="80000"/>
+  </cs:variation>
+  <cs:variation>
+    <a:lumMod val="60000"/>
+    <a:lumOff val="40000"/>
+  </cs:variation>
+  <cs:variation>
+    <a:lumMod val="50000"/>
+  </cs:variation>
+  <cs:variation>
+    <a:lumMod val="70000"/>
+    <a:lumOff val="30000"/>
+  </cs:variation>
+  <cs:variation>
+    <a:lumMod val="70000"/>
+  </cs:variation>
+  <cs:variation>
+    <a:lumMod val="50000"/>
+    <a:lumOff val="50000"/>
+  </cs:variation>
+</cs:colorStyle>
+</file>
+
+<file path=ppt/charts/colors8.xml><?xml version="1.0" encoding="utf-8"?>
+<cs:colorStyle xmlns:cs="http://schemas.microsoft.com/office/drawing/2012/chartStyle" xmlns:a="http://schemas.openxmlformats.org/drawingml/2006/main" meth="cycle" id="10">
+  <a:schemeClr val="accent1"/>
+  <a:schemeClr val="accent2"/>
+  <a:schemeClr val="accent3"/>
+  <a:schemeClr val="accent4"/>
+  <a:schemeClr val="accent5"/>
+  <a:schemeClr val="accent6"/>
+  <cs:variation/>
+  <cs:variation>
+    <a:lumMod val="60000"/>
+  </cs:variation>
+  <cs:variation>
+    <a:lumMod val="80000"/>
+    <a:lumOff val="20000"/>
+  </cs:variation>
+  <cs:variation>
+    <a:lumMod val="80000"/>
+  </cs:variation>
+  <cs:variation>
+    <a:lumMod val="60000"/>
+    <a:lumOff val="40000"/>
+  </cs:variation>
+  <cs:variation>
+    <a:lumMod val="50000"/>
+  </cs:variation>
+  <cs:variation>
+    <a:lumMod val="70000"/>
+    <a:lumOff val="30000"/>
+  </cs:variation>
+  <cs:variation>
+    <a:lumMod val="70000"/>
+  </cs:variation>
+  <cs:variation>
+    <a:lumMod val="50000"/>
+    <a:lumOff val="50000"/>
+  </cs:variation>
+</cs:colorStyle>
+</file>
+
+<file path=ppt/charts/colors9.xml><?xml version="1.0" encoding="utf-8"?>
 <cs:colorStyle xmlns:cs="http://schemas.microsoft.com/office/drawing/2012/chartStyle" xmlns:a="http://schemas.openxmlformats.org/drawingml/2006/main" meth="cycle" id="10">
   <a:schemeClr val="accent1"/>
   <a:schemeClr val="accent2"/>
@@ -6139,6 +8994,502 @@
         <a:noFill/>
       </a:ln>
     </cs:spPr>
+  </cs:wall>
+</cs:chartStyle>
+</file>
+
+<file path=ppt/charts/style10.xml><?xml version="1.0" encoding="utf-8"?>
+<cs:chartStyle xmlns:cs="http://schemas.microsoft.com/office/drawing/2012/chartStyle" xmlns:a="http://schemas.openxmlformats.org/drawingml/2006/main" id="209">
+  <cs:axisTitle>
+    <cs:lnRef idx="0"/>
+    <cs:fillRef idx="0"/>
+    <cs:effectRef idx="0"/>
+    <cs:fontRef idx="minor">
+      <a:schemeClr val="lt1">
+        <a:lumMod val="85000"/>
+      </a:schemeClr>
+    </cs:fontRef>
+    <cs:defRPr sz="900" b="1" kern="1200" cap="all"/>
+  </cs:axisTitle>
+  <cs:categoryAxis>
+    <cs:lnRef idx="0"/>
+    <cs:fillRef idx="0"/>
+    <cs:effectRef idx="0"/>
+    <cs:fontRef idx="minor">
+      <a:schemeClr val="lt1">
+        <a:lumMod val="85000"/>
+      </a:schemeClr>
+    </cs:fontRef>
+    <cs:spPr>
+      <a:ln w="12700" cap="flat" cmpd="sng" algn="ctr">
+        <a:solidFill>
+          <a:schemeClr val="lt1">
+            <a:lumMod val="95000"/>
+            <a:alpha val="54000"/>
+          </a:schemeClr>
+        </a:solidFill>
+        <a:round/>
+      </a:ln>
+    </cs:spPr>
+    <cs:defRPr sz="900" kern="1200"/>
+  </cs:categoryAxis>
+  <cs:chartArea>
+    <cs:lnRef idx="0"/>
+    <cs:fillRef idx="0"/>
+    <cs:effectRef idx="0"/>
+    <cs:fontRef idx="minor">
+      <a:schemeClr val="dk1"/>
+    </cs:fontRef>
+    <cs:spPr>
+      <a:gradFill flip="none" rotWithShape="1">
+        <a:gsLst>
+          <a:gs pos="0">
+            <a:schemeClr val="dk1">
+              <a:lumMod val="65000"/>
+              <a:lumOff val="35000"/>
+            </a:schemeClr>
+          </a:gs>
+          <a:gs pos="100000">
+            <a:schemeClr val="dk1">
+              <a:lumMod val="85000"/>
+              <a:lumOff val="15000"/>
+            </a:schemeClr>
+          </a:gs>
+        </a:gsLst>
+        <a:path path="circle">
+          <a:fillToRect l="50000" t="50000" r="50000" b="50000"/>
+        </a:path>
+        <a:tileRect/>
+      </a:gradFill>
+    </cs:spPr>
+    <cs:defRPr sz="1000" kern="1200"/>
+  </cs:chartArea>
+  <cs:dataLabel>
+    <cs:lnRef idx="0"/>
+    <cs:fillRef idx="0"/>
+    <cs:effectRef idx="0"/>
+    <cs:fontRef idx="minor">
+      <a:schemeClr val="lt1">
+        <a:lumMod val="85000"/>
+      </a:schemeClr>
+    </cs:fontRef>
+    <cs:defRPr sz="900" kern="1200"/>
+  </cs:dataLabel>
+  <cs:dataLabelCallout>
+    <cs:lnRef idx="0"/>
+    <cs:fillRef idx="0"/>
+    <cs:effectRef idx="0"/>
+    <cs:fontRef idx="minor">
+      <a:schemeClr val="dk1">
+        <a:lumMod val="65000"/>
+        <a:lumOff val="35000"/>
+      </a:schemeClr>
+    </cs:fontRef>
+    <cs:spPr>
+      <a:solidFill>
+        <a:schemeClr val="lt1"/>
+      </a:solidFill>
+    </cs:spPr>
+    <cs:defRPr sz="900" kern="1200"/>
+    <cs:bodyPr rot="0" spcFirstLastPara="1" vertOverflow="clip" horzOverflow="clip" vert="horz" wrap="square" lIns="36576" tIns="18288" rIns="36576" bIns="18288" anchor="ctr" anchorCtr="1">
+      <a:spAutoFit/>
+    </cs:bodyPr>
+  </cs:dataLabelCallout>
+  <cs:dataPoint>
+    <cs:lnRef idx="0"/>
+    <cs:fillRef idx="3">
+      <cs:styleClr val="auto"/>
+    </cs:fillRef>
+    <cs:effectRef idx="3"/>
+    <cs:fontRef idx="minor">
+      <a:schemeClr val="lt1"/>
+    </cs:fontRef>
+  </cs:dataPoint>
+  <cs:dataPoint3D>
+    <cs:lnRef idx="0"/>
+    <cs:fillRef idx="3">
+      <cs:styleClr val="auto"/>
+    </cs:fillRef>
+    <cs:effectRef idx="3"/>
+    <cs:fontRef idx="minor">
+      <a:schemeClr val="lt1"/>
+    </cs:fontRef>
+  </cs:dataPoint3D>
+  <cs:dataPointLine>
+    <cs:lnRef idx="0">
+      <cs:styleClr val="auto"/>
+    </cs:lnRef>
+    <cs:fillRef idx="3"/>
+    <cs:effectRef idx="3"/>
+    <cs:fontRef idx="minor">
+      <a:schemeClr val="lt1"/>
+    </cs:fontRef>
+    <cs:spPr>
+      <a:ln w="34925" cap="rnd">
+        <a:solidFill>
+          <a:schemeClr val="phClr"/>
+        </a:solidFill>
+        <a:round/>
+      </a:ln>
+    </cs:spPr>
+  </cs:dataPointLine>
+  <cs:dataPointMarker>
+    <cs:lnRef idx="0">
+      <cs:styleClr val="auto"/>
+    </cs:lnRef>
+    <cs:fillRef idx="3">
+      <cs:styleClr val="auto"/>
+    </cs:fillRef>
+    <cs:effectRef idx="3"/>
+    <cs:fontRef idx="minor">
+      <a:schemeClr val="lt1"/>
+    </cs:fontRef>
+    <cs:spPr>
+      <a:ln w="9525">
+        <a:solidFill>
+          <a:schemeClr val="phClr"/>
+        </a:solidFill>
+        <a:round/>
+      </a:ln>
+    </cs:spPr>
+  </cs:dataPointMarker>
+  <cs:dataPointMarkerLayout symbol="circle" size="6"/>
+  <cs:dataPointWireframe>
+    <cs:lnRef idx="0">
+      <cs:styleClr val="auto"/>
+    </cs:lnRef>
+    <cs:fillRef idx="3"/>
+    <cs:effectRef idx="3"/>
+    <cs:fontRef idx="minor">
+      <a:schemeClr val="lt1"/>
+    </cs:fontRef>
+    <cs:spPr>
+      <a:ln w="9525" cap="rnd">
+        <a:solidFill>
+          <a:schemeClr val="phClr"/>
+        </a:solidFill>
+        <a:round/>
+      </a:ln>
+    </cs:spPr>
+  </cs:dataPointWireframe>
+  <cs:dataTable>
+    <cs:lnRef idx="0"/>
+    <cs:fillRef idx="0"/>
+    <cs:effectRef idx="0"/>
+    <cs:fontRef idx="minor">
+      <a:schemeClr val="lt1">
+        <a:lumMod val="85000"/>
+      </a:schemeClr>
+    </cs:fontRef>
+    <cs:spPr>
+      <a:ln w="9525">
+        <a:solidFill>
+          <a:schemeClr val="lt1">
+            <a:lumMod val="95000"/>
+            <a:alpha val="54000"/>
+          </a:schemeClr>
+        </a:solidFill>
+      </a:ln>
+    </cs:spPr>
+    <cs:defRPr sz="900" kern="1200"/>
+  </cs:dataTable>
+  <cs:downBar>
+    <cs:lnRef idx="0"/>
+    <cs:fillRef idx="0"/>
+    <cs:effectRef idx="0"/>
+    <cs:fontRef idx="minor">
+      <a:schemeClr val="lt1"/>
+    </cs:fontRef>
+    <cs:spPr>
+      <a:solidFill>
+        <a:schemeClr val="dk1">
+          <a:lumMod val="75000"/>
+          <a:lumOff val="25000"/>
+        </a:schemeClr>
+      </a:solidFill>
+      <a:ln w="9525">
+        <a:solidFill>
+          <a:schemeClr val="lt1">
+            <a:lumMod val="95000"/>
+            <a:alpha val="54000"/>
+          </a:schemeClr>
+        </a:solidFill>
+      </a:ln>
+    </cs:spPr>
+  </cs:downBar>
+  <cs:dropLine>
+    <cs:lnRef idx="0"/>
+    <cs:fillRef idx="0"/>
+    <cs:effectRef idx="0"/>
+    <cs:fontRef idx="minor">
+      <a:schemeClr val="lt1"/>
+    </cs:fontRef>
+    <cs:spPr>
+      <a:ln w="9525">
+        <a:solidFill>
+          <a:schemeClr val="lt1">
+            <a:lumMod val="95000"/>
+            <a:alpha val="54000"/>
+          </a:schemeClr>
+        </a:solidFill>
+        <a:prstDash val="dash"/>
+      </a:ln>
+    </cs:spPr>
+  </cs:dropLine>
+  <cs:errorBar>
+    <cs:lnRef idx="0"/>
+    <cs:fillRef idx="0"/>
+    <cs:effectRef idx="0"/>
+    <cs:fontRef idx="minor">
+      <a:schemeClr val="lt1"/>
+    </cs:fontRef>
+    <cs:spPr>
+      <a:ln w="9525" cap="flat" cmpd="sng" algn="ctr">
+        <a:solidFill>
+          <a:schemeClr val="lt1">
+            <a:lumMod val="95000"/>
+          </a:schemeClr>
+        </a:solidFill>
+        <a:round/>
+      </a:ln>
+    </cs:spPr>
+  </cs:errorBar>
+  <cs:floor>
+    <cs:lnRef idx="0"/>
+    <cs:fillRef idx="0"/>
+    <cs:effectRef idx="0"/>
+    <cs:fontRef idx="minor">
+      <a:schemeClr val="lt1"/>
+    </cs:fontRef>
+  </cs:floor>
+  <cs:gridlineMajor>
+    <cs:lnRef idx="0"/>
+    <cs:fillRef idx="0"/>
+    <cs:effectRef idx="0"/>
+    <cs:fontRef idx="minor">
+      <a:schemeClr val="lt1"/>
+    </cs:fontRef>
+    <cs:spPr>
+      <a:ln w="9525" cap="flat" cmpd="sng" algn="ctr">
+        <a:solidFill>
+          <a:schemeClr val="lt1">
+            <a:lumMod val="95000"/>
+            <a:alpha val="10000"/>
+          </a:schemeClr>
+        </a:solidFill>
+        <a:round/>
+      </a:ln>
+    </cs:spPr>
+  </cs:gridlineMajor>
+  <cs:gridlineMinor>
+    <cs:lnRef idx="0"/>
+    <cs:fillRef idx="0"/>
+    <cs:effectRef idx="0"/>
+    <cs:fontRef idx="minor">
+      <a:schemeClr val="lt1"/>
+    </cs:fontRef>
+    <cs:spPr>
+      <a:ln>
+        <a:solidFill>
+          <a:schemeClr val="lt1">
+            <a:lumMod val="95000"/>
+            <a:alpha val="5000"/>
+          </a:schemeClr>
+        </a:solidFill>
+      </a:ln>
+    </cs:spPr>
+  </cs:gridlineMinor>
+  <cs:hiLoLine>
+    <cs:lnRef idx="0"/>
+    <cs:fillRef idx="0"/>
+    <cs:effectRef idx="0"/>
+    <cs:fontRef idx="minor">
+      <a:schemeClr val="lt1"/>
+    </cs:fontRef>
+    <cs:spPr>
+      <a:ln w="9525">
+        <a:solidFill>
+          <a:schemeClr val="lt1">
+            <a:lumMod val="95000"/>
+            <a:alpha val="54000"/>
+          </a:schemeClr>
+        </a:solidFill>
+        <a:prstDash val="dash"/>
+      </a:ln>
+    </cs:spPr>
+  </cs:hiLoLine>
+  <cs:leaderLine>
+    <cs:lnRef idx="0"/>
+    <cs:fillRef idx="0"/>
+    <cs:effectRef idx="0"/>
+    <cs:fontRef idx="minor">
+      <a:schemeClr val="lt1"/>
+    </cs:fontRef>
+    <cs:spPr>
+      <a:ln w="9525">
+        <a:solidFill>
+          <a:schemeClr val="lt1">
+            <a:lumMod val="95000"/>
+            <a:alpha val="54000"/>
+          </a:schemeClr>
+        </a:solidFill>
+      </a:ln>
+    </cs:spPr>
+  </cs:leaderLine>
+  <cs:legend>
+    <cs:lnRef idx="0"/>
+    <cs:fillRef idx="0"/>
+    <cs:effectRef idx="0"/>
+    <cs:fontRef idx="minor">
+      <a:schemeClr val="lt1">
+        <a:lumMod val="85000"/>
+      </a:schemeClr>
+    </cs:fontRef>
+    <cs:defRPr sz="900" kern="1200"/>
+  </cs:legend>
+  <cs:plotArea>
+    <cs:lnRef idx="0"/>
+    <cs:fillRef idx="0"/>
+    <cs:effectRef idx="0"/>
+    <cs:fontRef idx="minor">
+      <a:schemeClr val="lt1"/>
+    </cs:fontRef>
+  </cs:plotArea>
+  <cs:plotArea3D>
+    <cs:lnRef idx="0"/>
+    <cs:fillRef idx="0"/>
+    <cs:effectRef idx="0"/>
+    <cs:fontRef idx="minor">
+      <a:schemeClr val="lt1"/>
+    </cs:fontRef>
+  </cs:plotArea3D>
+  <cs:seriesAxis>
+    <cs:lnRef idx="0"/>
+    <cs:fillRef idx="0"/>
+    <cs:effectRef idx="0"/>
+    <cs:fontRef idx="minor">
+      <a:schemeClr val="lt1">
+        <a:lumMod val="85000"/>
+      </a:schemeClr>
+    </cs:fontRef>
+    <cs:spPr>
+      <a:ln w="12700" cap="flat" cmpd="sng" algn="ctr">
+        <a:solidFill>
+          <a:schemeClr val="lt1">
+            <a:lumMod val="95000"/>
+            <a:alpha val="54000"/>
+          </a:schemeClr>
+        </a:solidFill>
+        <a:round/>
+      </a:ln>
+    </cs:spPr>
+    <cs:defRPr sz="900" kern="1200"/>
+  </cs:seriesAxis>
+  <cs:seriesLine>
+    <cs:lnRef idx="0"/>
+    <cs:fillRef idx="0"/>
+    <cs:effectRef idx="0"/>
+    <cs:fontRef idx="minor">
+      <a:schemeClr val="lt1"/>
+    </cs:fontRef>
+    <cs:spPr>
+      <a:ln w="9525" cap="flat" cmpd="sng" algn="ctr">
+        <a:solidFill>
+          <a:schemeClr val="lt1">
+            <a:lumMod val="95000"/>
+            <a:alpha val="54000"/>
+          </a:schemeClr>
+        </a:solidFill>
+        <a:round/>
+      </a:ln>
+    </cs:spPr>
+  </cs:seriesLine>
+  <cs:title>
+    <cs:lnRef idx="0"/>
+    <cs:fillRef idx="0"/>
+    <cs:effectRef idx="0"/>
+    <cs:fontRef idx="minor">
+      <a:schemeClr val="lt1">
+        <a:lumMod val="95000"/>
+      </a:schemeClr>
+    </cs:fontRef>
+    <cs:defRPr sz="1600" b="1" kern="1200" spc="100" baseline="0">
+      <a:effectLst>
+        <a:outerShdw blurRad="50800" dist="38100" dir="5400000" algn="t" rotWithShape="0">
+          <a:prstClr val="black">
+            <a:alpha val="40000"/>
+          </a:prstClr>
+        </a:outerShdw>
+      </a:effectLst>
+    </cs:defRPr>
+  </cs:title>
+  <cs:trendline>
+    <cs:lnRef idx="0">
+      <cs:styleClr val="auto"/>
+    </cs:lnRef>
+    <cs:fillRef idx="0"/>
+    <cs:effectRef idx="0"/>
+    <cs:fontRef idx="minor">
+      <a:schemeClr val="lt1"/>
+    </cs:fontRef>
+    <cs:spPr>
+      <a:ln w="19050" cap="rnd">
+        <a:solidFill>
+          <a:schemeClr val="phClr"/>
+        </a:solidFill>
+      </a:ln>
+    </cs:spPr>
+  </cs:trendline>
+  <cs:trendlineLabel>
+    <cs:lnRef idx="0"/>
+    <cs:fillRef idx="0"/>
+    <cs:effectRef idx="0"/>
+    <cs:fontRef idx="minor">
+      <a:schemeClr val="lt1">
+        <a:lumMod val="85000"/>
+      </a:schemeClr>
+    </cs:fontRef>
+    <cs:defRPr sz="900" kern="1200"/>
+  </cs:trendlineLabel>
+  <cs:upBar>
+    <cs:lnRef idx="0"/>
+    <cs:fillRef idx="0"/>
+    <cs:effectRef idx="0"/>
+    <cs:fontRef idx="minor">
+      <a:schemeClr val="lt1"/>
+    </cs:fontRef>
+    <cs:spPr>
+      <a:solidFill>
+        <a:schemeClr val="lt1"/>
+      </a:solidFill>
+      <a:ln w="9525">
+        <a:solidFill>
+          <a:schemeClr val="lt1">
+            <a:lumMod val="95000"/>
+            <a:alpha val="54000"/>
+          </a:schemeClr>
+        </a:solidFill>
+      </a:ln>
+    </cs:spPr>
+  </cs:upBar>
+  <cs:valueAxis>
+    <cs:lnRef idx="0"/>
+    <cs:fillRef idx="0"/>
+    <cs:effectRef idx="0"/>
+    <cs:fontRef idx="minor">
+      <a:schemeClr val="lt1">
+        <a:lumMod val="85000"/>
+      </a:schemeClr>
+    </cs:fontRef>
+    <cs:defRPr sz="900" kern="1200"/>
+  </cs:valueAxis>
+  <cs:wall>
+    <cs:lnRef idx="0"/>
+    <cs:fillRef idx="0"/>
+    <cs:effectRef idx="0"/>
+    <cs:fontRef idx="minor">
+      <a:schemeClr val="lt1"/>
+    </cs:fontRef>
   </cs:wall>
 </cs:chartStyle>
 </file>
@@ -9150,6 +12501,998 @@
         <a:noFill/>
       </a:ln>
     </cs:spPr>
+  </cs:wall>
+</cs:chartStyle>
+</file>
+
+<file path=ppt/charts/style8.xml><?xml version="1.0" encoding="utf-8"?>
+<cs:chartStyle xmlns:cs="http://schemas.microsoft.com/office/drawing/2012/chartStyle" xmlns:a="http://schemas.openxmlformats.org/drawingml/2006/main" id="209">
+  <cs:axisTitle>
+    <cs:lnRef idx="0"/>
+    <cs:fillRef idx="0"/>
+    <cs:effectRef idx="0"/>
+    <cs:fontRef idx="minor">
+      <a:schemeClr val="lt1">
+        <a:lumMod val="85000"/>
+      </a:schemeClr>
+    </cs:fontRef>
+    <cs:defRPr sz="900" b="1" kern="1200" cap="all"/>
+  </cs:axisTitle>
+  <cs:categoryAxis>
+    <cs:lnRef idx="0"/>
+    <cs:fillRef idx="0"/>
+    <cs:effectRef idx="0"/>
+    <cs:fontRef idx="minor">
+      <a:schemeClr val="lt1">
+        <a:lumMod val="85000"/>
+      </a:schemeClr>
+    </cs:fontRef>
+    <cs:spPr>
+      <a:ln w="12700" cap="flat" cmpd="sng" algn="ctr">
+        <a:solidFill>
+          <a:schemeClr val="lt1">
+            <a:lumMod val="95000"/>
+            <a:alpha val="54000"/>
+          </a:schemeClr>
+        </a:solidFill>
+        <a:round/>
+      </a:ln>
+    </cs:spPr>
+    <cs:defRPr sz="900" kern="1200"/>
+  </cs:categoryAxis>
+  <cs:chartArea>
+    <cs:lnRef idx="0"/>
+    <cs:fillRef idx="0"/>
+    <cs:effectRef idx="0"/>
+    <cs:fontRef idx="minor">
+      <a:schemeClr val="dk1"/>
+    </cs:fontRef>
+    <cs:spPr>
+      <a:gradFill flip="none" rotWithShape="1">
+        <a:gsLst>
+          <a:gs pos="0">
+            <a:schemeClr val="dk1">
+              <a:lumMod val="65000"/>
+              <a:lumOff val="35000"/>
+            </a:schemeClr>
+          </a:gs>
+          <a:gs pos="100000">
+            <a:schemeClr val="dk1">
+              <a:lumMod val="85000"/>
+              <a:lumOff val="15000"/>
+            </a:schemeClr>
+          </a:gs>
+        </a:gsLst>
+        <a:path path="circle">
+          <a:fillToRect l="50000" t="50000" r="50000" b="50000"/>
+        </a:path>
+        <a:tileRect/>
+      </a:gradFill>
+    </cs:spPr>
+    <cs:defRPr sz="1000" kern="1200"/>
+  </cs:chartArea>
+  <cs:dataLabel>
+    <cs:lnRef idx="0"/>
+    <cs:fillRef idx="0"/>
+    <cs:effectRef idx="0"/>
+    <cs:fontRef idx="minor">
+      <a:schemeClr val="lt1">
+        <a:lumMod val="85000"/>
+      </a:schemeClr>
+    </cs:fontRef>
+    <cs:defRPr sz="900" kern="1200"/>
+  </cs:dataLabel>
+  <cs:dataLabelCallout>
+    <cs:lnRef idx="0"/>
+    <cs:fillRef idx="0"/>
+    <cs:effectRef idx="0"/>
+    <cs:fontRef idx="minor">
+      <a:schemeClr val="dk1">
+        <a:lumMod val="65000"/>
+        <a:lumOff val="35000"/>
+      </a:schemeClr>
+    </cs:fontRef>
+    <cs:spPr>
+      <a:solidFill>
+        <a:schemeClr val="lt1"/>
+      </a:solidFill>
+    </cs:spPr>
+    <cs:defRPr sz="900" kern="1200"/>
+    <cs:bodyPr rot="0" spcFirstLastPara="1" vertOverflow="clip" horzOverflow="clip" vert="horz" wrap="square" lIns="36576" tIns="18288" rIns="36576" bIns="18288" anchor="ctr" anchorCtr="1">
+      <a:spAutoFit/>
+    </cs:bodyPr>
+  </cs:dataLabelCallout>
+  <cs:dataPoint>
+    <cs:lnRef idx="0"/>
+    <cs:fillRef idx="3">
+      <cs:styleClr val="auto"/>
+    </cs:fillRef>
+    <cs:effectRef idx="3"/>
+    <cs:fontRef idx="minor">
+      <a:schemeClr val="lt1"/>
+    </cs:fontRef>
+  </cs:dataPoint>
+  <cs:dataPoint3D>
+    <cs:lnRef idx="0"/>
+    <cs:fillRef idx="3">
+      <cs:styleClr val="auto"/>
+    </cs:fillRef>
+    <cs:effectRef idx="3"/>
+    <cs:fontRef idx="minor">
+      <a:schemeClr val="lt1"/>
+    </cs:fontRef>
+  </cs:dataPoint3D>
+  <cs:dataPointLine>
+    <cs:lnRef idx="0">
+      <cs:styleClr val="auto"/>
+    </cs:lnRef>
+    <cs:fillRef idx="3"/>
+    <cs:effectRef idx="3"/>
+    <cs:fontRef idx="minor">
+      <a:schemeClr val="lt1"/>
+    </cs:fontRef>
+    <cs:spPr>
+      <a:ln w="34925" cap="rnd">
+        <a:solidFill>
+          <a:schemeClr val="phClr"/>
+        </a:solidFill>
+        <a:round/>
+      </a:ln>
+    </cs:spPr>
+  </cs:dataPointLine>
+  <cs:dataPointMarker>
+    <cs:lnRef idx="0">
+      <cs:styleClr val="auto"/>
+    </cs:lnRef>
+    <cs:fillRef idx="3">
+      <cs:styleClr val="auto"/>
+    </cs:fillRef>
+    <cs:effectRef idx="3"/>
+    <cs:fontRef idx="minor">
+      <a:schemeClr val="lt1"/>
+    </cs:fontRef>
+    <cs:spPr>
+      <a:ln w="9525">
+        <a:solidFill>
+          <a:schemeClr val="phClr"/>
+        </a:solidFill>
+        <a:round/>
+      </a:ln>
+    </cs:spPr>
+  </cs:dataPointMarker>
+  <cs:dataPointMarkerLayout symbol="circle" size="6"/>
+  <cs:dataPointWireframe>
+    <cs:lnRef idx="0">
+      <cs:styleClr val="auto"/>
+    </cs:lnRef>
+    <cs:fillRef idx="3"/>
+    <cs:effectRef idx="3"/>
+    <cs:fontRef idx="minor">
+      <a:schemeClr val="lt1"/>
+    </cs:fontRef>
+    <cs:spPr>
+      <a:ln w="9525" cap="rnd">
+        <a:solidFill>
+          <a:schemeClr val="phClr"/>
+        </a:solidFill>
+        <a:round/>
+      </a:ln>
+    </cs:spPr>
+  </cs:dataPointWireframe>
+  <cs:dataTable>
+    <cs:lnRef idx="0"/>
+    <cs:fillRef idx="0"/>
+    <cs:effectRef idx="0"/>
+    <cs:fontRef idx="minor">
+      <a:schemeClr val="lt1">
+        <a:lumMod val="85000"/>
+      </a:schemeClr>
+    </cs:fontRef>
+    <cs:spPr>
+      <a:ln w="9525">
+        <a:solidFill>
+          <a:schemeClr val="lt1">
+            <a:lumMod val="95000"/>
+            <a:alpha val="54000"/>
+          </a:schemeClr>
+        </a:solidFill>
+      </a:ln>
+    </cs:spPr>
+    <cs:defRPr sz="900" kern="1200"/>
+  </cs:dataTable>
+  <cs:downBar>
+    <cs:lnRef idx="0"/>
+    <cs:fillRef idx="0"/>
+    <cs:effectRef idx="0"/>
+    <cs:fontRef idx="minor">
+      <a:schemeClr val="lt1"/>
+    </cs:fontRef>
+    <cs:spPr>
+      <a:solidFill>
+        <a:schemeClr val="dk1">
+          <a:lumMod val="75000"/>
+          <a:lumOff val="25000"/>
+        </a:schemeClr>
+      </a:solidFill>
+      <a:ln w="9525">
+        <a:solidFill>
+          <a:schemeClr val="lt1">
+            <a:lumMod val="95000"/>
+            <a:alpha val="54000"/>
+          </a:schemeClr>
+        </a:solidFill>
+      </a:ln>
+    </cs:spPr>
+  </cs:downBar>
+  <cs:dropLine>
+    <cs:lnRef idx="0"/>
+    <cs:fillRef idx="0"/>
+    <cs:effectRef idx="0"/>
+    <cs:fontRef idx="minor">
+      <a:schemeClr val="lt1"/>
+    </cs:fontRef>
+    <cs:spPr>
+      <a:ln w="9525">
+        <a:solidFill>
+          <a:schemeClr val="lt1">
+            <a:lumMod val="95000"/>
+            <a:alpha val="54000"/>
+          </a:schemeClr>
+        </a:solidFill>
+        <a:prstDash val="dash"/>
+      </a:ln>
+    </cs:spPr>
+  </cs:dropLine>
+  <cs:errorBar>
+    <cs:lnRef idx="0"/>
+    <cs:fillRef idx="0"/>
+    <cs:effectRef idx="0"/>
+    <cs:fontRef idx="minor">
+      <a:schemeClr val="lt1"/>
+    </cs:fontRef>
+    <cs:spPr>
+      <a:ln w="9525" cap="flat" cmpd="sng" algn="ctr">
+        <a:solidFill>
+          <a:schemeClr val="lt1">
+            <a:lumMod val="95000"/>
+          </a:schemeClr>
+        </a:solidFill>
+        <a:round/>
+      </a:ln>
+    </cs:spPr>
+  </cs:errorBar>
+  <cs:floor>
+    <cs:lnRef idx="0"/>
+    <cs:fillRef idx="0"/>
+    <cs:effectRef idx="0"/>
+    <cs:fontRef idx="minor">
+      <a:schemeClr val="lt1"/>
+    </cs:fontRef>
+  </cs:floor>
+  <cs:gridlineMajor>
+    <cs:lnRef idx="0"/>
+    <cs:fillRef idx="0"/>
+    <cs:effectRef idx="0"/>
+    <cs:fontRef idx="minor">
+      <a:schemeClr val="lt1"/>
+    </cs:fontRef>
+    <cs:spPr>
+      <a:ln w="9525" cap="flat" cmpd="sng" algn="ctr">
+        <a:solidFill>
+          <a:schemeClr val="lt1">
+            <a:lumMod val="95000"/>
+            <a:alpha val="10000"/>
+          </a:schemeClr>
+        </a:solidFill>
+        <a:round/>
+      </a:ln>
+    </cs:spPr>
+  </cs:gridlineMajor>
+  <cs:gridlineMinor>
+    <cs:lnRef idx="0"/>
+    <cs:fillRef idx="0"/>
+    <cs:effectRef idx="0"/>
+    <cs:fontRef idx="minor">
+      <a:schemeClr val="lt1"/>
+    </cs:fontRef>
+    <cs:spPr>
+      <a:ln>
+        <a:solidFill>
+          <a:schemeClr val="lt1">
+            <a:lumMod val="95000"/>
+            <a:alpha val="5000"/>
+          </a:schemeClr>
+        </a:solidFill>
+      </a:ln>
+    </cs:spPr>
+  </cs:gridlineMinor>
+  <cs:hiLoLine>
+    <cs:lnRef idx="0"/>
+    <cs:fillRef idx="0"/>
+    <cs:effectRef idx="0"/>
+    <cs:fontRef idx="minor">
+      <a:schemeClr val="lt1"/>
+    </cs:fontRef>
+    <cs:spPr>
+      <a:ln w="9525">
+        <a:solidFill>
+          <a:schemeClr val="lt1">
+            <a:lumMod val="95000"/>
+            <a:alpha val="54000"/>
+          </a:schemeClr>
+        </a:solidFill>
+        <a:prstDash val="dash"/>
+      </a:ln>
+    </cs:spPr>
+  </cs:hiLoLine>
+  <cs:leaderLine>
+    <cs:lnRef idx="0"/>
+    <cs:fillRef idx="0"/>
+    <cs:effectRef idx="0"/>
+    <cs:fontRef idx="minor">
+      <a:schemeClr val="lt1"/>
+    </cs:fontRef>
+    <cs:spPr>
+      <a:ln w="9525">
+        <a:solidFill>
+          <a:schemeClr val="lt1">
+            <a:lumMod val="95000"/>
+            <a:alpha val="54000"/>
+          </a:schemeClr>
+        </a:solidFill>
+      </a:ln>
+    </cs:spPr>
+  </cs:leaderLine>
+  <cs:legend>
+    <cs:lnRef idx="0"/>
+    <cs:fillRef idx="0"/>
+    <cs:effectRef idx="0"/>
+    <cs:fontRef idx="minor">
+      <a:schemeClr val="lt1">
+        <a:lumMod val="85000"/>
+      </a:schemeClr>
+    </cs:fontRef>
+    <cs:defRPr sz="900" kern="1200"/>
+  </cs:legend>
+  <cs:plotArea>
+    <cs:lnRef idx="0"/>
+    <cs:fillRef idx="0"/>
+    <cs:effectRef idx="0"/>
+    <cs:fontRef idx="minor">
+      <a:schemeClr val="lt1"/>
+    </cs:fontRef>
+  </cs:plotArea>
+  <cs:plotArea3D>
+    <cs:lnRef idx="0"/>
+    <cs:fillRef idx="0"/>
+    <cs:effectRef idx="0"/>
+    <cs:fontRef idx="minor">
+      <a:schemeClr val="lt1"/>
+    </cs:fontRef>
+  </cs:plotArea3D>
+  <cs:seriesAxis>
+    <cs:lnRef idx="0"/>
+    <cs:fillRef idx="0"/>
+    <cs:effectRef idx="0"/>
+    <cs:fontRef idx="minor">
+      <a:schemeClr val="lt1">
+        <a:lumMod val="85000"/>
+      </a:schemeClr>
+    </cs:fontRef>
+    <cs:spPr>
+      <a:ln w="12700" cap="flat" cmpd="sng" algn="ctr">
+        <a:solidFill>
+          <a:schemeClr val="lt1">
+            <a:lumMod val="95000"/>
+            <a:alpha val="54000"/>
+          </a:schemeClr>
+        </a:solidFill>
+        <a:round/>
+      </a:ln>
+    </cs:spPr>
+    <cs:defRPr sz="900" kern="1200"/>
+  </cs:seriesAxis>
+  <cs:seriesLine>
+    <cs:lnRef idx="0"/>
+    <cs:fillRef idx="0"/>
+    <cs:effectRef idx="0"/>
+    <cs:fontRef idx="minor">
+      <a:schemeClr val="lt1"/>
+    </cs:fontRef>
+    <cs:spPr>
+      <a:ln w="9525" cap="flat" cmpd="sng" algn="ctr">
+        <a:solidFill>
+          <a:schemeClr val="lt1">
+            <a:lumMod val="95000"/>
+            <a:alpha val="54000"/>
+          </a:schemeClr>
+        </a:solidFill>
+        <a:round/>
+      </a:ln>
+    </cs:spPr>
+  </cs:seriesLine>
+  <cs:title>
+    <cs:lnRef idx="0"/>
+    <cs:fillRef idx="0"/>
+    <cs:effectRef idx="0"/>
+    <cs:fontRef idx="minor">
+      <a:schemeClr val="lt1">
+        <a:lumMod val="95000"/>
+      </a:schemeClr>
+    </cs:fontRef>
+    <cs:defRPr sz="1600" b="1" kern="1200" spc="100" baseline="0">
+      <a:effectLst>
+        <a:outerShdw blurRad="50800" dist="38100" dir="5400000" algn="t" rotWithShape="0">
+          <a:prstClr val="black">
+            <a:alpha val="40000"/>
+          </a:prstClr>
+        </a:outerShdw>
+      </a:effectLst>
+    </cs:defRPr>
+  </cs:title>
+  <cs:trendline>
+    <cs:lnRef idx="0">
+      <cs:styleClr val="auto"/>
+    </cs:lnRef>
+    <cs:fillRef idx="0"/>
+    <cs:effectRef idx="0"/>
+    <cs:fontRef idx="minor">
+      <a:schemeClr val="lt1"/>
+    </cs:fontRef>
+    <cs:spPr>
+      <a:ln w="19050" cap="rnd">
+        <a:solidFill>
+          <a:schemeClr val="phClr"/>
+        </a:solidFill>
+      </a:ln>
+    </cs:spPr>
+  </cs:trendline>
+  <cs:trendlineLabel>
+    <cs:lnRef idx="0"/>
+    <cs:fillRef idx="0"/>
+    <cs:effectRef idx="0"/>
+    <cs:fontRef idx="minor">
+      <a:schemeClr val="lt1">
+        <a:lumMod val="85000"/>
+      </a:schemeClr>
+    </cs:fontRef>
+    <cs:defRPr sz="900" kern="1200"/>
+  </cs:trendlineLabel>
+  <cs:upBar>
+    <cs:lnRef idx="0"/>
+    <cs:fillRef idx="0"/>
+    <cs:effectRef idx="0"/>
+    <cs:fontRef idx="minor">
+      <a:schemeClr val="lt1"/>
+    </cs:fontRef>
+    <cs:spPr>
+      <a:solidFill>
+        <a:schemeClr val="lt1"/>
+      </a:solidFill>
+      <a:ln w="9525">
+        <a:solidFill>
+          <a:schemeClr val="lt1">
+            <a:lumMod val="95000"/>
+            <a:alpha val="54000"/>
+          </a:schemeClr>
+        </a:solidFill>
+      </a:ln>
+    </cs:spPr>
+  </cs:upBar>
+  <cs:valueAxis>
+    <cs:lnRef idx="0"/>
+    <cs:fillRef idx="0"/>
+    <cs:effectRef idx="0"/>
+    <cs:fontRef idx="minor">
+      <a:schemeClr val="lt1">
+        <a:lumMod val="85000"/>
+      </a:schemeClr>
+    </cs:fontRef>
+    <cs:defRPr sz="900" kern="1200"/>
+  </cs:valueAxis>
+  <cs:wall>
+    <cs:lnRef idx="0"/>
+    <cs:fillRef idx="0"/>
+    <cs:effectRef idx="0"/>
+    <cs:fontRef idx="minor">
+      <a:schemeClr val="lt1"/>
+    </cs:fontRef>
+  </cs:wall>
+</cs:chartStyle>
+</file>
+
+<file path=ppt/charts/style9.xml><?xml version="1.0" encoding="utf-8"?>
+<cs:chartStyle xmlns:cs="http://schemas.microsoft.com/office/drawing/2012/chartStyle" xmlns:a="http://schemas.openxmlformats.org/drawingml/2006/main" id="209">
+  <cs:axisTitle>
+    <cs:lnRef idx="0"/>
+    <cs:fillRef idx="0"/>
+    <cs:effectRef idx="0"/>
+    <cs:fontRef idx="minor">
+      <a:schemeClr val="lt1">
+        <a:lumMod val="85000"/>
+      </a:schemeClr>
+    </cs:fontRef>
+    <cs:defRPr sz="900" b="1" kern="1200" cap="all"/>
+  </cs:axisTitle>
+  <cs:categoryAxis>
+    <cs:lnRef idx="0"/>
+    <cs:fillRef idx="0"/>
+    <cs:effectRef idx="0"/>
+    <cs:fontRef idx="minor">
+      <a:schemeClr val="lt1">
+        <a:lumMod val="85000"/>
+      </a:schemeClr>
+    </cs:fontRef>
+    <cs:spPr>
+      <a:ln w="12700" cap="flat" cmpd="sng" algn="ctr">
+        <a:solidFill>
+          <a:schemeClr val="lt1">
+            <a:lumMod val="95000"/>
+            <a:alpha val="54000"/>
+          </a:schemeClr>
+        </a:solidFill>
+        <a:round/>
+      </a:ln>
+    </cs:spPr>
+    <cs:defRPr sz="900" kern="1200"/>
+  </cs:categoryAxis>
+  <cs:chartArea>
+    <cs:lnRef idx="0"/>
+    <cs:fillRef idx="0"/>
+    <cs:effectRef idx="0"/>
+    <cs:fontRef idx="minor">
+      <a:schemeClr val="dk1"/>
+    </cs:fontRef>
+    <cs:spPr>
+      <a:gradFill flip="none" rotWithShape="1">
+        <a:gsLst>
+          <a:gs pos="0">
+            <a:schemeClr val="dk1">
+              <a:lumMod val="65000"/>
+              <a:lumOff val="35000"/>
+            </a:schemeClr>
+          </a:gs>
+          <a:gs pos="100000">
+            <a:schemeClr val="dk1">
+              <a:lumMod val="85000"/>
+              <a:lumOff val="15000"/>
+            </a:schemeClr>
+          </a:gs>
+        </a:gsLst>
+        <a:path path="circle">
+          <a:fillToRect l="50000" t="50000" r="50000" b="50000"/>
+        </a:path>
+        <a:tileRect/>
+      </a:gradFill>
+    </cs:spPr>
+    <cs:defRPr sz="1000" kern="1200"/>
+  </cs:chartArea>
+  <cs:dataLabel>
+    <cs:lnRef idx="0"/>
+    <cs:fillRef idx="0"/>
+    <cs:effectRef idx="0"/>
+    <cs:fontRef idx="minor">
+      <a:schemeClr val="lt1">
+        <a:lumMod val="85000"/>
+      </a:schemeClr>
+    </cs:fontRef>
+    <cs:defRPr sz="900" kern="1200"/>
+  </cs:dataLabel>
+  <cs:dataLabelCallout>
+    <cs:lnRef idx="0"/>
+    <cs:fillRef idx="0"/>
+    <cs:effectRef idx="0"/>
+    <cs:fontRef idx="minor">
+      <a:schemeClr val="dk1">
+        <a:lumMod val="65000"/>
+        <a:lumOff val="35000"/>
+      </a:schemeClr>
+    </cs:fontRef>
+    <cs:spPr>
+      <a:solidFill>
+        <a:schemeClr val="lt1"/>
+      </a:solidFill>
+    </cs:spPr>
+    <cs:defRPr sz="900" kern="1200"/>
+    <cs:bodyPr rot="0" spcFirstLastPara="1" vertOverflow="clip" horzOverflow="clip" vert="horz" wrap="square" lIns="36576" tIns="18288" rIns="36576" bIns="18288" anchor="ctr" anchorCtr="1">
+      <a:spAutoFit/>
+    </cs:bodyPr>
+  </cs:dataLabelCallout>
+  <cs:dataPoint>
+    <cs:lnRef idx="0"/>
+    <cs:fillRef idx="3">
+      <cs:styleClr val="auto"/>
+    </cs:fillRef>
+    <cs:effectRef idx="3"/>
+    <cs:fontRef idx="minor">
+      <a:schemeClr val="lt1"/>
+    </cs:fontRef>
+  </cs:dataPoint>
+  <cs:dataPoint3D>
+    <cs:lnRef idx="0"/>
+    <cs:fillRef idx="3">
+      <cs:styleClr val="auto"/>
+    </cs:fillRef>
+    <cs:effectRef idx="3"/>
+    <cs:fontRef idx="minor">
+      <a:schemeClr val="lt1"/>
+    </cs:fontRef>
+  </cs:dataPoint3D>
+  <cs:dataPointLine>
+    <cs:lnRef idx="0">
+      <cs:styleClr val="auto"/>
+    </cs:lnRef>
+    <cs:fillRef idx="3"/>
+    <cs:effectRef idx="3"/>
+    <cs:fontRef idx="minor">
+      <a:schemeClr val="lt1"/>
+    </cs:fontRef>
+    <cs:spPr>
+      <a:ln w="34925" cap="rnd">
+        <a:solidFill>
+          <a:schemeClr val="phClr"/>
+        </a:solidFill>
+        <a:round/>
+      </a:ln>
+    </cs:spPr>
+  </cs:dataPointLine>
+  <cs:dataPointMarker>
+    <cs:lnRef idx="0">
+      <cs:styleClr val="auto"/>
+    </cs:lnRef>
+    <cs:fillRef idx="3">
+      <cs:styleClr val="auto"/>
+    </cs:fillRef>
+    <cs:effectRef idx="3"/>
+    <cs:fontRef idx="minor">
+      <a:schemeClr val="lt1"/>
+    </cs:fontRef>
+    <cs:spPr>
+      <a:ln w="9525">
+        <a:solidFill>
+          <a:schemeClr val="phClr"/>
+        </a:solidFill>
+        <a:round/>
+      </a:ln>
+    </cs:spPr>
+  </cs:dataPointMarker>
+  <cs:dataPointMarkerLayout symbol="circle" size="6"/>
+  <cs:dataPointWireframe>
+    <cs:lnRef idx="0">
+      <cs:styleClr val="auto"/>
+    </cs:lnRef>
+    <cs:fillRef idx="3"/>
+    <cs:effectRef idx="3"/>
+    <cs:fontRef idx="minor">
+      <a:schemeClr val="lt1"/>
+    </cs:fontRef>
+    <cs:spPr>
+      <a:ln w="9525" cap="rnd">
+        <a:solidFill>
+          <a:schemeClr val="phClr"/>
+        </a:solidFill>
+        <a:round/>
+      </a:ln>
+    </cs:spPr>
+  </cs:dataPointWireframe>
+  <cs:dataTable>
+    <cs:lnRef idx="0"/>
+    <cs:fillRef idx="0"/>
+    <cs:effectRef idx="0"/>
+    <cs:fontRef idx="minor">
+      <a:schemeClr val="lt1">
+        <a:lumMod val="85000"/>
+      </a:schemeClr>
+    </cs:fontRef>
+    <cs:spPr>
+      <a:ln w="9525">
+        <a:solidFill>
+          <a:schemeClr val="lt1">
+            <a:lumMod val="95000"/>
+            <a:alpha val="54000"/>
+          </a:schemeClr>
+        </a:solidFill>
+      </a:ln>
+    </cs:spPr>
+    <cs:defRPr sz="900" kern="1200"/>
+  </cs:dataTable>
+  <cs:downBar>
+    <cs:lnRef idx="0"/>
+    <cs:fillRef idx="0"/>
+    <cs:effectRef idx="0"/>
+    <cs:fontRef idx="minor">
+      <a:schemeClr val="lt1"/>
+    </cs:fontRef>
+    <cs:spPr>
+      <a:solidFill>
+        <a:schemeClr val="dk1">
+          <a:lumMod val="75000"/>
+          <a:lumOff val="25000"/>
+        </a:schemeClr>
+      </a:solidFill>
+      <a:ln w="9525">
+        <a:solidFill>
+          <a:schemeClr val="lt1">
+            <a:lumMod val="95000"/>
+            <a:alpha val="54000"/>
+          </a:schemeClr>
+        </a:solidFill>
+      </a:ln>
+    </cs:spPr>
+  </cs:downBar>
+  <cs:dropLine>
+    <cs:lnRef idx="0"/>
+    <cs:fillRef idx="0"/>
+    <cs:effectRef idx="0"/>
+    <cs:fontRef idx="minor">
+      <a:schemeClr val="lt1"/>
+    </cs:fontRef>
+    <cs:spPr>
+      <a:ln w="9525">
+        <a:solidFill>
+          <a:schemeClr val="lt1">
+            <a:lumMod val="95000"/>
+            <a:alpha val="54000"/>
+          </a:schemeClr>
+        </a:solidFill>
+        <a:prstDash val="dash"/>
+      </a:ln>
+    </cs:spPr>
+  </cs:dropLine>
+  <cs:errorBar>
+    <cs:lnRef idx="0"/>
+    <cs:fillRef idx="0"/>
+    <cs:effectRef idx="0"/>
+    <cs:fontRef idx="minor">
+      <a:schemeClr val="lt1"/>
+    </cs:fontRef>
+    <cs:spPr>
+      <a:ln w="9525" cap="flat" cmpd="sng" algn="ctr">
+        <a:solidFill>
+          <a:schemeClr val="lt1">
+            <a:lumMod val="95000"/>
+          </a:schemeClr>
+        </a:solidFill>
+        <a:round/>
+      </a:ln>
+    </cs:spPr>
+  </cs:errorBar>
+  <cs:floor>
+    <cs:lnRef idx="0"/>
+    <cs:fillRef idx="0"/>
+    <cs:effectRef idx="0"/>
+    <cs:fontRef idx="minor">
+      <a:schemeClr val="lt1"/>
+    </cs:fontRef>
+  </cs:floor>
+  <cs:gridlineMajor>
+    <cs:lnRef idx="0"/>
+    <cs:fillRef idx="0"/>
+    <cs:effectRef idx="0"/>
+    <cs:fontRef idx="minor">
+      <a:schemeClr val="lt1"/>
+    </cs:fontRef>
+    <cs:spPr>
+      <a:ln w="9525" cap="flat" cmpd="sng" algn="ctr">
+        <a:solidFill>
+          <a:schemeClr val="lt1">
+            <a:lumMod val="95000"/>
+            <a:alpha val="10000"/>
+          </a:schemeClr>
+        </a:solidFill>
+        <a:round/>
+      </a:ln>
+    </cs:spPr>
+  </cs:gridlineMajor>
+  <cs:gridlineMinor>
+    <cs:lnRef idx="0"/>
+    <cs:fillRef idx="0"/>
+    <cs:effectRef idx="0"/>
+    <cs:fontRef idx="minor">
+      <a:schemeClr val="lt1"/>
+    </cs:fontRef>
+    <cs:spPr>
+      <a:ln>
+        <a:solidFill>
+          <a:schemeClr val="lt1">
+            <a:lumMod val="95000"/>
+            <a:alpha val="5000"/>
+          </a:schemeClr>
+        </a:solidFill>
+      </a:ln>
+    </cs:spPr>
+  </cs:gridlineMinor>
+  <cs:hiLoLine>
+    <cs:lnRef idx="0"/>
+    <cs:fillRef idx="0"/>
+    <cs:effectRef idx="0"/>
+    <cs:fontRef idx="minor">
+      <a:schemeClr val="lt1"/>
+    </cs:fontRef>
+    <cs:spPr>
+      <a:ln w="9525">
+        <a:solidFill>
+          <a:schemeClr val="lt1">
+            <a:lumMod val="95000"/>
+            <a:alpha val="54000"/>
+          </a:schemeClr>
+        </a:solidFill>
+        <a:prstDash val="dash"/>
+      </a:ln>
+    </cs:spPr>
+  </cs:hiLoLine>
+  <cs:leaderLine>
+    <cs:lnRef idx="0"/>
+    <cs:fillRef idx="0"/>
+    <cs:effectRef idx="0"/>
+    <cs:fontRef idx="minor">
+      <a:schemeClr val="lt1"/>
+    </cs:fontRef>
+    <cs:spPr>
+      <a:ln w="9525">
+        <a:solidFill>
+          <a:schemeClr val="lt1">
+            <a:lumMod val="95000"/>
+            <a:alpha val="54000"/>
+          </a:schemeClr>
+        </a:solidFill>
+      </a:ln>
+    </cs:spPr>
+  </cs:leaderLine>
+  <cs:legend>
+    <cs:lnRef idx="0"/>
+    <cs:fillRef idx="0"/>
+    <cs:effectRef idx="0"/>
+    <cs:fontRef idx="minor">
+      <a:schemeClr val="lt1">
+        <a:lumMod val="85000"/>
+      </a:schemeClr>
+    </cs:fontRef>
+    <cs:defRPr sz="900" kern="1200"/>
+  </cs:legend>
+  <cs:plotArea>
+    <cs:lnRef idx="0"/>
+    <cs:fillRef idx="0"/>
+    <cs:effectRef idx="0"/>
+    <cs:fontRef idx="minor">
+      <a:schemeClr val="lt1"/>
+    </cs:fontRef>
+  </cs:plotArea>
+  <cs:plotArea3D>
+    <cs:lnRef idx="0"/>
+    <cs:fillRef idx="0"/>
+    <cs:effectRef idx="0"/>
+    <cs:fontRef idx="minor">
+      <a:schemeClr val="lt1"/>
+    </cs:fontRef>
+  </cs:plotArea3D>
+  <cs:seriesAxis>
+    <cs:lnRef idx="0"/>
+    <cs:fillRef idx="0"/>
+    <cs:effectRef idx="0"/>
+    <cs:fontRef idx="minor">
+      <a:schemeClr val="lt1">
+        <a:lumMod val="85000"/>
+      </a:schemeClr>
+    </cs:fontRef>
+    <cs:spPr>
+      <a:ln w="12700" cap="flat" cmpd="sng" algn="ctr">
+        <a:solidFill>
+          <a:schemeClr val="lt1">
+            <a:lumMod val="95000"/>
+            <a:alpha val="54000"/>
+          </a:schemeClr>
+        </a:solidFill>
+        <a:round/>
+      </a:ln>
+    </cs:spPr>
+    <cs:defRPr sz="900" kern="1200"/>
+  </cs:seriesAxis>
+  <cs:seriesLine>
+    <cs:lnRef idx="0"/>
+    <cs:fillRef idx="0"/>
+    <cs:effectRef idx="0"/>
+    <cs:fontRef idx="minor">
+      <a:schemeClr val="lt1"/>
+    </cs:fontRef>
+    <cs:spPr>
+      <a:ln w="9525" cap="flat" cmpd="sng" algn="ctr">
+        <a:solidFill>
+          <a:schemeClr val="lt1">
+            <a:lumMod val="95000"/>
+            <a:alpha val="54000"/>
+          </a:schemeClr>
+        </a:solidFill>
+        <a:round/>
+      </a:ln>
+    </cs:spPr>
+  </cs:seriesLine>
+  <cs:title>
+    <cs:lnRef idx="0"/>
+    <cs:fillRef idx="0"/>
+    <cs:effectRef idx="0"/>
+    <cs:fontRef idx="minor">
+      <a:schemeClr val="lt1">
+        <a:lumMod val="95000"/>
+      </a:schemeClr>
+    </cs:fontRef>
+    <cs:defRPr sz="1600" b="1" kern="1200" spc="100" baseline="0">
+      <a:effectLst>
+        <a:outerShdw blurRad="50800" dist="38100" dir="5400000" algn="t" rotWithShape="0">
+          <a:prstClr val="black">
+            <a:alpha val="40000"/>
+          </a:prstClr>
+        </a:outerShdw>
+      </a:effectLst>
+    </cs:defRPr>
+  </cs:title>
+  <cs:trendline>
+    <cs:lnRef idx="0">
+      <cs:styleClr val="auto"/>
+    </cs:lnRef>
+    <cs:fillRef idx="0"/>
+    <cs:effectRef idx="0"/>
+    <cs:fontRef idx="minor">
+      <a:schemeClr val="lt1"/>
+    </cs:fontRef>
+    <cs:spPr>
+      <a:ln w="19050" cap="rnd">
+        <a:solidFill>
+          <a:schemeClr val="phClr"/>
+        </a:solidFill>
+      </a:ln>
+    </cs:spPr>
+  </cs:trendline>
+  <cs:trendlineLabel>
+    <cs:lnRef idx="0"/>
+    <cs:fillRef idx="0"/>
+    <cs:effectRef idx="0"/>
+    <cs:fontRef idx="minor">
+      <a:schemeClr val="lt1">
+        <a:lumMod val="85000"/>
+      </a:schemeClr>
+    </cs:fontRef>
+    <cs:defRPr sz="900" kern="1200"/>
+  </cs:trendlineLabel>
+  <cs:upBar>
+    <cs:lnRef idx="0"/>
+    <cs:fillRef idx="0"/>
+    <cs:effectRef idx="0"/>
+    <cs:fontRef idx="minor">
+      <a:schemeClr val="lt1"/>
+    </cs:fontRef>
+    <cs:spPr>
+      <a:solidFill>
+        <a:schemeClr val="lt1"/>
+      </a:solidFill>
+      <a:ln w="9525">
+        <a:solidFill>
+          <a:schemeClr val="lt1">
+            <a:lumMod val="95000"/>
+            <a:alpha val="54000"/>
+          </a:schemeClr>
+        </a:solidFill>
+      </a:ln>
+    </cs:spPr>
+  </cs:upBar>
+  <cs:valueAxis>
+    <cs:lnRef idx="0"/>
+    <cs:fillRef idx="0"/>
+    <cs:effectRef idx="0"/>
+    <cs:fontRef idx="minor">
+      <a:schemeClr val="lt1">
+        <a:lumMod val="85000"/>
+      </a:schemeClr>
+    </cs:fontRef>
+    <cs:defRPr sz="900" kern="1200"/>
+  </cs:valueAxis>
+  <cs:wall>
+    <cs:lnRef idx="0"/>
+    <cs:fillRef idx="0"/>
+    <cs:effectRef idx="0"/>
+    <cs:fontRef idx="minor">
+      <a:schemeClr val="lt1"/>
+    </cs:fontRef>
   </cs:wall>
 </cs:chartStyle>
 </file>
@@ -16580,7 +20923,7 @@
           <a:p>
             <a:fld id="{BE2A43AE-C781-437F-82F9-639F52CA20CD}" type="datetimeFigureOut">
               <a:rPr lang="en-US" smtClean="0"/>
-              <a:t>4/26/2023</a:t>
+              <a:t>4/27/2023</a:t>
             </a:fld>
             <a:endParaRPr lang="en-US"/>
           </a:p>
@@ -17051,6 +21394,480 @@
     <p:extLst>
       <p:ext uri="{BB962C8B-B14F-4D97-AF65-F5344CB8AC3E}">
         <p14:creationId xmlns:p14="http://schemas.microsoft.com/office/powerpoint/2010/main" val="1053220231"/>
+      </p:ext>
+    </p:extLst>
+  </p:cSld>
+  <p:clrMapOvr>
+    <a:masterClrMapping/>
+  </p:clrMapOvr>
+</p:notes>
+</file>
+
+<file path=ppt/notesSlides/notesSlide10.xml><?xml version="1.0" encoding="utf-8"?>
+<p:notes xmlns:a="http://schemas.openxmlformats.org/drawingml/2006/main" xmlns:r="http://schemas.openxmlformats.org/officeDocument/2006/relationships" xmlns:p="http://schemas.openxmlformats.org/presentationml/2006/main">
+  <p:cSld>
+    <p:spTree>
+      <p:nvGrpSpPr>
+        <p:cNvPr id="1" name=""/>
+        <p:cNvGrpSpPr/>
+        <p:nvPr/>
+      </p:nvGrpSpPr>
+      <p:grpSpPr>
+        <a:xfrm>
+          <a:off x="0" y="0"/>
+          <a:ext cx="0" cy="0"/>
+          <a:chOff x="0" y="0"/>
+          <a:chExt cx="0" cy="0"/>
+        </a:xfrm>
+      </p:grpSpPr>
+      <p:sp>
+        <p:nvSpPr>
+          <p:cNvPr id="2" name="Slide Image Placeholder 1"/>
+          <p:cNvSpPr>
+            <a:spLocks noGrp="1" noRot="1" noChangeAspect="1"/>
+          </p:cNvSpPr>
+          <p:nvPr>
+            <p:ph type="sldImg"/>
+          </p:nvPr>
+        </p:nvSpPr>
+        <p:spPr/>
+      </p:sp>
+      <p:sp>
+        <p:nvSpPr>
+          <p:cNvPr id="3" name="Notes Placeholder 2"/>
+          <p:cNvSpPr>
+            <a:spLocks noGrp="1"/>
+          </p:cNvSpPr>
+          <p:nvPr>
+            <p:ph type="body" idx="1"/>
+          </p:nvPr>
+        </p:nvSpPr>
+        <p:spPr/>
+        <p:txBody>
+          <a:bodyPr/>
+          <a:lstStyle/>
+          <a:p>
+            <a:r>
+              <a:rPr lang="en-US" dirty="0"/>
+              <a:t>Now, to access this bucket, we used the AWS CLI and python module boto3.</a:t>
+            </a:r>
+          </a:p>
+          <a:p>
+            <a:r>
+              <a:rPr lang="en-US" dirty="0"/>
+              <a:t>We also used IAM keys with specific permissions for S3 for security best practices and to resemble work conditions.</a:t>
+            </a:r>
+          </a:p>
+        </p:txBody>
+      </p:sp>
+      <p:sp>
+        <p:nvSpPr>
+          <p:cNvPr id="4" name="Slide Number Placeholder 3"/>
+          <p:cNvSpPr>
+            <a:spLocks noGrp="1"/>
+          </p:cNvSpPr>
+          <p:nvPr>
+            <p:ph type="sldNum" sz="quarter" idx="5"/>
+          </p:nvPr>
+        </p:nvSpPr>
+        <p:spPr/>
+        <p:txBody>
+          <a:bodyPr/>
+          <a:lstStyle/>
+          <a:p>
+            <a:fld id="{1BFF8EC0-4E85-4B5B-B1AE-D39CEADE6519}" type="slidenum">
+              <a:rPr lang="en-US" smtClean="0"/>
+              <a:t>16</a:t>
+            </a:fld>
+            <a:endParaRPr lang="en-US"/>
+          </a:p>
+        </p:txBody>
+      </p:sp>
+    </p:spTree>
+    <p:extLst>
+      <p:ext uri="{BB962C8B-B14F-4D97-AF65-F5344CB8AC3E}">
+        <p14:creationId xmlns:p14="http://schemas.microsoft.com/office/powerpoint/2010/main" val="2666653896"/>
+      </p:ext>
+    </p:extLst>
+  </p:cSld>
+  <p:clrMapOvr>
+    <a:masterClrMapping/>
+  </p:clrMapOvr>
+</p:notes>
+</file>
+
+<file path=ppt/notesSlides/notesSlide11.xml><?xml version="1.0" encoding="utf-8"?>
+<p:notes xmlns:a="http://schemas.openxmlformats.org/drawingml/2006/main" xmlns:r="http://schemas.openxmlformats.org/officeDocument/2006/relationships" xmlns:p="http://schemas.openxmlformats.org/presentationml/2006/main">
+  <p:cSld>
+    <p:spTree>
+      <p:nvGrpSpPr>
+        <p:cNvPr id="1" name=""/>
+        <p:cNvGrpSpPr/>
+        <p:nvPr/>
+      </p:nvGrpSpPr>
+      <p:grpSpPr>
+        <a:xfrm>
+          <a:off x="0" y="0"/>
+          <a:ext cx="0" cy="0"/>
+          <a:chOff x="0" y="0"/>
+          <a:chExt cx="0" cy="0"/>
+        </a:xfrm>
+      </p:grpSpPr>
+      <p:sp>
+        <p:nvSpPr>
+          <p:cNvPr id="2" name="Slide Image Placeholder 1"/>
+          <p:cNvSpPr>
+            <a:spLocks noGrp="1" noRot="1" noChangeAspect="1"/>
+          </p:cNvSpPr>
+          <p:nvPr>
+            <p:ph type="sldImg"/>
+          </p:nvPr>
+        </p:nvSpPr>
+        <p:spPr/>
+      </p:sp>
+      <p:sp>
+        <p:nvSpPr>
+          <p:cNvPr id="3" name="Notes Placeholder 2"/>
+          <p:cNvSpPr>
+            <a:spLocks noGrp="1"/>
+          </p:cNvSpPr>
+          <p:nvPr>
+            <p:ph type="body" idx="1"/>
+          </p:nvPr>
+        </p:nvSpPr>
+        <p:spPr/>
+        <p:txBody>
+          <a:bodyPr/>
+          <a:lstStyle/>
+          <a:p>
+            <a:r>
+              <a:rPr lang="en-US" dirty="0"/>
+              <a:t>Now, the reason for this is quite simple.</a:t>
+            </a:r>
+          </a:p>
+          <a:p>
+            <a:r>
+              <a:rPr lang="en-US" dirty="0"/>
+              <a:t>The average record size is about 97 B, but in block storage, all of them are put in 128 B blocks</a:t>
+            </a:r>
+          </a:p>
+        </p:txBody>
+      </p:sp>
+      <p:sp>
+        <p:nvSpPr>
+          <p:cNvPr id="4" name="Slide Number Placeholder 3"/>
+          <p:cNvSpPr>
+            <a:spLocks noGrp="1"/>
+          </p:cNvSpPr>
+          <p:nvPr>
+            <p:ph type="sldNum" sz="quarter" idx="5"/>
+          </p:nvPr>
+        </p:nvSpPr>
+        <p:spPr/>
+        <p:txBody>
+          <a:bodyPr/>
+          <a:lstStyle/>
+          <a:p>
+            <a:fld id="{1BFF8EC0-4E85-4B5B-B1AE-D39CEADE6519}" type="slidenum">
+              <a:rPr lang="en-US" smtClean="0"/>
+              <a:t>17</a:t>
+            </a:fld>
+            <a:endParaRPr lang="en-US"/>
+          </a:p>
+        </p:txBody>
+      </p:sp>
+    </p:spTree>
+    <p:extLst>
+      <p:ext uri="{BB962C8B-B14F-4D97-AF65-F5344CB8AC3E}">
+        <p14:creationId xmlns:p14="http://schemas.microsoft.com/office/powerpoint/2010/main" val="1623061959"/>
+      </p:ext>
+    </p:extLst>
+  </p:cSld>
+  <p:clrMapOvr>
+    <a:masterClrMapping/>
+  </p:clrMapOvr>
+</p:notes>
+</file>
+
+<file path=ppt/notesSlides/notesSlide12.xml><?xml version="1.0" encoding="utf-8"?>
+<p:notes xmlns:a="http://schemas.openxmlformats.org/drawingml/2006/main" xmlns:r="http://schemas.openxmlformats.org/officeDocument/2006/relationships" xmlns:p="http://schemas.openxmlformats.org/presentationml/2006/main">
+  <p:cSld>
+    <p:spTree>
+      <p:nvGrpSpPr>
+        <p:cNvPr id="1" name=""/>
+        <p:cNvGrpSpPr/>
+        <p:nvPr/>
+      </p:nvGrpSpPr>
+      <p:grpSpPr>
+        <a:xfrm>
+          <a:off x="0" y="0"/>
+          <a:ext cx="0" cy="0"/>
+          <a:chOff x="0" y="0"/>
+          <a:chExt cx="0" cy="0"/>
+        </a:xfrm>
+      </p:grpSpPr>
+      <p:sp>
+        <p:nvSpPr>
+          <p:cNvPr id="2" name="Slide Image Placeholder 1"/>
+          <p:cNvSpPr>
+            <a:spLocks noGrp="1" noRot="1" noChangeAspect="1"/>
+          </p:cNvSpPr>
+          <p:nvPr>
+            <p:ph type="sldImg"/>
+          </p:nvPr>
+        </p:nvSpPr>
+        <p:spPr/>
+      </p:sp>
+      <p:sp>
+        <p:nvSpPr>
+          <p:cNvPr id="3" name="Notes Placeholder 2"/>
+          <p:cNvSpPr>
+            <a:spLocks noGrp="1"/>
+          </p:cNvSpPr>
+          <p:nvPr>
+            <p:ph type="body" idx="1"/>
+          </p:nvPr>
+        </p:nvSpPr>
+        <p:spPr/>
+        <p:txBody>
+          <a:bodyPr/>
+          <a:lstStyle/>
+          <a:p>
+            <a:r>
+              <a:rPr lang="en-US" dirty="0"/>
+              <a:t>Now, these are impressive numbers.. but not in the right way.</a:t>
+            </a:r>
+          </a:p>
+          <a:p>
+            <a:r>
+              <a:rPr lang="en-US" dirty="0"/>
+              <a:t>As such, I tried to reduce this by reducing the number of objects.</a:t>
+            </a:r>
+          </a:p>
+          <a:p>
+            <a:r>
+              <a:rPr lang="en-US" dirty="0"/>
+              <a:t>  That is, by increasing the number of records per object.</a:t>
+            </a:r>
+          </a:p>
+          <a:p>
+            <a:r>
+              <a:rPr lang="en-US" dirty="0"/>
+              <a:t>  For this however, we will need to also build a dictionary for each records location in the object</a:t>
+            </a:r>
+          </a:p>
+        </p:txBody>
+      </p:sp>
+      <p:sp>
+        <p:nvSpPr>
+          <p:cNvPr id="4" name="Slide Number Placeholder 3"/>
+          <p:cNvSpPr>
+            <a:spLocks noGrp="1"/>
+          </p:cNvSpPr>
+          <p:nvPr>
+            <p:ph type="sldNum" sz="quarter" idx="5"/>
+          </p:nvPr>
+        </p:nvSpPr>
+        <p:spPr/>
+        <p:txBody>
+          <a:bodyPr/>
+          <a:lstStyle/>
+          <a:p>
+            <a:fld id="{1BFF8EC0-4E85-4B5B-B1AE-D39CEADE6519}" type="slidenum">
+              <a:rPr lang="en-US" smtClean="0"/>
+              <a:t>18</a:t>
+            </a:fld>
+            <a:endParaRPr lang="en-US"/>
+          </a:p>
+        </p:txBody>
+      </p:sp>
+    </p:spTree>
+    <p:extLst>
+      <p:ext uri="{BB962C8B-B14F-4D97-AF65-F5344CB8AC3E}">
+        <p14:creationId xmlns:p14="http://schemas.microsoft.com/office/powerpoint/2010/main" val="2102859309"/>
+      </p:ext>
+    </p:extLst>
+  </p:cSld>
+  <p:clrMapOvr>
+    <a:masterClrMapping/>
+  </p:clrMapOvr>
+</p:notes>
+</file>
+
+<file path=ppt/notesSlides/notesSlide13.xml><?xml version="1.0" encoding="utf-8"?>
+<p:notes xmlns:a="http://schemas.openxmlformats.org/drawingml/2006/main" xmlns:r="http://schemas.openxmlformats.org/officeDocument/2006/relationships" xmlns:p="http://schemas.openxmlformats.org/presentationml/2006/main">
+  <p:cSld>
+    <p:spTree>
+      <p:nvGrpSpPr>
+        <p:cNvPr id="1" name=""/>
+        <p:cNvGrpSpPr/>
+        <p:nvPr/>
+      </p:nvGrpSpPr>
+      <p:grpSpPr>
+        <a:xfrm>
+          <a:off x="0" y="0"/>
+          <a:ext cx="0" cy="0"/>
+          <a:chOff x="0" y="0"/>
+          <a:chExt cx="0" cy="0"/>
+        </a:xfrm>
+      </p:grpSpPr>
+      <p:sp>
+        <p:nvSpPr>
+          <p:cNvPr id="2" name="Slide Image Placeholder 1"/>
+          <p:cNvSpPr>
+            <a:spLocks noGrp="1" noRot="1" noChangeAspect="1"/>
+          </p:cNvSpPr>
+          <p:nvPr>
+            <p:ph type="sldImg"/>
+          </p:nvPr>
+        </p:nvSpPr>
+        <p:spPr/>
+      </p:sp>
+      <p:sp>
+        <p:nvSpPr>
+          <p:cNvPr id="3" name="Notes Placeholder 2"/>
+          <p:cNvSpPr>
+            <a:spLocks noGrp="1"/>
+          </p:cNvSpPr>
+          <p:nvPr>
+            <p:ph type="body" idx="1"/>
+          </p:nvPr>
+        </p:nvSpPr>
+        <p:spPr/>
+        <p:txBody>
+          <a:bodyPr/>
+          <a:lstStyle/>
+          <a:p>
+            <a:r>
+              <a:rPr lang="en-US" dirty="0"/>
+              <a:t>Between 1, 10, and 100, relatively speaking, there does not appear to be a huge difference.</a:t>
+            </a:r>
+          </a:p>
+          <a:p>
+            <a:r>
+              <a:rPr lang="en-US" dirty="0"/>
+              <a:t>One might hope that it’s because it grows logarithmically, but once we get 1000 objects, such hopes are no longer plausible.</a:t>
+            </a:r>
+          </a:p>
+          <a:p>
+            <a:endParaRPr lang="en-US" dirty="0"/>
+          </a:p>
+        </p:txBody>
+      </p:sp>
+      <p:sp>
+        <p:nvSpPr>
+          <p:cNvPr id="4" name="Slide Number Placeholder 3"/>
+          <p:cNvSpPr>
+            <a:spLocks noGrp="1"/>
+          </p:cNvSpPr>
+          <p:nvPr>
+            <p:ph type="sldNum" sz="quarter" idx="5"/>
+          </p:nvPr>
+        </p:nvSpPr>
+        <p:spPr/>
+        <p:txBody>
+          <a:bodyPr/>
+          <a:lstStyle/>
+          <a:p>
+            <a:fld id="{1BFF8EC0-4E85-4B5B-B1AE-D39CEADE6519}" type="slidenum">
+              <a:rPr lang="en-US" smtClean="0"/>
+              <a:t>21</a:t>
+            </a:fld>
+            <a:endParaRPr lang="en-US"/>
+          </a:p>
+        </p:txBody>
+      </p:sp>
+    </p:spTree>
+    <p:extLst>
+      <p:ext uri="{BB962C8B-B14F-4D97-AF65-F5344CB8AC3E}">
+        <p14:creationId xmlns:p14="http://schemas.microsoft.com/office/powerpoint/2010/main" val="3178812513"/>
+      </p:ext>
+    </p:extLst>
+  </p:cSld>
+  <p:clrMapOvr>
+    <a:masterClrMapping/>
+  </p:clrMapOvr>
+</p:notes>
+</file>
+
+<file path=ppt/notesSlides/notesSlide14.xml><?xml version="1.0" encoding="utf-8"?>
+<p:notes xmlns:a="http://schemas.openxmlformats.org/drawingml/2006/main" xmlns:r="http://schemas.openxmlformats.org/officeDocument/2006/relationships" xmlns:p="http://schemas.openxmlformats.org/presentationml/2006/main">
+  <p:cSld>
+    <p:spTree>
+      <p:nvGrpSpPr>
+        <p:cNvPr id="1" name=""/>
+        <p:cNvGrpSpPr/>
+        <p:nvPr/>
+      </p:nvGrpSpPr>
+      <p:grpSpPr>
+        <a:xfrm>
+          <a:off x="0" y="0"/>
+          <a:ext cx="0" cy="0"/>
+          <a:chOff x="0" y="0"/>
+          <a:chExt cx="0" cy="0"/>
+        </a:xfrm>
+      </p:grpSpPr>
+      <p:sp>
+        <p:nvSpPr>
+          <p:cNvPr id="2" name="Slide Image Placeholder 1"/>
+          <p:cNvSpPr>
+            <a:spLocks noGrp="1" noRot="1" noChangeAspect="1"/>
+          </p:cNvSpPr>
+          <p:nvPr>
+            <p:ph type="sldImg"/>
+          </p:nvPr>
+        </p:nvSpPr>
+        <p:spPr/>
+      </p:sp>
+      <p:sp>
+        <p:nvSpPr>
+          <p:cNvPr id="3" name="Notes Placeholder 2"/>
+          <p:cNvSpPr>
+            <a:spLocks noGrp="1"/>
+          </p:cNvSpPr>
+          <p:nvPr>
+            <p:ph type="body" idx="1"/>
+          </p:nvPr>
+        </p:nvSpPr>
+        <p:spPr/>
+        <p:txBody>
+          <a:bodyPr/>
+          <a:lstStyle/>
+          <a:p>
+            <a:r>
+              <a:rPr lang="en-US" dirty="0"/>
+              <a:t>Change Challenges!</a:t>
+            </a:r>
+          </a:p>
+        </p:txBody>
+      </p:sp>
+      <p:sp>
+        <p:nvSpPr>
+          <p:cNvPr id="4" name="Slide Number Placeholder 3"/>
+          <p:cNvSpPr>
+            <a:spLocks noGrp="1"/>
+          </p:cNvSpPr>
+          <p:nvPr>
+            <p:ph type="sldNum" sz="quarter" idx="5"/>
+          </p:nvPr>
+        </p:nvSpPr>
+        <p:spPr/>
+        <p:txBody>
+          <a:bodyPr/>
+          <a:lstStyle/>
+          <a:p>
+            <a:fld id="{1BFF8EC0-4E85-4B5B-B1AE-D39CEADE6519}" type="slidenum">
+              <a:rPr lang="en-US" smtClean="0"/>
+              <a:t>26</a:t>
+            </a:fld>
+            <a:endParaRPr lang="en-US"/>
+          </a:p>
+        </p:txBody>
+      </p:sp>
+    </p:spTree>
+    <p:extLst>
+      <p:ext uri="{BB962C8B-B14F-4D97-AF65-F5344CB8AC3E}">
+        <p14:creationId xmlns:p14="http://schemas.microsoft.com/office/powerpoint/2010/main" val="2087738692"/>
       </p:ext>
     </p:extLst>
   </p:cSld>
@@ -17771,7 +22588,10 @@
           <a:bodyPr/>
           <a:lstStyle/>
           <a:p>
-            <a:endParaRPr lang="en-US" dirty="0"/>
+            <a:r>
+              <a:rPr lang="en-US" dirty="0"/>
+              <a:t>"So, we decided to test it out and check its time performance"</a:t>
+            </a:r>
           </a:p>
         </p:txBody>
       </p:sp>
@@ -17792,7 +22612,7 @@
           <a:p>
             <a:fld id="{1BFF8EC0-4E85-4B5B-B1AE-D39CEADE6519}" type="slidenum">
               <a:rPr lang="en-US" smtClean="0"/>
-              <a:t>20</a:t>
+              <a:t>15</a:t>
             </a:fld>
             <a:endParaRPr lang="en-US"/>
           </a:p>
@@ -17801,7 +22621,7 @@
     </p:spTree>
     <p:extLst>
       <p:ext uri="{BB962C8B-B14F-4D97-AF65-F5344CB8AC3E}">
-        <p14:creationId xmlns:p14="http://schemas.microsoft.com/office/powerpoint/2010/main" val="2087738692"/>
+        <p14:creationId xmlns:p14="http://schemas.microsoft.com/office/powerpoint/2010/main" val="2826651935"/>
       </p:ext>
     </p:extLst>
   </p:cSld>
@@ -17958,7 +22778,7 @@
           <a:p>
             <a:fld id="{65DDBF0C-176C-41A2-A7B0-D55ED202E141}" type="datetimeFigureOut">
               <a:rPr lang="en-US" smtClean="0"/>
-              <a:t>4/26/2023</a:t>
+              <a:t>4/27/2023</a:t>
             </a:fld>
             <a:endParaRPr lang="en-US"/>
           </a:p>
@@ -18156,7 +22976,7 @@
           <a:p>
             <a:fld id="{65DDBF0C-176C-41A2-A7B0-D55ED202E141}" type="datetimeFigureOut">
               <a:rPr lang="en-US" smtClean="0"/>
-              <a:t>4/26/2023</a:t>
+              <a:t>4/27/2023</a:t>
             </a:fld>
             <a:endParaRPr lang="en-US"/>
           </a:p>
@@ -18364,7 +23184,7 @@
           <a:p>
             <a:fld id="{65DDBF0C-176C-41A2-A7B0-D55ED202E141}" type="datetimeFigureOut">
               <a:rPr lang="en-US" smtClean="0"/>
-              <a:t>4/26/2023</a:t>
+              <a:t>4/27/2023</a:t>
             </a:fld>
             <a:endParaRPr lang="en-US"/>
           </a:p>
@@ -18562,7 +23382,7 @@
           <a:p>
             <a:fld id="{65DDBF0C-176C-41A2-A7B0-D55ED202E141}" type="datetimeFigureOut">
               <a:rPr lang="en-US" smtClean="0"/>
-              <a:t>4/26/2023</a:t>
+              <a:t>4/27/2023</a:t>
             </a:fld>
             <a:endParaRPr lang="en-US"/>
           </a:p>
@@ -18837,7 +23657,7 @@
           <a:p>
             <a:fld id="{65DDBF0C-176C-41A2-A7B0-D55ED202E141}" type="datetimeFigureOut">
               <a:rPr lang="en-US" smtClean="0"/>
-              <a:t>4/26/2023</a:t>
+              <a:t>4/27/2023</a:t>
             </a:fld>
             <a:endParaRPr lang="en-US"/>
           </a:p>
@@ -19102,7 +23922,7 @@
           <a:p>
             <a:fld id="{65DDBF0C-176C-41A2-A7B0-D55ED202E141}" type="datetimeFigureOut">
               <a:rPr lang="en-US" smtClean="0"/>
-              <a:t>4/26/2023</a:t>
+              <a:t>4/27/2023</a:t>
             </a:fld>
             <a:endParaRPr lang="en-US"/>
           </a:p>
@@ -19514,7 +24334,7 @@
           <a:p>
             <a:fld id="{65DDBF0C-176C-41A2-A7B0-D55ED202E141}" type="datetimeFigureOut">
               <a:rPr lang="en-US" smtClean="0"/>
-              <a:t>4/26/2023</a:t>
+              <a:t>4/27/2023</a:t>
             </a:fld>
             <a:endParaRPr lang="en-US"/>
           </a:p>
@@ -19655,7 +24475,7 @@
           <a:p>
             <a:fld id="{65DDBF0C-176C-41A2-A7B0-D55ED202E141}" type="datetimeFigureOut">
               <a:rPr lang="en-US" smtClean="0"/>
-              <a:t>4/26/2023</a:t>
+              <a:t>4/27/2023</a:t>
             </a:fld>
             <a:endParaRPr lang="en-US"/>
           </a:p>
@@ -19768,7 +24588,7 @@
           <a:p>
             <a:fld id="{65DDBF0C-176C-41A2-A7B0-D55ED202E141}" type="datetimeFigureOut">
               <a:rPr lang="en-US" smtClean="0"/>
-              <a:t>4/26/2023</a:t>
+              <a:t>4/27/2023</a:t>
             </a:fld>
             <a:endParaRPr lang="en-US"/>
           </a:p>
@@ -20079,7 +24899,7 @@
           <a:p>
             <a:fld id="{65DDBF0C-176C-41A2-A7B0-D55ED202E141}" type="datetimeFigureOut">
               <a:rPr lang="en-US" smtClean="0"/>
-              <a:t>4/26/2023</a:t>
+              <a:t>4/27/2023</a:t>
             </a:fld>
             <a:endParaRPr lang="en-US"/>
           </a:p>
@@ -20367,7 +25187,7 @@
           <a:p>
             <a:fld id="{65DDBF0C-176C-41A2-A7B0-D55ED202E141}" type="datetimeFigureOut">
               <a:rPr lang="en-US" smtClean="0"/>
-              <a:t>4/26/2023</a:t>
+              <a:t>4/27/2023</a:t>
             </a:fld>
             <a:endParaRPr lang="en-US"/>
           </a:p>
@@ -20608,7 +25428,7 @@
           <a:p>
             <a:fld id="{65DDBF0C-176C-41A2-A7B0-D55ED202E141}" type="datetimeFigureOut">
               <a:rPr lang="en-US" smtClean="0"/>
-              <a:t>4/26/2023</a:t>
+              <a:t>4/27/2023</a:t>
             </a:fld>
             <a:endParaRPr lang="en-US"/>
           </a:p>
@@ -21833,14 +26653,14 @@
           <p:nvPr>
             <p:extLst>
               <p:ext uri="{D42A27DB-BD31-4B8C-83A1-F6EECF244321}">
-                <p14:modId xmlns:p14="http://schemas.microsoft.com/office/powerpoint/2010/main" val="3107733128"/>
+                <p14:modId xmlns:p14="http://schemas.microsoft.com/office/powerpoint/2010/main" val="1038474153"/>
               </p:ext>
             </p:extLst>
           </p:nvPr>
         </p:nvGraphicFramePr>
         <p:xfrm>
-          <a:off x="2434442" y="1287624"/>
-          <a:ext cx="7315200" cy="4048767"/>
+          <a:off x="2435289" y="1371600"/>
+          <a:ext cx="7315200" cy="4114800"/>
         </p:xfrm>
         <a:graphic>
           <a:graphicData uri="http://schemas.openxmlformats.org/drawingml/2006/chart">
@@ -22564,14 +27384,14 @@
           <p:nvPr>
             <p:extLst>
               <p:ext uri="{D42A27DB-BD31-4B8C-83A1-F6EECF244321}">
-                <p14:modId xmlns:p14="http://schemas.microsoft.com/office/powerpoint/2010/main" val="2960574599"/>
+                <p14:modId xmlns:p14="http://schemas.microsoft.com/office/powerpoint/2010/main" val="3433334205"/>
               </p:ext>
             </p:extLst>
           </p:nvPr>
         </p:nvGraphicFramePr>
         <p:xfrm>
-          <a:off x="2435289" y="1404614"/>
-          <a:ext cx="7315199" cy="4037740"/>
+          <a:off x="2435289" y="1371600"/>
+          <a:ext cx="7315199" cy="4114800"/>
         </p:xfrm>
         <a:graphic>
           <a:graphicData uri="http://schemas.openxmlformats.org/drawingml/2006/chart">
@@ -22744,14 +27564,14 @@
           <p:nvPr>
             <p:extLst>
               <p:ext uri="{D42A27DB-BD31-4B8C-83A1-F6EECF244321}">
-                <p14:modId xmlns:p14="http://schemas.microsoft.com/office/powerpoint/2010/main" val="3393563807"/>
+                <p14:modId xmlns:p14="http://schemas.microsoft.com/office/powerpoint/2010/main" val="4184364543"/>
               </p:ext>
             </p:extLst>
           </p:nvPr>
         </p:nvGraphicFramePr>
         <p:xfrm>
-          <a:off x="2422567" y="1365664"/>
-          <a:ext cx="7327076" cy="3959697"/>
+          <a:off x="2435289" y="1366084"/>
+          <a:ext cx="7315200" cy="4114800"/>
         </p:xfrm>
         <a:graphic>
           <a:graphicData uri="http://schemas.openxmlformats.org/drawingml/2006/chart">
@@ -22979,7 +27799,7 @@
           <a:p>
             <a:r>
               <a:rPr lang="en-US" dirty="0"/>
-              <a:t>AWSCLI Setup</a:t>
+              <a:t>AWS S3: Cloud Storage Service</a:t>
             </a:r>
           </a:p>
         </p:txBody>
@@ -23002,43 +27822,57 @@
         </p:nvSpPr>
         <p:spPr/>
         <p:txBody>
-          <a:bodyPr/>
+          <a:bodyPr>
+            <a:normAutofit/>
+          </a:bodyPr>
           <a:lstStyle/>
+          <a:p>
+            <a:r>
+              <a:rPr lang="en-US" dirty="0"/>
+              <a:t>Scalable</a:t>
+            </a:r>
+          </a:p>
+          <a:p>
+            <a:r>
+              <a:rPr lang="en-US" dirty="0"/>
+              <a:t>Highly available</a:t>
+            </a:r>
+          </a:p>
+          <a:p>
+            <a:r>
+              <a:rPr lang="en-US" dirty="0"/>
+              <a:t>Durability: 99.999999999%</a:t>
+            </a:r>
+          </a:p>
+          <a:p>
+            <a:r>
+              <a:rPr lang="en-US" dirty="0"/>
+              <a:t>Stores and retrieves any type of data via internet</a:t>
+            </a:r>
+          </a:p>
+          <a:p>
+            <a:r>
+              <a:rPr lang="en-US" dirty="0"/>
+              <a:t>Virtually limitless storage</a:t>
+            </a:r>
+          </a:p>
           <a:p>
             <a:endParaRPr lang="en-US" dirty="0"/>
           </a:p>
+          <a:p>
+            <a:r>
+              <a:rPr lang="en-US" dirty="0"/>
+              <a:t>Most widely used cloud storage service</a:t>
+            </a:r>
+          </a:p>
+          <a:p>
+            <a:r>
+              <a:rPr lang="en-US" dirty="0"/>
+              <a:t>Used by millions of businesses and organizations worldwide</a:t>
+            </a:r>
+          </a:p>
         </p:txBody>
       </p:sp>
-      <p:pic>
-        <p:nvPicPr>
-          <p:cNvPr id="9" name="Picture 8">
-            <a:extLst>
-              <a:ext uri="{FF2B5EF4-FFF2-40B4-BE49-F238E27FC236}">
-                <a16:creationId xmlns:a16="http://schemas.microsoft.com/office/drawing/2014/main" id="{286E93B9-9B94-6D60-44DB-395E85EB8493}"/>
-              </a:ext>
-            </a:extLst>
-          </p:cNvPr>
-          <p:cNvPicPr>
-            <a:picLocks noChangeAspect="1"/>
-          </p:cNvPicPr>
-          <p:nvPr/>
-        </p:nvPicPr>
-        <p:blipFill>
-          <a:blip r:embed="rId2"/>
-          <a:stretch>
-            <a:fillRect/>
-          </a:stretch>
-        </p:blipFill>
-        <p:spPr>
-          <a:xfrm>
-            <a:off x="1618859" y="2282881"/>
-            <a:ext cx="5601482" cy="1267002"/>
-          </a:xfrm>
-          <a:prstGeom prst="rect">
-            <a:avLst/>
-          </a:prstGeom>
-        </p:spPr>
-      </p:pic>
       <p:cxnSp>
         <p:nvCxnSpPr>
           <p:cNvPr id="4" name="Straight Connector 3">
@@ -23129,6 +27963,3424 @@
             <p:ph type="title"/>
           </p:nvPr>
         </p:nvSpPr>
+        <p:spPr/>
+        <p:txBody>
+          <a:bodyPr/>
+          <a:lstStyle/>
+          <a:p>
+            <a:r>
+              <a:rPr lang="en-US" dirty="0"/>
+              <a:t>AWS CLI</a:t>
+            </a:r>
+          </a:p>
+        </p:txBody>
+      </p:sp>
+      <p:sp>
+        <p:nvSpPr>
+          <p:cNvPr id="3" name="Content Placeholder 2">
+            <a:extLst>
+              <a:ext uri="{FF2B5EF4-FFF2-40B4-BE49-F238E27FC236}">
+                <a16:creationId xmlns:a16="http://schemas.microsoft.com/office/drawing/2014/main" id="{EFDF7721-9FC4-B9A3-3579-DD29F92D6DD0}"/>
+              </a:ext>
+            </a:extLst>
+          </p:cNvPr>
+          <p:cNvSpPr>
+            <a:spLocks noGrp="1"/>
+          </p:cNvSpPr>
+          <p:nvPr>
+            <p:ph idx="1"/>
+          </p:nvPr>
+        </p:nvSpPr>
+        <p:spPr/>
+        <p:txBody>
+          <a:bodyPr/>
+          <a:lstStyle/>
+          <a:p>
+            <a:r>
+              <a:rPr lang="en-US" dirty="0"/>
+              <a:t>Tool. Helps users interact with AWS services from the command line</a:t>
+            </a:r>
+          </a:p>
+          <a:p>
+            <a:pPr lvl="1"/>
+            <a:r>
+              <a:rPr lang="en-US" dirty="0"/>
+              <a:t>e.g., create, update, delete, and controlling access</a:t>
+            </a:r>
+          </a:p>
+          <a:p>
+            <a:r>
+              <a:rPr lang="en-US" dirty="0"/>
+              <a:t>Supports multiple OS</a:t>
+            </a:r>
+          </a:p>
+          <a:p>
+            <a:pPr lvl="1"/>
+            <a:r>
+              <a:rPr lang="en-US" dirty="0"/>
+              <a:t>e.g., Windows, Mac, Linux</a:t>
+            </a:r>
+          </a:p>
+          <a:p>
+            <a:r>
+              <a:rPr lang="en-US" dirty="0"/>
+              <a:t>For developers and administrators to automate tasks</a:t>
+            </a:r>
+          </a:p>
+        </p:txBody>
+      </p:sp>
+      <p:pic>
+        <p:nvPicPr>
+          <p:cNvPr id="9" name="Picture 8">
+            <a:extLst>
+              <a:ext uri="{FF2B5EF4-FFF2-40B4-BE49-F238E27FC236}">
+                <a16:creationId xmlns:a16="http://schemas.microsoft.com/office/drawing/2014/main" id="{286E93B9-9B94-6D60-44DB-395E85EB8493}"/>
+              </a:ext>
+            </a:extLst>
+          </p:cNvPr>
+          <p:cNvPicPr>
+            <a:picLocks noChangeAspect="1"/>
+          </p:cNvPicPr>
+          <p:nvPr/>
+        </p:nvPicPr>
+        <p:blipFill>
+          <a:blip r:embed="rId3"/>
+          <a:stretch>
+            <a:fillRect/>
+          </a:stretch>
+        </p:blipFill>
+        <p:spPr>
+          <a:xfrm>
+            <a:off x="2438399" y="4522334"/>
+            <a:ext cx="7315200" cy="1654629"/>
+          </a:xfrm>
+          <a:prstGeom prst="rect">
+            <a:avLst/>
+          </a:prstGeom>
+        </p:spPr>
+      </p:pic>
+      <p:cxnSp>
+        <p:nvCxnSpPr>
+          <p:cNvPr id="4" name="Straight Connector 3">
+            <a:extLst>
+              <a:ext uri="{FF2B5EF4-FFF2-40B4-BE49-F238E27FC236}">
+                <a16:creationId xmlns:a16="http://schemas.microsoft.com/office/drawing/2014/main" id="{A477010C-646F-2AB7-997A-09139AC13A6B}"/>
+              </a:ext>
+            </a:extLst>
+          </p:cNvPr>
+          <p:cNvCxnSpPr/>
+          <p:nvPr/>
+        </p:nvCxnSpPr>
+        <p:spPr>
+          <a:xfrm>
+            <a:off x="618930" y="1418253"/>
+            <a:ext cx="10954139" cy="0"/>
+          </a:xfrm>
+          <a:prstGeom prst="line">
+            <a:avLst/>
+          </a:prstGeom>
+          <a:ln w="19050">
+            <a:solidFill>
+              <a:schemeClr val="bg1">
+                <a:lumMod val="50000"/>
+              </a:schemeClr>
+            </a:solidFill>
+            <a:prstDash val="sysDash"/>
+          </a:ln>
+        </p:spPr>
+        <p:style>
+          <a:lnRef idx="1">
+            <a:schemeClr val="accent1"/>
+          </a:lnRef>
+          <a:fillRef idx="0">
+            <a:schemeClr val="accent1"/>
+          </a:fillRef>
+          <a:effectRef idx="0">
+            <a:schemeClr val="accent1"/>
+          </a:effectRef>
+          <a:fontRef idx="minor">
+            <a:schemeClr val="tx1"/>
+          </a:fontRef>
+        </p:style>
+      </p:cxnSp>
+    </p:spTree>
+    <p:extLst>
+      <p:ext uri="{BB962C8B-B14F-4D97-AF65-F5344CB8AC3E}">
+        <p14:creationId xmlns:p14="http://schemas.microsoft.com/office/powerpoint/2010/main" val="2024118539"/>
+      </p:ext>
+    </p:extLst>
+  </p:cSld>
+  <p:clrMapOvr>
+    <a:masterClrMapping/>
+  </p:clrMapOvr>
+</p:sld>
+</file>
+
+<file path=ppt/slides/slide17.xml><?xml version="1.0" encoding="utf-8"?>
+<p:sld xmlns:a="http://schemas.openxmlformats.org/drawingml/2006/main" xmlns:r="http://schemas.openxmlformats.org/officeDocument/2006/relationships" xmlns:p="http://schemas.openxmlformats.org/presentationml/2006/main">
+  <p:cSld>
+    <p:spTree>
+      <p:nvGrpSpPr>
+        <p:cNvPr id="1" name=""/>
+        <p:cNvGrpSpPr/>
+        <p:nvPr/>
+      </p:nvGrpSpPr>
+      <p:grpSpPr>
+        <a:xfrm>
+          <a:off x="0" y="0"/>
+          <a:ext cx="0" cy="0"/>
+          <a:chOff x="0" y="0"/>
+          <a:chExt cx="0" cy="0"/>
+        </a:xfrm>
+      </p:grpSpPr>
+      <p:sp>
+        <p:nvSpPr>
+          <p:cNvPr id="2" name="Title 1">
+            <a:extLst>
+              <a:ext uri="{FF2B5EF4-FFF2-40B4-BE49-F238E27FC236}">
+                <a16:creationId xmlns:a16="http://schemas.microsoft.com/office/drawing/2014/main" id="{D0B87F8E-5D83-4513-9285-8A122C4A62CB}"/>
+              </a:ext>
+            </a:extLst>
+          </p:cNvPr>
+          <p:cNvSpPr>
+            <a:spLocks noGrp="1"/>
+          </p:cNvSpPr>
+          <p:nvPr>
+            <p:ph type="title"/>
+          </p:nvPr>
+        </p:nvSpPr>
+        <p:spPr>
+          <a:xfrm>
+            <a:off x="838200" y="308428"/>
+            <a:ext cx="10515600" cy="745218"/>
+          </a:xfrm>
+        </p:spPr>
+        <p:txBody>
+          <a:bodyPr/>
+          <a:lstStyle/>
+          <a:p>
+            <a:r>
+              <a:rPr lang="en-US" dirty="0"/>
+              <a:t>Comparison of Space Used</a:t>
+            </a:r>
+          </a:p>
+        </p:txBody>
+      </p:sp>
+      <p:cxnSp>
+        <p:nvCxnSpPr>
+          <p:cNvPr id="5" name="Straight Connector 4">
+            <a:extLst>
+              <a:ext uri="{FF2B5EF4-FFF2-40B4-BE49-F238E27FC236}">
+                <a16:creationId xmlns:a16="http://schemas.microsoft.com/office/drawing/2014/main" id="{86EF85BD-B585-F4FA-AB4B-371C19D22622}"/>
+              </a:ext>
+            </a:extLst>
+          </p:cNvPr>
+          <p:cNvCxnSpPr/>
+          <p:nvPr/>
+        </p:nvCxnSpPr>
+        <p:spPr>
+          <a:xfrm>
+            <a:off x="615820" y="1287624"/>
+            <a:ext cx="10954139" cy="0"/>
+          </a:xfrm>
+          <a:prstGeom prst="line">
+            <a:avLst/>
+          </a:prstGeom>
+          <a:ln w="19050">
+            <a:solidFill>
+              <a:schemeClr val="bg1">
+                <a:lumMod val="50000"/>
+              </a:schemeClr>
+            </a:solidFill>
+            <a:prstDash val="sysDash"/>
+          </a:ln>
+        </p:spPr>
+        <p:style>
+          <a:lnRef idx="1">
+            <a:schemeClr val="accent1"/>
+          </a:lnRef>
+          <a:fillRef idx="0">
+            <a:schemeClr val="accent1"/>
+          </a:fillRef>
+          <a:effectRef idx="0">
+            <a:schemeClr val="accent1"/>
+          </a:effectRef>
+          <a:fontRef idx="minor">
+            <a:schemeClr val="tx1"/>
+          </a:fontRef>
+        </p:style>
+      </p:cxnSp>
+      <p:sp>
+        <p:nvSpPr>
+          <p:cNvPr id="15" name="Content Placeholder 14">
+            <a:extLst>
+              <a:ext uri="{FF2B5EF4-FFF2-40B4-BE49-F238E27FC236}">
+                <a16:creationId xmlns:a16="http://schemas.microsoft.com/office/drawing/2014/main" id="{0C2D031E-6AD0-4317-15E8-C26721C2571C}"/>
+              </a:ext>
+            </a:extLst>
+          </p:cNvPr>
+          <p:cNvSpPr>
+            <a:spLocks noGrp="1"/>
+          </p:cNvSpPr>
+          <p:nvPr>
+            <p:ph idx="1"/>
+          </p:nvPr>
+        </p:nvSpPr>
+        <p:spPr>
+          <a:xfrm>
+            <a:off x="838199" y="2282825"/>
+            <a:ext cx="3096491" cy="2912629"/>
+          </a:xfrm>
+        </p:spPr>
+        <p:txBody>
+          <a:bodyPr/>
+          <a:lstStyle/>
+          <a:p>
+            <a:r>
+              <a:rPr lang="en-US" dirty="0"/>
+              <a:t>S3 uses </a:t>
+            </a:r>
+            <a:r>
+              <a:rPr lang="en-US" b="1" dirty="0"/>
+              <a:t>76% </a:t>
+            </a:r>
+            <a:r>
+              <a:rPr lang="en-US" dirty="0"/>
+              <a:t>compared to EBS</a:t>
+            </a:r>
+          </a:p>
+          <a:p>
+            <a:endParaRPr lang="en-US" dirty="0"/>
+          </a:p>
+        </p:txBody>
+      </p:sp>
+      <p:graphicFrame>
+        <p:nvGraphicFramePr>
+          <p:cNvPr id="16" name="Chart 15">
+            <a:extLst>
+              <a:ext uri="{FF2B5EF4-FFF2-40B4-BE49-F238E27FC236}">
+                <a16:creationId xmlns:a16="http://schemas.microsoft.com/office/drawing/2014/main" id="{4DBDFA87-5394-8146-25C6-5554FFD2C0D4}"/>
+              </a:ext>
+            </a:extLst>
+          </p:cNvPr>
+          <p:cNvGraphicFramePr>
+            <a:graphicFrameLocks/>
+          </p:cNvGraphicFramePr>
+          <p:nvPr>
+            <p:extLst>
+              <p:ext uri="{D42A27DB-BD31-4B8C-83A1-F6EECF244321}">
+                <p14:modId xmlns:p14="http://schemas.microsoft.com/office/powerpoint/2010/main" val="4041402804"/>
+              </p:ext>
+            </p:extLst>
+          </p:nvPr>
+        </p:nvGraphicFramePr>
+        <p:xfrm>
+          <a:off x="4254759" y="1681739"/>
+          <a:ext cx="7315200" cy="4114800"/>
+        </p:xfrm>
+        <a:graphic>
+          <a:graphicData uri="http://schemas.openxmlformats.org/drawingml/2006/chart">
+            <c:chart xmlns:c="http://schemas.openxmlformats.org/drawingml/2006/chart" xmlns:r="http://schemas.openxmlformats.org/officeDocument/2006/relationships" r:id="rId3"/>
+          </a:graphicData>
+        </a:graphic>
+      </p:graphicFrame>
+      <p:graphicFrame>
+        <p:nvGraphicFramePr>
+          <p:cNvPr id="17" name="Table 16">
+            <a:extLst>
+              <a:ext uri="{FF2B5EF4-FFF2-40B4-BE49-F238E27FC236}">
+                <a16:creationId xmlns:a16="http://schemas.microsoft.com/office/drawing/2014/main" id="{4B61E5AC-2A6B-7A46-54BE-CBBB48DA6E2F}"/>
+              </a:ext>
+            </a:extLst>
+          </p:cNvPr>
+          <p:cNvGraphicFramePr>
+            <a:graphicFrameLocks noGrp="1"/>
+          </p:cNvGraphicFramePr>
+          <p:nvPr>
+            <p:extLst>
+              <p:ext uri="{D42A27DB-BD31-4B8C-83A1-F6EECF244321}">
+                <p14:modId xmlns:p14="http://schemas.microsoft.com/office/powerpoint/2010/main" val="1016287926"/>
+              </p:ext>
+            </p:extLst>
+          </p:nvPr>
+        </p:nvGraphicFramePr>
+        <p:xfrm>
+          <a:off x="1278081" y="3739139"/>
+          <a:ext cx="2216726" cy="1244600"/>
+        </p:xfrm>
+        <a:graphic>
+          <a:graphicData uri="http://schemas.openxmlformats.org/drawingml/2006/table">
+            <a:tbl>
+              <a:tblPr>
+                <a:tableStyleId>{5C22544A-7EE6-4342-B048-85BDC9FD1C3A}</a:tableStyleId>
+              </a:tblPr>
+              <a:tblGrid>
+                <a:gridCol w="572218">
+                  <a:extLst>
+                    <a:ext uri="{9D8B030D-6E8A-4147-A177-3AD203B41FA5}">
+                      <a16:colId xmlns:a16="http://schemas.microsoft.com/office/drawing/2014/main" val="403853701"/>
+                    </a:ext>
+                  </a:extLst>
+                </a:gridCol>
+                <a:gridCol w="1644508">
+                  <a:extLst>
+                    <a:ext uri="{9D8B030D-6E8A-4147-A177-3AD203B41FA5}">
+                      <a16:colId xmlns:a16="http://schemas.microsoft.com/office/drawing/2014/main" val="3066528162"/>
+                    </a:ext>
+                  </a:extLst>
+                </a:gridCol>
+              </a:tblGrid>
+              <a:tr h="184150">
+                <a:tc>
+                  <a:txBody>
+                    <a:bodyPr/>
+                    <a:lstStyle/>
+                    <a:p>
+                      <a:pPr algn="l" fontAlgn="b"/>
+                      <a:endParaRPr lang="en-US" sz="2000" b="0" i="0" u="none" strike="noStrike" dirty="0">
+                        <a:solidFill>
+                          <a:srgbClr val="000000"/>
+                        </a:solidFill>
+                        <a:effectLst/>
+                        <a:latin typeface="Calibri" panose="020F0502020204030204" pitchFamily="34" charset="0"/>
+                      </a:endParaRPr>
+                    </a:p>
+                  </a:txBody>
+                  <a:tcPr marL="6350" marR="6350" marT="6350" marB="0" anchor="b"/>
+                </a:tc>
+                <a:tc>
+                  <a:txBody>
+                    <a:bodyPr/>
+                    <a:lstStyle/>
+                    <a:p>
+                      <a:pPr algn="l" fontAlgn="b"/>
+                      <a:r>
+                        <a:rPr lang="en-US" sz="2000" u="none" strike="noStrike" dirty="0">
+                          <a:effectLst/>
+                        </a:rPr>
+                        <a:t>Record Size (B)</a:t>
+                      </a:r>
+                      <a:endParaRPr lang="en-US" sz="2000" b="0" i="0" u="none" strike="noStrike" dirty="0">
+                        <a:solidFill>
+                          <a:srgbClr val="000000"/>
+                        </a:solidFill>
+                        <a:effectLst/>
+                        <a:latin typeface="Calibri" panose="020F0502020204030204" pitchFamily="34" charset="0"/>
+                      </a:endParaRPr>
+                    </a:p>
+                  </a:txBody>
+                  <a:tcPr marL="6350" marR="6350" marT="6350" marB="0" anchor="b"/>
+                </a:tc>
+                <a:extLst>
+                  <a:ext uri="{0D108BD9-81ED-4DB2-BD59-A6C34878D82A}">
+                    <a16:rowId xmlns:a16="http://schemas.microsoft.com/office/drawing/2014/main" val="341069493"/>
+                  </a:ext>
+                </a:extLst>
+              </a:tr>
+              <a:tr h="184150">
+                <a:tc>
+                  <a:txBody>
+                    <a:bodyPr/>
+                    <a:lstStyle/>
+                    <a:p>
+                      <a:pPr algn="l" fontAlgn="b"/>
+                      <a:r>
+                        <a:rPr lang="en-US" sz="2000" u="none" strike="noStrike">
+                          <a:effectLst/>
+                        </a:rPr>
+                        <a:t>Min</a:t>
+                      </a:r>
+                      <a:endParaRPr lang="en-US" sz="2000" b="0" i="0" u="none" strike="noStrike">
+                        <a:solidFill>
+                          <a:srgbClr val="000000"/>
+                        </a:solidFill>
+                        <a:effectLst/>
+                        <a:latin typeface="Calibri" panose="020F0502020204030204" pitchFamily="34" charset="0"/>
+                      </a:endParaRPr>
+                    </a:p>
+                  </a:txBody>
+                  <a:tcPr marL="6350" marR="6350" marT="6350" marB="0" anchor="b"/>
+                </a:tc>
+                <a:tc>
+                  <a:txBody>
+                    <a:bodyPr/>
+                    <a:lstStyle/>
+                    <a:p>
+                      <a:pPr algn="l" fontAlgn="b"/>
+                      <a:r>
+                        <a:rPr lang="en-US" sz="2000" u="none" strike="noStrike" dirty="0">
+                          <a:effectLst/>
+                        </a:rPr>
+                        <a:t>75</a:t>
+                      </a:r>
+                      <a:endParaRPr lang="en-US" sz="2000" b="0" i="0" u="none" strike="noStrike" dirty="0">
+                        <a:solidFill>
+                          <a:srgbClr val="000000"/>
+                        </a:solidFill>
+                        <a:effectLst/>
+                        <a:latin typeface="Calibri" panose="020F0502020204030204" pitchFamily="34" charset="0"/>
+                      </a:endParaRPr>
+                    </a:p>
+                  </a:txBody>
+                  <a:tcPr marL="6350" marR="6350" marT="6350" marB="0" anchor="b"/>
+                </a:tc>
+                <a:extLst>
+                  <a:ext uri="{0D108BD9-81ED-4DB2-BD59-A6C34878D82A}">
+                    <a16:rowId xmlns:a16="http://schemas.microsoft.com/office/drawing/2014/main" val="1955960176"/>
+                  </a:ext>
+                </a:extLst>
+              </a:tr>
+              <a:tr h="184150">
+                <a:tc>
+                  <a:txBody>
+                    <a:bodyPr/>
+                    <a:lstStyle/>
+                    <a:p>
+                      <a:pPr algn="l" fontAlgn="b"/>
+                      <a:r>
+                        <a:rPr lang="en-US" sz="2000" u="none" strike="noStrike">
+                          <a:effectLst/>
+                        </a:rPr>
+                        <a:t>Avg</a:t>
+                      </a:r>
+                      <a:endParaRPr lang="en-US" sz="2000" b="0" i="0" u="none" strike="noStrike">
+                        <a:solidFill>
+                          <a:srgbClr val="000000"/>
+                        </a:solidFill>
+                        <a:effectLst/>
+                        <a:latin typeface="Calibri" panose="020F0502020204030204" pitchFamily="34" charset="0"/>
+                      </a:endParaRPr>
+                    </a:p>
+                  </a:txBody>
+                  <a:tcPr marL="6350" marR="6350" marT="6350" marB="0" anchor="b"/>
+                </a:tc>
+                <a:tc>
+                  <a:txBody>
+                    <a:bodyPr/>
+                    <a:lstStyle/>
+                    <a:p>
+                      <a:pPr algn="l" fontAlgn="b"/>
+                      <a:r>
+                        <a:rPr lang="en-US" sz="2000" u="none" strike="noStrike">
+                          <a:effectLst/>
+                        </a:rPr>
+                        <a:t>97.417</a:t>
+                      </a:r>
+                      <a:endParaRPr lang="en-US" sz="2000" b="0" i="0" u="none" strike="noStrike">
+                        <a:solidFill>
+                          <a:srgbClr val="000000"/>
+                        </a:solidFill>
+                        <a:effectLst/>
+                        <a:latin typeface="Calibri" panose="020F0502020204030204" pitchFamily="34" charset="0"/>
+                      </a:endParaRPr>
+                    </a:p>
+                  </a:txBody>
+                  <a:tcPr marL="6350" marR="6350" marT="6350" marB="0" anchor="b"/>
+                </a:tc>
+                <a:extLst>
+                  <a:ext uri="{0D108BD9-81ED-4DB2-BD59-A6C34878D82A}">
+                    <a16:rowId xmlns:a16="http://schemas.microsoft.com/office/drawing/2014/main" val="2867207995"/>
+                  </a:ext>
+                </a:extLst>
+              </a:tr>
+              <a:tr h="184150">
+                <a:tc>
+                  <a:txBody>
+                    <a:bodyPr/>
+                    <a:lstStyle/>
+                    <a:p>
+                      <a:pPr algn="l" fontAlgn="b"/>
+                      <a:r>
+                        <a:rPr lang="en-US" sz="2000" u="none" strike="noStrike">
+                          <a:effectLst/>
+                        </a:rPr>
+                        <a:t>Max</a:t>
+                      </a:r>
+                      <a:endParaRPr lang="en-US" sz="2000" b="0" i="0" u="none" strike="noStrike">
+                        <a:solidFill>
+                          <a:srgbClr val="000000"/>
+                        </a:solidFill>
+                        <a:effectLst/>
+                        <a:latin typeface="Calibri" panose="020F0502020204030204" pitchFamily="34" charset="0"/>
+                      </a:endParaRPr>
+                    </a:p>
+                  </a:txBody>
+                  <a:tcPr marL="6350" marR="6350" marT="6350" marB="0" anchor="b"/>
+                </a:tc>
+                <a:tc>
+                  <a:txBody>
+                    <a:bodyPr/>
+                    <a:lstStyle/>
+                    <a:p>
+                      <a:pPr algn="l" fontAlgn="b"/>
+                      <a:r>
+                        <a:rPr lang="en-US" sz="2000" u="none" strike="noStrike" dirty="0">
+                          <a:effectLst/>
+                        </a:rPr>
+                        <a:t>128</a:t>
+                      </a:r>
+                      <a:endParaRPr lang="en-US" sz="2000" b="0" i="0" u="none" strike="noStrike" dirty="0">
+                        <a:solidFill>
+                          <a:srgbClr val="000000"/>
+                        </a:solidFill>
+                        <a:effectLst/>
+                        <a:latin typeface="Calibri" panose="020F0502020204030204" pitchFamily="34" charset="0"/>
+                      </a:endParaRPr>
+                    </a:p>
+                  </a:txBody>
+                  <a:tcPr marL="6350" marR="6350" marT="6350" marB="0" anchor="b"/>
+                </a:tc>
+                <a:extLst>
+                  <a:ext uri="{0D108BD9-81ED-4DB2-BD59-A6C34878D82A}">
+                    <a16:rowId xmlns:a16="http://schemas.microsoft.com/office/drawing/2014/main" val="2228351735"/>
+                  </a:ext>
+                </a:extLst>
+              </a:tr>
+            </a:tbl>
+          </a:graphicData>
+        </a:graphic>
+      </p:graphicFrame>
+    </p:spTree>
+    <p:extLst>
+      <p:ext uri="{BB962C8B-B14F-4D97-AF65-F5344CB8AC3E}">
+        <p14:creationId xmlns:p14="http://schemas.microsoft.com/office/powerpoint/2010/main" val="192488464"/>
+      </p:ext>
+    </p:extLst>
+  </p:cSld>
+  <p:clrMapOvr>
+    <a:masterClrMapping/>
+  </p:clrMapOvr>
+</p:sld>
+</file>
+
+<file path=ppt/slides/slide18.xml><?xml version="1.0" encoding="utf-8"?>
+<p:sld xmlns:a="http://schemas.openxmlformats.org/drawingml/2006/main" xmlns:r="http://schemas.openxmlformats.org/officeDocument/2006/relationships" xmlns:p="http://schemas.openxmlformats.org/presentationml/2006/main">
+  <p:cSld>
+    <p:spTree>
+      <p:nvGrpSpPr>
+        <p:cNvPr id="1" name=""/>
+        <p:cNvGrpSpPr/>
+        <p:nvPr/>
+      </p:nvGrpSpPr>
+      <p:grpSpPr>
+        <a:xfrm>
+          <a:off x="0" y="0"/>
+          <a:ext cx="0" cy="0"/>
+          <a:chOff x="0" y="0"/>
+          <a:chExt cx="0" cy="0"/>
+        </a:xfrm>
+      </p:grpSpPr>
+      <p:sp>
+        <p:nvSpPr>
+          <p:cNvPr id="2" name="Title 1">
+            <a:extLst>
+              <a:ext uri="{FF2B5EF4-FFF2-40B4-BE49-F238E27FC236}">
+                <a16:creationId xmlns:a16="http://schemas.microsoft.com/office/drawing/2014/main" id="{D0B87F8E-5D83-4513-9285-8A122C4A62CB}"/>
+              </a:ext>
+            </a:extLst>
+          </p:cNvPr>
+          <p:cNvSpPr>
+            <a:spLocks noGrp="1"/>
+          </p:cNvSpPr>
+          <p:nvPr>
+            <p:ph type="title"/>
+          </p:nvPr>
+        </p:nvSpPr>
+        <p:spPr>
+          <a:xfrm>
+            <a:off x="838200" y="308428"/>
+            <a:ext cx="10515600" cy="745218"/>
+          </a:xfrm>
+        </p:spPr>
+        <p:txBody>
+          <a:bodyPr/>
+          <a:lstStyle/>
+          <a:p>
+            <a:r>
+              <a:rPr lang="en-US" dirty="0"/>
+              <a:t>First Attempt</a:t>
+            </a:r>
+          </a:p>
+        </p:txBody>
+      </p:sp>
+      <p:cxnSp>
+        <p:nvCxnSpPr>
+          <p:cNvPr id="5" name="Straight Connector 4">
+            <a:extLst>
+              <a:ext uri="{FF2B5EF4-FFF2-40B4-BE49-F238E27FC236}">
+                <a16:creationId xmlns:a16="http://schemas.microsoft.com/office/drawing/2014/main" id="{86EF85BD-B585-F4FA-AB4B-371C19D22622}"/>
+              </a:ext>
+            </a:extLst>
+          </p:cNvPr>
+          <p:cNvCxnSpPr/>
+          <p:nvPr/>
+        </p:nvCxnSpPr>
+        <p:spPr>
+          <a:xfrm>
+            <a:off x="615820" y="1287624"/>
+            <a:ext cx="10954139" cy="0"/>
+          </a:xfrm>
+          <a:prstGeom prst="line">
+            <a:avLst/>
+          </a:prstGeom>
+          <a:ln w="19050">
+            <a:solidFill>
+              <a:schemeClr val="bg1">
+                <a:lumMod val="50000"/>
+              </a:schemeClr>
+            </a:solidFill>
+            <a:prstDash val="sysDash"/>
+          </a:ln>
+        </p:spPr>
+        <p:style>
+          <a:lnRef idx="1">
+            <a:schemeClr val="accent1"/>
+          </a:lnRef>
+          <a:fillRef idx="0">
+            <a:schemeClr val="accent1"/>
+          </a:fillRef>
+          <a:effectRef idx="0">
+            <a:schemeClr val="accent1"/>
+          </a:effectRef>
+          <a:fontRef idx="minor">
+            <a:schemeClr val="tx1"/>
+          </a:fontRef>
+        </p:style>
+      </p:cxnSp>
+      <p:sp>
+        <p:nvSpPr>
+          <p:cNvPr id="9" name="Content Placeholder 2">
+            <a:extLst>
+              <a:ext uri="{FF2B5EF4-FFF2-40B4-BE49-F238E27FC236}">
+                <a16:creationId xmlns:a16="http://schemas.microsoft.com/office/drawing/2014/main" id="{555DC799-46FD-EF1C-17EC-30460F887ADB}"/>
+              </a:ext>
+            </a:extLst>
+          </p:cNvPr>
+          <p:cNvSpPr>
+            <a:spLocks noGrp="1"/>
+          </p:cNvSpPr>
+          <p:nvPr>
+            <p:ph idx="1"/>
+          </p:nvPr>
+        </p:nvSpPr>
+        <p:spPr>
+          <a:xfrm>
+            <a:off x="835089" y="1635619"/>
+            <a:ext cx="4083275" cy="4351338"/>
+          </a:xfrm>
+        </p:spPr>
+        <p:txBody>
+          <a:bodyPr>
+            <a:normAutofit/>
+          </a:bodyPr>
+          <a:lstStyle/>
+          <a:p>
+            <a:r>
+              <a:rPr lang="en-US" sz="3200" dirty="0"/>
+              <a:t>1 record per object</a:t>
+            </a:r>
+          </a:p>
+          <a:p>
+            <a:pPr lvl="1"/>
+            <a:r>
+              <a:rPr lang="en-US" sz="2800" dirty="0"/>
+              <a:t>2.48 Million </a:t>
+            </a:r>
+            <a:r>
+              <a:rPr lang="en-US" sz="2800" dirty="0">
+                <a:sym typeface="Wingdings" panose="05000000000000000000" pitchFamily="2" charset="2"/>
+              </a:rPr>
+              <a:t>Objects</a:t>
+            </a:r>
+          </a:p>
+          <a:p>
+            <a:pPr marL="457200" lvl="1" indent="0">
+              <a:buNone/>
+            </a:pPr>
+            <a:endParaRPr lang="en-US" sz="2800" dirty="0">
+              <a:sym typeface="Wingdings" panose="05000000000000000000" pitchFamily="2" charset="2"/>
+            </a:endParaRPr>
+          </a:p>
+          <a:p>
+            <a:r>
+              <a:rPr lang="en-US" sz="2800" dirty="0"/>
+              <a:t>Build Time: </a:t>
+            </a:r>
+            <a:r>
+              <a:rPr lang="en-US" sz="2400" b="1" dirty="0"/>
+              <a:t>~</a:t>
+            </a:r>
+            <a:r>
+              <a:rPr lang="en-US" sz="2800" b="1" dirty="0"/>
+              <a:t>15 hours!</a:t>
+            </a:r>
+          </a:p>
+          <a:p>
+            <a:r>
+              <a:rPr lang="en-US" dirty="0"/>
+              <a:t>Read Time: </a:t>
+            </a:r>
+            <a:r>
+              <a:rPr lang="en-US" sz="2400" b="1" dirty="0"/>
+              <a:t>~</a:t>
+            </a:r>
+            <a:r>
+              <a:rPr lang="en-US" sz="2800" b="1" dirty="0"/>
+              <a:t>10 hours!</a:t>
+            </a:r>
+          </a:p>
+          <a:p>
+            <a:endParaRPr lang="en-US" dirty="0"/>
+          </a:p>
+        </p:txBody>
+      </p:sp>
+      <p:pic>
+        <p:nvPicPr>
+          <p:cNvPr id="11" name="Picture 10">
+            <a:extLst>
+              <a:ext uri="{FF2B5EF4-FFF2-40B4-BE49-F238E27FC236}">
+                <a16:creationId xmlns:a16="http://schemas.microsoft.com/office/drawing/2014/main" id="{2F596B9A-27C7-D4CC-D290-AA3B8A140962}"/>
+              </a:ext>
+            </a:extLst>
+          </p:cNvPr>
+          <p:cNvPicPr>
+            <a:picLocks noChangeAspect="1"/>
+          </p:cNvPicPr>
+          <p:nvPr/>
+        </p:nvPicPr>
+        <p:blipFill>
+          <a:blip r:embed="rId3"/>
+          <a:stretch>
+            <a:fillRect/>
+          </a:stretch>
+        </p:blipFill>
+        <p:spPr>
+          <a:xfrm>
+            <a:off x="4918364" y="2329357"/>
+            <a:ext cx="6917133" cy="3657600"/>
+          </a:xfrm>
+          <a:prstGeom prst="rect">
+            <a:avLst/>
+          </a:prstGeom>
+        </p:spPr>
+      </p:pic>
+      <p:pic>
+        <p:nvPicPr>
+          <p:cNvPr id="13" name="Picture 12">
+            <a:extLst>
+              <a:ext uri="{FF2B5EF4-FFF2-40B4-BE49-F238E27FC236}">
+                <a16:creationId xmlns:a16="http://schemas.microsoft.com/office/drawing/2014/main" id="{42BFA56E-69E9-40E2-94AD-AEB9B4690A11}"/>
+              </a:ext>
+            </a:extLst>
+          </p:cNvPr>
+          <p:cNvPicPr>
+            <a:picLocks noChangeAspect="1"/>
+          </p:cNvPicPr>
+          <p:nvPr/>
+        </p:nvPicPr>
+        <p:blipFill>
+          <a:blip r:embed="rId4"/>
+          <a:stretch>
+            <a:fillRect/>
+          </a:stretch>
+        </p:blipFill>
+        <p:spPr>
+          <a:xfrm>
+            <a:off x="4918364" y="1351291"/>
+            <a:ext cx="3705726" cy="914400"/>
+          </a:xfrm>
+          <a:prstGeom prst="rect">
+            <a:avLst/>
+          </a:prstGeom>
+        </p:spPr>
+      </p:pic>
+    </p:spTree>
+    <p:extLst>
+      <p:ext uri="{BB962C8B-B14F-4D97-AF65-F5344CB8AC3E}">
+        <p14:creationId xmlns:p14="http://schemas.microsoft.com/office/powerpoint/2010/main" val="2851770448"/>
+      </p:ext>
+    </p:extLst>
+  </p:cSld>
+  <p:clrMapOvr>
+    <a:masterClrMapping/>
+  </p:clrMapOvr>
+</p:sld>
+</file>
+
+<file path=ppt/slides/slide19.xml><?xml version="1.0" encoding="utf-8"?>
+<p:sld xmlns:a="http://schemas.openxmlformats.org/drawingml/2006/main" xmlns:r="http://schemas.openxmlformats.org/officeDocument/2006/relationships" xmlns:p="http://schemas.openxmlformats.org/presentationml/2006/main">
+  <p:cSld>
+    <p:spTree>
+      <p:nvGrpSpPr>
+        <p:cNvPr id="1" name=""/>
+        <p:cNvGrpSpPr/>
+        <p:nvPr/>
+      </p:nvGrpSpPr>
+      <p:grpSpPr>
+        <a:xfrm>
+          <a:off x="0" y="0"/>
+          <a:ext cx="0" cy="0"/>
+          <a:chOff x="0" y="0"/>
+          <a:chExt cx="0" cy="0"/>
+        </a:xfrm>
+      </p:grpSpPr>
+      <p:sp>
+        <p:nvSpPr>
+          <p:cNvPr id="17" name="Right Brace 16">
+            <a:extLst>
+              <a:ext uri="{FF2B5EF4-FFF2-40B4-BE49-F238E27FC236}">
+                <a16:creationId xmlns:a16="http://schemas.microsoft.com/office/drawing/2014/main" id="{2F956D54-351A-F0C3-81B3-4D524CAEAE37}"/>
+              </a:ext>
+            </a:extLst>
+          </p:cNvPr>
+          <p:cNvSpPr/>
+          <p:nvPr/>
+        </p:nvSpPr>
+        <p:spPr>
+          <a:xfrm rot="16200000">
+            <a:off x="9118421" y="-499589"/>
+            <a:ext cx="323126" cy="4956524"/>
+          </a:xfrm>
+          <a:prstGeom prst="rightBrace">
+            <a:avLst/>
+          </a:prstGeom>
+          <a:ln w="28575"/>
+        </p:spPr>
+        <p:style>
+          <a:lnRef idx="1">
+            <a:schemeClr val="accent1"/>
+          </a:lnRef>
+          <a:fillRef idx="0">
+            <a:schemeClr val="accent1"/>
+          </a:fillRef>
+          <a:effectRef idx="0">
+            <a:schemeClr val="accent1"/>
+          </a:effectRef>
+          <a:fontRef idx="minor">
+            <a:schemeClr val="tx1"/>
+          </a:fontRef>
+        </p:style>
+        <p:txBody>
+          <a:bodyPr rtlCol="0" anchor="ctr"/>
+          <a:lstStyle/>
+          <a:p>
+            <a:pPr algn="ctr"/>
+            <a:endParaRPr lang="en-US"/>
+          </a:p>
+        </p:txBody>
+      </p:sp>
+      <p:sp>
+        <p:nvSpPr>
+          <p:cNvPr id="2" name="TextBox 1">
+            <a:extLst>
+              <a:ext uri="{FF2B5EF4-FFF2-40B4-BE49-F238E27FC236}">
+                <a16:creationId xmlns:a16="http://schemas.microsoft.com/office/drawing/2014/main" id="{7FF540BE-E8E6-960D-519A-0450FB9F1AAF}"/>
+              </a:ext>
+            </a:extLst>
+          </p:cNvPr>
+          <p:cNvSpPr txBox="1"/>
+          <p:nvPr/>
+        </p:nvSpPr>
+        <p:spPr>
+          <a:xfrm>
+            <a:off x="8144011" y="1359759"/>
+            <a:ext cx="2271945" cy="400110"/>
+          </a:xfrm>
+          <a:prstGeom prst="rect">
+            <a:avLst/>
+          </a:prstGeom>
+          <a:noFill/>
+        </p:spPr>
+        <p:txBody>
+          <a:bodyPr wrap="square" rtlCol="0">
+            <a:spAutoFit/>
+          </a:bodyPr>
+          <a:lstStyle/>
+          <a:p>
+            <a:pPr algn="ctr"/>
+            <a:r>
+              <a:rPr lang="en-US" sz="2000" dirty="0"/>
+              <a:t>Object</a:t>
+            </a:r>
+            <a:endParaRPr lang="en-US" dirty="0"/>
+          </a:p>
+        </p:txBody>
+      </p:sp>
+      <p:sp>
+        <p:nvSpPr>
+          <p:cNvPr id="5" name="Right Brace 4">
+            <a:extLst>
+              <a:ext uri="{FF2B5EF4-FFF2-40B4-BE49-F238E27FC236}">
+                <a16:creationId xmlns:a16="http://schemas.microsoft.com/office/drawing/2014/main" id="{8A52DF8A-7D6E-2316-943D-5C0509B6AA9C}"/>
+              </a:ext>
+            </a:extLst>
+          </p:cNvPr>
+          <p:cNvSpPr/>
+          <p:nvPr/>
+        </p:nvSpPr>
+        <p:spPr>
+          <a:xfrm rot="16200000">
+            <a:off x="6923321" y="3000902"/>
+            <a:ext cx="354509" cy="1812241"/>
+          </a:xfrm>
+          <a:prstGeom prst="rightBrace">
+            <a:avLst/>
+          </a:prstGeom>
+          <a:ln w="28575"/>
+        </p:spPr>
+        <p:style>
+          <a:lnRef idx="1">
+            <a:schemeClr val="accent1"/>
+          </a:lnRef>
+          <a:fillRef idx="0">
+            <a:schemeClr val="accent1"/>
+          </a:fillRef>
+          <a:effectRef idx="0">
+            <a:schemeClr val="accent1"/>
+          </a:effectRef>
+          <a:fontRef idx="minor">
+            <a:schemeClr val="tx1"/>
+          </a:fontRef>
+        </p:style>
+        <p:txBody>
+          <a:bodyPr rtlCol="0" anchor="ctr"/>
+          <a:lstStyle/>
+          <a:p>
+            <a:pPr algn="ctr"/>
+            <a:endParaRPr lang="en-US"/>
+          </a:p>
+        </p:txBody>
+      </p:sp>
+      <p:sp>
+        <p:nvSpPr>
+          <p:cNvPr id="7" name="TextBox 6">
+            <a:extLst>
+              <a:ext uri="{FF2B5EF4-FFF2-40B4-BE49-F238E27FC236}">
+                <a16:creationId xmlns:a16="http://schemas.microsoft.com/office/drawing/2014/main" id="{76F889F3-1A43-0B8B-1B7A-1E556A0FE6D4}"/>
+              </a:ext>
+            </a:extLst>
+          </p:cNvPr>
+          <p:cNvSpPr txBox="1"/>
+          <p:nvPr/>
+        </p:nvSpPr>
+        <p:spPr>
+          <a:xfrm>
+            <a:off x="6396799" y="3303281"/>
+            <a:ext cx="1407552" cy="369332"/>
+          </a:xfrm>
+          <a:prstGeom prst="rect">
+            <a:avLst/>
+          </a:prstGeom>
+          <a:noFill/>
+        </p:spPr>
+        <p:txBody>
+          <a:bodyPr wrap="square" rtlCol="0">
+            <a:spAutoFit/>
+          </a:bodyPr>
+          <a:lstStyle/>
+          <a:p>
+            <a:r>
+              <a:rPr lang="en-US" dirty="0"/>
+              <a:t>Voter Record</a:t>
+            </a:r>
+          </a:p>
+        </p:txBody>
+      </p:sp>
+      <p:graphicFrame>
+        <p:nvGraphicFramePr>
+          <p:cNvPr id="10" name="Table 11">
+            <a:extLst>
+              <a:ext uri="{FF2B5EF4-FFF2-40B4-BE49-F238E27FC236}">
+                <a16:creationId xmlns:a16="http://schemas.microsoft.com/office/drawing/2014/main" id="{F19E5A84-332C-38A1-86CD-BA471D1F9AB2}"/>
+              </a:ext>
+            </a:extLst>
+          </p:cNvPr>
+          <p:cNvGraphicFramePr>
+            <a:graphicFrameLocks noGrp="1"/>
+          </p:cNvGraphicFramePr>
+          <p:nvPr/>
+        </p:nvGraphicFramePr>
+        <p:xfrm>
+          <a:off x="6145228" y="2088108"/>
+          <a:ext cx="5740398" cy="1097280"/>
+        </p:xfrm>
+        <a:graphic>
+          <a:graphicData uri="http://schemas.openxmlformats.org/drawingml/2006/table">
+            <a:tbl>
+              <a:tblPr firstRow="1" bandRow="1">
+                <a:tableStyleId>{5C22544A-7EE6-4342-B048-85BDC9FD1C3A}</a:tableStyleId>
+              </a:tblPr>
+              <a:tblGrid>
+                <a:gridCol w="637822">
+                  <a:extLst>
+                    <a:ext uri="{9D8B030D-6E8A-4147-A177-3AD203B41FA5}">
+                      <a16:colId xmlns:a16="http://schemas.microsoft.com/office/drawing/2014/main" val="3395442212"/>
+                    </a:ext>
+                  </a:extLst>
+                </a:gridCol>
+                <a:gridCol w="637822">
+                  <a:extLst>
+                    <a:ext uri="{9D8B030D-6E8A-4147-A177-3AD203B41FA5}">
+                      <a16:colId xmlns:a16="http://schemas.microsoft.com/office/drawing/2014/main" val="643951133"/>
+                    </a:ext>
+                  </a:extLst>
+                </a:gridCol>
+                <a:gridCol w="637822">
+                  <a:extLst>
+                    <a:ext uri="{9D8B030D-6E8A-4147-A177-3AD203B41FA5}">
+                      <a16:colId xmlns:a16="http://schemas.microsoft.com/office/drawing/2014/main" val="771389616"/>
+                    </a:ext>
+                  </a:extLst>
+                </a:gridCol>
+                <a:gridCol w="637822">
+                  <a:extLst>
+                    <a:ext uri="{9D8B030D-6E8A-4147-A177-3AD203B41FA5}">
+                      <a16:colId xmlns:a16="http://schemas.microsoft.com/office/drawing/2014/main" val="2836687727"/>
+                    </a:ext>
+                  </a:extLst>
+                </a:gridCol>
+                <a:gridCol w="637822">
+                  <a:extLst>
+                    <a:ext uri="{9D8B030D-6E8A-4147-A177-3AD203B41FA5}">
+                      <a16:colId xmlns:a16="http://schemas.microsoft.com/office/drawing/2014/main" val="1165460029"/>
+                    </a:ext>
+                  </a:extLst>
+                </a:gridCol>
+                <a:gridCol w="637822">
+                  <a:extLst>
+                    <a:ext uri="{9D8B030D-6E8A-4147-A177-3AD203B41FA5}">
+                      <a16:colId xmlns:a16="http://schemas.microsoft.com/office/drawing/2014/main" val="1246408511"/>
+                    </a:ext>
+                  </a:extLst>
+                </a:gridCol>
+                <a:gridCol w="637822">
+                  <a:extLst>
+                    <a:ext uri="{9D8B030D-6E8A-4147-A177-3AD203B41FA5}">
+                      <a16:colId xmlns:a16="http://schemas.microsoft.com/office/drawing/2014/main" val="1793791241"/>
+                    </a:ext>
+                  </a:extLst>
+                </a:gridCol>
+                <a:gridCol w="637822">
+                  <a:extLst>
+                    <a:ext uri="{9D8B030D-6E8A-4147-A177-3AD203B41FA5}">
+                      <a16:colId xmlns:a16="http://schemas.microsoft.com/office/drawing/2014/main" val="3898632068"/>
+                    </a:ext>
+                  </a:extLst>
+                </a:gridCol>
+                <a:gridCol w="637822">
+                  <a:extLst>
+                    <a:ext uri="{9D8B030D-6E8A-4147-A177-3AD203B41FA5}">
+                      <a16:colId xmlns:a16="http://schemas.microsoft.com/office/drawing/2014/main" val="2751475686"/>
+                    </a:ext>
+                  </a:extLst>
+                </a:gridCol>
+              </a:tblGrid>
+              <a:tr h="324309">
+                <a:tc>
+                  <a:txBody>
+                    <a:bodyPr/>
+                    <a:lstStyle/>
+                    <a:p>
+                      <a:endParaRPr lang="en-US"/>
+                    </a:p>
+                  </a:txBody>
+                  <a:tcPr>
+                    <a:gradFill>
+                      <a:gsLst>
+                        <a:gs pos="0">
+                          <a:schemeClr val="accent1">
+                            <a:lumMod val="5000"/>
+                            <a:lumOff val="95000"/>
+                          </a:schemeClr>
+                        </a:gs>
+                        <a:gs pos="74000">
+                          <a:schemeClr val="accent1">
+                            <a:lumMod val="45000"/>
+                            <a:lumOff val="55000"/>
+                          </a:schemeClr>
+                        </a:gs>
+                        <a:gs pos="83000">
+                          <a:schemeClr val="accent1">
+                            <a:lumMod val="45000"/>
+                            <a:lumOff val="55000"/>
+                          </a:schemeClr>
+                        </a:gs>
+                        <a:gs pos="100000">
+                          <a:schemeClr val="accent1">
+                            <a:lumMod val="30000"/>
+                            <a:lumOff val="70000"/>
+                          </a:schemeClr>
+                        </a:gs>
+                      </a:gsLst>
+                      <a:lin ang="5400000" scaled="1"/>
+                    </a:gradFill>
+                  </a:tcPr>
+                </a:tc>
+                <a:tc>
+                  <a:txBody>
+                    <a:bodyPr/>
+                    <a:lstStyle/>
+                    <a:p>
+                      <a:endParaRPr lang="en-US"/>
+                    </a:p>
+                  </a:txBody>
+                  <a:tcPr>
+                    <a:gradFill>
+                      <a:gsLst>
+                        <a:gs pos="0">
+                          <a:schemeClr val="accent1">
+                            <a:lumMod val="5000"/>
+                            <a:lumOff val="95000"/>
+                          </a:schemeClr>
+                        </a:gs>
+                        <a:gs pos="74000">
+                          <a:schemeClr val="accent1">
+                            <a:lumMod val="45000"/>
+                            <a:lumOff val="55000"/>
+                          </a:schemeClr>
+                        </a:gs>
+                        <a:gs pos="83000">
+                          <a:schemeClr val="accent1">
+                            <a:lumMod val="45000"/>
+                            <a:lumOff val="55000"/>
+                          </a:schemeClr>
+                        </a:gs>
+                        <a:gs pos="100000">
+                          <a:schemeClr val="accent1">
+                            <a:lumMod val="30000"/>
+                            <a:lumOff val="70000"/>
+                          </a:schemeClr>
+                        </a:gs>
+                      </a:gsLst>
+                      <a:lin ang="5400000" scaled="1"/>
+                    </a:gradFill>
+                  </a:tcPr>
+                </a:tc>
+                <a:tc>
+                  <a:txBody>
+                    <a:bodyPr/>
+                    <a:lstStyle/>
+                    <a:p>
+                      <a:endParaRPr lang="en-US"/>
+                    </a:p>
+                  </a:txBody>
+                  <a:tcPr>
+                    <a:gradFill>
+                      <a:gsLst>
+                        <a:gs pos="0">
+                          <a:schemeClr val="accent1">
+                            <a:lumMod val="5000"/>
+                            <a:lumOff val="95000"/>
+                          </a:schemeClr>
+                        </a:gs>
+                        <a:gs pos="74000">
+                          <a:schemeClr val="accent1">
+                            <a:lumMod val="45000"/>
+                            <a:lumOff val="55000"/>
+                          </a:schemeClr>
+                        </a:gs>
+                        <a:gs pos="83000">
+                          <a:schemeClr val="accent1">
+                            <a:lumMod val="45000"/>
+                            <a:lumOff val="55000"/>
+                          </a:schemeClr>
+                        </a:gs>
+                        <a:gs pos="100000">
+                          <a:schemeClr val="accent1">
+                            <a:lumMod val="30000"/>
+                            <a:lumOff val="70000"/>
+                          </a:schemeClr>
+                        </a:gs>
+                      </a:gsLst>
+                      <a:lin ang="5400000" scaled="1"/>
+                    </a:gradFill>
+                  </a:tcPr>
+                </a:tc>
+                <a:tc>
+                  <a:txBody>
+                    <a:bodyPr/>
+                    <a:lstStyle/>
+                    <a:p>
+                      <a:endParaRPr lang="en-US"/>
+                    </a:p>
+                  </a:txBody>
+                  <a:tcPr>
+                    <a:gradFill>
+                      <a:gsLst>
+                        <a:gs pos="0">
+                          <a:schemeClr val="accent1">
+                            <a:lumMod val="5000"/>
+                            <a:lumOff val="95000"/>
+                          </a:schemeClr>
+                        </a:gs>
+                        <a:gs pos="74000">
+                          <a:schemeClr val="accent1">
+                            <a:lumMod val="45000"/>
+                            <a:lumOff val="55000"/>
+                          </a:schemeClr>
+                        </a:gs>
+                        <a:gs pos="83000">
+                          <a:schemeClr val="accent1">
+                            <a:lumMod val="45000"/>
+                            <a:lumOff val="55000"/>
+                          </a:schemeClr>
+                        </a:gs>
+                        <a:gs pos="100000">
+                          <a:schemeClr val="accent1">
+                            <a:lumMod val="30000"/>
+                            <a:lumOff val="70000"/>
+                          </a:schemeClr>
+                        </a:gs>
+                      </a:gsLst>
+                      <a:lin ang="5400000" scaled="1"/>
+                    </a:gradFill>
+                  </a:tcPr>
+                </a:tc>
+                <a:tc>
+                  <a:txBody>
+                    <a:bodyPr/>
+                    <a:lstStyle/>
+                    <a:p>
+                      <a:endParaRPr lang="en-US"/>
+                    </a:p>
+                  </a:txBody>
+                  <a:tcPr>
+                    <a:gradFill>
+                      <a:gsLst>
+                        <a:gs pos="0">
+                          <a:schemeClr val="accent1">
+                            <a:lumMod val="5000"/>
+                            <a:lumOff val="95000"/>
+                          </a:schemeClr>
+                        </a:gs>
+                        <a:gs pos="74000">
+                          <a:schemeClr val="accent1">
+                            <a:lumMod val="45000"/>
+                            <a:lumOff val="55000"/>
+                          </a:schemeClr>
+                        </a:gs>
+                        <a:gs pos="83000">
+                          <a:schemeClr val="accent1">
+                            <a:lumMod val="45000"/>
+                            <a:lumOff val="55000"/>
+                          </a:schemeClr>
+                        </a:gs>
+                        <a:gs pos="100000">
+                          <a:schemeClr val="accent1">
+                            <a:lumMod val="30000"/>
+                            <a:lumOff val="70000"/>
+                          </a:schemeClr>
+                        </a:gs>
+                      </a:gsLst>
+                      <a:lin ang="5400000" scaled="1"/>
+                    </a:gradFill>
+                  </a:tcPr>
+                </a:tc>
+                <a:tc>
+                  <a:txBody>
+                    <a:bodyPr/>
+                    <a:lstStyle/>
+                    <a:p>
+                      <a:endParaRPr lang="en-US"/>
+                    </a:p>
+                  </a:txBody>
+                  <a:tcPr>
+                    <a:gradFill>
+                      <a:gsLst>
+                        <a:gs pos="0">
+                          <a:schemeClr val="accent1">
+                            <a:lumMod val="5000"/>
+                            <a:lumOff val="95000"/>
+                          </a:schemeClr>
+                        </a:gs>
+                        <a:gs pos="74000">
+                          <a:schemeClr val="accent1">
+                            <a:lumMod val="45000"/>
+                            <a:lumOff val="55000"/>
+                          </a:schemeClr>
+                        </a:gs>
+                        <a:gs pos="83000">
+                          <a:schemeClr val="accent1">
+                            <a:lumMod val="45000"/>
+                            <a:lumOff val="55000"/>
+                          </a:schemeClr>
+                        </a:gs>
+                        <a:gs pos="100000">
+                          <a:schemeClr val="accent1">
+                            <a:lumMod val="30000"/>
+                            <a:lumOff val="70000"/>
+                          </a:schemeClr>
+                        </a:gs>
+                      </a:gsLst>
+                      <a:lin ang="5400000" scaled="1"/>
+                    </a:gradFill>
+                  </a:tcPr>
+                </a:tc>
+                <a:tc>
+                  <a:txBody>
+                    <a:bodyPr/>
+                    <a:lstStyle/>
+                    <a:p>
+                      <a:endParaRPr lang="en-US"/>
+                    </a:p>
+                  </a:txBody>
+                  <a:tcPr>
+                    <a:gradFill>
+                      <a:gsLst>
+                        <a:gs pos="0">
+                          <a:schemeClr val="accent1">
+                            <a:lumMod val="5000"/>
+                            <a:lumOff val="95000"/>
+                          </a:schemeClr>
+                        </a:gs>
+                        <a:gs pos="74000">
+                          <a:schemeClr val="accent1">
+                            <a:lumMod val="45000"/>
+                            <a:lumOff val="55000"/>
+                          </a:schemeClr>
+                        </a:gs>
+                        <a:gs pos="83000">
+                          <a:schemeClr val="accent1">
+                            <a:lumMod val="45000"/>
+                            <a:lumOff val="55000"/>
+                          </a:schemeClr>
+                        </a:gs>
+                        <a:gs pos="100000">
+                          <a:schemeClr val="accent1">
+                            <a:lumMod val="30000"/>
+                            <a:lumOff val="70000"/>
+                          </a:schemeClr>
+                        </a:gs>
+                      </a:gsLst>
+                      <a:lin ang="5400000" scaled="1"/>
+                    </a:gradFill>
+                  </a:tcPr>
+                </a:tc>
+                <a:tc>
+                  <a:txBody>
+                    <a:bodyPr/>
+                    <a:lstStyle/>
+                    <a:p>
+                      <a:endParaRPr lang="en-US"/>
+                    </a:p>
+                  </a:txBody>
+                  <a:tcPr>
+                    <a:gradFill>
+                      <a:gsLst>
+                        <a:gs pos="0">
+                          <a:schemeClr val="accent1">
+                            <a:lumMod val="5000"/>
+                            <a:lumOff val="95000"/>
+                          </a:schemeClr>
+                        </a:gs>
+                        <a:gs pos="74000">
+                          <a:schemeClr val="accent1">
+                            <a:lumMod val="45000"/>
+                            <a:lumOff val="55000"/>
+                          </a:schemeClr>
+                        </a:gs>
+                        <a:gs pos="83000">
+                          <a:schemeClr val="accent1">
+                            <a:lumMod val="45000"/>
+                            <a:lumOff val="55000"/>
+                          </a:schemeClr>
+                        </a:gs>
+                        <a:gs pos="100000">
+                          <a:schemeClr val="accent1">
+                            <a:lumMod val="30000"/>
+                            <a:lumOff val="70000"/>
+                          </a:schemeClr>
+                        </a:gs>
+                      </a:gsLst>
+                      <a:lin ang="5400000" scaled="1"/>
+                    </a:gradFill>
+                  </a:tcPr>
+                </a:tc>
+                <a:tc>
+                  <a:txBody>
+                    <a:bodyPr/>
+                    <a:lstStyle/>
+                    <a:p>
+                      <a:endParaRPr lang="en-US"/>
+                    </a:p>
+                  </a:txBody>
+                  <a:tcPr>
+                    <a:gradFill>
+                      <a:gsLst>
+                        <a:gs pos="0">
+                          <a:schemeClr val="accent1">
+                            <a:lumMod val="5000"/>
+                            <a:lumOff val="95000"/>
+                          </a:schemeClr>
+                        </a:gs>
+                        <a:gs pos="74000">
+                          <a:schemeClr val="accent1">
+                            <a:lumMod val="45000"/>
+                            <a:lumOff val="55000"/>
+                          </a:schemeClr>
+                        </a:gs>
+                        <a:gs pos="83000">
+                          <a:schemeClr val="accent1">
+                            <a:lumMod val="45000"/>
+                            <a:lumOff val="55000"/>
+                          </a:schemeClr>
+                        </a:gs>
+                        <a:gs pos="100000">
+                          <a:schemeClr val="accent1">
+                            <a:lumMod val="30000"/>
+                            <a:lumOff val="70000"/>
+                          </a:schemeClr>
+                        </a:gs>
+                      </a:gsLst>
+                      <a:lin ang="5400000" scaled="1"/>
+                    </a:gradFill>
+                  </a:tcPr>
+                </a:tc>
+                <a:extLst>
+                  <a:ext uri="{0D108BD9-81ED-4DB2-BD59-A6C34878D82A}">
+                    <a16:rowId xmlns:a16="http://schemas.microsoft.com/office/drawing/2014/main" val="1031528720"/>
+                  </a:ext>
+                </a:extLst>
+              </a:tr>
+              <a:tr h="324309">
+                <a:tc>
+                  <a:txBody>
+                    <a:bodyPr/>
+                    <a:lstStyle/>
+                    <a:p>
+                      <a:endParaRPr lang="en-US"/>
+                    </a:p>
+                  </a:txBody>
+                  <a:tcPr>
+                    <a:gradFill>
+                      <a:gsLst>
+                        <a:gs pos="0">
+                          <a:schemeClr val="accent1">
+                            <a:lumMod val="5000"/>
+                            <a:lumOff val="95000"/>
+                          </a:schemeClr>
+                        </a:gs>
+                        <a:gs pos="74000">
+                          <a:schemeClr val="accent1">
+                            <a:lumMod val="45000"/>
+                            <a:lumOff val="55000"/>
+                          </a:schemeClr>
+                        </a:gs>
+                        <a:gs pos="83000">
+                          <a:schemeClr val="accent1">
+                            <a:lumMod val="45000"/>
+                            <a:lumOff val="55000"/>
+                          </a:schemeClr>
+                        </a:gs>
+                        <a:gs pos="100000">
+                          <a:schemeClr val="accent1">
+                            <a:lumMod val="30000"/>
+                            <a:lumOff val="70000"/>
+                          </a:schemeClr>
+                        </a:gs>
+                      </a:gsLst>
+                      <a:lin ang="5400000" scaled="1"/>
+                    </a:gradFill>
+                  </a:tcPr>
+                </a:tc>
+                <a:tc>
+                  <a:txBody>
+                    <a:bodyPr/>
+                    <a:lstStyle/>
+                    <a:p>
+                      <a:endParaRPr lang="en-US"/>
+                    </a:p>
+                  </a:txBody>
+                  <a:tcPr>
+                    <a:gradFill>
+                      <a:gsLst>
+                        <a:gs pos="0">
+                          <a:schemeClr val="accent1">
+                            <a:lumMod val="5000"/>
+                            <a:lumOff val="95000"/>
+                          </a:schemeClr>
+                        </a:gs>
+                        <a:gs pos="74000">
+                          <a:schemeClr val="accent1">
+                            <a:lumMod val="45000"/>
+                            <a:lumOff val="55000"/>
+                          </a:schemeClr>
+                        </a:gs>
+                        <a:gs pos="83000">
+                          <a:schemeClr val="accent1">
+                            <a:lumMod val="45000"/>
+                            <a:lumOff val="55000"/>
+                          </a:schemeClr>
+                        </a:gs>
+                        <a:gs pos="100000">
+                          <a:schemeClr val="accent1">
+                            <a:lumMod val="30000"/>
+                            <a:lumOff val="70000"/>
+                          </a:schemeClr>
+                        </a:gs>
+                      </a:gsLst>
+                      <a:lin ang="5400000" scaled="1"/>
+                    </a:gradFill>
+                  </a:tcPr>
+                </a:tc>
+                <a:tc>
+                  <a:txBody>
+                    <a:bodyPr/>
+                    <a:lstStyle/>
+                    <a:p>
+                      <a:endParaRPr lang="en-US"/>
+                    </a:p>
+                  </a:txBody>
+                  <a:tcPr>
+                    <a:gradFill>
+                      <a:gsLst>
+                        <a:gs pos="0">
+                          <a:schemeClr val="accent1">
+                            <a:lumMod val="5000"/>
+                            <a:lumOff val="95000"/>
+                          </a:schemeClr>
+                        </a:gs>
+                        <a:gs pos="74000">
+                          <a:schemeClr val="accent1">
+                            <a:lumMod val="45000"/>
+                            <a:lumOff val="55000"/>
+                          </a:schemeClr>
+                        </a:gs>
+                        <a:gs pos="83000">
+                          <a:schemeClr val="accent1">
+                            <a:lumMod val="45000"/>
+                            <a:lumOff val="55000"/>
+                          </a:schemeClr>
+                        </a:gs>
+                        <a:gs pos="100000">
+                          <a:schemeClr val="accent1">
+                            <a:lumMod val="30000"/>
+                            <a:lumOff val="70000"/>
+                          </a:schemeClr>
+                        </a:gs>
+                      </a:gsLst>
+                      <a:lin ang="5400000" scaled="1"/>
+                    </a:gradFill>
+                  </a:tcPr>
+                </a:tc>
+                <a:tc>
+                  <a:txBody>
+                    <a:bodyPr/>
+                    <a:lstStyle/>
+                    <a:p>
+                      <a:endParaRPr lang="en-US"/>
+                    </a:p>
+                  </a:txBody>
+                  <a:tcPr>
+                    <a:gradFill>
+                      <a:gsLst>
+                        <a:gs pos="0">
+                          <a:schemeClr val="accent1">
+                            <a:lumMod val="5000"/>
+                            <a:lumOff val="95000"/>
+                          </a:schemeClr>
+                        </a:gs>
+                        <a:gs pos="74000">
+                          <a:schemeClr val="accent1">
+                            <a:lumMod val="45000"/>
+                            <a:lumOff val="55000"/>
+                          </a:schemeClr>
+                        </a:gs>
+                        <a:gs pos="83000">
+                          <a:schemeClr val="accent1">
+                            <a:lumMod val="45000"/>
+                            <a:lumOff val="55000"/>
+                          </a:schemeClr>
+                        </a:gs>
+                        <a:gs pos="100000">
+                          <a:schemeClr val="accent1">
+                            <a:lumMod val="30000"/>
+                            <a:lumOff val="70000"/>
+                          </a:schemeClr>
+                        </a:gs>
+                      </a:gsLst>
+                      <a:lin ang="5400000" scaled="1"/>
+                    </a:gradFill>
+                  </a:tcPr>
+                </a:tc>
+                <a:tc>
+                  <a:txBody>
+                    <a:bodyPr/>
+                    <a:lstStyle/>
+                    <a:p>
+                      <a:endParaRPr lang="en-US"/>
+                    </a:p>
+                  </a:txBody>
+                  <a:tcPr>
+                    <a:gradFill>
+                      <a:gsLst>
+                        <a:gs pos="0">
+                          <a:schemeClr val="accent1">
+                            <a:lumMod val="5000"/>
+                            <a:lumOff val="95000"/>
+                          </a:schemeClr>
+                        </a:gs>
+                        <a:gs pos="74000">
+                          <a:schemeClr val="accent1">
+                            <a:lumMod val="45000"/>
+                            <a:lumOff val="55000"/>
+                          </a:schemeClr>
+                        </a:gs>
+                        <a:gs pos="83000">
+                          <a:schemeClr val="accent1">
+                            <a:lumMod val="45000"/>
+                            <a:lumOff val="55000"/>
+                          </a:schemeClr>
+                        </a:gs>
+                        <a:gs pos="100000">
+                          <a:schemeClr val="accent1">
+                            <a:lumMod val="30000"/>
+                            <a:lumOff val="70000"/>
+                          </a:schemeClr>
+                        </a:gs>
+                      </a:gsLst>
+                      <a:lin ang="5400000" scaled="1"/>
+                    </a:gradFill>
+                  </a:tcPr>
+                </a:tc>
+                <a:tc>
+                  <a:txBody>
+                    <a:bodyPr/>
+                    <a:lstStyle/>
+                    <a:p>
+                      <a:endParaRPr lang="en-US"/>
+                    </a:p>
+                  </a:txBody>
+                  <a:tcPr>
+                    <a:gradFill>
+                      <a:gsLst>
+                        <a:gs pos="0">
+                          <a:schemeClr val="accent1">
+                            <a:lumMod val="5000"/>
+                            <a:lumOff val="95000"/>
+                          </a:schemeClr>
+                        </a:gs>
+                        <a:gs pos="74000">
+                          <a:schemeClr val="accent1">
+                            <a:lumMod val="45000"/>
+                            <a:lumOff val="55000"/>
+                          </a:schemeClr>
+                        </a:gs>
+                        <a:gs pos="83000">
+                          <a:schemeClr val="accent1">
+                            <a:lumMod val="45000"/>
+                            <a:lumOff val="55000"/>
+                          </a:schemeClr>
+                        </a:gs>
+                        <a:gs pos="100000">
+                          <a:schemeClr val="accent1">
+                            <a:lumMod val="30000"/>
+                            <a:lumOff val="70000"/>
+                          </a:schemeClr>
+                        </a:gs>
+                      </a:gsLst>
+                      <a:lin ang="5400000" scaled="1"/>
+                    </a:gradFill>
+                  </a:tcPr>
+                </a:tc>
+                <a:tc>
+                  <a:txBody>
+                    <a:bodyPr/>
+                    <a:lstStyle/>
+                    <a:p>
+                      <a:endParaRPr lang="en-US"/>
+                    </a:p>
+                  </a:txBody>
+                  <a:tcPr>
+                    <a:gradFill>
+                      <a:gsLst>
+                        <a:gs pos="0">
+                          <a:schemeClr val="accent1">
+                            <a:lumMod val="5000"/>
+                            <a:lumOff val="95000"/>
+                          </a:schemeClr>
+                        </a:gs>
+                        <a:gs pos="74000">
+                          <a:schemeClr val="accent1">
+                            <a:lumMod val="45000"/>
+                            <a:lumOff val="55000"/>
+                          </a:schemeClr>
+                        </a:gs>
+                        <a:gs pos="83000">
+                          <a:schemeClr val="accent1">
+                            <a:lumMod val="45000"/>
+                            <a:lumOff val="55000"/>
+                          </a:schemeClr>
+                        </a:gs>
+                        <a:gs pos="100000">
+                          <a:schemeClr val="accent1">
+                            <a:lumMod val="30000"/>
+                            <a:lumOff val="70000"/>
+                          </a:schemeClr>
+                        </a:gs>
+                      </a:gsLst>
+                      <a:lin ang="5400000" scaled="1"/>
+                    </a:gradFill>
+                  </a:tcPr>
+                </a:tc>
+                <a:tc>
+                  <a:txBody>
+                    <a:bodyPr/>
+                    <a:lstStyle/>
+                    <a:p>
+                      <a:endParaRPr lang="en-US"/>
+                    </a:p>
+                  </a:txBody>
+                  <a:tcPr>
+                    <a:gradFill>
+                      <a:gsLst>
+                        <a:gs pos="0">
+                          <a:schemeClr val="accent1">
+                            <a:lumMod val="5000"/>
+                            <a:lumOff val="95000"/>
+                          </a:schemeClr>
+                        </a:gs>
+                        <a:gs pos="74000">
+                          <a:schemeClr val="accent1">
+                            <a:lumMod val="45000"/>
+                            <a:lumOff val="55000"/>
+                          </a:schemeClr>
+                        </a:gs>
+                        <a:gs pos="83000">
+                          <a:schemeClr val="accent1">
+                            <a:lumMod val="45000"/>
+                            <a:lumOff val="55000"/>
+                          </a:schemeClr>
+                        </a:gs>
+                        <a:gs pos="100000">
+                          <a:schemeClr val="accent1">
+                            <a:lumMod val="30000"/>
+                            <a:lumOff val="70000"/>
+                          </a:schemeClr>
+                        </a:gs>
+                      </a:gsLst>
+                      <a:lin ang="5400000" scaled="1"/>
+                    </a:gradFill>
+                  </a:tcPr>
+                </a:tc>
+                <a:tc>
+                  <a:txBody>
+                    <a:bodyPr/>
+                    <a:lstStyle/>
+                    <a:p>
+                      <a:endParaRPr lang="en-US"/>
+                    </a:p>
+                  </a:txBody>
+                  <a:tcPr>
+                    <a:gradFill>
+                      <a:gsLst>
+                        <a:gs pos="0">
+                          <a:schemeClr val="accent1">
+                            <a:lumMod val="5000"/>
+                            <a:lumOff val="95000"/>
+                          </a:schemeClr>
+                        </a:gs>
+                        <a:gs pos="74000">
+                          <a:schemeClr val="accent1">
+                            <a:lumMod val="45000"/>
+                            <a:lumOff val="55000"/>
+                          </a:schemeClr>
+                        </a:gs>
+                        <a:gs pos="83000">
+                          <a:schemeClr val="accent1">
+                            <a:lumMod val="45000"/>
+                            <a:lumOff val="55000"/>
+                          </a:schemeClr>
+                        </a:gs>
+                        <a:gs pos="100000">
+                          <a:schemeClr val="accent1">
+                            <a:lumMod val="30000"/>
+                            <a:lumOff val="70000"/>
+                          </a:schemeClr>
+                        </a:gs>
+                      </a:gsLst>
+                      <a:lin ang="5400000" scaled="1"/>
+                    </a:gradFill>
+                  </a:tcPr>
+                </a:tc>
+                <a:extLst>
+                  <a:ext uri="{0D108BD9-81ED-4DB2-BD59-A6C34878D82A}">
+                    <a16:rowId xmlns:a16="http://schemas.microsoft.com/office/drawing/2014/main" val="274187357"/>
+                  </a:ext>
+                </a:extLst>
+              </a:tr>
+              <a:tr h="324309">
+                <a:tc>
+                  <a:txBody>
+                    <a:bodyPr/>
+                    <a:lstStyle/>
+                    <a:p>
+                      <a:endParaRPr lang="en-US" dirty="0"/>
+                    </a:p>
+                  </a:txBody>
+                  <a:tcPr>
+                    <a:gradFill>
+                      <a:gsLst>
+                        <a:gs pos="0">
+                          <a:schemeClr val="accent1">
+                            <a:lumMod val="5000"/>
+                            <a:lumOff val="95000"/>
+                          </a:schemeClr>
+                        </a:gs>
+                        <a:gs pos="74000">
+                          <a:schemeClr val="accent1">
+                            <a:lumMod val="45000"/>
+                            <a:lumOff val="55000"/>
+                          </a:schemeClr>
+                        </a:gs>
+                        <a:gs pos="83000">
+                          <a:schemeClr val="accent1">
+                            <a:lumMod val="45000"/>
+                            <a:lumOff val="55000"/>
+                          </a:schemeClr>
+                        </a:gs>
+                        <a:gs pos="100000">
+                          <a:schemeClr val="accent1">
+                            <a:lumMod val="30000"/>
+                            <a:lumOff val="70000"/>
+                          </a:schemeClr>
+                        </a:gs>
+                      </a:gsLst>
+                      <a:lin ang="5400000" scaled="1"/>
+                    </a:gradFill>
+                  </a:tcPr>
+                </a:tc>
+                <a:tc>
+                  <a:txBody>
+                    <a:bodyPr/>
+                    <a:lstStyle/>
+                    <a:p>
+                      <a:endParaRPr lang="en-US"/>
+                    </a:p>
+                  </a:txBody>
+                  <a:tcPr>
+                    <a:gradFill>
+                      <a:gsLst>
+                        <a:gs pos="0">
+                          <a:schemeClr val="accent1">
+                            <a:lumMod val="5000"/>
+                            <a:lumOff val="95000"/>
+                          </a:schemeClr>
+                        </a:gs>
+                        <a:gs pos="74000">
+                          <a:schemeClr val="accent1">
+                            <a:lumMod val="45000"/>
+                            <a:lumOff val="55000"/>
+                          </a:schemeClr>
+                        </a:gs>
+                        <a:gs pos="83000">
+                          <a:schemeClr val="accent1">
+                            <a:lumMod val="45000"/>
+                            <a:lumOff val="55000"/>
+                          </a:schemeClr>
+                        </a:gs>
+                        <a:gs pos="100000">
+                          <a:schemeClr val="accent1">
+                            <a:lumMod val="30000"/>
+                            <a:lumOff val="70000"/>
+                          </a:schemeClr>
+                        </a:gs>
+                      </a:gsLst>
+                      <a:lin ang="5400000" scaled="1"/>
+                    </a:gradFill>
+                  </a:tcPr>
+                </a:tc>
+                <a:tc>
+                  <a:txBody>
+                    <a:bodyPr/>
+                    <a:lstStyle/>
+                    <a:p>
+                      <a:endParaRPr lang="en-US"/>
+                    </a:p>
+                  </a:txBody>
+                  <a:tcPr>
+                    <a:gradFill>
+                      <a:gsLst>
+                        <a:gs pos="0">
+                          <a:schemeClr val="accent1">
+                            <a:lumMod val="5000"/>
+                            <a:lumOff val="95000"/>
+                          </a:schemeClr>
+                        </a:gs>
+                        <a:gs pos="74000">
+                          <a:schemeClr val="accent1">
+                            <a:lumMod val="45000"/>
+                            <a:lumOff val="55000"/>
+                          </a:schemeClr>
+                        </a:gs>
+                        <a:gs pos="83000">
+                          <a:schemeClr val="accent1">
+                            <a:lumMod val="45000"/>
+                            <a:lumOff val="55000"/>
+                          </a:schemeClr>
+                        </a:gs>
+                        <a:gs pos="100000">
+                          <a:schemeClr val="accent1">
+                            <a:lumMod val="30000"/>
+                            <a:lumOff val="70000"/>
+                          </a:schemeClr>
+                        </a:gs>
+                      </a:gsLst>
+                      <a:lin ang="5400000" scaled="1"/>
+                    </a:gradFill>
+                  </a:tcPr>
+                </a:tc>
+                <a:tc>
+                  <a:txBody>
+                    <a:bodyPr/>
+                    <a:lstStyle/>
+                    <a:p>
+                      <a:endParaRPr lang="en-US"/>
+                    </a:p>
+                  </a:txBody>
+                  <a:tcPr>
+                    <a:gradFill>
+                      <a:gsLst>
+                        <a:gs pos="0">
+                          <a:schemeClr val="accent1">
+                            <a:lumMod val="5000"/>
+                            <a:lumOff val="95000"/>
+                          </a:schemeClr>
+                        </a:gs>
+                        <a:gs pos="74000">
+                          <a:schemeClr val="accent1">
+                            <a:lumMod val="45000"/>
+                            <a:lumOff val="55000"/>
+                          </a:schemeClr>
+                        </a:gs>
+                        <a:gs pos="83000">
+                          <a:schemeClr val="accent1">
+                            <a:lumMod val="45000"/>
+                            <a:lumOff val="55000"/>
+                          </a:schemeClr>
+                        </a:gs>
+                        <a:gs pos="100000">
+                          <a:schemeClr val="accent1">
+                            <a:lumMod val="30000"/>
+                            <a:lumOff val="70000"/>
+                          </a:schemeClr>
+                        </a:gs>
+                      </a:gsLst>
+                      <a:lin ang="5400000" scaled="1"/>
+                    </a:gradFill>
+                  </a:tcPr>
+                </a:tc>
+                <a:tc>
+                  <a:txBody>
+                    <a:bodyPr/>
+                    <a:lstStyle/>
+                    <a:p>
+                      <a:endParaRPr lang="en-US"/>
+                    </a:p>
+                  </a:txBody>
+                  <a:tcPr>
+                    <a:gradFill>
+                      <a:gsLst>
+                        <a:gs pos="0">
+                          <a:schemeClr val="accent1">
+                            <a:lumMod val="5000"/>
+                            <a:lumOff val="95000"/>
+                          </a:schemeClr>
+                        </a:gs>
+                        <a:gs pos="74000">
+                          <a:schemeClr val="accent1">
+                            <a:lumMod val="45000"/>
+                            <a:lumOff val="55000"/>
+                          </a:schemeClr>
+                        </a:gs>
+                        <a:gs pos="83000">
+                          <a:schemeClr val="accent1">
+                            <a:lumMod val="45000"/>
+                            <a:lumOff val="55000"/>
+                          </a:schemeClr>
+                        </a:gs>
+                        <a:gs pos="100000">
+                          <a:schemeClr val="accent1">
+                            <a:lumMod val="30000"/>
+                            <a:lumOff val="70000"/>
+                          </a:schemeClr>
+                        </a:gs>
+                      </a:gsLst>
+                      <a:lin ang="5400000" scaled="1"/>
+                    </a:gradFill>
+                  </a:tcPr>
+                </a:tc>
+                <a:tc>
+                  <a:txBody>
+                    <a:bodyPr/>
+                    <a:lstStyle/>
+                    <a:p>
+                      <a:endParaRPr lang="en-US" dirty="0"/>
+                    </a:p>
+                  </a:txBody>
+                  <a:tcPr>
+                    <a:gradFill>
+                      <a:gsLst>
+                        <a:gs pos="0">
+                          <a:schemeClr val="accent1">
+                            <a:lumMod val="5000"/>
+                            <a:lumOff val="95000"/>
+                          </a:schemeClr>
+                        </a:gs>
+                        <a:gs pos="74000">
+                          <a:schemeClr val="accent1">
+                            <a:lumMod val="45000"/>
+                            <a:lumOff val="55000"/>
+                          </a:schemeClr>
+                        </a:gs>
+                        <a:gs pos="83000">
+                          <a:schemeClr val="accent1">
+                            <a:lumMod val="45000"/>
+                            <a:lumOff val="55000"/>
+                          </a:schemeClr>
+                        </a:gs>
+                        <a:gs pos="100000">
+                          <a:schemeClr val="accent1">
+                            <a:lumMod val="30000"/>
+                            <a:lumOff val="70000"/>
+                          </a:schemeClr>
+                        </a:gs>
+                      </a:gsLst>
+                      <a:lin ang="5400000" scaled="1"/>
+                    </a:gradFill>
+                  </a:tcPr>
+                </a:tc>
+                <a:tc>
+                  <a:txBody>
+                    <a:bodyPr/>
+                    <a:lstStyle/>
+                    <a:p>
+                      <a:endParaRPr lang="en-US"/>
+                    </a:p>
+                  </a:txBody>
+                  <a:tcPr>
+                    <a:gradFill>
+                      <a:gsLst>
+                        <a:gs pos="0">
+                          <a:schemeClr val="accent1">
+                            <a:lumMod val="5000"/>
+                            <a:lumOff val="95000"/>
+                          </a:schemeClr>
+                        </a:gs>
+                        <a:gs pos="74000">
+                          <a:schemeClr val="accent1">
+                            <a:lumMod val="45000"/>
+                            <a:lumOff val="55000"/>
+                          </a:schemeClr>
+                        </a:gs>
+                        <a:gs pos="83000">
+                          <a:schemeClr val="accent1">
+                            <a:lumMod val="45000"/>
+                            <a:lumOff val="55000"/>
+                          </a:schemeClr>
+                        </a:gs>
+                        <a:gs pos="100000">
+                          <a:schemeClr val="accent1">
+                            <a:lumMod val="30000"/>
+                            <a:lumOff val="70000"/>
+                          </a:schemeClr>
+                        </a:gs>
+                      </a:gsLst>
+                      <a:lin ang="5400000" scaled="1"/>
+                    </a:gradFill>
+                  </a:tcPr>
+                </a:tc>
+                <a:tc>
+                  <a:txBody>
+                    <a:bodyPr/>
+                    <a:lstStyle/>
+                    <a:p>
+                      <a:endParaRPr lang="en-US" dirty="0"/>
+                    </a:p>
+                  </a:txBody>
+                  <a:tcPr>
+                    <a:gradFill>
+                      <a:gsLst>
+                        <a:gs pos="0">
+                          <a:schemeClr val="accent1">
+                            <a:lumMod val="5000"/>
+                            <a:lumOff val="95000"/>
+                          </a:schemeClr>
+                        </a:gs>
+                        <a:gs pos="74000">
+                          <a:schemeClr val="accent1">
+                            <a:lumMod val="45000"/>
+                            <a:lumOff val="55000"/>
+                          </a:schemeClr>
+                        </a:gs>
+                        <a:gs pos="83000">
+                          <a:schemeClr val="accent1">
+                            <a:lumMod val="45000"/>
+                            <a:lumOff val="55000"/>
+                          </a:schemeClr>
+                        </a:gs>
+                        <a:gs pos="100000">
+                          <a:schemeClr val="accent1">
+                            <a:lumMod val="30000"/>
+                            <a:lumOff val="70000"/>
+                          </a:schemeClr>
+                        </a:gs>
+                      </a:gsLst>
+                      <a:lin ang="5400000" scaled="1"/>
+                    </a:gradFill>
+                  </a:tcPr>
+                </a:tc>
+                <a:tc>
+                  <a:txBody>
+                    <a:bodyPr/>
+                    <a:lstStyle/>
+                    <a:p>
+                      <a:endParaRPr lang="en-US" dirty="0"/>
+                    </a:p>
+                  </a:txBody>
+                  <a:tcPr>
+                    <a:gradFill>
+                      <a:gsLst>
+                        <a:gs pos="0">
+                          <a:schemeClr val="accent1">
+                            <a:lumMod val="5000"/>
+                            <a:lumOff val="95000"/>
+                          </a:schemeClr>
+                        </a:gs>
+                        <a:gs pos="74000">
+                          <a:schemeClr val="accent1">
+                            <a:lumMod val="45000"/>
+                            <a:lumOff val="55000"/>
+                          </a:schemeClr>
+                        </a:gs>
+                        <a:gs pos="83000">
+                          <a:schemeClr val="accent1">
+                            <a:lumMod val="45000"/>
+                            <a:lumOff val="55000"/>
+                          </a:schemeClr>
+                        </a:gs>
+                        <a:gs pos="100000">
+                          <a:schemeClr val="accent1">
+                            <a:lumMod val="30000"/>
+                            <a:lumOff val="70000"/>
+                          </a:schemeClr>
+                        </a:gs>
+                      </a:gsLst>
+                      <a:lin ang="5400000" scaled="1"/>
+                    </a:gradFill>
+                  </a:tcPr>
+                </a:tc>
+                <a:extLst>
+                  <a:ext uri="{0D108BD9-81ED-4DB2-BD59-A6C34878D82A}">
+                    <a16:rowId xmlns:a16="http://schemas.microsoft.com/office/drawing/2014/main" val="2739364886"/>
+                  </a:ext>
+                </a:extLst>
+              </a:tr>
+            </a:tbl>
+          </a:graphicData>
+        </a:graphic>
+      </p:graphicFrame>
+      <p:graphicFrame>
+        <p:nvGraphicFramePr>
+          <p:cNvPr id="12" name="Table 12">
+            <a:extLst>
+              <a:ext uri="{FF2B5EF4-FFF2-40B4-BE49-F238E27FC236}">
+                <a16:creationId xmlns:a16="http://schemas.microsoft.com/office/drawing/2014/main" id="{D82F723B-12C2-9775-538C-9EE6992E6C58}"/>
+              </a:ext>
+            </a:extLst>
+          </p:cNvPr>
+          <p:cNvGraphicFramePr>
+            <a:graphicFrameLocks noGrp="1"/>
+          </p:cNvGraphicFramePr>
+          <p:nvPr>
+            <p:extLst>
+              <p:ext uri="{D42A27DB-BD31-4B8C-83A1-F6EECF244321}">
+                <p14:modId xmlns:p14="http://schemas.microsoft.com/office/powerpoint/2010/main" val="3225536685"/>
+              </p:ext>
+            </p:extLst>
+          </p:nvPr>
+        </p:nvGraphicFramePr>
+        <p:xfrm>
+          <a:off x="6145228" y="4084277"/>
+          <a:ext cx="5740398" cy="1112520"/>
+        </p:xfrm>
+        <a:graphic>
+          <a:graphicData uri="http://schemas.openxmlformats.org/drawingml/2006/table">
+            <a:tbl>
+              <a:tblPr firstRow="1" bandRow="1">
+                <a:tableStyleId>{5C22544A-7EE6-4342-B048-85BDC9FD1C3A}</a:tableStyleId>
+              </a:tblPr>
+              <a:tblGrid>
+                <a:gridCol w="1913466">
+                  <a:extLst>
+                    <a:ext uri="{9D8B030D-6E8A-4147-A177-3AD203B41FA5}">
+                      <a16:colId xmlns:a16="http://schemas.microsoft.com/office/drawing/2014/main" val="2414723590"/>
+                    </a:ext>
+                  </a:extLst>
+                </a:gridCol>
+                <a:gridCol w="1473233">
+                  <a:extLst>
+                    <a:ext uri="{9D8B030D-6E8A-4147-A177-3AD203B41FA5}">
+                      <a16:colId xmlns:a16="http://schemas.microsoft.com/office/drawing/2014/main" val="1140654899"/>
+                    </a:ext>
+                  </a:extLst>
+                </a:gridCol>
+                <a:gridCol w="2353699">
+                  <a:extLst>
+                    <a:ext uri="{9D8B030D-6E8A-4147-A177-3AD203B41FA5}">
+                      <a16:colId xmlns:a16="http://schemas.microsoft.com/office/drawing/2014/main" val="602248902"/>
+                    </a:ext>
+                  </a:extLst>
+                </a:gridCol>
+              </a:tblGrid>
+              <a:tr h="370840">
+                <a:tc>
+                  <a:txBody>
+                    <a:bodyPr/>
+                    <a:lstStyle/>
+                    <a:p>
+                      <a:endParaRPr lang="en-US"/>
+                    </a:p>
+                  </a:txBody>
+                  <a:tcPr>
+                    <a:gradFill>
+                      <a:gsLst>
+                        <a:gs pos="0">
+                          <a:schemeClr val="accent1">
+                            <a:lumMod val="5000"/>
+                            <a:lumOff val="95000"/>
+                          </a:schemeClr>
+                        </a:gs>
+                        <a:gs pos="74000">
+                          <a:schemeClr val="accent1">
+                            <a:lumMod val="45000"/>
+                            <a:lumOff val="55000"/>
+                          </a:schemeClr>
+                        </a:gs>
+                        <a:gs pos="83000">
+                          <a:schemeClr val="accent1">
+                            <a:lumMod val="45000"/>
+                            <a:lumOff val="55000"/>
+                          </a:schemeClr>
+                        </a:gs>
+                        <a:gs pos="100000">
+                          <a:schemeClr val="accent1">
+                            <a:lumMod val="30000"/>
+                            <a:lumOff val="70000"/>
+                          </a:schemeClr>
+                        </a:gs>
+                      </a:gsLst>
+                      <a:lin ang="5400000" scaled="1"/>
+                    </a:gradFill>
+                  </a:tcPr>
+                </a:tc>
+                <a:tc>
+                  <a:txBody>
+                    <a:bodyPr/>
+                    <a:lstStyle/>
+                    <a:p>
+                      <a:endParaRPr lang="en-US" dirty="0"/>
+                    </a:p>
+                  </a:txBody>
+                  <a:tcPr>
+                    <a:gradFill>
+                      <a:gsLst>
+                        <a:gs pos="0">
+                          <a:schemeClr val="accent1">
+                            <a:lumMod val="5000"/>
+                            <a:lumOff val="95000"/>
+                          </a:schemeClr>
+                        </a:gs>
+                        <a:gs pos="74000">
+                          <a:schemeClr val="accent1">
+                            <a:lumMod val="45000"/>
+                            <a:lumOff val="55000"/>
+                          </a:schemeClr>
+                        </a:gs>
+                        <a:gs pos="83000">
+                          <a:schemeClr val="accent1">
+                            <a:lumMod val="45000"/>
+                            <a:lumOff val="55000"/>
+                          </a:schemeClr>
+                        </a:gs>
+                        <a:gs pos="100000">
+                          <a:schemeClr val="accent1">
+                            <a:lumMod val="30000"/>
+                            <a:lumOff val="70000"/>
+                          </a:schemeClr>
+                        </a:gs>
+                      </a:gsLst>
+                      <a:lin ang="5400000" scaled="1"/>
+                    </a:gradFill>
+                  </a:tcPr>
+                </a:tc>
+                <a:tc>
+                  <a:txBody>
+                    <a:bodyPr/>
+                    <a:lstStyle/>
+                    <a:p>
+                      <a:endParaRPr lang="en-US"/>
+                    </a:p>
+                  </a:txBody>
+                  <a:tcPr>
+                    <a:gradFill>
+                      <a:gsLst>
+                        <a:gs pos="0">
+                          <a:schemeClr val="accent1">
+                            <a:lumMod val="5000"/>
+                            <a:lumOff val="95000"/>
+                          </a:schemeClr>
+                        </a:gs>
+                        <a:gs pos="74000">
+                          <a:schemeClr val="accent1">
+                            <a:lumMod val="45000"/>
+                            <a:lumOff val="55000"/>
+                          </a:schemeClr>
+                        </a:gs>
+                        <a:gs pos="83000">
+                          <a:schemeClr val="accent1">
+                            <a:lumMod val="45000"/>
+                            <a:lumOff val="55000"/>
+                          </a:schemeClr>
+                        </a:gs>
+                        <a:gs pos="100000">
+                          <a:schemeClr val="accent1">
+                            <a:lumMod val="30000"/>
+                            <a:lumOff val="70000"/>
+                          </a:schemeClr>
+                        </a:gs>
+                      </a:gsLst>
+                      <a:lin ang="5400000" scaled="1"/>
+                    </a:gradFill>
+                  </a:tcPr>
+                </a:tc>
+                <a:extLst>
+                  <a:ext uri="{0D108BD9-81ED-4DB2-BD59-A6C34878D82A}">
+                    <a16:rowId xmlns:a16="http://schemas.microsoft.com/office/drawing/2014/main" val="4100100408"/>
+                  </a:ext>
+                </a:extLst>
+              </a:tr>
+              <a:tr h="370840">
+                <a:tc>
+                  <a:txBody>
+                    <a:bodyPr/>
+                    <a:lstStyle/>
+                    <a:p>
+                      <a:endParaRPr lang="en-US" dirty="0"/>
+                    </a:p>
+                  </a:txBody>
+                  <a:tcPr>
+                    <a:gradFill>
+                      <a:gsLst>
+                        <a:gs pos="0">
+                          <a:schemeClr val="accent1">
+                            <a:lumMod val="5000"/>
+                            <a:lumOff val="95000"/>
+                          </a:schemeClr>
+                        </a:gs>
+                        <a:gs pos="74000">
+                          <a:schemeClr val="accent1">
+                            <a:lumMod val="45000"/>
+                            <a:lumOff val="55000"/>
+                          </a:schemeClr>
+                        </a:gs>
+                        <a:gs pos="83000">
+                          <a:schemeClr val="accent1">
+                            <a:lumMod val="45000"/>
+                            <a:lumOff val="55000"/>
+                          </a:schemeClr>
+                        </a:gs>
+                        <a:gs pos="100000">
+                          <a:schemeClr val="accent1">
+                            <a:lumMod val="30000"/>
+                            <a:lumOff val="70000"/>
+                          </a:schemeClr>
+                        </a:gs>
+                      </a:gsLst>
+                      <a:lin ang="5400000" scaled="1"/>
+                    </a:gradFill>
+                  </a:tcPr>
+                </a:tc>
+                <a:tc>
+                  <a:txBody>
+                    <a:bodyPr/>
+                    <a:lstStyle/>
+                    <a:p>
+                      <a:endParaRPr lang="en-US" dirty="0"/>
+                    </a:p>
+                  </a:txBody>
+                  <a:tcPr>
+                    <a:gradFill>
+                      <a:gsLst>
+                        <a:gs pos="0">
+                          <a:schemeClr val="accent1">
+                            <a:lumMod val="5000"/>
+                            <a:lumOff val="95000"/>
+                          </a:schemeClr>
+                        </a:gs>
+                        <a:gs pos="74000">
+                          <a:schemeClr val="accent1">
+                            <a:lumMod val="45000"/>
+                            <a:lumOff val="55000"/>
+                          </a:schemeClr>
+                        </a:gs>
+                        <a:gs pos="83000">
+                          <a:schemeClr val="accent1">
+                            <a:lumMod val="45000"/>
+                            <a:lumOff val="55000"/>
+                          </a:schemeClr>
+                        </a:gs>
+                        <a:gs pos="100000">
+                          <a:schemeClr val="accent1">
+                            <a:lumMod val="30000"/>
+                            <a:lumOff val="70000"/>
+                          </a:schemeClr>
+                        </a:gs>
+                      </a:gsLst>
+                      <a:lin ang="5400000" scaled="1"/>
+                    </a:gradFill>
+                  </a:tcPr>
+                </a:tc>
+                <a:tc>
+                  <a:txBody>
+                    <a:bodyPr/>
+                    <a:lstStyle/>
+                    <a:p>
+                      <a:endParaRPr lang="en-US"/>
+                    </a:p>
+                  </a:txBody>
+                  <a:tcPr>
+                    <a:gradFill>
+                      <a:gsLst>
+                        <a:gs pos="0">
+                          <a:schemeClr val="accent1">
+                            <a:lumMod val="5000"/>
+                            <a:lumOff val="95000"/>
+                          </a:schemeClr>
+                        </a:gs>
+                        <a:gs pos="74000">
+                          <a:schemeClr val="accent1">
+                            <a:lumMod val="45000"/>
+                            <a:lumOff val="55000"/>
+                          </a:schemeClr>
+                        </a:gs>
+                        <a:gs pos="83000">
+                          <a:schemeClr val="accent1">
+                            <a:lumMod val="45000"/>
+                            <a:lumOff val="55000"/>
+                          </a:schemeClr>
+                        </a:gs>
+                        <a:gs pos="100000">
+                          <a:schemeClr val="accent1">
+                            <a:lumMod val="30000"/>
+                            <a:lumOff val="70000"/>
+                          </a:schemeClr>
+                        </a:gs>
+                      </a:gsLst>
+                      <a:lin ang="5400000" scaled="1"/>
+                    </a:gradFill>
+                  </a:tcPr>
+                </a:tc>
+                <a:extLst>
+                  <a:ext uri="{0D108BD9-81ED-4DB2-BD59-A6C34878D82A}">
+                    <a16:rowId xmlns:a16="http://schemas.microsoft.com/office/drawing/2014/main" val="1075913945"/>
+                  </a:ext>
+                </a:extLst>
+              </a:tr>
+              <a:tr h="370840">
+                <a:tc>
+                  <a:txBody>
+                    <a:bodyPr/>
+                    <a:lstStyle/>
+                    <a:p>
+                      <a:endParaRPr lang="en-US" dirty="0"/>
+                    </a:p>
+                  </a:txBody>
+                  <a:tcPr>
+                    <a:gradFill>
+                      <a:gsLst>
+                        <a:gs pos="0">
+                          <a:schemeClr val="accent1">
+                            <a:lumMod val="5000"/>
+                            <a:lumOff val="95000"/>
+                          </a:schemeClr>
+                        </a:gs>
+                        <a:gs pos="74000">
+                          <a:schemeClr val="accent1">
+                            <a:lumMod val="45000"/>
+                            <a:lumOff val="55000"/>
+                          </a:schemeClr>
+                        </a:gs>
+                        <a:gs pos="83000">
+                          <a:schemeClr val="accent1">
+                            <a:lumMod val="45000"/>
+                            <a:lumOff val="55000"/>
+                          </a:schemeClr>
+                        </a:gs>
+                        <a:gs pos="100000">
+                          <a:schemeClr val="accent1">
+                            <a:lumMod val="30000"/>
+                            <a:lumOff val="70000"/>
+                          </a:schemeClr>
+                        </a:gs>
+                      </a:gsLst>
+                      <a:lin ang="5400000" scaled="1"/>
+                    </a:gradFill>
+                  </a:tcPr>
+                </a:tc>
+                <a:tc>
+                  <a:txBody>
+                    <a:bodyPr/>
+                    <a:lstStyle/>
+                    <a:p>
+                      <a:endParaRPr lang="en-US"/>
+                    </a:p>
+                  </a:txBody>
+                  <a:tcPr>
+                    <a:gradFill>
+                      <a:gsLst>
+                        <a:gs pos="0">
+                          <a:schemeClr val="accent1">
+                            <a:lumMod val="5000"/>
+                            <a:lumOff val="95000"/>
+                          </a:schemeClr>
+                        </a:gs>
+                        <a:gs pos="74000">
+                          <a:schemeClr val="accent1">
+                            <a:lumMod val="45000"/>
+                            <a:lumOff val="55000"/>
+                          </a:schemeClr>
+                        </a:gs>
+                        <a:gs pos="83000">
+                          <a:schemeClr val="accent1">
+                            <a:lumMod val="45000"/>
+                            <a:lumOff val="55000"/>
+                          </a:schemeClr>
+                        </a:gs>
+                        <a:gs pos="100000">
+                          <a:schemeClr val="accent1">
+                            <a:lumMod val="30000"/>
+                            <a:lumOff val="70000"/>
+                          </a:schemeClr>
+                        </a:gs>
+                      </a:gsLst>
+                      <a:lin ang="5400000" scaled="1"/>
+                    </a:gradFill>
+                  </a:tcPr>
+                </a:tc>
+                <a:tc>
+                  <a:txBody>
+                    <a:bodyPr/>
+                    <a:lstStyle/>
+                    <a:p>
+                      <a:endParaRPr lang="en-US" dirty="0"/>
+                    </a:p>
+                  </a:txBody>
+                  <a:tcPr>
+                    <a:gradFill>
+                      <a:gsLst>
+                        <a:gs pos="0">
+                          <a:schemeClr val="accent1">
+                            <a:lumMod val="5000"/>
+                            <a:lumOff val="95000"/>
+                          </a:schemeClr>
+                        </a:gs>
+                        <a:gs pos="74000">
+                          <a:schemeClr val="accent1">
+                            <a:lumMod val="45000"/>
+                            <a:lumOff val="55000"/>
+                          </a:schemeClr>
+                        </a:gs>
+                        <a:gs pos="83000">
+                          <a:schemeClr val="accent1">
+                            <a:lumMod val="45000"/>
+                            <a:lumOff val="55000"/>
+                          </a:schemeClr>
+                        </a:gs>
+                        <a:gs pos="100000">
+                          <a:schemeClr val="accent1">
+                            <a:lumMod val="30000"/>
+                            <a:lumOff val="70000"/>
+                          </a:schemeClr>
+                        </a:gs>
+                      </a:gsLst>
+                      <a:lin ang="5400000" scaled="1"/>
+                    </a:gradFill>
+                  </a:tcPr>
+                </a:tc>
+                <a:extLst>
+                  <a:ext uri="{0D108BD9-81ED-4DB2-BD59-A6C34878D82A}">
+                    <a16:rowId xmlns:a16="http://schemas.microsoft.com/office/drawing/2014/main" val="3468552963"/>
+                  </a:ext>
+                </a:extLst>
+              </a:tr>
+            </a:tbl>
+          </a:graphicData>
+        </a:graphic>
+      </p:graphicFrame>
+      <p:sp>
+        <p:nvSpPr>
+          <p:cNvPr id="13" name="TextBox 12">
+            <a:extLst>
+              <a:ext uri="{FF2B5EF4-FFF2-40B4-BE49-F238E27FC236}">
+                <a16:creationId xmlns:a16="http://schemas.microsoft.com/office/drawing/2014/main" id="{AF72A7CB-1CDC-EB63-2471-2E1286D051E6}"/>
+              </a:ext>
+            </a:extLst>
+          </p:cNvPr>
+          <p:cNvSpPr txBox="1"/>
+          <p:nvPr/>
+        </p:nvSpPr>
+        <p:spPr>
+          <a:xfrm>
+            <a:off x="717443" y="1499339"/>
+            <a:ext cx="4517029" cy="4524315"/>
+          </a:xfrm>
+          <a:prstGeom prst="rect">
+            <a:avLst/>
+          </a:prstGeom>
+          <a:noFill/>
+        </p:spPr>
+        <p:txBody>
+          <a:bodyPr wrap="square" rtlCol="0">
+            <a:spAutoFit/>
+          </a:bodyPr>
+          <a:lstStyle/>
+          <a:p>
+            <a:r>
+              <a:rPr lang="en-US" sz="2400" dirty="0"/>
+              <a:t>1 object </a:t>
+            </a:r>
+            <a:r>
+              <a:rPr lang="en-US" sz="2400" dirty="0">
+                <a:sym typeface="Wingdings" panose="05000000000000000000" pitchFamily="2" charset="2"/>
+              </a:rPr>
+              <a:t> Many records</a:t>
+            </a:r>
+          </a:p>
+          <a:p>
+            <a:pPr marL="457200" indent="-457200">
+              <a:buFont typeface="Arial" panose="020B0604020202020204" pitchFamily="34" charset="0"/>
+              <a:buChar char="•"/>
+            </a:pPr>
+            <a:r>
+              <a:rPr lang="en-US" sz="2400" dirty="0">
+                <a:sym typeface="Wingdings" panose="05000000000000000000" pitchFamily="2" charset="2"/>
+              </a:rPr>
+              <a:t>Records separated as lines</a:t>
+            </a:r>
+            <a:endParaRPr lang="en-US" sz="2400" dirty="0"/>
+          </a:p>
+          <a:p>
+            <a:pPr marL="457200" indent="-457200">
+              <a:buFont typeface="Arial" panose="020B0604020202020204" pitchFamily="34" charset="0"/>
+              <a:buChar char="•"/>
+            </a:pPr>
+            <a:r>
+              <a:rPr lang="en-US" sz="2400" dirty="0"/>
+              <a:t>Voter records are not all the same size.</a:t>
+            </a:r>
+          </a:p>
+          <a:p>
+            <a:endParaRPr lang="en-US" sz="2400" dirty="0"/>
+          </a:p>
+          <a:p>
+            <a:r>
+              <a:rPr lang="en-US" sz="2400" dirty="0"/>
+              <a:t>Dictionary:</a:t>
+            </a:r>
+          </a:p>
+          <a:p>
+            <a:pPr marL="457200" indent="-457200">
+              <a:buFont typeface="Arial" panose="020B0604020202020204" pitchFamily="34" charset="0"/>
+              <a:buChar char="•"/>
+            </a:pPr>
+            <a:r>
+              <a:rPr lang="en-US" sz="2400" dirty="0"/>
+              <a:t>Voter id </a:t>
+            </a:r>
+            <a:r>
+              <a:rPr lang="en-US" sz="2400" dirty="0">
+                <a:sym typeface="Wingdings" panose="05000000000000000000" pitchFamily="2" charset="2"/>
+              </a:rPr>
+              <a:t> </a:t>
+            </a:r>
+            <a:r>
+              <a:rPr lang="en-US" sz="2400" dirty="0"/>
+              <a:t>(Object #, Offset)</a:t>
+            </a:r>
+          </a:p>
+          <a:p>
+            <a:endParaRPr lang="en-US" sz="2400" dirty="0"/>
+          </a:p>
+          <a:p>
+            <a:r>
+              <a:rPr lang="en-US" sz="2400" dirty="0"/>
+              <a:t>Python module </a:t>
+            </a:r>
+            <a:r>
+              <a:rPr lang="en-US" sz="2400" i="1" dirty="0" err="1"/>
+              <a:t>linecache</a:t>
+            </a:r>
+            <a:endParaRPr lang="en-US" sz="2400" i="1" dirty="0"/>
+          </a:p>
+          <a:p>
+            <a:pPr marL="457200" indent="-457200">
+              <a:buFont typeface="Arial" panose="020B0604020202020204" pitchFamily="34" charset="0"/>
+              <a:buChar char="•"/>
+            </a:pPr>
+            <a:r>
+              <a:rPr lang="en-US" sz="2400" dirty="0"/>
+              <a:t>Attempt to optimize random access of a line (voter record)</a:t>
+            </a:r>
+          </a:p>
+          <a:p>
+            <a:endParaRPr lang="en-US" sz="2400" dirty="0"/>
+          </a:p>
+        </p:txBody>
+      </p:sp>
+      <p:sp>
+        <p:nvSpPr>
+          <p:cNvPr id="6" name="Title 1">
+            <a:extLst>
+              <a:ext uri="{FF2B5EF4-FFF2-40B4-BE49-F238E27FC236}">
+                <a16:creationId xmlns:a16="http://schemas.microsoft.com/office/drawing/2014/main" id="{888BDD62-43EB-77D2-DD12-17FBB1FF1FFE}"/>
+              </a:ext>
+            </a:extLst>
+          </p:cNvPr>
+          <p:cNvSpPr txBox="1">
+            <a:spLocks/>
+          </p:cNvSpPr>
+          <p:nvPr/>
+        </p:nvSpPr>
+        <p:spPr>
+          <a:xfrm>
+            <a:off x="533400" y="454187"/>
+            <a:ext cx="10515600" cy="745218"/>
+          </a:xfrm>
+          <a:prstGeom prst="rect">
+            <a:avLst/>
+          </a:prstGeom>
+        </p:spPr>
+        <p:txBody>
+          <a:bodyPr vert="horz" lIns="91440" tIns="45720" rIns="91440" bIns="45720" rtlCol="0" anchor="t" anchorCtr="0">
+            <a:normAutofit/>
+          </a:bodyPr>
+          <a:lstStyle>
+            <a:lvl1pPr algn="ctr" defTabSz="914400" rtl="0" eaLnBrk="1" latinLnBrk="0" hangingPunct="1">
+              <a:lnSpc>
+                <a:spcPct val="90000"/>
+              </a:lnSpc>
+              <a:spcBef>
+                <a:spcPct val="0"/>
+              </a:spcBef>
+              <a:buNone/>
+              <a:defRPr sz="6000" kern="1200">
+                <a:solidFill>
+                  <a:schemeClr val="tx1"/>
+                </a:solidFill>
+                <a:latin typeface="+mj-lt"/>
+                <a:ea typeface="+mj-ea"/>
+                <a:cs typeface="+mj-cs"/>
+              </a:defRPr>
+            </a:lvl1pPr>
+          </a:lstStyle>
+          <a:p>
+            <a:pPr algn="l"/>
+            <a:r>
+              <a:rPr lang="en-US" sz="4400" dirty="0"/>
+              <a:t>Location Dictionary</a:t>
+            </a:r>
+          </a:p>
+        </p:txBody>
+      </p:sp>
+      <p:cxnSp>
+        <p:nvCxnSpPr>
+          <p:cNvPr id="8" name="Straight Connector 7">
+            <a:extLst>
+              <a:ext uri="{FF2B5EF4-FFF2-40B4-BE49-F238E27FC236}">
+                <a16:creationId xmlns:a16="http://schemas.microsoft.com/office/drawing/2014/main" id="{D6800357-0AD2-B774-0A9F-88035BA68DB8}"/>
+              </a:ext>
+            </a:extLst>
+          </p:cNvPr>
+          <p:cNvCxnSpPr/>
+          <p:nvPr/>
+        </p:nvCxnSpPr>
+        <p:spPr>
+          <a:xfrm>
+            <a:off x="615820" y="1287624"/>
+            <a:ext cx="10954139" cy="0"/>
+          </a:xfrm>
+          <a:prstGeom prst="line">
+            <a:avLst/>
+          </a:prstGeom>
+          <a:ln w="19050">
+            <a:solidFill>
+              <a:schemeClr val="bg1">
+                <a:lumMod val="50000"/>
+              </a:schemeClr>
+            </a:solidFill>
+            <a:prstDash val="sysDash"/>
+          </a:ln>
+        </p:spPr>
+        <p:style>
+          <a:lnRef idx="1">
+            <a:schemeClr val="accent1"/>
+          </a:lnRef>
+          <a:fillRef idx="0">
+            <a:schemeClr val="accent1"/>
+          </a:fillRef>
+          <a:effectRef idx="0">
+            <a:schemeClr val="accent1"/>
+          </a:effectRef>
+          <a:fontRef idx="minor">
+            <a:schemeClr val="tx1"/>
+          </a:fontRef>
+        </p:style>
+      </p:cxnSp>
+    </p:spTree>
+    <p:extLst>
+      <p:ext uri="{BB962C8B-B14F-4D97-AF65-F5344CB8AC3E}">
+        <p14:creationId xmlns:p14="http://schemas.microsoft.com/office/powerpoint/2010/main" val="1637545153"/>
+      </p:ext>
+    </p:extLst>
+  </p:cSld>
+  <p:clrMapOvr>
+    <a:masterClrMapping/>
+  </p:clrMapOvr>
+</p:sld>
+</file>
+
+<file path=ppt/slides/slide2.xml><?xml version="1.0" encoding="utf-8"?>
+<p:sld xmlns:a="http://schemas.openxmlformats.org/drawingml/2006/main" xmlns:r="http://schemas.openxmlformats.org/officeDocument/2006/relationships" xmlns:p="http://schemas.openxmlformats.org/presentationml/2006/main">
+  <p:cSld>
+    <p:spTree>
+      <p:nvGrpSpPr>
+        <p:cNvPr id="1" name=""/>
+        <p:cNvGrpSpPr/>
+        <p:nvPr/>
+      </p:nvGrpSpPr>
+      <p:grpSpPr>
+        <a:xfrm>
+          <a:off x="0" y="0"/>
+          <a:ext cx="0" cy="0"/>
+          <a:chOff x="0" y="0"/>
+          <a:chExt cx="0" cy="0"/>
+        </a:xfrm>
+      </p:grpSpPr>
+      <p:sp>
+        <p:nvSpPr>
+          <p:cNvPr id="2" name="Title 1">
+            <a:extLst>
+              <a:ext uri="{FF2B5EF4-FFF2-40B4-BE49-F238E27FC236}">
+                <a16:creationId xmlns:a16="http://schemas.microsoft.com/office/drawing/2014/main" id="{D0B87F8E-5D83-4513-9285-8A122C4A62CB}"/>
+              </a:ext>
+            </a:extLst>
+          </p:cNvPr>
+          <p:cNvSpPr>
+            <a:spLocks noGrp="1"/>
+          </p:cNvSpPr>
+          <p:nvPr>
+            <p:ph type="title"/>
+          </p:nvPr>
+        </p:nvSpPr>
+        <p:spPr>
+          <a:xfrm>
+            <a:off x="615820" y="365126"/>
+            <a:ext cx="10737980" cy="745218"/>
+          </a:xfrm>
+        </p:spPr>
+        <p:txBody>
+          <a:bodyPr/>
+          <a:lstStyle/>
+          <a:p>
+            <a:r>
+              <a:rPr lang="en-US" b="1" dirty="0"/>
+              <a:t>Motivation</a:t>
+            </a:r>
+          </a:p>
+        </p:txBody>
+      </p:sp>
+      <p:graphicFrame>
+        <p:nvGraphicFramePr>
+          <p:cNvPr id="7" name="Content Placeholder 2">
+            <a:extLst>
+              <a:ext uri="{FF2B5EF4-FFF2-40B4-BE49-F238E27FC236}">
+                <a16:creationId xmlns:a16="http://schemas.microsoft.com/office/drawing/2014/main" id="{D2B600C7-A791-F681-D189-DA40156272DD}"/>
+              </a:ext>
+            </a:extLst>
+          </p:cNvPr>
+          <p:cNvGraphicFramePr>
+            <a:graphicFrameLocks noGrp="1"/>
+          </p:cNvGraphicFramePr>
+          <p:nvPr>
+            <p:ph idx="1"/>
+            <p:extLst>
+              <p:ext uri="{D42A27DB-BD31-4B8C-83A1-F6EECF244321}">
+                <p14:modId xmlns:p14="http://schemas.microsoft.com/office/powerpoint/2010/main" val="3580922237"/>
+              </p:ext>
+            </p:extLst>
+          </p:nvPr>
+        </p:nvGraphicFramePr>
+        <p:xfrm>
+          <a:off x="838200" y="1825625"/>
+          <a:ext cx="10515600" cy="4351338"/>
+        </p:xfrm>
+        <a:graphic>
+          <a:graphicData uri="http://schemas.openxmlformats.org/drawingml/2006/diagram">
+            <dgm:relIds xmlns:dgm="http://schemas.openxmlformats.org/drawingml/2006/diagram" xmlns:r="http://schemas.openxmlformats.org/officeDocument/2006/relationships" r:dm="rId3" r:lo="rId4" r:qs="rId5" r:cs="rId6"/>
+          </a:graphicData>
+        </a:graphic>
+      </p:graphicFrame>
+      <p:cxnSp>
+        <p:nvCxnSpPr>
+          <p:cNvPr id="5" name="Straight Connector 4">
+            <a:extLst>
+              <a:ext uri="{FF2B5EF4-FFF2-40B4-BE49-F238E27FC236}">
+                <a16:creationId xmlns:a16="http://schemas.microsoft.com/office/drawing/2014/main" id="{86EF85BD-B585-F4FA-AB4B-371C19D22622}"/>
+              </a:ext>
+            </a:extLst>
+          </p:cNvPr>
+          <p:cNvCxnSpPr/>
+          <p:nvPr/>
+        </p:nvCxnSpPr>
+        <p:spPr>
+          <a:xfrm>
+            <a:off x="615820" y="1287624"/>
+            <a:ext cx="10954139" cy="0"/>
+          </a:xfrm>
+          <a:prstGeom prst="line">
+            <a:avLst/>
+          </a:prstGeom>
+          <a:ln w="19050">
+            <a:solidFill>
+              <a:schemeClr val="bg1">
+                <a:lumMod val="50000"/>
+              </a:schemeClr>
+            </a:solidFill>
+            <a:prstDash val="sysDash"/>
+          </a:ln>
+        </p:spPr>
+        <p:style>
+          <a:lnRef idx="1">
+            <a:schemeClr val="accent1"/>
+          </a:lnRef>
+          <a:fillRef idx="0">
+            <a:schemeClr val="accent1"/>
+          </a:fillRef>
+          <a:effectRef idx="0">
+            <a:schemeClr val="accent1"/>
+          </a:effectRef>
+          <a:fontRef idx="minor">
+            <a:schemeClr val="tx1"/>
+          </a:fontRef>
+        </p:style>
+      </p:cxnSp>
+    </p:spTree>
+    <p:extLst>
+      <p:ext uri="{BB962C8B-B14F-4D97-AF65-F5344CB8AC3E}">
+        <p14:creationId xmlns:p14="http://schemas.microsoft.com/office/powerpoint/2010/main" val="838582685"/>
+      </p:ext>
+    </p:extLst>
+  </p:cSld>
+  <p:clrMapOvr>
+    <a:masterClrMapping/>
+  </p:clrMapOvr>
+</p:sld>
+</file>
+
+<file path=ppt/slides/slide20.xml><?xml version="1.0" encoding="utf-8"?>
+<p:sld xmlns:a="http://schemas.openxmlformats.org/drawingml/2006/main" xmlns:r="http://schemas.openxmlformats.org/officeDocument/2006/relationships" xmlns:p="http://schemas.openxmlformats.org/presentationml/2006/main">
+  <p:cSld>
+    <p:spTree>
+      <p:nvGrpSpPr>
+        <p:cNvPr id="1" name=""/>
+        <p:cNvGrpSpPr/>
+        <p:nvPr/>
+      </p:nvGrpSpPr>
+      <p:grpSpPr>
+        <a:xfrm>
+          <a:off x="0" y="0"/>
+          <a:ext cx="0" cy="0"/>
+          <a:chOff x="0" y="0"/>
+          <a:chExt cx="0" cy="0"/>
+        </a:xfrm>
+      </p:grpSpPr>
+      <p:sp>
+        <p:nvSpPr>
+          <p:cNvPr id="2" name="Title 1">
+            <a:extLst>
+              <a:ext uri="{FF2B5EF4-FFF2-40B4-BE49-F238E27FC236}">
+                <a16:creationId xmlns:a16="http://schemas.microsoft.com/office/drawing/2014/main" id="{D0B87F8E-5D83-4513-9285-8A122C4A62CB}"/>
+              </a:ext>
+            </a:extLst>
+          </p:cNvPr>
+          <p:cNvSpPr>
+            <a:spLocks noGrp="1"/>
+          </p:cNvSpPr>
+          <p:nvPr>
+            <p:ph type="title"/>
+          </p:nvPr>
+        </p:nvSpPr>
+        <p:spPr>
+          <a:xfrm>
+            <a:off x="838200" y="308428"/>
+            <a:ext cx="10515600" cy="745218"/>
+          </a:xfrm>
+        </p:spPr>
+        <p:txBody>
+          <a:bodyPr/>
+          <a:lstStyle/>
+          <a:p>
+            <a:r>
+              <a:rPr lang="en-US" dirty="0"/>
+              <a:t>Different Object Sizes</a:t>
+            </a:r>
+          </a:p>
+        </p:txBody>
+      </p:sp>
+      <p:cxnSp>
+        <p:nvCxnSpPr>
+          <p:cNvPr id="5" name="Straight Connector 4">
+            <a:extLst>
+              <a:ext uri="{FF2B5EF4-FFF2-40B4-BE49-F238E27FC236}">
+                <a16:creationId xmlns:a16="http://schemas.microsoft.com/office/drawing/2014/main" id="{86EF85BD-B585-F4FA-AB4B-371C19D22622}"/>
+              </a:ext>
+            </a:extLst>
+          </p:cNvPr>
+          <p:cNvCxnSpPr/>
+          <p:nvPr/>
+        </p:nvCxnSpPr>
+        <p:spPr>
+          <a:xfrm>
+            <a:off x="615820" y="1287624"/>
+            <a:ext cx="10954139" cy="0"/>
+          </a:xfrm>
+          <a:prstGeom prst="line">
+            <a:avLst/>
+          </a:prstGeom>
+          <a:ln w="19050">
+            <a:solidFill>
+              <a:schemeClr val="bg1">
+                <a:lumMod val="50000"/>
+              </a:schemeClr>
+            </a:solidFill>
+            <a:prstDash val="sysDash"/>
+          </a:ln>
+        </p:spPr>
+        <p:style>
+          <a:lnRef idx="1">
+            <a:schemeClr val="accent1"/>
+          </a:lnRef>
+          <a:fillRef idx="0">
+            <a:schemeClr val="accent1"/>
+          </a:fillRef>
+          <a:effectRef idx="0">
+            <a:schemeClr val="accent1"/>
+          </a:effectRef>
+          <a:fontRef idx="minor">
+            <a:schemeClr val="tx1"/>
+          </a:fontRef>
+        </p:style>
+      </p:cxnSp>
+      <p:sp>
+        <p:nvSpPr>
+          <p:cNvPr id="3" name="TextBox 2">
+            <a:extLst>
+              <a:ext uri="{FF2B5EF4-FFF2-40B4-BE49-F238E27FC236}">
+                <a16:creationId xmlns:a16="http://schemas.microsoft.com/office/drawing/2014/main" id="{88BB732B-99AF-21B0-EB10-A46AAD81C772}"/>
+              </a:ext>
+            </a:extLst>
+          </p:cNvPr>
+          <p:cNvSpPr txBox="1"/>
+          <p:nvPr/>
+        </p:nvSpPr>
+        <p:spPr>
+          <a:xfrm>
+            <a:off x="2809362" y="5559343"/>
+            <a:ext cx="6567054" cy="738664"/>
+          </a:xfrm>
+          <a:prstGeom prst="rect">
+            <a:avLst/>
+          </a:prstGeom>
+          <a:noFill/>
+        </p:spPr>
+        <p:txBody>
+          <a:bodyPr wrap="square" rtlCol="0">
+            <a:spAutoFit/>
+          </a:bodyPr>
+          <a:lstStyle/>
+          <a:p>
+            <a:pPr algn="ctr"/>
+            <a:r>
+              <a:rPr lang="en-US" sz="2400" dirty="0"/>
+              <a:t>…</a:t>
+            </a:r>
+          </a:p>
+          <a:p>
+            <a:pPr algn="ctr"/>
+            <a:r>
+              <a:rPr lang="en-US" dirty="0"/>
+              <a:t>…</a:t>
+            </a:r>
+          </a:p>
+        </p:txBody>
+      </p:sp>
+      <p:graphicFrame>
+        <p:nvGraphicFramePr>
+          <p:cNvPr id="7" name="Chart 6">
+            <a:extLst>
+              <a:ext uri="{FF2B5EF4-FFF2-40B4-BE49-F238E27FC236}">
+                <a16:creationId xmlns:a16="http://schemas.microsoft.com/office/drawing/2014/main" id="{D804E6C3-9C1C-C01E-3936-5D2E455F5292}"/>
+              </a:ext>
+            </a:extLst>
+          </p:cNvPr>
+          <p:cNvGraphicFramePr>
+            <a:graphicFrameLocks/>
+          </p:cNvGraphicFramePr>
+          <p:nvPr>
+            <p:extLst>
+              <p:ext uri="{D42A27DB-BD31-4B8C-83A1-F6EECF244321}">
+                <p14:modId xmlns:p14="http://schemas.microsoft.com/office/powerpoint/2010/main" val="3775946297"/>
+              </p:ext>
+            </p:extLst>
+          </p:nvPr>
+        </p:nvGraphicFramePr>
+        <p:xfrm>
+          <a:off x="2438400" y="1371600"/>
+          <a:ext cx="7315200" cy="4114800"/>
+        </p:xfrm>
+        <a:graphic>
+          <a:graphicData uri="http://schemas.openxmlformats.org/drawingml/2006/chart">
+            <c:chart xmlns:c="http://schemas.openxmlformats.org/drawingml/2006/chart" xmlns:r="http://schemas.openxmlformats.org/officeDocument/2006/relationships" r:id="rId2"/>
+          </a:graphicData>
+        </a:graphic>
+      </p:graphicFrame>
+    </p:spTree>
+    <p:extLst>
+      <p:ext uri="{BB962C8B-B14F-4D97-AF65-F5344CB8AC3E}">
+        <p14:creationId xmlns:p14="http://schemas.microsoft.com/office/powerpoint/2010/main" val="2536212451"/>
+      </p:ext>
+    </p:extLst>
+  </p:cSld>
+  <p:clrMapOvr>
+    <a:masterClrMapping/>
+  </p:clrMapOvr>
+</p:sld>
+</file>
+
+<file path=ppt/slides/slide21.xml><?xml version="1.0" encoding="utf-8"?>
+<p:sld xmlns:a="http://schemas.openxmlformats.org/drawingml/2006/main" xmlns:r="http://schemas.openxmlformats.org/officeDocument/2006/relationships" xmlns:p="http://schemas.openxmlformats.org/presentationml/2006/main">
+  <p:cSld>
+    <p:spTree>
+      <p:nvGrpSpPr>
+        <p:cNvPr id="1" name=""/>
+        <p:cNvGrpSpPr/>
+        <p:nvPr/>
+      </p:nvGrpSpPr>
+      <p:grpSpPr>
+        <a:xfrm>
+          <a:off x="0" y="0"/>
+          <a:ext cx="0" cy="0"/>
+          <a:chOff x="0" y="0"/>
+          <a:chExt cx="0" cy="0"/>
+        </a:xfrm>
+      </p:grpSpPr>
+      <p:sp>
+        <p:nvSpPr>
+          <p:cNvPr id="2" name="Title 1">
+            <a:extLst>
+              <a:ext uri="{FF2B5EF4-FFF2-40B4-BE49-F238E27FC236}">
+                <a16:creationId xmlns:a16="http://schemas.microsoft.com/office/drawing/2014/main" id="{D0B87F8E-5D83-4513-9285-8A122C4A62CB}"/>
+              </a:ext>
+            </a:extLst>
+          </p:cNvPr>
+          <p:cNvSpPr>
+            <a:spLocks noGrp="1"/>
+          </p:cNvSpPr>
+          <p:nvPr>
+            <p:ph type="title"/>
+          </p:nvPr>
+        </p:nvSpPr>
+        <p:spPr>
+          <a:xfrm>
+            <a:off x="838200" y="308428"/>
+            <a:ext cx="10515600" cy="745218"/>
+          </a:xfrm>
+        </p:spPr>
+        <p:txBody>
+          <a:bodyPr/>
+          <a:lstStyle/>
+          <a:p>
+            <a:r>
+              <a:rPr lang="en-US" dirty="0"/>
+              <a:t>Different Object Sizes</a:t>
+            </a:r>
+          </a:p>
+        </p:txBody>
+      </p:sp>
+      <p:cxnSp>
+        <p:nvCxnSpPr>
+          <p:cNvPr id="5" name="Straight Connector 4">
+            <a:extLst>
+              <a:ext uri="{FF2B5EF4-FFF2-40B4-BE49-F238E27FC236}">
+                <a16:creationId xmlns:a16="http://schemas.microsoft.com/office/drawing/2014/main" id="{86EF85BD-B585-F4FA-AB4B-371C19D22622}"/>
+              </a:ext>
+            </a:extLst>
+          </p:cNvPr>
+          <p:cNvCxnSpPr/>
+          <p:nvPr/>
+        </p:nvCxnSpPr>
+        <p:spPr>
+          <a:xfrm>
+            <a:off x="615820" y="1287624"/>
+            <a:ext cx="10954139" cy="0"/>
+          </a:xfrm>
+          <a:prstGeom prst="line">
+            <a:avLst/>
+          </a:prstGeom>
+          <a:ln w="19050">
+            <a:solidFill>
+              <a:schemeClr val="bg1">
+                <a:lumMod val="50000"/>
+              </a:schemeClr>
+            </a:solidFill>
+            <a:prstDash val="sysDash"/>
+          </a:ln>
+        </p:spPr>
+        <p:style>
+          <a:lnRef idx="1">
+            <a:schemeClr val="accent1"/>
+          </a:lnRef>
+          <a:fillRef idx="0">
+            <a:schemeClr val="accent1"/>
+          </a:fillRef>
+          <a:effectRef idx="0">
+            <a:schemeClr val="accent1"/>
+          </a:effectRef>
+          <a:fontRef idx="minor">
+            <a:schemeClr val="tx1"/>
+          </a:fontRef>
+        </p:style>
+      </p:cxnSp>
+      <p:sp>
+        <p:nvSpPr>
+          <p:cNvPr id="3" name="TextBox 2">
+            <a:extLst>
+              <a:ext uri="{FF2B5EF4-FFF2-40B4-BE49-F238E27FC236}">
+                <a16:creationId xmlns:a16="http://schemas.microsoft.com/office/drawing/2014/main" id="{88BB732B-99AF-21B0-EB10-A46AAD81C772}"/>
+              </a:ext>
+            </a:extLst>
+          </p:cNvPr>
+          <p:cNvSpPr txBox="1"/>
+          <p:nvPr/>
+        </p:nvSpPr>
+        <p:spPr>
+          <a:xfrm>
+            <a:off x="2809362" y="5559343"/>
+            <a:ext cx="6567054" cy="738664"/>
+          </a:xfrm>
+          <a:prstGeom prst="rect">
+            <a:avLst/>
+          </a:prstGeom>
+          <a:noFill/>
+        </p:spPr>
+        <p:txBody>
+          <a:bodyPr wrap="square" rtlCol="0">
+            <a:spAutoFit/>
+          </a:bodyPr>
+          <a:lstStyle/>
+          <a:p>
+            <a:pPr algn="ctr"/>
+            <a:r>
+              <a:rPr lang="en-US" sz="2400" dirty="0"/>
+              <a:t>…</a:t>
+            </a:r>
+          </a:p>
+          <a:p>
+            <a:pPr algn="ctr"/>
+            <a:r>
+              <a:rPr lang="en-US" dirty="0"/>
+              <a:t>…</a:t>
+            </a:r>
+          </a:p>
+        </p:txBody>
+      </p:sp>
+      <p:graphicFrame>
+        <p:nvGraphicFramePr>
+          <p:cNvPr id="4" name="Chart 3">
+            <a:extLst>
+              <a:ext uri="{FF2B5EF4-FFF2-40B4-BE49-F238E27FC236}">
+                <a16:creationId xmlns:a16="http://schemas.microsoft.com/office/drawing/2014/main" id="{4661868B-897C-1324-2066-BC48B013D92B}"/>
+              </a:ext>
+            </a:extLst>
+          </p:cNvPr>
+          <p:cNvGraphicFramePr>
+            <a:graphicFrameLocks/>
+          </p:cNvGraphicFramePr>
+          <p:nvPr>
+            <p:extLst>
+              <p:ext uri="{D42A27DB-BD31-4B8C-83A1-F6EECF244321}">
+                <p14:modId xmlns:p14="http://schemas.microsoft.com/office/powerpoint/2010/main" val="671234378"/>
+              </p:ext>
+            </p:extLst>
+          </p:nvPr>
+        </p:nvGraphicFramePr>
+        <p:xfrm>
+          <a:off x="2438400" y="1371600"/>
+          <a:ext cx="7315200" cy="4114800"/>
+        </p:xfrm>
+        <a:graphic>
+          <a:graphicData uri="http://schemas.openxmlformats.org/drawingml/2006/chart">
+            <c:chart xmlns:c="http://schemas.openxmlformats.org/drawingml/2006/chart" xmlns:r="http://schemas.openxmlformats.org/officeDocument/2006/relationships" r:id="rId3"/>
+          </a:graphicData>
+        </a:graphic>
+      </p:graphicFrame>
+    </p:spTree>
+    <p:extLst>
+      <p:ext uri="{BB962C8B-B14F-4D97-AF65-F5344CB8AC3E}">
+        <p14:creationId xmlns:p14="http://schemas.microsoft.com/office/powerpoint/2010/main" val="2467973005"/>
+      </p:ext>
+    </p:extLst>
+  </p:cSld>
+  <p:clrMapOvr>
+    <a:masterClrMapping/>
+  </p:clrMapOvr>
+</p:sld>
+</file>
+
+<file path=ppt/slides/slide22.xml><?xml version="1.0" encoding="utf-8"?>
+<p:sld xmlns:a="http://schemas.openxmlformats.org/drawingml/2006/main" xmlns:r="http://schemas.openxmlformats.org/officeDocument/2006/relationships" xmlns:p="http://schemas.openxmlformats.org/presentationml/2006/main">
+  <p:cSld>
+    <p:spTree>
+      <p:nvGrpSpPr>
+        <p:cNvPr id="1" name=""/>
+        <p:cNvGrpSpPr/>
+        <p:nvPr/>
+      </p:nvGrpSpPr>
+      <p:grpSpPr>
+        <a:xfrm>
+          <a:off x="0" y="0"/>
+          <a:ext cx="0" cy="0"/>
+          <a:chOff x="0" y="0"/>
+          <a:chExt cx="0" cy="0"/>
+        </a:xfrm>
+      </p:grpSpPr>
+      <p:sp>
+        <p:nvSpPr>
+          <p:cNvPr id="2" name="Title 1">
+            <a:extLst>
+              <a:ext uri="{FF2B5EF4-FFF2-40B4-BE49-F238E27FC236}">
+                <a16:creationId xmlns:a16="http://schemas.microsoft.com/office/drawing/2014/main" id="{0F9BF145-4E41-CCA3-E21E-5F8E64340952}"/>
+              </a:ext>
+            </a:extLst>
+          </p:cNvPr>
+          <p:cNvSpPr>
+            <a:spLocks noGrp="1"/>
+          </p:cNvSpPr>
+          <p:nvPr>
+            <p:ph type="title"/>
+          </p:nvPr>
+        </p:nvSpPr>
         <p:spPr>
           <a:xfrm>
             <a:off x="838200" y="365126"/>
@@ -23170,8 +31422,8 @@
         </p:blipFill>
         <p:spPr>
           <a:xfrm>
-            <a:off x="671945" y="2809788"/>
-            <a:ext cx="4725059" cy="1238423"/>
+            <a:off x="615818" y="4507055"/>
+            <a:ext cx="5029200" cy="1318138"/>
           </a:xfrm>
         </p:spPr>
       </p:pic>
@@ -23189,16 +31441,15 @@
           </p:cNvPicPr>
           <p:nvPr/>
         </p:nvPicPr>
-        <p:blipFill>
+        <p:blipFill rotWithShape="1">
           <a:blip r:embed="rId3"/>
-          <a:stretch>
-            <a:fillRect/>
-          </a:stretch>
+          <a:srcRect t="56524"/>
+          <a:stretch/>
         </p:blipFill>
         <p:spPr>
           <a:xfrm>
-            <a:off x="6269563" y="1509206"/>
-            <a:ext cx="5534797" cy="4591691"/>
+            <a:off x="6546982" y="4507055"/>
+            <a:ext cx="5029200" cy="1813920"/>
           </a:xfrm>
           <a:prstGeom prst="rect">
             <a:avLst/>
@@ -23249,6 +31500,247 @@
           </a:fontRef>
         </p:style>
       </p:cxnSp>
+      <p:pic>
+        <p:nvPicPr>
+          <p:cNvPr id="6" name="Picture 5">
+            <a:extLst>
+              <a:ext uri="{FF2B5EF4-FFF2-40B4-BE49-F238E27FC236}">
+                <a16:creationId xmlns:a16="http://schemas.microsoft.com/office/drawing/2014/main" id="{734F44A9-8257-94B8-8147-3F19066873FE}"/>
+              </a:ext>
+            </a:extLst>
+          </p:cNvPr>
+          <p:cNvPicPr>
+            <a:picLocks noChangeAspect="1"/>
+          </p:cNvPicPr>
+          <p:nvPr/>
+        </p:nvPicPr>
+        <p:blipFill rotWithShape="1">
+          <a:blip r:embed="rId4"/>
+          <a:srcRect t="76951"/>
+          <a:stretch/>
+        </p:blipFill>
+        <p:spPr>
+          <a:xfrm>
+            <a:off x="615818" y="5986958"/>
+            <a:ext cx="5029200" cy="283834"/>
+          </a:xfrm>
+          <a:prstGeom prst="rect">
+            <a:avLst/>
+          </a:prstGeom>
+        </p:spPr>
+      </p:pic>
+      <p:sp>
+        <p:nvSpPr>
+          <p:cNvPr id="7" name="Content Placeholder 2">
+            <a:extLst>
+              <a:ext uri="{FF2B5EF4-FFF2-40B4-BE49-F238E27FC236}">
+                <a16:creationId xmlns:a16="http://schemas.microsoft.com/office/drawing/2014/main" id="{B1657517-D3EB-612C-A689-1224AB044CE1}"/>
+              </a:ext>
+            </a:extLst>
+          </p:cNvPr>
+          <p:cNvSpPr txBox="1">
+            <a:spLocks/>
+          </p:cNvSpPr>
+          <p:nvPr/>
+        </p:nvSpPr>
+        <p:spPr>
+          <a:xfrm>
+            <a:off x="838200" y="1635620"/>
+            <a:ext cx="10515600" cy="4351338"/>
+          </a:xfrm>
+          <a:prstGeom prst="rect">
+            <a:avLst/>
+          </a:prstGeom>
+        </p:spPr>
+        <p:txBody>
+          <a:bodyPr vert="horz" lIns="91440" tIns="45720" rIns="91440" bIns="45720" rtlCol="0">
+            <a:normAutofit/>
+          </a:bodyPr>
+          <a:lstStyle>
+            <a:lvl1pPr marL="228600" indent="-228600" algn="l" defTabSz="914400" rtl="0" eaLnBrk="1" latinLnBrk="0" hangingPunct="1">
+              <a:lnSpc>
+                <a:spcPct val="90000"/>
+              </a:lnSpc>
+              <a:spcBef>
+                <a:spcPts val="1000"/>
+              </a:spcBef>
+              <a:buFont typeface="Arial" panose="020B0604020202020204" pitchFamily="34" charset="0"/>
+              <a:buChar char="•"/>
+              <a:defRPr sz="2800" kern="1200">
+                <a:solidFill>
+                  <a:schemeClr val="tx1"/>
+                </a:solidFill>
+                <a:latin typeface="+mn-lt"/>
+                <a:ea typeface="+mn-ea"/>
+                <a:cs typeface="+mn-cs"/>
+              </a:defRPr>
+            </a:lvl1pPr>
+            <a:lvl2pPr marL="685800" indent="-228600" algn="l" defTabSz="914400" rtl="0" eaLnBrk="1" latinLnBrk="0" hangingPunct="1">
+              <a:lnSpc>
+                <a:spcPct val="90000"/>
+              </a:lnSpc>
+              <a:spcBef>
+                <a:spcPts val="500"/>
+              </a:spcBef>
+              <a:buFont typeface="Arial" panose="020B0604020202020204" pitchFamily="34" charset="0"/>
+              <a:buChar char="•"/>
+              <a:defRPr sz="2400" kern="1200">
+                <a:solidFill>
+                  <a:schemeClr val="tx1"/>
+                </a:solidFill>
+                <a:latin typeface="+mn-lt"/>
+                <a:ea typeface="+mn-ea"/>
+                <a:cs typeface="+mn-cs"/>
+              </a:defRPr>
+            </a:lvl2pPr>
+            <a:lvl3pPr marL="1143000" indent="-228600" algn="l" defTabSz="914400" rtl="0" eaLnBrk="1" latinLnBrk="0" hangingPunct="1">
+              <a:lnSpc>
+                <a:spcPct val="90000"/>
+              </a:lnSpc>
+              <a:spcBef>
+                <a:spcPts val="500"/>
+              </a:spcBef>
+              <a:buFont typeface="Arial" panose="020B0604020202020204" pitchFamily="34" charset="0"/>
+              <a:buChar char="•"/>
+              <a:defRPr sz="2000" kern="1200">
+                <a:solidFill>
+                  <a:schemeClr val="tx1"/>
+                </a:solidFill>
+                <a:latin typeface="+mn-lt"/>
+                <a:ea typeface="+mn-ea"/>
+                <a:cs typeface="+mn-cs"/>
+              </a:defRPr>
+            </a:lvl3pPr>
+            <a:lvl4pPr marL="1600200" indent="-228600" algn="l" defTabSz="914400" rtl="0" eaLnBrk="1" latinLnBrk="0" hangingPunct="1">
+              <a:lnSpc>
+                <a:spcPct val="90000"/>
+              </a:lnSpc>
+              <a:spcBef>
+                <a:spcPts val="500"/>
+              </a:spcBef>
+              <a:buFont typeface="Arial" panose="020B0604020202020204" pitchFamily="34" charset="0"/>
+              <a:buChar char="•"/>
+              <a:defRPr sz="1800" kern="1200">
+                <a:solidFill>
+                  <a:schemeClr val="tx1"/>
+                </a:solidFill>
+                <a:latin typeface="+mn-lt"/>
+                <a:ea typeface="+mn-ea"/>
+                <a:cs typeface="+mn-cs"/>
+              </a:defRPr>
+            </a:lvl4pPr>
+            <a:lvl5pPr marL="2057400" indent="-228600" algn="l" defTabSz="914400" rtl="0" eaLnBrk="1" latinLnBrk="0" hangingPunct="1">
+              <a:lnSpc>
+                <a:spcPct val="90000"/>
+              </a:lnSpc>
+              <a:spcBef>
+                <a:spcPts val="500"/>
+              </a:spcBef>
+              <a:buFont typeface="Arial" panose="020B0604020202020204" pitchFamily="34" charset="0"/>
+              <a:buChar char="•"/>
+              <a:defRPr sz="1800" kern="1200">
+                <a:solidFill>
+                  <a:schemeClr val="tx1"/>
+                </a:solidFill>
+                <a:latin typeface="+mn-lt"/>
+                <a:ea typeface="+mn-ea"/>
+                <a:cs typeface="+mn-cs"/>
+              </a:defRPr>
+            </a:lvl5pPr>
+            <a:lvl6pPr marL="2514600" indent="-228600" algn="l" defTabSz="914400" rtl="0" eaLnBrk="1" latinLnBrk="0" hangingPunct="1">
+              <a:lnSpc>
+                <a:spcPct val="90000"/>
+              </a:lnSpc>
+              <a:spcBef>
+                <a:spcPts val="500"/>
+              </a:spcBef>
+              <a:buFont typeface="Arial" panose="020B0604020202020204" pitchFamily="34" charset="0"/>
+              <a:buChar char="•"/>
+              <a:defRPr sz="1800" kern="1200">
+                <a:solidFill>
+                  <a:schemeClr val="tx1"/>
+                </a:solidFill>
+                <a:latin typeface="+mn-lt"/>
+                <a:ea typeface="+mn-ea"/>
+                <a:cs typeface="+mn-cs"/>
+              </a:defRPr>
+            </a:lvl6pPr>
+            <a:lvl7pPr marL="2971800" indent="-228600" algn="l" defTabSz="914400" rtl="0" eaLnBrk="1" latinLnBrk="0" hangingPunct="1">
+              <a:lnSpc>
+                <a:spcPct val="90000"/>
+              </a:lnSpc>
+              <a:spcBef>
+                <a:spcPts val="500"/>
+              </a:spcBef>
+              <a:buFont typeface="Arial" panose="020B0604020202020204" pitchFamily="34" charset="0"/>
+              <a:buChar char="•"/>
+              <a:defRPr sz="1800" kern="1200">
+                <a:solidFill>
+                  <a:schemeClr val="tx1"/>
+                </a:solidFill>
+                <a:latin typeface="+mn-lt"/>
+                <a:ea typeface="+mn-ea"/>
+                <a:cs typeface="+mn-cs"/>
+              </a:defRPr>
+            </a:lvl7pPr>
+            <a:lvl8pPr marL="3429000" indent="-228600" algn="l" defTabSz="914400" rtl="0" eaLnBrk="1" latinLnBrk="0" hangingPunct="1">
+              <a:lnSpc>
+                <a:spcPct val="90000"/>
+              </a:lnSpc>
+              <a:spcBef>
+                <a:spcPts val="500"/>
+              </a:spcBef>
+              <a:buFont typeface="Arial" panose="020B0604020202020204" pitchFamily="34" charset="0"/>
+              <a:buChar char="•"/>
+              <a:defRPr sz="1800" kern="1200">
+                <a:solidFill>
+                  <a:schemeClr val="tx1"/>
+                </a:solidFill>
+                <a:latin typeface="+mn-lt"/>
+                <a:ea typeface="+mn-ea"/>
+                <a:cs typeface="+mn-cs"/>
+              </a:defRPr>
+            </a:lvl8pPr>
+            <a:lvl9pPr marL="3886200" indent="-228600" algn="l" defTabSz="914400" rtl="0" eaLnBrk="1" latinLnBrk="0" hangingPunct="1">
+              <a:lnSpc>
+                <a:spcPct val="90000"/>
+              </a:lnSpc>
+              <a:spcBef>
+                <a:spcPts val="500"/>
+              </a:spcBef>
+              <a:buFont typeface="Arial" panose="020B0604020202020204" pitchFamily="34" charset="0"/>
+              <a:buChar char="•"/>
+              <a:defRPr sz="1800" kern="1200">
+                <a:solidFill>
+                  <a:schemeClr val="tx1"/>
+                </a:solidFill>
+                <a:latin typeface="+mn-lt"/>
+                <a:ea typeface="+mn-ea"/>
+                <a:cs typeface="+mn-cs"/>
+              </a:defRPr>
+            </a:lvl9pPr>
+          </a:lstStyle>
+          <a:p>
+            <a:r>
+              <a:rPr lang="en-US" dirty="0"/>
+              <a:t>Time performance not meant for many operations</a:t>
+            </a:r>
+          </a:p>
+          <a:p>
+            <a:r>
+              <a:rPr lang="en-US" dirty="0"/>
+              <a:t>Substantial difference in process time and actual time</a:t>
+            </a:r>
+          </a:p>
+          <a:p>
+            <a:pPr lvl="1"/>
+            <a:r>
+              <a:rPr lang="en-US" dirty="0"/>
+              <a:t>Occasionally led to EC2 killing the process</a:t>
+            </a:r>
+          </a:p>
+        </p:txBody>
+      </p:sp>
     </p:spTree>
     <p:extLst>
       <p:ext uri="{BB962C8B-B14F-4D97-AF65-F5344CB8AC3E}">
@@ -23262,7 +31754,7 @@
 </p:sld>
 </file>
 
-<file path=ppt/slides/slide17.xml><?xml version="1.0" encoding="utf-8"?>
+<file path=ppt/slides/slide23.xml><?xml version="1.0" encoding="utf-8"?>
 <p:sld xmlns:a="http://schemas.openxmlformats.org/drawingml/2006/main" xmlns:r="http://schemas.openxmlformats.org/officeDocument/2006/relationships" xmlns:p="http://schemas.openxmlformats.org/presentationml/2006/main">
   <p:cSld>
     <p:spTree>
@@ -23411,7 +31903,7 @@
 </p:sld>
 </file>
 
-<file path=ppt/slides/slide18.xml><?xml version="1.0" encoding="utf-8"?>
+<file path=ppt/slides/slide24.xml><?xml version="1.0" encoding="utf-8"?>
 <p:sld xmlns:a="http://schemas.openxmlformats.org/drawingml/2006/main" xmlns:r="http://schemas.openxmlformats.org/officeDocument/2006/relationships" xmlns:p="http://schemas.openxmlformats.org/presentationml/2006/main">
   <p:cSld>
     <p:spTree>
@@ -23492,7 +31984,7 @@
           <a:p>
             <a:r>
               <a:rPr lang="en-US" dirty="0"/>
-              <a:t>If time permits we will rewrite the program in C++ to allow for easier and faster manipulation of the data.</a:t>
+              <a:t>If time permits, we will rewrite the program in C++ to allow for easier and faster manipulation of the data.</a:t>
             </a:r>
           </a:p>
           <a:p>
@@ -23560,7 +32052,7 @@
 </p:sld>
 </file>
 
-<file path=ppt/slides/slide19.xml><?xml version="1.0" encoding="utf-8"?>
+<file path=ppt/slides/slide25.xml><?xml version="1.0" encoding="utf-8"?>
 <p:sld xmlns:a="http://schemas.openxmlformats.org/drawingml/2006/main" xmlns:r="http://schemas.openxmlformats.org/officeDocument/2006/relationships" xmlns:p="http://schemas.openxmlformats.org/presentationml/2006/main">
   <p:cSld>
     <p:spTree>
@@ -23639,8 +32131,11 @@
           <a:p>
             <a:r>
               <a:rPr lang="en-US" dirty="0"/>
-              <a:t>Daniel – Program refactoring, error checking, cleaned up global constants – ran S3 experiments</a:t>
+              <a:t>Daniel – Program Refactoring – made Separate Program with streamlined Architecture for S3 – ran S3 experiments</a:t>
             </a:r>
+          </a:p>
+          <a:p>
+            <a:endParaRPr lang="en-US" dirty="0"/>
           </a:p>
           <a:p>
             <a:r>
@@ -23710,145 +32205,7 @@
 </p:sld>
 </file>
 
-<file path=ppt/slides/slide2.xml><?xml version="1.0" encoding="utf-8"?>
-<p:sld xmlns:a="http://schemas.openxmlformats.org/drawingml/2006/main" xmlns:r="http://schemas.openxmlformats.org/officeDocument/2006/relationships" xmlns:p="http://schemas.openxmlformats.org/presentationml/2006/main">
-  <p:cSld>
-    <p:spTree>
-      <p:nvGrpSpPr>
-        <p:cNvPr id="1" name=""/>
-        <p:cNvGrpSpPr/>
-        <p:nvPr/>
-      </p:nvGrpSpPr>
-      <p:grpSpPr>
-        <a:xfrm>
-          <a:off x="0" y="0"/>
-          <a:ext cx="0" cy="0"/>
-          <a:chOff x="0" y="0"/>
-          <a:chExt cx="0" cy="0"/>
-        </a:xfrm>
-      </p:grpSpPr>
-      <p:sp>
-        <p:nvSpPr>
-          <p:cNvPr id="2" name="Title 1">
-            <a:extLst>
-              <a:ext uri="{FF2B5EF4-FFF2-40B4-BE49-F238E27FC236}">
-                <a16:creationId xmlns:a16="http://schemas.microsoft.com/office/drawing/2014/main" id="{D0B87F8E-5D83-4513-9285-8A122C4A62CB}"/>
-              </a:ext>
-            </a:extLst>
-          </p:cNvPr>
-          <p:cNvSpPr>
-            <a:spLocks noGrp="1"/>
-          </p:cNvSpPr>
-          <p:nvPr>
-            <p:ph type="title"/>
-          </p:nvPr>
-        </p:nvSpPr>
-        <p:spPr>
-          <a:xfrm>
-            <a:off x="615820" y="365126"/>
-            <a:ext cx="10737980" cy="745218"/>
-          </a:xfrm>
-        </p:spPr>
-        <p:txBody>
-          <a:bodyPr/>
-          <a:lstStyle/>
-          <a:p>
-            <a:r>
-              <a:rPr lang="en-US" b="1" dirty="0"/>
-              <a:t>Motivation</a:t>
-            </a:r>
-          </a:p>
-        </p:txBody>
-      </p:sp>
-      <p:graphicFrame>
-        <p:nvGraphicFramePr>
-          <p:cNvPr id="7" name="Content Placeholder 2">
-            <a:extLst>
-              <a:ext uri="{FF2B5EF4-FFF2-40B4-BE49-F238E27FC236}">
-                <a16:creationId xmlns:a16="http://schemas.microsoft.com/office/drawing/2014/main" id="{D2B600C7-A791-F681-D189-DA40156272DD}"/>
-              </a:ext>
-            </a:extLst>
-          </p:cNvPr>
-          <p:cNvGraphicFramePr>
-            <a:graphicFrameLocks noGrp="1"/>
-          </p:cNvGraphicFramePr>
-          <p:nvPr>
-            <p:ph idx="1"/>
-            <p:extLst>
-              <p:ext uri="{D42A27DB-BD31-4B8C-83A1-F6EECF244321}">
-                <p14:modId xmlns:p14="http://schemas.microsoft.com/office/powerpoint/2010/main" val="3580922237"/>
-              </p:ext>
-            </p:extLst>
-          </p:nvPr>
-        </p:nvGraphicFramePr>
-        <p:xfrm>
-          <a:off x="838200" y="1825625"/>
-          <a:ext cx="10515600" cy="4351338"/>
-        </p:xfrm>
-        <a:graphic>
-          <a:graphicData uri="http://schemas.openxmlformats.org/drawingml/2006/diagram">
-            <dgm:relIds xmlns:dgm="http://schemas.openxmlformats.org/drawingml/2006/diagram" xmlns:r="http://schemas.openxmlformats.org/officeDocument/2006/relationships" r:dm="rId3" r:lo="rId4" r:qs="rId5" r:cs="rId6"/>
-          </a:graphicData>
-        </a:graphic>
-      </p:graphicFrame>
-      <p:cxnSp>
-        <p:nvCxnSpPr>
-          <p:cNvPr id="5" name="Straight Connector 4">
-            <a:extLst>
-              <a:ext uri="{FF2B5EF4-FFF2-40B4-BE49-F238E27FC236}">
-                <a16:creationId xmlns:a16="http://schemas.microsoft.com/office/drawing/2014/main" id="{86EF85BD-B585-F4FA-AB4B-371C19D22622}"/>
-              </a:ext>
-            </a:extLst>
-          </p:cNvPr>
-          <p:cNvCxnSpPr/>
-          <p:nvPr/>
-        </p:nvCxnSpPr>
-        <p:spPr>
-          <a:xfrm>
-            <a:off x="615820" y="1287624"/>
-            <a:ext cx="10954139" cy="0"/>
-          </a:xfrm>
-          <a:prstGeom prst="line">
-            <a:avLst/>
-          </a:prstGeom>
-          <a:ln w="19050">
-            <a:solidFill>
-              <a:schemeClr val="bg1">
-                <a:lumMod val="50000"/>
-              </a:schemeClr>
-            </a:solidFill>
-            <a:prstDash val="sysDash"/>
-          </a:ln>
-        </p:spPr>
-        <p:style>
-          <a:lnRef idx="1">
-            <a:schemeClr val="accent1"/>
-          </a:lnRef>
-          <a:fillRef idx="0">
-            <a:schemeClr val="accent1"/>
-          </a:fillRef>
-          <a:effectRef idx="0">
-            <a:schemeClr val="accent1"/>
-          </a:effectRef>
-          <a:fontRef idx="minor">
-            <a:schemeClr val="tx1"/>
-          </a:fontRef>
-        </p:style>
-      </p:cxnSp>
-    </p:spTree>
-    <p:extLst>
-      <p:ext uri="{BB962C8B-B14F-4D97-AF65-F5344CB8AC3E}">
-        <p14:creationId xmlns:p14="http://schemas.microsoft.com/office/powerpoint/2010/main" val="838582685"/>
-      </p:ext>
-    </p:extLst>
-  </p:cSld>
-  <p:clrMapOvr>
-    <a:masterClrMapping/>
-  </p:clrMapOvr>
-</p:sld>
-</file>
-
-<file path=ppt/slides/slide20.xml><?xml version="1.0" encoding="utf-8"?>
+<file path=ppt/slides/slide26.xml><?xml version="1.0" encoding="utf-8"?>
 <p:sld xmlns:a="http://schemas.openxmlformats.org/drawingml/2006/main" xmlns:r="http://schemas.openxmlformats.org/officeDocument/2006/relationships" xmlns:p="http://schemas.openxmlformats.org/presentationml/2006/main">
   <p:cSld>
     <p:spTree>
@@ -24039,7 +32396,7 @@
 </p:sld>
 </file>
 
-<file path=ppt/slides/slide21.xml><?xml version="1.0" encoding="utf-8"?>
+<file path=ppt/slides/slide27.xml><?xml version="1.0" encoding="utf-8"?>
 <p:sld xmlns:a="http://schemas.openxmlformats.org/drawingml/2006/main" xmlns:r="http://schemas.openxmlformats.org/officeDocument/2006/relationships" xmlns:p="http://schemas.openxmlformats.org/presentationml/2006/main">
   <p:cSld>
     <p:spTree>
@@ -24317,27 +32674,27 @@
           <a:p>
             <a:r>
               <a:rPr lang="en-US" sz="3200" dirty="0"/>
-              <a:t>Control over the record size. </a:t>
+              <a:t>Control over the record size</a:t>
             </a:r>
           </a:p>
           <a:p>
             <a:r>
               <a:rPr lang="en-US" sz="3200" dirty="0"/>
-              <a:t>File systems on most computers are block devices.  </a:t>
+              <a:t>File systems on most computers are block devices</a:t>
             </a:r>
           </a:p>
           <a:p>
             <a:pPr lvl="1"/>
             <a:r>
               <a:rPr lang="en-US" sz="2800" dirty="0"/>
-              <a:t>Naïve: Hoped that EBS may offer some additional IO capability.</a:t>
+              <a:t>Naïve: Hoped that EBS may offer some additional IO capability</a:t>
             </a:r>
           </a:p>
           <a:p>
             <a:pPr lvl="1"/>
             <a:r>
               <a:rPr lang="en-US" sz="2800" dirty="0"/>
-              <a:t>Additionally, retrieving blocks of storage, as objects, by an identifier seems appealing.</a:t>
+              <a:t>Additionally, retrieving blocks of storage, as objects, by an identifier seems appealing</a:t>
             </a:r>
           </a:p>
           <a:p>

--- a/Proj_presentation.pptx
+++ b/Proj_presentation.pptx
@@ -1571,7 +1571,7 @@
                     </c:numCache>
                   </c:numRef>
                 </c:val>
-                <c:extLst>
+                <c:extLst xmlns:c15="http://schemas.microsoft.com/office/drawing/2012/chart">
                   <c:ext xmlns:c16="http://schemas.microsoft.com/office/drawing/2014/chart" uri="{C3380CC4-5D6E-409C-BE32-E72D297353CC}">
                     <c16:uniqueId val="{00000003-8E7D-4DFD-B32E-B2D94655403E}"/>
                   </c:ext>
@@ -1692,7 +1692,7 @@
                     </c:numCache>
                   </c:numRef>
                 </c:val>
-                <c:extLst>
+                <c:extLst xmlns:c15="http://schemas.microsoft.com/office/drawing/2012/chart">
                   <c:ext xmlns:c16="http://schemas.microsoft.com/office/drawing/2014/chart" uri="{C3380CC4-5D6E-409C-BE32-E72D297353CC}">
                     <c16:uniqueId val="{00000004-8E7D-4DFD-B32E-B2D94655403E}"/>
                   </c:ext>
@@ -1813,7 +1813,7 @@
                     </c:numCache>
                   </c:numRef>
                 </c:val>
-                <c:extLst>
+                <c:extLst xmlns:c15="http://schemas.microsoft.com/office/drawing/2012/chart">
                   <c:ext xmlns:c16="http://schemas.microsoft.com/office/drawing/2014/chart" uri="{C3380CC4-5D6E-409C-BE32-E72D297353CC}">
                     <c16:uniqueId val="{00000005-8E7D-4DFD-B32E-B2D94655403E}"/>
                   </c:ext>
@@ -1934,7 +1934,7 @@
                     </c:numCache>
                   </c:numRef>
                 </c:val>
-                <c:extLst>
+                <c:extLst xmlns:c15="http://schemas.microsoft.com/office/drawing/2012/chart">
                   <c:ext xmlns:c16="http://schemas.microsoft.com/office/drawing/2014/chart" uri="{C3380CC4-5D6E-409C-BE32-E72D297353CC}">
                     <c16:uniqueId val="{00000006-8E7D-4DFD-B32E-B2D94655403E}"/>
                   </c:ext>
@@ -7677,7 +7677,7 @@
                     </c:numCache>
                   </c:numRef>
                 </c:val>
-                <c:extLst>
+                <c:extLst xmlns:c15="http://schemas.microsoft.com/office/drawing/2012/chart">
                   <c:ext xmlns:c16="http://schemas.microsoft.com/office/drawing/2014/chart" uri="{C3380CC4-5D6E-409C-BE32-E72D297353CC}">
                     <c16:uniqueId val="{00000005-1719-45BF-882D-7F57AB9C0B6C}"/>
                   </c:ext>
@@ -7801,7 +7801,7 @@
                     </c:numCache>
                   </c:numRef>
                 </c:val>
-                <c:extLst>
+                <c:extLst xmlns:c15="http://schemas.microsoft.com/office/drawing/2012/chart">
                   <c:ext xmlns:c16="http://schemas.microsoft.com/office/drawing/2014/chart" uri="{C3380CC4-5D6E-409C-BE32-E72D297353CC}">
                     <c16:uniqueId val="{00000006-1719-45BF-882D-7F57AB9C0B6C}"/>
                   </c:ext>
@@ -21749,8 +21749,107 @@
               <a:t>One might hope that it’s because it grows logarithmically, but once we get 1000 objects, such hopes are no longer plausible.</a:t>
             </a:r>
           </a:p>
+        </p:txBody>
+      </p:sp>
+      <p:sp>
+        <p:nvSpPr>
+          <p:cNvPr id="4" name="Slide Number Placeholder 3"/>
+          <p:cNvSpPr>
+            <a:spLocks noGrp="1"/>
+          </p:cNvSpPr>
+          <p:nvPr>
+            <p:ph type="sldNum" sz="quarter" idx="5"/>
+          </p:nvPr>
+        </p:nvSpPr>
+        <p:spPr/>
+        <p:txBody>
+          <a:bodyPr/>
+          <a:lstStyle/>
+          <a:p>
+            <a:fld id="{1BFF8EC0-4E85-4B5B-B1AE-D39CEADE6519}" type="slidenum">
+              <a:rPr lang="en-US" smtClean="0"/>
+              <a:t>20</a:t>
+            </a:fld>
+            <a:endParaRPr lang="en-US"/>
+          </a:p>
+        </p:txBody>
+      </p:sp>
+    </p:spTree>
+    <p:extLst>
+      <p:ext uri="{BB962C8B-B14F-4D97-AF65-F5344CB8AC3E}">
+        <p14:creationId xmlns:p14="http://schemas.microsoft.com/office/powerpoint/2010/main" val="1909008404"/>
+      </p:ext>
+    </p:extLst>
+  </p:cSld>
+  <p:clrMapOvr>
+    <a:masterClrMapping/>
+  </p:clrMapOvr>
+</p:notes>
+</file>
+
+<file path=ppt/notesSlides/notesSlide14.xml><?xml version="1.0" encoding="utf-8"?>
+<p:notes xmlns:a="http://schemas.openxmlformats.org/drawingml/2006/main" xmlns:r="http://schemas.openxmlformats.org/officeDocument/2006/relationships" xmlns:p="http://schemas.openxmlformats.org/presentationml/2006/main">
+  <p:cSld>
+    <p:spTree>
+      <p:nvGrpSpPr>
+        <p:cNvPr id="1" name=""/>
+        <p:cNvGrpSpPr/>
+        <p:nvPr/>
+      </p:nvGrpSpPr>
+      <p:grpSpPr>
+        <a:xfrm>
+          <a:off x="0" y="0"/>
+          <a:ext cx="0" cy="0"/>
+          <a:chOff x="0" y="0"/>
+          <a:chExt cx="0" cy="0"/>
+        </a:xfrm>
+      </p:grpSpPr>
+      <p:sp>
+        <p:nvSpPr>
+          <p:cNvPr id="2" name="Slide Image Placeholder 1"/>
+          <p:cNvSpPr>
+            <a:spLocks noGrp="1" noRot="1" noChangeAspect="1"/>
+          </p:cNvSpPr>
+          <p:nvPr>
+            <p:ph type="sldImg"/>
+          </p:nvPr>
+        </p:nvSpPr>
+        <p:spPr/>
+      </p:sp>
+      <p:sp>
+        <p:nvSpPr>
+          <p:cNvPr id="3" name="Notes Placeholder 2"/>
+          <p:cNvSpPr>
+            <a:spLocks noGrp="1"/>
+          </p:cNvSpPr>
+          <p:nvPr>
+            <p:ph type="body" idx="1"/>
+          </p:nvPr>
+        </p:nvSpPr>
+        <p:spPr/>
+        <p:txBody>
+          <a:bodyPr/>
+          <a:lstStyle/>
+          <a:p>
+            <a:r>
+              <a:rPr lang="en-US" dirty="0"/>
+              <a:t>However, that is not actually the true amount of time that it takes.</a:t>
+            </a:r>
+          </a:p>
+          <a:p>
+            <a:r>
+              <a:rPr lang="en-US" dirty="0"/>
+              <a:t>The actual time instead in the 100s of seconds, with the average build time and read time being multiplied by 28 and 14, respectively.</a:t>
+            </a:r>
+          </a:p>
           <a:p>
             <a:endParaRPr lang="en-US" dirty="0"/>
+          </a:p>
+          <a:p>
+            <a:r>
+              <a:rPr lang="en-US" dirty="0"/>
+              <a:t>Now, all this time is the time it spends waiting. That is, for the S3 objects it requested.</a:t>
+            </a:r>
           </a:p>
         </p:txBody>
       </p:sp>
@@ -21790,7 +21889,118 @@
 </p:notes>
 </file>
 
-<file path=ppt/notesSlides/notesSlide14.xml><?xml version="1.0" encoding="utf-8"?>
+<file path=ppt/notesSlides/notesSlide15.xml><?xml version="1.0" encoding="utf-8"?>
+<p:notes xmlns:a="http://schemas.openxmlformats.org/drawingml/2006/main" xmlns:r="http://schemas.openxmlformats.org/officeDocument/2006/relationships" xmlns:p="http://schemas.openxmlformats.org/presentationml/2006/main">
+  <p:cSld>
+    <p:spTree>
+      <p:nvGrpSpPr>
+        <p:cNvPr id="1" name=""/>
+        <p:cNvGrpSpPr/>
+        <p:nvPr/>
+      </p:nvGrpSpPr>
+      <p:grpSpPr>
+        <a:xfrm>
+          <a:off x="0" y="0"/>
+          <a:ext cx="0" cy="0"/>
+          <a:chOff x="0" y="0"/>
+          <a:chExt cx="0" cy="0"/>
+        </a:xfrm>
+      </p:grpSpPr>
+      <p:sp>
+        <p:nvSpPr>
+          <p:cNvPr id="2" name="Slide Image Placeholder 1"/>
+          <p:cNvSpPr>
+            <a:spLocks noGrp="1" noRot="1" noChangeAspect="1"/>
+          </p:cNvSpPr>
+          <p:nvPr>
+            <p:ph type="sldImg"/>
+          </p:nvPr>
+        </p:nvSpPr>
+        <p:spPr/>
+      </p:sp>
+      <p:sp>
+        <p:nvSpPr>
+          <p:cNvPr id="3" name="Notes Placeholder 2"/>
+          <p:cNvSpPr>
+            <a:spLocks noGrp="1"/>
+          </p:cNvSpPr>
+          <p:nvPr>
+            <p:ph type="body" idx="1"/>
+          </p:nvPr>
+        </p:nvSpPr>
+        <p:spPr/>
+        <p:txBody>
+          <a:bodyPr/>
+          <a:lstStyle/>
+          <a:p>
+            <a:r>
+              <a:rPr lang="en-US" dirty="0"/>
+              <a:t>If time permits: &gt; Now, it gets worse.</a:t>
+            </a:r>
+          </a:p>
+          <a:p>
+            <a:r>
+              <a:rPr lang="en-US" dirty="0"/>
+              <a:t>The times for S3 I’ve showed you are using a shortcut that the EBS experiments did not use.</a:t>
+            </a:r>
+          </a:p>
+          <a:p>
+            <a:r>
+              <a:rPr lang="en-US" dirty="0"/>
+              <a:t>With the EBS experiments, the total amount of space required is just a single block.</a:t>
+            </a:r>
+          </a:p>
+          <a:p>
+            <a:r>
+              <a:rPr lang="en-US" dirty="0"/>
+              <a:t>Whenever the S3 experiments attempted the same thing, they took over 24 hours to complete.</a:t>
+            </a:r>
+          </a:p>
+          <a:p>
+            <a:r>
+              <a:rPr lang="en-US" dirty="0"/>
+              <a:t>So instead, I had to locally store ALL objects requested until the end of the full request for somewhat decent times.</a:t>
+            </a:r>
+          </a:p>
+        </p:txBody>
+      </p:sp>
+      <p:sp>
+        <p:nvSpPr>
+          <p:cNvPr id="4" name="Slide Number Placeholder 3"/>
+          <p:cNvSpPr>
+            <a:spLocks noGrp="1"/>
+          </p:cNvSpPr>
+          <p:nvPr>
+            <p:ph type="sldNum" sz="quarter" idx="5"/>
+          </p:nvPr>
+        </p:nvSpPr>
+        <p:spPr/>
+        <p:txBody>
+          <a:bodyPr/>
+          <a:lstStyle/>
+          <a:p>
+            <a:fld id="{1BFF8EC0-4E85-4B5B-B1AE-D39CEADE6519}" type="slidenum">
+              <a:rPr lang="en-US" smtClean="0"/>
+              <a:t>22</a:t>
+            </a:fld>
+            <a:endParaRPr lang="en-US"/>
+          </a:p>
+        </p:txBody>
+      </p:sp>
+    </p:spTree>
+    <p:extLst>
+      <p:ext uri="{BB962C8B-B14F-4D97-AF65-F5344CB8AC3E}">
+        <p14:creationId xmlns:p14="http://schemas.microsoft.com/office/powerpoint/2010/main" val="4129029426"/>
+      </p:ext>
+    </p:extLst>
+  </p:cSld>
+  <p:clrMapOvr>
+    <a:masterClrMapping/>
+  </p:clrMapOvr>
+</p:notes>
+</file>
+
+<file path=ppt/notesSlides/notesSlide16.xml><?xml version="1.0" encoding="utf-8"?>
 <p:notes xmlns:a="http://schemas.openxmlformats.org/drawingml/2006/main" xmlns:r="http://schemas.openxmlformats.org/officeDocument/2006/relationships" xmlns:p="http://schemas.openxmlformats.org/presentationml/2006/main">
   <p:cSld>
     <p:spTree>
@@ -27917,6 +28127,65 @@
           </a:fontRef>
         </p:style>
       </p:cxnSp>
+      <p:sp>
+        <p:nvSpPr>
+          <p:cNvPr id="5" name="Oval 4">
+            <a:extLst>
+              <a:ext uri="{FF2B5EF4-FFF2-40B4-BE49-F238E27FC236}">
+                <a16:creationId xmlns:a16="http://schemas.microsoft.com/office/drawing/2014/main" id="{6966FA43-059D-E73A-FA00-A5EEEE6408BC}"/>
+              </a:ext>
+            </a:extLst>
+          </p:cNvPr>
+          <p:cNvSpPr/>
+          <p:nvPr/>
+        </p:nvSpPr>
+        <p:spPr>
+          <a:xfrm>
+            <a:off x="9067800" y="2286000"/>
+            <a:ext cx="2286000" cy="2286000"/>
+          </a:xfrm>
+          <a:prstGeom prst="ellipse">
+            <a:avLst/>
+          </a:prstGeom>
+          <a:blipFill>
+            <a:blip r:embed="rId3">
+              <a:extLst>
+                <a:ext uri="{28A0092B-C50C-407E-A947-70E740481C1C}">
+                  <a14:useLocalDpi xmlns:a14="http://schemas.microsoft.com/office/drawing/2010/main" val="0"/>
+                </a:ext>
+              </a:extLst>
+            </a:blip>
+            <a:srcRect/>
+            <a:stretch>
+              <a:fillRect/>
+            </a:stretch>
+          </a:blipFill>
+        </p:spPr>
+        <p:style>
+          <a:lnRef idx="2">
+            <a:schemeClr val="lt1">
+              <a:hueOff val="0"/>
+              <a:satOff val="0"/>
+              <a:lumOff val="0"/>
+              <a:alphaOff val="0"/>
+            </a:schemeClr>
+          </a:lnRef>
+          <a:fillRef idx="1">
+            <a:scrgbClr r="0" g="0" b="0"/>
+          </a:fillRef>
+          <a:effectRef idx="0">
+            <a:schemeClr val="accent1">
+              <a:hueOff val="0"/>
+              <a:satOff val="0"/>
+              <a:lumOff val="0"/>
+              <a:alphaOff val="0"/>
+            </a:schemeClr>
+          </a:effectRef>
+          <a:fontRef idx="minor">
+            <a:schemeClr val="lt1"/>
+          </a:fontRef>
+        </p:style>
+      </p:sp>
     </p:spTree>
     <p:extLst>
       <p:ext uri="{BB962C8B-B14F-4D97-AF65-F5344CB8AC3E}">
@@ -27970,7 +28239,7 @@
           <a:p>
             <a:r>
               <a:rPr lang="en-US" dirty="0"/>
-              <a:t>AWS CLI</a:t>
+              <a:t>AWS CLI: Programmatic Access to Services</a:t>
             </a:r>
           </a:p>
         </p:txBody>
@@ -28103,6 +28372,51 @@
           </a:fontRef>
         </p:style>
       </p:cxnSp>
+      <p:pic>
+        <p:nvPicPr>
+          <p:cNvPr id="1026" name="Picture 2" descr="AWS CLIをWindowsにインストール・初期設定する手順 | Lancork">
+            <a:extLst>
+              <a:ext uri="{FF2B5EF4-FFF2-40B4-BE49-F238E27FC236}">
+                <a16:creationId xmlns:a16="http://schemas.microsoft.com/office/drawing/2014/main" id="{240AA7FE-0FBC-59F3-EB86-5607129522CD}"/>
+              </a:ext>
+            </a:extLst>
+          </p:cNvPr>
+          <p:cNvPicPr>
+            <a:picLocks noChangeAspect="1" noChangeArrowheads="1"/>
+          </p:cNvPicPr>
+          <p:nvPr/>
+        </p:nvPicPr>
+        <p:blipFill rotWithShape="1">
+          <a:blip r:embed="rId4">
+            <a:extLst>
+              <a:ext uri="{28A0092B-C50C-407E-A947-70E740481C1C}">
+                <a14:useLocalDpi xmlns:a14="http://schemas.microsoft.com/office/drawing/2010/main" val="0"/>
+              </a:ext>
+            </a:extLst>
+          </a:blip>
+          <a:srcRect l="12500" t="24286" r="14015" b="25209"/>
+          <a:stretch/>
+        </p:blipFill>
+        <p:spPr bwMode="auto">
+          <a:xfrm>
+            <a:off x="8610599" y="2545237"/>
+            <a:ext cx="2286000" cy="883763"/>
+          </a:xfrm>
+          <a:prstGeom prst="rect">
+            <a:avLst/>
+          </a:prstGeom>
+          <a:noFill/>
+          <a:extLst>
+            <a:ext uri="{909E8E84-426E-40DD-AFC4-6F175D3DCCD1}">
+              <a14:hiddenFill xmlns:a14="http://schemas.microsoft.com/office/drawing/2010/main">
+                <a:solidFill>
+                  <a:srgbClr val="FFFFFF"/>
+                </a:solidFill>
+              </a14:hiddenFill>
+            </a:ext>
+          </a:extLst>
+        </p:spPr>
+      </p:pic>
     </p:spTree>
     <p:extLst>
       <p:ext uri="{BB962C8B-B14F-4D97-AF65-F5344CB8AC3E}">
@@ -31097,7 +31411,7 @@
         <p:spPr>
           <a:xfrm>
             <a:off x="2809362" y="5559343"/>
-            <a:ext cx="6567054" cy="738664"/>
+            <a:ext cx="6567054" cy="461665"/>
           </a:xfrm>
           <a:prstGeom prst="rect">
             <a:avLst/>
@@ -31113,14 +31427,7 @@
             <a:pPr algn="ctr"/>
             <a:r>
               <a:rPr lang="en-US" sz="2400" dirty="0"/>
-              <a:t>…</a:t>
-            </a:r>
-          </a:p>
-          <a:p>
-            <a:pPr algn="ctr"/>
-            <a:r>
-              <a:rPr lang="en-US" dirty="0"/>
-              <a:t>…</a:t>
+              <a:t>Average Build &amp; Read process time: both &lt; 10s</a:t>
             </a:r>
           </a:p>
         </p:txBody>
@@ -31151,7 +31458,7 @@
         </p:xfrm>
         <a:graphic>
           <a:graphicData uri="http://schemas.openxmlformats.org/drawingml/2006/chart">
-            <c:chart xmlns:c="http://schemas.openxmlformats.org/drawingml/2006/chart" xmlns:r="http://schemas.openxmlformats.org/officeDocument/2006/relationships" r:id="rId2"/>
+            <c:chart xmlns:c="http://schemas.openxmlformats.org/drawingml/2006/chart" xmlns:r="http://schemas.openxmlformats.org/officeDocument/2006/relationships" r:id="rId3"/>
           </a:graphicData>
         </a:graphic>
       </p:graphicFrame>
@@ -31277,7 +31584,7 @@
         <p:spPr>
           <a:xfrm>
             <a:off x="2809362" y="5559343"/>
-            <a:ext cx="6567054" cy="738664"/>
+            <a:ext cx="6567054" cy="1138773"/>
           </a:xfrm>
           <a:prstGeom prst="rect">
             <a:avLst/>
@@ -31293,14 +31600,51 @@
             <a:pPr algn="ctr"/>
             <a:r>
               <a:rPr lang="en-US" sz="2400" dirty="0"/>
-              <a:t>…</a:t>
+              <a:t>Actual Time is in the 100s of seconds!</a:t>
             </a:r>
           </a:p>
           <a:p>
-            <a:pPr algn="ctr"/>
+            <a:pPr marL="342900" indent="-342900" algn="ctr">
+              <a:buFont typeface="Arial" panose="020B0604020202020204" pitchFamily="34" charset="0"/>
+              <a:buChar char="•"/>
+            </a:pPr>
             <a:r>
-              <a:rPr lang="en-US" dirty="0"/>
-              <a:t>…</a:t>
+              <a:rPr lang="en-US" sz="2200" dirty="0"/>
+              <a:t>Build Time: </a:t>
+            </a:r>
+            <a:r>
+              <a:rPr lang="en-US" sz="2000" dirty="0"/>
+              <a:t>~</a:t>
+            </a:r>
+            <a:r>
+              <a:rPr lang="en-US" sz="2200" b="1" dirty="0"/>
+              <a:t>28</a:t>
+            </a:r>
+            <a:r>
+              <a:rPr lang="en-US" sz="2200" dirty="0"/>
+              <a:t>x</a:t>
+            </a:r>
+          </a:p>
+          <a:p>
+            <a:pPr marL="342900" indent="-342900" algn="ctr">
+              <a:buFont typeface="Arial" panose="020B0604020202020204" pitchFamily="34" charset="0"/>
+              <a:buChar char="•"/>
+            </a:pPr>
+            <a:r>
+              <a:rPr lang="en-US" sz="2200" dirty="0"/>
+              <a:t>Read Time: </a:t>
+            </a:r>
+            <a:r>
+              <a:rPr lang="en-US" sz="2000" dirty="0"/>
+              <a:t>~</a:t>
+            </a:r>
+            <a:r>
+              <a:rPr lang="en-US" sz="2200" b="1" dirty="0"/>
+              <a:t>14</a:t>
+            </a:r>
+            <a:r>
+              <a:rPr lang="en-US" sz="2200" dirty="0"/>
+              <a:t>x</a:t>
             </a:r>
           </a:p>
         </p:txBody>
@@ -31415,7 +31759,7 @@
           </p:nvPr>
         </p:nvPicPr>
         <p:blipFill>
-          <a:blip r:embed="rId2"/>
+          <a:blip r:embed="rId3"/>
           <a:stretch>
             <a:fillRect/>
           </a:stretch>
@@ -31442,7 +31786,7 @@
           <p:nvPr/>
         </p:nvPicPr>
         <p:blipFill rotWithShape="1">
-          <a:blip r:embed="rId3"/>
+          <a:blip r:embed="rId4"/>
           <a:srcRect t="56524"/>
           <a:stretch/>
         </p:blipFill>
@@ -31515,7 +31859,7 @@
           <p:nvPr/>
         </p:nvPicPr>
         <p:blipFill rotWithShape="1">
-          <a:blip r:embed="rId4"/>
+          <a:blip r:embed="rId5"/>
           <a:srcRect t="76951"/>
           <a:stretch/>
         </p:blipFill>
@@ -31727,6 +32071,29 @@
             </a:r>
           </a:p>
           <a:p>
+            <a:pPr lvl="1"/>
+            <a:r>
+              <a:rPr lang="en-US" dirty="0"/>
+              <a:t>Especially with many objects in bucket (even if 1 object </a:t>
+            </a:r>
+            <a:r>
+              <a:rPr lang="en-US" dirty="0">
+                <a:sym typeface="Wingdings" panose="05000000000000000000" pitchFamily="2" charset="2"/>
+              </a:rPr>
+              <a:t> 1 voter record)</a:t>
+            </a:r>
+          </a:p>
+          <a:p>
+            <a:pPr lvl="1"/>
+            <a:r>
+              <a:rPr lang="en-US" dirty="0">
+                <a:sym typeface="Wingdings" panose="05000000000000000000" pitchFamily="2" charset="2"/>
+              </a:rPr>
+              <a:t>Substantial time to get results from experiments</a:t>
+            </a:r>
+            <a:endParaRPr lang="en-US" dirty="0"/>
+          </a:p>
+          <a:p>
             <a:r>
               <a:rPr lang="en-US" dirty="0"/>
               <a:t>Substantial difference in process time and actual time</a:t>
@@ -31835,13 +32202,16 @@
           <a:p>
             <a:r>
               <a:rPr lang="en-US" dirty="0"/>
-              <a:t>The expense is non-trivial.  Daily use for a single user would rival or surpass purchase of a desktop computer, of course the cloud instance is automatically upgradable without capitol investment.</a:t>
+              <a:t>The expense is non-trivial.  Daily use for a single user would rival or surpass purchase of a desktop computer, of course the cloud instance is automatically upgradable without capital investment.</a:t>
             </a:r>
+          </a:p>
+          <a:p>
+            <a:endParaRPr lang="en-US" dirty="0"/>
           </a:p>
           <a:p>
             <a:r>
               <a:rPr lang="en-US" dirty="0"/>
-              <a:t>S3 --</a:t>
+              <a:t>S3 is not suitable for random access, even if all records requested are locally stored.</a:t>
             </a:r>
           </a:p>
         </p:txBody>
@@ -31990,7 +32360,53 @@
           <a:p>
             <a:r>
               <a:rPr lang="en-US" dirty="0"/>
-              <a:t>S3 --</a:t>
+              <a:t>Possible attempts to improve S3 times:</a:t>
+            </a:r>
+          </a:p>
+          <a:p>
+            <a:pPr lvl="1"/>
+            <a:r>
+              <a:rPr lang="en-US" i="1" dirty="0"/>
+              <a:t>.csv</a:t>
+            </a:r>
+            <a:r>
+              <a:rPr lang="en-US" dirty="0"/>
+              <a:t> files instead of binary/octet-streams </a:t>
+            </a:r>
+            <a:r>
+              <a:rPr lang="en-US" dirty="0">
+                <a:sym typeface="Wingdings" panose="05000000000000000000" pitchFamily="2" charset="2"/>
+              </a:rPr>
+              <a:t></a:t>
+            </a:r>
+            <a:r>
+              <a:rPr lang="en-US" dirty="0"/>
+              <a:t> python module </a:t>
+            </a:r>
+            <a:r>
+              <a:rPr lang="en-US" i="1" dirty="0"/>
+              <a:t>pandas</a:t>
+            </a:r>
+            <a:r>
+              <a:rPr lang="en-US" dirty="0"/>
+              <a:t>.</a:t>
+            </a:r>
+          </a:p>
+          <a:p>
+            <a:pPr lvl="1"/>
+            <a:r>
+              <a:rPr lang="en-US" dirty="0"/>
+              <a:t>Remove security restrictions for bucket </a:t>
+            </a:r>
+            <a:r>
+              <a:rPr lang="en-US" dirty="0">
+                <a:sym typeface="Wingdings" panose="05000000000000000000" pitchFamily="2" charset="2"/>
+              </a:rPr>
+              <a:t></a:t>
+            </a:r>
+            <a:r>
+              <a:rPr lang="en-US" dirty="0"/>
+              <a:t> No need for IAM keys.</a:t>
             </a:r>
           </a:p>
         </p:txBody>
@@ -32244,8 +32660,8 @@
         </p:blipFill>
         <p:spPr>
           <a:xfrm>
-            <a:off x="625434" y="310615"/>
-            <a:ext cx="5263182" cy="3418545"/>
+            <a:off x="625434" y="269050"/>
+            <a:ext cx="5029200" cy="3266569"/>
           </a:xfrm>
           <a:prstGeom prst="rect">
             <a:avLst/>
@@ -32274,38 +32690,8 @@
         </p:blipFill>
         <p:spPr>
           <a:xfrm>
-            <a:off x="6515597" y="310615"/>
-            <a:ext cx="5050969" cy="3418544"/>
-          </a:xfrm>
-          <a:prstGeom prst="rect">
-            <a:avLst/>
-          </a:prstGeom>
-        </p:spPr>
-      </p:pic>
-      <p:pic>
-        <p:nvPicPr>
-          <p:cNvPr id="11" name="Picture 10">
-            <a:extLst>
-              <a:ext uri="{FF2B5EF4-FFF2-40B4-BE49-F238E27FC236}">
-                <a16:creationId xmlns:a16="http://schemas.microsoft.com/office/drawing/2014/main" id="{47CD8CEF-A0EF-134C-57C3-D165E6AA5473}"/>
-              </a:ext>
-            </a:extLst>
-          </p:cNvPr>
-          <p:cNvPicPr>
-            <a:picLocks noChangeAspect="1"/>
-          </p:cNvPicPr>
-          <p:nvPr/>
-        </p:nvPicPr>
-        <p:blipFill>
-          <a:blip r:embed="rId5"/>
-          <a:stretch>
-            <a:fillRect/>
-          </a:stretch>
-        </p:blipFill>
-        <p:spPr>
-          <a:xfrm>
-            <a:off x="625434" y="3429000"/>
-            <a:ext cx="4276725" cy="3276600"/>
+            <a:off x="6515597" y="269050"/>
+            <a:ext cx="5029200" cy="3403811"/>
           </a:xfrm>
           <a:prstGeom prst="rect">
             <a:avLst/>
@@ -32326,6 +32712,35 @@
           </p:cNvPicPr>
           <p:nvPr/>
         </p:nvPicPr>
+        <p:blipFill rotWithShape="1">
+          <a:blip r:embed="rId5"/>
+          <a:srcRect b="18191"/>
+          <a:stretch/>
+        </p:blipFill>
+        <p:spPr>
+          <a:xfrm>
+            <a:off x="6515597" y="3577185"/>
+            <a:ext cx="5029200" cy="2962160"/>
+          </a:xfrm>
+          <a:prstGeom prst="rect">
+            <a:avLst/>
+          </a:prstGeom>
+        </p:spPr>
+      </p:pic>
+      <p:pic>
+        <p:nvPicPr>
+          <p:cNvPr id="3" name="Picture 2">
+            <a:extLst>
+              <a:ext uri="{FF2B5EF4-FFF2-40B4-BE49-F238E27FC236}">
+                <a16:creationId xmlns:a16="http://schemas.microsoft.com/office/drawing/2014/main" id="{3C42D6BE-AC83-A422-8C65-B61DBCD94CF6}"/>
+              </a:ext>
+            </a:extLst>
+          </p:cNvPr>
+          <p:cNvPicPr>
+            <a:picLocks noChangeAspect="1"/>
+          </p:cNvPicPr>
+          <p:nvPr/>
+        </p:nvPicPr>
         <p:blipFill>
           <a:blip r:embed="rId6"/>
           <a:stretch>
@@ -32334,8 +32749,8 @@
         </p:blipFill>
         <p:spPr>
           <a:xfrm>
-            <a:off x="6095999" y="3562350"/>
-            <a:ext cx="5050969" cy="3143250"/>
+            <a:off x="625434" y="3429000"/>
+            <a:ext cx="5029200" cy="3110345"/>
           </a:xfrm>
           <a:prstGeom prst="rect">
             <a:avLst/>

--- a/Proj_presentation.pptx
+++ b/Proj_presentation.pptx
@@ -21542,13 +21542,14 @@
           <a:p>
             <a:r>
               <a:rPr lang="en-US" dirty="0"/>
-              <a:t>Now, the reason for this is quite simple.</a:t>
+              <a:t>Taking a look at the amount of space used by each, we see S3 is much better</a:t>
             </a:r>
-          </a:p>
-          <a:p>
+            <a:br>
+              <a:rPr lang="en-US" dirty="0"/>
+            </a:br>
             <a:r>
               <a:rPr lang="en-US" dirty="0"/>
-              <a:t>The average record size is about 97 B, but in block storage, all of them are put in 128 B blocks</a:t>
+              <a:t>The reason is quite simple: The average record size is about 97 B, but in block storage, all of them are put in 128 B blocks.</a:t>
             </a:r>
           </a:p>
         </p:txBody>
@@ -21635,25 +21636,25 @@
           <a:p>
             <a:r>
               <a:rPr lang="en-US" dirty="0"/>
-              <a:t>Now, these are impressive numbers.. but not in the right way.</a:t>
+              <a:t>Anyway, we first tried to have each object be a voter record (with the filename being the voter id).</a:t>
             </a:r>
           </a:p>
           <a:p>
             <a:r>
               <a:rPr lang="en-US" dirty="0"/>
-              <a:t>As such, I tried to reduce this by reducing the number of objects.</a:t>
+              <a:t>And, well, these are impressive numbers.. but not in the right way.</a:t>
             </a:r>
           </a:p>
           <a:p>
             <a:r>
               <a:rPr lang="en-US" dirty="0"/>
-              <a:t>  That is, by increasing the number of records per object.</a:t>
+              <a:t>| As such, I tried to reduce this by reducing the number of objects (that is, by increasing the number of records per object).</a:t>
             </a:r>
           </a:p>
           <a:p>
             <a:r>
               <a:rPr lang="en-US" dirty="0"/>
-              <a:t>  For this however, we will need to also build a dictionary for each records location in the object</a:t>
+              <a:t>For this however, we will need to also build a dictionary for each record’s location within the objects.</a:t>
             </a:r>
           </a:p>
         </p:txBody>
@@ -21740,14 +21741,25 @@
           <a:p>
             <a:r>
               <a:rPr lang="en-US" dirty="0"/>
-              <a:t>Between 1, 10, and 100, relatively speaking, there does not appear to be a huge difference.</a:t>
+              <a:t>Put simply, this dictionary refers to the object and line number to find the exact record in the S3 bucket.</a:t>
             </a:r>
           </a:p>
           <a:p>
             <a:r>
               <a:rPr lang="en-US" dirty="0"/>
-              <a:t>One might hope that it’s because it grows logarithmically, but once we get 1000 objects, such hopes are no longer plausible.</a:t>
+              <a:t>Additionally, we ended up using </a:t>
             </a:r>
+            <a:r>
+              <a:rPr lang="en-US" dirty="0" err="1"/>
+              <a:t>linecache</a:t>
+            </a:r>
+            <a:r>
+              <a:rPr lang="en-US" dirty="0"/>
+              <a:t> to improve random access of a line in a downloaded object.</a:t>
+            </a:r>
+          </a:p>
+          <a:p>
+            <a:endParaRPr lang="en-US" dirty="0"/>
           </a:p>
         </p:txBody>
       </p:sp>
@@ -21768,7 +21780,7 @@
           <a:p>
             <a:fld id="{1BFF8EC0-4E85-4B5B-B1AE-D39CEADE6519}" type="slidenum">
               <a:rPr lang="en-US" smtClean="0"/>
-              <a:t>20</a:t>
+              <a:t>19</a:t>
             </a:fld>
             <a:endParaRPr lang="en-US"/>
           </a:p>
@@ -21777,7 +21789,7 @@
     </p:spTree>
     <p:extLst>
       <p:ext uri="{BB962C8B-B14F-4D97-AF65-F5344CB8AC3E}">
-        <p14:creationId xmlns:p14="http://schemas.microsoft.com/office/powerpoint/2010/main" val="1909008404"/>
+        <p14:creationId xmlns:p14="http://schemas.microsoft.com/office/powerpoint/2010/main" val="2977702774"/>
       </p:ext>
     </p:extLst>
   </p:cSld>
@@ -21833,22 +21845,39 @@
           <a:p>
             <a:r>
               <a:rPr lang="en-US" dirty="0"/>
-              <a:t>However, that is not actually the true amount of time that it takes.</a:t>
+              <a:t>Between 1, 10, and 100, relatively speaking, there does not appear to be a huge difference.</a:t>
             </a:r>
           </a:p>
           <a:p>
             <a:r>
               <a:rPr lang="en-US" dirty="0"/>
-              <a:t>The actual time instead in the 100s of seconds, with the average build time and read time being multiplied by 28 and 14, respectively.</a:t>
+              <a:t>One might hope that it’s because It grows logarithmically, but once we get 1000 objects, such hopes are no longer plausible.</a:t>
             </a:r>
           </a:p>
           <a:p>
             <a:endParaRPr lang="en-US" dirty="0"/>
           </a:p>
           <a:p>
+            <a:pPr marL="0" marR="0" lvl="0" indent="0" algn="l" defTabSz="914400" rtl="0" eaLnBrk="1" fontAlgn="auto" latinLnBrk="0" hangingPunct="1">
+              <a:lnSpc>
+                <a:spcPct val="100000"/>
+              </a:lnSpc>
+              <a:spcBef>
+                <a:spcPts val="0"/>
+              </a:spcBef>
+              <a:spcAft>
+                <a:spcPts val="0"/>
+              </a:spcAft>
+              <a:buClrTx/>
+              <a:buSzTx/>
+              <a:buFontTx/>
+              <a:buNone/>
+              <a:tabLst/>
+              <a:defRPr/>
+            </a:pPr>
             <a:r>
               <a:rPr lang="en-US" dirty="0"/>
-              <a:t>Now, all this time is the time it spends waiting. That is, for the S3 objects it requested.</a:t>
+              <a:t>However, this is not actually the true amount of time that it takes.</a:t>
             </a:r>
           </a:p>
         </p:txBody>
@@ -21870,7 +21899,7 @@
           <a:p>
             <a:fld id="{1BFF8EC0-4E85-4B5B-B1AE-D39CEADE6519}" type="slidenum">
               <a:rPr lang="en-US" smtClean="0"/>
-              <a:t>21</a:t>
+              <a:t>20</a:t>
             </a:fld>
             <a:endParaRPr lang="en-US"/>
           </a:p>
@@ -21879,7 +21908,7 @@
     </p:spTree>
     <p:extLst>
       <p:ext uri="{BB962C8B-B14F-4D97-AF65-F5344CB8AC3E}">
-        <p14:creationId xmlns:p14="http://schemas.microsoft.com/office/powerpoint/2010/main" val="3178812513"/>
+        <p14:creationId xmlns:p14="http://schemas.microsoft.com/office/powerpoint/2010/main" val="1909008404"/>
       </p:ext>
     </p:extLst>
   </p:cSld>
@@ -21935,7 +21964,119 @@
           <a:p>
             <a:r>
               <a:rPr lang="en-US" dirty="0"/>
-              <a:t>If time permits: &gt; Now, it gets worse.</a:t>
+              <a:t>The actual time is instead in the 100s of seconds, with the average build time and read time being multiplied by 28 and 14, respectively.</a:t>
+            </a:r>
+          </a:p>
+          <a:p>
+            <a:endParaRPr lang="en-US" dirty="0"/>
+          </a:p>
+          <a:p>
+            <a:r>
+              <a:rPr lang="en-US" dirty="0"/>
+              <a:t>Now, all this additional time is the time it spends waiting for the S3 objects it requested.</a:t>
+            </a:r>
+          </a:p>
+        </p:txBody>
+      </p:sp>
+      <p:sp>
+        <p:nvSpPr>
+          <p:cNvPr id="4" name="Slide Number Placeholder 3"/>
+          <p:cNvSpPr>
+            <a:spLocks noGrp="1"/>
+          </p:cNvSpPr>
+          <p:nvPr>
+            <p:ph type="sldNum" sz="quarter" idx="5"/>
+          </p:nvPr>
+        </p:nvSpPr>
+        <p:spPr/>
+        <p:txBody>
+          <a:bodyPr/>
+          <a:lstStyle/>
+          <a:p>
+            <a:fld id="{1BFF8EC0-4E85-4B5B-B1AE-D39CEADE6519}" type="slidenum">
+              <a:rPr lang="en-US" smtClean="0"/>
+              <a:t>21</a:t>
+            </a:fld>
+            <a:endParaRPr lang="en-US"/>
+          </a:p>
+        </p:txBody>
+      </p:sp>
+    </p:spTree>
+    <p:extLst>
+      <p:ext uri="{BB962C8B-B14F-4D97-AF65-F5344CB8AC3E}">
+        <p14:creationId xmlns:p14="http://schemas.microsoft.com/office/powerpoint/2010/main" val="3178812513"/>
+      </p:ext>
+    </p:extLst>
+  </p:cSld>
+  <p:clrMapOvr>
+    <a:masterClrMapping/>
+  </p:clrMapOvr>
+</p:notes>
+</file>
+
+<file path=ppt/notesSlides/notesSlide16.xml><?xml version="1.0" encoding="utf-8"?>
+<p:notes xmlns:a="http://schemas.openxmlformats.org/drawingml/2006/main" xmlns:r="http://schemas.openxmlformats.org/officeDocument/2006/relationships" xmlns:p="http://schemas.openxmlformats.org/presentationml/2006/main">
+  <p:cSld>
+    <p:spTree>
+      <p:nvGrpSpPr>
+        <p:cNvPr id="1" name=""/>
+        <p:cNvGrpSpPr/>
+        <p:nvPr/>
+      </p:nvGrpSpPr>
+      <p:grpSpPr>
+        <a:xfrm>
+          <a:off x="0" y="0"/>
+          <a:ext cx="0" cy="0"/>
+          <a:chOff x="0" y="0"/>
+          <a:chExt cx="0" cy="0"/>
+        </a:xfrm>
+      </p:grpSpPr>
+      <p:sp>
+        <p:nvSpPr>
+          <p:cNvPr id="2" name="Slide Image Placeholder 1"/>
+          <p:cNvSpPr>
+            <a:spLocks noGrp="1" noRot="1" noChangeAspect="1"/>
+          </p:cNvSpPr>
+          <p:nvPr>
+            <p:ph type="sldImg"/>
+          </p:nvPr>
+        </p:nvSpPr>
+        <p:spPr/>
+      </p:sp>
+      <p:sp>
+        <p:nvSpPr>
+          <p:cNvPr id="3" name="Notes Placeholder 2"/>
+          <p:cNvSpPr>
+            <a:spLocks noGrp="1"/>
+          </p:cNvSpPr>
+          <p:nvPr>
+            <p:ph type="body" idx="1"/>
+          </p:nvPr>
+        </p:nvSpPr>
+        <p:spPr/>
+        <p:txBody>
+          <a:bodyPr/>
+          <a:lstStyle/>
+          <a:p>
+            <a:r>
+              <a:rPr lang="en-US" b="0" dirty="0"/>
+              <a:t>Overall, the challenges with S3 were due to the time it took. </a:t>
+            </a:r>
+          </a:p>
+          <a:p>
+            <a:r>
+              <a:rPr lang="en-US" b="0" dirty="0"/>
+              <a:t>And because of the difference between process time and actual time, I’ve had the EC2 instance kill itself multiple times, whereas my laptop works fine.</a:t>
+            </a:r>
+          </a:p>
+          <a:p>
+            <a:r>
+              <a:rPr lang="en-US" b="1" dirty="0"/>
+              <a:t>If time permits: </a:t>
+            </a:r>
+            <a:r>
+              <a:rPr lang="en-US" dirty="0"/>
+              <a:t>&gt; Now, it gets worse.</a:t>
             </a:r>
           </a:p>
           <a:p>
@@ -22000,7 +22141,7 @@
 </p:notes>
 </file>
 
-<file path=ppt/notesSlides/notesSlide16.xml><?xml version="1.0" encoding="utf-8"?>
+<file path=ppt/notesSlides/notesSlide17.xml><?xml version="1.0" encoding="utf-8"?>
 <p:notes xmlns:a="http://schemas.openxmlformats.org/drawingml/2006/main" xmlns:r="http://schemas.openxmlformats.org/officeDocument/2006/relationships" xmlns:p="http://schemas.openxmlformats.org/presentationml/2006/main">
   <p:cSld>
     <p:spTree>
@@ -22800,7 +22941,22 @@
           <a:p>
             <a:r>
               <a:rPr lang="en-US" dirty="0"/>
-              <a:t>"So, we decided to test it out and check its time performance"</a:t>
+              <a:t>Alright, so S3 as we know is scalable, highly available, absurdly durable, can be used for any type of data, and can store a lot.</a:t>
+            </a:r>
+          </a:p>
+          <a:p>
+            <a:r>
+              <a:rPr lang="en-US" dirty="0"/>
+              <a:t>Furthermore, it is used by millions of businesses and organizations worldwide</a:t>
+            </a:r>
+          </a:p>
+          <a:p>
+            <a:endParaRPr lang="en-US" dirty="0"/>
+          </a:p>
+          <a:p>
+            <a:r>
+              <a:rPr lang="en-US" dirty="0"/>
+              <a:t>So, we decided to test it out and check its performance.</a:t>
             </a:r>
           </a:p>
         </p:txBody>
@@ -32067,7 +32223,7 @@
           <a:p>
             <a:r>
               <a:rPr lang="en-US" dirty="0"/>
-              <a:t>Time performance not meant for many operations</a:t>
+              <a:t>Time performance not meant for many operations at a time</a:t>
             </a:r>
           </a:p>
           <a:p>
@@ -32194,24 +32350,36 @@
           </a:bodyPr>
           <a:lstStyle/>
           <a:p>
+            <a:pPr>
+              <a:spcAft>
+                <a:spcPts val="600"/>
+              </a:spcAft>
+            </a:pPr>
             <a:r>
               <a:rPr lang="en-US" dirty="0"/>
-              <a:t>We didn’t see a lot of difference in the GP2 GP3 and IO2 disks.  The disks used in the “I” family are faster.  </a:t>
+              <a:t>We didn’t see a lot of difference in the GP2 GP3 and IO2 disks.  The disks used in the “I” family are faster. </a:t>
             </a:r>
           </a:p>
           <a:p>
+            <a:pPr>
+              <a:spcAft>
+                <a:spcPts val="600"/>
+              </a:spcAft>
+            </a:pPr>
+            <a:r>
+              <a:rPr lang="en-US" dirty="0"/>
+              <a:t>S3 is not suitable for random access.</a:t>
+            </a:r>
+          </a:p>
+          <a:p>
+            <a:pPr>
+              <a:spcAft>
+                <a:spcPts val="600"/>
+              </a:spcAft>
+            </a:pPr>
             <a:r>
               <a:rPr lang="en-US" dirty="0"/>
               <a:t>The expense is non-trivial.  Daily use for a single user would rival or surpass purchase of a desktop computer, of course the cloud instance is automatically upgradable without capital investment.</a:t>
-            </a:r>
-          </a:p>
-          <a:p>
-            <a:endParaRPr lang="en-US" dirty="0"/>
-          </a:p>
-          <a:p>
-            <a:r>
-              <a:rPr lang="en-US" dirty="0"/>
-              <a:t>S3 is not suitable for random access, even if all records requested are locally stored.</a:t>
             </a:r>
           </a:p>
         </p:txBody>
@@ -32539,27 +32707,44 @@
           <a:bodyPr/>
           <a:lstStyle/>
           <a:p>
+            <a:pPr>
+              <a:spcAft>
+                <a:spcPts val="600"/>
+              </a:spcAft>
+            </a:pPr>
             <a:r>
               <a:rPr lang="en-US" dirty="0"/>
               <a:t>Glenn – Program Architecture – rough draft – ran EC2 experiments</a:t>
             </a:r>
           </a:p>
           <a:p>
+            <a:pPr>
+              <a:spcAft>
+                <a:spcPts val="600"/>
+              </a:spcAft>
+            </a:pPr>
             <a:r>
               <a:rPr lang="en-US" dirty="0"/>
               <a:t>Daniel – Program Refactoring – made Separate Program with streamlined Architecture for S3 – ran S3 experiments</a:t>
             </a:r>
           </a:p>
           <a:p>
-            <a:endParaRPr lang="en-US" dirty="0"/>
-          </a:p>
-          <a:p>
+            <a:pPr>
+              <a:spcAft>
+                <a:spcPts val="600"/>
+              </a:spcAft>
+            </a:pPr>
             <a:r>
               <a:rPr lang="en-US" dirty="0"/>
               <a:t>Both contributed to the slides for this presentation</a:t>
             </a:r>
           </a:p>
           <a:p>
+            <a:pPr>
+              <a:spcAft>
+                <a:spcPts val="600"/>
+              </a:spcAft>
+            </a:pPr>
             <a:endParaRPr lang="en-US" dirty="0"/>
           </a:p>
         </p:txBody>
